--- a/Livrables/D1.3 - DEF.pptx
+++ b/Livrables/D1.3 - DEF.pptx
@@ -5,16 +5,29 @@
     <p:sldMasterId id="2147483648" r:id="rId1"/>
   </p:sldMasterIdLst>
   <p:notesMasterIdLst>
-    <p:notesMasterId r:id="rId9"/>
+    <p:notesMasterId r:id="rId22"/>
   </p:notesMasterIdLst>
   <p:sldIdLst>
     <p:sldId id="259" r:id="rId2"/>
     <p:sldId id="261" r:id="rId3"/>
-    <p:sldId id="260" r:id="rId4"/>
-    <p:sldId id="262" r:id="rId5"/>
-    <p:sldId id="263" r:id="rId6"/>
-    <p:sldId id="264" r:id="rId7"/>
-    <p:sldId id="265" r:id="rId8"/>
+    <p:sldId id="267" r:id="rId4"/>
+    <p:sldId id="266" r:id="rId5"/>
+    <p:sldId id="270" r:id="rId6"/>
+    <p:sldId id="275" r:id="rId7"/>
+    <p:sldId id="276" r:id="rId8"/>
+    <p:sldId id="274" r:id="rId9"/>
+    <p:sldId id="260" r:id="rId10"/>
+    <p:sldId id="271" r:id="rId11"/>
+    <p:sldId id="268" r:id="rId12"/>
+    <p:sldId id="272" r:id="rId13"/>
+    <p:sldId id="263" r:id="rId14"/>
+    <p:sldId id="269" r:id="rId15"/>
+    <p:sldId id="273" r:id="rId16"/>
+    <p:sldId id="280" r:id="rId17"/>
+    <p:sldId id="277" r:id="rId18"/>
+    <p:sldId id="278" r:id="rId19"/>
+    <p:sldId id="264" r:id="rId20"/>
+    <p:sldId id="265" r:id="rId21"/>
   </p:sldIdLst>
   <p:sldSz cx="9144000" cy="6858000" type="screen4x3"/>
   <p:notesSz cx="6858000" cy="9144000"/>
@@ -591,18 +604,51 @@
             </a:r>
           </a:p>
           <a:p>
+            <a:r>
+              <a:rPr lang="fr-FR" baseline="0" dirty="0" smtClean="0"/>
+              <a:t>9 – Back end</a:t>
+            </a:r>
+          </a:p>
+          <a:p>
+            <a:r>
+              <a:rPr lang="fr-FR" baseline="0" dirty="0" smtClean="0"/>
+              <a:t>10 – Front end</a:t>
+            </a:r>
+          </a:p>
+          <a:p>
+            <a:r>
+              <a:rPr lang="fr-FR" baseline="0" dirty="0" smtClean="0"/>
+              <a:t>11 – Tests fonctionnels</a:t>
+            </a:r>
             <a:endParaRPr lang="fr-FR" baseline="0" dirty="0" smtClean="0"/>
           </a:p>
           <a:p>
             <a:r>
               <a:rPr lang="fr-FR" baseline="0" dirty="0" smtClean="0"/>
-              <a:t>TESTS UTILISATEURS</a:t>
-            </a:r>
-          </a:p>
-          <a:p>
+              <a:t>TESTS </a:t>
+            </a:r>
             <a:r>
               <a:rPr lang="fr-FR" baseline="0" dirty="0" smtClean="0"/>
-              <a:t>Démarche itérative</a:t>
+              <a:t>UTILISATEURS</a:t>
+            </a:r>
+          </a:p>
+          <a:p>
+            <a:endParaRPr lang="fr-FR" baseline="0" dirty="0" smtClean="0"/>
+          </a:p>
+          <a:p>
+            <a:r>
+              <a:rPr lang="fr-FR" baseline="0" dirty="0" smtClean="0"/>
+              <a:t>Démarche </a:t>
+            </a:r>
+            <a:r>
+              <a:rPr lang="fr-FR" baseline="0" dirty="0" smtClean="0"/>
+              <a:t>itérative </a:t>
+            </a:r>
+            <a:r>
+              <a:rPr lang="fr-FR" baseline="0" dirty="0" smtClean="0">
+                <a:sym typeface="Wingdings" pitchFamily="2" charset="2"/>
+              </a:rPr>
+              <a:t> nous on voulait faire 2 itérations</a:t>
             </a:r>
             <a:endParaRPr lang="fr-FR" dirty="0" smtClean="0"/>
           </a:p>
@@ -689,79 +735,6 @@
           </a:bodyPr>
           <a:lstStyle/>
           <a:p>
-            <a:r>
-              <a:rPr lang="fr-FR" dirty="0" smtClean="0"/>
-              <a:t>Notre démarche</a:t>
-            </a:r>
-            <a:r>
-              <a:rPr lang="fr-FR" baseline="0" dirty="0" smtClean="0"/>
-              <a:t> pour répondre à la problématique</a:t>
-            </a:r>
-          </a:p>
-          <a:p>
-            <a:r>
-              <a:rPr lang="fr-FR" baseline="0" dirty="0" smtClean="0"/>
-              <a:t>1 – Réalisation des questionnaires </a:t>
-            </a:r>
-            <a:r>
-              <a:rPr lang="fr-FR" baseline="0" dirty="0" smtClean="0">
-                <a:sym typeface="Wingdings" pitchFamily="2" charset="2"/>
-              </a:rPr>
-              <a:t> Pour obtenir les besoins réels des utilisateurs</a:t>
-            </a:r>
-            <a:endParaRPr lang="fr-FR" baseline="0" dirty="0" smtClean="0"/>
-          </a:p>
-          <a:p>
-            <a:r>
-              <a:rPr lang="fr-FR" baseline="0" dirty="0" smtClean="0"/>
-              <a:t>2 – Entretiens</a:t>
-            </a:r>
-          </a:p>
-          <a:p>
-            <a:r>
-              <a:rPr lang="fr-FR" baseline="0" dirty="0" smtClean="0"/>
-              <a:t>3 – Analyse des entretiens</a:t>
-            </a:r>
-          </a:p>
-          <a:p>
-            <a:r>
-              <a:rPr lang="fr-FR" baseline="0" dirty="0" smtClean="0"/>
-              <a:t>4 – Réalisation de maquettes </a:t>
-            </a:r>
-            <a:r>
-              <a:rPr lang="fr-FR" baseline="0" dirty="0" smtClean="0">
-                <a:sym typeface="Wingdings" pitchFamily="2" charset="2"/>
-              </a:rPr>
-              <a:t> Essayer d’avoir une disposition et un contenu adaptés aux utilisateurs</a:t>
-            </a:r>
-            <a:endParaRPr lang="fr-FR" baseline="0" dirty="0" smtClean="0"/>
-          </a:p>
-          <a:p>
-            <a:r>
-              <a:rPr lang="fr-FR" baseline="0" dirty="0" smtClean="0"/>
-              <a:t>5 – Entretiens</a:t>
-            </a:r>
-          </a:p>
-          <a:p>
-            <a:r>
-              <a:rPr lang="fr-FR" baseline="0" dirty="0" smtClean="0"/>
-              <a:t>6 – Analyse des entretiens</a:t>
-            </a:r>
-          </a:p>
-          <a:p>
-            <a:r>
-              <a:rPr lang="fr-FR" baseline="0" dirty="0" smtClean="0"/>
-              <a:t>7 - </a:t>
-            </a:r>
-          </a:p>
-          <a:p>
-            <a:r>
-              <a:rPr lang="fr-FR" baseline="0" dirty="0" smtClean="0"/>
-              <a:t>Démarche itérative</a:t>
-            </a:r>
-            <a:endParaRPr lang="fr-FR" dirty="0" smtClean="0"/>
-          </a:p>
-          <a:p>
             <a:endParaRPr lang="fr-FR" dirty="0"/>
           </a:p>
         </p:txBody>
@@ -866,7 +839,7 @@
             <a:fld id="{8140D90F-C6E8-4D2C-BA1B-D6C23459C063}" type="slidenum">
               <a:rPr lang="fr-FR" smtClean="0"/>
               <a:pPr/>
-              <a:t>5</a:t>
+              <a:t>9</a:t>
             </a:fld>
             <a:endParaRPr lang="fr-FR"/>
           </a:p>
@@ -926,79 +899,6 @@
           </a:bodyPr>
           <a:lstStyle/>
           <a:p>
-            <a:r>
-              <a:rPr lang="fr-FR" dirty="0" smtClean="0"/>
-              <a:t>Notre démarche</a:t>
-            </a:r>
-            <a:r>
-              <a:rPr lang="fr-FR" baseline="0" dirty="0" smtClean="0"/>
-              <a:t> pour répondre à la problématique</a:t>
-            </a:r>
-          </a:p>
-          <a:p>
-            <a:r>
-              <a:rPr lang="fr-FR" baseline="0" dirty="0" smtClean="0"/>
-              <a:t>1 – Réalisation des questionnaires </a:t>
-            </a:r>
-            <a:r>
-              <a:rPr lang="fr-FR" baseline="0" dirty="0" smtClean="0">
-                <a:sym typeface="Wingdings" pitchFamily="2" charset="2"/>
-              </a:rPr>
-              <a:t> Pour obtenir les besoins réels des utilisateurs</a:t>
-            </a:r>
-            <a:endParaRPr lang="fr-FR" baseline="0" dirty="0" smtClean="0"/>
-          </a:p>
-          <a:p>
-            <a:r>
-              <a:rPr lang="fr-FR" baseline="0" dirty="0" smtClean="0"/>
-              <a:t>2 – Entretiens</a:t>
-            </a:r>
-          </a:p>
-          <a:p>
-            <a:r>
-              <a:rPr lang="fr-FR" baseline="0" dirty="0" smtClean="0"/>
-              <a:t>3 – Analyse des entretiens</a:t>
-            </a:r>
-          </a:p>
-          <a:p>
-            <a:r>
-              <a:rPr lang="fr-FR" baseline="0" dirty="0" smtClean="0"/>
-              <a:t>4 – Réalisation de maquettes </a:t>
-            </a:r>
-            <a:r>
-              <a:rPr lang="fr-FR" baseline="0" dirty="0" smtClean="0">
-                <a:sym typeface="Wingdings" pitchFamily="2" charset="2"/>
-              </a:rPr>
-              <a:t> Essayer d’avoir une disposition et un contenu adaptés aux utilisateurs</a:t>
-            </a:r>
-            <a:endParaRPr lang="fr-FR" baseline="0" dirty="0" smtClean="0"/>
-          </a:p>
-          <a:p>
-            <a:r>
-              <a:rPr lang="fr-FR" baseline="0" dirty="0" smtClean="0"/>
-              <a:t>5 – Entretiens</a:t>
-            </a:r>
-          </a:p>
-          <a:p>
-            <a:r>
-              <a:rPr lang="fr-FR" baseline="0" dirty="0" smtClean="0"/>
-              <a:t>6 – Analyse des entretiens</a:t>
-            </a:r>
-          </a:p>
-          <a:p>
-            <a:r>
-              <a:rPr lang="fr-FR" baseline="0" dirty="0" smtClean="0"/>
-              <a:t>7 - </a:t>
-            </a:r>
-          </a:p>
-          <a:p>
-            <a:r>
-              <a:rPr lang="fr-FR" baseline="0" dirty="0" smtClean="0"/>
-              <a:t>Démarche itérative</a:t>
-            </a:r>
-            <a:endParaRPr lang="fr-FR" dirty="0" smtClean="0"/>
-          </a:p>
-          <a:p>
             <a:endParaRPr lang="fr-FR" dirty="0"/>
           </a:p>
         </p:txBody>
@@ -1021,7 +921,7 @@
             <a:fld id="{8140D90F-C6E8-4D2C-BA1B-D6C23459C063}" type="slidenum">
               <a:rPr lang="fr-FR" smtClean="0"/>
               <a:pPr/>
-              <a:t>6</a:t>
+              <a:t>11</a:t>
             </a:fld>
             <a:endParaRPr lang="fr-FR"/>
           </a:p>
@@ -1081,79 +981,6 @@
           </a:bodyPr>
           <a:lstStyle/>
           <a:p>
-            <a:r>
-              <a:rPr lang="fr-FR" dirty="0" smtClean="0"/>
-              <a:t>Notre démarche</a:t>
-            </a:r>
-            <a:r>
-              <a:rPr lang="fr-FR" baseline="0" dirty="0" smtClean="0"/>
-              <a:t> pour répondre à la problématique</a:t>
-            </a:r>
-          </a:p>
-          <a:p>
-            <a:r>
-              <a:rPr lang="fr-FR" baseline="0" dirty="0" smtClean="0"/>
-              <a:t>1 – Réalisation des questionnaires </a:t>
-            </a:r>
-            <a:r>
-              <a:rPr lang="fr-FR" baseline="0" dirty="0" smtClean="0">
-                <a:sym typeface="Wingdings" pitchFamily="2" charset="2"/>
-              </a:rPr>
-              <a:t> Pour obtenir les besoins réels des utilisateurs</a:t>
-            </a:r>
-            <a:endParaRPr lang="fr-FR" baseline="0" dirty="0" smtClean="0"/>
-          </a:p>
-          <a:p>
-            <a:r>
-              <a:rPr lang="fr-FR" baseline="0" dirty="0" smtClean="0"/>
-              <a:t>2 – Entretiens</a:t>
-            </a:r>
-          </a:p>
-          <a:p>
-            <a:r>
-              <a:rPr lang="fr-FR" baseline="0" dirty="0" smtClean="0"/>
-              <a:t>3 – Analyse des entretiens</a:t>
-            </a:r>
-          </a:p>
-          <a:p>
-            <a:r>
-              <a:rPr lang="fr-FR" baseline="0" dirty="0" smtClean="0"/>
-              <a:t>4 – Réalisation de maquettes </a:t>
-            </a:r>
-            <a:r>
-              <a:rPr lang="fr-FR" baseline="0" dirty="0" smtClean="0">
-                <a:sym typeface="Wingdings" pitchFamily="2" charset="2"/>
-              </a:rPr>
-              <a:t> Essayer d’avoir une disposition et un contenu adaptés aux utilisateurs</a:t>
-            </a:r>
-            <a:endParaRPr lang="fr-FR" baseline="0" dirty="0" smtClean="0"/>
-          </a:p>
-          <a:p>
-            <a:r>
-              <a:rPr lang="fr-FR" baseline="0" dirty="0" smtClean="0"/>
-              <a:t>5 – Entretiens</a:t>
-            </a:r>
-          </a:p>
-          <a:p>
-            <a:r>
-              <a:rPr lang="fr-FR" baseline="0" dirty="0" smtClean="0"/>
-              <a:t>6 – Analyse des entretiens</a:t>
-            </a:r>
-          </a:p>
-          <a:p>
-            <a:r>
-              <a:rPr lang="fr-FR" baseline="0" dirty="0" smtClean="0"/>
-              <a:t>7 - </a:t>
-            </a:r>
-          </a:p>
-          <a:p>
-            <a:r>
-              <a:rPr lang="fr-FR" baseline="0" dirty="0" smtClean="0"/>
-              <a:t>Démarche itérative</a:t>
-            </a:r>
-            <a:endParaRPr lang="fr-FR" dirty="0" smtClean="0"/>
-          </a:p>
-          <a:p>
             <a:endParaRPr lang="fr-FR" dirty="0"/>
           </a:p>
         </p:txBody>
@@ -1176,7 +1003,253 @@
             <a:fld id="{8140D90F-C6E8-4D2C-BA1B-D6C23459C063}" type="slidenum">
               <a:rPr lang="fr-FR" smtClean="0"/>
               <a:pPr/>
-              <a:t>7</a:t>
+              <a:t>13</a:t>
+            </a:fld>
+            <a:endParaRPr lang="fr-FR"/>
+          </a:p>
+        </p:txBody>
+      </p:sp>
+    </p:spTree>
+  </p:cSld>
+  <p:clrMapOvr>
+    <a:masterClrMapping/>
+  </p:clrMapOvr>
+</p:notes>
+</file>
+
+<file path=ppt/notesSlides/notesSlide6.xml><?xml version="1.0" encoding="utf-8"?>
+<p:notes xmlns:a="http://schemas.openxmlformats.org/drawingml/2006/main" xmlns:r="http://schemas.openxmlformats.org/officeDocument/2006/relationships" xmlns:p="http://schemas.openxmlformats.org/presentationml/2006/main">
+  <p:cSld>
+    <p:spTree>
+      <p:nvGrpSpPr>
+        <p:cNvPr id="1" name=""/>
+        <p:cNvGrpSpPr/>
+        <p:nvPr/>
+      </p:nvGrpSpPr>
+      <p:grpSpPr>
+        <a:xfrm>
+          <a:off x="0" y="0"/>
+          <a:ext cx="0" cy="0"/>
+          <a:chOff x="0" y="0"/>
+          <a:chExt cx="0" cy="0"/>
+        </a:xfrm>
+      </p:grpSpPr>
+      <p:sp>
+        <p:nvSpPr>
+          <p:cNvPr id="2" name="Espace réservé de l'image des diapositives 1"/>
+          <p:cNvSpPr>
+            <a:spLocks noGrp="1" noRot="1" noChangeAspect="1"/>
+          </p:cNvSpPr>
+          <p:nvPr>
+            <p:ph type="sldImg"/>
+          </p:nvPr>
+        </p:nvSpPr>
+        <p:spPr/>
+      </p:sp>
+      <p:sp>
+        <p:nvSpPr>
+          <p:cNvPr id="3" name="Espace réservé des commentaires 2"/>
+          <p:cNvSpPr>
+            <a:spLocks noGrp="1"/>
+          </p:cNvSpPr>
+          <p:nvPr>
+            <p:ph type="body" idx="1"/>
+          </p:nvPr>
+        </p:nvSpPr>
+        <p:spPr/>
+        <p:txBody>
+          <a:bodyPr>
+            <a:normAutofit/>
+          </a:bodyPr>
+          <a:lstStyle/>
+          <a:p>
+            <a:endParaRPr lang="fr-FR" dirty="0"/>
+          </a:p>
+        </p:txBody>
+      </p:sp>
+      <p:sp>
+        <p:nvSpPr>
+          <p:cNvPr id="4" name="Espace réservé du numéro de diapositive 3"/>
+          <p:cNvSpPr>
+            <a:spLocks noGrp="1"/>
+          </p:cNvSpPr>
+          <p:nvPr>
+            <p:ph type="sldNum" sz="quarter" idx="10"/>
+          </p:nvPr>
+        </p:nvSpPr>
+        <p:spPr/>
+        <p:txBody>
+          <a:bodyPr/>
+          <a:lstStyle/>
+          <a:p>
+            <a:fld id="{8140D90F-C6E8-4D2C-BA1B-D6C23459C063}" type="slidenum">
+              <a:rPr lang="fr-FR" smtClean="0"/>
+              <a:pPr/>
+              <a:t>14</a:t>
+            </a:fld>
+            <a:endParaRPr lang="fr-FR"/>
+          </a:p>
+        </p:txBody>
+      </p:sp>
+    </p:spTree>
+  </p:cSld>
+  <p:clrMapOvr>
+    <a:masterClrMapping/>
+  </p:clrMapOvr>
+</p:notes>
+</file>
+
+<file path=ppt/notesSlides/notesSlide7.xml><?xml version="1.0" encoding="utf-8"?>
+<p:notes xmlns:a="http://schemas.openxmlformats.org/drawingml/2006/main" xmlns:r="http://schemas.openxmlformats.org/officeDocument/2006/relationships" xmlns:p="http://schemas.openxmlformats.org/presentationml/2006/main">
+  <p:cSld>
+    <p:spTree>
+      <p:nvGrpSpPr>
+        <p:cNvPr id="1" name=""/>
+        <p:cNvGrpSpPr/>
+        <p:nvPr/>
+      </p:nvGrpSpPr>
+      <p:grpSpPr>
+        <a:xfrm>
+          <a:off x="0" y="0"/>
+          <a:ext cx="0" cy="0"/>
+          <a:chOff x="0" y="0"/>
+          <a:chExt cx="0" cy="0"/>
+        </a:xfrm>
+      </p:grpSpPr>
+      <p:sp>
+        <p:nvSpPr>
+          <p:cNvPr id="2" name="Espace réservé de l'image des diapositives 1"/>
+          <p:cNvSpPr>
+            <a:spLocks noGrp="1" noRot="1" noChangeAspect="1"/>
+          </p:cNvSpPr>
+          <p:nvPr>
+            <p:ph type="sldImg"/>
+          </p:nvPr>
+        </p:nvSpPr>
+        <p:spPr/>
+      </p:sp>
+      <p:sp>
+        <p:nvSpPr>
+          <p:cNvPr id="3" name="Espace réservé des commentaires 2"/>
+          <p:cNvSpPr>
+            <a:spLocks noGrp="1"/>
+          </p:cNvSpPr>
+          <p:nvPr>
+            <p:ph type="body" idx="1"/>
+          </p:nvPr>
+        </p:nvSpPr>
+        <p:spPr/>
+        <p:txBody>
+          <a:bodyPr>
+            <a:normAutofit/>
+          </a:bodyPr>
+          <a:lstStyle/>
+          <a:p>
+            <a:endParaRPr lang="fr-FR" dirty="0"/>
+          </a:p>
+        </p:txBody>
+      </p:sp>
+      <p:sp>
+        <p:nvSpPr>
+          <p:cNvPr id="4" name="Espace réservé du numéro de diapositive 3"/>
+          <p:cNvSpPr>
+            <a:spLocks noGrp="1"/>
+          </p:cNvSpPr>
+          <p:nvPr>
+            <p:ph type="sldNum" sz="quarter" idx="10"/>
+          </p:nvPr>
+        </p:nvSpPr>
+        <p:spPr/>
+        <p:txBody>
+          <a:bodyPr/>
+          <a:lstStyle/>
+          <a:p>
+            <a:fld id="{8140D90F-C6E8-4D2C-BA1B-D6C23459C063}" type="slidenum">
+              <a:rPr lang="fr-FR" smtClean="0"/>
+              <a:pPr/>
+              <a:t>19</a:t>
+            </a:fld>
+            <a:endParaRPr lang="fr-FR"/>
+          </a:p>
+        </p:txBody>
+      </p:sp>
+    </p:spTree>
+  </p:cSld>
+  <p:clrMapOvr>
+    <a:masterClrMapping/>
+  </p:clrMapOvr>
+</p:notes>
+</file>
+
+<file path=ppt/notesSlides/notesSlide8.xml><?xml version="1.0" encoding="utf-8"?>
+<p:notes xmlns:a="http://schemas.openxmlformats.org/drawingml/2006/main" xmlns:r="http://schemas.openxmlformats.org/officeDocument/2006/relationships" xmlns:p="http://schemas.openxmlformats.org/presentationml/2006/main">
+  <p:cSld>
+    <p:spTree>
+      <p:nvGrpSpPr>
+        <p:cNvPr id="1" name=""/>
+        <p:cNvGrpSpPr/>
+        <p:nvPr/>
+      </p:nvGrpSpPr>
+      <p:grpSpPr>
+        <a:xfrm>
+          <a:off x="0" y="0"/>
+          <a:ext cx="0" cy="0"/>
+          <a:chOff x="0" y="0"/>
+          <a:chExt cx="0" cy="0"/>
+        </a:xfrm>
+      </p:grpSpPr>
+      <p:sp>
+        <p:nvSpPr>
+          <p:cNvPr id="2" name="Espace réservé de l'image des diapositives 1"/>
+          <p:cNvSpPr>
+            <a:spLocks noGrp="1" noRot="1" noChangeAspect="1"/>
+          </p:cNvSpPr>
+          <p:nvPr>
+            <p:ph type="sldImg"/>
+          </p:nvPr>
+        </p:nvSpPr>
+        <p:spPr/>
+      </p:sp>
+      <p:sp>
+        <p:nvSpPr>
+          <p:cNvPr id="3" name="Espace réservé des commentaires 2"/>
+          <p:cNvSpPr>
+            <a:spLocks noGrp="1"/>
+          </p:cNvSpPr>
+          <p:nvPr>
+            <p:ph type="body" idx="1"/>
+          </p:nvPr>
+        </p:nvSpPr>
+        <p:spPr/>
+        <p:txBody>
+          <a:bodyPr>
+            <a:normAutofit/>
+          </a:bodyPr>
+          <a:lstStyle/>
+          <a:p>
+            <a:endParaRPr lang="fr-FR" dirty="0"/>
+          </a:p>
+        </p:txBody>
+      </p:sp>
+      <p:sp>
+        <p:nvSpPr>
+          <p:cNvPr id="4" name="Espace réservé du numéro de diapositive 3"/>
+          <p:cNvSpPr>
+            <a:spLocks noGrp="1"/>
+          </p:cNvSpPr>
+          <p:nvPr>
+            <p:ph type="sldNum" sz="quarter" idx="10"/>
+          </p:nvPr>
+        </p:nvSpPr>
+        <p:spPr/>
+        <p:txBody>
+          <a:bodyPr/>
+          <a:lstStyle/>
+          <a:p>
+            <a:fld id="{8140D90F-C6E8-4D2C-BA1B-D6C23459C063}" type="slidenum">
+              <a:rPr lang="fr-FR" smtClean="0"/>
+              <a:pPr/>
+              <a:t>20</a:t>
             </a:fld>
             <a:endParaRPr lang="fr-FR"/>
           </a:p>
@@ -1371,6 +1444,7 @@
           <a:p>
             <a:fld id="{96BB9F65-622B-4FEB-A8F6-764B4E8E753F}" type="datetime1">
               <a:rPr lang="fr-FR" smtClean="0"/>
+              <a:pPr/>
               <a:t>03/03/2014</a:t>
             </a:fld>
             <a:endParaRPr lang="fr-FR"/>
@@ -1541,6 +1615,7 @@
           <a:p>
             <a:fld id="{5135FCCB-A126-463F-B843-696CFA50F045}" type="datetime1">
               <a:rPr lang="fr-FR" smtClean="0"/>
+              <a:pPr/>
               <a:t>03/03/2014</a:t>
             </a:fld>
             <a:endParaRPr lang="fr-FR"/>
@@ -1721,6 +1796,7 @@
           <a:p>
             <a:fld id="{8D8AC947-9648-48A3-A567-A1D2B49BEF2B}" type="datetime1">
               <a:rPr lang="fr-FR" smtClean="0"/>
+              <a:pPr/>
               <a:t>03/03/2014</a:t>
             </a:fld>
             <a:endParaRPr lang="fr-FR"/>
@@ -1891,6 +1967,7 @@
           <a:p>
             <a:fld id="{0A9BE4D2-DDC8-4377-BEE5-0A9E7E27B20D}" type="datetime1">
               <a:rPr lang="fr-FR" smtClean="0"/>
+              <a:pPr/>
               <a:t>03/03/2014</a:t>
             </a:fld>
             <a:endParaRPr lang="fr-FR"/>
@@ -2137,6 +2214,7 @@
           <a:p>
             <a:fld id="{38107167-A58D-48B3-90B9-28562418CBA7}" type="datetime1">
               <a:rPr lang="fr-FR" smtClean="0"/>
+              <a:pPr/>
               <a:t>03/03/2014</a:t>
             </a:fld>
             <a:endParaRPr lang="fr-FR"/>
@@ -2425,6 +2503,7 @@
           <a:p>
             <a:fld id="{5E761DE2-4042-41FE-A921-968BD61C3900}" type="datetime1">
               <a:rPr lang="fr-FR" smtClean="0"/>
+              <a:pPr/>
               <a:t>03/03/2014</a:t>
             </a:fld>
             <a:endParaRPr lang="fr-FR"/>
@@ -2847,6 +2926,7 @@
           <a:p>
             <a:fld id="{DAC722F0-4EF2-458F-B5F5-F1AA4D94811E}" type="datetime1">
               <a:rPr lang="fr-FR" smtClean="0"/>
+              <a:pPr/>
               <a:t>03/03/2014</a:t>
             </a:fld>
             <a:endParaRPr lang="fr-FR"/>
@@ -2965,6 +3045,7 @@
           <a:p>
             <a:fld id="{9B21EE3E-61CF-46D7-B175-7F34C1FCF7E5}" type="datetime1">
               <a:rPr lang="fr-FR" smtClean="0"/>
+              <a:pPr/>
               <a:t>03/03/2014</a:t>
             </a:fld>
             <a:endParaRPr lang="fr-FR"/>
@@ -3060,6 +3141,7 @@
           <a:p>
             <a:fld id="{EC65782F-1C3E-4DFB-8F7E-6E52B322BF4F}" type="datetime1">
               <a:rPr lang="fr-FR" smtClean="0"/>
+              <a:pPr/>
               <a:t>03/03/2014</a:t>
             </a:fld>
             <a:endParaRPr lang="fr-FR"/>
@@ -3337,6 +3419,7 @@
           <a:p>
             <a:fld id="{F70D2953-A2EA-4086-8EFD-B193B864A479}" type="datetime1">
               <a:rPr lang="fr-FR" smtClean="0"/>
+              <a:pPr/>
               <a:t>03/03/2014</a:t>
             </a:fld>
             <a:endParaRPr lang="fr-FR"/>
@@ -3590,6 +3673,7 @@
           <a:p>
             <a:fld id="{70841CE0-15DA-4853-9DE5-115C40341E8D}" type="datetime1">
               <a:rPr lang="fr-FR" smtClean="0"/>
+              <a:pPr/>
               <a:t>03/03/2014</a:t>
             </a:fld>
             <a:endParaRPr lang="fr-FR"/>
@@ -3803,6 +3887,7 @@
           <a:p>
             <a:fld id="{9B34C205-87C1-4F05-A050-16032B491AAD}" type="datetime1">
               <a:rPr lang="fr-FR" smtClean="0"/>
+              <a:pPr/>
               <a:t>03/03/2014</a:t>
             </a:fld>
             <a:endParaRPr lang="fr-FR"/>
@@ -4362,7 +4447,7 @@
           <a:blip r:embed="rId2" cstate="print">
             <a:extLst>
               <a:ext uri="{28A0092B-C50C-407E-A947-70E740481C1C}">
-                <a14:useLocalDpi xmlns:a14="http://schemas.microsoft.com/office/drawing/2010/main" xmlns="" val="0"/>
+                <a14:useLocalDpi xmlns="" xmlns:a14="http://schemas.microsoft.com/office/drawing/2010/main" val="0"/>
               </a:ext>
             </a:extLst>
           </a:blip>
@@ -4406,6 +4491,3714 @@
           <a:noFill/>
         </p:spPr>
       </p:pic>
+    </p:spTree>
+  </p:cSld>
+  <p:clrMapOvr>
+    <a:masterClrMapping/>
+  </p:clrMapOvr>
+  <p:timing>
+    <p:tnLst>
+      <p:par>
+        <p:cTn id="1" dur="indefinite" restart="never" nodeType="tmRoot"/>
+      </p:par>
+    </p:tnLst>
+  </p:timing>
+</p:sld>
+</file>
+
+<file path=ppt/slides/slide10.xml><?xml version="1.0" encoding="utf-8"?>
+<p:sld xmlns:a="http://schemas.openxmlformats.org/drawingml/2006/main" xmlns:r="http://schemas.openxmlformats.org/officeDocument/2006/relationships" xmlns:p="http://schemas.openxmlformats.org/presentationml/2006/main">
+  <p:cSld>
+    <p:spTree>
+      <p:nvGrpSpPr>
+        <p:cNvPr id="1" name=""/>
+        <p:cNvGrpSpPr/>
+        <p:nvPr/>
+      </p:nvGrpSpPr>
+      <p:grpSpPr>
+        <a:xfrm>
+          <a:off x="0" y="0"/>
+          <a:ext cx="0" cy="0"/>
+          <a:chOff x="0" y="0"/>
+          <a:chExt cx="0" cy="0"/>
+        </a:xfrm>
+      </p:grpSpPr>
+      <p:sp>
+        <p:nvSpPr>
+          <p:cNvPr id="7" name="Rectangle 6"/>
+          <p:cNvSpPr/>
+          <p:nvPr/>
+        </p:nvSpPr>
+        <p:spPr>
+          <a:xfrm>
+            <a:off x="0" y="6309320"/>
+            <a:ext cx="9144000" cy="548680"/>
+          </a:xfrm>
+          <a:prstGeom prst="rect">
+            <a:avLst/>
+          </a:prstGeom>
+          <a:solidFill>
+            <a:srgbClr val="FFC000"/>
+          </a:solidFill>
+          <a:ln>
+            <a:noFill/>
+          </a:ln>
+        </p:spPr>
+        <p:style>
+          <a:lnRef idx="2">
+            <a:schemeClr val="accent1">
+              <a:shade val="50000"/>
+            </a:schemeClr>
+          </a:lnRef>
+          <a:fillRef idx="1">
+            <a:schemeClr val="accent1"/>
+          </a:fillRef>
+          <a:effectRef idx="0">
+            <a:schemeClr val="accent1"/>
+          </a:effectRef>
+          <a:fontRef idx="minor">
+            <a:schemeClr val="lt1"/>
+          </a:fontRef>
+        </p:style>
+        <p:txBody>
+          <a:bodyPr rtlCol="0" anchor="ctr"/>
+          <a:lstStyle/>
+          <a:p>
+            <a:pPr algn="ctr"/>
+            <a:endParaRPr lang="fr-FR"/>
+          </a:p>
+        </p:txBody>
+      </p:sp>
+      <p:sp>
+        <p:nvSpPr>
+          <p:cNvPr id="4" name="Rectangle 3"/>
+          <p:cNvSpPr/>
+          <p:nvPr/>
+        </p:nvSpPr>
+        <p:spPr>
+          <a:xfrm>
+            <a:off x="0" y="0"/>
+            <a:ext cx="9144000" cy="1556792"/>
+          </a:xfrm>
+          <a:prstGeom prst="rect">
+            <a:avLst/>
+          </a:prstGeom>
+          <a:solidFill>
+            <a:srgbClr val="FFC000"/>
+          </a:solidFill>
+          <a:ln>
+            <a:noFill/>
+          </a:ln>
+        </p:spPr>
+        <p:style>
+          <a:lnRef idx="2">
+            <a:schemeClr val="accent1">
+              <a:shade val="50000"/>
+            </a:schemeClr>
+          </a:lnRef>
+          <a:fillRef idx="1">
+            <a:schemeClr val="accent1"/>
+          </a:fillRef>
+          <a:effectRef idx="0">
+            <a:schemeClr val="accent1"/>
+          </a:effectRef>
+          <a:fontRef idx="minor">
+            <a:schemeClr val="lt1"/>
+          </a:fontRef>
+        </p:style>
+        <p:txBody>
+          <a:bodyPr rtlCol="0" anchor="ctr"/>
+          <a:lstStyle/>
+          <a:p>
+            <a:pPr algn="ctr"/>
+            <a:endParaRPr lang="fr-FR"/>
+          </a:p>
+        </p:txBody>
+      </p:sp>
+      <p:sp>
+        <p:nvSpPr>
+          <p:cNvPr id="2" name="Titre 1"/>
+          <p:cNvSpPr>
+            <a:spLocks noGrp="1"/>
+          </p:cNvSpPr>
+          <p:nvPr>
+            <p:ph type="title"/>
+          </p:nvPr>
+        </p:nvSpPr>
+        <p:spPr/>
+        <p:txBody>
+          <a:bodyPr/>
+          <a:lstStyle/>
+          <a:p>
+            <a:r>
+              <a:rPr lang="fr-FR" dirty="0" smtClean="0">
+                <a:solidFill>
+                  <a:schemeClr val="bg1"/>
+                </a:solidFill>
+              </a:rPr>
+              <a:t>Conception</a:t>
+            </a:r>
+            <a:endParaRPr lang="fr-FR" dirty="0">
+              <a:solidFill>
+                <a:schemeClr val="bg1"/>
+              </a:solidFill>
+            </a:endParaRPr>
+          </a:p>
+        </p:txBody>
+      </p:sp>
+      <p:sp>
+        <p:nvSpPr>
+          <p:cNvPr id="3" name="Espace réservé du contenu 2"/>
+          <p:cNvSpPr>
+            <a:spLocks noGrp="1"/>
+          </p:cNvSpPr>
+          <p:nvPr>
+            <p:ph idx="1"/>
+          </p:nvPr>
+        </p:nvSpPr>
+        <p:spPr/>
+        <p:txBody>
+          <a:bodyPr/>
+          <a:lstStyle/>
+          <a:p>
+            <a:r>
+              <a:rPr lang="fr-FR" dirty="0" smtClean="0"/>
+              <a:t>Cas d’utilisation</a:t>
+            </a:r>
+          </a:p>
+          <a:p>
+            <a:r>
+              <a:rPr lang="fr-FR" dirty="0" smtClean="0"/>
+              <a:t>Séquence</a:t>
+            </a:r>
+          </a:p>
+          <a:p>
+            <a:r>
+              <a:rPr lang="fr-FR" dirty="0" smtClean="0"/>
+              <a:t>BD</a:t>
+            </a:r>
+          </a:p>
+          <a:p>
+            <a:endParaRPr lang="fr-FR" dirty="0" smtClean="0"/>
+          </a:p>
+        </p:txBody>
+      </p:sp>
+      <p:sp>
+        <p:nvSpPr>
+          <p:cNvPr id="5" name="Espace réservé du numéro de diapositive 4"/>
+          <p:cNvSpPr>
+            <a:spLocks noGrp="1"/>
+          </p:cNvSpPr>
+          <p:nvPr>
+            <p:ph type="sldNum" sz="quarter" idx="12"/>
+          </p:nvPr>
+        </p:nvSpPr>
+        <p:spPr/>
+        <p:txBody>
+          <a:bodyPr/>
+          <a:lstStyle/>
+          <a:p>
+            <a:fld id="{B3C63893-BC38-4EBB-829D-DE1F1D825C70}" type="slidenum">
+              <a:rPr lang="fr-FR" b="1" smtClean="0">
+                <a:solidFill>
+                  <a:schemeClr val="bg1"/>
+                </a:solidFill>
+              </a:rPr>
+              <a:pPr/>
+              <a:t>10</a:t>
+            </a:fld>
+            <a:endParaRPr lang="fr-FR" b="1" dirty="0">
+              <a:solidFill>
+                <a:schemeClr val="bg1"/>
+              </a:solidFill>
+            </a:endParaRPr>
+          </a:p>
+        </p:txBody>
+      </p:sp>
+      <p:sp>
+        <p:nvSpPr>
+          <p:cNvPr id="6" name="Espace réservé du pied de page 5"/>
+          <p:cNvSpPr>
+            <a:spLocks noGrp="1"/>
+          </p:cNvSpPr>
+          <p:nvPr>
+            <p:ph type="ftr" sz="quarter" idx="11"/>
+          </p:nvPr>
+        </p:nvSpPr>
+        <p:spPr>
+          <a:xfrm>
+            <a:off x="1475656" y="6356350"/>
+            <a:ext cx="6264696" cy="501650"/>
+          </a:xfrm>
+        </p:spPr>
+        <p:txBody>
+          <a:bodyPr/>
+          <a:lstStyle/>
+          <a:p>
+            <a:r>
+              <a:rPr lang="fr-FR" b="1" dirty="0" smtClean="0">
+                <a:solidFill>
+                  <a:schemeClr val="bg1"/>
+                </a:solidFill>
+              </a:rPr>
+              <a:t>Gestion des emprunts de matériels - Alexis LAURENT, Suzy PAETA &amp; Romain ROUFAST</a:t>
+            </a:r>
+            <a:endParaRPr lang="fr-FR" b="1" dirty="0">
+              <a:solidFill>
+                <a:schemeClr val="bg1"/>
+              </a:solidFill>
+            </a:endParaRPr>
+          </a:p>
+        </p:txBody>
+      </p:sp>
+    </p:spTree>
+  </p:cSld>
+  <p:clrMapOvr>
+    <a:masterClrMapping/>
+  </p:clrMapOvr>
+  <p:timing>
+    <p:tnLst>
+      <p:par>
+        <p:cTn id="1" dur="indefinite" restart="never" nodeType="tmRoot"/>
+      </p:par>
+    </p:tnLst>
+  </p:timing>
+</p:sld>
+</file>
+
+<file path=ppt/slides/slide11.xml><?xml version="1.0" encoding="utf-8"?>
+<p:sld xmlns:a="http://schemas.openxmlformats.org/drawingml/2006/main" xmlns:r="http://schemas.openxmlformats.org/officeDocument/2006/relationships" xmlns:p="http://schemas.openxmlformats.org/presentationml/2006/main">
+  <p:cSld>
+    <p:spTree>
+      <p:nvGrpSpPr>
+        <p:cNvPr id="1" name=""/>
+        <p:cNvGrpSpPr/>
+        <p:nvPr/>
+      </p:nvGrpSpPr>
+      <p:grpSpPr>
+        <a:xfrm>
+          <a:off x="0" y="0"/>
+          <a:ext cx="0" cy="0"/>
+          <a:chOff x="0" y="0"/>
+          <a:chExt cx="0" cy="0"/>
+        </a:xfrm>
+      </p:grpSpPr>
+      <p:sp>
+        <p:nvSpPr>
+          <p:cNvPr id="7" name="Rectangle 6"/>
+          <p:cNvSpPr/>
+          <p:nvPr/>
+        </p:nvSpPr>
+        <p:spPr>
+          <a:xfrm>
+            <a:off x="0" y="6309320"/>
+            <a:ext cx="9144000" cy="548680"/>
+          </a:xfrm>
+          <a:prstGeom prst="rect">
+            <a:avLst/>
+          </a:prstGeom>
+          <a:solidFill>
+            <a:srgbClr val="FFC000"/>
+          </a:solidFill>
+          <a:ln>
+            <a:noFill/>
+          </a:ln>
+        </p:spPr>
+        <p:style>
+          <a:lnRef idx="2">
+            <a:schemeClr val="accent1">
+              <a:shade val="50000"/>
+            </a:schemeClr>
+          </a:lnRef>
+          <a:fillRef idx="1">
+            <a:schemeClr val="accent1"/>
+          </a:fillRef>
+          <a:effectRef idx="0">
+            <a:schemeClr val="accent1"/>
+          </a:effectRef>
+          <a:fontRef idx="minor">
+            <a:schemeClr val="lt1"/>
+          </a:fontRef>
+        </p:style>
+        <p:txBody>
+          <a:bodyPr rtlCol="0" anchor="ctr"/>
+          <a:lstStyle/>
+          <a:p>
+            <a:pPr algn="ctr"/>
+            <a:endParaRPr lang="fr-FR"/>
+          </a:p>
+        </p:txBody>
+      </p:sp>
+      <p:sp>
+        <p:nvSpPr>
+          <p:cNvPr id="4" name="Rectangle 3"/>
+          <p:cNvSpPr/>
+          <p:nvPr/>
+        </p:nvSpPr>
+        <p:spPr>
+          <a:xfrm>
+            <a:off x="0" y="0"/>
+            <a:ext cx="9144000" cy="1556792"/>
+          </a:xfrm>
+          <a:prstGeom prst="rect">
+            <a:avLst/>
+          </a:prstGeom>
+          <a:solidFill>
+            <a:srgbClr val="FFC000"/>
+          </a:solidFill>
+          <a:ln>
+            <a:noFill/>
+          </a:ln>
+        </p:spPr>
+        <p:style>
+          <a:lnRef idx="2">
+            <a:schemeClr val="accent1">
+              <a:shade val="50000"/>
+            </a:schemeClr>
+          </a:lnRef>
+          <a:fillRef idx="1">
+            <a:schemeClr val="accent1"/>
+          </a:fillRef>
+          <a:effectRef idx="0">
+            <a:schemeClr val="accent1"/>
+          </a:effectRef>
+          <a:fontRef idx="minor">
+            <a:schemeClr val="lt1"/>
+          </a:fontRef>
+        </p:style>
+        <p:txBody>
+          <a:bodyPr rtlCol="0" anchor="ctr"/>
+          <a:lstStyle/>
+          <a:p>
+            <a:pPr algn="ctr"/>
+            <a:endParaRPr lang="fr-FR"/>
+          </a:p>
+        </p:txBody>
+      </p:sp>
+      <p:sp>
+        <p:nvSpPr>
+          <p:cNvPr id="2" name="Titre 1"/>
+          <p:cNvSpPr>
+            <a:spLocks noGrp="1"/>
+          </p:cNvSpPr>
+          <p:nvPr>
+            <p:ph type="title"/>
+          </p:nvPr>
+        </p:nvSpPr>
+        <p:spPr/>
+        <p:txBody>
+          <a:bodyPr/>
+          <a:lstStyle/>
+          <a:p>
+            <a:r>
+              <a:rPr lang="fr-FR" dirty="0" smtClean="0">
+                <a:solidFill>
+                  <a:schemeClr val="bg1"/>
+                </a:solidFill>
+              </a:rPr>
+              <a:t>Notre démarche</a:t>
+            </a:r>
+            <a:endParaRPr lang="fr-FR" dirty="0">
+              <a:solidFill>
+                <a:schemeClr val="bg1"/>
+              </a:solidFill>
+            </a:endParaRPr>
+          </a:p>
+        </p:txBody>
+      </p:sp>
+      <p:sp>
+        <p:nvSpPr>
+          <p:cNvPr id="5" name="Espace réservé du numéro de diapositive 4"/>
+          <p:cNvSpPr>
+            <a:spLocks noGrp="1"/>
+          </p:cNvSpPr>
+          <p:nvPr>
+            <p:ph type="sldNum" sz="quarter" idx="12"/>
+          </p:nvPr>
+        </p:nvSpPr>
+        <p:spPr/>
+        <p:txBody>
+          <a:bodyPr/>
+          <a:lstStyle/>
+          <a:p>
+            <a:fld id="{B3C63893-BC38-4EBB-829D-DE1F1D825C70}" type="slidenum">
+              <a:rPr lang="fr-FR" b="1" smtClean="0">
+                <a:solidFill>
+                  <a:schemeClr val="bg1"/>
+                </a:solidFill>
+              </a:rPr>
+              <a:pPr/>
+              <a:t>11</a:t>
+            </a:fld>
+            <a:endParaRPr lang="fr-FR" b="1" dirty="0">
+              <a:solidFill>
+                <a:schemeClr val="bg1"/>
+              </a:solidFill>
+            </a:endParaRPr>
+          </a:p>
+        </p:txBody>
+      </p:sp>
+      <p:sp>
+        <p:nvSpPr>
+          <p:cNvPr id="6" name="Espace réservé du pied de page 5"/>
+          <p:cNvSpPr>
+            <a:spLocks noGrp="1"/>
+          </p:cNvSpPr>
+          <p:nvPr>
+            <p:ph type="ftr" sz="quarter" idx="11"/>
+          </p:nvPr>
+        </p:nvSpPr>
+        <p:spPr>
+          <a:xfrm>
+            <a:off x="1475656" y="6356350"/>
+            <a:ext cx="6264696" cy="501650"/>
+          </a:xfrm>
+        </p:spPr>
+        <p:txBody>
+          <a:bodyPr/>
+          <a:lstStyle/>
+          <a:p>
+            <a:r>
+              <a:rPr lang="fr-FR" b="1" dirty="0" smtClean="0">
+                <a:solidFill>
+                  <a:schemeClr val="bg1"/>
+                </a:solidFill>
+              </a:rPr>
+              <a:t>Gestion des emprunts de matériels - Alexis LAURENT, Suzy PAETA &amp; Romain ROUFAST</a:t>
+            </a:r>
+            <a:endParaRPr lang="fr-FR" b="1" dirty="0">
+              <a:solidFill>
+                <a:schemeClr val="bg1"/>
+              </a:solidFill>
+            </a:endParaRPr>
+          </a:p>
+        </p:txBody>
+      </p:sp>
+      <p:sp>
+        <p:nvSpPr>
+          <p:cNvPr id="8" name="ZoneTexte 7"/>
+          <p:cNvSpPr txBox="1"/>
+          <p:nvPr/>
+        </p:nvSpPr>
+        <p:spPr>
+          <a:xfrm>
+            <a:off x="395536" y="3068960"/>
+            <a:ext cx="2088232" cy="954107"/>
+          </a:xfrm>
+          <a:prstGeom prst="rect">
+            <a:avLst/>
+          </a:prstGeom>
+          <a:noFill/>
+        </p:spPr>
+        <p:txBody>
+          <a:bodyPr wrap="square" rtlCol="0">
+            <a:spAutoFit/>
+          </a:bodyPr>
+          <a:lstStyle/>
+          <a:p>
+            <a:r>
+              <a:rPr lang="fr-FR" sz="2800" dirty="0" smtClean="0">
+                <a:solidFill>
+                  <a:srgbClr val="FFC000"/>
+                </a:solidFill>
+              </a:rPr>
+              <a:t>Analyse Utilisateurs</a:t>
+            </a:r>
+            <a:endParaRPr lang="fr-FR" dirty="0">
+              <a:solidFill>
+                <a:srgbClr val="FFC000"/>
+              </a:solidFill>
+            </a:endParaRPr>
+          </a:p>
+        </p:txBody>
+      </p:sp>
+      <p:sp>
+        <p:nvSpPr>
+          <p:cNvPr id="9" name="ZoneTexte 8"/>
+          <p:cNvSpPr txBox="1"/>
+          <p:nvPr/>
+        </p:nvSpPr>
+        <p:spPr>
+          <a:xfrm>
+            <a:off x="3203848" y="3212976"/>
+            <a:ext cx="2088232" cy="523220"/>
+          </a:xfrm>
+          <a:prstGeom prst="rect">
+            <a:avLst/>
+          </a:prstGeom>
+          <a:noFill/>
+        </p:spPr>
+        <p:txBody>
+          <a:bodyPr wrap="square" rtlCol="0">
+            <a:spAutoFit/>
+          </a:bodyPr>
+          <a:lstStyle/>
+          <a:p>
+            <a:r>
+              <a:rPr lang="fr-FR" sz="2800" dirty="0" smtClean="0">
+                <a:solidFill>
+                  <a:srgbClr val="FFC000"/>
+                </a:solidFill>
+              </a:rPr>
+              <a:t>Conception</a:t>
+            </a:r>
+            <a:endParaRPr lang="fr-FR" dirty="0">
+              <a:solidFill>
+                <a:srgbClr val="FFC000"/>
+              </a:solidFill>
+            </a:endParaRPr>
+          </a:p>
+        </p:txBody>
+      </p:sp>
+      <p:sp>
+        <p:nvSpPr>
+          <p:cNvPr id="10" name="ZoneTexte 9"/>
+          <p:cNvSpPr txBox="1"/>
+          <p:nvPr/>
+        </p:nvSpPr>
+        <p:spPr>
+          <a:xfrm>
+            <a:off x="6335688" y="2276872"/>
+            <a:ext cx="2808312" cy="523220"/>
+          </a:xfrm>
+          <a:prstGeom prst="rect">
+            <a:avLst/>
+          </a:prstGeom>
+          <a:noFill/>
+        </p:spPr>
+        <p:txBody>
+          <a:bodyPr wrap="square" rtlCol="0">
+            <a:spAutoFit/>
+          </a:bodyPr>
+          <a:lstStyle/>
+          <a:p>
+            <a:r>
+              <a:rPr lang="fr-FR" sz="2800" b="1" dirty="0" smtClean="0">
+                <a:solidFill>
+                  <a:schemeClr val="accent6">
+                    <a:lumMod val="75000"/>
+                  </a:schemeClr>
+                </a:solidFill>
+              </a:rPr>
+              <a:t>Implémentation</a:t>
+            </a:r>
+            <a:endParaRPr lang="fr-FR" b="1" dirty="0">
+              <a:solidFill>
+                <a:schemeClr val="accent6">
+                  <a:lumMod val="75000"/>
+                </a:schemeClr>
+              </a:solidFill>
+            </a:endParaRPr>
+          </a:p>
+        </p:txBody>
+      </p:sp>
+      <p:sp>
+        <p:nvSpPr>
+          <p:cNvPr id="11" name="ZoneTexte 10"/>
+          <p:cNvSpPr txBox="1"/>
+          <p:nvPr/>
+        </p:nvSpPr>
+        <p:spPr>
+          <a:xfrm>
+            <a:off x="6300192" y="4293096"/>
+            <a:ext cx="2808312" cy="523220"/>
+          </a:xfrm>
+          <a:prstGeom prst="rect">
+            <a:avLst/>
+          </a:prstGeom>
+          <a:noFill/>
+        </p:spPr>
+        <p:txBody>
+          <a:bodyPr wrap="square" rtlCol="0">
+            <a:spAutoFit/>
+          </a:bodyPr>
+          <a:lstStyle/>
+          <a:p>
+            <a:r>
+              <a:rPr lang="fr-FR" sz="2800" dirty="0" smtClean="0">
+                <a:solidFill>
+                  <a:srgbClr val="FFC000"/>
+                </a:solidFill>
+              </a:rPr>
+              <a:t>Tests utilisateurs</a:t>
+            </a:r>
+            <a:endParaRPr lang="fr-FR" dirty="0">
+              <a:solidFill>
+                <a:srgbClr val="FFC000"/>
+              </a:solidFill>
+            </a:endParaRPr>
+          </a:p>
+        </p:txBody>
+      </p:sp>
+      <p:cxnSp>
+        <p:nvCxnSpPr>
+          <p:cNvPr id="12" name="Connecteur droit avec flèche 11"/>
+          <p:cNvCxnSpPr/>
+          <p:nvPr/>
+        </p:nvCxnSpPr>
+        <p:spPr>
+          <a:xfrm>
+            <a:off x="2267744" y="3501008"/>
+            <a:ext cx="792088" cy="0"/>
+          </a:xfrm>
+          <a:prstGeom prst="straightConnector1">
+            <a:avLst/>
+          </a:prstGeom>
+          <a:ln w="38100">
+            <a:solidFill>
+              <a:srgbClr val="FFC000"/>
+            </a:solidFill>
+            <a:tailEnd type="arrow"/>
+          </a:ln>
+        </p:spPr>
+        <p:style>
+          <a:lnRef idx="1">
+            <a:schemeClr val="accent1"/>
+          </a:lnRef>
+          <a:fillRef idx="0">
+            <a:schemeClr val="accent1"/>
+          </a:fillRef>
+          <a:effectRef idx="0">
+            <a:schemeClr val="accent1"/>
+          </a:effectRef>
+          <a:fontRef idx="minor">
+            <a:schemeClr val="tx1"/>
+          </a:fontRef>
+        </p:style>
+      </p:cxnSp>
+      <p:cxnSp>
+        <p:nvCxnSpPr>
+          <p:cNvPr id="14" name="Connecteur droit avec flèche 13"/>
+          <p:cNvCxnSpPr/>
+          <p:nvPr/>
+        </p:nvCxnSpPr>
+        <p:spPr>
+          <a:xfrm flipV="1">
+            <a:off x="5076056" y="2564904"/>
+            <a:ext cx="1008112" cy="746502"/>
+          </a:xfrm>
+          <a:prstGeom prst="straightConnector1">
+            <a:avLst/>
+          </a:prstGeom>
+          <a:ln w="38100">
+            <a:solidFill>
+              <a:srgbClr val="FFC000"/>
+            </a:solidFill>
+            <a:tailEnd type="arrow"/>
+          </a:ln>
+        </p:spPr>
+        <p:style>
+          <a:lnRef idx="1">
+            <a:schemeClr val="accent1"/>
+          </a:lnRef>
+          <a:fillRef idx="0">
+            <a:schemeClr val="accent1"/>
+          </a:fillRef>
+          <a:effectRef idx="0">
+            <a:schemeClr val="accent1"/>
+          </a:effectRef>
+          <a:fontRef idx="minor">
+            <a:schemeClr val="tx1"/>
+          </a:fontRef>
+        </p:style>
+      </p:cxnSp>
+      <p:cxnSp>
+        <p:nvCxnSpPr>
+          <p:cNvPr id="17" name="Connecteur droit avec flèche 16"/>
+          <p:cNvCxnSpPr/>
+          <p:nvPr/>
+        </p:nvCxnSpPr>
+        <p:spPr>
+          <a:xfrm>
+            <a:off x="7452320" y="2852936"/>
+            <a:ext cx="0" cy="1152128"/>
+          </a:xfrm>
+          <a:prstGeom prst="straightConnector1">
+            <a:avLst/>
+          </a:prstGeom>
+          <a:ln w="38100">
+            <a:solidFill>
+              <a:srgbClr val="FFC000"/>
+            </a:solidFill>
+            <a:tailEnd type="arrow"/>
+          </a:ln>
+        </p:spPr>
+        <p:style>
+          <a:lnRef idx="1">
+            <a:schemeClr val="accent1"/>
+          </a:lnRef>
+          <a:fillRef idx="0">
+            <a:schemeClr val="accent1"/>
+          </a:fillRef>
+          <a:effectRef idx="0">
+            <a:schemeClr val="accent1"/>
+          </a:effectRef>
+          <a:fontRef idx="minor">
+            <a:schemeClr val="tx1"/>
+          </a:fontRef>
+        </p:style>
+      </p:cxnSp>
+      <p:cxnSp>
+        <p:nvCxnSpPr>
+          <p:cNvPr id="20" name="Connecteur droit avec flèche 19"/>
+          <p:cNvCxnSpPr/>
+          <p:nvPr/>
+        </p:nvCxnSpPr>
+        <p:spPr>
+          <a:xfrm flipH="1" flipV="1">
+            <a:off x="5004048" y="3789040"/>
+            <a:ext cx="1080120" cy="864096"/>
+          </a:xfrm>
+          <a:prstGeom prst="straightConnector1">
+            <a:avLst/>
+          </a:prstGeom>
+          <a:ln w="38100">
+            <a:solidFill>
+              <a:srgbClr val="FFC000"/>
+            </a:solidFill>
+            <a:tailEnd type="arrow"/>
+          </a:ln>
+        </p:spPr>
+        <p:style>
+          <a:lnRef idx="1">
+            <a:schemeClr val="accent1"/>
+          </a:lnRef>
+          <a:fillRef idx="0">
+            <a:schemeClr val="accent1"/>
+          </a:fillRef>
+          <a:effectRef idx="0">
+            <a:schemeClr val="accent1"/>
+          </a:effectRef>
+          <a:fontRef idx="minor">
+            <a:schemeClr val="tx1"/>
+          </a:fontRef>
+        </p:style>
+      </p:cxnSp>
+    </p:spTree>
+  </p:cSld>
+  <p:clrMapOvr>
+    <a:masterClrMapping/>
+  </p:clrMapOvr>
+  <p:timing>
+    <p:tnLst>
+      <p:par>
+        <p:cTn id="1" dur="indefinite" restart="never" nodeType="tmRoot"/>
+      </p:par>
+    </p:tnLst>
+  </p:timing>
+</p:sld>
+</file>
+
+<file path=ppt/slides/slide12.xml><?xml version="1.0" encoding="utf-8"?>
+<p:sld xmlns:a="http://schemas.openxmlformats.org/drawingml/2006/main" xmlns:r="http://schemas.openxmlformats.org/officeDocument/2006/relationships" xmlns:p="http://schemas.openxmlformats.org/presentationml/2006/main">
+  <p:cSld>
+    <p:spTree>
+      <p:nvGrpSpPr>
+        <p:cNvPr id="1" name=""/>
+        <p:cNvGrpSpPr/>
+        <p:nvPr/>
+      </p:nvGrpSpPr>
+      <p:grpSpPr>
+        <a:xfrm>
+          <a:off x="0" y="0"/>
+          <a:ext cx="0" cy="0"/>
+          <a:chOff x="0" y="0"/>
+          <a:chExt cx="0" cy="0"/>
+        </a:xfrm>
+      </p:grpSpPr>
+      <p:sp>
+        <p:nvSpPr>
+          <p:cNvPr id="7" name="Rectangle 6"/>
+          <p:cNvSpPr/>
+          <p:nvPr/>
+        </p:nvSpPr>
+        <p:spPr>
+          <a:xfrm>
+            <a:off x="0" y="6309320"/>
+            <a:ext cx="9144000" cy="548680"/>
+          </a:xfrm>
+          <a:prstGeom prst="rect">
+            <a:avLst/>
+          </a:prstGeom>
+          <a:solidFill>
+            <a:srgbClr val="FFC000"/>
+          </a:solidFill>
+          <a:ln>
+            <a:noFill/>
+          </a:ln>
+        </p:spPr>
+        <p:style>
+          <a:lnRef idx="2">
+            <a:schemeClr val="accent1">
+              <a:shade val="50000"/>
+            </a:schemeClr>
+          </a:lnRef>
+          <a:fillRef idx="1">
+            <a:schemeClr val="accent1"/>
+          </a:fillRef>
+          <a:effectRef idx="0">
+            <a:schemeClr val="accent1"/>
+          </a:effectRef>
+          <a:fontRef idx="minor">
+            <a:schemeClr val="lt1"/>
+          </a:fontRef>
+        </p:style>
+        <p:txBody>
+          <a:bodyPr rtlCol="0" anchor="ctr"/>
+          <a:lstStyle/>
+          <a:p>
+            <a:pPr algn="ctr"/>
+            <a:endParaRPr lang="fr-FR"/>
+          </a:p>
+        </p:txBody>
+      </p:sp>
+      <p:sp>
+        <p:nvSpPr>
+          <p:cNvPr id="4" name="Rectangle 3"/>
+          <p:cNvSpPr/>
+          <p:nvPr/>
+        </p:nvSpPr>
+        <p:spPr>
+          <a:xfrm>
+            <a:off x="0" y="0"/>
+            <a:ext cx="9144000" cy="1556792"/>
+          </a:xfrm>
+          <a:prstGeom prst="rect">
+            <a:avLst/>
+          </a:prstGeom>
+          <a:solidFill>
+            <a:srgbClr val="FFC000"/>
+          </a:solidFill>
+          <a:ln>
+            <a:noFill/>
+          </a:ln>
+        </p:spPr>
+        <p:style>
+          <a:lnRef idx="2">
+            <a:schemeClr val="accent1">
+              <a:shade val="50000"/>
+            </a:schemeClr>
+          </a:lnRef>
+          <a:fillRef idx="1">
+            <a:schemeClr val="accent1"/>
+          </a:fillRef>
+          <a:effectRef idx="0">
+            <a:schemeClr val="accent1"/>
+          </a:effectRef>
+          <a:fontRef idx="minor">
+            <a:schemeClr val="lt1"/>
+          </a:fontRef>
+        </p:style>
+        <p:txBody>
+          <a:bodyPr rtlCol="0" anchor="ctr"/>
+          <a:lstStyle/>
+          <a:p>
+            <a:pPr algn="ctr"/>
+            <a:endParaRPr lang="fr-FR"/>
+          </a:p>
+        </p:txBody>
+      </p:sp>
+      <p:sp>
+        <p:nvSpPr>
+          <p:cNvPr id="2" name="Titre 1"/>
+          <p:cNvSpPr>
+            <a:spLocks noGrp="1"/>
+          </p:cNvSpPr>
+          <p:nvPr>
+            <p:ph type="title"/>
+          </p:nvPr>
+        </p:nvSpPr>
+        <p:spPr/>
+        <p:txBody>
+          <a:bodyPr/>
+          <a:lstStyle/>
+          <a:p>
+            <a:r>
+              <a:rPr lang="fr-FR" dirty="0" smtClean="0">
+                <a:solidFill>
+                  <a:schemeClr val="bg1"/>
+                </a:solidFill>
+              </a:rPr>
+              <a:t>Implémentation</a:t>
+            </a:r>
+            <a:endParaRPr lang="fr-FR" dirty="0">
+              <a:solidFill>
+                <a:schemeClr val="bg1"/>
+              </a:solidFill>
+            </a:endParaRPr>
+          </a:p>
+        </p:txBody>
+      </p:sp>
+      <p:sp>
+        <p:nvSpPr>
+          <p:cNvPr id="3" name="Espace réservé du contenu 2"/>
+          <p:cNvSpPr>
+            <a:spLocks noGrp="1"/>
+          </p:cNvSpPr>
+          <p:nvPr>
+            <p:ph idx="1"/>
+          </p:nvPr>
+        </p:nvSpPr>
+        <p:spPr/>
+        <p:txBody>
+          <a:bodyPr/>
+          <a:lstStyle/>
+          <a:p>
+            <a:r>
+              <a:rPr lang="fr-FR" dirty="0" smtClean="0">
+                <a:solidFill>
+                  <a:srgbClr val="FFC000"/>
+                </a:solidFill>
+              </a:rPr>
+              <a:t>Back-end</a:t>
+            </a:r>
+          </a:p>
+          <a:p>
+            <a:r>
+              <a:rPr lang="fr-FR" dirty="0" smtClean="0">
+                <a:solidFill>
+                  <a:srgbClr val="FFC000"/>
+                </a:solidFill>
+              </a:rPr>
+              <a:t>Front-end</a:t>
+            </a:r>
+          </a:p>
+          <a:p>
+            <a:r>
+              <a:rPr lang="fr-FR" dirty="0" smtClean="0">
+                <a:solidFill>
+                  <a:srgbClr val="FFC000"/>
+                </a:solidFill>
+              </a:rPr>
+              <a:t>Tests fonctionnels (sécurité)</a:t>
+            </a:r>
+          </a:p>
+        </p:txBody>
+      </p:sp>
+      <p:sp>
+        <p:nvSpPr>
+          <p:cNvPr id="5" name="Espace réservé du numéro de diapositive 4"/>
+          <p:cNvSpPr>
+            <a:spLocks noGrp="1"/>
+          </p:cNvSpPr>
+          <p:nvPr>
+            <p:ph type="sldNum" sz="quarter" idx="12"/>
+          </p:nvPr>
+        </p:nvSpPr>
+        <p:spPr/>
+        <p:txBody>
+          <a:bodyPr/>
+          <a:lstStyle/>
+          <a:p>
+            <a:fld id="{B3C63893-BC38-4EBB-829D-DE1F1D825C70}" type="slidenum">
+              <a:rPr lang="fr-FR" b="1" smtClean="0">
+                <a:solidFill>
+                  <a:schemeClr val="bg1"/>
+                </a:solidFill>
+              </a:rPr>
+              <a:pPr/>
+              <a:t>12</a:t>
+            </a:fld>
+            <a:endParaRPr lang="fr-FR" b="1" dirty="0">
+              <a:solidFill>
+                <a:schemeClr val="bg1"/>
+              </a:solidFill>
+            </a:endParaRPr>
+          </a:p>
+        </p:txBody>
+      </p:sp>
+      <p:sp>
+        <p:nvSpPr>
+          <p:cNvPr id="6" name="Espace réservé du pied de page 5"/>
+          <p:cNvSpPr>
+            <a:spLocks noGrp="1"/>
+          </p:cNvSpPr>
+          <p:nvPr>
+            <p:ph type="ftr" sz="quarter" idx="11"/>
+          </p:nvPr>
+        </p:nvSpPr>
+        <p:spPr>
+          <a:xfrm>
+            <a:off x="1475656" y="6356350"/>
+            <a:ext cx="6264696" cy="501650"/>
+          </a:xfrm>
+        </p:spPr>
+        <p:txBody>
+          <a:bodyPr/>
+          <a:lstStyle/>
+          <a:p>
+            <a:r>
+              <a:rPr lang="fr-FR" b="1" dirty="0" smtClean="0">
+                <a:solidFill>
+                  <a:schemeClr val="bg1"/>
+                </a:solidFill>
+              </a:rPr>
+              <a:t>Gestion des emprunts de matériels - Alexis LAURENT, Suzy PAETA &amp; Romain ROUFAST</a:t>
+            </a:r>
+            <a:endParaRPr lang="fr-FR" b="1" dirty="0">
+              <a:solidFill>
+                <a:schemeClr val="bg1"/>
+              </a:solidFill>
+            </a:endParaRPr>
+          </a:p>
+        </p:txBody>
+      </p:sp>
+    </p:spTree>
+  </p:cSld>
+  <p:clrMapOvr>
+    <a:masterClrMapping/>
+  </p:clrMapOvr>
+  <p:timing>
+    <p:tnLst>
+      <p:par>
+        <p:cTn id="1" dur="indefinite" restart="never" nodeType="tmRoot"/>
+      </p:par>
+    </p:tnLst>
+  </p:timing>
+</p:sld>
+</file>
+
+<file path=ppt/slides/slide13.xml><?xml version="1.0" encoding="utf-8"?>
+<p:sld xmlns:a="http://schemas.openxmlformats.org/drawingml/2006/main" xmlns:r="http://schemas.openxmlformats.org/officeDocument/2006/relationships" xmlns:p="http://schemas.openxmlformats.org/presentationml/2006/main">
+  <p:cSld>
+    <p:spTree>
+      <p:nvGrpSpPr>
+        <p:cNvPr id="1" name=""/>
+        <p:cNvGrpSpPr/>
+        <p:nvPr/>
+      </p:nvGrpSpPr>
+      <p:grpSpPr>
+        <a:xfrm>
+          <a:off x="0" y="0"/>
+          <a:ext cx="0" cy="0"/>
+          <a:chOff x="0" y="0"/>
+          <a:chExt cx="0" cy="0"/>
+        </a:xfrm>
+      </p:grpSpPr>
+      <p:sp>
+        <p:nvSpPr>
+          <p:cNvPr id="7" name="Rectangle 6"/>
+          <p:cNvSpPr/>
+          <p:nvPr/>
+        </p:nvSpPr>
+        <p:spPr>
+          <a:xfrm>
+            <a:off x="0" y="6309320"/>
+            <a:ext cx="9144000" cy="548680"/>
+          </a:xfrm>
+          <a:prstGeom prst="rect">
+            <a:avLst/>
+          </a:prstGeom>
+          <a:solidFill>
+            <a:srgbClr val="FFC000"/>
+          </a:solidFill>
+          <a:ln>
+            <a:noFill/>
+          </a:ln>
+        </p:spPr>
+        <p:style>
+          <a:lnRef idx="2">
+            <a:schemeClr val="accent1">
+              <a:shade val="50000"/>
+            </a:schemeClr>
+          </a:lnRef>
+          <a:fillRef idx="1">
+            <a:schemeClr val="accent1"/>
+          </a:fillRef>
+          <a:effectRef idx="0">
+            <a:schemeClr val="accent1"/>
+          </a:effectRef>
+          <a:fontRef idx="minor">
+            <a:schemeClr val="lt1"/>
+          </a:fontRef>
+        </p:style>
+        <p:txBody>
+          <a:bodyPr rtlCol="0" anchor="ctr"/>
+          <a:lstStyle/>
+          <a:p>
+            <a:pPr algn="ctr"/>
+            <a:endParaRPr lang="fr-FR"/>
+          </a:p>
+        </p:txBody>
+      </p:sp>
+      <p:sp>
+        <p:nvSpPr>
+          <p:cNvPr id="4" name="Rectangle 3"/>
+          <p:cNvSpPr/>
+          <p:nvPr/>
+        </p:nvSpPr>
+        <p:spPr>
+          <a:xfrm>
+            <a:off x="0" y="0"/>
+            <a:ext cx="9144000" cy="1556792"/>
+          </a:xfrm>
+          <a:prstGeom prst="rect">
+            <a:avLst/>
+          </a:prstGeom>
+          <a:solidFill>
+            <a:srgbClr val="FFC000"/>
+          </a:solidFill>
+          <a:ln>
+            <a:noFill/>
+          </a:ln>
+        </p:spPr>
+        <p:style>
+          <a:lnRef idx="2">
+            <a:schemeClr val="accent1">
+              <a:shade val="50000"/>
+            </a:schemeClr>
+          </a:lnRef>
+          <a:fillRef idx="1">
+            <a:schemeClr val="accent1"/>
+          </a:fillRef>
+          <a:effectRef idx="0">
+            <a:schemeClr val="accent1"/>
+          </a:effectRef>
+          <a:fontRef idx="minor">
+            <a:schemeClr val="lt1"/>
+          </a:fontRef>
+        </p:style>
+        <p:txBody>
+          <a:bodyPr rtlCol="0" anchor="ctr"/>
+          <a:lstStyle/>
+          <a:p>
+            <a:pPr algn="ctr"/>
+            <a:endParaRPr lang="fr-FR"/>
+          </a:p>
+        </p:txBody>
+      </p:sp>
+      <p:sp>
+        <p:nvSpPr>
+          <p:cNvPr id="2" name="Titre 1"/>
+          <p:cNvSpPr>
+            <a:spLocks noGrp="1"/>
+          </p:cNvSpPr>
+          <p:nvPr>
+            <p:ph type="title"/>
+          </p:nvPr>
+        </p:nvSpPr>
+        <p:spPr/>
+        <p:txBody>
+          <a:bodyPr/>
+          <a:lstStyle/>
+          <a:p>
+            <a:r>
+              <a:rPr lang="fr-FR" dirty="0" smtClean="0">
+                <a:solidFill>
+                  <a:schemeClr val="bg1"/>
+                </a:solidFill>
+              </a:rPr>
+              <a:t>Choix technologiques</a:t>
+            </a:r>
+            <a:endParaRPr lang="fr-FR" dirty="0">
+              <a:solidFill>
+                <a:schemeClr val="bg1"/>
+              </a:solidFill>
+            </a:endParaRPr>
+          </a:p>
+        </p:txBody>
+      </p:sp>
+      <p:sp>
+        <p:nvSpPr>
+          <p:cNvPr id="5" name="Espace réservé du numéro de diapositive 4"/>
+          <p:cNvSpPr>
+            <a:spLocks noGrp="1"/>
+          </p:cNvSpPr>
+          <p:nvPr>
+            <p:ph type="sldNum" sz="quarter" idx="12"/>
+          </p:nvPr>
+        </p:nvSpPr>
+        <p:spPr/>
+        <p:txBody>
+          <a:bodyPr/>
+          <a:lstStyle/>
+          <a:p>
+            <a:fld id="{B3C63893-BC38-4EBB-829D-DE1F1D825C70}" type="slidenum">
+              <a:rPr lang="fr-FR" b="1" smtClean="0">
+                <a:solidFill>
+                  <a:schemeClr val="bg1"/>
+                </a:solidFill>
+              </a:rPr>
+              <a:pPr/>
+              <a:t>13</a:t>
+            </a:fld>
+            <a:endParaRPr lang="fr-FR" b="1" dirty="0">
+              <a:solidFill>
+                <a:schemeClr val="bg1"/>
+              </a:solidFill>
+            </a:endParaRPr>
+          </a:p>
+        </p:txBody>
+      </p:sp>
+      <p:sp>
+        <p:nvSpPr>
+          <p:cNvPr id="6" name="Espace réservé du pied de page 5"/>
+          <p:cNvSpPr>
+            <a:spLocks noGrp="1"/>
+          </p:cNvSpPr>
+          <p:nvPr>
+            <p:ph type="ftr" sz="quarter" idx="11"/>
+          </p:nvPr>
+        </p:nvSpPr>
+        <p:spPr>
+          <a:xfrm>
+            <a:off x="1475656" y="6356350"/>
+            <a:ext cx="6264696" cy="501650"/>
+          </a:xfrm>
+        </p:spPr>
+        <p:txBody>
+          <a:bodyPr/>
+          <a:lstStyle/>
+          <a:p>
+            <a:r>
+              <a:rPr lang="fr-FR" b="1" dirty="0" smtClean="0">
+                <a:solidFill>
+                  <a:schemeClr val="bg1"/>
+                </a:solidFill>
+              </a:rPr>
+              <a:t>Gestion des emprunts de matériels - Alexis LAURENT, Suzy PAETA &amp; Romain ROUFAST</a:t>
+            </a:r>
+            <a:endParaRPr lang="fr-FR" b="1" dirty="0">
+              <a:solidFill>
+                <a:schemeClr val="bg1"/>
+              </a:solidFill>
+            </a:endParaRPr>
+          </a:p>
+        </p:txBody>
+      </p:sp>
+      <p:pic>
+        <p:nvPicPr>
+          <p:cNvPr id="8" name="Image 7" descr="1393855671_Database_3.png"/>
+          <p:cNvPicPr>
+            <a:picLocks noChangeAspect="1"/>
+          </p:cNvPicPr>
+          <p:nvPr/>
+        </p:nvPicPr>
+        <p:blipFill>
+          <a:blip r:embed="rId3" cstate="print">
+            <a:grayscl/>
+          </a:blip>
+          <a:stretch>
+            <a:fillRect/>
+          </a:stretch>
+        </p:blipFill>
+        <p:spPr>
+          <a:xfrm>
+            <a:off x="5652120" y="3429000"/>
+            <a:ext cx="936104" cy="936104"/>
+          </a:xfrm>
+          <a:prstGeom prst="rect">
+            <a:avLst/>
+          </a:prstGeom>
+        </p:spPr>
+      </p:pic>
+      <p:pic>
+        <p:nvPicPr>
+          <p:cNvPr id="9" name="Image 8" descr="1393855686_dedicated_server.png"/>
+          <p:cNvPicPr>
+            <a:picLocks noChangeAspect="1"/>
+          </p:cNvPicPr>
+          <p:nvPr/>
+        </p:nvPicPr>
+        <p:blipFill>
+          <a:blip r:embed="rId4" cstate="print">
+            <a:grayscl/>
+          </a:blip>
+          <a:stretch>
+            <a:fillRect/>
+          </a:stretch>
+        </p:blipFill>
+        <p:spPr>
+          <a:xfrm>
+            <a:off x="6156176" y="2996952"/>
+            <a:ext cx="1368152" cy="1368152"/>
+          </a:xfrm>
+          <a:prstGeom prst="rect">
+            <a:avLst/>
+          </a:prstGeom>
+        </p:spPr>
+      </p:pic>
+      <p:pic>
+        <p:nvPicPr>
+          <p:cNvPr id="12" name="Image 11" descr="ordinateur-moniteur-ecran-icone-8084-128.png"/>
+          <p:cNvPicPr>
+            <a:picLocks noChangeAspect="1"/>
+          </p:cNvPicPr>
+          <p:nvPr/>
+        </p:nvPicPr>
+        <p:blipFill>
+          <a:blip r:embed="rId5" cstate="print">
+            <a:grayscl/>
+          </a:blip>
+          <a:stretch>
+            <a:fillRect/>
+          </a:stretch>
+        </p:blipFill>
+        <p:spPr>
+          <a:xfrm>
+            <a:off x="2411760" y="2492896"/>
+            <a:ext cx="1440160" cy="1440160"/>
+          </a:xfrm>
+          <a:prstGeom prst="rect">
+            <a:avLst/>
+          </a:prstGeom>
+        </p:spPr>
+      </p:pic>
+      <p:pic>
+        <p:nvPicPr>
+          <p:cNvPr id="13" name="Image 12" descr="500px-Ruby_on_Rails.svg.png"/>
+          <p:cNvPicPr>
+            <a:picLocks noChangeAspect="1"/>
+          </p:cNvPicPr>
+          <p:nvPr/>
+        </p:nvPicPr>
+        <p:blipFill>
+          <a:blip r:embed="rId6" cstate="print"/>
+          <a:stretch>
+            <a:fillRect/>
+          </a:stretch>
+        </p:blipFill>
+        <p:spPr>
+          <a:xfrm>
+            <a:off x="8244408" y="3212976"/>
+            <a:ext cx="722302" cy="936104"/>
+          </a:xfrm>
+          <a:prstGeom prst="rect">
+            <a:avLst/>
+          </a:prstGeom>
+        </p:spPr>
+      </p:pic>
+      <p:pic>
+        <p:nvPicPr>
+          <p:cNvPr id="14" name="Image 13" descr="css3-logo.jpg"/>
+          <p:cNvPicPr>
+            <a:picLocks noChangeAspect="1"/>
+          </p:cNvPicPr>
+          <p:nvPr/>
+        </p:nvPicPr>
+        <p:blipFill>
+          <a:blip r:embed="rId7" cstate="print">
+            <a:clrChange>
+              <a:clrFrom>
+                <a:srgbClr val="FFFFFF"/>
+              </a:clrFrom>
+              <a:clrTo>
+                <a:srgbClr val="FFFFFF">
+                  <a:alpha val="0"/>
+                </a:srgbClr>
+              </a:clrTo>
+            </a:clrChange>
+          </a:blip>
+          <a:stretch>
+            <a:fillRect/>
+          </a:stretch>
+        </p:blipFill>
+        <p:spPr>
+          <a:xfrm>
+            <a:off x="251520" y="3212976"/>
+            <a:ext cx="1440160" cy="720080"/>
+          </a:xfrm>
+          <a:prstGeom prst="rect">
+            <a:avLst/>
+          </a:prstGeom>
+        </p:spPr>
+      </p:pic>
+      <p:pic>
+        <p:nvPicPr>
+          <p:cNvPr id="15" name="Image 14" descr="HTML5_Logo_512.png"/>
+          <p:cNvPicPr>
+            <a:picLocks noChangeAspect="1"/>
+          </p:cNvPicPr>
+          <p:nvPr/>
+        </p:nvPicPr>
+        <p:blipFill>
+          <a:blip r:embed="rId8" cstate="print"/>
+          <a:stretch>
+            <a:fillRect/>
+          </a:stretch>
+        </p:blipFill>
+        <p:spPr>
+          <a:xfrm>
+            <a:off x="179512" y="3284984"/>
+            <a:ext cx="576064" cy="576064"/>
+          </a:xfrm>
+          <a:prstGeom prst="rect">
+            <a:avLst/>
+          </a:prstGeom>
+        </p:spPr>
+      </p:pic>
+      <p:pic>
+        <p:nvPicPr>
+          <p:cNvPr id="16" name="Image 15" descr="ajax-jquery.png"/>
+          <p:cNvPicPr>
+            <a:picLocks noChangeAspect="1"/>
+          </p:cNvPicPr>
+          <p:nvPr/>
+        </p:nvPicPr>
+        <p:blipFill>
+          <a:blip r:embed="rId9" cstate="print"/>
+          <a:srcRect r="38655"/>
+          <a:stretch>
+            <a:fillRect/>
+          </a:stretch>
+        </p:blipFill>
+        <p:spPr>
+          <a:xfrm>
+            <a:off x="179512" y="3933057"/>
+            <a:ext cx="1656184" cy="486538"/>
+          </a:xfrm>
+          <a:prstGeom prst="rect">
+            <a:avLst/>
+          </a:prstGeom>
+        </p:spPr>
+      </p:pic>
+      <p:pic>
+        <p:nvPicPr>
+          <p:cNvPr id="17" name="Image 16" descr="ajax-jquery.png"/>
+          <p:cNvPicPr>
+            <a:picLocks noChangeAspect="1"/>
+          </p:cNvPicPr>
+          <p:nvPr/>
+        </p:nvPicPr>
+        <p:blipFill>
+          <a:blip r:embed="rId10" cstate="print"/>
+          <a:srcRect l="58678"/>
+          <a:stretch>
+            <a:fillRect/>
+          </a:stretch>
+        </p:blipFill>
+        <p:spPr>
+          <a:xfrm>
+            <a:off x="323528" y="4293096"/>
+            <a:ext cx="1273038" cy="504056"/>
+          </a:xfrm>
+          <a:prstGeom prst="rect">
+            <a:avLst/>
+          </a:prstGeom>
+        </p:spPr>
+      </p:pic>
+      <p:pic>
+        <p:nvPicPr>
+          <p:cNvPr id="18" name="Image 17" descr="1393856380_iphone-color.png"/>
+          <p:cNvPicPr>
+            <a:picLocks noChangeAspect="1"/>
+          </p:cNvPicPr>
+          <p:nvPr/>
+        </p:nvPicPr>
+        <p:blipFill>
+          <a:blip r:embed="rId11" cstate="print">
+            <a:grayscl/>
+          </a:blip>
+          <a:stretch>
+            <a:fillRect/>
+          </a:stretch>
+        </p:blipFill>
+        <p:spPr>
+          <a:xfrm>
+            <a:off x="2195736" y="3933056"/>
+            <a:ext cx="1219200" cy="1219200"/>
+          </a:xfrm>
+          <a:prstGeom prst="rect">
+            <a:avLst/>
+          </a:prstGeom>
+          <a:noFill/>
+          <a:ln>
+            <a:noFill/>
+          </a:ln>
+        </p:spPr>
+      </p:pic>
+      <p:pic>
+        <p:nvPicPr>
+          <p:cNvPr id="19" name="Image 18" descr="1393856262_android-phone.png"/>
+          <p:cNvPicPr>
+            <a:picLocks noChangeAspect="1"/>
+          </p:cNvPicPr>
+          <p:nvPr/>
+        </p:nvPicPr>
+        <p:blipFill>
+          <a:blip r:embed="rId12" cstate="print">
+            <a:grayscl/>
+          </a:blip>
+          <a:stretch>
+            <a:fillRect/>
+          </a:stretch>
+        </p:blipFill>
+        <p:spPr>
+          <a:xfrm>
+            <a:off x="2555776" y="4077072"/>
+            <a:ext cx="1219200" cy="1219200"/>
+          </a:xfrm>
+          <a:prstGeom prst="rect">
+            <a:avLst/>
+          </a:prstGeom>
+          <a:noFill/>
+          <a:ln>
+            <a:noFill/>
+          </a:ln>
+        </p:spPr>
+      </p:pic>
+      <p:pic>
+        <p:nvPicPr>
+          <p:cNvPr id="21" name="Image 20" descr="bootstrap.jpg"/>
+          <p:cNvPicPr>
+            <a:picLocks noChangeAspect="1"/>
+          </p:cNvPicPr>
+          <p:nvPr/>
+        </p:nvPicPr>
+        <p:blipFill>
+          <a:blip r:embed="rId13" cstate="print"/>
+          <a:stretch>
+            <a:fillRect/>
+          </a:stretch>
+        </p:blipFill>
+        <p:spPr>
+          <a:xfrm>
+            <a:off x="1259632" y="3284984"/>
+            <a:ext cx="576064" cy="576064"/>
+          </a:xfrm>
+          <a:prstGeom prst="rect">
+            <a:avLst/>
+          </a:prstGeom>
+        </p:spPr>
+      </p:pic>
+      <p:sp>
+        <p:nvSpPr>
+          <p:cNvPr id="22" name="ZoneTexte 21"/>
+          <p:cNvSpPr txBox="1"/>
+          <p:nvPr/>
+        </p:nvSpPr>
+        <p:spPr>
+          <a:xfrm>
+            <a:off x="2339752" y="1844824"/>
+            <a:ext cx="1224136" cy="523220"/>
+          </a:xfrm>
+          <a:prstGeom prst="rect">
+            <a:avLst/>
+          </a:prstGeom>
+          <a:noFill/>
+        </p:spPr>
+        <p:txBody>
+          <a:bodyPr wrap="square" rtlCol="0">
+            <a:spAutoFit/>
+          </a:bodyPr>
+          <a:lstStyle/>
+          <a:p>
+            <a:r>
+              <a:rPr lang="fr-FR" sz="2800" dirty="0" smtClean="0">
+                <a:solidFill>
+                  <a:srgbClr val="FFC000"/>
+                </a:solidFill>
+              </a:rPr>
+              <a:t>Clients</a:t>
+            </a:r>
+            <a:endParaRPr lang="fr-FR" dirty="0">
+              <a:solidFill>
+                <a:srgbClr val="FFC000"/>
+              </a:solidFill>
+            </a:endParaRPr>
+          </a:p>
+        </p:txBody>
+      </p:sp>
+      <p:sp>
+        <p:nvSpPr>
+          <p:cNvPr id="23" name="ZoneTexte 22"/>
+          <p:cNvSpPr txBox="1"/>
+          <p:nvPr/>
+        </p:nvSpPr>
+        <p:spPr>
+          <a:xfrm>
+            <a:off x="6084168" y="1844824"/>
+            <a:ext cx="1440160" cy="523220"/>
+          </a:xfrm>
+          <a:prstGeom prst="rect">
+            <a:avLst/>
+          </a:prstGeom>
+          <a:noFill/>
+        </p:spPr>
+        <p:txBody>
+          <a:bodyPr wrap="square" rtlCol="0">
+            <a:spAutoFit/>
+          </a:bodyPr>
+          <a:lstStyle/>
+          <a:p>
+            <a:r>
+              <a:rPr lang="fr-FR" sz="2800" dirty="0" smtClean="0">
+                <a:solidFill>
+                  <a:srgbClr val="FFC000"/>
+                </a:solidFill>
+              </a:rPr>
+              <a:t>Serveur</a:t>
+            </a:r>
+            <a:endParaRPr lang="fr-FR" dirty="0">
+              <a:solidFill>
+                <a:srgbClr val="FFC000"/>
+              </a:solidFill>
+            </a:endParaRPr>
+          </a:p>
+        </p:txBody>
+      </p:sp>
+      <p:cxnSp>
+        <p:nvCxnSpPr>
+          <p:cNvPr id="25" name="Connecteur droit avec flèche 24"/>
+          <p:cNvCxnSpPr/>
+          <p:nvPr/>
+        </p:nvCxnSpPr>
+        <p:spPr>
+          <a:xfrm>
+            <a:off x="3995936" y="3717032"/>
+            <a:ext cx="1584176" cy="0"/>
+          </a:xfrm>
+          <a:prstGeom prst="straightConnector1">
+            <a:avLst/>
+          </a:prstGeom>
+          <a:ln w="38100">
+            <a:solidFill>
+              <a:srgbClr val="FFC000"/>
+            </a:solidFill>
+            <a:tailEnd type="arrow"/>
+          </a:ln>
+        </p:spPr>
+        <p:style>
+          <a:lnRef idx="1">
+            <a:schemeClr val="accent1"/>
+          </a:lnRef>
+          <a:fillRef idx="0">
+            <a:schemeClr val="accent1"/>
+          </a:fillRef>
+          <a:effectRef idx="0">
+            <a:schemeClr val="accent1"/>
+          </a:effectRef>
+          <a:fontRef idx="minor">
+            <a:schemeClr val="tx1"/>
+          </a:fontRef>
+        </p:style>
+      </p:cxnSp>
+      <p:cxnSp>
+        <p:nvCxnSpPr>
+          <p:cNvPr id="27" name="Connecteur droit avec flèche 26"/>
+          <p:cNvCxnSpPr/>
+          <p:nvPr/>
+        </p:nvCxnSpPr>
+        <p:spPr>
+          <a:xfrm flipH="1">
+            <a:off x="3995936" y="4005064"/>
+            <a:ext cx="1584176" cy="0"/>
+          </a:xfrm>
+          <a:prstGeom prst="straightConnector1">
+            <a:avLst/>
+          </a:prstGeom>
+          <a:ln w="38100">
+            <a:solidFill>
+              <a:srgbClr val="FFC000"/>
+            </a:solidFill>
+            <a:tailEnd type="arrow"/>
+          </a:ln>
+        </p:spPr>
+        <p:style>
+          <a:lnRef idx="1">
+            <a:schemeClr val="accent1"/>
+          </a:lnRef>
+          <a:fillRef idx="0">
+            <a:schemeClr val="accent1"/>
+          </a:fillRef>
+          <a:effectRef idx="0">
+            <a:schemeClr val="accent1"/>
+          </a:effectRef>
+          <a:fontRef idx="minor">
+            <a:schemeClr val="tx1"/>
+          </a:fontRef>
+        </p:style>
+      </p:cxnSp>
+      <p:sp>
+        <p:nvSpPr>
+          <p:cNvPr id="33" name="ZoneTexte 32"/>
+          <p:cNvSpPr txBox="1"/>
+          <p:nvPr/>
+        </p:nvSpPr>
+        <p:spPr>
+          <a:xfrm>
+            <a:off x="4139952" y="3284984"/>
+            <a:ext cx="1440160" cy="307777"/>
+          </a:xfrm>
+          <a:prstGeom prst="rect">
+            <a:avLst/>
+          </a:prstGeom>
+          <a:noFill/>
+        </p:spPr>
+        <p:txBody>
+          <a:bodyPr wrap="square" rtlCol="0">
+            <a:spAutoFit/>
+          </a:bodyPr>
+          <a:lstStyle/>
+          <a:p>
+            <a:r>
+              <a:rPr lang="fr-FR" sz="1400" dirty="0" smtClean="0">
+                <a:solidFill>
+                  <a:srgbClr val="FFC000"/>
+                </a:solidFill>
+              </a:rPr>
+              <a:t>Requête REST</a:t>
+            </a:r>
+            <a:endParaRPr lang="fr-FR" sz="1050" dirty="0">
+              <a:solidFill>
+                <a:srgbClr val="FFC000"/>
+              </a:solidFill>
+            </a:endParaRPr>
+          </a:p>
+        </p:txBody>
+      </p:sp>
+      <p:sp>
+        <p:nvSpPr>
+          <p:cNvPr id="34" name="ZoneTexte 33"/>
+          <p:cNvSpPr txBox="1"/>
+          <p:nvPr/>
+        </p:nvSpPr>
+        <p:spPr>
+          <a:xfrm>
+            <a:off x="4283968" y="4149080"/>
+            <a:ext cx="1440160" cy="307777"/>
+          </a:xfrm>
+          <a:prstGeom prst="rect">
+            <a:avLst/>
+          </a:prstGeom>
+          <a:noFill/>
+        </p:spPr>
+        <p:txBody>
+          <a:bodyPr wrap="square" rtlCol="0">
+            <a:spAutoFit/>
+          </a:bodyPr>
+          <a:lstStyle/>
+          <a:p>
+            <a:r>
+              <a:rPr lang="fr-FR" sz="1400" dirty="0" smtClean="0">
+                <a:solidFill>
+                  <a:srgbClr val="FFC000"/>
+                </a:solidFill>
+              </a:rPr>
+              <a:t>Page HTML</a:t>
+            </a:r>
+            <a:endParaRPr lang="fr-FR" sz="1400" dirty="0">
+              <a:solidFill>
+                <a:srgbClr val="FFC000"/>
+              </a:solidFill>
+            </a:endParaRPr>
+          </a:p>
+        </p:txBody>
+      </p:sp>
+    </p:spTree>
+  </p:cSld>
+  <p:clrMapOvr>
+    <a:masterClrMapping/>
+  </p:clrMapOvr>
+  <p:timing>
+    <p:tnLst>
+      <p:par>
+        <p:cTn id="1" dur="indefinite" restart="never" nodeType="tmRoot"/>
+      </p:par>
+    </p:tnLst>
+  </p:timing>
+</p:sld>
+</file>
+
+<file path=ppt/slides/slide14.xml><?xml version="1.0" encoding="utf-8"?>
+<p:sld xmlns:a="http://schemas.openxmlformats.org/drawingml/2006/main" xmlns:r="http://schemas.openxmlformats.org/officeDocument/2006/relationships" xmlns:p="http://schemas.openxmlformats.org/presentationml/2006/main">
+  <p:cSld>
+    <p:spTree>
+      <p:nvGrpSpPr>
+        <p:cNvPr id="1" name=""/>
+        <p:cNvGrpSpPr/>
+        <p:nvPr/>
+      </p:nvGrpSpPr>
+      <p:grpSpPr>
+        <a:xfrm>
+          <a:off x="0" y="0"/>
+          <a:ext cx="0" cy="0"/>
+          <a:chOff x="0" y="0"/>
+          <a:chExt cx="0" cy="0"/>
+        </a:xfrm>
+      </p:grpSpPr>
+      <p:sp>
+        <p:nvSpPr>
+          <p:cNvPr id="7" name="Rectangle 6"/>
+          <p:cNvSpPr/>
+          <p:nvPr/>
+        </p:nvSpPr>
+        <p:spPr>
+          <a:xfrm>
+            <a:off x="0" y="6309320"/>
+            <a:ext cx="9144000" cy="548680"/>
+          </a:xfrm>
+          <a:prstGeom prst="rect">
+            <a:avLst/>
+          </a:prstGeom>
+          <a:solidFill>
+            <a:srgbClr val="FFC000"/>
+          </a:solidFill>
+          <a:ln>
+            <a:noFill/>
+          </a:ln>
+        </p:spPr>
+        <p:style>
+          <a:lnRef idx="2">
+            <a:schemeClr val="accent1">
+              <a:shade val="50000"/>
+            </a:schemeClr>
+          </a:lnRef>
+          <a:fillRef idx="1">
+            <a:schemeClr val="accent1"/>
+          </a:fillRef>
+          <a:effectRef idx="0">
+            <a:schemeClr val="accent1"/>
+          </a:effectRef>
+          <a:fontRef idx="minor">
+            <a:schemeClr val="lt1"/>
+          </a:fontRef>
+        </p:style>
+        <p:txBody>
+          <a:bodyPr rtlCol="0" anchor="ctr"/>
+          <a:lstStyle/>
+          <a:p>
+            <a:pPr algn="ctr"/>
+            <a:endParaRPr lang="fr-FR"/>
+          </a:p>
+        </p:txBody>
+      </p:sp>
+      <p:sp>
+        <p:nvSpPr>
+          <p:cNvPr id="4" name="Rectangle 3"/>
+          <p:cNvSpPr/>
+          <p:nvPr/>
+        </p:nvSpPr>
+        <p:spPr>
+          <a:xfrm>
+            <a:off x="0" y="0"/>
+            <a:ext cx="9144000" cy="1556792"/>
+          </a:xfrm>
+          <a:prstGeom prst="rect">
+            <a:avLst/>
+          </a:prstGeom>
+          <a:solidFill>
+            <a:srgbClr val="FFC000"/>
+          </a:solidFill>
+          <a:ln>
+            <a:noFill/>
+          </a:ln>
+        </p:spPr>
+        <p:style>
+          <a:lnRef idx="2">
+            <a:schemeClr val="accent1">
+              <a:shade val="50000"/>
+            </a:schemeClr>
+          </a:lnRef>
+          <a:fillRef idx="1">
+            <a:schemeClr val="accent1"/>
+          </a:fillRef>
+          <a:effectRef idx="0">
+            <a:schemeClr val="accent1"/>
+          </a:effectRef>
+          <a:fontRef idx="minor">
+            <a:schemeClr val="lt1"/>
+          </a:fontRef>
+        </p:style>
+        <p:txBody>
+          <a:bodyPr rtlCol="0" anchor="ctr"/>
+          <a:lstStyle/>
+          <a:p>
+            <a:pPr algn="ctr"/>
+            <a:endParaRPr lang="fr-FR"/>
+          </a:p>
+        </p:txBody>
+      </p:sp>
+      <p:sp>
+        <p:nvSpPr>
+          <p:cNvPr id="2" name="Titre 1"/>
+          <p:cNvSpPr>
+            <a:spLocks noGrp="1"/>
+          </p:cNvSpPr>
+          <p:nvPr>
+            <p:ph type="title"/>
+          </p:nvPr>
+        </p:nvSpPr>
+        <p:spPr/>
+        <p:txBody>
+          <a:bodyPr/>
+          <a:lstStyle/>
+          <a:p>
+            <a:r>
+              <a:rPr lang="fr-FR" dirty="0" smtClean="0">
+                <a:solidFill>
+                  <a:schemeClr val="bg1"/>
+                </a:solidFill>
+              </a:rPr>
+              <a:t>Notre démarche</a:t>
+            </a:r>
+            <a:endParaRPr lang="fr-FR" dirty="0">
+              <a:solidFill>
+                <a:schemeClr val="bg1"/>
+              </a:solidFill>
+            </a:endParaRPr>
+          </a:p>
+        </p:txBody>
+      </p:sp>
+      <p:sp>
+        <p:nvSpPr>
+          <p:cNvPr id="5" name="Espace réservé du numéro de diapositive 4"/>
+          <p:cNvSpPr>
+            <a:spLocks noGrp="1"/>
+          </p:cNvSpPr>
+          <p:nvPr>
+            <p:ph type="sldNum" sz="quarter" idx="12"/>
+          </p:nvPr>
+        </p:nvSpPr>
+        <p:spPr/>
+        <p:txBody>
+          <a:bodyPr/>
+          <a:lstStyle/>
+          <a:p>
+            <a:fld id="{B3C63893-BC38-4EBB-829D-DE1F1D825C70}" type="slidenum">
+              <a:rPr lang="fr-FR" b="1" smtClean="0">
+                <a:solidFill>
+                  <a:schemeClr val="bg1"/>
+                </a:solidFill>
+              </a:rPr>
+              <a:pPr/>
+              <a:t>14</a:t>
+            </a:fld>
+            <a:endParaRPr lang="fr-FR" b="1" dirty="0">
+              <a:solidFill>
+                <a:schemeClr val="bg1"/>
+              </a:solidFill>
+            </a:endParaRPr>
+          </a:p>
+        </p:txBody>
+      </p:sp>
+      <p:sp>
+        <p:nvSpPr>
+          <p:cNvPr id="6" name="Espace réservé du pied de page 5"/>
+          <p:cNvSpPr>
+            <a:spLocks noGrp="1"/>
+          </p:cNvSpPr>
+          <p:nvPr>
+            <p:ph type="ftr" sz="quarter" idx="11"/>
+          </p:nvPr>
+        </p:nvSpPr>
+        <p:spPr>
+          <a:xfrm>
+            <a:off x="1475656" y="6356350"/>
+            <a:ext cx="6264696" cy="501650"/>
+          </a:xfrm>
+        </p:spPr>
+        <p:txBody>
+          <a:bodyPr/>
+          <a:lstStyle/>
+          <a:p>
+            <a:r>
+              <a:rPr lang="fr-FR" b="1" dirty="0" smtClean="0">
+                <a:solidFill>
+                  <a:schemeClr val="bg1"/>
+                </a:solidFill>
+              </a:rPr>
+              <a:t>Gestion des emprunts de matériels - Alexis LAURENT, Suzy PAETA &amp; Romain ROUFAST</a:t>
+            </a:r>
+            <a:endParaRPr lang="fr-FR" b="1" dirty="0">
+              <a:solidFill>
+                <a:schemeClr val="bg1"/>
+              </a:solidFill>
+            </a:endParaRPr>
+          </a:p>
+        </p:txBody>
+      </p:sp>
+      <p:sp>
+        <p:nvSpPr>
+          <p:cNvPr id="8" name="ZoneTexte 7"/>
+          <p:cNvSpPr txBox="1"/>
+          <p:nvPr/>
+        </p:nvSpPr>
+        <p:spPr>
+          <a:xfrm>
+            <a:off x="395536" y="3068960"/>
+            <a:ext cx="2088232" cy="954107"/>
+          </a:xfrm>
+          <a:prstGeom prst="rect">
+            <a:avLst/>
+          </a:prstGeom>
+          <a:noFill/>
+        </p:spPr>
+        <p:txBody>
+          <a:bodyPr wrap="square" rtlCol="0">
+            <a:spAutoFit/>
+          </a:bodyPr>
+          <a:lstStyle/>
+          <a:p>
+            <a:r>
+              <a:rPr lang="fr-FR" sz="2800" dirty="0" smtClean="0">
+                <a:solidFill>
+                  <a:srgbClr val="FFC000"/>
+                </a:solidFill>
+              </a:rPr>
+              <a:t>Analyse Utilisateurs</a:t>
+            </a:r>
+            <a:endParaRPr lang="fr-FR" dirty="0">
+              <a:solidFill>
+                <a:srgbClr val="FFC000"/>
+              </a:solidFill>
+            </a:endParaRPr>
+          </a:p>
+        </p:txBody>
+      </p:sp>
+      <p:sp>
+        <p:nvSpPr>
+          <p:cNvPr id="9" name="ZoneTexte 8"/>
+          <p:cNvSpPr txBox="1"/>
+          <p:nvPr/>
+        </p:nvSpPr>
+        <p:spPr>
+          <a:xfrm>
+            <a:off x="3203848" y="3212976"/>
+            <a:ext cx="2088232" cy="523220"/>
+          </a:xfrm>
+          <a:prstGeom prst="rect">
+            <a:avLst/>
+          </a:prstGeom>
+          <a:noFill/>
+        </p:spPr>
+        <p:txBody>
+          <a:bodyPr wrap="square" rtlCol="0">
+            <a:spAutoFit/>
+          </a:bodyPr>
+          <a:lstStyle/>
+          <a:p>
+            <a:r>
+              <a:rPr lang="fr-FR" sz="2800" dirty="0" smtClean="0">
+                <a:solidFill>
+                  <a:srgbClr val="FFC000"/>
+                </a:solidFill>
+              </a:rPr>
+              <a:t>Conception</a:t>
+            </a:r>
+            <a:endParaRPr lang="fr-FR" dirty="0">
+              <a:solidFill>
+                <a:srgbClr val="FFC000"/>
+              </a:solidFill>
+            </a:endParaRPr>
+          </a:p>
+        </p:txBody>
+      </p:sp>
+      <p:sp>
+        <p:nvSpPr>
+          <p:cNvPr id="10" name="ZoneTexte 9"/>
+          <p:cNvSpPr txBox="1"/>
+          <p:nvPr/>
+        </p:nvSpPr>
+        <p:spPr>
+          <a:xfrm>
+            <a:off x="6335688" y="2276872"/>
+            <a:ext cx="2808312" cy="523220"/>
+          </a:xfrm>
+          <a:prstGeom prst="rect">
+            <a:avLst/>
+          </a:prstGeom>
+          <a:noFill/>
+        </p:spPr>
+        <p:txBody>
+          <a:bodyPr wrap="square" rtlCol="0">
+            <a:spAutoFit/>
+          </a:bodyPr>
+          <a:lstStyle/>
+          <a:p>
+            <a:r>
+              <a:rPr lang="fr-FR" sz="2800" dirty="0" smtClean="0">
+                <a:solidFill>
+                  <a:srgbClr val="FFC000"/>
+                </a:solidFill>
+              </a:rPr>
+              <a:t>Implémentation</a:t>
+            </a:r>
+            <a:endParaRPr lang="fr-FR" dirty="0">
+              <a:solidFill>
+                <a:srgbClr val="FFC000"/>
+              </a:solidFill>
+            </a:endParaRPr>
+          </a:p>
+        </p:txBody>
+      </p:sp>
+      <p:sp>
+        <p:nvSpPr>
+          <p:cNvPr id="11" name="ZoneTexte 10"/>
+          <p:cNvSpPr txBox="1"/>
+          <p:nvPr/>
+        </p:nvSpPr>
+        <p:spPr>
+          <a:xfrm>
+            <a:off x="6300192" y="4293096"/>
+            <a:ext cx="2808312" cy="523220"/>
+          </a:xfrm>
+          <a:prstGeom prst="rect">
+            <a:avLst/>
+          </a:prstGeom>
+          <a:noFill/>
+        </p:spPr>
+        <p:txBody>
+          <a:bodyPr wrap="square" rtlCol="0">
+            <a:spAutoFit/>
+          </a:bodyPr>
+          <a:lstStyle/>
+          <a:p>
+            <a:r>
+              <a:rPr lang="fr-FR" sz="2800" b="1" dirty="0" smtClean="0">
+                <a:solidFill>
+                  <a:schemeClr val="accent6">
+                    <a:lumMod val="75000"/>
+                  </a:schemeClr>
+                </a:solidFill>
+              </a:rPr>
+              <a:t>Tests utilisateurs</a:t>
+            </a:r>
+            <a:endParaRPr lang="fr-FR" b="1" dirty="0">
+              <a:solidFill>
+                <a:schemeClr val="accent6">
+                  <a:lumMod val="75000"/>
+                </a:schemeClr>
+              </a:solidFill>
+            </a:endParaRPr>
+          </a:p>
+        </p:txBody>
+      </p:sp>
+      <p:cxnSp>
+        <p:nvCxnSpPr>
+          <p:cNvPr id="12" name="Connecteur droit avec flèche 11"/>
+          <p:cNvCxnSpPr/>
+          <p:nvPr/>
+        </p:nvCxnSpPr>
+        <p:spPr>
+          <a:xfrm>
+            <a:off x="2267744" y="3501008"/>
+            <a:ext cx="792088" cy="0"/>
+          </a:xfrm>
+          <a:prstGeom prst="straightConnector1">
+            <a:avLst/>
+          </a:prstGeom>
+          <a:ln w="38100">
+            <a:solidFill>
+              <a:srgbClr val="FFC000"/>
+            </a:solidFill>
+            <a:tailEnd type="arrow"/>
+          </a:ln>
+        </p:spPr>
+        <p:style>
+          <a:lnRef idx="1">
+            <a:schemeClr val="accent1"/>
+          </a:lnRef>
+          <a:fillRef idx="0">
+            <a:schemeClr val="accent1"/>
+          </a:fillRef>
+          <a:effectRef idx="0">
+            <a:schemeClr val="accent1"/>
+          </a:effectRef>
+          <a:fontRef idx="minor">
+            <a:schemeClr val="tx1"/>
+          </a:fontRef>
+        </p:style>
+      </p:cxnSp>
+      <p:cxnSp>
+        <p:nvCxnSpPr>
+          <p:cNvPr id="14" name="Connecteur droit avec flèche 13"/>
+          <p:cNvCxnSpPr/>
+          <p:nvPr/>
+        </p:nvCxnSpPr>
+        <p:spPr>
+          <a:xfrm flipV="1">
+            <a:off x="5076056" y="2564904"/>
+            <a:ext cx="1008112" cy="746502"/>
+          </a:xfrm>
+          <a:prstGeom prst="straightConnector1">
+            <a:avLst/>
+          </a:prstGeom>
+          <a:ln w="38100">
+            <a:solidFill>
+              <a:srgbClr val="FFC000"/>
+            </a:solidFill>
+            <a:tailEnd type="arrow"/>
+          </a:ln>
+        </p:spPr>
+        <p:style>
+          <a:lnRef idx="1">
+            <a:schemeClr val="accent1"/>
+          </a:lnRef>
+          <a:fillRef idx="0">
+            <a:schemeClr val="accent1"/>
+          </a:fillRef>
+          <a:effectRef idx="0">
+            <a:schemeClr val="accent1"/>
+          </a:effectRef>
+          <a:fontRef idx="minor">
+            <a:schemeClr val="tx1"/>
+          </a:fontRef>
+        </p:style>
+      </p:cxnSp>
+      <p:cxnSp>
+        <p:nvCxnSpPr>
+          <p:cNvPr id="17" name="Connecteur droit avec flèche 16"/>
+          <p:cNvCxnSpPr/>
+          <p:nvPr/>
+        </p:nvCxnSpPr>
+        <p:spPr>
+          <a:xfrm>
+            <a:off x="7452320" y="2852936"/>
+            <a:ext cx="0" cy="1152128"/>
+          </a:xfrm>
+          <a:prstGeom prst="straightConnector1">
+            <a:avLst/>
+          </a:prstGeom>
+          <a:ln w="38100">
+            <a:solidFill>
+              <a:srgbClr val="FFC000"/>
+            </a:solidFill>
+            <a:tailEnd type="arrow"/>
+          </a:ln>
+        </p:spPr>
+        <p:style>
+          <a:lnRef idx="1">
+            <a:schemeClr val="accent1"/>
+          </a:lnRef>
+          <a:fillRef idx="0">
+            <a:schemeClr val="accent1"/>
+          </a:fillRef>
+          <a:effectRef idx="0">
+            <a:schemeClr val="accent1"/>
+          </a:effectRef>
+          <a:fontRef idx="minor">
+            <a:schemeClr val="tx1"/>
+          </a:fontRef>
+        </p:style>
+      </p:cxnSp>
+      <p:cxnSp>
+        <p:nvCxnSpPr>
+          <p:cNvPr id="20" name="Connecteur droit avec flèche 19"/>
+          <p:cNvCxnSpPr/>
+          <p:nvPr/>
+        </p:nvCxnSpPr>
+        <p:spPr>
+          <a:xfrm flipH="1" flipV="1">
+            <a:off x="5004048" y="3789040"/>
+            <a:ext cx="1080120" cy="864096"/>
+          </a:xfrm>
+          <a:prstGeom prst="straightConnector1">
+            <a:avLst/>
+          </a:prstGeom>
+          <a:ln w="38100">
+            <a:solidFill>
+              <a:srgbClr val="FFC000"/>
+            </a:solidFill>
+            <a:tailEnd type="arrow"/>
+          </a:ln>
+        </p:spPr>
+        <p:style>
+          <a:lnRef idx="1">
+            <a:schemeClr val="accent1"/>
+          </a:lnRef>
+          <a:fillRef idx="0">
+            <a:schemeClr val="accent1"/>
+          </a:fillRef>
+          <a:effectRef idx="0">
+            <a:schemeClr val="accent1"/>
+          </a:effectRef>
+          <a:fontRef idx="minor">
+            <a:schemeClr val="tx1"/>
+          </a:fontRef>
+        </p:style>
+      </p:cxnSp>
+    </p:spTree>
+  </p:cSld>
+  <p:clrMapOvr>
+    <a:masterClrMapping/>
+  </p:clrMapOvr>
+  <p:timing>
+    <p:tnLst>
+      <p:par>
+        <p:cTn id="1" dur="indefinite" restart="never" nodeType="tmRoot"/>
+      </p:par>
+    </p:tnLst>
+  </p:timing>
+</p:sld>
+</file>
+
+<file path=ppt/slides/slide15.xml><?xml version="1.0" encoding="utf-8"?>
+<p:sld xmlns:a="http://schemas.openxmlformats.org/drawingml/2006/main" xmlns:r="http://schemas.openxmlformats.org/officeDocument/2006/relationships" xmlns:p="http://schemas.openxmlformats.org/presentationml/2006/main">
+  <p:cSld>
+    <p:spTree>
+      <p:nvGrpSpPr>
+        <p:cNvPr id="1" name=""/>
+        <p:cNvGrpSpPr/>
+        <p:nvPr/>
+      </p:nvGrpSpPr>
+      <p:grpSpPr>
+        <a:xfrm>
+          <a:off x="0" y="0"/>
+          <a:ext cx="0" cy="0"/>
+          <a:chOff x="0" y="0"/>
+          <a:chExt cx="0" cy="0"/>
+        </a:xfrm>
+      </p:grpSpPr>
+      <p:sp>
+        <p:nvSpPr>
+          <p:cNvPr id="7" name="Rectangle 6"/>
+          <p:cNvSpPr/>
+          <p:nvPr/>
+        </p:nvSpPr>
+        <p:spPr>
+          <a:xfrm>
+            <a:off x="0" y="6309320"/>
+            <a:ext cx="9144000" cy="548680"/>
+          </a:xfrm>
+          <a:prstGeom prst="rect">
+            <a:avLst/>
+          </a:prstGeom>
+          <a:solidFill>
+            <a:srgbClr val="FFC000"/>
+          </a:solidFill>
+          <a:ln>
+            <a:noFill/>
+          </a:ln>
+        </p:spPr>
+        <p:style>
+          <a:lnRef idx="2">
+            <a:schemeClr val="accent1">
+              <a:shade val="50000"/>
+            </a:schemeClr>
+          </a:lnRef>
+          <a:fillRef idx="1">
+            <a:schemeClr val="accent1"/>
+          </a:fillRef>
+          <a:effectRef idx="0">
+            <a:schemeClr val="accent1"/>
+          </a:effectRef>
+          <a:fontRef idx="minor">
+            <a:schemeClr val="lt1"/>
+          </a:fontRef>
+        </p:style>
+        <p:txBody>
+          <a:bodyPr rtlCol="0" anchor="ctr"/>
+          <a:lstStyle/>
+          <a:p>
+            <a:pPr algn="ctr"/>
+            <a:endParaRPr lang="fr-FR"/>
+          </a:p>
+        </p:txBody>
+      </p:sp>
+      <p:sp>
+        <p:nvSpPr>
+          <p:cNvPr id="4" name="Rectangle 3"/>
+          <p:cNvSpPr/>
+          <p:nvPr/>
+        </p:nvSpPr>
+        <p:spPr>
+          <a:xfrm>
+            <a:off x="0" y="0"/>
+            <a:ext cx="9144000" cy="1556792"/>
+          </a:xfrm>
+          <a:prstGeom prst="rect">
+            <a:avLst/>
+          </a:prstGeom>
+          <a:solidFill>
+            <a:srgbClr val="FFC000"/>
+          </a:solidFill>
+          <a:ln>
+            <a:noFill/>
+          </a:ln>
+        </p:spPr>
+        <p:style>
+          <a:lnRef idx="2">
+            <a:schemeClr val="accent1">
+              <a:shade val="50000"/>
+            </a:schemeClr>
+          </a:lnRef>
+          <a:fillRef idx="1">
+            <a:schemeClr val="accent1"/>
+          </a:fillRef>
+          <a:effectRef idx="0">
+            <a:schemeClr val="accent1"/>
+          </a:effectRef>
+          <a:fontRef idx="minor">
+            <a:schemeClr val="lt1"/>
+          </a:fontRef>
+        </p:style>
+        <p:txBody>
+          <a:bodyPr rtlCol="0" anchor="ctr"/>
+          <a:lstStyle/>
+          <a:p>
+            <a:pPr algn="ctr"/>
+            <a:endParaRPr lang="fr-FR"/>
+          </a:p>
+        </p:txBody>
+      </p:sp>
+      <p:sp>
+        <p:nvSpPr>
+          <p:cNvPr id="2" name="Titre 1"/>
+          <p:cNvSpPr>
+            <a:spLocks noGrp="1"/>
+          </p:cNvSpPr>
+          <p:nvPr>
+            <p:ph type="title"/>
+          </p:nvPr>
+        </p:nvSpPr>
+        <p:spPr/>
+        <p:txBody>
+          <a:bodyPr/>
+          <a:lstStyle/>
+          <a:p>
+            <a:r>
+              <a:rPr lang="fr-FR" dirty="0" smtClean="0">
+                <a:solidFill>
+                  <a:schemeClr val="bg1"/>
+                </a:solidFill>
+              </a:rPr>
+              <a:t>Tests utilisateurs</a:t>
+            </a:r>
+            <a:endParaRPr lang="fr-FR" dirty="0">
+              <a:solidFill>
+                <a:schemeClr val="bg1"/>
+              </a:solidFill>
+            </a:endParaRPr>
+          </a:p>
+        </p:txBody>
+      </p:sp>
+      <p:sp>
+        <p:nvSpPr>
+          <p:cNvPr id="3" name="Espace réservé du contenu 2"/>
+          <p:cNvSpPr>
+            <a:spLocks noGrp="1"/>
+          </p:cNvSpPr>
+          <p:nvPr>
+            <p:ph idx="1"/>
+          </p:nvPr>
+        </p:nvSpPr>
+        <p:spPr/>
+        <p:txBody>
+          <a:bodyPr/>
+          <a:lstStyle/>
+          <a:p>
+            <a:endParaRPr lang="fr-FR"/>
+          </a:p>
+        </p:txBody>
+      </p:sp>
+      <p:sp>
+        <p:nvSpPr>
+          <p:cNvPr id="5" name="Espace réservé du numéro de diapositive 4"/>
+          <p:cNvSpPr>
+            <a:spLocks noGrp="1"/>
+          </p:cNvSpPr>
+          <p:nvPr>
+            <p:ph type="sldNum" sz="quarter" idx="12"/>
+          </p:nvPr>
+        </p:nvSpPr>
+        <p:spPr/>
+        <p:txBody>
+          <a:bodyPr/>
+          <a:lstStyle/>
+          <a:p>
+            <a:fld id="{B3C63893-BC38-4EBB-829D-DE1F1D825C70}" type="slidenum">
+              <a:rPr lang="fr-FR" b="1" smtClean="0">
+                <a:solidFill>
+                  <a:schemeClr val="bg1"/>
+                </a:solidFill>
+              </a:rPr>
+              <a:pPr/>
+              <a:t>15</a:t>
+            </a:fld>
+            <a:endParaRPr lang="fr-FR" b="1" dirty="0">
+              <a:solidFill>
+                <a:schemeClr val="bg1"/>
+              </a:solidFill>
+            </a:endParaRPr>
+          </a:p>
+        </p:txBody>
+      </p:sp>
+      <p:sp>
+        <p:nvSpPr>
+          <p:cNvPr id="6" name="Espace réservé du pied de page 5"/>
+          <p:cNvSpPr>
+            <a:spLocks noGrp="1"/>
+          </p:cNvSpPr>
+          <p:nvPr>
+            <p:ph type="ftr" sz="quarter" idx="11"/>
+          </p:nvPr>
+        </p:nvSpPr>
+        <p:spPr>
+          <a:xfrm>
+            <a:off x="1475656" y="6356350"/>
+            <a:ext cx="6264696" cy="501650"/>
+          </a:xfrm>
+        </p:spPr>
+        <p:txBody>
+          <a:bodyPr/>
+          <a:lstStyle/>
+          <a:p>
+            <a:r>
+              <a:rPr lang="fr-FR" b="1" dirty="0" smtClean="0">
+                <a:solidFill>
+                  <a:schemeClr val="bg1"/>
+                </a:solidFill>
+              </a:rPr>
+              <a:t>Gestion des emprunts de matériels - Alexis LAURENT, Suzy PAETA &amp; Romain ROUFAST</a:t>
+            </a:r>
+            <a:endParaRPr lang="fr-FR" b="1" dirty="0">
+              <a:solidFill>
+                <a:schemeClr val="bg1"/>
+              </a:solidFill>
+            </a:endParaRPr>
+          </a:p>
+        </p:txBody>
+      </p:sp>
+    </p:spTree>
+  </p:cSld>
+  <p:clrMapOvr>
+    <a:masterClrMapping/>
+  </p:clrMapOvr>
+  <p:timing>
+    <p:tnLst>
+      <p:par>
+        <p:cTn id="1" dur="indefinite" restart="never" nodeType="tmRoot"/>
+      </p:par>
+    </p:tnLst>
+  </p:timing>
+</p:sld>
+</file>
+
+<file path=ppt/slides/slide16.xml><?xml version="1.0" encoding="utf-8"?>
+<p:sld xmlns:a="http://schemas.openxmlformats.org/drawingml/2006/main" xmlns:r="http://schemas.openxmlformats.org/officeDocument/2006/relationships" xmlns:p="http://schemas.openxmlformats.org/presentationml/2006/main">
+  <p:cSld>
+    <p:spTree>
+      <p:nvGrpSpPr>
+        <p:cNvPr id="1" name=""/>
+        <p:cNvGrpSpPr/>
+        <p:nvPr/>
+      </p:nvGrpSpPr>
+      <p:grpSpPr>
+        <a:xfrm>
+          <a:off x="0" y="0"/>
+          <a:ext cx="0" cy="0"/>
+          <a:chOff x="0" y="0"/>
+          <a:chExt cx="0" cy="0"/>
+        </a:xfrm>
+      </p:grpSpPr>
+      <p:sp>
+        <p:nvSpPr>
+          <p:cNvPr id="7" name="Rectangle 6"/>
+          <p:cNvSpPr/>
+          <p:nvPr/>
+        </p:nvSpPr>
+        <p:spPr>
+          <a:xfrm>
+            <a:off x="0" y="6309320"/>
+            <a:ext cx="9144000" cy="548680"/>
+          </a:xfrm>
+          <a:prstGeom prst="rect">
+            <a:avLst/>
+          </a:prstGeom>
+          <a:solidFill>
+            <a:srgbClr val="FFC000"/>
+          </a:solidFill>
+          <a:ln>
+            <a:noFill/>
+          </a:ln>
+        </p:spPr>
+        <p:style>
+          <a:lnRef idx="2">
+            <a:schemeClr val="accent1">
+              <a:shade val="50000"/>
+            </a:schemeClr>
+          </a:lnRef>
+          <a:fillRef idx="1">
+            <a:schemeClr val="accent1"/>
+          </a:fillRef>
+          <a:effectRef idx="0">
+            <a:schemeClr val="accent1"/>
+          </a:effectRef>
+          <a:fontRef idx="minor">
+            <a:schemeClr val="lt1"/>
+          </a:fontRef>
+        </p:style>
+        <p:txBody>
+          <a:bodyPr rtlCol="0" anchor="ctr"/>
+          <a:lstStyle/>
+          <a:p>
+            <a:pPr algn="ctr"/>
+            <a:endParaRPr lang="fr-FR"/>
+          </a:p>
+        </p:txBody>
+      </p:sp>
+      <p:sp>
+        <p:nvSpPr>
+          <p:cNvPr id="4" name="Rectangle 3"/>
+          <p:cNvSpPr/>
+          <p:nvPr/>
+        </p:nvSpPr>
+        <p:spPr>
+          <a:xfrm>
+            <a:off x="0" y="0"/>
+            <a:ext cx="9144000" cy="1556792"/>
+          </a:xfrm>
+          <a:prstGeom prst="rect">
+            <a:avLst/>
+          </a:prstGeom>
+          <a:solidFill>
+            <a:srgbClr val="FFC000"/>
+          </a:solidFill>
+          <a:ln>
+            <a:noFill/>
+          </a:ln>
+        </p:spPr>
+        <p:style>
+          <a:lnRef idx="2">
+            <a:schemeClr val="accent1">
+              <a:shade val="50000"/>
+            </a:schemeClr>
+          </a:lnRef>
+          <a:fillRef idx="1">
+            <a:schemeClr val="accent1"/>
+          </a:fillRef>
+          <a:effectRef idx="0">
+            <a:schemeClr val="accent1"/>
+          </a:effectRef>
+          <a:fontRef idx="minor">
+            <a:schemeClr val="lt1"/>
+          </a:fontRef>
+        </p:style>
+        <p:txBody>
+          <a:bodyPr rtlCol="0" anchor="ctr"/>
+          <a:lstStyle/>
+          <a:p>
+            <a:pPr algn="ctr"/>
+            <a:endParaRPr lang="fr-FR"/>
+          </a:p>
+        </p:txBody>
+      </p:sp>
+      <p:sp>
+        <p:nvSpPr>
+          <p:cNvPr id="2" name="Titre 1"/>
+          <p:cNvSpPr>
+            <a:spLocks noGrp="1"/>
+          </p:cNvSpPr>
+          <p:nvPr>
+            <p:ph type="title"/>
+          </p:nvPr>
+        </p:nvSpPr>
+        <p:spPr/>
+        <p:txBody>
+          <a:bodyPr/>
+          <a:lstStyle/>
+          <a:p>
+            <a:r>
+              <a:rPr lang="fr-FR" dirty="0" smtClean="0">
+                <a:solidFill>
+                  <a:schemeClr val="bg1"/>
+                </a:solidFill>
+              </a:rPr>
+              <a:t>Résultats</a:t>
+            </a:r>
+            <a:endParaRPr lang="fr-FR" dirty="0">
+              <a:solidFill>
+                <a:schemeClr val="bg1"/>
+              </a:solidFill>
+            </a:endParaRPr>
+          </a:p>
+        </p:txBody>
+      </p:sp>
+      <p:sp>
+        <p:nvSpPr>
+          <p:cNvPr id="3" name="Espace réservé du contenu 2"/>
+          <p:cNvSpPr>
+            <a:spLocks noGrp="1"/>
+          </p:cNvSpPr>
+          <p:nvPr>
+            <p:ph idx="1"/>
+          </p:nvPr>
+        </p:nvSpPr>
+        <p:spPr/>
+        <p:txBody>
+          <a:bodyPr/>
+          <a:lstStyle/>
+          <a:p>
+            <a:endParaRPr lang="fr-FR"/>
+          </a:p>
+        </p:txBody>
+      </p:sp>
+      <p:sp>
+        <p:nvSpPr>
+          <p:cNvPr id="5" name="Espace réservé du numéro de diapositive 4"/>
+          <p:cNvSpPr>
+            <a:spLocks noGrp="1"/>
+          </p:cNvSpPr>
+          <p:nvPr>
+            <p:ph type="sldNum" sz="quarter" idx="12"/>
+          </p:nvPr>
+        </p:nvSpPr>
+        <p:spPr/>
+        <p:txBody>
+          <a:bodyPr/>
+          <a:lstStyle/>
+          <a:p>
+            <a:fld id="{B3C63893-BC38-4EBB-829D-DE1F1D825C70}" type="slidenum">
+              <a:rPr lang="fr-FR" b="1" smtClean="0">
+                <a:solidFill>
+                  <a:schemeClr val="bg1"/>
+                </a:solidFill>
+              </a:rPr>
+              <a:pPr/>
+              <a:t>16</a:t>
+            </a:fld>
+            <a:endParaRPr lang="fr-FR" b="1" dirty="0">
+              <a:solidFill>
+                <a:schemeClr val="bg1"/>
+              </a:solidFill>
+            </a:endParaRPr>
+          </a:p>
+        </p:txBody>
+      </p:sp>
+      <p:sp>
+        <p:nvSpPr>
+          <p:cNvPr id="6" name="Espace réservé du pied de page 5"/>
+          <p:cNvSpPr>
+            <a:spLocks noGrp="1"/>
+          </p:cNvSpPr>
+          <p:nvPr>
+            <p:ph type="ftr" sz="quarter" idx="11"/>
+          </p:nvPr>
+        </p:nvSpPr>
+        <p:spPr>
+          <a:xfrm>
+            <a:off x="1475656" y="6356350"/>
+            <a:ext cx="6264696" cy="501650"/>
+          </a:xfrm>
+        </p:spPr>
+        <p:txBody>
+          <a:bodyPr/>
+          <a:lstStyle/>
+          <a:p>
+            <a:r>
+              <a:rPr lang="fr-FR" b="1" dirty="0" smtClean="0">
+                <a:solidFill>
+                  <a:schemeClr val="bg1"/>
+                </a:solidFill>
+              </a:rPr>
+              <a:t>Gestion des emprunts de matériels - Alexis LAURENT, Suzy PAETA &amp; Romain ROUFAST</a:t>
+            </a:r>
+            <a:endParaRPr lang="fr-FR" b="1" dirty="0">
+              <a:solidFill>
+                <a:schemeClr val="bg1"/>
+              </a:solidFill>
+            </a:endParaRPr>
+          </a:p>
+        </p:txBody>
+      </p:sp>
+    </p:spTree>
+  </p:cSld>
+  <p:clrMapOvr>
+    <a:masterClrMapping/>
+  </p:clrMapOvr>
+  <p:timing>
+    <p:tnLst>
+      <p:par>
+        <p:cTn id="1" dur="indefinite" restart="never" nodeType="tmRoot"/>
+      </p:par>
+    </p:tnLst>
+  </p:timing>
+</p:sld>
+</file>
+
+<file path=ppt/slides/slide17.xml><?xml version="1.0" encoding="utf-8"?>
+<p:sld xmlns:a="http://schemas.openxmlformats.org/drawingml/2006/main" xmlns:r="http://schemas.openxmlformats.org/officeDocument/2006/relationships" xmlns:p="http://schemas.openxmlformats.org/presentationml/2006/main">
+  <p:cSld>
+    <p:spTree>
+      <p:nvGrpSpPr>
+        <p:cNvPr id="1" name=""/>
+        <p:cNvGrpSpPr/>
+        <p:nvPr/>
+      </p:nvGrpSpPr>
+      <p:grpSpPr>
+        <a:xfrm>
+          <a:off x="0" y="0"/>
+          <a:ext cx="0" cy="0"/>
+          <a:chOff x="0" y="0"/>
+          <a:chExt cx="0" cy="0"/>
+        </a:xfrm>
+      </p:grpSpPr>
+      <p:sp>
+        <p:nvSpPr>
+          <p:cNvPr id="7" name="Rectangle 6"/>
+          <p:cNvSpPr/>
+          <p:nvPr/>
+        </p:nvSpPr>
+        <p:spPr>
+          <a:xfrm>
+            <a:off x="0" y="6309320"/>
+            <a:ext cx="9144000" cy="548680"/>
+          </a:xfrm>
+          <a:prstGeom prst="rect">
+            <a:avLst/>
+          </a:prstGeom>
+          <a:solidFill>
+            <a:srgbClr val="FFC000"/>
+          </a:solidFill>
+          <a:ln>
+            <a:noFill/>
+          </a:ln>
+        </p:spPr>
+        <p:style>
+          <a:lnRef idx="2">
+            <a:schemeClr val="accent1">
+              <a:shade val="50000"/>
+            </a:schemeClr>
+          </a:lnRef>
+          <a:fillRef idx="1">
+            <a:schemeClr val="accent1"/>
+          </a:fillRef>
+          <a:effectRef idx="0">
+            <a:schemeClr val="accent1"/>
+          </a:effectRef>
+          <a:fontRef idx="minor">
+            <a:schemeClr val="lt1"/>
+          </a:fontRef>
+        </p:style>
+        <p:txBody>
+          <a:bodyPr rtlCol="0" anchor="ctr"/>
+          <a:lstStyle/>
+          <a:p>
+            <a:pPr algn="ctr"/>
+            <a:endParaRPr lang="fr-FR"/>
+          </a:p>
+        </p:txBody>
+      </p:sp>
+      <p:sp>
+        <p:nvSpPr>
+          <p:cNvPr id="4" name="Rectangle 3"/>
+          <p:cNvSpPr/>
+          <p:nvPr/>
+        </p:nvSpPr>
+        <p:spPr>
+          <a:xfrm>
+            <a:off x="0" y="0"/>
+            <a:ext cx="9144000" cy="1556792"/>
+          </a:xfrm>
+          <a:prstGeom prst="rect">
+            <a:avLst/>
+          </a:prstGeom>
+          <a:solidFill>
+            <a:srgbClr val="FFC000"/>
+          </a:solidFill>
+          <a:ln>
+            <a:noFill/>
+          </a:ln>
+        </p:spPr>
+        <p:style>
+          <a:lnRef idx="2">
+            <a:schemeClr val="accent1">
+              <a:shade val="50000"/>
+            </a:schemeClr>
+          </a:lnRef>
+          <a:fillRef idx="1">
+            <a:schemeClr val="accent1"/>
+          </a:fillRef>
+          <a:effectRef idx="0">
+            <a:schemeClr val="accent1"/>
+          </a:effectRef>
+          <a:fontRef idx="minor">
+            <a:schemeClr val="lt1"/>
+          </a:fontRef>
+        </p:style>
+        <p:txBody>
+          <a:bodyPr rtlCol="0" anchor="ctr"/>
+          <a:lstStyle/>
+          <a:p>
+            <a:pPr algn="ctr"/>
+            <a:endParaRPr lang="fr-FR"/>
+          </a:p>
+        </p:txBody>
+      </p:sp>
+      <p:sp>
+        <p:nvSpPr>
+          <p:cNvPr id="2" name="Titre 1"/>
+          <p:cNvSpPr>
+            <a:spLocks noGrp="1"/>
+          </p:cNvSpPr>
+          <p:nvPr>
+            <p:ph type="title"/>
+          </p:nvPr>
+        </p:nvSpPr>
+        <p:spPr/>
+        <p:txBody>
+          <a:bodyPr/>
+          <a:lstStyle/>
+          <a:p>
+            <a:r>
+              <a:rPr lang="fr-FR" dirty="0" smtClean="0">
+                <a:solidFill>
+                  <a:schemeClr val="bg1"/>
+                </a:solidFill>
+              </a:rPr>
+              <a:t>Gestion du projet</a:t>
+            </a:r>
+            <a:endParaRPr lang="fr-FR" dirty="0">
+              <a:solidFill>
+                <a:schemeClr val="bg1"/>
+              </a:solidFill>
+            </a:endParaRPr>
+          </a:p>
+        </p:txBody>
+      </p:sp>
+      <p:sp>
+        <p:nvSpPr>
+          <p:cNvPr id="3" name="Espace réservé du contenu 2"/>
+          <p:cNvSpPr>
+            <a:spLocks noGrp="1"/>
+          </p:cNvSpPr>
+          <p:nvPr>
+            <p:ph idx="1"/>
+          </p:nvPr>
+        </p:nvSpPr>
+        <p:spPr/>
+        <p:txBody>
+          <a:bodyPr/>
+          <a:lstStyle/>
+          <a:p>
+            <a:r>
+              <a:rPr lang="fr-FR" dirty="0" smtClean="0">
+                <a:solidFill>
+                  <a:srgbClr val="FFC000"/>
+                </a:solidFill>
+              </a:rPr>
+              <a:t>Répartition des tâches -&gt;</a:t>
+            </a:r>
+          </a:p>
+          <a:p>
+            <a:r>
+              <a:rPr lang="fr-FR" dirty="0" smtClean="0">
+                <a:solidFill>
+                  <a:srgbClr val="FFC000"/>
+                </a:solidFill>
+              </a:rPr>
+              <a:t>Gestion de versions -&gt; Utilisation de Git</a:t>
+            </a:r>
+          </a:p>
+          <a:p>
+            <a:r>
+              <a:rPr lang="fr-FR" dirty="0" smtClean="0">
+                <a:solidFill>
+                  <a:srgbClr val="FFC000"/>
+                </a:solidFill>
+              </a:rPr>
+              <a:t>Gestion de configuration -&gt;</a:t>
+            </a:r>
+          </a:p>
+          <a:p>
+            <a:r>
+              <a:rPr lang="fr-FR" dirty="0" smtClean="0">
+                <a:solidFill>
+                  <a:srgbClr val="FFC000"/>
+                </a:solidFill>
+              </a:rPr>
+              <a:t>Gestion des tests/sécurité -&gt; </a:t>
+            </a:r>
+          </a:p>
+          <a:p>
+            <a:endParaRPr lang="fr-FR" dirty="0" smtClean="0"/>
+          </a:p>
+          <a:p>
+            <a:endParaRPr lang="fr-FR" dirty="0"/>
+          </a:p>
+        </p:txBody>
+      </p:sp>
+      <p:sp>
+        <p:nvSpPr>
+          <p:cNvPr id="5" name="Espace réservé du numéro de diapositive 4"/>
+          <p:cNvSpPr>
+            <a:spLocks noGrp="1"/>
+          </p:cNvSpPr>
+          <p:nvPr>
+            <p:ph type="sldNum" sz="quarter" idx="12"/>
+          </p:nvPr>
+        </p:nvSpPr>
+        <p:spPr/>
+        <p:txBody>
+          <a:bodyPr/>
+          <a:lstStyle/>
+          <a:p>
+            <a:fld id="{B3C63893-BC38-4EBB-829D-DE1F1D825C70}" type="slidenum">
+              <a:rPr lang="fr-FR" b="1" smtClean="0">
+                <a:solidFill>
+                  <a:schemeClr val="bg1"/>
+                </a:solidFill>
+              </a:rPr>
+              <a:pPr/>
+              <a:t>17</a:t>
+            </a:fld>
+            <a:endParaRPr lang="fr-FR" b="1" dirty="0">
+              <a:solidFill>
+                <a:schemeClr val="bg1"/>
+              </a:solidFill>
+            </a:endParaRPr>
+          </a:p>
+        </p:txBody>
+      </p:sp>
+      <p:sp>
+        <p:nvSpPr>
+          <p:cNvPr id="6" name="Espace réservé du pied de page 5"/>
+          <p:cNvSpPr>
+            <a:spLocks noGrp="1"/>
+          </p:cNvSpPr>
+          <p:nvPr>
+            <p:ph type="ftr" sz="quarter" idx="11"/>
+          </p:nvPr>
+        </p:nvSpPr>
+        <p:spPr>
+          <a:xfrm>
+            <a:off x="1475656" y="6356350"/>
+            <a:ext cx="6264696" cy="501650"/>
+          </a:xfrm>
+        </p:spPr>
+        <p:txBody>
+          <a:bodyPr/>
+          <a:lstStyle/>
+          <a:p>
+            <a:r>
+              <a:rPr lang="fr-FR" b="1" dirty="0" smtClean="0">
+                <a:solidFill>
+                  <a:schemeClr val="bg1"/>
+                </a:solidFill>
+              </a:rPr>
+              <a:t>Gestion des emprunts de matériels - Alexis LAURENT, Suzy PAETA &amp; Romain ROUFAST</a:t>
+            </a:r>
+            <a:endParaRPr lang="fr-FR" b="1" dirty="0">
+              <a:solidFill>
+                <a:schemeClr val="bg1"/>
+              </a:solidFill>
+            </a:endParaRPr>
+          </a:p>
+        </p:txBody>
+      </p:sp>
+    </p:spTree>
+  </p:cSld>
+  <p:clrMapOvr>
+    <a:masterClrMapping/>
+  </p:clrMapOvr>
+  <p:timing>
+    <p:tnLst>
+      <p:par>
+        <p:cTn id="1" dur="indefinite" restart="never" nodeType="tmRoot"/>
+      </p:par>
+    </p:tnLst>
+  </p:timing>
+</p:sld>
+</file>
+
+<file path=ppt/slides/slide18.xml><?xml version="1.0" encoding="utf-8"?>
+<p:sld xmlns:a="http://schemas.openxmlformats.org/drawingml/2006/main" xmlns:r="http://schemas.openxmlformats.org/officeDocument/2006/relationships" xmlns:p="http://schemas.openxmlformats.org/presentationml/2006/main">
+  <p:cSld>
+    <p:spTree>
+      <p:nvGrpSpPr>
+        <p:cNvPr id="1" name=""/>
+        <p:cNvGrpSpPr/>
+        <p:nvPr/>
+      </p:nvGrpSpPr>
+      <p:grpSpPr>
+        <a:xfrm>
+          <a:off x="0" y="0"/>
+          <a:ext cx="0" cy="0"/>
+          <a:chOff x="0" y="0"/>
+          <a:chExt cx="0" cy="0"/>
+        </a:xfrm>
+      </p:grpSpPr>
+      <p:sp>
+        <p:nvSpPr>
+          <p:cNvPr id="7" name="Rectangle 6"/>
+          <p:cNvSpPr/>
+          <p:nvPr/>
+        </p:nvSpPr>
+        <p:spPr>
+          <a:xfrm>
+            <a:off x="0" y="6309320"/>
+            <a:ext cx="9144000" cy="548680"/>
+          </a:xfrm>
+          <a:prstGeom prst="rect">
+            <a:avLst/>
+          </a:prstGeom>
+          <a:solidFill>
+            <a:srgbClr val="FFC000"/>
+          </a:solidFill>
+          <a:ln>
+            <a:noFill/>
+          </a:ln>
+        </p:spPr>
+        <p:style>
+          <a:lnRef idx="2">
+            <a:schemeClr val="accent1">
+              <a:shade val="50000"/>
+            </a:schemeClr>
+          </a:lnRef>
+          <a:fillRef idx="1">
+            <a:schemeClr val="accent1"/>
+          </a:fillRef>
+          <a:effectRef idx="0">
+            <a:schemeClr val="accent1"/>
+          </a:effectRef>
+          <a:fontRef idx="minor">
+            <a:schemeClr val="lt1"/>
+          </a:fontRef>
+        </p:style>
+        <p:txBody>
+          <a:bodyPr rtlCol="0" anchor="ctr"/>
+          <a:lstStyle/>
+          <a:p>
+            <a:pPr algn="ctr"/>
+            <a:endParaRPr lang="fr-FR"/>
+          </a:p>
+        </p:txBody>
+      </p:sp>
+      <p:sp>
+        <p:nvSpPr>
+          <p:cNvPr id="4" name="Rectangle 3"/>
+          <p:cNvSpPr/>
+          <p:nvPr/>
+        </p:nvSpPr>
+        <p:spPr>
+          <a:xfrm>
+            <a:off x="0" y="0"/>
+            <a:ext cx="9144000" cy="1556792"/>
+          </a:xfrm>
+          <a:prstGeom prst="rect">
+            <a:avLst/>
+          </a:prstGeom>
+          <a:solidFill>
+            <a:srgbClr val="FFC000"/>
+          </a:solidFill>
+          <a:ln>
+            <a:noFill/>
+          </a:ln>
+        </p:spPr>
+        <p:style>
+          <a:lnRef idx="2">
+            <a:schemeClr val="accent1">
+              <a:shade val="50000"/>
+            </a:schemeClr>
+          </a:lnRef>
+          <a:fillRef idx="1">
+            <a:schemeClr val="accent1"/>
+          </a:fillRef>
+          <a:effectRef idx="0">
+            <a:schemeClr val="accent1"/>
+          </a:effectRef>
+          <a:fontRef idx="minor">
+            <a:schemeClr val="lt1"/>
+          </a:fontRef>
+        </p:style>
+        <p:txBody>
+          <a:bodyPr rtlCol="0" anchor="ctr"/>
+          <a:lstStyle/>
+          <a:p>
+            <a:pPr algn="ctr"/>
+            <a:endParaRPr lang="fr-FR"/>
+          </a:p>
+        </p:txBody>
+      </p:sp>
+      <p:sp>
+        <p:nvSpPr>
+          <p:cNvPr id="2" name="Titre 1"/>
+          <p:cNvSpPr>
+            <a:spLocks noGrp="1"/>
+          </p:cNvSpPr>
+          <p:nvPr>
+            <p:ph type="title"/>
+          </p:nvPr>
+        </p:nvSpPr>
+        <p:spPr/>
+        <p:txBody>
+          <a:bodyPr/>
+          <a:lstStyle/>
+          <a:p>
+            <a:r>
+              <a:rPr lang="fr-FR" dirty="0" smtClean="0">
+                <a:solidFill>
+                  <a:schemeClr val="bg1"/>
+                </a:solidFill>
+              </a:rPr>
+              <a:t>Synthèse de la gestion du projet</a:t>
+            </a:r>
+            <a:endParaRPr lang="fr-FR" dirty="0">
+              <a:solidFill>
+                <a:schemeClr val="bg1"/>
+              </a:solidFill>
+            </a:endParaRPr>
+          </a:p>
+        </p:txBody>
+      </p:sp>
+      <p:sp>
+        <p:nvSpPr>
+          <p:cNvPr id="3" name="Espace réservé du contenu 2"/>
+          <p:cNvSpPr>
+            <a:spLocks noGrp="1"/>
+          </p:cNvSpPr>
+          <p:nvPr>
+            <p:ph idx="1"/>
+          </p:nvPr>
+        </p:nvSpPr>
+        <p:spPr/>
+        <p:txBody>
+          <a:bodyPr/>
+          <a:lstStyle/>
+          <a:p>
+            <a:r>
+              <a:rPr lang="fr-FR" dirty="0" smtClean="0">
+                <a:solidFill>
+                  <a:srgbClr val="FFC000"/>
+                </a:solidFill>
+              </a:rPr>
+              <a:t>Difficultés rencontrées</a:t>
+            </a:r>
+          </a:p>
+          <a:p>
+            <a:pPr lvl="1"/>
+            <a:r>
+              <a:rPr lang="fr-FR" dirty="0" smtClean="0">
+                <a:solidFill>
+                  <a:srgbClr val="FFC000"/>
+                </a:solidFill>
+              </a:rPr>
+              <a:t>Mauvaises estimations du temps sur certaines tâches</a:t>
+            </a:r>
+          </a:p>
+          <a:p>
+            <a:pPr lvl="1"/>
+            <a:endParaRPr lang="fr-FR" dirty="0" smtClean="0">
+              <a:solidFill>
+                <a:srgbClr val="FFC000"/>
+              </a:solidFill>
+            </a:endParaRPr>
+          </a:p>
+          <a:p>
+            <a:r>
+              <a:rPr lang="fr-FR" dirty="0" smtClean="0">
+                <a:solidFill>
+                  <a:srgbClr val="FFC000"/>
+                </a:solidFill>
+              </a:rPr>
+              <a:t>Acquis</a:t>
+            </a:r>
+          </a:p>
+          <a:p>
+            <a:pPr lvl="1"/>
+            <a:r>
+              <a:rPr lang="fr-FR" dirty="0" smtClean="0">
+                <a:solidFill>
+                  <a:srgbClr val="FFC000"/>
+                </a:solidFill>
+              </a:rPr>
+              <a:t>Nouvelles technologies</a:t>
+            </a:r>
+          </a:p>
+          <a:p>
+            <a:pPr lvl="1"/>
+            <a:r>
+              <a:rPr lang="fr-FR" dirty="0" smtClean="0">
+                <a:solidFill>
+                  <a:srgbClr val="FFC000"/>
+                </a:solidFill>
+              </a:rPr>
+              <a:t>Gestion d’un projet centré utilisateurs</a:t>
+            </a:r>
+          </a:p>
+          <a:p>
+            <a:pPr lvl="1"/>
+            <a:endParaRPr lang="fr-FR" dirty="0" smtClean="0">
+              <a:solidFill>
+                <a:srgbClr val="FFC000"/>
+              </a:solidFill>
+            </a:endParaRPr>
+          </a:p>
+          <a:p>
+            <a:endParaRPr lang="fr-FR" dirty="0" smtClean="0"/>
+          </a:p>
+          <a:p>
+            <a:endParaRPr lang="fr-FR" dirty="0"/>
+          </a:p>
+        </p:txBody>
+      </p:sp>
+      <p:sp>
+        <p:nvSpPr>
+          <p:cNvPr id="5" name="Espace réservé du numéro de diapositive 4"/>
+          <p:cNvSpPr>
+            <a:spLocks noGrp="1"/>
+          </p:cNvSpPr>
+          <p:nvPr>
+            <p:ph type="sldNum" sz="quarter" idx="12"/>
+          </p:nvPr>
+        </p:nvSpPr>
+        <p:spPr/>
+        <p:txBody>
+          <a:bodyPr/>
+          <a:lstStyle/>
+          <a:p>
+            <a:fld id="{B3C63893-BC38-4EBB-829D-DE1F1D825C70}" type="slidenum">
+              <a:rPr lang="fr-FR" b="1" smtClean="0">
+                <a:solidFill>
+                  <a:schemeClr val="bg1"/>
+                </a:solidFill>
+              </a:rPr>
+              <a:pPr/>
+              <a:t>18</a:t>
+            </a:fld>
+            <a:endParaRPr lang="fr-FR" b="1" dirty="0">
+              <a:solidFill>
+                <a:schemeClr val="bg1"/>
+              </a:solidFill>
+            </a:endParaRPr>
+          </a:p>
+        </p:txBody>
+      </p:sp>
+      <p:sp>
+        <p:nvSpPr>
+          <p:cNvPr id="6" name="Espace réservé du pied de page 5"/>
+          <p:cNvSpPr>
+            <a:spLocks noGrp="1"/>
+          </p:cNvSpPr>
+          <p:nvPr>
+            <p:ph type="ftr" sz="quarter" idx="11"/>
+          </p:nvPr>
+        </p:nvSpPr>
+        <p:spPr>
+          <a:xfrm>
+            <a:off x="1475656" y="6356350"/>
+            <a:ext cx="6264696" cy="501650"/>
+          </a:xfrm>
+        </p:spPr>
+        <p:txBody>
+          <a:bodyPr/>
+          <a:lstStyle/>
+          <a:p>
+            <a:r>
+              <a:rPr lang="fr-FR" b="1" dirty="0" smtClean="0">
+                <a:solidFill>
+                  <a:schemeClr val="bg1"/>
+                </a:solidFill>
+              </a:rPr>
+              <a:t>Gestion des emprunts de matériels - Alexis LAURENT, Suzy PAETA &amp; Romain ROUFAST</a:t>
+            </a:r>
+            <a:endParaRPr lang="fr-FR" b="1" dirty="0">
+              <a:solidFill>
+                <a:schemeClr val="bg1"/>
+              </a:solidFill>
+            </a:endParaRPr>
+          </a:p>
+        </p:txBody>
+      </p:sp>
+    </p:spTree>
+  </p:cSld>
+  <p:clrMapOvr>
+    <a:masterClrMapping/>
+  </p:clrMapOvr>
+  <p:timing>
+    <p:tnLst>
+      <p:par>
+        <p:cTn id="1" dur="indefinite" restart="never" nodeType="tmRoot"/>
+      </p:par>
+    </p:tnLst>
+  </p:timing>
+</p:sld>
+</file>
+
+<file path=ppt/slides/slide19.xml><?xml version="1.0" encoding="utf-8"?>
+<p:sld xmlns:a="http://schemas.openxmlformats.org/drawingml/2006/main" xmlns:r="http://schemas.openxmlformats.org/officeDocument/2006/relationships" xmlns:p="http://schemas.openxmlformats.org/presentationml/2006/main">
+  <p:cSld>
+    <p:spTree>
+      <p:nvGrpSpPr>
+        <p:cNvPr id="1" name=""/>
+        <p:cNvGrpSpPr/>
+        <p:nvPr/>
+      </p:nvGrpSpPr>
+      <p:grpSpPr>
+        <a:xfrm>
+          <a:off x="0" y="0"/>
+          <a:ext cx="0" cy="0"/>
+          <a:chOff x="0" y="0"/>
+          <a:chExt cx="0" cy="0"/>
+        </a:xfrm>
+      </p:grpSpPr>
+      <p:sp>
+        <p:nvSpPr>
+          <p:cNvPr id="7" name="Rectangle 6"/>
+          <p:cNvSpPr/>
+          <p:nvPr/>
+        </p:nvSpPr>
+        <p:spPr>
+          <a:xfrm>
+            <a:off x="0" y="6309320"/>
+            <a:ext cx="9144000" cy="548680"/>
+          </a:xfrm>
+          <a:prstGeom prst="rect">
+            <a:avLst/>
+          </a:prstGeom>
+          <a:solidFill>
+            <a:srgbClr val="FFC000"/>
+          </a:solidFill>
+          <a:ln>
+            <a:noFill/>
+          </a:ln>
+        </p:spPr>
+        <p:style>
+          <a:lnRef idx="2">
+            <a:schemeClr val="accent1">
+              <a:shade val="50000"/>
+            </a:schemeClr>
+          </a:lnRef>
+          <a:fillRef idx="1">
+            <a:schemeClr val="accent1"/>
+          </a:fillRef>
+          <a:effectRef idx="0">
+            <a:schemeClr val="accent1"/>
+          </a:effectRef>
+          <a:fontRef idx="minor">
+            <a:schemeClr val="lt1"/>
+          </a:fontRef>
+        </p:style>
+        <p:txBody>
+          <a:bodyPr rtlCol="0" anchor="ctr"/>
+          <a:lstStyle/>
+          <a:p>
+            <a:pPr algn="ctr"/>
+            <a:endParaRPr lang="fr-FR"/>
+          </a:p>
+        </p:txBody>
+      </p:sp>
+      <p:sp>
+        <p:nvSpPr>
+          <p:cNvPr id="4" name="Rectangle 3"/>
+          <p:cNvSpPr/>
+          <p:nvPr/>
+        </p:nvSpPr>
+        <p:spPr>
+          <a:xfrm>
+            <a:off x="0" y="0"/>
+            <a:ext cx="9144000" cy="1556792"/>
+          </a:xfrm>
+          <a:prstGeom prst="rect">
+            <a:avLst/>
+          </a:prstGeom>
+          <a:solidFill>
+            <a:srgbClr val="FFC000"/>
+          </a:solidFill>
+          <a:ln>
+            <a:noFill/>
+          </a:ln>
+        </p:spPr>
+        <p:style>
+          <a:lnRef idx="2">
+            <a:schemeClr val="accent1">
+              <a:shade val="50000"/>
+            </a:schemeClr>
+          </a:lnRef>
+          <a:fillRef idx="1">
+            <a:schemeClr val="accent1"/>
+          </a:fillRef>
+          <a:effectRef idx="0">
+            <a:schemeClr val="accent1"/>
+          </a:effectRef>
+          <a:fontRef idx="minor">
+            <a:schemeClr val="lt1"/>
+          </a:fontRef>
+        </p:style>
+        <p:txBody>
+          <a:bodyPr rtlCol="0" anchor="ctr"/>
+          <a:lstStyle/>
+          <a:p>
+            <a:pPr algn="ctr"/>
+            <a:endParaRPr lang="fr-FR"/>
+          </a:p>
+        </p:txBody>
+      </p:sp>
+      <p:sp>
+        <p:nvSpPr>
+          <p:cNvPr id="2" name="Titre 1"/>
+          <p:cNvSpPr>
+            <a:spLocks noGrp="1"/>
+          </p:cNvSpPr>
+          <p:nvPr>
+            <p:ph type="title"/>
+          </p:nvPr>
+        </p:nvSpPr>
+        <p:spPr/>
+        <p:txBody>
+          <a:bodyPr/>
+          <a:lstStyle/>
+          <a:p>
+            <a:r>
+              <a:rPr lang="fr-FR" dirty="0" smtClean="0">
+                <a:solidFill>
+                  <a:schemeClr val="bg1"/>
+                </a:solidFill>
+              </a:rPr>
+              <a:t>Fin/Améliorations</a:t>
+            </a:r>
+            <a:endParaRPr lang="fr-FR" dirty="0">
+              <a:solidFill>
+                <a:schemeClr val="bg1"/>
+              </a:solidFill>
+            </a:endParaRPr>
+          </a:p>
+        </p:txBody>
+      </p:sp>
+      <p:sp>
+        <p:nvSpPr>
+          <p:cNvPr id="3" name="Espace réservé du contenu 2"/>
+          <p:cNvSpPr>
+            <a:spLocks noGrp="1"/>
+          </p:cNvSpPr>
+          <p:nvPr>
+            <p:ph idx="1"/>
+          </p:nvPr>
+        </p:nvSpPr>
+        <p:spPr/>
+        <p:txBody>
+          <a:bodyPr/>
+          <a:lstStyle/>
+          <a:p>
+            <a:r>
+              <a:rPr lang="fr-FR" dirty="0" smtClean="0">
+                <a:solidFill>
+                  <a:srgbClr val="FFC000"/>
+                </a:solidFill>
+              </a:rPr>
+              <a:t>Faire des tests utilisateurs sur la 1</a:t>
+            </a:r>
+            <a:r>
+              <a:rPr lang="fr-FR" baseline="30000" dirty="0" smtClean="0">
+                <a:solidFill>
+                  <a:srgbClr val="FFC000"/>
+                </a:solidFill>
+              </a:rPr>
+              <a:t>ère</a:t>
+            </a:r>
+            <a:r>
+              <a:rPr lang="fr-FR" dirty="0" smtClean="0">
+                <a:solidFill>
+                  <a:srgbClr val="FFC000"/>
+                </a:solidFill>
+              </a:rPr>
+              <a:t> version fonctionnelle</a:t>
+            </a:r>
+          </a:p>
+          <a:p>
+            <a:r>
+              <a:rPr lang="fr-FR" dirty="0" smtClean="0">
+                <a:solidFill>
+                  <a:srgbClr val="FFC000"/>
+                </a:solidFill>
+              </a:rPr>
+              <a:t>Faire une deuxième itération intégrant les remarques des utilisateurs</a:t>
+            </a:r>
+          </a:p>
+          <a:p>
+            <a:r>
+              <a:rPr lang="fr-FR" dirty="0" smtClean="0">
+                <a:solidFill>
+                  <a:srgbClr val="FFC000"/>
+                </a:solidFill>
+              </a:rPr>
+              <a:t>Améliorer la sécurité</a:t>
+            </a:r>
+          </a:p>
+          <a:p>
+            <a:r>
+              <a:rPr lang="fr-FR" dirty="0" smtClean="0">
+                <a:solidFill>
+                  <a:srgbClr val="FFC000"/>
+                </a:solidFill>
+              </a:rPr>
+              <a:t>Automatisation des tests fonctionnels</a:t>
+            </a:r>
+          </a:p>
+          <a:p>
+            <a:r>
+              <a:rPr lang="fr-FR" dirty="0" smtClean="0">
+                <a:solidFill>
+                  <a:srgbClr val="FFC000"/>
+                </a:solidFill>
+              </a:rPr>
+              <a:t>Authentification CAS</a:t>
+            </a:r>
+          </a:p>
+          <a:p>
+            <a:endParaRPr lang="fr-FR" dirty="0"/>
+          </a:p>
+        </p:txBody>
+      </p:sp>
+      <p:sp>
+        <p:nvSpPr>
+          <p:cNvPr id="5" name="Espace réservé du numéro de diapositive 4"/>
+          <p:cNvSpPr>
+            <a:spLocks noGrp="1"/>
+          </p:cNvSpPr>
+          <p:nvPr>
+            <p:ph type="sldNum" sz="quarter" idx="12"/>
+          </p:nvPr>
+        </p:nvSpPr>
+        <p:spPr/>
+        <p:txBody>
+          <a:bodyPr/>
+          <a:lstStyle/>
+          <a:p>
+            <a:fld id="{B3C63893-BC38-4EBB-829D-DE1F1D825C70}" type="slidenum">
+              <a:rPr lang="fr-FR" b="1" smtClean="0">
+                <a:solidFill>
+                  <a:schemeClr val="bg1"/>
+                </a:solidFill>
+              </a:rPr>
+              <a:pPr/>
+              <a:t>19</a:t>
+            </a:fld>
+            <a:endParaRPr lang="fr-FR" b="1" dirty="0">
+              <a:solidFill>
+                <a:schemeClr val="bg1"/>
+              </a:solidFill>
+            </a:endParaRPr>
+          </a:p>
+        </p:txBody>
+      </p:sp>
+      <p:sp>
+        <p:nvSpPr>
+          <p:cNvPr id="6" name="Espace réservé du pied de page 5"/>
+          <p:cNvSpPr>
+            <a:spLocks noGrp="1"/>
+          </p:cNvSpPr>
+          <p:nvPr>
+            <p:ph type="ftr" sz="quarter" idx="11"/>
+          </p:nvPr>
+        </p:nvSpPr>
+        <p:spPr>
+          <a:xfrm>
+            <a:off x="1475656" y="6356350"/>
+            <a:ext cx="6264696" cy="501650"/>
+          </a:xfrm>
+        </p:spPr>
+        <p:txBody>
+          <a:bodyPr/>
+          <a:lstStyle/>
+          <a:p>
+            <a:r>
+              <a:rPr lang="fr-FR" b="1" dirty="0" smtClean="0">
+                <a:solidFill>
+                  <a:schemeClr val="bg1"/>
+                </a:solidFill>
+              </a:rPr>
+              <a:t>Gestion des emprunts de matériels - Alexis LAURENT, Suzy PAETA &amp; Romain ROUFAST</a:t>
+            </a:r>
+            <a:endParaRPr lang="fr-FR" b="1" dirty="0">
+              <a:solidFill>
+                <a:schemeClr val="bg1"/>
+              </a:solidFill>
+            </a:endParaRPr>
+          </a:p>
+        </p:txBody>
+      </p:sp>
     </p:spTree>
   </p:cSld>
   <p:clrMapOvr>
@@ -4603,6 +8396,248 @@
               </a:rPr>
               <a:pPr/>
               <a:t>2</a:t>
+            </a:fld>
+            <a:endParaRPr lang="fr-FR" b="1" dirty="0">
+              <a:solidFill>
+                <a:schemeClr val="bg1"/>
+              </a:solidFill>
+            </a:endParaRPr>
+          </a:p>
+        </p:txBody>
+      </p:sp>
+      <p:sp>
+        <p:nvSpPr>
+          <p:cNvPr id="6" name="Espace réservé du pied de page 5"/>
+          <p:cNvSpPr>
+            <a:spLocks noGrp="1"/>
+          </p:cNvSpPr>
+          <p:nvPr>
+            <p:ph type="ftr" sz="quarter" idx="11"/>
+          </p:nvPr>
+        </p:nvSpPr>
+        <p:spPr>
+          <a:xfrm>
+            <a:off x="1475656" y="6356350"/>
+            <a:ext cx="6264696" cy="501650"/>
+          </a:xfrm>
+        </p:spPr>
+        <p:txBody>
+          <a:bodyPr/>
+          <a:lstStyle/>
+          <a:p>
+            <a:r>
+              <a:rPr lang="fr-FR" b="1" dirty="0" smtClean="0">
+                <a:solidFill>
+                  <a:schemeClr val="bg1"/>
+                </a:solidFill>
+              </a:rPr>
+              <a:t>Gestion des emprunts de matériels - Alexis LAURENT, Suzy PAETA &amp; Romain ROUFAST</a:t>
+            </a:r>
+            <a:endParaRPr lang="fr-FR" b="1" dirty="0">
+              <a:solidFill>
+                <a:schemeClr val="bg1"/>
+              </a:solidFill>
+            </a:endParaRPr>
+          </a:p>
+        </p:txBody>
+      </p:sp>
+    </p:spTree>
+  </p:cSld>
+  <p:clrMapOvr>
+    <a:masterClrMapping/>
+  </p:clrMapOvr>
+  <p:timing>
+    <p:tnLst>
+      <p:par>
+        <p:cTn id="1" dur="indefinite" restart="never" nodeType="tmRoot"/>
+      </p:par>
+    </p:tnLst>
+  </p:timing>
+</p:sld>
+</file>
+
+<file path=ppt/slides/slide20.xml><?xml version="1.0" encoding="utf-8"?>
+<p:sld xmlns:a="http://schemas.openxmlformats.org/drawingml/2006/main" xmlns:r="http://schemas.openxmlformats.org/officeDocument/2006/relationships" xmlns:p="http://schemas.openxmlformats.org/presentationml/2006/main">
+  <p:cSld>
+    <p:spTree>
+      <p:nvGrpSpPr>
+        <p:cNvPr id="1" name=""/>
+        <p:cNvGrpSpPr/>
+        <p:nvPr/>
+      </p:nvGrpSpPr>
+      <p:grpSpPr>
+        <a:xfrm>
+          <a:off x="0" y="0"/>
+          <a:ext cx="0" cy="0"/>
+          <a:chOff x="0" y="0"/>
+          <a:chExt cx="0" cy="0"/>
+        </a:xfrm>
+      </p:grpSpPr>
+      <p:sp>
+        <p:nvSpPr>
+          <p:cNvPr id="7" name="Rectangle 6"/>
+          <p:cNvSpPr/>
+          <p:nvPr/>
+        </p:nvSpPr>
+        <p:spPr>
+          <a:xfrm>
+            <a:off x="0" y="6309320"/>
+            <a:ext cx="9144000" cy="548680"/>
+          </a:xfrm>
+          <a:prstGeom prst="rect">
+            <a:avLst/>
+          </a:prstGeom>
+          <a:solidFill>
+            <a:srgbClr val="FFC000"/>
+          </a:solidFill>
+          <a:ln>
+            <a:noFill/>
+          </a:ln>
+        </p:spPr>
+        <p:style>
+          <a:lnRef idx="2">
+            <a:schemeClr val="accent1">
+              <a:shade val="50000"/>
+            </a:schemeClr>
+          </a:lnRef>
+          <a:fillRef idx="1">
+            <a:schemeClr val="accent1"/>
+          </a:fillRef>
+          <a:effectRef idx="0">
+            <a:schemeClr val="accent1"/>
+          </a:effectRef>
+          <a:fontRef idx="minor">
+            <a:schemeClr val="lt1"/>
+          </a:fontRef>
+        </p:style>
+        <p:txBody>
+          <a:bodyPr rtlCol="0" anchor="ctr"/>
+          <a:lstStyle/>
+          <a:p>
+            <a:pPr algn="ctr"/>
+            <a:endParaRPr lang="fr-FR"/>
+          </a:p>
+        </p:txBody>
+      </p:sp>
+      <p:sp>
+        <p:nvSpPr>
+          <p:cNvPr id="4" name="Rectangle 3"/>
+          <p:cNvSpPr/>
+          <p:nvPr/>
+        </p:nvSpPr>
+        <p:spPr>
+          <a:xfrm>
+            <a:off x="0" y="0"/>
+            <a:ext cx="9144000" cy="1556792"/>
+          </a:xfrm>
+          <a:prstGeom prst="rect">
+            <a:avLst/>
+          </a:prstGeom>
+          <a:solidFill>
+            <a:srgbClr val="FFC000"/>
+          </a:solidFill>
+          <a:ln>
+            <a:noFill/>
+          </a:ln>
+        </p:spPr>
+        <p:style>
+          <a:lnRef idx="2">
+            <a:schemeClr val="accent1">
+              <a:shade val="50000"/>
+            </a:schemeClr>
+          </a:lnRef>
+          <a:fillRef idx="1">
+            <a:schemeClr val="accent1"/>
+          </a:fillRef>
+          <a:effectRef idx="0">
+            <a:schemeClr val="accent1"/>
+          </a:effectRef>
+          <a:fontRef idx="minor">
+            <a:schemeClr val="lt1"/>
+          </a:fontRef>
+        </p:style>
+        <p:txBody>
+          <a:bodyPr rtlCol="0" anchor="ctr"/>
+          <a:lstStyle/>
+          <a:p>
+            <a:pPr algn="ctr"/>
+            <a:endParaRPr lang="fr-FR"/>
+          </a:p>
+        </p:txBody>
+      </p:sp>
+      <p:sp>
+        <p:nvSpPr>
+          <p:cNvPr id="2" name="Titre 1"/>
+          <p:cNvSpPr>
+            <a:spLocks noGrp="1"/>
+          </p:cNvSpPr>
+          <p:nvPr>
+            <p:ph type="title"/>
+          </p:nvPr>
+        </p:nvSpPr>
+        <p:spPr/>
+        <p:txBody>
+          <a:bodyPr/>
+          <a:lstStyle/>
+          <a:p>
+            <a:r>
+              <a:rPr lang="fr-FR" dirty="0" smtClean="0">
+                <a:solidFill>
+                  <a:schemeClr val="bg1"/>
+                </a:solidFill>
+              </a:rPr>
+              <a:t>Conclusion</a:t>
+            </a:r>
+            <a:endParaRPr lang="fr-FR" dirty="0">
+              <a:solidFill>
+                <a:schemeClr val="bg1"/>
+              </a:solidFill>
+            </a:endParaRPr>
+          </a:p>
+        </p:txBody>
+      </p:sp>
+      <p:sp>
+        <p:nvSpPr>
+          <p:cNvPr id="3" name="Espace réservé du contenu 2"/>
+          <p:cNvSpPr>
+            <a:spLocks noGrp="1"/>
+          </p:cNvSpPr>
+          <p:nvPr>
+            <p:ph idx="1"/>
+          </p:nvPr>
+        </p:nvSpPr>
+        <p:spPr/>
+        <p:txBody>
+          <a:bodyPr/>
+          <a:lstStyle/>
+          <a:p>
+            <a:endParaRPr lang="fr-FR"/>
+          </a:p>
+        </p:txBody>
+      </p:sp>
+      <p:sp>
+        <p:nvSpPr>
+          <p:cNvPr id="5" name="Espace réservé du numéro de diapositive 4"/>
+          <p:cNvSpPr>
+            <a:spLocks noGrp="1"/>
+          </p:cNvSpPr>
+          <p:nvPr>
+            <p:ph type="sldNum" sz="quarter" idx="12"/>
+          </p:nvPr>
+        </p:nvSpPr>
+        <p:spPr/>
+        <p:txBody>
+          <a:bodyPr/>
+          <a:lstStyle/>
+          <a:p>
+            <a:fld id="{B3C63893-BC38-4EBB-829D-DE1F1D825C70}" type="slidenum">
+              <a:rPr lang="fr-FR" b="1" smtClean="0">
+                <a:solidFill>
+                  <a:schemeClr val="bg1"/>
+                </a:solidFill>
+              </a:rPr>
+              <a:pPr/>
+              <a:t>20</a:t>
             </a:fld>
             <a:endParaRPr lang="fr-FR" b="1" dirty="0">
               <a:solidFill>
@@ -5390,6 +9425,306 @@
           </a:p>
         </p:txBody>
       </p:sp>
+      <p:sp>
+        <p:nvSpPr>
+          <p:cNvPr id="8" name="ZoneTexte 7"/>
+          <p:cNvSpPr txBox="1"/>
+          <p:nvPr/>
+        </p:nvSpPr>
+        <p:spPr>
+          <a:xfrm>
+            <a:off x="395536" y="3068960"/>
+            <a:ext cx="2088232" cy="954107"/>
+          </a:xfrm>
+          <a:prstGeom prst="rect">
+            <a:avLst/>
+          </a:prstGeom>
+          <a:noFill/>
+        </p:spPr>
+        <p:txBody>
+          <a:bodyPr wrap="square" rtlCol="0">
+            <a:spAutoFit/>
+          </a:bodyPr>
+          <a:lstStyle/>
+          <a:p>
+            <a:r>
+              <a:rPr lang="fr-FR" sz="2800" b="1" dirty="0" smtClean="0">
+                <a:solidFill>
+                  <a:schemeClr val="accent6">
+                    <a:lumMod val="75000"/>
+                  </a:schemeClr>
+                </a:solidFill>
+              </a:rPr>
+              <a:t>Analyse Utilisateurs</a:t>
+            </a:r>
+            <a:endParaRPr lang="fr-FR" b="1" dirty="0">
+              <a:solidFill>
+                <a:schemeClr val="accent6">
+                  <a:lumMod val="75000"/>
+                </a:schemeClr>
+              </a:solidFill>
+            </a:endParaRPr>
+          </a:p>
+        </p:txBody>
+      </p:sp>
+      <p:sp>
+        <p:nvSpPr>
+          <p:cNvPr id="9" name="ZoneTexte 8"/>
+          <p:cNvSpPr txBox="1"/>
+          <p:nvPr/>
+        </p:nvSpPr>
+        <p:spPr>
+          <a:xfrm>
+            <a:off x="3203848" y="3212976"/>
+            <a:ext cx="2088232" cy="523220"/>
+          </a:xfrm>
+          <a:prstGeom prst="rect">
+            <a:avLst/>
+          </a:prstGeom>
+          <a:noFill/>
+        </p:spPr>
+        <p:txBody>
+          <a:bodyPr wrap="square" rtlCol="0">
+            <a:spAutoFit/>
+          </a:bodyPr>
+          <a:lstStyle/>
+          <a:p>
+            <a:r>
+              <a:rPr lang="fr-FR" sz="2800" dirty="0" smtClean="0">
+                <a:solidFill>
+                  <a:srgbClr val="FFC000"/>
+                </a:solidFill>
+              </a:rPr>
+              <a:t>Conception</a:t>
+            </a:r>
+            <a:endParaRPr lang="fr-FR" dirty="0">
+              <a:solidFill>
+                <a:srgbClr val="FFC000"/>
+              </a:solidFill>
+            </a:endParaRPr>
+          </a:p>
+        </p:txBody>
+      </p:sp>
+      <p:sp>
+        <p:nvSpPr>
+          <p:cNvPr id="10" name="ZoneTexte 9"/>
+          <p:cNvSpPr txBox="1"/>
+          <p:nvPr/>
+        </p:nvSpPr>
+        <p:spPr>
+          <a:xfrm>
+            <a:off x="6335688" y="2276872"/>
+            <a:ext cx="2808312" cy="523220"/>
+          </a:xfrm>
+          <a:prstGeom prst="rect">
+            <a:avLst/>
+          </a:prstGeom>
+          <a:noFill/>
+        </p:spPr>
+        <p:txBody>
+          <a:bodyPr wrap="square" rtlCol="0">
+            <a:spAutoFit/>
+          </a:bodyPr>
+          <a:lstStyle/>
+          <a:p>
+            <a:r>
+              <a:rPr lang="fr-FR" sz="2800" dirty="0" smtClean="0">
+                <a:solidFill>
+                  <a:srgbClr val="FFC000"/>
+                </a:solidFill>
+              </a:rPr>
+              <a:t>Implémentation</a:t>
+            </a:r>
+            <a:endParaRPr lang="fr-FR" dirty="0">
+              <a:solidFill>
+                <a:srgbClr val="FFC000"/>
+              </a:solidFill>
+            </a:endParaRPr>
+          </a:p>
+        </p:txBody>
+      </p:sp>
+      <p:sp>
+        <p:nvSpPr>
+          <p:cNvPr id="11" name="ZoneTexte 10"/>
+          <p:cNvSpPr txBox="1"/>
+          <p:nvPr/>
+        </p:nvSpPr>
+        <p:spPr>
+          <a:xfrm>
+            <a:off x="6300192" y="4293096"/>
+            <a:ext cx="2808312" cy="523220"/>
+          </a:xfrm>
+          <a:prstGeom prst="rect">
+            <a:avLst/>
+          </a:prstGeom>
+          <a:noFill/>
+        </p:spPr>
+        <p:txBody>
+          <a:bodyPr wrap="square" rtlCol="0">
+            <a:spAutoFit/>
+          </a:bodyPr>
+          <a:lstStyle/>
+          <a:p>
+            <a:r>
+              <a:rPr lang="fr-FR" sz="2800" dirty="0" smtClean="0">
+                <a:solidFill>
+                  <a:srgbClr val="FFC000"/>
+                </a:solidFill>
+              </a:rPr>
+              <a:t>Tests utilisateurs</a:t>
+            </a:r>
+            <a:endParaRPr lang="fr-FR" dirty="0">
+              <a:solidFill>
+                <a:srgbClr val="FFC000"/>
+              </a:solidFill>
+            </a:endParaRPr>
+          </a:p>
+        </p:txBody>
+      </p:sp>
+      <p:cxnSp>
+        <p:nvCxnSpPr>
+          <p:cNvPr id="12" name="Connecteur droit avec flèche 11"/>
+          <p:cNvCxnSpPr/>
+          <p:nvPr/>
+        </p:nvCxnSpPr>
+        <p:spPr>
+          <a:xfrm>
+            <a:off x="2267744" y="3501008"/>
+            <a:ext cx="792088" cy="0"/>
+          </a:xfrm>
+          <a:prstGeom prst="straightConnector1">
+            <a:avLst/>
+          </a:prstGeom>
+          <a:ln w="38100">
+            <a:solidFill>
+              <a:srgbClr val="FFC000"/>
+            </a:solidFill>
+            <a:tailEnd type="arrow"/>
+          </a:ln>
+        </p:spPr>
+        <p:style>
+          <a:lnRef idx="1">
+            <a:schemeClr val="accent1"/>
+          </a:lnRef>
+          <a:fillRef idx="0">
+            <a:schemeClr val="accent1"/>
+          </a:fillRef>
+          <a:effectRef idx="0">
+            <a:schemeClr val="accent1"/>
+          </a:effectRef>
+          <a:fontRef idx="minor">
+            <a:schemeClr val="tx1"/>
+          </a:fontRef>
+        </p:style>
+      </p:cxnSp>
+      <p:cxnSp>
+        <p:nvCxnSpPr>
+          <p:cNvPr id="14" name="Connecteur droit avec flèche 13"/>
+          <p:cNvCxnSpPr/>
+          <p:nvPr/>
+        </p:nvCxnSpPr>
+        <p:spPr>
+          <a:xfrm flipV="1">
+            <a:off x="5076056" y="2564904"/>
+            <a:ext cx="1008112" cy="746502"/>
+          </a:xfrm>
+          <a:prstGeom prst="straightConnector1">
+            <a:avLst/>
+          </a:prstGeom>
+          <a:ln w="38100">
+            <a:solidFill>
+              <a:srgbClr val="FFC000"/>
+            </a:solidFill>
+            <a:tailEnd type="arrow"/>
+          </a:ln>
+        </p:spPr>
+        <p:style>
+          <a:lnRef idx="1">
+            <a:schemeClr val="accent1"/>
+          </a:lnRef>
+          <a:fillRef idx="0">
+            <a:schemeClr val="accent1"/>
+          </a:fillRef>
+          <a:effectRef idx="0">
+            <a:schemeClr val="accent1"/>
+          </a:effectRef>
+          <a:fontRef idx="minor">
+            <a:schemeClr val="tx1"/>
+          </a:fontRef>
+        </p:style>
+      </p:cxnSp>
+      <p:cxnSp>
+        <p:nvCxnSpPr>
+          <p:cNvPr id="17" name="Connecteur droit avec flèche 16"/>
+          <p:cNvCxnSpPr/>
+          <p:nvPr/>
+        </p:nvCxnSpPr>
+        <p:spPr>
+          <a:xfrm>
+            <a:off x="7452320" y="2852936"/>
+            <a:ext cx="0" cy="1152128"/>
+          </a:xfrm>
+          <a:prstGeom prst="straightConnector1">
+            <a:avLst/>
+          </a:prstGeom>
+          <a:ln w="38100">
+            <a:solidFill>
+              <a:srgbClr val="FFC000"/>
+            </a:solidFill>
+            <a:tailEnd type="arrow"/>
+          </a:ln>
+        </p:spPr>
+        <p:style>
+          <a:lnRef idx="1">
+            <a:schemeClr val="accent1"/>
+          </a:lnRef>
+          <a:fillRef idx="0">
+            <a:schemeClr val="accent1"/>
+          </a:fillRef>
+          <a:effectRef idx="0">
+            <a:schemeClr val="accent1"/>
+          </a:effectRef>
+          <a:fontRef idx="minor">
+            <a:schemeClr val="tx1"/>
+          </a:fontRef>
+        </p:style>
+      </p:cxnSp>
+      <p:cxnSp>
+        <p:nvCxnSpPr>
+          <p:cNvPr id="20" name="Connecteur droit avec flèche 19"/>
+          <p:cNvCxnSpPr/>
+          <p:nvPr/>
+        </p:nvCxnSpPr>
+        <p:spPr>
+          <a:xfrm flipH="1" flipV="1">
+            <a:off x="5004048" y="3789040"/>
+            <a:ext cx="1080120" cy="864096"/>
+          </a:xfrm>
+          <a:prstGeom prst="straightConnector1">
+            <a:avLst/>
+          </a:prstGeom>
+          <a:ln w="38100">
+            <a:solidFill>
+              <a:srgbClr val="FFC000"/>
+            </a:solidFill>
+            <a:tailEnd type="arrow"/>
+          </a:ln>
+        </p:spPr>
+        <p:style>
+          <a:lnRef idx="1">
+            <a:schemeClr val="accent1"/>
+          </a:lnRef>
+          <a:fillRef idx="0">
+            <a:schemeClr val="accent1"/>
+          </a:fillRef>
+          <a:effectRef idx="0">
+            <a:schemeClr val="accent1"/>
+          </a:effectRef>
+          <a:fontRef idx="minor">
+            <a:schemeClr val="tx1"/>
+          </a:fontRef>
+        </p:style>
+      </p:cxnSp>
     </p:spTree>
   </p:cSld>
   <p:clrMapOvr>
@@ -5535,13 +9870,119 @@
                   <a:schemeClr val="bg1"/>
                 </a:solidFill>
               </a:rPr>
-              <a:t>Solution technologique</a:t>
+              <a:t>Analyse utilisateurs</a:t>
             </a:r>
             <a:endParaRPr lang="fr-FR" dirty="0">
               <a:solidFill>
                 <a:schemeClr val="bg1"/>
               </a:solidFill>
             </a:endParaRPr>
+          </a:p>
+        </p:txBody>
+      </p:sp>
+      <p:sp>
+        <p:nvSpPr>
+          <p:cNvPr id="3" name="Espace réservé du contenu 2"/>
+          <p:cNvSpPr>
+            <a:spLocks noGrp="1"/>
+          </p:cNvSpPr>
+          <p:nvPr>
+            <p:ph idx="1"/>
+          </p:nvPr>
+        </p:nvSpPr>
+        <p:spPr/>
+        <p:txBody>
+          <a:bodyPr/>
+          <a:lstStyle/>
+          <a:p>
+            <a:r>
+              <a:rPr lang="fr-FR" dirty="0" smtClean="0">
+                <a:solidFill>
+                  <a:srgbClr val="FFC000"/>
+                </a:solidFill>
+              </a:rPr>
+              <a:t>Réalisation de questionnaires</a:t>
+            </a:r>
+          </a:p>
+          <a:p>
+            <a:r>
+              <a:rPr lang="fr-FR" dirty="0" smtClean="0">
+                <a:solidFill>
+                  <a:srgbClr val="FFC000"/>
+                </a:solidFill>
+              </a:rPr>
+              <a:t>Entretiens utilisateurs</a:t>
+            </a:r>
+          </a:p>
+          <a:p>
+            <a:pPr lvl="1"/>
+            <a:r>
+              <a:rPr lang="fr-FR" sz="2000" dirty="0" smtClean="0">
+                <a:solidFill>
+                  <a:srgbClr val="FFC000"/>
+                </a:solidFill>
+              </a:rPr>
+              <a:t>6 Enseignants</a:t>
+            </a:r>
+          </a:p>
+          <a:p>
+            <a:pPr lvl="1"/>
+            <a:r>
+              <a:rPr lang="fr-FR" sz="2000" dirty="0" smtClean="0">
+                <a:solidFill>
+                  <a:srgbClr val="FFC000"/>
+                </a:solidFill>
+              </a:rPr>
+              <a:t>5 Responsables</a:t>
+            </a:r>
+          </a:p>
+          <a:p>
+            <a:pPr lvl="1"/>
+            <a:r>
+              <a:rPr lang="fr-FR" sz="2000" dirty="0" smtClean="0">
+                <a:solidFill>
+                  <a:srgbClr val="FFC000"/>
+                </a:solidFill>
+              </a:rPr>
+              <a:t>4 Étudiants</a:t>
+            </a:r>
+            <a:endParaRPr lang="fr-FR" sz="2000" dirty="0" smtClean="0">
+              <a:solidFill>
+                <a:srgbClr val="FFC000"/>
+              </a:solidFill>
+            </a:endParaRPr>
+          </a:p>
+          <a:p>
+            <a:r>
+              <a:rPr lang="fr-FR" dirty="0" smtClean="0">
+                <a:solidFill>
+                  <a:srgbClr val="FFC000"/>
+                </a:solidFill>
+              </a:rPr>
+              <a:t>Analyse des entretiens </a:t>
+            </a:r>
+            <a:endParaRPr lang="fr-FR" dirty="0" smtClean="0">
+              <a:solidFill>
+                <a:srgbClr val="FFC000"/>
+              </a:solidFill>
+              <a:sym typeface="Wingdings" pitchFamily="2" charset="2"/>
+            </a:endParaRPr>
+          </a:p>
+          <a:p>
+            <a:pPr>
+              <a:buNone/>
+            </a:pPr>
+            <a:endParaRPr lang="fr-FR" dirty="0" smtClean="0">
+              <a:solidFill>
+                <a:srgbClr val="FFC000"/>
+              </a:solidFill>
+            </a:endParaRPr>
+          </a:p>
+          <a:p>
+            <a:pPr>
+              <a:buNone/>
+            </a:pPr>
+            <a:endParaRPr lang="fr-FR" dirty="0"/>
           </a:p>
         </p:txBody>
       </p:sp>
@@ -5613,316 +10054,21 @@
           </a:p>
         </p:txBody>
       </p:sp>
-      <p:pic>
-        <p:nvPicPr>
-          <p:cNvPr id="8" name="Image 7" descr="1393855671_Database_3.png"/>
-          <p:cNvPicPr>
-            <a:picLocks noChangeAspect="1"/>
-          </p:cNvPicPr>
+      <p:sp>
+        <p:nvSpPr>
+          <p:cNvPr id="8" name="ZoneTexte 7"/>
+          <p:cNvSpPr txBox="1"/>
           <p:nvPr/>
-        </p:nvPicPr>
-        <p:blipFill>
-          <a:blip r:embed="rId3" cstate="print">
-            <a:grayscl/>
-          </a:blip>
-          <a:stretch>
-            <a:fillRect/>
-          </a:stretch>
-        </p:blipFill>
-        <p:spPr>
-          <a:xfrm>
-            <a:off x="5652120" y="3429000"/>
-            <a:ext cx="936104" cy="936104"/>
-          </a:xfrm>
-          <a:prstGeom prst="rect">
-            <a:avLst/>
-          </a:prstGeom>
-        </p:spPr>
-      </p:pic>
-      <p:pic>
-        <p:nvPicPr>
-          <p:cNvPr id="9" name="Image 8" descr="1393855686_dedicated_server.png"/>
-          <p:cNvPicPr>
-            <a:picLocks noChangeAspect="1"/>
-          </p:cNvPicPr>
-          <p:nvPr/>
-        </p:nvPicPr>
-        <p:blipFill>
-          <a:blip r:embed="rId4" cstate="print">
-            <a:grayscl/>
-          </a:blip>
-          <a:stretch>
-            <a:fillRect/>
-          </a:stretch>
-        </p:blipFill>
-        <p:spPr>
-          <a:xfrm>
-            <a:off x="6156176" y="2996952"/>
-            <a:ext cx="1368152" cy="1368152"/>
-          </a:xfrm>
-          <a:prstGeom prst="rect">
-            <a:avLst/>
-          </a:prstGeom>
-        </p:spPr>
-      </p:pic>
-      <p:pic>
-        <p:nvPicPr>
-          <p:cNvPr id="12" name="Image 11" descr="ordinateur-moniteur-ecran-icone-8084-128.png"/>
-          <p:cNvPicPr>
-            <a:picLocks noChangeAspect="1"/>
-          </p:cNvPicPr>
-          <p:nvPr/>
-        </p:nvPicPr>
-        <p:blipFill>
-          <a:blip r:embed="rId5" cstate="print">
-            <a:grayscl/>
-          </a:blip>
-          <a:stretch>
-            <a:fillRect/>
-          </a:stretch>
-        </p:blipFill>
-        <p:spPr>
-          <a:xfrm>
-            <a:off x="2411760" y="2492896"/>
-            <a:ext cx="1440160" cy="1440160"/>
-          </a:xfrm>
-          <a:prstGeom prst="rect">
-            <a:avLst/>
-          </a:prstGeom>
-        </p:spPr>
-      </p:pic>
-      <p:pic>
-        <p:nvPicPr>
-          <p:cNvPr id="13" name="Image 12" descr="500px-Ruby_on_Rails.svg.png"/>
-          <p:cNvPicPr>
-            <a:picLocks noChangeAspect="1"/>
-          </p:cNvPicPr>
-          <p:nvPr/>
-        </p:nvPicPr>
-        <p:blipFill>
-          <a:blip r:embed="rId6" cstate="print"/>
-          <a:stretch>
-            <a:fillRect/>
-          </a:stretch>
-        </p:blipFill>
-        <p:spPr>
-          <a:xfrm>
-            <a:off x="8244408" y="3212976"/>
-            <a:ext cx="722302" cy="936104"/>
-          </a:xfrm>
-          <a:prstGeom prst="rect">
-            <a:avLst/>
-          </a:prstGeom>
-        </p:spPr>
-      </p:pic>
-      <p:pic>
-        <p:nvPicPr>
-          <p:cNvPr id="14" name="Image 13" descr="css3-logo.jpg"/>
-          <p:cNvPicPr>
-            <a:picLocks noChangeAspect="1"/>
-          </p:cNvPicPr>
-          <p:nvPr/>
-        </p:nvPicPr>
-        <p:blipFill>
-          <a:blip r:embed="rId7" cstate="print">
-            <a:clrChange>
-              <a:clrFrom>
-                <a:srgbClr val="FFFFFF"/>
-              </a:clrFrom>
-              <a:clrTo>
-                <a:srgbClr val="FFFFFF">
-                  <a:alpha val="0"/>
-                </a:srgbClr>
-              </a:clrTo>
-            </a:clrChange>
-          </a:blip>
-          <a:stretch>
-            <a:fillRect/>
-          </a:stretch>
-        </p:blipFill>
-        <p:spPr>
-          <a:xfrm>
-            <a:off x="251520" y="3212976"/>
-            <a:ext cx="1440160" cy="720080"/>
-          </a:xfrm>
-          <a:prstGeom prst="rect">
-            <a:avLst/>
-          </a:prstGeom>
-        </p:spPr>
-      </p:pic>
-      <p:pic>
-        <p:nvPicPr>
-          <p:cNvPr id="15" name="Image 14" descr="HTML5_Logo_512.png"/>
-          <p:cNvPicPr>
-            <a:picLocks noChangeAspect="1"/>
-          </p:cNvPicPr>
-          <p:nvPr/>
-        </p:nvPicPr>
-        <p:blipFill>
-          <a:blip r:embed="rId8" cstate="print"/>
-          <a:stretch>
-            <a:fillRect/>
-          </a:stretch>
-        </p:blipFill>
-        <p:spPr>
-          <a:xfrm>
-            <a:off x="179512" y="3284984"/>
-            <a:ext cx="576064" cy="576064"/>
-          </a:xfrm>
-          <a:prstGeom prst="rect">
-            <a:avLst/>
-          </a:prstGeom>
-        </p:spPr>
-      </p:pic>
-      <p:pic>
-        <p:nvPicPr>
-          <p:cNvPr id="16" name="Image 15" descr="ajax-jquery.png"/>
-          <p:cNvPicPr>
-            <a:picLocks noChangeAspect="1"/>
-          </p:cNvPicPr>
-          <p:nvPr/>
-        </p:nvPicPr>
-        <p:blipFill>
-          <a:blip r:embed="rId9" cstate="print"/>
-          <a:srcRect r="38655"/>
-          <a:stretch>
-            <a:fillRect/>
-          </a:stretch>
-        </p:blipFill>
-        <p:spPr>
-          <a:xfrm>
-            <a:off x="179512" y="3933057"/>
-            <a:ext cx="1656184" cy="486538"/>
-          </a:xfrm>
-          <a:prstGeom prst="rect">
-            <a:avLst/>
-          </a:prstGeom>
-        </p:spPr>
-      </p:pic>
-      <p:pic>
-        <p:nvPicPr>
-          <p:cNvPr id="17" name="Image 16" descr="ajax-jquery.png"/>
-          <p:cNvPicPr>
-            <a:picLocks noChangeAspect="1"/>
-          </p:cNvPicPr>
-          <p:nvPr/>
-        </p:nvPicPr>
-        <p:blipFill>
-          <a:blip r:embed="rId10" cstate="print"/>
-          <a:srcRect l="58678"/>
-          <a:stretch>
-            <a:fillRect/>
-          </a:stretch>
-        </p:blipFill>
-        <p:spPr>
-          <a:xfrm>
-            <a:off x="323528" y="4293096"/>
-            <a:ext cx="1273038" cy="504056"/>
-          </a:xfrm>
-          <a:prstGeom prst="rect">
-            <a:avLst/>
-          </a:prstGeom>
-        </p:spPr>
-      </p:pic>
-      <p:pic>
-        <p:nvPicPr>
-          <p:cNvPr id="18" name="Image 17" descr="1393856380_iphone-color.png"/>
-          <p:cNvPicPr>
-            <a:picLocks noChangeAspect="1"/>
-          </p:cNvPicPr>
-          <p:nvPr/>
-        </p:nvPicPr>
-        <p:blipFill>
-          <a:blip r:embed="rId11" cstate="print">
-            <a:grayscl/>
-          </a:blip>
-          <a:stretch>
-            <a:fillRect/>
-          </a:stretch>
-        </p:blipFill>
-        <p:spPr>
-          <a:xfrm>
-            <a:off x="2195736" y="3933056"/>
-            <a:ext cx="1219200" cy="1219200"/>
+        </p:nvSpPr>
+        <p:spPr>
+          <a:xfrm>
+            <a:off x="3851920" y="4581128"/>
+            <a:ext cx="4320480" cy="584775"/>
           </a:xfrm>
           <a:prstGeom prst="rect">
             <a:avLst/>
           </a:prstGeom>
           <a:noFill/>
-          <a:ln>
-            <a:noFill/>
-          </a:ln>
-        </p:spPr>
-      </p:pic>
-      <p:pic>
-        <p:nvPicPr>
-          <p:cNvPr id="19" name="Image 18" descr="1393856262_android-phone.png"/>
-          <p:cNvPicPr>
-            <a:picLocks noChangeAspect="1"/>
-          </p:cNvPicPr>
-          <p:nvPr/>
-        </p:nvPicPr>
-        <p:blipFill>
-          <a:blip r:embed="rId12" cstate="print">
-            <a:grayscl/>
-          </a:blip>
-          <a:stretch>
-            <a:fillRect/>
-          </a:stretch>
-        </p:blipFill>
-        <p:spPr>
-          <a:xfrm>
-            <a:off x="2555776" y="4077072"/>
-            <a:ext cx="1219200" cy="1219200"/>
-          </a:xfrm>
-          <a:prstGeom prst="rect">
-            <a:avLst/>
-          </a:prstGeom>
-          <a:noFill/>
-          <a:ln>
-            <a:noFill/>
-          </a:ln>
-        </p:spPr>
-      </p:pic>
-      <p:pic>
-        <p:nvPicPr>
-          <p:cNvPr id="21" name="Image 20" descr="bootstrap.jpg"/>
-          <p:cNvPicPr>
-            <a:picLocks noChangeAspect="1"/>
-          </p:cNvPicPr>
-          <p:nvPr/>
-        </p:nvPicPr>
-        <p:blipFill>
-          <a:blip r:embed="rId13" cstate="print"/>
-          <a:stretch>
-            <a:fillRect/>
-          </a:stretch>
-        </p:blipFill>
-        <p:spPr>
-          <a:xfrm>
-            <a:off x="1259632" y="3284984"/>
-            <a:ext cx="576064" cy="576064"/>
-          </a:xfrm>
-          <a:prstGeom prst="rect">
-            <a:avLst/>
-          </a:prstGeom>
-        </p:spPr>
-      </p:pic>
-      <p:sp>
-        <p:nvSpPr>
-          <p:cNvPr id="22" name="ZoneTexte 21"/>
-          <p:cNvSpPr txBox="1"/>
-          <p:nvPr/>
-        </p:nvSpPr>
-        <p:spPr>
-          <a:xfrm>
-            <a:off x="2339752" y="1844824"/>
-            <a:ext cx="1224136" cy="523220"/>
-          </a:xfrm>
-          <a:prstGeom prst="rect">
-            <a:avLst/>
-          </a:prstGeom>
-          <a:noFill/>
         </p:spPr>
         <p:txBody>
           <a:bodyPr wrap="square" rtlCol="0">
@@ -5931,204 +10077,68 @@
           <a:lstStyle/>
           <a:p>
             <a:r>
-              <a:rPr lang="fr-FR" sz="2800" dirty="0" smtClean="0">
+              <a:rPr lang="fr-FR" sz="3200" dirty="0" smtClean="0">
                 <a:solidFill>
                   <a:srgbClr val="FFC000"/>
                 </a:solidFill>
-              </a:rPr>
-              <a:t>Clients</a:t>
-            </a:r>
-            <a:endParaRPr lang="fr-FR" dirty="0">
+                <a:sym typeface="Wingdings" pitchFamily="2" charset="2"/>
+              </a:rPr>
+              <a:t>Déterminer les besoins</a:t>
+            </a:r>
+            <a:endParaRPr lang="fr-FR" sz="3200" dirty="0" smtClean="0">
               <a:solidFill>
                 <a:srgbClr val="FFC000"/>
               </a:solidFill>
+              <a:sym typeface="Wingdings" pitchFamily="2" charset="2"/>
             </a:endParaRPr>
           </a:p>
         </p:txBody>
       </p:sp>
       <p:sp>
         <p:nvSpPr>
-          <p:cNvPr id="23" name="ZoneTexte 22"/>
-          <p:cNvSpPr txBox="1"/>
+          <p:cNvPr id="10" name="Flèche droite 9"/>
+          <p:cNvSpPr/>
           <p:nvPr/>
         </p:nvSpPr>
         <p:spPr>
           <a:xfrm>
-            <a:off x="6084168" y="1844824"/>
-            <a:ext cx="1440160" cy="523220"/>
-          </a:xfrm>
-          <a:prstGeom prst="rect">
+            <a:off x="3059832" y="4725144"/>
+            <a:ext cx="576064" cy="360040"/>
+          </a:xfrm>
+          <a:prstGeom prst="rightArrow">
             <a:avLst/>
           </a:prstGeom>
-          <a:noFill/>
-        </p:spPr>
-        <p:txBody>
-          <a:bodyPr wrap="square" rtlCol="0">
-            <a:spAutoFit/>
-          </a:bodyPr>
-          <a:lstStyle/>
-          <a:p>
-            <a:r>
-              <a:rPr lang="fr-FR" sz="2800" dirty="0" smtClean="0">
-                <a:solidFill>
-                  <a:srgbClr val="FFC000"/>
-                </a:solidFill>
-              </a:rPr>
-              <a:t>Serveur</a:t>
-            </a:r>
-            <a:endParaRPr lang="fr-FR" dirty="0">
-              <a:solidFill>
-                <a:srgbClr val="FFC000"/>
-              </a:solidFill>
-            </a:endParaRPr>
-          </a:p>
-        </p:txBody>
-      </p:sp>
-      <p:cxnSp>
-        <p:nvCxnSpPr>
-          <p:cNvPr id="25" name="Connecteur droit avec flèche 24"/>
-          <p:cNvCxnSpPr/>
-          <p:nvPr/>
-        </p:nvCxnSpPr>
-        <p:spPr>
-          <a:xfrm>
-            <a:off x="3995936" y="3717032"/>
-            <a:ext cx="1584176" cy="0"/>
-          </a:xfrm>
-          <a:prstGeom prst="straightConnector1">
-            <a:avLst/>
-          </a:prstGeom>
-          <a:ln w="38100">
+          <a:solidFill>
+            <a:srgbClr val="FFC000"/>
+          </a:solidFill>
+          <a:ln>
             <a:solidFill>
               <a:srgbClr val="FFC000"/>
             </a:solidFill>
-            <a:tailEnd type="arrow"/>
           </a:ln>
         </p:spPr>
         <p:style>
-          <a:lnRef idx="1">
-            <a:schemeClr val="accent1"/>
+          <a:lnRef idx="2">
+            <a:schemeClr val="accent1">
+              <a:shade val="50000"/>
+            </a:schemeClr>
           </a:lnRef>
-          <a:fillRef idx="0">
+          <a:fillRef idx="1">
             <a:schemeClr val="accent1"/>
           </a:fillRef>
           <a:effectRef idx="0">
             <a:schemeClr val="accent1"/>
           </a:effectRef>
           <a:fontRef idx="minor">
-            <a:schemeClr val="tx1"/>
+            <a:schemeClr val="lt1"/>
           </a:fontRef>
         </p:style>
-      </p:cxnSp>
-      <p:cxnSp>
-        <p:nvCxnSpPr>
-          <p:cNvPr id="27" name="Connecteur droit avec flèche 26"/>
-          <p:cNvCxnSpPr/>
-          <p:nvPr/>
-        </p:nvCxnSpPr>
-        <p:spPr>
-          <a:xfrm flipH="1">
-            <a:off x="3995936" y="4005064"/>
-            <a:ext cx="1584176" cy="0"/>
-          </a:xfrm>
-          <a:prstGeom prst="straightConnector1">
-            <a:avLst/>
-          </a:prstGeom>
-          <a:ln w="38100">
-            <a:solidFill>
-              <a:srgbClr val="FFC000"/>
-            </a:solidFill>
-            <a:tailEnd type="arrow"/>
-          </a:ln>
-        </p:spPr>
-        <p:style>
-          <a:lnRef idx="1">
-            <a:schemeClr val="accent1"/>
-          </a:lnRef>
-          <a:fillRef idx="0">
-            <a:schemeClr val="accent1"/>
-          </a:fillRef>
-          <a:effectRef idx="0">
-            <a:schemeClr val="accent1"/>
-          </a:effectRef>
-          <a:fontRef idx="minor">
-            <a:schemeClr val="tx1"/>
-          </a:fontRef>
-        </p:style>
-      </p:cxnSp>
-      <p:sp>
-        <p:nvSpPr>
-          <p:cNvPr id="33" name="ZoneTexte 32"/>
-          <p:cNvSpPr txBox="1"/>
-          <p:nvPr/>
-        </p:nvSpPr>
-        <p:spPr>
-          <a:xfrm>
-            <a:off x="4139952" y="3284984"/>
-            <a:ext cx="1440160" cy="307777"/>
-          </a:xfrm>
-          <a:prstGeom prst="rect">
-            <a:avLst/>
-          </a:prstGeom>
-          <a:noFill/>
-        </p:spPr>
-        <p:txBody>
-          <a:bodyPr wrap="square" rtlCol="0">
-            <a:spAutoFit/>
-          </a:bodyPr>
-          <a:lstStyle/>
-          <a:p>
-            <a:r>
-              <a:rPr lang="fr-FR" sz="1400" dirty="0" smtClean="0">
-                <a:solidFill>
-                  <a:srgbClr val="FFC000"/>
-                </a:solidFill>
-              </a:rPr>
-              <a:t>Requête REST</a:t>
-            </a:r>
-            <a:endParaRPr lang="fr-FR" sz="1050" dirty="0">
-              <a:solidFill>
-                <a:srgbClr val="FFC000"/>
-              </a:solidFill>
-            </a:endParaRPr>
-          </a:p>
-        </p:txBody>
-      </p:sp>
-      <p:sp>
-        <p:nvSpPr>
-          <p:cNvPr id="34" name="ZoneTexte 33"/>
-          <p:cNvSpPr txBox="1"/>
-          <p:nvPr/>
-        </p:nvSpPr>
-        <p:spPr>
-          <a:xfrm>
-            <a:off x="4283968" y="4149080"/>
-            <a:ext cx="1440160" cy="307777"/>
-          </a:xfrm>
-          <a:prstGeom prst="rect">
-            <a:avLst/>
-          </a:prstGeom>
-          <a:noFill/>
-        </p:spPr>
-        <p:txBody>
-          <a:bodyPr wrap="square" rtlCol="0">
-            <a:spAutoFit/>
-          </a:bodyPr>
-          <a:lstStyle/>
-          <a:p>
-            <a:r>
-              <a:rPr lang="fr-FR" sz="1400" dirty="0" smtClean="0">
-                <a:solidFill>
-                  <a:srgbClr val="FFC000"/>
-                </a:solidFill>
-              </a:rPr>
-              <a:t>Page HTML</a:t>
-            </a:r>
-            <a:endParaRPr lang="fr-FR" sz="1400" dirty="0">
-              <a:solidFill>
-                <a:srgbClr val="FFC000"/>
-              </a:solidFill>
-            </a:endParaRPr>
+        <p:txBody>
+          <a:bodyPr rtlCol="0" anchor="ctr"/>
+          <a:lstStyle/>
+          <a:p>
+            <a:pPr algn="ctr"/>
+            <a:endParaRPr lang="fr-FR"/>
           </a:p>
         </p:txBody>
       </p:sp>
@@ -6277,7 +10287,7 @@
                   <a:schemeClr val="bg1"/>
                 </a:solidFill>
               </a:rPr>
-              <a:t>Fin/Améliorations</a:t>
+              <a:t>Besoins principaux (Responsables)</a:t>
             </a:r>
             <a:endParaRPr lang="fr-FR" dirty="0">
               <a:solidFill>
@@ -6302,7 +10312,100 @@
           <a:bodyPr/>
           <a:lstStyle/>
           <a:p>
-            <a:endParaRPr lang="fr-FR"/>
+            <a:r>
+              <a:rPr lang="fr-FR" dirty="0" smtClean="0">
+                <a:solidFill>
+                  <a:srgbClr val="FFC000"/>
+                </a:solidFill>
+              </a:rPr>
+              <a:t>Centraliser les informations d’emprunts</a:t>
+            </a:r>
+          </a:p>
+          <a:p>
+            <a:r>
+              <a:rPr lang="fr-FR" dirty="0" smtClean="0">
+                <a:solidFill>
+                  <a:srgbClr val="FFC000"/>
+                </a:solidFill>
+              </a:rPr>
+              <a:t>Gérer les demandes</a:t>
+            </a:r>
+          </a:p>
+          <a:p>
+            <a:pPr lvl="1"/>
+            <a:r>
+              <a:rPr lang="fr-FR" sz="1800" dirty="0" smtClean="0">
+                <a:solidFill>
+                  <a:srgbClr val="FFC000"/>
+                </a:solidFill>
+              </a:rPr>
+              <a:t>Valider</a:t>
+            </a:r>
+          </a:p>
+          <a:p>
+            <a:pPr lvl="1"/>
+            <a:r>
+              <a:rPr lang="fr-FR" sz="1800" dirty="0" smtClean="0">
+                <a:solidFill>
+                  <a:srgbClr val="FFC000"/>
+                </a:solidFill>
+              </a:rPr>
+              <a:t>Refuser</a:t>
+            </a:r>
+          </a:p>
+          <a:p>
+            <a:pPr lvl="1"/>
+            <a:r>
+              <a:rPr lang="fr-FR" sz="1800" dirty="0" smtClean="0">
+                <a:solidFill>
+                  <a:srgbClr val="FFC000"/>
+                </a:solidFill>
+              </a:rPr>
+              <a:t>Annuler</a:t>
+            </a:r>
+          </a:p>
+          <a:p>
+            <a:r>
+              <a:rPr lang="fr-FR" dirty="0" smtClean="0">
+                <a:solidFill>
+                  <a:srgbClr val="FFC000"/>
+                </a:solidFill>
+              </a:rPr>
+              <a:t>Consulter/gérer l’état du stock</a:t>
+            </a:r>
+          </a:p>
+          <a:p>
+            <a:r>
+              <a:rPr lang="fr-FR" dirty="0" smtClean="0">
+                <a:solidFill>
+                  <a:srgbClr val="FFC000"/>
+                </a:solidFill>
+              </a:rPr>
+              <a:t>Être notifier</a:t>
+            </a:r>
+          </a:p>
+          <a:p>
+            <a:pPr lvl="1"/>
+            <a:r>
+              <a:rPr lang="fr-FR" sz="1800" dirty="0" smtClean="0">
+                <a:solidFill>
+                  <a:srgbClr val="FFC000"/>
+                </a:solidFill>
+              </a:rPr>
+              <a:t>Retard</a:t>
+            </a:r>
+          </a:p>
+          <a:p>
+            <a:pPr lvl="1"/>
+            <a:r>
+              <a:rPr lang="fr-FR" sz="1800" dirty="0" smtClean="0">
+                <a:solidFill>
+                  <a:srgbClr val="FFC000"/>
+                </a:solidFill>
+              </a:rPr>
+              <a:t>Remise ou retour de matériel</a:t>
+            </a:r>
+            <a:endParaRPr lang="fr-FR" sz="1800" dirty="0"/>
           </a:p>
         </p:txBody>
       </p:sp>
@@ -6519,7 +10622,7 @@
                   <a:schemeClr val="bg1"/>
                 </a:solidFill>
               </a:rPr>
-              <a:t>Conclusion</a:t>
+              <a:t>Besoins principaux (Emprunteurs)</a:t>
             </a:r>
             <a:endParaRPr lang="fr-FR" dirty="0">
               <a:solidFill>
@@ -6544,7 +10647,25 @@
           <a:bodyPr/>
           <a:lstStyle/>
           <a:p>
-            <a:endParaRPr lang="fr-FR"/>
+            <a:r>
+              <a:rPr lang="fr-FR" dirty="0" smtClean="0">
+                <a:solidFill>
+                  <a:srgbClr val="FFC000"/>
+                </a:solidFill>
+              </a:rPr>
+              <a:t>Réserver du matériel à l’avance</a:t>
+            </a:r>
+          </a:p>
+          <a:p>
+            <a:r>
+              <a:rPr lang="fr-FR" dirty="0" smtClean="0">
+                <a:solidFill>
+                  <a:srgbClr val="FFC000"/>
+                </a:solidFill>
+              </a:rPr>
+              <a:t>Connaître les caractéristiques du matériel</a:t>
+            </a:r>
+            <a:endParaRPr lang="fr-FR" dirty="0"/>
           </a:p>
         </p:txBody>
       </p:sp>
@@ -6616,6 +10737,804 @@
           </a:p>
         </p:txBody>
       </p:sp>
+    </p:spTree>
+  </p:cSld>
+  <p:clrMapOvr>
+    <a:masterClrMapping/>
+  </p:clrMapOvr>
+  <p:timing>
+    <p:tnLst>
+      <p:par>
+        <p:cTn id="1" dur="indefinite" restart="never" nodeType="tmRoot"/>
+      </p:par>
+    </p:tnLst>
+  </p:timing>
+</p:sld>
+</file>
+
+<file path=ppt/slides/slide8.xml><?xml version="1.0" encoding="utf-8"?>
+<p:sld xmlns:a="http://schemas.openxmlformats.org/drawingml/2006/main" xmlns:r="http://schemas.openxmlformats.org/officeDocument/2006/relationships" xmlns:p="http://schemas.openxmlformats.org/presentationml/2006/main">
+  <p:cSld>
+    <p:spTree>
+      <p:nvGrpSpPr>
+        <p:cNvPr id="1" name=""/>
+        <p:cNvGrpSpPr/>
+        <p:nvPr/>
+      </p:nvGrpSpPr>
+      <p:grpSpPr>
+        <a:xfrm>
+          <a:off x="0" y="0"/>
+          <a:ext cx="0" cy="0"/>
+          <a:chOff x="0" y="0"/>
+          <a:chExt cx="0" cy="0"/>
+        </a:xfrm>
+      </p:grpSpPr>
+      <p:sp>
+        <p:nvSpPr>
+          <p:cNvPr id="7" name="Rectangle 6"/>
+          <p:cNvSpPr/>
+          <p:nvPr/>
+        </p:nvSpPr>
+        <p:spPr>
+          <a:xfrm>
+            <a:off x="0" y="6309320"/>
+            <a:ext cx="9144000" cy="548680"/>
+          </a:xfrm>
+          <a:prstGeom prst="rect">
+            <a:avLst/>
+          </a:prstGeom>
+          <a:solidFill>
+            <a:srgbClr val="FFC000"/>
+          </a:solidFill>
+          <a:ln>
+            <a:noFill/>
+          </a:ln>
+        </p:spPr>
+        <p:style>
+          <a:lnRef idx="2">
+            <a:schemeClr val="accent1">
+              <a:shade val="50000"/>
+            </a:schemeClr>
+          </a:lnRef>
+          <a:fillRef idx="1">
+            <a:schemeClr val="accent1"/>
+          </a:fillRef>
+          <a:effectRef idx="0">
+            <a:schemeClr val="accent1"/>
+          </a:effectRef>
+          <a:fontRef idx="minor">
+            <a:schemeClr val="lt1"/>
+          </a:fontRef>
+        </p:style>
+        <p:txBody>
+          <a:bodyPr rtlCol="0" anchor="ctr"/>
+          <a:lstStyle/>
+          <a:p>
+            <a:pPr algn="ctr"/>
+            <a:endParaRPr lang="fr-FR"/>
+          </a:p>
+        </p:txBody>
+      </p:sp>
+      <p:sp>
+        <p:nvSpPr>
+          <p:cNvPr id="4" name="Rectangle 3"/>
+          <p:cNvSpPr/>
+          <p:nvPr/>
+        </p:nvSpPr>
+        <p:spPr>
+          <a:xfrm>
+            <a:off x="0" y="0"/>
+            <a:ext cx="9144000" cy="1556792"/>
+          </a:xfrm>
+          <a:prstGeom prst="rect">
+            <a:avLst/>
+          </a:prstGeom>
+          <a:solidFill>
+            <a:srgbClr val="FFC000"/>
+          </a:solidFill>
+          <a:ln>
+            <a:noFill/>
+          </a:ln>
+        </p:spPr>
+        <p:style>
+          <a:lnRef idx="2">
+            <a:schemeClr val="accent1">
+              <a:shade val="50000"/>
+            </a:schemeClr>
+          </a:lnRef>
+          <a:fillRef idx="1">
+            <a:schemeClr val="accent1"/>
+          </a:fillRef>
+          <a:effectRef idx="0">
+            <a:schemeClr val="accent1"/>
+          </a:effectRef>
+          <a:fontRef idx="minor">
+            <a:schemeClr val="lt1"/>
+          </a:fontRef>
+        </p:style>
+        <p:txBody>
+          <a:bodyPr rtlCol="0" anchor="ctr"/>
+          <a:lstStyle/>
+          <a:p>
+            <a:pPr algn="ctr"/>
+            <a:endParaRPr lang="fr-FR"/>
+          </a:p>
+        </p:txBody>
+      </p:sp>
+      <p:sp>
+        <p:nvSpPr>
+          <p:cNvPr id="2" name="Titre 1"/>
+          <p:cNvSpPr>
+            <a:spLocks noGrp="1"/>
+          </p:cNvSpPr>
+          <p:nvPr>
+            <p:ph type="title"/>
+          </p:nvPr>
+        </p:nvSpPr>
+        <p:spPr/>
+        <p:txBody>
+          <a:bodyPr/>
+          <a:lstStyle/>
+          <a:p>
+            <a:r>
+              <a:rPr lang="fr-FR" dirty="0" smtClean="0">
+                <a:solidFill>
+                  <a:schemeClr val="bg1"/>
+                </a:solidFill>
+              </a:rPr>
+              <a:t>Maquettes</a:t>
+            </a:r>
+            <a:endParaRPr lang="fr-FR" dirty="0">
+              <a:solidFill>
+                <a:schemeClr val="bg1"/>
+              </a:solidFill>
+            </a:endParaRPr>
+          </a:p>
+        </p:txBody>
+      </p:sp>
+      <p:sp>
+        <p:nvSpPr>
+          <p:cNvPr id="3" name="Espace réservé du contenu 2"/>
+          <p:cNvSpPr>
+            <a:spLocks noGrp="1"/>
+          </p:cNvSpPr>
+          <p:nvPr>
+            <p:ph idx="1"/>
+          </p:nvPr>
+        </p:nvSpPr>
+        <p:spPr/>
+        <p:txBody>
+          <a:bodyPr/>
+          <a:lstStyle/>
+          <a:p>
+            <a:r>
+              <a:rPr lang="fr-FR" dirty="0" smtClean="0">
+                <a:solidFill>
+                  <a:srgbClr val="FFC000"/>
+                </a:solidFill>
+              </a:rPr>
+              <a:t>Réalisation de maquettes</a:t>
+            </a:r>
+          </a:p>
+          <a:p>
+            <a:r>
+              <a:rPr lang="fr-FR" dirty="0" smtClean="0">
+                <a:solidFill>
+                  <a:srgbClr val="FFC000"/>
+                </a:solidFill>
+              </a:rPr>
+              <a:t>Entretiens utilisateurs</a:t>
+            </a:r>
+          </a:p>
+          <a:p>
+            <a:r>
+              <a:rPr lang="fr-FR" dirty="0" smtClean="0">
+                <a:solidFill>
+                  <a:srgbClr val="FFC000"/>
+                </a:solidFill>
+              </a:rPr>
+              <a:t>Analyse des entretiens</a:t>
+            </a:r>
+          </a:p>
+          <a:p>
+            <a:pPr>
+              <a:buNone/>
+            </a:pPr>
+            <a:endParaRPr lang="fr-FR" dirty="0"/>
+          </a:p>
+        </p:txBody>
+      </p:sp>
+      <p:sp>
+        <p:nvSpPr>
+          <p:cNvPr id="5" name="Espace réservé du numéro de diapositive 4"/>
+          <p:cNvSpPr>
+            <a:spLocks noGrp="1"/>
+          </p:cNvSpPr>
+          <p:nvPr>
+            <p:ph type="sldNum" sz="quarter" idx="12"/>
+          </p:nvPr>
+        </p:nvSpPr>
+        <p:spPr/>
+        <p:txBody>
+          <a:bodyPr/>
+          <a:lstStyle/>
+          <a:p>
+            <a:fld id="{B3C63893-BC38-4EBB-829D-DE1F1D825C70}" type="slidenum">
+              <a:rPr lang="fr-FR" b="1" smtClean="0">
+                <a:solidFill>
+                  <a:schemeClr val="bg1"/>
+                </a:solidFill>
+              </a:rPr>
+              <a:pPr/>
+              <a:t>8</a:t>
+            </a:fld>
+            <a:endParaRPr lang="fr-FR" b="1" dirty="0">
+              <a:solidFill>
+                <a:schemeClr val="bg1"/>
+              </a:solidFill>
+            </a:endParaRPr>
+          </a:p>
+        </p:txBody>
+      </p:sp>
+      <p:sp>
+        <p:nvSpPr>
+          <p:cNvPr id="6" name="Espace réservé du pied de page 5"/>
+          <p:cNvSpPr>
+            <a:spLocks noGrp="1"/>
+          </p:cNvSpPr>
+          <p:nvPr>
+            <p:ph type="ftr" sz="quarter" idx="11"/>
+          </p:nvPr>
+        </p:nvSpPr>
+        <p:spPr>
+          <a:xfrm>
+            <a:off x="1475656" y="6356350"/>
+            <a:ext cx="6264696" cy="501650"/>
+          </a:xfrm>
+        </p:spPr>
+        <p:txBody>
+          <a:bodyPr/>
+          <a:lstStyle/>
+          <a:p>
+            <a:r>
+              <a:rPr lang="fr-FR" b="1" dirty="0" smtClean="0">
+                <a:solidFill>
+                  <a:schemeClr val="bg1"/>
+                </a:solidFill>
+              </a:rPr>
+              <a:t>Gestion des emprunts de matériels - Alexis LAURENT, Suzy PAETA &amp; Romain ROUFAST</a:t>
+            </a:r>
+            <a:endParaRPr lang="fr-FR" b="1" dirty="0">
+              <a:solidFill>
+                <a:schemeClr val="bg1"/>
+              </a:solidFill>
+            </a:endParaRPr>
+          </a:p>
+        </p:txBody>
+      </p:sp>
+    </p:spTree>
+  </p:cSld>
+  <p:clrMapOvr>
+    <a:masterClrMapping/>
+  </p:clrMapOvr>
+  <p:timing>
+    <p:tnLst>
+      <p:par>
+        <p:cTn id="1" dur="indefinite" restart="never" nodeType="tmRoot"/>
+      </p:par>
+    </p:tnLst>
+  </p:timing>
+</p:sld>
+</file>
+
+<file path=ppt/slides/slide9.xml><?xml version="1.0" encoding="utf-8"?>
+<p:sld xmlns:a="http://schemas.openxmlformats.org/drawingml/2006/main" xmlns:r="http://schemas.openxmlformats.org/officeDocument/2006/relationships" xmlns:p="http://schemas.openxmlformats.org/presentationml/2006/main">
+  <p:cSld>
+    <p:spTree>
+      <p:nvGrpSpPr>
+        <p:cNvPr id="1" name=""/>
+        <p:cNvGrpSpPr/>
+        <p:nvPr/>
+      </p:nvGrpSpPr>
+      <p:grpSpPr>
+        <a:xfrm>
+          <a:off x="0" y="0"/>
+          <a:ext cx="0" cy="0"/>
+          <a:chOff x="0" y="0"/>
+          <a:chExt cx="0" cy="0"/>
+        </a:xfrm>
+      </p:grpSpPr>
+      <p:sp>
+        <p:nvSpPr>
+          <p:cNvPr id="7" name="Rectangle 6"/>
+          <p:cNvSpPr/>
+          <p:nvPr/>
+        </p:nvSpPr>
+        <p:spPr>
+          <a:xfrm>
+            <a:off x="0" y="6309320"/>
+            <a:ext cx="9144000" cy="548680"/>
+          </a:xfrm>
+          <a:prstGeom prst="rect">
+            <a:avLst/>
+          </a:prstGeom>
+          <a:solidFill>
+            <a:srgbClr val="FFC000"/>
+          </a:solidFill>
+          <a:ln>
+            <a:noFill/>
+          </a:ln>
+        </p:spPr>
+        <p:style>
+          <a:lnRef idx="2">
+            <a:schemeClr val="accent1">
+              <a:shade val="50000"/>
+            </a:schemeClr>
+          </a:lnRef>
+          <a:fillRef idx="1">
+            <a:schemeClr val="accent1"/>
+          </a:fillRef>
+          <a:effectRef idx="0">
+            <a:schemeClr val="accent1"/>
+          </a:effectRef>
+          <a:fontRef idx="minor">
+            <a:schemeClr val="lt1"/>
+          </a:fontRef>
+        </p:style>
+        <p:txBody>
+          <a:bodyPr rtlCol="0" anchor="ctr"/>
+          <a:lstStyle/>
+          <a:p>
+            <a:pPr algn="ctr"/>
+            <a:endParaRPr lang="fr-FR"/>
+          </a:p>
+        </p:txBody>
+      </p:sp>
+      <p:sp>
+        <p:nvSpPr>
+          <p:cNvPr id="4" name="Rectangle 3"/>
+          <p:cNvSpPr/>
+          <p:nvPr/>
+        </p:nvSpPr>
+        <p:spPr>
+          <a:xfrm>
+            <a:off x="0" y="0"/>
+            <a:ext cx="9144000" cy="1556792"/>
+          </a:xfrm>
+          <a:prstGeom prst="rect">
+            <a:avLst/>
+          </a:prstGeom>
+          <a:solidFill>
+            <a:srgbClr val="FFC000"/>
+          </a:solidFill>
+          <a:ln>
+            <a:noFill/>
+          </a:ln>
+        </p:spPr>
+        <p:style>
+          <a:lnRef idx="2">
+            <a:schemeClr val="accent1">
+              <a:shade val="50000"/>
+            </a:schemeClr>
+          </a:lnRef>
+          <a:fillRef idx="1">
+            <a:schemeClr val="accent1"/>
+          </a:fillRef>
+          <a:effectRef idx="0">
+            <a:schemeClr val="accent1"/>
+          </a:effectRef>
+          <a:fontRef idx="minor">
+            <a:schemeClr val="lt1"/>
+          </a:fontRef>
+        </p:style>
+        <p:txBody>
+          <a:bodyPr rtlCol="0" anchor="ctr"/>
+          <a:lstStyle/>
+          <a:p>
+            <a:pPr algn="ctr"/>
+            <a:endParaRPr lang="fr-FR"/>
+          </a:p>
+        </p:txBody>
+      </p:sp>
+      <p:sp>
+        <p:nvSpPr>
+          <p:cNvPr id="2" name="Titre 1"/>
+          <p:cNvSpPr>
+            <a:spLocks noGrp="1"/>
+          </p:cNvSpPr>
+          <p:nvPr>
+            <p:ph type="title"/>
+          </p:nvPr>
+        </p:nvSpPr>
+        <p:spPr/>
+        <p:txBody>
+          <a:bodyPr/>
+          <a:lstStyle/>
+          <a:p>
+            <a:r>
+              <a:rPr lang="fr-FR" dirty="0" smtClean="0">
+                <a:solidFill>
+                  <a:schemeClr val="bg1"/>
+                </a:solidFill>
+              </a:rPr>
+              <a:t>Notre démarche</a:t>
+            </a:r>
+            <a:endParaRPr lang="fr-FR" dirty="0">
+              <a:solidFill>
+                <a:schemeClr val="bg1"/>
+              </a:solidFill>
+            </a:endParaRPr>
+          </a:p>
+        </p:txBody>
+      </p:sp>
+      <p:sp>
+        <p:nvSpPr>
+          <p:cNvPr id="5" name="Espace réservé du numéro de diapositive 4"/>
+          <p:cNvSpPr>
+            <a:spLocks noGrp="1"/>
+          </p:cNvSpPr>
+          <p:nvPr>
+            <p:ph type="sldNum" sz="quarter" idx="12"/>
+          </p:nvPr>
+        </p:nvSpPr>
+        <p:spPr/>
+        <p:txBody>
+          <a:bodyPr/>
+          <a:lstStyle/>
+          <a:p>
+            <a:fld id="{B3C63893-BC38-4EBB-829D-DE1F1D825C70}" type="slidenum">
+              <a:rPr lang="fr-FR" b="1" smtClean="0">
+                <a:solidFill>
+                  <a:schemeClr val="bg1"/>
+                </a:solidFill>
+              </a:rPr>
+              <a:pPr/>
+              <a:t>9</a:t>
+            </a:fld>
+            <a:endParaRPr lang="fr-FR" b="1" dirty="0">
+              <a:solidFill>
+                <a:schemeClr val="bg1"/>
+              </a:solidFill>
+            </a:endParaRPr>
+          </a:p>
+        </p:txBody>
+      </p:sp>
+      <p:sp>
+        <p:nvSpPr>
+          <p:cNvPr id="6" name="Espace réservé du pied de page 5"/>
+          <p:cNvSpPr>
+            <a:spLocks noGrp="1"/>
+          </p:cNvSpPr>
+          <p:nvPr>
+            <p:ph type="ftr" sz="quarter" idx="11"/>
+          </p:nvPr>
+        </p:nvSpPr>
+        <p:spPr>
+          <a:xfrm>
+            <a:off x="1475656" y="6356350"/>
+            <a:ext cx="6264696" cy="501650"/>
+          </a:xfrm>
+        </p:spPr>
+        <p:txBody>
+          <a:bodyPr/>
+          <a:lstStyle/>
+          <a:p>
+            <a:r>
+              <a:rPr lang="fr-FR" b="1" dirty="0" smtClean="0">
+                <a:solidFill>
+                  <a:schemeClr val="bg1"/>
+                </a:solidFill>
+              </a:rPr>
+              <a:t>Gestion des emprunts de matériels - Alexis LAURENT, Suzy PAETA &amp; Romain ROUFAST</a:t>
+            </a:r>
+            <a:endParaRPr lang="fr-FR" b="1" dirty="0">
+              <a:solidFill>
+                <a:schemeClr val="bg1"/>
+              </a:solidFill>
+            </a:endParaRPr>
+          </a:p>
+        </p:txBody>
+      </p:sp>
+      <p:sp>
+        <p:nvSpPr>
+          <p:cNvPr id="8" name="ZoneTexte 7"/>
+          <p:cNvSpPr txBox="1"/>
+          <p:nvPr/>
+        </p:nvSpPr>
+        <p:spPr>
+          <a:xfrm>
+            <a:off x="395536" y="3068960"/>
+            <a:ext cx="2088232" cy="954107"/>
+          </a:xfrm>
+          <a:prstGeom prst="rect">
+            <a:avLst/>
+          </a:prstGeom>
+          <a:noFill/>
+        </p:spPr>
+        <p:txBody>
+          <a:bodyPr wrap="square" rtlCol="0">
+            <a:spAutoFit/>
+          </a:bodyPr>
+          <a:lstStyle/>
+          <a:p>
+            <a:r>
+              <a:rPr lang="fr-FR" sz="2800" dirty="0" smtClean="0">
+                <a:solidFill>
+                  <a:srgbClr val="FFC000"/>
+                </a:solidFill>
+              </a:rPr>
+              <a:t>Analyse Utilisateurs</a:t>
+            </a:r>
+            <a:endParaRPr lang="fr-FR" dirty="0">
+              <a:solidFill>
+                <a:srgbClr val="FFC000"/>
+              </a:solidFill>
+            </a:endParaRPr>
+          </a:p>
+        </p:txBody>
+      </p:sp>
+      <p:sp>
+        <p:nvSpPr>
+          <p:cNvPr id="9" name="ZoneTexte 8"/>
+          <p:cNvSpPr txBox="1"/>
+          <p:nvPr/>
+        </p:nvSpPr>
+        <p:spPr>
+          <a:xfrm>
+            <a:off x="3203848" y="3212976"/>
+            <a:ext cx="2088232" cy="523220"/>
+          </a:xfrm>
+          <a:prstGeom prst="rect">
+            <a:avLst/>
+          </a:prstGeom>
+          <a:noFill/>
+        </p:spPr>
+        <p:txBody>
+          <a:bodyPr wrap="square" rtlCol="0">
+            <a:spAutoFit/>
+          </a:bodyPr>
+          <a:lstStyle/>
+          <a:p>
+            <a:r>
+              <a:rPr lang="fr-FR" sz="2800" b="1" dirty="0" smtClean="0">
+                <a:solidFill>
+                  <a:schemeClr val="accent6">
+                    <a:lumMod val="75000"/>
+                  </a:schemeClr>
+                </a:solidFill>
+              </a:rPr>
+              <a:t>Conception</a:t>
+            </a:r>
+            <a:endParaRPr lang="fr-FR" b="1" dirty="0">
+              <a:solidFill>
+                <a:schemeClr val="accent6">
+                  <a:lumMod val="75000"/>
+                </a:schemeClr>
+              </a:solidFill>
+            </a:endParaRPr>
+          </a:p>
+        </p:txBody>
+      </p:sp>
+      <p:sp>
+        <p:nvSpPr>
+          <p:cNvPr id="10" name="ZoneTexte 9"/>
+          <p:cNvSpPr txBox="1"/>
+          <p:nvPr/>
+        </p:nvSpPr>
+        <p:spPr>
+          <a:xfrm>
+            <a:off x="6335688" y="2276872"/>
+            <a:ext cx="2808312" cy="523220"/>
+          </a:xfrm>
+          <a:prstGeom prst="rect">
+            <a:avLst/>
+          </a:prstGeom>
+          <a:noFill/>
+        </p:spPr>
+        <p:txBody>
+          <a:bodyPr wrap="square" rtlCol="0">
+            <a:spAutoFit/>
+          </a:bodyPr>
+          <a:lstStyle/>
+          <a:p>
+            <a:r>
+              <a:rPr lang="fr-FR" sz="2800" dirty="0" smtClean="0">
+                <a:solidFill>
+                  <a:srgbClr val="FFC000"/>
+                </a:solidFill>
+              </a:rPr>
+              <a:t>Implémentation</a:t>
+            </a:r>
+            <a:endParaRPr lang="fr-FR" dirty="0">
+              <a:solidFill>
+                <a:srgbClr val="FFC000"/>
+              </a:solidFill>
+            </a:endParaRPr>
+          </a:p>
+        </p:txBody>
+      </p:sp>
+      <p:sp>
+        <p:nvSpPr>
+          <p:cNvPr id="11" name="ZoneTexte 10"/>
+          <p:cNvSpPr txBox="1"/>
+          <p:nvPr/>
+        </p:nvSpPr>
+        <p:spPr>
+          <a:xfrm>
+            <a:off x="6300192" y="4293096"/>
+            <a:ext cx="2808312" cy="523220"/>
+          </a:xfrm>
+          <a:prstGeom prst="rect">
+            <a:avLst/>
+          </a:prstGeom>
+          <a:noFill/>
+        </p:spPr>
+        <p:txBody>
+          <a:bodyPr wrap="square" rtlCol="0">
+            <a:spAutoFit/>
+          </a:bodyPr>
+          <a:lstStyle/>
+          <a:p>
+            <a:r>
+              <a:rPr lang="fr-FR" sz="2800" dirty="0" smtClean="0">
+                <a:solidFill>
+                  <a:srgbClr val="FFC000"/>
+                </a:solidFill>
+              </a:rPr>
+              <a:t>Tests utilisateurs</a:t>
+            </a:r>
+            <a:endParaRPr lang="fr-FR" dirty="0">
+              <a:solidFill>
+                <a:srgbClr val="FFC000"/>
+              </a:solidFill>
+            </a:endParaRPr>
+          </a:p>
+        </p:txBody>
+      </p:sp>
+      <p:cxnSp>
+        <p:nvCxnSpPr>
+          <p:cNvPr id="12" name="Connecteur droit avec flèche 11"/>
+          <p:cNvCxnSpPr/>
+          <p:nvPr/>
+        </p:nvCxnSpPr>
+        <p:spPr>
+          <a:xfrm>
+            <a:off x="2267744" y="3501008"/>
+            <a:ext cx="792088" cy="0"/>
+          </a:xfrm>
+          <a:prstGeom prst="straightConnector1">
+            <a:avLst/>
+          </a:prstGeom>
+          <a:ln w="38100">
+            <a:solidFill>
+              <a:srgbClr val="FFC000"/>
+            </a:solidFill>
+            <a:tailEnd type="arrow"/>
+          </a:ln>
+        </p:spPr>
+        <p:style>
+          <a:lnRef idx="1">
+            <a:schemeClr val="accent1"/>
+          </a:lnRef>
+          <a:fillRef idx="0">
+            <a:schemeClr val="accent1"/>
+          </a:fillRef>
+          <a:effectRef idx="0">
+            <a:schemeClr val="accent1"/>
+          </a:effectRef>
+          <a:fontRef idx="minor">
+            <a:schemeClr val="tx1"/>
+          </a:fontRef>
+        </p:style>
+      </p:cxnSp>
+      <p:cxnSp>
+        <p:nvCxnSpPr>
+          <p:cNvPr id="14" name="Connecteur droit avec flèche 13"/>
+          <p:cNvCxnSpPr/>
+          <p:nvPr/>
+        </p:nvCxnSpPr>
+        <p:spPr>
+          <a:xfrm flipV="1">
+            <a:off x="5076056" y="2564904"/>
+            <a:ext cx="1008112" cy="746502"/>
+          </a:xfrm>
+          <a:prstGeom prst="straightConnector1">
+            <a:avLst/>
+          </a:prstGeom>
+          <a:ln w="38100">
+            <a:solidFill>
+              <a:srgbClr val="FFC000"/>
+            </a:solidFill>
+            <a:tailEnd type="arrow"/>
+          </a:ln>
+        </p:spPr>
+        <p:style>
+          <a:lnRef idx="1">
+            <a:schemeClr val="accent1"/>
+          </a:lnRef>
+          <a:fillRef idx="0">
+            <a:schemeClr val="accent1"/>
+          </a:fillRef>
+          <a:effectRef idx="0">
+            <a:schemeClr val="accent1"/>
+          </a:effectRef>
+          <a:fontRef idx="minor">
+            <a:schemeClr val="tx1"/>
+          </a:fontRef>
+        </p:style>
+      </p:cxnSp>
+      <p:cxnSp>
+        <p:nvCxnSpPr>
+          <p:cNvPr id="17" name="Connecteur droit avec flèche 16"/>
+          <p:cNvCxnSpPr/>
+          <p:nvPr/>
+        </p:nvCxnSpPr>
+        <p:spPr>
+          <a:xfrm>
+            <a:off x="7452320" y="2852936"/>
+            <a:ext cx="0" cy="1152128"/>
+          </a:xfrm>
+          <a:prstGeom prst="straightConnector1">
+            <a:avLst/>
+          </a:prstGeom>
+          <a:ln w="38100">
+            <a:solidFill>
+              <a:srgbClr val="FFC000"/>
+            </a:solidFill>
+            <a:tailEnd type="arrow"/>
+          </a:ln>
+        </p:spPr>
+        <p:style>
+          <a:lnRef idx="1">
+            <a:schemeClr val="accent1"/>
+          </a:lnRef>
+          <a:fillRef idx="0">
+            <a:schemeClr val="accent1"/>
+          </a:fillRef>
+          <a:effectRef idx="0">
+            <a:schemeClr val="accent1"/>
+          </a:effectRef>
+          <a:fontRef idx="minor">
+            <a:schemeClr val="tx1"/>
+          </a:fontRef>
+        </p:style>
+      </p:cxnSp>
+      <p:cxnSp>
+        <p:nvCxnSpPr>
+          <p:cNvPr id="20" name="Connecteur droit avec flèche 19"/>
+          <p:cNvCxnSpPr/>
+          <p:nvPr/>
+        </p:nvCxnSpPr>
+        <p:spPr>
+          <a:xfrm flipH="1" flipV="1">
+            <a:off x="5004048" y="3789040"/>
+            <a:ext cx="1080120" cy="864096"/>
+          </a:xfrm>
+          <a:prstGeom prst="straightConnector1">
+            <a:avLst/>
+          </a:prstGeom>
+          <a:ln w="38100">
+            <a:solidFill>
+              <a:srgbClr val="FFC000"/>
+            </a:solidFill>
+            <a:tailEnd type="arrow"/>
+          </a:ln>
+        </p:spPr>
+        <p:style>
+          <a:lnRef idx="1">
+            <a:schemeClr val="accent1"/>
+          </a:lnRef>
+          <a:fillRef idx="0">
+            <a:schemeClr val="accent1"/>
+          </a:fillRef>
+          <a:effectRef idx="0">
+            <a:schemeClr val="accent1"/>
+          </a:effectRef>
+          <a:fontRef idx="minor">
+            <a:schemeClr val="tx1"/>
+          </a:fontRef>
+        </p:style>
+      </p:cxnSp>
     </p:spTree>
   </p:cSld>
   <p:clrMapOvr>

--- a/Livrables/D1.3 - DEF.pptx
+++ b/Livrables/D1.3 - DEF.pptx
@@ -5,7 +5,7 @@
     <p:sldMasterId id="2147483648" r:id="rId1"/>
   </p:sldMasterIdLst>
   <p:notesMasterIdLst>
-    <p:notesMasterId r:id="rId22"/>
+    <p:notesMasterId r:id="rId29"/>
   </p:notesMasterIdLst>
   <p:sldIdLst>
     <p:sldId id="259" r:id="rId2"/>
@@ -15,19 +15,26 @@
     <p:sldId id="270" r:id="rId6"/>
     <p:sldId id="275" r:id="rId7"/>
     <p:sldId id="276" r:id="rId8"/>
-    <p:sldId id="274" r:id="rId9"/>
-    <p:sldId id="260" r:id="rId10"/>
-    <p:sldId id="271" r:id="rId11"/>
-    <p:sldId id="268" r:id="rId12"/>
-    <p:sldId id="272" r:id="rId13"/>
-    <p:sldId id="263" r:id="rId14"/>
-    <p:sldId id="269" r:id="rId15"/>
-    <p:sldId id="273" r:id="rId16"/>
-    <p:sldId id="280" r:id="rId17"/>
-    <p:sldId id="277" r:id="rId18"/>
-    <p:sldId id="278" r:id="rId19"/>
-    <p:sldId id="264" r:id="rId20"/>
-    <p:sldId id="265" r:id="rId21"/>
+    <p:sldId id="289" r:id="rId9"/>
+    <p:sldId id="274" r:id="rId10"/>
+    <p:sldId id="288" r:id="rId11"/>
+    <p:sldId id="284" r:id="rId12"/>
+    <p:sldId id="287" r:id="rId13"/>
+    <p:sldId id="285" r:id="rId14"/>
+    <p:sldId id="286" r:id="rId15"/>
+    <p:sldId id="260" r:id="rId16"/>
+    <p:sldId id="271" r:id="rId17"/>
+    <p:sldId id="268" r:id="rId18"/>
+    <p:sldId id="272" r:id="rId19"/>
+    <p:sldId id="263" r:id="rId20"/>
+    <p:sldId id="269" r:id="rId21"/>
+    <p:sldId id="273" r:id="rId22"/>
+    <p:sldId id="280" r:id="rId23"/>
+    <p:sldId id="277" r:id="rId24"/>
+    <p:sldId id="290" r:id="rId25"/>
+    <p:sldId id="278" r:id="rId26"/>
+    <p:sldId id="264" r:id="rId27"/>
+    <p:sldId id="265" r:id="rId28"/>
   </p:sldIdLst>
   <p:sldSz cx="9144000" cy="6858000" type="screen4x3"/>
   <p:notesSz cx="6858000" cy="9144000"/>
@@ -129,6 +136,447 @@
 </p:presentation>
 </file>
 
+<file path=ppt/charts/chart1.xml><?xml version="1.0" encoding="utf-8"?>
+<c:chartSpace xmlns:c="http://schemas.openxmlformats.org/drawingml/2006/chart" xmlns:a="http://schemas.openxmlformats.org/drawingml/2006/main" xmlns:r="http://schemas.openxmlformats.org/officeDocument/2006/relationships">
+  <c:date1904 val="1"/>
+  <c:lang val="fr-FR"/>
+  <c:style val="18"/>
+  <c:chart>
+    <c:title>
+      <c:tx>
+        <c:rich>
+          <a:bodyPr/>
+          <a:lstStyle/>
+          <a:p>
+            <a:pPr>
+              <a:defRPr/>
+            </a:pPr>
+            <a:r>
+              <a:rPr lang="fr-FR"/>
+              <a:t>Consommation</a:t>
+            </a:r>
+            <a:r>
+              <a:rPr lang="fr-FR" baseline="0"/>
+              <a:t> du budget </a:t>
+            </a:r>
+            <a:endParaRPr lang="fr-FR"/>
+          </a:p>
+        </c:rich>
+      </c:tx>
+      <c:layout/>
+    </c:title>
+    <c:plotArea>
+      <c:layout/>
+      <c:lineChart>
+        <c:grouping val="standard"/>
+        <c:ser>
+          <c:idx val="0"/>
+          <c:order val="0"/>
+          <c:tx>
+            <c:strRef>
+              <c:f>Feuil1!$B$1</c:f>
+              <c:strCache>
+                <c:ptCount val="1"/>
+                <c:pt idx="0">
+                  <c:v>Prévu</c:v>
+                </c:pt>
+              </c:strCache>
+            </c:strRef>
+          </c:tx>
+          <c:marker>
+            <c:symbol val="none"/>
+          </c:marker>
+          <c:cat>
+            <c:numRef>
+              <c:f>Feuil1!$A$2:$A$22</c:f>
+              <c:numCache>
+                <c:formatCode>General</c:formatCode>
+                <c:ptCount val="21"/>
+                <c:pt idx="0">
+                  <c:v>1</c:v>
+                </c:pt>
+                <c:pt idx="1">
+                  <c:v>2</c:v>
+                </c:pt>
+                <c:pt idx="2">
+                  <c:v>3</c:v>
+                </c:pt>
+                <c:pt idx="3">
+                  <c:v>4</c:v>
+                </c:pt>
+                <c:pt idx="4">
+                  <c:v>5</c:v>
+                </c:pt>
+                <c:pt idx="5">
+                  <c:v>6</c:v>
+                </c:pt>
+                <c:pt idx="6">
+                  <c:v>7</c:v>
+                </c:pt>
+                <c:pt idx="7">
+                  <c:v>8</c:v>
+                </c:pt>
+                <c:pt idx="8">
+                  <c:v>9</c:v>
+                </c:pt>
+                <c:pt idx="9">
+                  <c:v>10</c:v>
+                </c:pt>
+                <c:pt idx="10">
+                  <c:v>11</c:v>
+                </c:pt>
+                <c:pt idx="11">
+                  <c:v>12</c:v>
+                </c:pt>
+                <c:pt idx="12">
+                  <c:v>13</c:v>
+                </c:pt>
+                <c:pt idx="13">
+                  <c:v>14</c:v>
+                </c:pt>
+                <c:pt idx="14">
+                  <c:v>15</c:v>
+                </c:pt>
+                <c:pt idx="15">
+                  <c:v>16</c:v>
+                </c:pt>
+                <c:pt idx="16">
+                  <c:v>17</c:v>
+                </c:pt>
+                <c:pt idx="17">
+                  <c:v>18</c:v>
+                </c:pt>
+                <c:pt idx="18">
+                  <c:v>19</c:v>
+                </c:pt>
+                <c:pt idx="19">
+                  <c:v>20</c:v>
+                </c:pt>
+                <c:pt idx="20">
+                  <c:v>21</c:v>
+                </c:pt>
+              </c:numCache>
+            </c:numRef>
+          </c:cat>
+          <c:val>
+            <c:numRef>
+              <c:f>Feuil1!$B$2:$B$22</c:f>
+              <c:numCache>
+                <c:formatCode>General</c:formatCode>
+                <c:ptCount val="21"/>
+                <c:pt idx="0">
+                  <c:v>36</c:v>
+                </c:pt>
+                <c:pt idx="1">
+                  <c:v>72</c:v>
+                </c:pt>
+                <c:pt idx="2">
+                  <c:v>108</c:v>
+                </c:pt>
+                <c:pt idx="3">
+                  <c:v>144</c:v>
+                </c:pt>
+                <c:pt idx="4">
+                  <c:v>144</c:v>
+                </c:pt>
+                <c:pt idx="5">
+                  <c:v>180</c:v>
+                </c:pt>
+                <c:pt idx="6">
+                  <c:v>300</c:v>
+                </c:pt>
+                <c:pt idx="7">
+                  <c:v>420</c:v>
+                </c:pt>
+                <c:pt idx="8">
+                  <c:v>456</c:v>
+                </c:pt>
+                <c:pt idx="9">
+                  <c:v>492</c:v>
+                </c:pt>
+                <c:pt idx="10">
+                  <c:v>492</c:v>
+                </c:pt>
+                <c:pt idx="11">
+                  <c:v>492</c:v>
+                </c:pt>
+                <c:pt idx="12">
+                  <c:v>528</c:v>
+                </c:pt>
+                <c:pt idx="13">
+                  <c:v>564</c:v>
+                </c:pt>
+                <c:pt idx="14">
+                  <c:v>600</c:v>
+                </c:pt>
+                <c:pt idx="15">
+                  <c:v>636</c:v>
+                </c:pt>
+                <c:pt idx="16">
+                  <c:v>672</c:v>
+                </c:pt>
+                <c:pt idx="17">
+                  <c:v>672</c:v>
+                </c:pt>
+                <c:pt idx="18">
+                  <c:v>708</c:v>
+                </c:pt>
+                <c:pt idx="19">
+                  <c:v>828</c:v>
+                </c:pt>
+                <c:pt idx="20">
+                  <c:v>948</c:v>
+                </c:pt>
+              </c:numCache>
+            </c:numRef>
+          </c:val>
+        </c:ser>
+        <c:ser>
+          <c:idx val="1"/>
+          <c:order val="1"/>
+          <c:tx>
+            <c:strRef>
+              <c:f>Feuil1!$C$1</c:f>
+              <c:strCache>
+                <c:ptCount val="1"/>
+                <c:pt idx="0">
+                  <c:v>Consommé</c:v>
+                </c:pt>
+              </c:strCache>
+            </c:strRef>
+          </c:tx>
+          <c:marker>
+            <c:symbol val="none"/>
+          </c:marker>
+          <c:cat>
+            <c:numRef>
+              <c:f>Feuil1!$A$2:$A$22</c:f>
+              <c:numCache>
+                <c:formatCode>General</c:formatCode>
+                <c:ptCount val="21"/>
+                <c:pt idx="0">
+                  <c:v>1</c:v>
+                </c:pt>
+                <c:pt idx="1">
+                  <c:v>2</c:v>
+                </c:pt>
+                <c:pt idx="2">
+                  <c:v>3</c:v>
+                </c:pt>
+                <c:pt idx="3">
+                  <c:v>4</c:v>
+                </c:pt>
+                <c:pt idx="4">
+                  <c:v>5</c:v>
+                </c:pt>
+                <c:pt idx="5">
+                  <c:v>6</c:v>
+                </c:pt>
+                <c:pt idx="6">
+                  <c:v>7</c:v>
+                </c:pt>
+                <c:pt idx="7">
+                  <c:v>8</c:v>
+                </c:pt>
+                <c:pt idx="8">
+                  <c:v>9</c:v>
+                </c:pt>
+                <c:pt idx="9">
+                  <c:v>10</c:v>
+                </c:pt>
+                <c:pt idx="10">
+                  <c:v>11</c:v>
+                </c:pt>
+                <c:pt idx="11">
+                  <c:v>12</c:v>
+                </c:pt>
+                <c:pt idx="12">
+                  <c:v>13</c:v>
+                </c:pt>
+                <c:pt idx="13">
+                  <c:v>14</c:v>
+                </c:pt>
+                <c:pt idx="14">
+                  <c:v>15</c:v>
+                </c:pt>
+                <c:pt idx="15">
+                  <c:v>16</c:v>
+                </c:pt>
+                <c:pt idx="16">
+                  <c:v>17</c:v>
+                </c:pt>
+                <c:pt idx="17">
+                  <c:v>18</c:v>
+                </c:pt>
+                <c:pt idx="18">
+                  <c:v>19</c:v>
+                </c:pt>
+                <c:pt idx="19">
+                  <c:v>20</c:v>
+                </c:pt>
+                <c:pt idx="20">
+                  <c:v>21</c:v>
+                </c:pt>
+              </c:numCache>
+            </c:numRef>
+          </c:cat>
+          <c:val>
+            <c:numRef>
+              <c:f>Feuil1!$C$2:$C$22</c:f>
+              <c:numCache>
+                <c:formatCode>General</c:formatCode>
+                <c:ptCount val="21"/>
+                <c:pt idx="0">
+                  <c:v>36</c:v>
+                </c:pt>
+                <c:pt idx="1">
+                  <c:v>72</c:v>
+                </c:pt>
+                <c:pt idx="2">
+                  <c:v>108</c:v>
+                </c:pt>
+                <c:pt idx="3">
+                  <c:v>144</c:v>
+                </c:pt>
+                <c:pt idx="4">
+                  <c:v>144</c:v>
+                </c:pt>
+                <c:pt idx="5">
+                  <c:v>180</c:v>
+                </c:pt>
+                <c:pt idx="6">
+                  <c:v>300</c:v>
+                </c:pt>
+                <c:pt idx="7">
+                  <c:v>420</c:v>
+                </c:pt>
+                <c:pt idx="8">
+                  <c:v>496</c:v>
+                </c:pt>
+                <c:pt idx="9">
+                  <c:v>532</c:v>
+                </c:pt>
+                <c:pt idx="10">
+                  <c:v>532</c:v>
+                </c:pt>
+                <c:pt idx="11">
+                  <c:v>534</c:v>
+                </c:pt>
+                <c:pt idx="12">
+                  <c:v>588</c:v>
+                </c:pt>
+                <c:pt idx="13">
+                  <c:v>667</c:v>
+                </c:pt>
+                <c:pt idx="14">
+                  <c:v>756</c:v>
+                </c:pt>
+                <c:pt idx="15">
+                  <c:v>816</c:v>
+                </c:pt>
+                <c:pt idx="16">
+                  <c:v>882</c:v>
+                </c:pt>
+                <c:pt idx="17">
+                  <c:v>937</c:v>
+                </c:pt>
+                <c:pt idx="18">
+                  <c:v>973</c:v>
+                </c:pt>
+                <c:pt idx="19">
+                  <c:v>1093</c:v>
+                </c:pt>
+                <c:pt idx="20">
+                  <c:v>1213</c:v>
+                </c:pt>
+              </c:numCache>
+            </c:numRef>
+          </c:val>
+        </c:ser>
+        <c:hiLowLines/>
+        <c:marker val="1"/>
+        <c:axId val="86693376"/>
+        <c:axId val="87791104"/>
+      </c:lineChart>
+      <c:catAx>
+        <c:axId val="86693376"/>
+        <c:scaling>
+          <c:orientation val="minMax"/>
+        </c:scaling>
+        <c:axPos val="b"/>
+        <c:title>
+          <c:tx>
+            <c:rich>
+              <a:bodyPr/>
+              <a:lstStyle/>
+              <a:p>
+                <a:pPr>
+                  <a:defRPr/>
+                </a:pPr>
+                <a:r>
+                  <a:rPr lang="fr-FR"/>
+                  <a:t>Semaine</a:t>
+                </a:r>
+              </a:p>
+            </c:rich>
+          </c:tx>
+          <c:layout/>
+        </c:title>
+        <c:numFmt formatCode="General" sourceLinked="1"/>
+        <c:majorTickMark val="none"/>
+        <c:tickLblPos val="nextTo"/>
+        <c:crossAx val="87791104"/>
+        <c:crosses val="autoZero"/>
+        <c:auto val="1"/>
+        <c:lblAlgn val="ctr"/>
+        <c:lblOffset val="100"/>
+      </c:catAx>
+      <c:valAx>
+        <c:axId val="87791104"/>
+        <c:scaling>
+          <c:orientation val="minMax"/>
+        </c:scaling>
+        <c:axPos val="l"/>
+        <c:majorGridlines/>
+        <c:title>
+          <c:tx>
+            <c:rich>
+              <a:bodyPr/>
+              <a:lstStyle/>
+              <a:p>
+                <a:pPr>
+                  <a:defRPr/>
+                </a:pPr>
+                <a:r>
+                  <a:rPr lang="fr-FR"/>
+                  <a:t>Heures cumulées</a:t>
+                </a:r>
+              </a:p>
+            </c:rich>
+          </c:tx>
+          <c:layout/>
+        </c:title>
+        <c:numFmt formatCode="General" sourceLinked="1"/>
+        <c:tickLblPos val="nextTo"/>
+        <c:crossAx val="86693376"/>
+        <c:crosses val="autoZero"/>
+        <c:crossBetween val="between"/>
+      </c:valAx>
+    </c:plotArea>
+    <c:legend>
+      <c:legendPos val="r"/>
+      <c:layout/>
+    </c:legend>
+    <c:plotVisOnly val="1"/>
+    <c:dispBlanksAs val="gap"/>
+  </c:chart>
+  <c:spPr>
+    <a:ln w="15875" cmpd="sng"/>
+  </c:spPr>
+  <c:externalData r:id="rId1"/>
+</c:chartSpace>
+</file>
+
 <file path=ppt/notesMasters/notesMaster1.xml><?xml version="1.0" encoding="utf-8"?>
 <p:notesMaster xmlns:a="http://schemas.openxmlformats.org/drawingml/2006/main" xmlns:r="http://schemas.openxmlformats.org/officeDocument/2006/relationships" xmlns:p="http://schemas.openxmlformats.org/presentationml/2006/main">
   <p:cSld>
@@ -212,7 +660,7 @@
             <a:fld id="{1EC5F4F7-6CE4-4BB7-8110-8954959D3670}" type="datetimeFigureOut">
               <a:rPr lang="fr-FR" smtClean="0"/>
               <a:pPr/>
-              <a:t>03/03/2014</a:t>
+              <a:t>05/03/2014</a:t>
             </a:fld>
             <a:endParaRPr lang="fr-FR"/>
           </a:p>
@@ -620,29 +1068,20 @@
               <a:rPr lang="fr-FR" baseline="0" dirty="0" smtClean="0"/>
               <a:t>11 – Tests fonctionnels</a:t>
             </a:r>
+          </a:p>
+          <a:p>
+            <a:r>
+              <a:rPr lang="fr-FR" baseline="0" dirty="0" smtClean="0"/>
+              <a:t>TESTS UTILISATEURS</a:t>
+            </a:r>
+          </a:p>
+          <a:p>
             <a:endParaRPr lang="fr-FR" baseline="0" dirty="0" smtClean="0"/>
           </a:p>
           <a:p>
             <a:r>
               <a:rPr lang="fr-FR" baseline="0" dirty="0" smtClean="0"/>
-              <a:t>TESTS </a:t>
-            </a:r>
-            <a:r>
-              <a:rPr lang="fr-FR" baseline="0" dirty="0" smtClean="0"/>
-              <a:t>UTILISATEURS</a:t>
-            </a:r>
-          </a:p>
-          <a:p>
-            <a:endParaRPr lang="fr-FR" baseline="0" dirty="0" smtClean="0"/>
-          </a:p>
-          <a:p>
-            <a:r>
-              <a:rPr lang="fr-FR" baseline="0" dirty="0" smtClean="0"/>
-              <a:t>Démarche </a:t>
-            </a:r>
-            <a:r>
-              <a:rPr lang="fr-FR" baseline="0" dirty="0" smtClean="0"/>
-              <a:t>itérative </a:t>
+              <a:t>Démarche itérative </a:t>
             </a:r>
             <a:r>
               <a:rPr lang="fr-FR" baseline="0" dirty="0" smtClean="0">
@@ -676,6 +1115,88 @@
               <a:rPr lang="fr-FR" smtClean="0"/>
               <a:pPr/>
               <a:t>3</a:t>
+            </a:fld>
+            <a:endParaRPr lang="fr-FR"/>
+          </a:p>
+        </p:txBody>
+      </p:sp>
+    </p:spTree>
+  </p:cSld>
+  <p:clrMapOvr>
+    <a:masterClrMapping/>
+  </p:clrMapOvr>
+</p:notes>
+</file>
+
+<file path=ppt/notesSlides/notesSlide10.xml><?xml version="1.0" encoding="utf-8"?>
+<p:notes xmlns:a="http://schemas.openxmlformats.org/drawingml/2006/main" xmlns:r="http://schemas.openxmlformats.org/officeDocument/2006/relationships" xmlns:p="http://schemas.openxmlformats.org/presentationml/2006/main">
+  <p:cSld>
+    <p:spTree>
+      <p:nvGrpSpPr>
+        <p:cNvPr id="1" name=""/>
+        <p:cNvGrpSpPr/>
+        <p:nvPr/>
+      </p:nvGrpSpPr>
+      <p:grpSpPr>
+        <a:xfrm>
+          <a:off x="0" y="0"/>
+          <a:ext cx="0" cy="0"/>
+          <a:chOff x="0" y="0"/>
+          <a:chExt cx="0" cy="0"/>
+        </a:xfrm>
+      </p:grpSpPr>
+      <p:sp>
+        <p:nvSpPr>
+          <p:cNvPr id="2" name="Espace réservé de l'image des diapositives 1"/>
+          <p:cNvSpPr>
+            <a:spLocks noGrp="1" noRot="1" noChangeAspect="1"/>
+          </p:cNvSpPr>
+          <p:nvPr>
+            <p:ph type="sldImg"/>
+          </p:nvPr>
+        </p:nvSpPr>
+        <p:spPr/>
+      </p:sp>
+      <p:sp>
+        <p:nvSpPr>
+          <p:cNvPr id="3" name="Espace réservé des commentaires 2"/>
+          <p:cNvSpPr>
+            <a:spLocks noGrp="1"/>
+          </p:cNvSpPr>
+          <p:nvPr>
+            <p:ph type="body" idx="1"/>
+          </p:nvPr>
+        </p:nvSpPr>
+        <p:spPr/>
+        <p:txBody>
+          <a:bodyPr>
+            <a:normAutofit/>
+          </a:bodyPr>
+          <a:lstStyle/>
+          <a:p>
+            <a:endParaRPr lang="fr-FR" dirty="0"/>
+          </a:p>
+        </p:txBody>
+      </p:sp>
+      <p:sp>
+        <p:nvSpPr>
+          <p:cNvPr id="4" name="Espace réservé du numéro de diapositive 3"/>
+          <p:cNvSpPr>
+            <a:spLocks noGrp="1"/>
+          </p:cNvSpPr>
+          <p:nvPr>
+            <p:ph type="sldNum" sz="quarter" idx="10"/>
+          </p:nvPr>
+        </p:nvSpPr>
+        <p:spPr/>
+        <p:txBody>
+          <a:bodyPr/>
+          <a:lstStyle/>
+          <a:p>
+            <a:fld id="{8140D90F-C6E8-4D2C-BA1B-D6C23459C063}" type="slidenum">
+              <a:rPr lang="fr-FR" smtClean="0"/>
+              <a:pPr/>
+              <a:t>27</a:t>
             </a:fld>
             <a:endParaRPr lang="fr-FR"/>
           </a:p>
@@ -839,7 +1360,7 @@
             <a:fld id="{8140D90F-C6E8-4D2C-BA1B-D6C23459C063}" type="slidenum">
               <a:rPr lang="fr-FR" smtClean="0"/>
               <a:pPr/>
-              <a:t>9</a:t>
+              <a:t>5</a:t>
             </a:fld>
             <a:endParaRPr lang="fr-FR"/>
           </a:p>
@@ -921,7 +1442,7 @@
             <a:fld id="{8140D90F-C6E8-4D2C-BA1B-D6C23459C063}" type="slidenum">
               <a:rPr lang="fr-FR" smtClean="0"/>
               <a:pPr/>
-              <a:t>11</a:t>
+              <a:t>6</a:t>
             </a:fld>
             <a:endParaRPr lang="fr-FR"/>
           </a:p>
@@ -1003,7 +1524,7 @@
             <a:fld id="{8140D90F-C6E8-4D2C-BA1B-D6C23459C063}" type="slidenum">
               <a:rPr lang="fr-FR" smtClean="0"/>
               <a:pPr/>
-              <a:t>13</a:t>
+              <a:t>15</a:t>
             </a:fld>
             <a:endParaRPr lang="fr-FR"/>
           </a:p>
@@ -1085,7 +1606,7 @@
             <a:fld id="{8140D90F-C6E8-4D2C-BA1B-D6C23459C063}" type="slidenum">
               <a:rPr lang="fr-FR" smtClean="0"/>
               <a:pPr/>
-              <a:t>14</a:t>
+              <a:t>17</a:t>
             </a:fld>
             <a:endParaRPr lang="fr-FR"/>
           </a:p>
@@ -1263,6 +1784,88 @@
 </p:notes>
 </file>
 
+<file path=ppt/notesSlides/notesSlide9.xml><?xml version="1.0" encoding="utf-8"?>
+<p:notes xmlns:a="http://schemas.openxmlformats.org/drawingml/2006/main" xmlns:r="http://schemas.openxmlformats.org/officeDocument/2006/relationships" xmlns:p="http://schemas.openxmlformats.org/presentationml/2006/main">
+  <p:cSld>
+    <p:spTree>
+      <p:nvGrpSpPr>
+        <p:cNvPr id="1" name=""/>
+        <p:cNvGrpSpPr/>
+        <p:nvPr/>
+      </p:nvGrpSpPr>
+      <p:grpSpPr>
+        <a:xfrm>
+          <a:off x="0" y="0"/>
+          <a:ext cx="0" cy="0"/>
+          <a:chOff x="0" y="0"/>
+          <a:chExt cx="0" cy="0"/>
+        </a:xfrm>
+      </p:grpSpPr>
+      <p:sp>
+        <p:nvSpPr>
+          <p:cNvPr id="2" name="Espace réservé de l'image des diapositives 1"/>
+          <p:cNvSpPr>
+            <a:spLocks noGrp="1" noRot="1" noChangeAspect="1"/>
+          </p:cNvSpPr>
+          <p:nvPr>
+            <p:ph type="sldImg"/>
+          </p:nvPr>
+        </p:nvSpPr>
+        <p:spPr/>
+      </p:sp>
+      <p:sp>
+        <p:nvSpPr>
+          <p:cNvPr id="3" name="Espace réservé des commentaires 2"/>
+          <p:cNvSpPr>
+            <a:spLocks noGrp="1"/>
+          </p:cNvSpPr>
+          <p:nvPr>
+            <p:ph type="body" idx="1"/>
+          </p:nvPr>
+        </p:nvSpPr>
+        <p:spPr/>
+        <p:txBody>
+          <a:bodyPr>
+            <a:normAutofit/>
+          </a:bodyPr>
+          <a:lstStyle/>
+          <a:p>
+            <a:endParaRPr lang="fr-FR" dirty="0"/>
+          </a:p>
+        </p:txBody>
+      </p:sp>
+      <p:sp>
+        <p:nvSpPr>
+          <p:cNvPr id="4" name="Espace réservé du numéro de diapositive 3"/>
+          <p:cNvSpPr>
+            <a:spLocks noGrp="1"/>
+          </p:cNvSpPr>
+          <p:nvPr>
+            <p:ph type="sldNum" sz="quarter" idx="10"/>
+          </p:nvPr>
+        </p:nvSpPr>
+        <p:spPr/>
+        <p:txBody>
+          <a:bodyPr/>
+          <a:lstStyle/>
+          <a:p>
+            <a:fld id="{8140D90F-C6E8-4D2C-BA1B-D6C23459C063}" type="slidenum">
+              <a:rPr lang="fr-FR" smtClean="0"/>
+              <a:pPr/>
+              <a:t>26</a:t>
+            </a:fld>
+            <a:endParaRPr lang="fr-FR"/>
+          </a:p>
+        </p:txBody>
+      </p:sp>
+    </p:spTree>
+  </p:cSld>
+  <p:clrMapOvr>
+    <a:masterClrMapping/>
+  </p:clrMapOvr>
+</p:notes>
+</file>
+
 <file path=ppt/slideLayouts/slideLayout1.xml><?xml version="1.0" encoding="utf-8"?>
 <p:sldLayout xmlns:a="http://schemas.openxmlformats.org/drawingml/2006/main" xmlns:r="http://schemas.openxmlformats.org/officeDocument/2006/relationships" xmlns:p="http://schemas.openxmlformats.org/presentationml/2006/main" type="title" preserve="1">
   <p:cSld name="Diapositive de titre">
@@ -1445,7 +2048,7 @@
             <a:fld id="{96BB9F65-622B-4FEB-A8F6-764B4E8E753F}" type="datetime1">
               <a:rPr lang="fr-FR" smtClean="0"/>
               <a:pPr/>
-              <a:t>03/03/2014</a:t>
+              <a:t>05/03/2014</a:t>
             </a:fld>
             <a:endParaRPr lang="fr-FR"/>
           </a:p>
@@ -1616,7 +2219,7 @@
             <a:fld id="{5135FCCB-A126-463F-B843-696CFA50F045}" type="datetime1">
               <a:rPr lang="fr-FR" smtClean="0"/>
               <a:pPr/>
-              <a:t>03/03/2014</a:t>
+              <a:t>05/03/2014</a:t>
             </a:fld>
             <a:endParaRPr lang="fr-FR"/>
           </a:p>
@@ -1797,7 +2400,7 @@
             <a:fld id="{8D8AC947-9648-48A3-A567-A1D2B49BEF2B}" type="datetime1">
               <a:rPr lang="fr-FR" smtClean="0"/>
               <a:pPr/>
-              <a:t>03/03/2014</a:t>
+              <a:t>05/03/2014</a:t>
             </a:fld>
             <a:endParaRPr lang="fr-FR"/>
           </a:p>
@@ -1968,7 +2571,7 @@
             <a:fld id="{0A9BE4D2-DDC8-4377-BEE5-0A9E7E27B20D}" type="datetime1">
               <a:rPr lang="fr-FR" smtClean="0"/>
               <a:pPr/>
-              <a:t>03/03/2014</a:t>
+              <a:t>05/03/2014</a:t>
             </a:fld>
             <a:endParaRPr lang="fr-FR"/>
           </a:p>
@@ -2215,7 +2818,7 @@
             <a:fld id="{38107167-A58D-48B3-90B9-28562418CBA7}" type="datetime1">
               <a:rPr lang="fr-FR" smtClean="0"/>
               <a:pPr/>
-              <a:t>03/03/2014</a:t>
+              <a:t>05/03/2014</a:t>
             </a:fld>
             <a:endParaRPr lang="fr-FR"/>
           </a:p>
@@ -2504,7 +3107,7 @@
             <a:fld id="{5E761DE2-4042-41FE-A921-968BD61C3900}" type="datetime1">
               <a:rPr lang="fr-FR" smtClean="0"/>
               <a:pPr/>
-              <a:t>03/03/2014</a:t>
+              <a:t>05/03/2014</a:t>
             </a:fld>
             <a:endParaRPr lang="fr-FR"/>
           </a:p>
@@ -2927,7 +3530,7 @@
             <a:fld id="{DAC722F0-4EF2-458F-B5F5-F1AA4D94811E}" type="datetime1">
               <a:rPr lang="fr-FR" smtClean="0"/>
               <a:pPr/>
-              <a:t>03/03/2014</a:t>
+              <a:t>05/03/2014</a:t>
             </a:fld>
             <a:endParaRPr lang="fr-FR"/>
           </a:p>
@@ -3046,7 +3649,7 @@
             <a:fld id="{9B21EE3E-61CF-46D7-B175-7F34C1FCF7E5}" type="datetime1">
               <a:rPr lang="fr-FR" smtClean="0"/>
               <a:pPr/>
-              <a:t>03/03/2014</a:t>
+              <a:t>05/03/2014</a:t>
             </a:fld>
             <a:endParaRPr lang="fr-FR"/>
           </a:p>
@@ -3142,7 +3745,7 @@
             <a:fld id="{EC65782F-1C3E-4DFB-8F7E-6E52B322BF4F}" type="datetime1">
               <a:rPr lang="fr-FR" smtClean="0"/>
               <a:pPr/>
-              <a:t>03/03/2014</a:t>
+              <a:t>05/03/2014</a:t>
             </a:fld>
             <a:endParaRPr lang="fr-FR"/>
           </a:p>
@@ -3420,7 +4023,7 @@
             <a:fld id="{F70D2953-A2EA-4086-8EFD-B193B864A479}" type="datetime1">
               <a:rPr lang="fr-FR" smtClean="0"/>
               <a:pPr/>
-              <a:t>03/03/2014</a:t>
+              <a:t>05/03/2014</a:t>
             </a:fld>
             <a:endParaRPr lang="fr-FR"/>
           </a:p>
@@ -3674,7 +4277,7 @@
             <a:fld id="{70841CE0-15DA-4853-9DE5-115C40341E8D}" type="datetime1">
               <a:rPr lang="fr-FR" smtClean="0"/>
               <a:pPr/>
-              <a:t>03/03/2014</a:t>
+              <a:t>05/03/2014</a:t>
             </a:fld>
             <a:endParaRPr lang="fr-FR"/>
           </a:p>
@@ -3888,7 +4491,7 @@
             <a:fld id="{9B34C205-87C1-4F05-A050-16032B491AAD}" type="datetime1">
               <a:rPr lang="fr-FR" smtClean="0"/>
               <a:pPr/>
-              <a:t>03/03/2014</a:t>
+              <a:t>05/03/2014</a:t>
             </a:fld>
             <a:endParaRPr lang="fr-FR"/>
           </a:p>
@@ -4447,7 +5050,7 @@
           <a:blip r:embed="rId2" cstate="print">
             <a:extLst>
               <a:ext uri="{28A0092B-C50C-407E-A947-70E740481C1C}">
-                <a14:useLocalDpi xmlns="" xmlns:a14="http://schemas.microsoft.com/office/drawing/2010/main" val="0"/>
+                <a14:useLocalDpi xmlns:a14="http://schemas.microsoft.com/office/drawing/2010/main" xmlns="" val="0"/>
               </a:ext>
             </a:extLst>
           </a:blip>
@@ -4636,50 +5239,13 @@
                   <a:schemeClr val="bg1"/>
                 </a:solidFill>
               </a:rPr>
-              <a:t>Conception</a:t>
+              <a:t>Maquettes</a:t>
             </a:r>
             <a:endParaRPr lang="fr-FR" dirty="0">
               <a:solidFill>
                 <a:schemeClr val="bg1"/>
               </a:solidFill>
             </a:endParaRPr>
-          </a:p>
-        </p:txBody>
-      </p:sp>
-      <p:sp>
-        <p:nvSpPr>
-          <p:cNvPr id="3" name="Espace réservé du contenu 2"/>
-          <p:cNvSpPr>
-            <a:spLocks noGrp="1"/>
-          </p:cNvSpPr>
-          <p:nvPr>
-            <p:ph idx="1"/>
-          </p:nvPr>
-        </p:nvSpPr>
-        <p:spPr/>
-        <p:txBody>
-          <a:bodyPr/>
-          <a:lstStyle/>
-          <a:p>
-            <a:r>
-              <a:rPr lang="fr-FR" dirty="0" smtClean="0"/>
-              <a:t>Cas d’utilisation</a:t>
-            </a:r>
-          </a:p>
-          <a:p>
-            <a:r>
-              <a:rPr lang="fr-FR" dirty="0" smtClean="0"/>
-              <a:t>Séquence</a:t>
-            </a:r>
-          </a:p>
-          <a:p>
-            <a:r>
-              <a:rPr lang="fr-FR" dirty="0" smtClean="0"/>
-              <a:t>BD</a:t>
-            </a:r>
-          </a:p>
-          <a:p>
-            <a:endParaRPr lang="fr-FR" dirty="0" smtClean="0"/>
           </a:p>
         </p:txBody>
       </p:sp>
@@ -4751,6 +5317,32 @@
           </a:p>
         </p:txBody>
       </p:sp>
+      <p:pic>
+        <p:nvPicPr>
+          <p:cNvPr id="6146" name="Picture 2" descr="C:\Users\user\Documents\GitHub\Gestion_des_Emprunts\Maquettes\Ordinateur\Romain\Demande_Emprunt_1.png"/>
+          <p:cNvPicPr>
+            <a:picLocks noChangeAspect="1" noChangeArrowheads="1"/>
+          </p:cNvPicPr>
+          <p:nvPr/>
+        </p:nvPicPr>
+        <p:blipFill>
+          <a:blip r:embed="rId2" cstate="print"/>
+          <a:srcRect/>
+          <a:stretch>
+            <a:fillRect/>
+          </a:stretch>
+        </p:blipFill>
+        <p:spPr bwMode="auto">
+          <a:xfrm>
+            <a:off x="0" y="0"/>
+            <a:ext cx="9144000" cy="6858000"/>
+          </a:xfrm>
+          <a:prstGeom prst="rect">
+            <a:avLst/>
+          </a:prstGeom>
+          <a:noFill/>
+        </p:spPr>
+      </p:pic>
     </p:spTree>
   </p:cSld>
   <p:clrMapOvr>
@@ -4896,7 +5488,7 @@
                   <a:schemeClr val="bg1"/>
                 </a:solidFill>
               </a:rPr>
-              <a:t>Notre démarche</a:t>
+              <a:t>Maquettes</a:t>
             </a:r>
             <a:endParaRPr lang="fr-FR" dirty="0">
               <a:solidFill>
@@ -4974,306 +5566,32 @@
           </a:p>
         </p:txBody>
       </p:sp>
-      <p:sp>
-        <p:nvSpPr>
-          <p:cNvPr id="8" name="ZoneTexte 7"/>
-          <p:cNvSpPr txBox="1"/>
+      <p:pic>
+        <p:nvPicPr>
+          <p:cNvPr id="3077" name="Picture 5" descr="C:\Users\user\Documents\GitHub\Gestion_des_Emprunts\Maquettes\Ordinateur\Romain\Demande_Emprunt_2.png"/>
+          <p:cNvPicPr>
+            <a:picLocks noChangeAspect="1" noChangeArrowheads="1"/>
+          </p:cNvPicPr>
           <p:nvPr/>
-        </p:nvSpPr>
-        <p:spPr>
-          <a:xfrm>
-            <a:off x="395536" y="3068960"/>
-            <a:ext cx="2088232" cy="954107"/>
+        </p:nvPicPr>
+        <p:blipFill>
+          <a:blip r:embed="rId2" cstate="print"/>
+          <a:srcRect/>
+          <a:stretch>
+            <a:fillRect/>
+          </a:stretch>
+        </p:blipFill>
+        <p:spPr bwMode="auto">
+          <a:xfrm>
+            <a:off x="0" y="0"/>
+            <a:ext cx="9144000" cy="6858000"/>
           </a:xfrm>
           <a:prstGeom prst="rect">
             <a:avLst/>
           </a:prstGeom>
           <a:noFill/>
         </p:spPr>
-        <p:txBody>
-          <a:bodyPr wrap="square" rtlCol="0">
-            <a:spAutoFit/>
-          </a:bodyPr>
-          <a:lstStyle/>
-          <a:p>
-            <a:r>
-              <a:rPr lang="fr-FR" sz="2800" dirty="0" smtClean="0">
-                <a:solidFill>
-                  <a:srgbClr val="FFC000"/>
-                </a:solidFill>
-              </a:rPr>
-              <a:t>Analyse Utilisateurs</a:t>
-            </a:r>
-            <a:endParaRPr lang="fr-FR" dirty="0">
-              <a:solidFill>
-                <a:srgbClr val="FFC000"/>
-              </a:solidFill>
-            </a:endParaRPr>
-          </a:p>
-        </p:txBody>
-      </p:sp>
-      <p:sp>
-        <p:nvSpPr>
-          <p:cNvPr id="9" name="ZoneTexte 8"/>
-          <p:cNvSpPr txBox="1"/>
-          <p:nvPr/>
-        </p:nvSpPr>
-        <p:spPr>
-          <a:xfrm>
-            <a:off x="3203848" y="3212976"/>
-            <a:ext cx="2088232" cy="523220"/>
-          </a:xfrm>
-          <a:prstGeom prst="rect">
-            <a:avLst/>
-          </a:prstGeom>
-          <a:noFill/>
-        </p:spPr>
-        <p:txBody>
-          <a:bodyPr wrap="square" rtlCol="0">
-            <a:spAutoFit/>
-          </a:bodyPr>
-          <a:lstStyle/>
-          <a:p>
-            <a:r>
-              <a:rPr lang="fr-FR" sz="2800" dirty="0" smtClean="0">
-                <a:solidFill>
-                  <a:srgbClr val="FFC000"/>
-                </a:solidFill>
-              </a:rPr>
-              <a:t>Conception</a:t>
-            </a:r>
-            <a:endParaRPr lang="fr-FR" dirty="0">
-              <a:solidFill>
-                <a:srgbClr val="FFC000"/>
-              </a:solidFill>
-            </a:endParaRPr>
-          </a:p>
-        </p:txBody>
-      </p:sp>
-      <p:sp>
-        <p:nvSpPr>
-          <p:cNvPr id="10" name="ZoneTexte 9"/>
-          <p:cNvSpPr txBox="1"/>
-          <p:nvPr/>
-        </p:nvSpPr>
-        <p:spPr>
-          <a:xfrm>
-            <a:off x="6335688" y="2276872"/>
-            <a:ext cx="2808312" cy="523220"/>
-          </a:xfrm>
-          <a:prstGeom prst="rect">
-            <a:avLst/>
-          </a:prstGeom>
-          <a:noFill/>
-        </p:spPr>
-        <p:txBody>
-          <a:bodyPr wrap="square" rtlCol="0">
-            <a:spAutoFit/>
-          </a:bodyPr>
-          <a:lstStyle/>
-          <a:p>
-            <a:r>
-              <a:rPr lang="fr-FR" sz="2800" b="1" dirty="0" smtClean="0">
-                <a:solidFill>
-                  <a:schemeClr val="accent6">
-                    <a:lumMod val="75000"/>
-                  </a:schemeClr>
-                </a:solidFill>
-              </a:rPr>
-              <a:t>Implémentation</a:t>
-            </a:r>
-            <a:endParaRPr lang="fr-FR" b="1" dirty="0">
-              <a:solidFill>
-                <a:schemeClr val="accent6">
-                  <a:lumMod val="75000"/>
-                </a:schemeClr>
-              </a:solidFill>
-            </a:endParaRPr>
-          </a:p>
-        </p:txBody>
-      </p:sp>
-      <p:sp>
-        <p:nvSpPr>
-          <p:cNvPr id="11" name="ZoneTexte 10"/>
-          <p:cNvSpPr txBox="1"/>
-          <p:nvPr/>
-        </p:nvSpPr>
-        <p:spPr>
-          <a:xfrm>
-            <a:off x="6300192" y="4293096"/>
-            <a:ext cx="2808312" cy="523220"/>
-          </a:xfrm>
-          <a:prstGeom prst="rect">
-            <a:avLst/>
-          </a:prstGeom>
-          <a:noFill/>
-        </p:spPr>
-        <p:txBody>
-          <a:bodyPr wrap="square" rtlCol="0">
-            <a:spAutoFit/>
-          </a:bodyPr>
-          <a:lstStyle/>
-          <a:p>
-            <a:r>
-              <a:rPr lang="fr-FR" sz="2800" dirty="0" smtClean="0">
-                <a:solidFill>
-                  <a:srgbClr val="FFC000"/>
-                </a:solidFill>
-              </a:rPr>
-              <a:t>Tests utilisateurs</a:t>
-            </a:r>
-            <a:endParaRPr lang="fr-FR" dirty="0">
-              <a:solidFill>
-                <a:srgbClr val="FFC000"/>
-              </a:solidFill>
-            </a:endParaRPr>
-          </a:p>
-        </p:txBody>
-      </p:sp>
-      <p:cxnSp>
-        <p:nvCxnSpPr>
-          <p:cNvPr id="12" name="Connecteur droit avec flèche 11"/>
-          <p:cNvCxnSpPr/>
-          <p:nvPr/>
-        </p:nvCxnSpPr>
-        <p:spPr>
-          <a:xfrm>
-            <a:off x="2267744" y="3501008"/>
-            <a:ext cx="792088" cy="0"/>
-          </a:xfrm>
-          <a:prstGeom prst="straightConnector1">
-            <a:avLst/>
-          </a:prstGeom>
-          <a:ln w="38100">
-            <a:solidFill>
-              <a:srgbClr val="FFC000"/>
-            </a:solidFill>
-            <a:tailEnd type="arrow"/>
-          </a:ln>
-        </p:spPr>
-        <p:style>
-          <a:lnRef idx="1">
-            <a:schemeClr val="accent1"/>
-          </a:lnRef>
-          <a:fillRef idx="0">
-            <a:schemeClr val="accent1"/>
-          </a:fillRef>
-          <a:effectRef idx="0">
-            <a:schemeClr val="accent1"/>
-          </a:effectRef>
-          <a:fontRef idx="minor">
-            <a:schemeClr val="tx1"/>
-          </a:fontRef>
-        </p:style>
-      </p:cxnSp>
-      <p:cxnSp>
-        <p:nvCxnSpPr>
-          <p:cNvPr id="14" name="Connecteur droit avec flèche 13"/>
-          <p:cNvCxnSpPr/>
-          <p:nvPr/>
-        </p:nvCxnSpPr>
-        <p:spPr>
-          <a:xfrm flipV="1">
-            <a:off x="5076056" y="2564904"/>
-            <a:ext cx="1008112" cy="746502"/>
-          </a:xfrm>
-          <a:prstGeom prst="straightConnector1">
-            <a:avLst/>
-          </a:prstGeom>
-          <a:ln w="38100">
-            <a:solidFill>
-              <a:srgbClr val="FFC000"/>
-            </a:solidFill>
-            <a:tailEnd type="arrow"/>
-          </a:ln>
-        </p:spPr>
-        <p:style>
-          <a:lnRef idx="1">
-            <a:schemeClr val="accent1"/>
-          </a:lnRef>
-          <a:fillRef idx="0">
-            <a:schemeClr val="accent1"/>
-          </a:fillRef>
-          <a:effectRef idx="0">
-            <a:schemeClr val="accent1"/>
-          </a:effectRef>
-          <a:fontRef idx="minor">
-            <a:schemeClr val="tx1"/>
-          </a:fontRef>
-        </p:style>
-      </p:cxnSp>
-      <p:cxnSp>
-        <p:nvCxnSpPr>
-          <p:cNvPr id="17" name="Connecteur droit avec flèche 16"/>
-          <p:cNvCxnSpPr/>
-          <p:nvPr/>
-        </p:nvCxnSpPr>
-        <p:spPr>
-          <a:xfrm>
-            <a:off x="7452320" y="2852936"/>
-            <a:ext cx="0" cy="1152128"/>
-          </a:xfrm>
-          <a:prstGeom prst="straightConnector1">
-            <a:avLst/>
-          </a:prstGeom>
-          <a:ln w="38100">
-            <a:solidFill>
-              <a:srgbClr val="FFC000"/>
-            </a:solidFill>
-            <a:tailEnd type="arrow"/>
-          </a:ln>
-        </p:spPr>
-        <p:style>
-          <a:lnRef idx="1">
-            <a:schemeClr val="accent1"/>
-          </a:lnRef>
-          <a:fillRef idx="0">
-            <a:schemeClr val="accent1"/>
-          </a:fillRef>
-          <a:effectRef idx="0">
-            <a:schemeClr val="accent1"/>
-          </a:effectRef>
-          <a:fontRef idx="minor">
-            <a:schemeClr val="tx1"/>
-          </a:fontRef>
-        </p:style>
-      </p:cxnSp>
-      <p:cxnSp>
-        <p:nvCxnSpPr>
-          <p:cNvPr id="20" name="Connecteur droit avec flèche 19"/>
-          <p:cNvCxnSpPr/>
-          <p:nvPr/>
-        </p:nvCxnSpPr>
-        <p:spPr>
-          <a:xfrm flipH="1" flipV="1">
-            <a:off x="5004048" y="3789040"/>
-            <a:ext cx="1080120" cy="864096"/>
-          </a:xfrm>
-          <a:prstGeom prst="straightConnector1">
-            <a:avLst/>
-          </a:prstGeom>
-          <a:ln w="38100">
-            <a:solidFill>
-              <a:srgbClr val="FFC000"/>
-            </a:solidFill>
-            <a:tailEnd type="arrow"/>
-          </a:ln>
-        </p:spPr>
-        <p:style>
-          <a:lnRef idx="1">
-            <a:schemeClr val="accent1"/>
-          </a:lnRef>
-          <a:fillRef idx="0">
-            <a:schemeClr val="accent1"/>
-          </a:fillRef>
-          <a:effectRef idx="0">
-            <a:schemeClr val="accent1"/>
-          </a:effectRef>
-          <a:fontRef idx="minor">
-            <a:schemeClr val="tx1"/>
-          </a:fontRef>
-        </p:style>
-      </p:cxnSp>
+      </p:pic>
     </p:spTree>
   </p:cSld>
   <p:clrMapOvr>
@@ -5419,59 +5737,13 @@
                   <a:schemeClr val="bg1"/>
                 </a:solidFill>
               </a:rPr>
-              <a:t>Implémentation</a:t>
+              <a:t>Maquettes</a:t>
             </a:r>
             <a:endParaRPr lang="fr-FR" dirty="0">
               <a:solidFill>
                 <a:schemeClr val="bg1"/>
               </a:solidFill>
             </a:endParaRPr>
-          </a:p>
-        </p:txBody>
-      </p:sp>
-      <p:sp>
-        <p:nvSpPr>
-          <p:cNvPr id="3" name="Espace réservé du contenu 2"/>
-          <p:cNvSpPr>
-            <a:spLocks noGrp="1"/>
-          </p:cNvSpPr>
-          <p:nvPr>
-            <p:ph idx="1"/>
-          </p:nvPr>
-        </p:nvSpPr>
-        <p:spPr/>
-        <p:txBody>
-          <a:bodyPr/>
-          <a:lstStyle/>
-          <a:p>
-            <a:r>
-              <a:rPr lang="fr-FR" dirty="0" smtClean="0">
-                <a:solidFill>
-                  <a:srgbClr val="FFC000"/>
-                </a:solidFill>
-              </a:rPr>
-              <a:t>Back-end</a:t>
-            </a:r>
-          </a:p>
-          <a:p>
-            <a:r>
-              <a:rPr lang="fr-FR" dirty="0" smtClean="0">
-                <a:solidFill>
-                  <a:srgbClr val="FFC000"/>
-                </a:solidFill>
-              </a:rPr>
-              <a:t>Front-end</a:t>
-            </a:r>
-          </a:p>
-          <a:p>
-            <a:r>
-              <a:rPr lang="fr-FR" dirty="0" smtClean="0">
-                <a:solidFill>
-                  <a:srgbClr val="FFC000"/>
-                </a:solidFill>
-              </a:rPr>
-              <a:t>Tests fonctionnels (sécurité)</a:t>
-            </a:r>
           </a:p>
         </p:txBody>
       </p:sp>
@@ -5543,6 +5815,32 @@
           </a:p>
         </p:txBody>
       </p:sp>
+      <p:pic>
+        <p:nvPicPr>
+          <p:cNvPr id="7170" name="Picture 2" descr="C:\Users\user\Documents\GitHub\Gestion_des_Emprunts\Maquettes\Ordinateur\Romain\Demande_Emprunt_3.png"/>
+          <p:cNvPicPr>
+            <a:picLocks noChangeAspect="1" noChangeArrowheads="1"/>
+          </p:cNvPicPr>
+          <p:nvPr/>
+        </p:nvPicPr>
+        <p:blipFill>
+          <a:blip r:embed="rId2" cstate="print"/>
+          <a:srcRect/>
+          <a:stretch>
+            <a:fillRect/>
+          </a:stretch>
+        </p:blipFill>
+        <p:spPr bwMode="auto">
+          <a:xfrm>
+            <a:off x="0" y="0"/>
+            <a:ext cx="9144000" cy="6858000"/>
+          </a:xfrm>
+          <a:prstGeom prst="rect">
+            <a:avLst/>
+          </a:prstGeom>
+          <a:noFill/>
+        </p:spPr>
+      </p:pic>
     </p:spTree>
   </p:cSld>
   <p:clrMapOvr>
@@ -5688,7 +5986,7 @@
                   <a:schemeClr val="bg1"/>
                 </a:solidFill>
               </a:rPr>
-              <a:t>Choix technologiques</a:t>
+              <a:t>Maquettes</a:t>
             </a:r>
             <a:endParaRPr lang="fr-FR" dirty="0">
               <a:solidFill>
@@ -5768,523 +6066,30 @@
       </p:sp>
       <p:pic>
         <p:nvPicPr>
-          <p:cNvPr id="8" name="Image 7" descr="1393855671_Database_3.png"/>
+          <p:cNvPr id="4098" name="Picture 2" descr="C:\Users\user\Documents\GitHub\Gestion_des_Emprunts\Maquettes\Mobile\Romain\Mobile_Faire_Demande_Réservation_1.png"/>
           <p:cNvPicPr>
-            <a:picLocks noChangeAspect="1"/>
+            <a:picLocks noChangeAspect="1" noChangeArrowheads="1"/>
           </p:cNvPicPr>
           <p:nvPr/>
         </p:nvPicPr>
         <p:blipFill>
-          <a:blip r:embed="rId3" cstate="print">
-            <a:grayscl/>
-          </a:blip>
+          <a:blip r:embed="rId2" cstate="print"/>
+          <a:srcRect/>
           <a:stretch>
             <a:fillRect/>
           </a:stretch>
         </p:blipFill>
-        <p:spPr>
-          <a:xfrm>
-            <a:off x="5652120" y="3429000"/>
-            <a:ext cx="936104" cy="936104"/>
-          </a:xfrm>
-          <a:prstGeom prst="rect">
-            <a:avLst/>
-          </a:prstGeom>
-        </p:spPr>
-      </p:pic>
-      <p:pic>
-        <p:nvPicPr>
-          <p:cNvPr id="9" name="Image 8" descr="1393855686_dedicated_server.png"/>
-          <p:cNvPicPr>
-            <a:picLocks noChangeAspect="1"/>
-          </p:cNvPicPr>
-          <p:nvPr/>
-        </p:nvPicPr>
-        <p:blipFill>
-          <a:blip r:embed="rId4" cstate="print">
-            <a:grayscl/>
-          </a:blip>
-          <a:stretch>
-            <a:fillRect/>
-          </a:stretch>
-        </p:blipFill>
-        <p:spPr>
-          <a:xfrm>
-            <a:off x="6156176" y="2996952"/>
-            <a:ext cx="1368152" cy="1368152"/>
-          </a:xfrm>
-          <a:prstGeom prst="rect">
-            <a:avLst/>
-          </a:prstGeom>
-        </p:spPr>
-      </p:pic>
-      <p:pic>
-        <p:nvPicPr>
-          <p:cNvPr id="12" name="Image 11" descr="ordinateur-moniteur-ecran-icone-8084-128.png"/>
-          <p:cNvPicPr>
-            <a:picLocks noChangeAspect="1"/>
-          </p:cNvPicPr>
-          <p:nvPr/>
-        </p:nvPicPr>
-        <p:blipFill>
-          <a:blip r:embed="rId5" cstate="print">
-            <a:grayscl/>
-          </a:blip>
-          <a:stretch>
-            <a:fillRect/>
-          </a:stretch>
-        </p:blipFill>
-        <p:spPr>
-          <a:xfrm>
-            <a:off x="2411760" y="2492896"/>
-            <a:ext cx="1440160" cy="1440160"/>
-          </a:xfrm>
-          <a:prstGeom prst="rect">
-            <a:avLst/>
-          </a:prstGeom>
-        </p:spPr>
-      </p:pic>
-      <p:pic>
-        <p:nvPicPr>
-          <p:cNvPr id="13" name="Image 12" descr="500px-Ruby_on_Rails.svg.png"/>
-          <p:cNvPicPr>
-            <a:picLocks noChangeAspect="1"/>
-          </p:cNvPicPr>
-          <p:nvPr/>
-        </p:nvPicPr>
-        <p:blipFill>
-          <a:blip r:embed="rId6" cstate="print"/>
-          <a:stretch>
-            <a:fillRect/>
-          </a:stretch>
-        </p:blipFill>
-        <p:spPr>
-          <a:xfrm>
-            <a:off x="8244408" y="3212976"/>
-            <a:ext cx="722302" cy="936104"/>
-          </a:xfrm>
-          <a:prstGeom prst="rect">
-            <a:avLst/>
-          </a:prstGeom>
-        </p:spPr>
-      </p:pic>
-      <p:pic>
-        <p:nvPicPr>
-          <p:cNvPr id="14" name="Image 13" descr="css3-logo.jpg"/>
-          <p:cNvPicPr>
-            <a:picLocks noChangeAspect="1"/>
-          </p:cNvPicPr>
-          <p:nvPr/>
-        </p:nvPicPr>
-        <p:blipFill>
-          <a:blip r:embed="rId7" cstate="print">
-            <a:clrChange>
-              <a:clrFrom>
-                <a:srgbClr val="FFFFFF"/>
-              </a:clrFrom>
-              <a:clrTo>
-                <a:srgbClr val="FFFFFF">
-                  <a:alpha val="0"/>
-                </a:srgbClr>
-              </a:clrTo>
-            </a:clrChange>
-          </a:blip>
-          <a:stretch>
-            <a:fillRect/>
-          </a:stretch>
-        </p:blipFill>
-        <p:spPr>
-          <a:xfrm>
-            <a:off x="251520" y="3212976"/>
-            <a:ext cx="1440160" cy="720080"/>
-          </a:xfrm>
-          <a:prstGeom prst="rect">
-            <a:avLst/>
-          </a:prstGeom>
-        </p:spPr>
-      </p:pic>
-      <p:pic>
-        <p:nvPicPr>
-          <p:cNvPr id="15" name="Image 14" descr="HTML5_Logo_512.png"/>
-          <p:cNvPicPr>
-            <a:picLocks noChangeAspect="1"/>
-          </p:cNvPicPr>
-          <p:nvPr/>
-        </p:nvPicPr>
-        <p:blipFill>
-          <a:blip r:embed="rId8" cstate="print"/>
-          <a:stretch>
-            <a:fillRect/>
-          </a:stretch>
-        </p:blipFill>
-        <p:spPr>
-          <a:xfrm>
-            <a:off x="179512" y="3284984"/>
-            <a:ext cx="576064" cy="576064"/>
-          </a:xfrm>
-          <a:prstGeom prst="rect">
-            <a:avLst/>
-          </a:prstGeom>
-        </p:spPr>
-      </p:pic>
-      <p:pic>
-        <p:nvPicPr>
-          <p:cNvPr id="16" name="Image 15" descr="ajax-jquery.png"/>
-          <p:cNvPicPr>
-            <a:picLocks noChangeAspect="1"/>
-          </p:cNvPicPr>
-          <p:nvPr/>
-        </p:nvPicPr>
-        <p:blipFill>
-          <a:blip r:embed="rId9" cstate="print"/>
-          <a:srcRect r="38655"/>
-          <a:stretch>
-            <a:fillRect/>
-          </a:stretch>
-        </p:blipFill>
-        <p:spPr>
-          <a:xfrm>
-            <a:off x="179512" y="3933057"/>
-            <a:ext cx="1656184" cy="486538"/>
-          </a:xfrm>
-          <a:prstGeom prst="rect">
-            <a:avLst/>
-          </a:prstGeom>
-        </p:spPr>
-      </p:pic>
-      <p:pic>
-        <p:nvPicPr>
-          <p:cNvPr id="17" name="Image 16" descr="ajax-jquery.png"/>
-          <p:cNvPicPr>
-            <a:picLocks noChangeAspect="1"/>
-          </p:cNvPicPr>
-          <p:nvPr/>
-        </p:nvPicPr>
-        <p:blipFill>
-          <a:blip r:embed="rId10" cstate="print"/>
-          <a:srcRect l="58678"/>
-          <a:stretch>
-            <a:fillRect/>
-          </a:stretch>
-        </p:blipFill>
-        <p:spPr>
-          <a:xfrm>
-            <a:off x="323528" y="4293096"/>
-            <a:ext cx="1273038" cy="504056"/>
-          </a:xfrm>
-          <a:prstGeom prst="rect">
-            <a:avLst/>
-          </a:prstGeom>
-        </p:spPr>
-      </p:pic>
-      <p:pic>
-        <p:nvPicPr>
-          <p:cNvPr id="18" name="Image 17" descr="1393856380_iphone-color.png"/>
-          <p:cNvPicPr>
-            <a:picLocks noChangeAspect="1"/>
-          </p:cNvPicPr>
-          <p:nvPr/>
-        </p:nvPicPr>
-        <p:blipFill>
-          <a:blip r:embed="rId11" cstate="print">
-            <a:grayscl/>
-          </a:blip>
-          <a:stretch>
-            <a:fillRect/>
-          </a:stretch>
-        </p:blipFill>
-        <p:spPr>
-          <a:xfrm>
-            <a:off x="2195736" y="3933056"/>
-            <a:ext cx="1219200" cy="1219200"/>
+        <p:spPr bwMode="auto">
+          <a:xfrm>
+            <a:off x="1547663" y="1556792"/>
+            <a:ext cx="6408713" cy="4806534"/>
           </a:xfrm>
           <a:prstGeom prst="rect">
             <a:avLst/>
           </a:prstGeom>
           <a:noFill/>
-          <a:ln>
-            <a:noFill/>
-          </a:ln>
         </p:spPr>
       </p:pic>
-      <p:pic>
-        <p:nvPicPr>
-          <p:cNvPr id="19" name="Image 18" descr="1393856262_android-phone.png"/>
-          <p:cNvPicPr>
-            <a:picLocks noChangeAspect="1"/>
-          </p:cNvPicPr>
-          <p:nvPr/>
-        </p:nvPicPr>
-        <p:blipFill>
-          <a:blip r:embed="rId12" cstate="print">
-            <a:grayscl/>
-          </a:blip>
-          <a:stretch>
-            <a:fillRect/>
-          </a:stretch>
-        </p:blipFill>
-        <p:spPr>
-          <a:xfrm>
-            <a:off x="2555776" y="4077072"/>
-            <a:ext cx="1219200" cy="1219200"/>
-          </a:xfrm>
-          <a:prstGeom prst="rect">
-            <a:avLst/>
-          </a:prstGeom>
-          <a:noFill/>
-          <a:ln>
-            <a:noFill/>
-          </a:ln>
-        </p:spPr>
-      </p:pic>
-      <p:pic>
-        <p:nvPicPr>
-          <p:cNvPr id="21" name="Image 20" descr="bootstrap.jpg"/>
-          <p:cNvPicPr>
-            <a:picLocks noChangeAspect="1"/>
-          </p:cNvPicPr>
-          <p:nvPr/>
-        </p:nvPicPr>
-        <p:blipFill>
-          <a:blip r:embed="rId13" cstate="print"/>
-          <a:stretch>
-            <a:fillRect/>
-          </a:stretch>
-        </p:blipFill>
-        <p:spPr>
-          <a:xfrm>
-            <a:off x="1259632" y="3284984"/>
-            <a:ext cx="576064" cy="576064"/>
-          </a:xfrm>
-          <a:prstGeom prst="rect">
-            <a:avLst/>
-          </a:prstGeom>
-        </p:spPr>
-      </p:pic>
-      <p:sp>
-        <p:nvSpPr>
-          <p:cNvPr id="22" name="ZoneTexte 21"/>
-          <p:cNvSpPr txBox="1"/>
-          <p:nvPr/>
-        </p:nvSpPr>
-        <p:spPr>
-          <a:xfrm>
-            <a:off x="2339752" y="1844824"/>
-            <a:ext cx="1224136" cy="523220"/>
-          </a:xfrm>
-          <a:prstGeom prst="rect">
-            <a:avLst/>
-          </a:prstGeom>
-          <a:noFill/>
-        </p:spPr>
-        <p:txBody>
-          <a:bodyPr wrap="square" rtlCol="0">
-            <a:spAutoFit/>
-          </a:bodyPr>
-          <a:lstStyle/>
-          <a:p>
-            <a:r>
-              <a:rPr lang="fr-FR" sz="2800" dirty="0" smtClean="0">
-                <a:solidFill>
-                  <a:srgbClr val="FFC000"/>
-                </a:solidFill>
-              </a:rPr>
-              <a:t>Clients</a:t>
-            </a:r>
-            <a:endParaRPr lang="fr-FR" dirty="0">
-              <a:solidFill>
-                <a:srgbClr val="FFC000"/>
-              </a:solidFill>
-            </a:endParaRPr>
-          </a:p>
-        </p:txBody>
-      </p:sp>
-      <p:sp>
-        <p:nvSpPr>
-          <p:cNvPr id="23" name="ZoneTexte 22"/>
-          <p:cNvSpPr txBox="1"/>
-          <p:nvPr/>
-        </p:nvSpPr>
-        <p:spPr>
-          <a:xfrm>
-            <a:off x="6084168" y="1844824"/>
-            <a:ext cx="1440160" cy="523220"/>
-          </a:xfrm>
-          <a:prstGeom prst="rect">
-            <a:avLst/>
-          </a:prstGeom>
-          <a:noFill/>
-        </p:spPr>
-        <p:txBody>
-          <a:bodyPr wrap="square" rtlCol="0">
-            <a:spAutoFit/>
-          </a:bodyPr>
-          <a:lstStyle/>
-          <a:p>
-            <a:r>
-              <a:rPr lang="fr-FR" sz="2800" dirty="0" smtClean="0">
-                <a:solidFill>
-                  <a:srgbClr val="FFC000"/>
-                </a:solidFill>
-              </a:rPr>
-              <a:t>Serveur</a:t>
-            </a:r>
-            <a:endParaRPr lang="fr-FR" dirty="0">
-              <a:solidFill>
-                <a:srgbClr val="FFC000"/>
-              </a:solidFill>
-            </a:endParaRPr>
-          </a:p>
-        </p:txBody>
-      </p:sp>
-      <p:cxnSp>
-        <p:nvCxnSpPr>
-          <p:cNvPr id="25" name="Connecteur droit avec flèche 24"/>
-          <p:cNvCxnSpPr/>
-          <p:nvPr/>
-        </p:nvCxnSpPr>
-        <p:spPr>
-          <a:xfrm>
-            <a:off x="3995936" y="3717032"/>
-            <a:ext cx="1584176" cy="0"/>
-          </a:xfrm>
-          <a:prstGeom prst="straightConnector1">
-            <a:avLst/>
-          </a:prstGeom>
-          <a:ln w="38100">
-            <a:solidFill>
-              <a:srgbClr val="FFC000"/>
-            </a:solidFill>
-            <a:tailEnd type="arrow"/>
-          </a:ln>
-        </p:spPr>
-        <p:style>
-          <a:lnRef idx="1">
-            <a:schemeClr val="accent1"/>
-          </a:lnRef>
-          <a:fillRef idx="0">
-            <a:schemeClr val="accent1"/>
-          </a:fillRef>
-          <a:effectRef idx="0">
-            <a:schemeClr val="accent1"/>
-          </a:effectRef>
-          <a:fontRef idx="minor">
-            <a:schemeClr val="tx1"/>
-          </a:fontRef>
-        </p:style>
-      </p:cxnSp>
-      <p:cxnSp>
-        <p:nvCxnSpPr>
-          <p:cNvPr id="27" name="Connecteur droit avec flèche 26"/>
-          <p:cNvCxnSpPr/>
-          <p:nvPr/>
-        </p:nvCxnSpPr>
-        <p:spPr>
-          <a:xfrm flipH="1">
-            <a:off x="3995936" y="4005064"/>
-            <a:ext cx="1584176" cy="0"/>
-          </a:xfrm>
-          <a:prstGeom prst="straightConnector1">
-            <a:avLst/>
-          </a:prstGeom>
-          <a:ln w="38100">
-            <a:solidFill>
-              <a:srgbClr val="FFC000"/>
-            </a:solidFill>
-            <a:tailEnd type="arrow"/>
-          </a:ln>
-        </p:spPr>
-        <p:style>
-          <a:lnRef idx="1">
-            <a:schemeClr val="accent1"/>
-          </a:lnRef>
-          <a:fillRef idx="0">
-            <a:schemeClr val="accent1"/>
-          </a:fillRef>
-          <a:effectRef idx="0">
-            <a:schemeClr val="accent1"/>
-          </a:effectRef>
-          <a:fontRef idx="minor">
-            <a:schemeClr val="tx1"/>
-          </a:fontRef>
-        </p:style>
-      </p:cxnSp>
-      <p:sp>
-        <p:nvSpPr>
-          <p:cNvPr id="33" name="ZoneTexte 32"/>
-          <p:cNvSpPr txBox="1"/>
-          <p:nvPr/>
-        </p:nvSpPr>
-        <p:spPr>
-          <a:xfrm>
-            <a:off x="4139952" y="3284984"/>
-            <a:ext cx="1440160" cy="307777"/>
-          </a:xfrm>
-          <a:prstGeom prst="rect">
-            <a:avLst/>
-          </a:prstGeom>
-          <a:noFill/>
-        </p:spPr>
-        <p:txBody>
-          <a:bodyPr wrap="square" rtlCol="0">
-            <a:spAutoFit/>
-          </a:bodyPr>
-          <a:lstStyle/>
-          <a:p>
-            <a:r>
-              <a:rPr lang="fr-FR" sz="1400" dirty="0" smtClean="0">
-                <a:solidFill>
-                  <a:srgbClr val="FFC000"/>
-                </a:solidFill>
-              </a:rPr>
-              <a:t>Requête REST</a:t>
-            </a:r>
-            <a:endParaRPr lang="fr-FR" sz="1050" dirty="0">
-              <a:solidFill>
-                <a:srgbClr val="FFC000"/>
-              </a:solidFill>
-            </a:endParaRPr>
-          </a:p>
-        </p:txBody>
-      </p:sp>
-      <p:sp>
-        <p:nvSpPr>
-          <p:cNvPr id="34" name="ZoneTexte 33"/>
-          <p:cNvSpPr txBox="1"/>
-          <p:nvPr/>
-        </p:nvSpPr>
-        <p:spPr>
-          <a:xfrm>
-            <a:off x="4283968" y="4149080"/>
-            <a:ext cx="1440160" cy="307777"/>
-          </a:xfrm>
-          <a:prstGeom prst="rect">
-            <a:avLst/>
-          </a:prstGeom>
-          <a:noFill/>
-        </p:spPr>
-        <p:txBody>
-          <a:bodyPr wrap="square" rtlCol="0">
-            <a:spAutoFit/>
-          </a:bodyPr>
-          <a:lstStyle/>
-          <a:p>
-            <a:r>
-              <a:rPr lang="fr-FR" sz="1400" dirty="0" smtClean="0">
-                <a:solidFill>
-                  <a:srgbClr val="FFC000"/>
-                </a:solidFill>
-              </a:rPr>
-              <a:t>Page HTML</a:t>
-            </a:r>
-            <a:endParaRPr lang="fr-FR" sz="1400" dirty="0">
-              <a:solidFill>
-                <a:srgbClr val="FFC000"/>
-              </a:solidFill>
-            </a:endParaRPr>
-          </a:p>
-        </p:txBody>
-      </p:sp>
     </p:spTree>
   </p:cSld>
   <p:clrMapOvr>
@@ -6430,7 +6235,7 @@
                   <a:schemeClr val="bg1"/>
                 </a:solidFill>
               </a:rPr>
-              <a:t>Notre démarche</a:t>
+              <a:t>Maquettes</a:t>
             </a:r>
             <a:endParaRPr lang="fr-FR" dirty="0">
               <a:solidFill>
@@ -6508,306 +6313,32 @@
           </a:p>
         </p:txBody>
       </p:sp>
-      <p:sp>
-        <p:nvSpPr>
-          <p:cNvPr id="8" name="ZoneTexte 7"/>
-          <p:cNvSpPr txBox="1"/>
+      <p:pic>
+        <p:nvPicPr>
+          <p:cNvPr id="5122" name="Picture 2" descr="C:\Users\user\Documents\GitHub\Gestion_des_Emprunts\Maquettes\Mobile\Romain\Mobile_Faire_Demande_Réservation_2.png"/>
+          <p:cNvPicPr>
+            <a:picLocks noChangeAspect="1" noChangeArrowheads="1"/>
+          </p:cNvPicPr>
           <p:nvPr/>
-        </p:nvSpPr>
-        <p:spPr>
-          <a:xfrm>
-            <a:off x="395536" y="3068960"/>
-            <a:ext cx="2088232" cy="954107"/>
+        </p:nvPicPr>
+        <p:blipFill>
+          <a:blip r:embed="rId2" cstate="print"/>
+          <a:srcRect/>
+          <a:stretch>
+            <a:fillRect/>
+          </a:stretch>
+        </p:blipFill>
+        <p:spPr bwMode="auto">
+          <a:xfrm>
+            <a:off x="1547663" y="1556792"/>
+            <a:ext cx="6408713" cy="4806535"/>
           </a:xfrm>
           <a:prstGeom prst="rect">
             <a:avLst/>
           </a:prstGeom>
           <a:noFill/>
         </p:spPr>
-        <p:txBody>
-          <a:bodyPr wrap="square" rtlCol="0">
-            <a:spAutoFit/>
-          </a:bodyPr>
-          <a:lstStyle/>
-          <a:p>
-            <a:r>
-              <a:rPr lang="fr-FR" sz="2800" dirty="0" smtClean="0">
-                <a:solidFill>
-                  <a:srgbClr val="FFC000"/>
-                </a:solidFill>
-              </a:rPr>
-              <a:t>Analyse Utilisateurs</a:t>
-            </a:r>
-            <a:endParaRPr lang="fr-FR" dirty="0">
-              <a:solidFill>
-                <a:srgbClr val="FFC000"/>
-              </a:solidFill>
-            </a:endParaRPr>
-          </a:p>
-        </p:txBody>
-      </p:sp>
-      <p:sp>
-        <p:nvSpPr>
-          <p:cNvPr id="9" name="ZoneTexte 8"/>
-          <p:cNvSpPr txBox="1"/>
-          <p:nvPr/>
-        </p:nvSpPr>
-        <p:spPr>
-          <a:xfrm>
-            <a:off x="3203848" y="3212976"/>
-            <a:ext cx="2088232" cy="523220"/>
-          </a:xfrm>
-          <a:prstGeom prst="rect">
-            <a:avLst/>
-          </a:prstGeom>
-          <a:noFill/>
-        </p:spPr>
-        <p:txBody>
-          <a:bodyPr wrap="square" rtlCol="0">
-            <a:spAutoFit/>
-          </a:bodyPr>
-          <a:lstStyle/>
-          <a:p>
-            <a:r>
-              <a:rPr lang="fr-FR" sz="2800" dirty="0" smtClean="0">
-                <a:solidFill>
-                  <a:srgbClr val="FFC000"/>
-                </a:solidFill>
-              </a:rPr>
-              <a:t>Conception</a:t>
-            </a:r>
-            <a:endParaRPr lang="fr-FR" dirty="0">
-              <a:solidFill>
-                <a:srgbClr val="FFC000"/>
-              </a:solidFill>
-            </a:endParaRPr>
-          </a:p>
-        </p:txBody>
-      </p:sp>
-      <p:sp>
-        <p:nvSpPr>
-          <p:cNvPr id="10" name="ZoneTexte 9"/>
-          <p:cNvSpPr txBox="1"/>
-          <p:nvPr/>
-        </p:nvSpPr>
-        <p:spPr>
-          <a:xfrm>
-            <a:off x="6335688" y="2276872"/>
-            <a:ext cx="2808312" cy="523220"/>
-          </a:xfrm>
-          <a:prstGeom prst="rect">
-            <a:avLst/>
-          </a:prstGeom>
-          <a:noFill/>
-        </p:spPr>
-        <p:txBody>
-          <a:bodyPr wrap="square" rtlCol="0">
-            <a:spAutoFit/>
-          </a:bodyPr>
-          <a:lstStyle/>
-          <a:p>
-            <a:r>
-              <a:rPr lang="fr-FR" sz="2800" dirty="0" smtClean="0">
-                <a:solidFill>
-                  <a:srgbClr val="FFC000"/>
-                </a:solidFill>
-              </a:rPr>
-              <a:t>Implémentation</a:t>
-            </a:r>
-            <a:endParaRPr lang="fr-FR" dirty="0">
-              <a:solidFill>
-                <a:srgbClr val="FFC000"/>
-              </a:solidFill>
-            </a:endParaRPr>
-          </a:p>
-        </p:txBody>
-      </p:sp>
-      <p:sp>
-        <p:nvSpPr>
-          <p:cNvPr id="11" name="ZoneTexte 10"/>
-          <p:cNvSpPr txBox="1"/>
-          <p:nvPr/>
-        </p:nvSpPr>
-        <p:spPr>
-          <a:xfrm>
-            <a:off x="6300192" y="4293096"/>
-            <a:ext cx="2808312" cy="523220"/>
-          </a:xfrm>
-          <a:prstGeom prst="rect">
-            <a:avLst/>
-          </a:prstGeom>
-          <a:noFill/>
-        </p:spPr>
-        <p:txBody>
-          <a:bodyPr wrap="square" rtlCol="0">
-            <a:spAutoFit/>
-          </a:bodyPr>
-          <a:lstStyle/>
-          <a:p>
-            <a:r>
-              <a:rPr lang="fr-FR" sz="2800" b="1" dirty="0" smtClean="0">
-                <a:solidFill>
-                  <a:schemeClr val="accent6">
-                    <a:lumMod val="75000"/>
-                  </a:schemeClr>
-                </a:solidFill>
-              </a:rPr>
-              <a:t>Tests utilisateurs</a:t>
-            </a:r>
-            <a:endParaRPr lang="fr-FR" b="1" dirty="0">
-              <a:solidFill>
-                <a:schemeClr val="accent6">
-                  <a:lumMod val="75000"/>
-                </a:schemeClr>
-              </a:solidFill>
-            </a:endParaRPr>
-          </a:p>
-        </p:txBody>
-      </p:sp>
-      <p:cxnSp>
-        <p:nvCxnSpPr>
-          <p:cNvPr id="12" name="Connecteur droit avec flèche 11"/>
-          <p:cNvCxnSpPr/>
-          <p:nvPr/>
-        </p:nvCxnSpPr>
-        <p:spPr>
-          <a:xfrm>
-            <a:off x="2267744" y="3501008"/>
-            <a:ext cx="792088" cy="0"/>
-          </a:xfrm>
-          <a:prstGeom prst="straightConnector1">
-            <a:avLst/>
-          </a:prstGeom>
-          <a:ln w="38100">
-            <a:solidFill>
-              <a:srgbClr val="FFC000"/>
-            </a:solidFill>
-            <a:tailEnd type="arrow"/>
-          </a:ln>
-        </p:spPr>
-        <p:style>
-          <a:lnRef idx="1">
-            <a:schemeClr val="accent1"/>
-          </a:lnRef>
-          <a:fillRef idx="0">
-            <a:schemeClr val="accent1"/>
-          </a:fillRef>
-          <a:effectRef idx="0">
-            <a:schemeClr val="accent1"/>
-          </a:effectRef>
-          <a:fontRef idx="minor">
-            <a:schemeClr val="tx1"/>
-          </a:fontRef>
-        </p:style>
-      </p:cxnSp>
-      <p:cxnSp>
-        <p:nvCxnSpPr>
-          <p:cNvPr id="14" name="Connecteur droit avec flèche 13"/>
-          <p:cNvCxnSpPr/>
-          <p:nvPr/>
-        </p:nvCxnSpPr>
-        <p:spPr>
-          <a:xfrm flipV="1">
-            <a:off x="5076056" y="2564904"/>
-            <a:ext cx="1008112" cy="746502"/>
-          </a:xfrm>
-          <a:prstGeom prst="straightConnector1">
-            <a:avLst/>
-          </a:prstGeom>
-          <a:ln w="38100">
-            <a:solidFill>
-              <a:srgbClr val="FFC000"/>
-            </a:solidFill>
-            <a:tailEnd type="arrow"/>
-          </a:ln>
-        </p:spPr>
-        <p:style>
-          <a:lnRef idx="1">
-            <a:schemeClr val="accent1"/>
-          </a:lnRef>
-          <a:fillRef idx="0">
-            <a:schemeClr val="accent1"/>
-          </a:fillRef>
-          <a:effectRef idx="0">
-            <a:schemeClr val="accent1"/>
-          </a:effectRef>
-          <a:fontRef idx="minor">
-            <a:schemeClr val="tx1"/>
-          </a:fontRef>
-        </p:style>
-      </p:cxnSp>
-      <p:cxnSp>
-        <p:nvCxnSpPr>
-          <p:cNvPr id="17" name="Connecteur droit avec flèche 16"/>
-          <p:cNvCxnSpPr/>
-          <p:nvPr/>
-        </p:nvCxnSpPr>
-        <p:spPr>
-          <a:xfrm>
-            <a:off x="7452320" y="2852936"/>
-            <a:ext cx="0" cy="1152128"/>
-          </a:xfrm>
-          <a:prstGeom prst="straightConnector1">
-            <a:avLst/>
-          </a:prstGeom>
-          <a:ln w="38100">
-            <a:solidFill>
-              <a:srgbClr val="FFC000"/>
-            </a:solidFill>
-            <a:tailEnd type="arrow"/>
-          </a:ln>
-        </p:spPr>
-        <p:style>
-          <a:lnRef idx="1">
-            <a:schemeClr val="accent1"/>
-          </a:lnRef>
-          <a:fillRef idx="0">
-            <a:schemeClr val="accent1"/>
-          </a:fillRef>
-          <a:effectRef idx="0">
-            <a:schemeClr val="accent1"/>
-          </a:effectRef>
-          <a:fontRef idx="minor">
-            <a:schemeClr val="tx1"/>
-          </a:fontRef>
-        </p:style>
-      </p:cxnSp>
-      <p:cxnSp>
-        <p:nvCxnSpPr>
-          <p:cNvPr id="20" name="Connecteur droit avec flèche 19"/>
-          <p:cNvCxnSpPr/>
-          <p:nvPr/>
-        </p:nvCxnSpPr>
-        <p:spPr>
-          <a:xfrm flipH="1" flipV="1">
-            <a:off x="5004048" y="3789040"/>
-            <a:ext cx="1080120" cy="864096"/>
-          </a:xfrm>
-          <a:prstGeom prst="straightConnector1">
-            <a:avLst/>
-          </a:prstGeom>
-          <a:ln w="38100">
-            <a:solidFill>
-              <a:srgbClr val="FFC000"/>
-            </a:solidFill>
-            <a:tailEnd type="arrow"/>
-          </a:ln>
-        </p:spPr>
-        <p:style>
-          <a:lnRef idx="1">
-            <a:schemeClr val="accent1"/>
-          </a:lnRef>
-          <a:fillRef idx="0">
-            <a:schemeClr val="accent1"/>
-          </a:fillRef>
-          <a:effectRef idx="0">
-            <a:schemeClr val="accent1"/>
-          </a:effectRef>
-          <a:fontRef idx="minor">
-            <a:schemeClr val="tx1"/>
-          </a:fontRef>
-        </p:style>
-      </p:cxnSp>
+      </p:pic>
     </p:spTree>
   </p:cSld>
   <p:clrMapOvr>
@@ -6953,32 +6484,13 @@
                   <a:schemeClr val="bg1"/>
                 </a:solidFill>
               </a:rPr>
-              <a:t>Tests utilisateurs</a:t>
+              <a:t>Notre démarche</a:t>
             </a:r>
             <a:endParaRPr lang="fr-FR" dirty="0">
               <a:solidFill>
                 <a:schemeClr val="bg1"/>
               </a:solidFill>
             </a:endParaRPr>
-          </a:p>
-        </p:txBody>
-      </p:sp>
-      <p:sp>
-        <p:nvSpPr>
-          <p:cNvPr id="3" name="Espace réservé du contenu 2"/>
-          <p:cNvSpPr>
-            <a:spLocks noGrp="1"/>
-          </p:cNvSpPr>
-          <p:nvPr>
-            <p:ph idx="1"/>
-          </p:nvPr>
-        </p:nvSpPr>
-        <p:spPr/>
-        <p:txBody>
-          <a:bodyPr/>
-          <a:lstStyle/>
-          <a:p>
-            <a:endParaRPr lang="fr-FR"/>
           </a:p>
         </p:txBody>
       </p:sp>
@@ -7050,6 +6562,306 @@
           </a:p>
         </p:txBody>
       </p:sp>
+      <p:sp>
+        <p:nvSpPr>
+          <p:cNvPr id="8" name="ZoneTexte 7"/>
+          <p:cNvSpPr txBox="1"/>
+          <p:nvPr/>
+        </p:nvSpPr>
+        <p:spPr>
+          <a:xfrm>
+            <a:off x="395536" y="3068960"/>
+            <a:ext cx="2088232" cy="954107"/>
+          </a:xfrm>
+          <a:prstGeom prst="rect">
+            <a:avLst/>
+          </a:prstGeom>
+          <a:noFill/>
+        </p:spPr>
+        <p:txBody>
+          <a:bodyPr wrap="square" rtlCol="0">
+            <a:spAutoFit/>
+          </a:bodyPr>
+          <a:lstStyle/>
+          <a:p>
+            <a:r>
+              <a:rPr lang="fr-FR" sz="2800" dirty="0" smtClean="0">
+                <a:solidFill>
+                  <a:srgbClr val="FFC000"/>
+                </a:solidFill>
+              </a:rPr>
+              <a:t>Analyse Utilisateurs</a:t>
+            </a:r>
+            <a:endParaRPr lang="fr-FR" dirty="0">
+              <a:solidFill>
+                <a:srgbClr val="FFC000"/>
+              </a:solidFill>
+            </a:endParaRPr>
+          </a:p>
+        </p:txBody>
+      </p:sp>
+      <p:sp>
+        <p:nvSpPr>
+          <p:cNvPr id="9" name="ZoneTexte 8"/>
+          <p:cNvSpPr txBox="1"/>
+          <p:nvPr/>
+        </p:nvSpPr>
+        <p:spPr>
+          <a:xfrm>
+            <a:off x="3203848" y="3212976"/>
+            <a:ext cx="2088232" cy="523220"/>
+          </a:xfrm>
+          <a:prstGeom prst="rect">
+            <a:avLst/>
+          </a:prstGeom>
+          <a:noFill/>
+        </p:spPr>
+        <p:txBody>
+          <a:bodyPr wrap="square" rtlCol="0">
+            <a:spAutoFit/>
+          </a:bodyPr>
+          <a:lstStyle/>
+          <a:p>
+            <a:r>
+              <a:rPr lang="fr-FR" sz="2800" b="1" dirty="0" smtClean="0">
+                <a:solidFill>
+                  <a:schemeClr val="accent6">
+                    <a:lumMod val="75000"/>
+                  </a:schemeClr>
+                </a:solidFill>
+              </a:rPr>
+              <a:t>Conception</a:t>
+            </a:r>
+            <a:endParaRPr lang="fr-FR" b="1" dirty="0">
+              <a:solidFill>
+                <a:schemeClr val="accent6">
+                  <a:lumMod val="75000"/>
+                </a:schemeClr>
+              </a:solidFill>
+            </a:endParaRPr>
+          </a:p>
+        </p:txBody>
+      </p:sp>
+      <p:sp>
+        <p:nvSpPr>
+          <p:cNvPr id="10" name="ZoneTexte 9"/>
+          <p:cNvSpPr txBox="1"/>
+          <p:nvPr/>
+        </p:nvSpPr>
+        <p:spPr>
+          <a:xfrm>
+            <a:off x="6335688" y="2276872"/>
+            <a:ext cx="2808312" cy="523220"/>
+          </a:xfrm>
+          <a:prstGeom prst="rect">
+            <a:avLst/>
+          </a:prstGeom>
+          <a:noFill/>
+        </p:spPr>
+        <p:txBody>
+          <a:bodyPr wrap="square" rtlCol="0">
+            <a:spAutoFit/>
+          </a:bodyPr>
+          <a:lstStyle/>
+          <a:p>
+            <a:r>
+              <a:rPr lang="fr-FR" sz="2800" dirty="0" smtClean="0">
+                <a:solidFill>
+                  <a:srgbClr val="FFC000"/>
+                </a:solidFill>
+              </a:rPr>
+              <a:t>Implémentation</a:t>
+            </a:r>
+            <a:endParaRPr lang="fr-FR" dirty="0">
+              <a:solidFill>
+                <a:srgbClr val="FFC000"/>
+              </a:solidFill>
+            </a:endParaRPr>
+          </a:p>
+        </p:txBody>
+      </p:sp>
+      <p:sp>
+        <p:nvSpPr>
+          <p:cNvPr id="11" name="ZoneTexte 10"/>
+          <p:cNvSpPr txBox="1"/>
+          <p:nvPr/>
+        </p:nvSpPr>
+        <p:spPr>
+          <a:xfrm>
+            <a:off x="6300192" y="4293096"/>
+            <a:ext cx="2808312" cy="523220"/>
+          </a:xfrm>
+          <a:prstGeom prst="rect">
+            <a:avLst/>
+          </a:prstGeom>
+          <a:noFill/>
+        </p:spPr>
+        <p:txBody>
+          <a:bodyPr wrap="square" rtlCol="0">
+            <a:spAutoFit/>
+          </a:bodyPr>
+          <a:lstStyle/>
+          <a:p>
+            <a:r>
+              <a:rPr lang="fr-FR" sz="2800" dirty="0" smtClean="0">
+                <a:solidFill>
+                  <a:srgbClr val="FFC000"/>
+                </a:solidFill>
+              </a:rPr>
+              <a:t>Tests utilisateurs</a:t>
+            </a:r>
+            <a:endParaRPr lang="fr-FR" dirty="0">
+              <a:solidFill>
+                <a:srgbClr val="FFC000"/>
+              </a:solidFill>
+            </a:endParaRPr>
+          </a:p>
+        </p:txBody>
+      </p:sp>
+      <p:cxnSp>
+        <p:nvCxnSpPr>
+          <p:cNvPr id="12" name="Connecteur droit avec flèche 11"/>
+          <p:cNvCxnSpPr/>
+          <p:nvPr/>
+        </p:nvCxnSpPr>
+        <p:spPr>
+          <a:xfrm>
+            <a:off x="2267744" y="3501008"/>
+            <a:ext cx="792088" cy="0"/>
+          </a:xfrm>
+          <a:prstGeom prst="straightConnector1">
+            <a:avLst/>
+          </a:prstGeom>
+          <a:ln w="38100">
+            <a:solidFill>
+              <a:srgbClr val="FFC000"/>
+            </a:solidFill>
+            <a:tailEnd type="arrow"/>
+          </a:ln>
+        </p:spPr>
+        <p:style>
+          <a:lnRef idx="1">
+            <a:schemeClr val="accent1"/>
+          </a:lnRef>
+          <a:fillRef idx="0">
+            <a:schemeClr val="accent1"/>
+          </a:fillRef>
+          <a:effectRef idx="0">
+            <a:schemeClr val="accent1"/>
+          </a:effectRef>
+          <a:fontRef idx="minor">
+            <a:schemeClr val="tx1"/>
+          </a:fontRef>
+        </p:style>
+      </p:cxnSp>
+      <p:cxnSp>
+        <p:nvCxnSpPr>
+          <p:cNvPr id="14" name="Connecteur droit avec flèche 13"/>
+          <p:cNvCxnSpPr/>
+          <p:nvPr/>
+        </p:nvCxnSpPr>
+        <p:spPr>
+          <a:xfrm flipV="1">
+            <a:off x="5076056" y="2564904"/>
+            <a:ext cx="1008112" cy="746502"/>
+          </a:xfrm>
+          <a:prstGeom prst="straightConnector1">
+            <a:avLst/>
+          </a:prstGeom>
+          <a:ln w="38100">
+            <a:solidFill>
+              <a:srgbClr val="FFC000"/>
+            </a:solidFill>
+            <a:tailEnd type="arrow"/>
+          </a:ln>
+        </p:spPr>
+        <p:style>
+          <a:lnRef idx="1">
+            <a:schemeClr val="accent1"/>
+          </a:lnRef>
+          <a:fillRef idx="0">
+            <a:schemeClr val="accent1"/>
+          </a:fillRef>
+          <a:effectRef idx="0">
+            <a:schemeClr val="accent1"/>
+          </a:effectRef>
+          <a:fontRef idx="minor">
+            <a:schemeClr val="tx1"/>
+          </a:fontRef>
+        </p:style>
+      </p:cxnSp>
+      <p:cxnSp>
+        <p:nvCxnSpPr>
+          <p:cNvPr id="17" name="Connecteur droit avec flèche 16"/>
+          <p:cNvCxnSpPr/>
+          <p:nvPr/>
+        </p:nvCxnSpPr>
+        <p:spPr>
+          <a:xfrm>
+            <a:off x="7452320" y="2852936"/>
+            <a:ext cx="0" cy="1152128"/>
+          </a:xfrm>
+          <a:prstGeom prst="straightConnector1">
+            <a:avLst/>
+          </a:prstGeom>
+          <a:ln w="38100">
+            <a:solidFill>
+              <a:srgbClr val="FFC000"/>
+            </a:solidFill>
+            <a:tailEnd type="arrow"/>
+          </a:ln>
+        </p:spPr>
+        <p:style>
+          <a:lnRef idx="1">
+            <a:schemeClr val="accent1"/>
+          </a:lnRef>
+          <a:fillRef idx="0">
+            <a:schemeClr val="accent1"/>
+          </a:fillRef>
+          <a:effectRef idx="0">
+            <a:schemeClr val="accent1"/>
+          </a:effectRef>
+          <a:fontRef idx="minor">
+            <a:schemeClr val="tx1"/>
+          </a:fontRef>
+        </p:style>
+      </p:cxnSp>
+      <p:cxnSp>
+        <p:nvCxnSpPr>
+          <p:cNvPr id="20" name="Connecteur droit avec flèche 19"/>
+          <p:cNvCxnSpPr/>
+          <p:nvPr/>
+        </p:nvCxnSpPr>
+        <p:spPr>
+          <a:xfrm flipH="1" flipV="1">
+            <a:off x="5004048" y="3789040"/>
+            <a:ext cx="1080120" cy="864096"/>
+          </a:xfrm>
+          <a:prstGeom prst="straightConnector1">
+            <a:avLst/>
+          </a:prstGeom>
+          <a:ln w="38100">
+            <a:solidFill>
+              <a:srgbClr val="FFC000"/>
+            </a:solidFill>
+            <a:tailEnd type="arrow"/>
+          </a:ln>
+        </p:spPr>
+        <p:style>
+          <a:lnRef idx="1">
+            <a:schemeClr val="accent1"/>
+          </a:lnRef>
+          <a:fillRef idx="0">
+            <a:schemeClr val="accent1"/>
+          </a:fillRef>
+          <a:effectRef idx="0">
+            <a:schemeClr val="accent1"/>
+          </a:effectRef>
+          <a:fontRef idx="minor">
+            <a:schemeClr val="tx1"/>
+          </a:fontRef>
+        </p:style>
+      </p:cxnSp>
     </p:spTree>
   </p:cSld>
   <p:clrMapOvr>
@@ -7195,7 +7007,7 @@
                   <a:schemeClr val="bg1"/>
                 </a:solidFill>
               </a:rPr>
-              <a:t>Résultats</a:t>
+              <a:t>Conception</a:t>
             </a:r>
             <a:endParaRPr lang="fr-FR" dirty="0">
               <a:solidFill>
@@ -7220,7 +7032,25 @@
           <a:bodyPr/>
           <a:lstStyle/>
           <a:p>
-            <a:endParaRPr lang="fr-FR"/>
+            <a:r>
+              <a:rPr lang="fr-FR" dirty="0" smtClean="0"/>
+              <a:t>Cas d’utilisation</a:t>
+            </a:r>
+          </a:p>
+          <a:p>
+            <a:r>
+              <a:rPr lang="fr-FR" dirty="0" smtClean="0"/>
+              <a:t>Séquence</a:t>
+            </a:r>
+          </a:p>
+          <a:p>
+            <a:r>
+              <a:rPr lang="fr-FR" dirty="0" smtClean="0"/>
+              <a:t>BD</a:t>
+            </a:r>
+          </a:p>
+          <a:p>
+            <a:endParaRPr lang="fr-FR" dirty="0" smtClean="0"/>
           </a:p>
         </p:txBody>
       </p:sp>
@@ -7437,75 +7267,13 @@
                   <a:schemeClr val="bg1"/>
                 </a:solidFill>
               </a:rPr>
-              <a:t>Gestion du projet</a:t>
+              <a:t>Notre démarche</a:t>
             </a:r>
             <a:endParaRPr lang="fr-FR" dirty="0">
               <a:solidFill>
                 <a:schemeClr val="bg1"/>
               </a:solidFill>
             </a:endParaRPr>
-          </a:p>
-        </p:txBody>
-      </p:sp>
-      <p:sp>
-        <p:nvSpPr>
-          <p:cNvPr id="3" name="Espace réservé du contenu 2"/>
-          <p:cNvSpPr>
-            <a:spLocks noGrp="1"/>
-          </p:cNvSpPr>
-          <p:nvPr>
-            <p:ph idx="1"/>
-          </p:nvPr>
-        </p:nvSpPr>
-        <p:spPr/>
-        <p:txBody>
-          <a:bodyPr/>
-          <a:lstStyle/>
-          <a:p>
-            <a:r>
-              <a:rPr lang="fr-FR" dirty="0" smtClean="0">
-                <a:solidFill>
-                  <a:srgbClr val="FFC000"/>
-                </a:solidFill>
-              </a:rPr>
-              <a:t>Répartition des tâches -&gt;</a:t>
-            </a:r>
-          </a:p>
-          <a:p>
-            <a:r>
-              <a:rPr lang="fr-FR" dirty="0" smtClean="0">
-                <a:solidFill>
-                  <a:srgbClr val="FFC000"/>
-                </a:solidFill>
-              </a:rPr>
-              <a:t>Gestion de versions -&gt; Utilisation de Git</a:t>
-            </a:r>
-          </a:p>
-          <a:p>
-            <a:r>
-              <a:rPr lang="fr-FR" dirty="0" smtClean="0">
-                <a:solidFill>
-                  <a:srgbClr val="FFC000"/>
-                </a:solidFill>
-              </a:rPr>
-              <a:t>Gestion de configuration -&gt;</a:t>
-            </a:r>
-          </a:p>
-          <a:p>
-            <a:r>
-              <a:rPr lang="fr-FR" dirty="0" smtClean="0">
-                <a:solidFill>
-                  <a:srgbClr val="FFC000"/>
-                </a:solidFill>
-              </a:rPr>
-              <a:t>Gestion des tests/sécurité -&gt; </a:t>
-            </a:r>
-          </a:p>
-          <a:p>
-            <a:endParaRPr lang="fr-FR" dirty="0" smtClean="0"/>
-          </a:p>
-          <a:p>
-            <a:endParaRPr lang="fr-FR" dirty="0"/>
           </a:p>
         </p:txBody>
       </p:sp>
@@ -7577,6 +7345,306 @@
           </a:p>
         </p:txBody>
       </p:sp>
+      <p:sp>
+        <p:nvSpPr>
+          <p:cNvPr id="8" name="ZoneTexte 7"/>
+          <p:cNvSpPr txBox="1"/>
+          <p:nvPr/>
+        </p:nvSpPr>
+        <p:spPr>
+          <a:xfrm>
+            <a:off x="395536" y="3068960"/>
+            <a:ext cx="2088232" cy="954107"/>
+          </a:xfrm>
+          <a:prstGeom prst="rect">
+            <a:avLst/>
+          </a:prstGeom>
+          <a:noFill/>
+        </p:spPr>
+        <p:txBody>
+          <a:bodyPr wrap="square" rtlCol="0">
+            <a:spAutoFit/>
+          </a:bodyPr>
+          <a:lstStyle/>
+          <a:p>
+            <a:r>
+              <a:rPr lang="fr-FR" sz="2800" dirty="0" smtClean="0">
+                <a:solidFill>
+                  <a:srgbClr val="FFC000"/>
+                </a:solidFill>
+              </a:rPr>
+              <a:t>Analyse Utilisateurs</a:t>
+            </a:r>
+            <a:endParaRPr lang="fr-FR" dirty="0">
+              <a:solidFill>
+                <a:srgbClr val="FFC000"/>
+              </a:solidFill>
+            </a:endParaRPr>
+          </a:p>
+        </p:txBody>
+      </p:sp>
+      <p:sp>
+        <p:nvSpPr>
+          <p:cNvPr id="9" name="ZoneTexte 8"/>
+          <p:cNvSpPr txBox="1"/>
+          <p:nvPr/>
+        </p:nvSpPr>
+        <p:spPr>
+          <a:xfrm>
+            <a:off x="3203848" y="3212976"/>
+            <a:ext cx="2088232" cy="523220"/>
+          </a:xfrm>
+          <a:prstGeom prst="rect">
+            <a:avLst/>
+          </a:prstGeom>
+          <a:noFill/>
+        </p:spPr>
+        <p:txBody>
+          <a:bodyPr wrap="square" rtlCol="0">
+            <a:spAutoFit/>
+          </a:bodyPr>
+          <a:lstStyle/>
+          <a:p>
+            <a:r>
+              <a:rPr lang="fr-FR" sz="2800" dirty="0" smtClean="0">
+                <a:solidFill>
+                  <a:srgbClr val="FFC000"/>
+                </a:solidFill>
+              </a:rPr>
+              <a:t>Conception</a:t>
+            </a:r>
+            <a:endParaRPr lang="fr-FR" dirty="0">
+              <a:solidFill>
+                <a:srgbClr val="FFC000"/>
+              </a:solidFill>
+            </a:endParaRPr>
+          </a:p>
+        </p:txBody>
+      </p:sp>
+      <p:sp>
+        <p:nvSpPr>
+          <p:cNvPr id="10" name="ZoneTexte 9"/>
+          <p:cNvSpPr txBox="1"/>
+          <p:nvPr/>
+        </p:nvSpPr>
+        <p:spPr>
+          <a:xfrm>
+            <a:off x="6335688" y="2276872"/>
+            <a:ext cx="2808312" cy="523220"/>
+          </a:xfrm>
+          <a:prstGeom prst="rect">
+            <a:avLst/>
+          </a:prstGeom>
+          <a:noFill/>
+        </p:spPr>
+        <p:txBody>
+          <a:bodyPr wrap="square" rtlCol="0">
+            <a:spAutoFit/>
+          </a:bodyPr>
+          <a:lstStyle/>
+          <a:p>
+            <a:r>
+              <a:rPr lang="fr-FR" sz="2800" b="1" dirty="0" smtClean="0">
+                <a:solidFill>
+                  <a:schemeClr val="accent6">
+                    <a:lumMod val="75000"/>
+                  </a:schemeClr>
+                </a:solidFill>
+              </a:rPr>
+              <a:t>Implémentation</a:t>
+            </a:r>
+            <a:endParaRPr lang="fr-FR" b="1" dirty="0">
+              <a:solidFill>
+                <a:schemeClr val="accent6">
+                  <a:lumMod val="75000"/>
+                </a:schemeClr>
+              </a:solidFill>
+            </a:endParaRPr>
+          </a:p>
+        </p:txBody>
+      </p:sp>
+      <p:sp>
+        <p:nvSpPr>
+          <p:cNvPr id="11" name="ZoneTexte 10"/>
+          <p:cNvSpPr txBox="1"/>
+          <p:nvPr/>
+        </p:nvSpPr>
+        <p:spPr>
+          <a:xfrm>
+            <a:off x="6300192" y="4293096"/>
+            <a:ext cx="2808312" cy="523220"/>
+          </a:xfrm>
+          <a:prstGeom prst="rect">
+            <a:avLst/>
+          </a:prstGeom>
+          <a:noFill/>
+        </p:spPr>
+        <p:txBody>
+          <a:bodyPr wrap="square" rtlCol="0">
+            <a:spAutoFit/>
+          </a:bodyPr>
+          <a:lstStyle/>
+          <a:p>
+            <a:r>
+              <a:rPr lang="fr-FR" sz="2800" dirty="0" smtClean="0">
+                <a:solidFill>
+                  <a:srgbClr val="FFC000"/>
+                </a:solidFill>
+              </a:rPr>
+              <a:t>Tests utilisateurs</a:t>
+            </a:r>
+            <a:endParaRPr lang="fr-FR" dirty="0">
+              <a:solidFill>
+                <a:srgbClr val="FFC000"/>
+              </a:solidFill>
+            </a:endParaRPr>
+          </a:p>
+        </p:txBody>
+      </p:sp>
+      <p:cxnSp>
+        <p:nvCxnSpPr>
+          <p:cNvPr id="12" name="Connecteur droit avec flèche 11"/>
+          <p:cNvCxnSpPr/>
+          <p:nvPr/>
+        </p:nvCxnSpPr>
+        <p:spPr>
+          <a:xfrm>
+            <a:off x="2267744" y="3501008"/>
+            <a:ext cx="792088" cy="0"/>
+          </a:xfrm>
+          <a:prstGeom prst="straightConnector1">
+            <a:avLst/>
+          </a:prstGeom>
+          <a:ln w="38100">
+            <a:solidFill>
+              <a:srgbClr val="FFC000"/>
+            </a:solidFill>
+            <a:tailEnd type="arrow"/>
+          </a:ln>
+        </p:spPr>
+        <p:style>
+          <a:lnRef idx="1">
+            <a:schemeClr val="accent1"/>
+          </a:lnRef>
+          <a:fillRef idx="0">
+            <a:schemeClr val="accent1"/>
+          </a:fillRef>
+          <a:effectRef idx="0">
+            <a:schemeClr val="accent1"/>
+          </a:effectRef>
+          <a:fontRef idx="minor">
+            <a:schemeClr val="tx1"/>
+          </a:fontRef>
+        </p:style>
+      </p:cxnSp>
+      <p:cxnSp>
+        <p:nvCxnSpPr>
+          <p:cNvPr id="14" name="Connecteur droit avec flèche 13"/>
+          <p:cNvCxnSpPr/>
+          <p:nvPr/>
+        </p:nvCxnSpPr>
+        <p:spPr>
+          <a:xfrm flipV="1">
+            <a:off x="5076056" y="2564904"/>
+            <a:ext cx="1008112" cy="746502"/>
+          </a:xfrm>
+          <a:prstGeom prst="straightConnector1">
+            <a:avLst/>
+          </a:prstGeom>
+          <a:ln w="38100">
+            <a:solidFill>
+              <a:srgbClr val="FFC000"/>
+            </a:solidFill>
+            <a:tailEnd type="arrow"/>
+          </a:ln>
+        </p:spPr>
+        <p:style>
+          <a:lnRef idx="1">
+            <a:schemeClr val="accent1"/>
+          </a:lnRef>
+          <a:fillRef idx="0">
+            <a:schemeClr val="accent1"/>
+          </a:fillRef>
+          <a:effectRef idx="0">
+            <a:schemeClr val="accent1"/>
+          </a:effectRef>
+          <a:fontRef idx="minor">
+            <a:schemeClr val="tx1"/>
+          </a:fontRef>
+        </p:style>
+      </p:cxnSp>
+      <p:cxnSp>
+        <p:nvCxnSpPr>
+          <p:cNvPr id="17" name="Connecteur droit avec flèche 16"/>
+          <p:cNvCxnSpPr/>
+          <p:nvPr/>
+        </p:nvCxnSpPr>
+        <p:spPr>
+          <a:xfrm>
+            <a:off x="7452320" y="2852936"/>
+            <a:ext cx="0" cy="1152128"/>
+          </a:xfrm>
+          <a:prstGeom prst="straightConnector1">
+            <a:avLst/>
+          </a:prstGeom>
+          <a:ln w="38100">
+            <a:solidFill>
+              <a:srgbClr val="FFC000"/>
+            </a:solidFill>
+            <a:tailEnd type="arrow"/>
+          </a:ln>
+        </p:spPr>
+        <p:style>
+          <a:lnRef idx="1">
+            <a:schemeClr val="accent1"/>
+          </a:lnRef>
+          <a:fillRef idx="0">
+            <a:schemeClr val="accent1"/>
+          </a:fillRef>
+          <a:effectRef idx="0">
+            <a:schemeClr val="accent1"/>
+          </a:effectRef>
+          <a:fontRef idx="minor">
+            <a:schemeClr val="tx1"/>
+          </a:fontRef>
+        </p:style>
+      </p:cxnSp>
+      <p:cxnSp>
+        <p:nvCxnSpPr>
+          <p:cNvPr id="20" name="Connecteur droit avec flèche 19"/>
+          <p:cNvCxnSpPr/>
+          <p:nvPr/>
+        </p:nvCxnSpPr>
+        <p:spPr>
+          <a:xfrm flipH="1" flipV="1">
+            <a:off x="5004048" y="3789040"/>
+            <a:ext cx="1080120" cy="864096"/>
+          </a:xfrm>
+          <a:prstGeom prst="straightConnector1">
+            <a:avLst/>
+          </a:prstGeom>
+          <a:ln w="38100">
+            <a:solidFill>
+              <a:srgbClr val="FFC000"/>
+            </a:solidFill>
+            <a:tailEnd type="arrow"/>
+          </a:ln>
+        </p:spPr>
+        <p:style>
+          <a:lnRef idx="1">
+            <a:schemeClr val="accent1"/>
+          </a:lnRef>
+          <a:fillRef idx="0">
+            <a:schemeClr val="accent1"/>
+          </a:fillRef>
+          <a:effectRef idx="0">
+            <a:schemeClr val="accent1"/>
+          </a:effectRef>
+          <a:fontRef idx="minor">
+            <a:schemeClr val="tx1"/>
+          </a:fontRef>
+        </p:style>
+      </p:cxnSp>
     </p:spTree>
   </p:cSld>
   <p:clrMapOvr>
@@ -7722,7 +7790,7 @@
                   <a:schemeClr val="bg1"/>
                 </a:solidFill>
               </a:rPr>
-              <a:t>Synthèse de la gestion du projet</a:t>
+              <a:t>Implémentation</a:t>
             </a:r>
             <a:endParaRPr lang="fr-FR" dirty="0">
               <a:solidFill>
@@ -7753,73 +7821,41 @@
                   <a:srgbClr val="FFC000"/>
                 </a:solidFill>
               </a:rPr>
-              <a:t>Difficultés rencontrées</a:t>
-            </a:r>
-          </a:p>
-          <a:p>
-            <a:pPr lvl="1"/>
+              <a:t>Back-end</a:t>
+            </a:r>
+          </a:p>
+          <a:p>
             <a:r>
               <a:rPr lang="fr-FR" dirty="0" smtClean="0">
                 <a:solidFill>
                   <a:srgbClr val="FFC000"/>
                 </a:solidFill>
               </a:rPr>
-              <a:t>Mauvaises estimations du temps sur certaines tâches</a:t>
-            </a:r>
-          </a:p>
-          <a:p>
-            <a:pPr lvl="1"/>
+              <a:t>Front-end</a:t>
+            </a:r>
+          </a:p>
+          <a:p>
+            <a:r>
+              <a:rPr lang="fr-FR" dirty="0" smtClean="0">
+                <a:solidFill>
+                  <a:srgbClr val="FFC000"/>
+                </a:solidFill>
+              </a:rPr>
+              <a:t>Tests fonctionnels </a:t>
+            </a:r>
+            <a:r>
+              <a:rPr lang="fr-FR" dirty="0" smtClean="0">
+                <a:solidFill>
+                  <a:srgbClr val="FFC000"/>
+                </a:solidFill>
+              </a:rPr>
+              <a:t>( + sécurité ? )</a:t>
+            </a:r>
             <a:endParaRPr lang="fr-FR" dirty="0" smtClean="0">
               <a:solidFill>
                 <a:srgbClr val="FFC000"/>
               </a:solidFill>
             </a:endParaRPr>
-          </a:p>
-          <a:p>
-            <a:r>
-              <a:rPr lang="fr-FR" dirty="0" smtClean="0">
-                <a:solidFill>
-                  <a:srgbClr val="FFC000"/>
-                </a:solidFill>
-              </a:rPr>
-              <a:t>Acquis</a:t>
-            </a:r>
-          </a:p>
-          <a:p>
-            <a:pPr lvl="1"/>
-            <a:r>
-              <a:rPr lang="fr-FR" dirty="0" smtClean="0">
-                <a:solidFill>
-                  <a:srgbClr val="FFC000"/>
-                </a:solidFill>
-              </a:rPr>
-              <a:t>Nouvelles technologies</a:t>
-            </a:r>
-          </a:p>
-          <a:p>
-            <a:pPr lvl="1"/>
-            <a:r>
-              <a:rPr lang="fr-FR" dirty="0" smtClean="0">
-                <a:solidFill>
-                  <a:srgbClr val="FFC000"/>
-                </a:solidFill>
-              </a:rPr>
-              <a:t>Gestion d’un projet centré utilisateurs</a:t>
-            </a:r>
-          </a:p>
-          <a:p>
-            <a:pPr lvl="1"/>
-            <a:endParaRPr lang="fr-FR" dirty="0" smtClean="0">
-              <a:solidFill>
-                <a:srgbClr val="FFC000"/>
-              </a:solidFill>
-            </a:endParaRPr>
-          </a:p>
-          <a:p>
-            <a:endParaRPr lang="fr-FR" dirty="0" smtClean="0"/>
-          </a:p>
-          <a:p>
-            <a:endParaRPr lang="fr-FR" dirty="0"/>
           </a:p>
         </p:txBody>
       </p:sp>
@@ -8036,98 +8072,13 @@
                   <a:schemeClr val="bg1"/>
                 </a:solidFill>
               </a:rPr>
-              <a:t>Fin/Améliorations</a:t>
+              <a:t>Choix technologiques</a:t>
             </a:r>
             <a:endParaRPr lang="fr-FR" dirty="0">
               <a:solidFill>
                 <a:schemeClr val="bg1"/>
               </a:solidFill>
             </a:endParaRPr>
-          </a:p>
-        </p:txBody>
-      </p:sp>
-      <p:sp>
-        <p:nvSpPr>
-          <p:cNvPr id="3" name="Espace réservé du contenu 2"/>
-          <p:cNvSpPr>
-            <a:spLocks noGrp="1"/>
-          </p:cNvSpPr>
-          <p:nvPr>
-            <p:ph idx="1"/>
-          </p:nvPr>
-        </p:nvSpPr>
-        <p:spPr/>
-        <p:txBody>
-          <a:bodyPr/>
-          <a:lstStyle/>
-          <a:p>
-            <a:r>
-              <a:rPr lang="fr-FR" dirty="0" smtClean="0">
-                <a:solidFill>
-                  <a:srgbClr val="FFC000"/>
-                </a:solidFill>
-              </a:rPr>
-              <a:t>Faire des tests utilisateurs sur la 1</a:t>
-            </a:r>
-            <a:r>
-              <a:rPr lang="fr-FR" baseline="30000" dirty="0" smtClean="0">
-                <a:solidFill>
-                  <a:srgbClr val="FFC000"/>
-                </a:solidFill>
-              </a:rPr>
-              <a:t>ère</a:t>
-            </a:r>
-            <a:r>
-              <a:rPr lang="fr-FR" dirty="0" smtClean="0">
-                <a:solidFill>
-                  <a:srgbClr val="FFC000"/>
-                </a:solidFill>
-              </a:rPr>
-              <a:t> version fonctionnelle</a:t>
-            </a:r>
-          </a:p>
-          <a:p>
-            <a:r>
-              <a:rPr lang="fr-FR" dirty="0" smtClean="0">
-                <a:solidFill>
-                  <a:srgbClr val="FFC000"/>
-                </a:solidFill>
-              </a:rPr>
-              <a:t>Faire une deuxième itération intégrant les remarques des utilisateurs</a:t>
-            </a:r>
-          </a:p>
-          <a:p>
-            <a:r>
-              <a:rPr lang="fr-FR" dirty="0" smtClean="0">
-                <a:solidFill>
-                  <a:srgbClr val="FFC000"/>
-                </a:solidFill>
-              </a:rPr>
-              <a:t>Améliorer la sécurité</a:t>
-            </a:r>
-          </a:p>
-          <a:p>
-            <a:r>
-              <a:rPr lang="fr-FR" dirty="0" smtClean="0">
-                <a:solidFill>
-                  <a:srgbClr val="FFC000"/>
-                </a:solidFill>
-              </a:rPr>
-              <a:t>Automatisation des tests fonctionnels</a:t>
-            </a:r>
-          </a:p>
-          <a:p>
-            <a:r>
-              <a:rPr lang="fr-FR" dirty="0" smtClean="0">
-                <a:solidFill>
-                  <a:srgbClr val="FFC000"/>
-                </a:solidFill>
-              </a:rPr>
-              <a:t>Authentification CAS</a:t>
-            </a:r>
-          </a:p>
-          <a:p>
-            <a:endParaRPr lang="fr-FR" dirty="0"/>
           </a:p>
         </p:txBody>
       </p:sp>
@@ -8194,6 +8145,525 @@
             <a:endParaRPr lang="fr-FR" b="1" dirty="0">
               <a:solidFill>
                 <a:schemeClr val="bg1"/>
+              </a:solidFill>
+            </a:endParaRPr>
+          </a:p>
+        </p:txBody>
+      </p:sp>
+      <p:pic>
+        <p:nvPicPr>
+          <p:cNvPr id="8" name="Image 7" descr="1393855671_Database_3.png"/>
+          <p:cNvPicPr>
+            <a:picLocks noChangeAspect="1"/>
+          </p:cNvPicPr>
+          <p:nvPr/>
+        </p:nvPicPr>
+        <p:blipFill>
+          <a:blip r:embed="rId3" cstate="print">
+            <a:grayscl/>
+          </a:blip>
+          <a:stretch>
+            <a:fillRect/>
+          </a:stretch>
+        </p:blipFill>
+        <p:spPr>
+          <a:xfrm>
+            <a:off x="5652120" y="3429000"/>
+            <a:ext cx="936104" cy="936104"/>
+          </a:xfrm>
+          <a:prstGeom prst="rect">
+            <a:avLst/>
+          </a:prstGeom>
+        </p:spPr>
+      </p:pic>
+      <p:pic>
+        <p:nvPicPr>
+          <p:cNvPr id="9" name="Image 8" descr="1393855686_dedicated_server.png"/>
+          <p:cNvPicPr>
+            <a:picLocks noChangeAspect="1"/>
+          </p:cNvPicPr>
+          <p:nvPr/>
+        </p:nvPicPr>
+        <p:blipFill>
+          <a:blip r:embed="rId4" cstate="print">
+            <a:grayscl/>
+          </a:blip>
+          <a:stretch>
+            <a:fillRect/>
+          </a:stretch>
+        </p:blipFill>
+        <p:spPr>
+          <a:xfrm>
+            <a:off x="6156176" y="2996952"/>
+            <a:ext cx="1368152" cy="1368152"/>
+          </a:xfrm>
+          <a:prstGeom prst="rect">
+            <a:avLst/>
+          </a:prstGeom>
+        </p:spPr>
+      </p:pic>
+      <p:pic>
+        <p:nvPicPr>
+          <p:cNvPr id="12" name="Image 11" descr="ordinateur-moniteur-ecran-icone-8084-128.png"/>
+          <p:cNvPicPr>
+            <a:picLocks noChangeAspect="1"/>
+          </p:cNvPicPr>
+          <p:nvPr/>
+        </p:nvPicPr>
+        <p:blipFill>
+          <a:blip r:embed="rId5" cstate="print">
+            <a:grayscl/>
+          </a:blip>
+          <a:stretch>
+            <a:fillRect/>
+          </a:stretch>
+        </p:blipFill>
+        <p:spPr>
+          <a:xfrm>
+            <a:off x="2411760" y="2492896"/>
+            <a:ext cx="1440160" cy="1440160"/>
+          </a:xfrm>
+          <a:prstGeom prst="rect">
+            <a:avLst/>
+          </a:prstGeom>
+        </p:spPr>
+      </p:pic>
+      <p:pic>
+        <p:nvPicPr>
+          <p:cNvPr id="13" name="Image 12" descr="500px-Ruby_on_Rails.svg.png"/>
+          <p:cNvPicPr>
+            <a:picLocks noChangeAspect="1"/>
+          </p:cNvPicPr>
+          <p:nvPr/>
+        </p:nvPicPr>
+        <p:blipFill>
+          <a:blip r:embed="rId6" cstate="print"/>
+          <a:stretch>
+            <a:fillRect/>
+          </a:stretch>
+        </p:blipFill>
+        <p:spPr>
+          <a:xfrm>
+            <a:off x="8244408" y="3212976"/>
+            <a:ext cx="722302" cy="936104"/>
+          </a:xfrm>
+          <a:prstGeom prst="rect">
+            <a:avLst/>
+          </a:prstGeom>
+        </p:spPr>
+      </p:pic>
+      <p:pic>
+        <p:nvPicPr>
+          <p:cNvPr id="14" name="Image 13" descr="css3-logo.jpg"/>
+          <p:cNvPicPr>
+            <a:picLocks noChangeAspect="1"/>
+          </p:cNvPicPr>
+          <p:nvPr/>
+        </p:nvPicPr>
+        <p:blipFill>
+          <a:blip r:embed="rId7" cstate="print">
+            <a:clrChange>
+              <a:clrFrom>
+                <a:srgbClr val="FFFFFF"/>
+              </a:clrFrom>
+              <a:clrTo>
+                <a:srgbClr val="FFFFFF">
+                  <a:alpha val="0"/>
+                </a:srgbClr>
+              </a:clrTo>
+            </a:clrChange>
+          </a:blip>
+          <a:stretch>
+            <a:fillRect/>
+          </a:stretch>
+        </p:blipFill>
+        <p:spPr>
+          <a:xfrm>
+            <a:off x="251520" y="3212976"/>
+            <a:ext cx="1440160" cy="720080"/>
+          </a:xfrm>
+          <a:prstGeom prst="rect">
+            <a:avLst/>
+          </a:prstGeom>
+        </p:spPr>
+      </p:pic>
+      <p:pic>
+        <p:nvPicPr>
+          <p:cNvPr id="15" name="Image 14" descr="HTML5_Logo_512.png"/>
+          <p:cNvPicPr>
+            <a:picLocks noChangeAspect="1"/>
+          </p:cNvPicPr>
+          <p:nvPr/>
+        </p:nvPicPr>
+        <p:blipFill>
+          <a:blip r:embed="rId8" cstate="print"/>
+          <a:stretch>
+            <a:fillRect/>
+          </a:stretch>
+        </p:blipFill>
+        <p:spPr>
+          <a:xfrm>
+            <a:off x="179512" y="3284984"/>
+            <a:ext cx="576064" cy="576064"/>
+          </a:xfrm>
+          <a:prstGeom prst="rect">
+            <a:avLst/>
+          </a:prstGeom>
+        </p:spPr>
+      </p:pic>
+      <p:pic>
+        <p:nvPicPr>
+          <p:cNvPr id="16" name="Image 15" descr="ajax-jquery.png"/>
+          <p:cNvPicPr>
+            <a:picLocks noChangeAspect="1"/>
+          </p:cNvPicPr>
+          <p:nvPr/>
+        </p:nvPicPr>
+        <p:blipFill>
+          <a:blip r:embed="rId9" cstate="print"/>
+          <a:srcRect r="38655"/>
+          <a:stretch>
+            <a:fillRect/>
+          </a:stretch>
+        </p:blipFill>
+        <p:spPr>
+          <a:xfrm>
+            <a:off x="179512" y="3933057"/>
+            <a:ext cx="1656184" cy="486538"/>
+          </a:xfrm>
+          <a:prstGeom prst="rect">
+            <a:avLst/>
+          </a:prstGeom>
+        </p:spPr>
+      </p:pic>
+      <p:pic>
+        <p:nvPicPr>
+          <p:cNvPr id="17" name="Image 16" descr="ajax-jquery.png"/>
+          <p:cNvPicPr>
+            <a:picLocks noChangeAspect="1"/>
+          </p:cNvPicPr>
+          <p:nvPr/>
+        </p:nvPicPr>
+        <p:blipFill>
+          <a:blip r:embed="rId10" cstate="print"/>
+          <a:srcRect l="58678"/>
+          <a:stretch>
+            <a:fillRect/>
+          </a:stretch>
+        </p:blipFill>
+        <p:spPr>
+          <a:xfrm>
+            <a:off x="323528" y="4293096"/>
+            <a:ext cx="1273038" cy="504056"/>
+          </a:xfrm>
+          <a:prstGeom prst="rect">
+            <a:avLst/>
+          </a:prstGeom>
+        </p:spPr>
+      </p:pic>
+      <p:pic>
+        <p:nvPicPr>
+          <p:cNvPr id="18" name="Image 17" descr="1393856380_iphone-color.png"/>
+          <p:cNvPicPr>
+            <a:picLocks noChangeAspect="1"/>
+          </p:cNvPicPr>
+          <p:nvPr/>
+        </p:nvPicPr>
+        <p:blipFill>
+          <a:blip r:embed="rId11" cstate="print">
+            <a:grayscl/>
+          </a:blip>
+          <a:stretch>
+            <a:fillRect/>
+          </a:stretch>
+        </p:blipFill>
+        <p:spPr>
+          <a:xfrm>
+            <a:off x="2195736" y="3933056"/>
+            <a:ext cx="1219200" cy="1219200"/>
+          </a:xfrm>
+          <a:prstGeom prst="rect">
+            <a:avLst/>
+          </a:prstGeom>
+          <a:noFill/>
+          <a:ln>
+            <a:noFill/>
+          </a:ln>
+        </p:spPr>
+      </p:pic>
+      <p:pic>
+        <p:nvPicPr>
+          <p:cNvPr id="19" name="Image 18" descr="1393856262_android-phone.png"/>
+          <p:cNvPicPr>
+            <a:picLocks noChangeAspect="1"/>
+          </p:cNvPicPr>
+          <p:nvPr/>
+        </p:nvPicPr>
+        <p:blipFill>
+          <a:blip r:embed="rId12" cstate="print">
+            <a:grayscl/>
+          </a:blip>
+          <a:stretch>
+            <a:fillRect/>
+          </a:stretch>
+        </p:blipFill>
+        <p:spPr>
+          <a:xfrm>
+            <a:off x="2555776" y="4077072"/>
+            <a:ext cx="1219200" cy="1219200"/>
+          </a:xfrm>
+          <a:prstGeom prst="rect">
+            <a:avLst/>
+          </a:prstGeom>
+          <a:noFill/>
+          <a:ln>
+            <a:noFill/>
+          </a:ln>
+        </p:spPr>
+      </p:pic>
+      <p:pic>
+        <p:nvPicPr>
+          <p:cNvPr id="21" name="Image 20" descr="bootstrap.jpg"/>
+          <p:cNvPicPr>
+            <a:picLocks noChangeAspect="1"/>
+          </p:cNvPicPr>
+          <p:nvPr/>
+        </p:nvPicPr>
+        <p:blipFill>
+          <a:blip r:embed="rId13" cstate="print"/>
+          <a:stretch>
+            <a:fillRect/>
+          </a:stretch>
+        </p:blipFill>
+        <p:spPr>
+          <a:xfrm>
+            <a:off x="1259632" y="3284984"/>
+            <a:ext cx="576064" cy="576064"/>
+          </a:xfrm>
+          <a:prstGeom prst="rect">
+            <a:avLst/>
+          </a:prstGeom>
+        </p:spPr>
+      </p:pic>
+      <p:sp>
+        <p:nvSpPr>
+          <p:cNvPr id="22" name="ZoneTexte 21"/>
+          <p:cNvSpPr txBox="1"/>
+          <p:nvPr/>
+        </p:nvSpPr>
+        <p:spPr>
+          <a:xfrm>
+            <a:off x="2339752" y="1844824"/>
+            <a:ext cx="1224136" cy="523220"/>
+          </a:xfrm>
+          <a:prstGeom prst="rect">
+            <a:avLst/>
+          </a:prstGeom>
+          <a:noFill/>
+        </p:spPr>
+        <p:txBody>
+          <a:bodyPr wrap="square" rtlCol="0">
+            <a:spAutoFit/>
+          </a:bodyPr>
+          <a:lstStyle/>
+          <a:p>
+            <a:r>
+              <a:rPr lang="fr-FR" sz="2800" dirty="0" smtClean="0">
+                <a:solidFill>
+                  <a:srgbClr val="FFC000"/>
+                </a:solidFill>
+              </a:rPr>
+              <a:t>Clients</a:t>
+            </a:r>
+            <a:endParaRPr lang="fr-FR" dirty="0">
+              <a:solidFill>
+                <a:srgbClr val="FFC000"/>
+              </a:solidFill>
+            </a:endParaRPr>
+          </a:p>
+        </p:txBody>
+      </p:sp>
+      <p:sp>
+        <p:nvSpPr>
+          <p:cNvPr id="23" name="ZoneTexte 22"/>
+          <p:cNvSpPr txBox="1"/>
+          <p:nvPr/>
+        </p:nvSpPr>
+        <p:spPr>
+          <a:xfrm>
+            <a:off x="6084168" y="1844824"/>
+            <a:ext cx="1440160" cy="523220"/>
+          </a:xfrm>
+          <a:prstGeom prst="rect">
+            <a:avLst/>
+          </a:prstGeom>
+          <a:noFill/>
+        </p:spPr>
+        <p:txBody>
+          <a:bodyPr wrap="square" rtlCol="0">
+            <a:spAutoFit/>
+          </a:bodyPr>
+          <a:lstStyle/>
+          <a:p>
+            <a:r>
+              <a:rPr lang="fr-FR" sz="2800" dirty="0" smtClean="0">
+                <a:solidFill>
+                  <a:srgbClr val="FFC000"/>
+                </a:solidFill>
+              </a:rPr>
+              <a:t>Serveur</a:t>
+            </a:r>
+            <a:endParaRPr lang="fr-FR" dirty="0">
+              <a:solidFill>
+                <a:srgbClr val="FFC000"/>
+              </a:solidFill>
+            </a:endParaRPr>
+          </a:p>
+        </p:txBody>
+      </p:sp>
+      <p:cxnSp>
+        <p:nvCxnSpPr>
+          <p:cNvPr id="25" name="Connecteur droit avec flèche 24"/>
+          <p:cNvCxnSpPr/>
+          <p:nvPr/>
+        </p:nvCxnSpPr>
+        <p:spPr>
+          <a:xfrm>
+            <a:off x="3995936" y="3717032"/>
+            <a:ext cx="1584176" cy="0"/>
+          </a:xfrm>
+          <a:prstGeom prst="straightConnector1">
+            <a:avLst/>
+          </a:prstGeom>
+          <a:ln w="38100">
+            <a:solidFill>
+              <a:srgbClr val="FFC000"/>
+            </a:solidFill>
+            <a:tailEnd type="arrow"/>
+          </a:ln>
+        </p:spPr>
+        <p:style>
+          <a:lnRef idx="1">
+            <a:schemeClr val="accent1"/>
+          </a:lnRef>
+          <a:fillRef idx="0">
+            <a:schemeClr val="accent1"/>
+          </a:fillRef>
+          <a:effectRef idx="0">
+            <a:schemeClr val="accent1"/>
+          </a:effectRef>
+          <a:fontRef idx="minor">
+            <a:schemeClr val="tx1"/>
+          </a:fontRef>
+        </p:style>
+      </p:cxnSp>
+      <p:cxnSp>
+        <p:nvCxnSpPr>
+          <p:cNvPr id="27" name="Connecteur droit avec flèche 26"/>
+          <p:cNvCxnSpPr/>
+          <p:nvPr/>
+        </p:nvCxnSpPr>
+        <p:spPr>
+          <a:xfrm flipH="1">
+            <a:off x="3995936" y="4005064"/>
+            <a:ext cx="1584176" cy="0"/>
+          </a:xfrm>
+          <a:prstGeom prst="straightConnector1">
+            <a:avLst/>
+          </a:prstGeom>
+          <a:ln w="38100">
+            <a:solidFill>
+              <a:srgbClr val="FFC000"/>
+            </a:solidFill>
+            <a:tailEnd type="arrow"/>
+          </a:ln>
+        </p:spPr>
+        <p:style>
+          <a:lnRef idx="1">
+            <a:schemeClr val="accent1"/>
+          </a:lnRef>
+          <a:fillRef idx="0">
+            <a:schemeClr val="accent1"/>
+          </a:fillRef>
+          <a:effectRef idx="0">
+            <a:schemeClr val="accent1"/>
+          </a:effectRef>
+          <a:fontRef idx="minor">
+            <a:schemeClr val="tx1"/>
+          </a:fontRef>
+        </p:style>
+      </p:cxnSp>
+      <p:sp>
+        <p:nvSpPr>
+          <p:cNvPr id="33" name="ZoneTexte 32"/>
+          <p:cNvSpPr txBox="1"/>
+          <p:nvPr/>
+        </p:nvSpPr>
+        <p:spPr>
+          <a:xfrm>
+            <a:off x="4139952" y="3284984"/>
+            <a:ext cx="1440160" cy="307777"/>
+          </a:xfrm>
+          <a:prstGeom prst="rect">
+            <a:avLst/>
+          </a:prstGeom>
+          <a:noFill/>
+        </p:spPr>
+        <p:txBody>
+          <a:bodyPr wrap="square" rtlCol="0">
+            <a:spAutoFit/>
+          </a:bodyPr>
+          <a:lstStyle/>
+          <a:p>
+            <a:r>
+              <a:rPr lang="fr-FR" sz="1400" dirty="0" smtClean="0">
+                <a:solidFill>
+                  <a:srgbClr val="FFC000"/>
+                </a:solidFill>
+              </a:rPr>
+              <a:t>Requête REST</a:t>
+            </a:r>
+            <a:endParaRPr lang="fr-FR" sz="1050" dirty="0">
+              <a:solidFill>
+                <a:srgbClr val="FFC000"/>
+              </a:solidFill>
+            </a:endParaRPr>
+          </a:p>
+        </p:txBody>
+      </p:sp>
+      <p:sp>
+        <p:nvSpPr>
+          <p:cNvPr id="34" name="ZoneTexte 33"/>
+          <p:cNvSpPr txBox="1"/>
+          <p:nvPr/>
+        </p:nvSpPr>
+        <p:spPr>
+          <a:xfrm>
+            <a:off x="4283968" y="4149080"/>
+            <a:ext cx="1440160" cy="307777"/>
+          </a:xfrm>
+          <a:prstGeom prst="rect">
+            <a:avLst/>
+          </a:prstGeom>
+          <a:noFill/>
+        </p:spPr>
+        <p:txBody>
+          <a:bodyPr wrap="square" rtlCol="0">
+            <a:spAutoFit/>
+          </a:bodyPr>
+          <a:lstStyle/>
+          <a:p>
+            <a:r>
+              <a:rPr lang="fr-FR" sz="1400" dirty="0" smtClean="0">
+                <a:solidFill>
+                  <a:srgbClr val="FFC000"/>
+                </a:solidFill>
+              </a:rPr>
+              <a:t>Page HTML</a:t>
+            </a:r>
+            <a:endParaRPr lang="fr-FR" sz="1400" dirty="0">
+              <a:solidFill>
+                <a:srgbClr val="FFC000"/>
               </a:solidFill>
             </a:endParaRPr>
           </a:p>
@@ -8586,7 +9056,7 @@
                   <a:schemeClr val="bg1"/>
                 </a:solidFill>
               </a:rPr>
-              <a:t>Conclusion</a:t>
+              <a:t>Notre démarche</a:t>
             </a:r>
             <a:endParaRPr lang="fr-FR" dirty="0">
               <a:solidFill>
@@ -8598,25 +9068,6 @@
       </p:sp>
       <p:sp>
         <p:nvSpPr>
-          <p:cNvPr id="3" name="Espace réservé du contenu 2"/>
-          <p:cNvSpPr>
-            <a:spLocks noGrp="1"/>
-          </p:cNvSpPr>
-          <p:nvPr>
-            <p:ph idx="1"/>
-          </p:nvPr>
-        </p:nvSpPr>
-        <p:spPr/>
-        <p:txBody>
-          <a:bodyPr/>
-          <a:lstStyle/>
-          <a:p>
-            <a:endParaRPr lang="fr-FR"/>
-          </a:p>
-        </p:txBody>
-      </p:sp>
-      <p:sp>
-        <p:nvSpPr>
           <p:cNvPr id="5" name="Espace réservé du numéro de diapositive 4"/>
           <p:cNvSpPr>
             <a:spLocks noGrp="1"/>
@@ -8638,6 +9089,2213 @@
               </a:rPr>
               <a:pPr/>
               <a:t>20</a:t>
+            </a:fld>
+            <a:endParaRPr lang="fr-FR" b="1" dirty="0">
+              <a:solidFill>
+                <a:schemeClr val="bg1"/>
+              </a:solidFill>
+            </a:endParaRPr>
+          </a:p>
+        </p:txBody>
+      </p:sp>
+      <p:sp>
+        <p:nvSpPr>
+          <p:cNvPr id="6" name="Espace réservé du pied de page 5"/>
+          <p:cNvSpPr>
+            <a:spLocks noGrp="1"/>
+          </p:cNvSpPr>
+          <p:nvPr>
+            <p:ph type="ftr" sz="quarter" idx="11"/>
+          </p:nvPr>
+        </p:nvSpPr>
+        <p:spPr>
+          <a:xfrm>
+            <a:off x="1475656" y="6356350"/>
+            <a:ext cx="6264696" cy="501650"/>
+          </a:xfrm>
+        </p:spPr>
+        <p:txBody>
+          <a:bodyPr/>
+          <a:lstStyle/>
+          <a:p>
+            <a:r>
+              <a:rPr lang="fr-FR" b="1" dirty="0" smtClean="0">
+                <a:solidFill>
+                  <a:schemeClr val="bg1"/>
+                </a:solidFill>
+              </a:rPr>
+              <a:t>Gestion des emprunts de matériels - Alexis LAURENT, Suzy PAETA &amp; Romain ROUFAST</a:t>
+            </a:r>
+            <a:endParaRPr lang="fr-FR" b="1" dirty="0">
+              <a:solidFill>
+                <a:schemeClr val="bg1"/>
+              </a:solidFill>
+            </a:endParaRPr>
+          </a:p>
+        </p:txBody>
+      </p:sp>
+      <p:sp>
+        <p:nvSpPr>
+          <p:cNvPr id="8" name="ZoneTexte 7"/>
+          <p:cNvSpPr txBox="1"/>
+          <p:nvPr/>
+        </p:nvSpPr>
+        <p:spPr>
+          <a:xfrm>
+            <a:off x="395536" y="3068960"/>
+            <a:ext cx="2088232" cy="954107"/>
+          </a:xfrm>
+          <a:prstGeom prst="rect">
+            <a:avLst/>
+          </a:prstGeom>
+          <a:noFill/>
+        </p:spPr>
+        <p:txBody>
+          <a:bodyPr wrap="square" rtlCol="0">
+            <a:spAutoFit/>
+          </a:bodyPr>
+          <a:lstStyle/>
+          <a:p>
+            <a:r>
+              <a:rPr lang="fr-FR" sz="2800" dirty="0" smtClean="0">
+                <a:solidFill>
+                  <a:srgbClr val="FFC000"/>
+                </a:solidFill>
+              </a:rPr>
+              <a:t>Analyse Utilisateurs</a:t>
+            </a:r>
+            <a:endParaRPr lang="fr-FR" dirty="0">
+              <a:solidFill>
+                <a:srgbClr val="FFC000"/>
+              </a:solidFill>
+            </a:endParaRPr>
+          </a:p>
+        </p:txBody>
+      </p:sp>
+      <p:sp>
+        <p:nvSpPr>
+          <p:cNvPr id="9" name="ZoneTexte 8"/>
+          <p:cNvSpPr txBox="1"/>
+          <p:nvPr/>
+        </p:nvSpPr>
+        <p:spPr>
+          <a:xfrm>
+            <a:off x="3203848" y="3212976"/>
+            <a:ext cx="2088232" cy="523220"/>
+          </a:xfrm>
+          <a:prstGeom prst="rect">
+            <a:avLst/>
+          </a:prstGeom>
+          <a:noFill/>
+        </p:spPr>
+        <p:txBody>
+          <a:bodyPr wrap="square" rtlCol="0">
+            <a:spAutoFit/>
+          </a:bodyPr>
+          <a:lstStyle/>
+          <a:p>
+            <a:r>
+              <a:rPr lang="fr-FR" sz="2800" dirty="0" smtClean="0">
+                <a:solidFill>
+                  <a:srgbClr val="FFC000"/>
+                </a:solidFill>
+              </a:rPr>
+              <a:t>Conception</a:t>
+            </a:r>
+            <a:endParaRPr lang="fr-FR" dirty="0">
+              <a:solidFill>
+                <a:srgbClr val="FFC000"/>
+              </a:solidFill>
+            </a:endParaRPr>
+          </a:p>
+        </p:txBody>
+      </p:sp>
+      <p:sp>
+        <p:nvSpPr>
+          <p:cNvPr id="10" name="ZoneTexte 9"/>
+          <p:cNvSpPr txBox="1"/>
+          <p:nvPr/>
+        </p:nvSpPr>
+        <p:spPr>
+          <a:xfrm>
+            <a:off x="6335688" y="2276872"/>
+            <a:ext cx="2808312" cy="523220"/>
+          </a:xfrm>
+          <a:prstGeom prst="rect">
+            <a:avLst/>
+          </a:prstGeom>
+          <a:noFill/>
+        </p:spPr>
+        <p:txBody>
+          <a:bodyPr wrap="square" rtlCol="0">
+            <a:spAutoFit/>
+          </a:bodyPr>
+          <a:lstStyle/>
+          <a:p>
+            <a:r>
+              <a:rPr lang="fr-FR" sz="2800" dirty="0" smtClean="0">
+                <a:solidFill>
+                  <a:srgbClr val="FFC000"/>
+                </a:solidFill>
+              </a:rPr>
+              <a:t>Implémentation</a:t>
+            </a:r>
+            <a:endParaRPr lang="fr-FR" dirty="0">
+              <a:solidFill>
+                <a:srgbClr val="FFC000"/>
+              </a:solidFill>
+            </a:endParaRPr>
+          </a:p>
+        </p:txBody>
+      </p:sp>
+      <p:sp>
+        <p:nvSpPr>
+          <p:cNvPr id="11" name="ZoneTexte 10"/>
+          <p:cNvSpPr txBox="1"/>
+          <p:nvPr/>
+        </p:nvSpPr>
+        <p:spPr>
+          <a:xfrm>
+            <a:off x="6300192" y="4293096"/>
+            <a:ext cx="2808312" cy="523220"/>
+          </a:xfrm>
+          <a:prstGeom prst="rect">
+            <a:avLst/>
+          </a:prstGeom>
+          <a:noFill/>
+        </p:spPr>
+        <p:txBody>
+          <a:bodyPr wrap="square" rtlCol="0">
+            <a:spAutoFit/>
+          </a:bodyPr>
+          <a:lstStyle/>
+          <a:p>
+            <a:r>
+              <a:rPr lang="fr-FR" sz="2800" b="1" dirty="0" smtClean="0">
+                <a:solidFill>
+                  <a:schemeClr val="accent6">
+                    <a:lumMod val="75000"/>
+                  </a:schemeClr>
+                </a:solidFill>
+              </a:rPr>
+              <a:t>Tests utilisateurs</a:t>
+            </a:r>
+            <a:endParaRPr lang="fr-FR" b="1" dirty="0">
+              <a:solidFill>
+                <a:schemeClr val="accent6">
+                  <a:lumMod val="75000"/>
+                </a:schemeClr>
+              </a:solidFill>
+            </a:endParaRPr>
+          </a:p>
+        </p:txBody>
+      </p:sp>
+      <p:cxnSp>
+        <p:nvCxnSpPr>
+          <p:cNvPr id="12" name="Connecteur droit avec flèche 11"/>
+          <p:cNvCxnSpPr/>
+          <p:nvPr/>
+        </p:nvCxnSpPr>
+        <p:spPr>
+          <a:xfrm>
+            <a:off x="2267744" y="3501008"/>
+            <a:ext cx="792088" cy="0"/>
+          </a:xfrm>
+          <a:prstGeom prst="straightConnector1">
+            <a:avLst/>
+          </a:prstGeom>
+          <a:ln w="38100">
+            <a:solidFill>
+              <a:srgbClr val="FFC000"/>
+            </a:solidFill>
+            <a:tailEnd type="arrow"/>
+          </a:ln>
+        </p:spPr>
+        <p:style>
+          <a:lnRef idx="1">
+            <a:schemeClr val="accent1"/>
+          </a:lnRef>
+          <a:fillRef idx="0">
+            <a:schemeClr val="accent1"/>
+          </a:fillRef>
+          <a:effectRef idx="0">
+            <a:schemeClr val="accent1"/>
+          </a:effectRef>
+          <a:fontRef idx="minor">
+            <a:schemeClr val="tx1"/>
+          </a:fontRef>
+        </p:style>
+      </p:cxnSp>
+      <p:cxnSp>
+        <p:nvCxnSpPr>
+          <p:cNvPr id="14" name="Connecteur droit avec flèche 13"/>
+          <p:cNvCxnSpPr/>
+          <p:nvPr/>
+        </p:nvCxnSpPr>
+        <p:spPr>
+          <a:xfrm flipV="1">
+            <a:off x="5076056" y="2564904"/>
+            <a:ext cx="1008112" cy="746502"/>
+          </a:xfrm>
+          <a:prstGeom prst="straightConnector1">
+            <a:avLst/>
+          </a:prstGeom>
+          <a:ln w="38100">
+            <a:solidFill>
+              <a:srgbClr val="FFC000"/>
+            </a:solidFill>
+            <a:tailEnd type="arrow"/>
+          </a:ln>
+        </p:spPr>
+        <p:style>
+          <a:lnRef idx="1">
+            <a:schemeClr val="accent1"/>
+          </a:lnRef>
+          <a:fillRef idx="0">
+            <a:schemeClr val="accent1"/>
+          </a:fillRef>
+          <a:effectRef idx="0">
+            <a:schemeClr val="accent1"/>
+          </a:effectRef>
+          <a:fontRef idx="minor">
+            <a:schemeClr val="tx1"/>
+          </a:fontRef>
+        </p:style>
+      </p:cxnSp>
+      <p:cxnSp>
+        <p:nvCxnSpPr>
+          <p:cNvPr id="17" name="Connecteur droit avec flèche 16"/>
+          <p:cNvCxnSpPr/>
+          <p:nvPr/>
+        </p:nvCxnSpPr>
+        <p:spPr>
+          <a:xfrm>
+            <a:off x="7452320" y="2852936"/>
+            <a:ext cx="0" cy="1152128"/>
+          </a:xfrm>
+          <a:prstGeom prst="straightConnector1">
+            <a:avLst/>
+          </a:prstGeom>
+          <a:ln w="38100">
+            <a:solidFill>
+              <a:srgbClr val="FFC000"/>
+            </a:solidFill>
+            <a:tailEnd type="arrow"/>
+          </a:ln>
+        </p:spPr>
+        <p:style>
+          <a:lnRef idx="1">
+            <a:schemeClr val="accent1"/>
+          </a:lnRef>
+          <a:fillRef idx="0">
+            <a:schemeClr val="accent1"/>
+          </a:fillRef>
+          <a:effectRef idx="0">
+            <a:schemeClr val="accent1"/>
+          </a:effectRef>
+          <a:fontRef idx="minor">
+            <a:schemeClr val="tx1"/>
+          </a:fontRef>
+        </p:style>
+      </p:cxnSp>
+      <p:cxnSp>
+        <p:nvCxnSpPr>
+          <p:cNvPr id="20" name="Connecteur droit avec flèche 19"/>
+          <p:cNvCxnSpPr/>
+          <p:nvPr/>
+        </p:nvCxnSpPr>
+        <p:spPr>
+          <a:xfrm flipH="1" flipV="1">
+            <a:off x="5004048" y="3789040"/>
+            <a:ext cx="1080120" cy="864096"/>
+          </a:xfrm>
+          <a:prstGeom prst="straightConnector1">
+            <a:avLst/>
+          </a:prstGeom>
+          <a:ln w="38100">
+            <a:solidFill>
+              <a:srgbClr val="FFC000"/>
+            </a:solidFill>
+            <a:tailEnd type="arrow"/>
+          </a:ln>
+        </p:spPr>
+        <p:style>
+          <a:lnRef idx="1">
+            <a:schemeClr val="accent1"/>
+          </a:lnRef>
+          <a:fillRef idx="0">
+            <a:schemeClr val="accent1"/>
+          </a:fillRef>
+          <a:effectRef idx="0">
+            <a:schemeClr val="accent1"/>
+          </a:effectRef>
+          <a:fontRef idx="minor">
+            <a:schemeClr val="tx1"/>
+          </a:fontRef>
+        </p:style>
+      </p:cxnSp>
+    </p:spTree>
+  </p:cSld>
+  <p:clrMapOvr>
+    <a:masterClrMapping/>
+  </p:clrMapOvr>
+  <p:timing>
+    <p:tnLst>
+      <p:par>
+        <p:cTn id="1" dur="indefinite" restart="never" nodeType="tmRoot"/>
+      </p:par>
+    </p:tnLst>
+  </p:timing>
+</p:sld>
+</file>
+
+<file path=ppt/slides/slide21.xml><?xml version="1.0" encoding="utf-8"?>
+<p:sld xmlns:a="http://schemas.openxmlformats.org/drawingml/2006/main" xmlns:r="http://schemas.openxmlformats.org/officeDocument/2006/relationships" xmlns:p="http://schemas.openxmlformats.org/presentationml/2006/main">
+  <p:cSld>
+    <p:spTree>
+      <p:nvGrpSpPr>
+        <p:cNvPr id="1" name=""/>
+        <p:cNvGrpSpPr/>
+        <p:nvPr/>
+      </p:nvGrpSpPr>
+      <p:grpSpPr>
+        <a:xfrm>
+          <a:off x="0" y="0"/>
+          <a:ext cx="0" cy="0"/>
+          <a:chOff x="0" y="0"/>
+          <a:chExt cx="0" cy="0"/>
+        </a:xfrm>
+      </p:grpSpPr>
+      <p:sp>
+        <p:nvSpPr>
+          <p:cNvPr id="7" name="Rectangle 6"/>
+          <p:cNvSpPr/>
+          <p:nvPr/>
+        </p:nvSpPr>
+        <p:spPr>
+          <a:xfrm>
+            <a:off x="0" y="6309320"/>
+            <a:ext cx="9144000" cy="548680"/>
+          </a:xfrm>
+          <a:prstGeom prst="rect">
+            <a:avLst/>
+          </a:prstGeom>
+          <a:solidFill>
+            <a:srgbClr val="FFC000"/>
+          </a:solidFill>
+          <a:ln>
+            <a:noFill/>
+          </a:ln>
+        </p:spPr>
+        <p:style>
+          <a:lnRef idx="2">
+            <a:schemeClr val="accent1">
+              <a:shade val="50000"/>
+            </a:schemeClr>
+          </a:lnRef>
+          <a:fillRef idx="1">
+            <a:schemeClr val="accent1"/>
+          </a:fillRef>
+          <a:effectRef idx="0">
+            <a:schemeClr val="accent1"/>
+          </a:effectRef>
+          <a:fontRef idx="minor">
+            <a:schemeClr val="lt1"/>
+          </a:fontRef>
+        </p:style>
+        <p:txBody>
+          <a:bodyPr rtlCol="0" anchor="ctr"/>
+          <a:lstStyle/>
+          <a:p>
+            <a:pPr algn="ctr"/>
+            <a:endParaRPr lang="fr-FR"/>
+          </a:p>
+        </p:txBody>
+      </p:sp>
+      <p:sp>
+        <p:nvSpPr>
+          <p:cNvPr id="4" name="Rectangle 3"/>
+          <p:cNvSpPr/>
+          <p:nvPr/>
+        </p:nvSpPr>
+        <p:spPr>
+          <a:xfrm>
+            <a:off x="0" y="0"/>
+            <a:ext cx="9144000" cy="1556792"/>
+          </a:xfrm>
+          <a:prstGeom prst="rect">
+            <a:avLst/>
+          </a:prstGeom>
+          <a:solidFill>
+            <a:srgbClr val="FFC000"/>
+          </a:solidFill>
+          <a:ln>
+            <a:noFill/>
+          </a:ln>
+        </p:spPr>
+        <p:style>
+          <a:lnRef idx="2">
+            <a:schemeClr val="accent1">
+              <a:shade val="50000"/>
+            </a:schemeClr>
+          </a:lnRef>
+          <a:fillRef idx="1">
+            <a:schemeClr val="accent1"/>
+          </a:fillRef>
+          <a:effectRef idx="0">
+            <a:schemeClr val="accent1"/>
+          </a:effectRef>
+          <a:fontRef idx="minor">
+            <a:schemeClr val="lt1"/>
+          </a:fontRef>
+        </p:style>
+        <p:txBody>
+          <a:bodyPr rtlCol="0" anchor="ctr"/>
+          <a:lstStyle/>
+          <a:p>
+            <a:pPr algn="ctr"/>
+            <a:endParaRPr lang="fr-FR"/>
+          </a:p>
+        </p:txBody>
+      </p:sp>
+      <p:sp>
+        <p:nvSpPr>
+          <p:cNvPr id="2" name="Titre 1"/>
+          <p:cNvSpPr>
+            <a:spLocks noGrp="1"/>
+          </p:cNvSpPr>
+          <p:nvPr>
+            <p:ph type="title"/>
+          </p:nvPr>
+        </p:nvSpPr>
+        <p:spPr/>
+        <p:txBody>
+          <a:bodyPr/>
+          <a:lstStyle/>
+          <a:p>
+            <a:r>
+              <a:rPr lang="fr-FR" dirty="0" smtClean="0">
+                <a:solidFill>
+                  <a:schemeClr val="bg1"/>
+                </a:solidFill>
+              </a:rPr>
+              <a:t>Tests utilisateurs</a:t>
+            </a:r>
+            <a:endParaRPr lang="fr-FR" dirty="0">
+              <a:solidFill>
+                <a:schemeClr val="bg1"/>
+              </a:solidFill>
+            </a:endParaRPr>
+          </a:p>
+        </p:txBody>
+      </p:sp>
+      <p:sp>
+        <p:nvSpPr>
+          <p:cNvPr id="3" name="Espace réservé du contenu 2"/>
+          <p:cNvSpPr>
+            <a:spLocks noGrp="1"/>
+          </p:cNvSpPr>
+          <p:nvPr>
+            <p:ph idx="1"/>
+          </p:nvPr>
+        </p:nvSpPr>
+        <p:spPr/>
+        <p:txBody>
+          <a:bodyPr/>
+          <a:lstStyle/>
+          <a:p>
+            <a:r>
+              <a:rPr lang="fr-FR" dirty="0" smtClean="0"/>
+              <a:t>Ce qu’il aurait fallu faire</a:t>
+            </a:r>
+          </a:p>
+          <a:p>
+            <a:endParaRPr lang="fr-FR" dirty="0" smtClean="0"/>
+          </a:p>
+          <a:p>
+            <a:endParaRPr lang="fr-FR" dirty="0" smtClean="0"/>
+          </a:p>
+          <a:p>
+            <a:endParaRPr lang="fr-FR" dirty="0"/>
+          </a:p>
+        </p:txBody>
+      </p:sp>
+      <p:sp>
+        <p:nvSpPr>
+          <p:cNvPr id="5" name="Espace réservé du numéro de diapositive 4"/>
+          <p:cNvSpPr>
+            <a:spLocks noGrp="1"/>
+          </p:cNvSpPr>
+          <p:nvPr>
+            <p:ph type="sldNum" sz="quarter" idx="12"/>
+          </p:nvPr>
+        </p:nvSpPr>
+        <p:spPr/>
+        <p:txBody>
+          <a:bodyPr/>
+          <a:lstStyle/>
+          <a:p>
+            <a:fld id="{B3C63893-BC38-4EBB-829D-DE1F1D825C70}" type="slidenum">
+              <a:rPr lang="fr-FR" b="1" smtClean="0">
+                <a:solidFill>
+                  <a:schemeClr val="bg1"/>
+                </a:solidFill>
+              </a:rPr>
+              <a:pPr/>
+              <a:t>21</a:t>
+            </a:fld>
+            <a:endParaRPr lang="fr-FR" b="1" dirty="0">
+              <a:solidFill>
+                <a:schemeClr val="bg1"/>
+              </a:solidFill>
+            </a:endParaRPr>
+          </a:p>
+        </p:txBody>
+      </p:sp>
+      <p:sp>
+        <p:nvSpPr>
+          <p:cNvPr id="6" name="Espace réservé du pied de page 5"/>
+          <p:cNvSpPr>
+            <a:spLocks noGrp="1"/>
+          </p:cNvSpPr>
+          <p:nvPr>
+            <p:ph type="ftr" sz="quarter" idx="11"/>
+          </p:nvPr>
+        </p:nvSpPr>
+        <p:spPr>
+          <a:xfrm>
+            <a:off x="1475656" y="6356350"/>
+            <a:ext cx="6264696" cy="501650"/>
+          </a:xfrm>
+        </p:spPr>
+        <p:txBody>
+          <a:bodyPr/>
+          <a:lstStyle/>
+          <a:p>
+            <a:r>
+              <a:rPr lang="fr-FR" b="1" dirty="0" smtClean="0">
+                <a:solidFill>
+                  <a:schemeClr val="bg1"/>
+                </a:solidFill>
+              </a:rPr>
+              <a:t>Gestion des emprunts de matériels - Alexis LAURENT, Suzy PAETA &amp; Romain ROUFAST</a:t>
+            </a:r>
+            <a:endParaRPr lang="fr-FR" b="1" dirty="0">
+              <a:solidFill>
+                <a:schemeClr val="bg1"/>
+              </a:solidFill>
+            </a:endParaRPr>
+          </a:p>
+        </p:txBody>
+      </p:sp>
+    </p:spTree>
+  </p:cSld>
+  <p:clrMapOvr>
+    <a:masterClrMapping/>
+  </p:clrMapOvr>
+  <p:timing>
+    <p:tnLst>
+      <p:par>
+        <p:cTn id="1" dur="indefinite" restart="never" nodeType="tmRoot"/>
+      </p:par>
+    </p:tnLst>
+  </p:timing>
+</p:sld>
+</file>
+
+<file path=ppt/slides/slide22.xml><?xml version="1.0" encoding="utf-8"?>
+<p:sld xmlns:a="http://schemas.openxmlformats.org/drawingml/2006/main" xmlns:r="http://schemas.openxmlformats.org/officeDocument/2006/relationships" xmlns:p="http://schemas.openxmlformats.org/presentationml/2006/main">
+  <p:cSld>
+    <p:spTree>
+      <p:nvGrpSpPr>
+        <p:cNvPr id="1" name=""/>
+        <p:cNvGrpSpPr/>
+        <p:nvPr/>
+      </p:nvGrpSpPr>
+      <p:grpSpPr>
+        <a:xfrm>
+          <a:off x="0" y="0"/>
+          <a:ext cx="0" cy="0"/>
+          <a:chOff x="0" y="0"/>
+          <a:chExt cx="0" cy="0"/>
+        </a:xfrm>
+      </p:grpSpPr>
+      <p:sp>
+        <p:nvSpPr>
+          <p:cNvPr id="7" name="Rectangle 6"/>
+          <p:cNvSpPr/>
+          <p:nvPr/>
+        </p:nvSpPr>
+        <p:spPr>
+          <a:xfrm>
+            <a:off x="0" y="6309320"/>
+            <a:ext cx="9144000" cy="548680"/>
+          </a:xfrm>
+          <a:prstGeom prst="rect">
+            <a:avLst/>
+          </a:prstGeom>
+          <a:solidFill>
+            <a:srgbClr val="FFC000"/>
+          </a:solidFill>
+          <a:ln>
+            <a:noFill/>
+          </a:ln>
+        </p:spPr>
+        <p:style>
+          <a:lnRef idx="2">
+            <a:schemeClr val="accent1">
+              <a:shade val="50000"/>
+            </a:schemeClr>
+          </a:lnRef>
+          <a:fillRef idx="1">
+            <a:schemeClr val="accent1"/>
+          </a:fillRef>
+          <a:effectRef idx="0">
+            <a:schemeClr val="accent1"/>
+          </a:effectRef>
+          <a:fontRef idx="minor">
+            <a:schemeClr val="lt1"/>
+          </a:fontRef>
+        </p:style>
+        <p:txBody>
+          <a:bodyPr rtlCol="0" anchor="ctr"/>
+          <a:lstStyle/>
+          <a:p>
+            <a:pPr algn="ctr"/>
+            <a:endParaRPr lang="fr-FR"/>
+          </a:p>
+        </p:txBody>
+      </p:sp>
+      <p:sp>
+        <p:nvSpPr>
+          <p:cNvPr id="4" name="Rectangle 3"/>
+          <p:cNvSpPr/>
+          <p:nvPr/>
+        </p:nvSpPr>
+        <p:spPr>
+          <a:xfrm>
+            <a:off x="0" y="0"/>
+            <a:ext cx="9144000" cy="1556792"/>
+          </a:xfrm>
+          <a:prstGeom prst="rect">
+            <a:avLst/>
+          </a:prstGeom>
+          <a:solidFill>
+            <a:srgbClr val="FFC000"/>
+          </a:solidFill>
+          <a:ln>
+            <a:noFill/>
+          </a:ln>
+        </p:spPr>
+        <p:style>
+          <a:lnRef idx="2">
+            <a:schemeClr val="accent1">
+              <a:shade val="50000"/>
+            </a:schemeClr>
+          </a:lnRef>
+          <a:fillRef idx="1">
+            <a:schemeClr val="accent1"/>
+          </a:fillRef>
+          <a:effectRef idx="0">
+            <a:schemeClr val="accent1"/>
+          </a:effectRef>
+          <a:fontRef idx="minor">
+            <a:schemeClr val="lt1"/>
+          </a:fontRef>
+        </p:style>
+        <p:txBody>
+          <a:bodyPr rtlCol="0" anchor="ctr"/>
+          <a:lstStyle/>
+          <a:p>
+            <a:pPr algn="ctr"/>
+            <a:endParaRPr lang="fr-FR"/>
+          </a:p>
+        </p:txBody>
+      </p:sp>
+      <p:sp>
+        <p:nvSpPr>
+          <p:cNvPr id="2" name="Titre 1"/>
+          <p:cNvSpPr>
+            <a:spLocks noGrp="1"/>
+          </p:cNvSpPr>
+          <p:nvPr>
+            <p:ph type="title"/>
+          </p:nvPr>
+        </p:nvSpPr>
+        <p:spPr/>
+        <p:txBody>
+          <a:bodyPr/>
+          <a:lstStyle/>
+          <a:p>
+            <a:r>
+              <a:rPr lang="fr-FR" dirty="0" smtClean="0">
+                <a:solidFill>
+                  <a:schemeClr val="bg1"/>
+                </a:solidFill>
+              </a:rPr>
+              <a:t>Résultats</a:t>
+            </a:r>
+            <a:endParaRPr lang="fr-FR" dirty="0">
+              <a:solidFill>
+                <a:schemeClr val="bg1"/>
+              </a:solidFill>
+            </a:endParaRPr>
+          </a:p>
+        </p:txBody>
+      </p:sp>
+      <p:sp>
+        <p:nvSpPr>
+          <p:cNvPr id="3" name="Espace réservé du contenu 2"/>
+          <p:cNvSpPr>
+            <a:spLocks noGrp="1"/>
+          </p:cNvSpPr>
+          <p:nvPr>
+            <p:ph idx="1"/>
+          </p:nvPr>
+        </p:nvSpPr>
+        <p:spPr/>
+        <p:txBody>
+          <a:bodyPr/>
+          <a:lstStyle/>
+          <a:p>
+            <a:endParaRPr lang="fr-FR"/>
+          </a:p>
+        </p:txBody>
+      </p:sp>
+      <p:sp>
+        <p:nvSpPr>
+          <p:cNvPr id="5" name="Espace réservé du numéro de diapositive 4"/>
+          <p:cNvSpPr>
+            <a:spLocks noGrp="1"/>
+          </p:cNvSpPr>
+          <p:nvPr>
+            <p:ph type="sldNum" sz="quarter" idx="12"/>
+          </p:nvPr>
+        </p:nvSpPr>
+        <p:spPr/>
+        <p:txBody>
+          <a:bodyPr/>
+          <a:lstStyle/>
+          <a:p>
+            <a:fld id="{B3C63893-BC38-4EBB-829D-DE1F1D825C70}" type="slidenum">
+              <a:rPr lang="fr-FR" b="1" smtClean="0">
+                <a:solidFill>
+                  <a:schemeClr val="bg1"/>
+                </a:solidFill>
+              </a:rPr>
+              <a:pPr/>
+              <a:t>22</a:t>
+            </a:fld>
+            <a:endParaRPr lang="fr-FR" b="1" dirty="0">
+              <a:solidFill>
+                <a:schemeClr val="bg1"/>
+              </a:solidFill>
+            </a:endParaRPr>
+          </a:p>
+        </p:txBody>
+      </p:sp>
+      <p:sp>
+        <p:nvSpPr>
+          <p:cNvPr id="6" name="Espace réservé du pied de page 5"/>
+          <p:cNvSpPr>
+            <a:spLocks noGrp="1"/>
+          </p:cNvSpPr>
+          <p:nvPr>
+            <p:ph type="ftr" sz="quarter" idx="11"/>
+          </p:nvPr>
+        </p:nvSpPr>
+        <p:spPr>
+          <a:xfrm>
+            <a:off x="1475656" y="6356350"/>
+            <a:ext cx="6264696" cy="501650"/>
+          </a:xfrm>
+        </p:spPr>
+        <p:txBody>
+          <a:bodyPr/>
+          <a:lstStyle/>
+          <a:p>
+            <a:r>
+              <a:rPr lang="fr-FR" b="1" dirty="0" smtClean="0">
+                <a:solidFill>
+                  <a:schemeClr val="bg1"/>
+                </a:solidFill>
+              </a:rPr>
+              <a:t>Gestion des emprunts de matériels - Alexis LAURENT, Suzy PAETA &amp; Romain ROUFAST</a:t>
+            </a:r>
+            <a:endParaRPr lang="fr-FR" b="1" dirty="0">
+              <a:solidFill>
+                <a:schemeClr val="bg1"/>
+              </a:solidFill>
+            </a:endParaRPr>
+          </a:p>
+        </p:txBody>
+      </p:sp>
+    </p:spTree>
+  </p:cSld>
+  <p:clrMapOvr>
+    <a:masterClrMapping/>
+  </p:clrMapOvr>
+  <p:timing>
+    <p:tnLst>
+      <p:par>
+        <p:cTn id="1" dur="indefinite" restart="never" nodeType="tmRoot"/>
+      </p:par>
+    </p:tnLst>
+  </p:timing>
+</p:sld>
+</file>
+
+<file path=ppt/slides/slide23.xml><?xml version="1.0" encoding="utf-8"?>
+<p:sld xmlns:a="http://schemas.openxmlformats.org/drawingml/2006/main" xmlns:r="http://schemas.openxmlformats.org/officeDocument/2006/relationships" xmlns:p="http://schemas.openxmlformats.org/presentationml/2006/main">
+  <p:cSld>
+    <p:spTree>
+      <p:nvGrpSpPr>
+        <p:cNvPr id="1" name=""/>
+        <p:cNvGrpSpPr/>
+        <p:nvPr/>
+      </p:nvGrpSpPr>
+      <p:grpSpPr>
+        <a:xfrm>
+          <a:off x="0" y="0"/>
+          <a:ext cx="0" cy="0"/>
+          <a:chOff x="0" y="0"/>
+          <a:chExt cx="0" cy="0"/>
+        </a:xfrm>
+      </p:grpSpPr>
+      <p:sp>
+        <p:nvSpPr>
+          <p:cNvPr id="7" name="Rectangle 6"/>
+          <p:cNvSpPr/>
+          <p:nvPr/>
+        </p:nvSpPr>
+        <p:spPr>
+          <a:xfrm>
+            <a:off x="0" y="6309320"/>
+            <a:ext cx="9144000" cy="548680"/>
+          </a:xfrm>
+          <a:prstGeom prst="rect">
+            <a:avLst/>
+          </a:prstGeom>
+          <a:solidFill>
+            <a:srgbClr val="FFC000"/>
+          </a:solidFill>
+          <a:ln>
+            <a:noFill/>
+          </a:ln>
+        </p:spPr>
+        <p:style>
+          <a:lnRef idx="2">
+            <a:schemeClr val="accent1">
+              <a:shade val="50000"/>
+            </a:schemeClr>
+          </a:lnRef>
+          <a:fillRef idx="1">
+            <a:schemeClr val="accent1"/>
+          </a:fillRef>
+          <a:effectRef idx="0">
+            <a:schemeClr val="accent1"/>
+          </a:effectRef>
+          <a:fontRef idx="minor">
+            <a:schemeClr val="lt1"/>
+          </a:fontRef>
+        </p:style>
+        <p:txBody>
+          <a:bodyPr rtlCol="0" anchor="ctr"/>
+          <a:lstStyle/>
+          <a:p>
+            <a:pPr algn="ctr"/>
+            <a:endParaRPr lang="fr-FR"/>
+          </a:p>
+        </p:txBody>
+      </p:sp>
+      <p:sp>
+        <p:nvSpPr>
+          <p:cNvPr id="4" name="Rectangle 3"/>
+          <p:cNvSpPr/>
+          <p:nvPr/>
+        </p:nvSpPr>
+        <p:spPr>
+          <a:xfrm>
+            <a:off x="0" y="0"/>
+            <a:ext cx="9144000" cy="1556792"/>
+          </a:xfrm>
+          <a:prstGeom prst="rect">
+            <a:avLst/>
+          </a:prstGeom>
+          <a:solidFill>
+            <a:srgbClr val="FFC000"/>
+          </a:solidFill>
+          <a:ln>
+            <a:noFill/>
+          </a:ln>
+        </p:spPr>
+        <p:style>
+          <a:lnRef idx="2">
+            <a:schemeClr val="accent1">
+              <a:shade val="50000"/>
+            </a:schemeClr>
+          </a:lnRef>
+          <a:fillRef idx="1">
+            <a:schemeClr val="accent1"/>
+          </a:fillRef>
+          <a:effectRef idx="0">
+            <a:schemeClr val="accent1"/>
+          </a:effectRef>
+          <a:fontRef idx="minor">
+            <a:schemeClr val="lt1"/>
+          </a:fontRef>
+        </p:style>
+        <p:txBody>
+          <a:bodyPr rtlCol="0" anchor="ctr"/>
+          <a:lstStyle/>
+          <a:p>
+            <a:pPr algn="ctr"/>
+            <a:endParaRPr lang="fr-FR"/>
+          </a:p>
+        </p:txBody>
+      </p:sp>
+      <p:sp>
+        <p:nvSpPr>
+          <p:cNvPr id="2" name="Titre 1"/>
+          <p:cNvSpPr>
+            <a:spLocks noGrp="1"/>
+          </p:cNvSpPr>
+          <p:nvPr>
+            <p:ph type="title"/>
+          </p:nvPr>
+        </p:nvSpPr>
+        <p:spPr/>
+        <p:txBody>
+          <a:bodyPr/>
+          <a:lstStyle/>
+          <a:p>
+            <a:r>
+              <a:rPr lang="fr-FR" dirty="0" smtClean="0">
+                <a:solidFill>
+                  <a:schemeClr val="bg1"/>
+                </a:solidFill>
+              </a:rPr>
+              <a:t>Gestion du projet</a:t>
+            </a:r>
+            <a:endParaRPr lang="fr-FR" dirty="0">
+              <a:solidFill>
+                <a:schemeClr val="bg1"/>
+              </a:solidFill>
+            </a:endParaRPr>
+          </a:p>
+        </p:txBody>
+      </p:sp>
+      <p:sp>
+        <p:nvSpPr>
+          <p:cNvPr id="3" name="Espace réservé du contenu 2"/>
+          <p:cNvSpPr>
+            <a:spLocks noGrp="1"/>
+          </p:cNvSpPr>
+          <p:nvPr>
+            <p:ph idx="1"/>
+          </p:nvPr>
+        </p:nvSpPr>
+        <p:spPr/>
+        <p:txBody>
+          <a:bodyPr/>
+          <a:lstStyle/>
+          <a:p>
+            <a:r>
+              <a:rPr lang="fr-FR" dirty="0" smtClean="0">
+                <a:solidFill>
+                  <a:srgbClr val="FFC000"/>
+                </a:solidFill>
+              </a:rPr>
+              <a:t>Répartition des tâches -&gt;</a:t>
+            </a:r>
+          </a:p>
+          <a:p>
+            <a:r>
+              <a:rPr lang="fr-FR" dirty="0" smtClean="0">
+                <a:solidFill>
+                  <a:srgbClr val="FFC000"/>
+                </a:solidFill>
+              </a:rPr>
+              <a:t>Gestion de versions -&gt; Utilisation de Git</a:t>
+            </a:r>
+          </a:p>
+          <a:p>
+            <a:r>
+              <a:rPr lang="fr-FR" dirty="0" smtClean="0">
+                <a:solidFill>
+                  <a:srgbClr val="FFC000"/>
+                </a:solidFill>
+              </a:rPr>
+              <a:t>Gestion de configuration -&gt;</a:t>
+            </a:r>
+          </a:p>
+          <a:p>
+            <a:r>
+              <a:rPr lang="fr-FR" dirty="0" smtClean="0">
+                <a:solidFill>
+                  <a:srgbClr val="FFC000"/>
+                </a:solidFill>
+              </a:rPr>
+              <a:t>Gestion des tests/sécurité -&gt; </a:t>
+            </a:r>
+          </a:p>
+          <a:p>
+            <a:endParaRPr lang="fr-FR" dirty="0" smtClean="0"/>
+          </a:p>
+          <a:p>
+            <a:endParaRPr lang="fr-FR" dirty="0"/>
+          </a:p>
+        </p:txBody>
+      </p:sp>
+      <p:sp>
+        <p:nvSpPr>
+          <p:cNvPr id="5" name="Espace réservé du numéro de diapositive 4"/>
+          <p:cNvSpPr>
+            <a:spLocks noGrp="1"/>
+          </p:cNvSpPr>
+          <p:nvPr>
+            <p:ph type="sldNum" sz="quarter" idx="12"/>
+          </p:nvPr>
+        </p:nvSpPr>
+        <p:spPr/>
+        <p:txBody>
+          <a:bodyPr/>
+          <a:lstStyle/>
+          <a:p>
+            <a:fld id="{B3C63893-BC38-4EBB-829D-DE1F1D825C70}" type="slidenum">
+              <a:rPr lang="fr-FR" b="1" smtClean="0">
+                <a:solidFill>
+                  <a:schemeClr val="bg1"/>
+                </a:solidFill>
+              </a:rPr>
+              <a:pPr/>
+              <a:t>23</a:t>
+            </a:fld>
+            <a:endParaRPr lang="fr-FR" b="1" dirty="0">
+              <a:solidFill>
+                <a:schemeClr val="bg1"/>
+              </a:solidFill>
+            </a:endParaRPr>
+          </a:p>
+        </p:txBody>
+      </p:sp>
+      <p:sp>
+        <p:nvSpPr>
+          <p:cNvPr id="6" name="Espace réservé du pied de page 5"/>
+          <p:cNvSpPr>
+            <a:spLocks noGrp="1"/>
+          </p:cNvSpPr>
+          <p:nvPr>
+            <p:ph type="ftr" sz="quarter" idx="11"/>
+          </p:nvPr>
+        </p:nvSpPr>
+        <p:spPr>
+          <a:xfrm>
+            <a:off x="1475656" y="6356350"/>
+            <a:ext cx="6264696" cy="501650"/>
+          </a:xfrm>
+        </p:spPr>
+        <p:txBody>
+          <a:bodyPr/>
+          <a:lstStyle/>
+          <a:p>
+            <a:r>
+              <a:rPr lang="fr-FR" b="1" dirty="0" smtClean="0">
+                <a:solidFill>
+                  <a:schemeClr val="bg1"/>
+                </a:solidFill>
+              </a:rPr>
+              <a:t>Gestion des emprunts de matériels - Alexis LAURENT, Suzy PAETA &amp; Romain ROUFAST</a:t>
+            </a:r>
+            <a:endParaRPr lang="fr-FR" b="1" dirty="0">
+              <a:solidFill>
+                <a:schemeClr val="bg1"/>
+              </a:solidFill>
+            </a:endParaRPr>
+          </a:p>
+        </p:txBody>
+      </p:sp>
+    </p:spTree>
+  </p:cSld>
+  <p:clrMapOvr>
+    <a:masterClrMapping/>
+  </p:clrMapOvr>
+  <p:timing>
+    <p:tnLst>
+      <p:par>
+        <p:cTn id="1" dur="indefinite" restart="never" nodeType="tmRoot"/>
+      </p:par>
+    </p:tnLst>
+  </p:timing>
+</p:sld>
+</file>
+
+<file path=ppt/slides/slide24.xml><?xml version="1.0" encoding="utf-8"?>
+<p:sld xmlns:a="http://schemas.openxmlformats.org/drawingml/2006/main" xmlns:r="http://schemas.openxmlformats.org/officeDocument/2006/relationships" xmlns:p="http://schemas.openxmlformats.org/presentationml/2006/main">
+  <p:cSld>
+    <p:spTree>
+      <p:nvGrpSpPr>
+        <p:cNvPr id="1" name=""/>
+        <p:cNvGrpSpPr/>
+        <p:nvPr/>
+      </p:nvGrpSpPr>
+      <p:grpSpPr>
+        <a:xfrm>
+          <a:off x="0" y="0"/>
+          <a:ext cx="0" cy="0"/>
+          <a:chOff x="0" y="0"/>
+          <a:chExt cx="0" cy="0"/>
+        </a:xfrm>
+      </p:grpSpPr>
+      <p:sp>
+        <p:nvSpPr>
+          <p:cNvPr id="7" name="Rectangle 6"/>
+          <p:cNvSpPr/>
+          <p:nvPr/>
+        </p:nvSpPr>
+        <p:spPr>
+          <a:xfrm>
+            <a:off x="0" y="6309320"/>
+            <a:ext cx="9144000" cy="548680"/>
+          </a:xfrm>
+          <a:prstGeom prst="rect">
+            <a:avLst/>
+          </a:prstGeom>
+          <a:solidFill>
+            <a:srgbClr val="FFC000"/>
+          </a:solidFill>
+          <a:ln>
+            <a:noFill/>
+          </a:ln>
+        </p:spPr>
+        <p:style>
+          <a:lnRef idx="2">
+            <a:schemeClr val="accent1">
+              <a:shade val="50000"/>
+            </a:schemeClr>
+          </a:lnRef>
+          <a:fillRef idx="1">
+            <a:schemeClr val="accent1"/>
+          </a:fillRef>
+          <a:effectRef idx="0">
+            <a:schemeClr val="accent1"/>
+          </a:effectRef>
+          <a:fontRef idx="minor">
+            <a:schemeClr val="lt1"/>
+          </a:fontRef>
+        </p:style>
+        <p:txBody>
+          <a:bodyPr rtlCol="0" anchor="ctr"/>
+          <a:lstStyle/>
+          <a:p>
+            <a:pPr algn="ctr"/>
+            <a:endParaRPr lang="fr-FR"/>
+          </a:p>
+        </p:txBody>
+      </p:sp>
+      <p:sp>
+        <p:nvSpPr>
+          <p:cNvPr id="4" name="Rectangle 3"/>
+          <p:cNvSpPr/>
+          <p:nvPr/>
+        </p:nvSpPr>
+        <p:spPr>
+          <a:xfrm>
+            <a:off x="0" y="0"/>
+            <a:ext cx="9144000" cy="1556792"/>
+          </a:xfrm>
+          <a:prstGeom prst="rect">
+            <a:avLst/>
+          </a:prstGeom>
+          <a:solidFill>
+            <a:srgbClr val="FFC000"/>
+          </a:solidFill>
+          <a:ln>
+            <a:noFill/>
+          </a:ln>
+        </p:spPr>
+        <p:style>
+          <a:lnRef idx="2">
+            <a:schemeClr val="accent1">
+              <a:shade val="50000"/>
+            </a:schemeClr>
+          </a:lnRef>
+          <a:fillRef idx="1">
+            <a:schemeClr val="accent1"/>
+          </a:fillRef>
+          <a:effectRef idx="0">
+            <a:schemeClr val="accent1"/>
+          </a:effectRef>
+          <a:fontRef idx="minor">
+            <a:schemeClr val="lt1"/>
+          </a:fontRef>
+        </p:style>
+        <p:txBody>
+          <a:bodyPr rtlCol="0" anchor="ctr"/>
+          <a:lstStyle/>
+          <a:p>
+            <a:pPr algn="ctr"/>
+            <a:endParaRPr lang="fr-FR"/>
+          </a:p>
+        </p:txBody>
+      </p:sp>
+      <p:sp>
+        <p:nvSpPr>
+          <p:cNvPr id="2" name="Titre 1"/>
+          <p:cNvSpPr>
+            <a:spLocks noGrp="1"/>
+          </p:cNvSpPr>
+          <p:nvPr>
+            <p:ph type="title"/>
+          </p:nvPr>
+        </p:nvSpPr>
+        <p:spPr/>
+        <p:txBody>
+          <a:bodyPr/>
+          <a:lstStyle/>
+          <a:p>
+            <a:r>
+              <a:rPr lang="fr-FR" dirty="0" smtClean="0">
+                <a:solidFill>
+                  <a:schemeClr val="bg1"/>
+                </a:solidFill>
+              </a:rPr>
+              <a:t>Gestion du projet</a:t>
+            </a:r>
+            <a:endParaRPr lang="fr-FR" dirty="0">
+              <a:solidFill>
+                <a:schemeClr val="bg1"/>
+              </a:solidFill>
+            </a:endParaRPr>
+          </a:p>
+        </p:txBody>
+      </p:sp>
+      <p:sp>
+        <p:nvSpPr>
+          <p:cNvPr id="5" name="Espace réservé du numéro de diapositive 4"/>
+          <p:cNvSpPr>
+            <a:spLocks noGrp="1"/>
+          </p:cNvSpPr>
+          <p:nvPr>
+            <p:ph type="sldNum" sz="quarter" idx="12"/>
+          </p:nvPr>
+        </p:nvSpPr>
+        <p:spPr/>
+        <p:txBody>
+          <a:bodyPr/>
+          <a:lstStyle/>
+          <a:p>
+            <a:fld id="{B3C63893-BC38-4EBB-829D-DE1F1D825C70}" type="slidenum">
+              <a:rPr lang="fr-FR" b="1" smtClean="0">
+                <a:solidFill>
+                  <a:schemeClr val="bg1"/>
+                </a:solidFill>
+              </a:rPr>
+              <a:pPr/>
+              <a:t>24</a:t>
+            </a:fld>
+            <a:endParaRPr lang="fr-FR" b="1" dirty="0">
+              <a:solidFill>
+                <a:schemeClr val="bg1"/>
+              </a:solidFill>
+            </a:endParaRPr>
+          </a:p>
+        </p:txBody>
+      </p:sp>
+      <p:sp>
+        <p:nvSpPr>
+          <p:cNvPr id="6" name="Espace réservé du pied de page 5"/>
+          <p:cNvSpPr>
+            <a:spLocks noGrp="1"/>
+          </p:cNvSpPr>
+          <p:nvPr>
+            <p:ph type="ftr" sz="quarter" idx="11"/>
+          </p:nvPr>
+        </p:nvSpPr>
+        <p:spPr>
+          <a:xfrm>
+            <a:off x="1475656" y="6356350"/>
+            <a:ext cx="6264696" cy="501650"/>
+          </a:xfrm>
+        </p:spPr>
+        <p:txBody>
+          <a:bodyPr/>
+          <a:lstStyle/>
+          <a:p>
+            <a:r>
+              <a:rPr lang="fr-FR" b="1" dirty="0" smtClean="0">
+                <a:solidFill>
+                  <a:schemeClr val="bg1"/>
+                </a:solidFill>
+              </a:rPr>
+              <a:t>Gestion des emprunts de matériels - Alexis LAURENT, Suzy PAETA &amp; Romain ROUFAST</a:t>
+            </a:r>
+            <a:endParaRPr lang="fr-FR" b="1" dirty="0">
+              <a:solidFill>
+                <a:schemeClr val="bg1"/>
+              </a:solidFill>
+            </a:endParaRPr>
+          </a:p>
+        </p:txBody>
+      </p:sp>
+      <p:graphicFrame>
+        <p:nvGraphicFramePr>
+          <p:cNvPr id="9" name="Graphique 8"/>
+          <p:cNvGraphicFramePr/>
+          <p:nvPr/>
+        </p:nvGraphicFramePr>
+        <p:xfrm>
+          <a:off x="1619672" y="1628800"/>
+          <a:ext cx="6192688" cy="4680520"/>
+        </p:xfrm>
+        <a:graphic>
+          <a:graphicData uri="http://schemas.openxmlformats.org/drawingml/2006/chart">
+            <c:chart xmlns:c="http://schemas.openxmlformats.org/drawingml/2006/chart" xmlns:r="http://schemas.openxmlformats.org/officeDocument/2006/relationships" r:id="rId2"/>
+          </a:graphicData>
+        </a:graphic>
+      </p:graphicFrame>
+    </p:spTree>
+  </p:cSld>
+  <p:clrMapOvr>
+    <a:masterClrMapping/>
+  </p:clrMapOvr>
+  <p:timing>
+    <p:tnLst>
+      <p:par>
+        <p:cTn id="1" dur="indefinite" restart="never" nodeType="tmRoot"/>
+      </p:par>
+    </p:tnLst>
+  </p:timing>
+</p:sld>
+</file>
+
+<file path=ppt/slides/slide25.xml><?xml version="1.0" encoding="utf-8"?>
+<p:sld xmlns:a="http://schemas.openxmlformats.org/drawingml/2006/main" xmlns:r="http://schemas.openxmlformats.org/officeDocument/2006/relationships" xmlns:p="http://schemas.openxmlformats.org/presentationml/2006/main">
+  <p:cSld>
+    <p:spTree>
+      <p:nvGrpSpPr>
+        <p:cNvPr id="1" name=""/>
+        <p:cNvGrpSpPr/>
+        <p:nvPr/>
+      </p:nvGrpSpPr>
+      <p:grpSpPr>
+        <a:xfrm>
+          <a:off x="0" y="0"/>
+          <a:ext cx="0" cy="0"/>
+          <a:chOff x="0" y="0"/>
+          <a:chExt cx="0" cy="0"/>
+        </a:xfrm>
+      </p:grpSpPr>
+      <p:sp>
+        <p:nvSpPr>
+          <p:cNvPr id="7" name="Rectangle 6"/>
+          <p:cNvSpPr/>
+          <p:nvPr/>
+        </p:nvSpPr>
+        <p:spPr>
+          <a:xfrm>
+            <a:off x="0" y="6309320"/>
+            <a:ext cx="9144000" cy="548680"/>
+          </a:xfrm>
+          <a:prstGeom prst="rect">
+            <a:avLst/>
+          </a:prstGeom>
+          <a:solidFill>
+            <a:srgbClr val="FFC000"/>
+          </a:solidFill>
+          <a:ln>
+            <a:noFill/>
+          </a:ln>
+        </p:spPr>
+        <p:style>
+          <a:lnRef idx="2">
+            <a:schemeClr val="accent1">
+              <a:shade val="50000"/>
+            </a:schemeClr>
+          </a:lnRef>
+          <a:fillRef idx="1">
+            <a:schemeClr val="accent1"/>
+          </a:fillRef>
+          <a:effectRef idx="0">
+            <a:schemeClr val="accent1"/>
+          </a:effectRef>
+          <a:fontRef idx="minor">
+            <a:schemeClr val="lt1"/>
+          </a:fontRef>
+        </p:style>
+        <p:txBody>
+          <a:bodyPr rtlCol="0" anchor="ctr"/>
+          <a:lstStyle/>
+          <a:p>
+            <a:pPr algn="ctr"/>
+            <a:endParaRPr lang="fr-FR"/>
+          </a:p>
+        </p:txBody>
+      </p:sp>
+      <p:sp>
+        <p:nvSpPr>
+          <p:cNvPr id="4" name="Rectangle 3"/>
+          <p:cNvSpPr/>
+          <p:nvPr/>
+        </p:nvSpPr>
+        <p:spPr>
+          <a:xfrm>
+            <a:off x="0" y="0"/>
+            <a:ext cx="9144000" cy="1556792"/>
+          </a:xfrm>
+          <a:prstGeom prst="rect">
+            <a:avLst/>
+          </a:prstGeom>
+          <a:solidFill>
+            <a:srgbClr val="FFC000"/>
+          </a:solidFill>
+          <a:ln>
+            <a:noFill/>
+          </a:ln>
+        </p:spPr>
+        <p:style>
+          <a:lnRef idx="2">
+            <a:schemeClr val="accent1">
+              <a:shade val="50000"/>
+            </a:schemeClr>
+          </a:lnRef>
+          <a:fillRef idx="1">
+            <a:schemeClr val="accent1"/>
+          </a:fillRef>
+          <a:effectRef idx="0">
+            <a:schemeClr val="accent1"/>
+          </a:effectRef>
+          <a:fontRef idx="minor">
+            <a:schemeClr val="lt1"/>
+          </a:fontRef>
+        </p:style>
+        <p:txBody>
+          <a:bodyPr rtlCol="0" anchor="ctr"/>
+          <a:lstStyle/>
+          <a:p>
+            <a:pPr algn="ctr"/>
+            <a:endParaRPr lang="fr-FR"/>
+          </a:p>
+        </p:txBody>
+      </p:sp>
+      <p:sp>
+        <p:nvSpPr>
+          <p:cNvPr id="2" name="Titre 1"/>
+          <p:cNvSpPr>
+            <a:spLocks noGrp="1"/>
+          </p:cNvSpPr>
+          <p:nvPr>
+            <p:ph type="title"/>
+          </p:nvPr>
+        </p:nvSpPr>
+        <p:spPr/>
+        <p:txBody>
+          <a:bodyPr/>
+          <a:lstStyle/>
+          <a:p>
+            <a:r>
+              <a:rPr lang="fr-FR" dirty="0" smtClean="0">
+                <a:solidFill>
+                  <a:schemeClr val="bg1"/>
+                </a:solidFill>
+              </a:rPr>
+              <a:t>Synthèse de la gestion du projet</a:t>
+            </a:r>
+            <a:endParaRPr lang="fr-FR" dirty="0">
+              <a:solidFill>
+                <a:schemeClr val="bg1"/>
+              </a:solidFill>
+            </a:endParaRPr>
+          </a:p>
+        </p:txBody>
+      </p:sp>
+      <p:sp>
+        <p:nvSpPr>
+          <p:cNvPr id="3" name="Espace réservé du contenu 2"/>
+          <p:cNvSpPr>
+            <a:spLocks noGrp="1"/>
+          </p:cNvSpPr>
+          <p:nvPr>
+            <p:ph idx="1"/>
+          </p:nvPr>
+        </p:nvSpPr>
+        <p:spPr/>
+        <p:txBody>
+          <a:bodyPr/>
+          <a:lstStyle/>
+          <a:p>
+            <a:r>
+              <a:rPr lang="fr-FR" dirty="0" smtClean="0">
+                <a:solidFill>
+                  <a:srgbClr val="FFC000"/>
+                </a:solidFill>
+              </a:rPr>
+              <a:t>Difficultés rencontrées</a:t>
+            </a:r>
+          </a:p>
+          <a:p>
+            <a:pPr lvl="1"/>
+            <a:r>
+              <a:rPr lang="fr-FR" dirty="0" smtClean="0">
+                <a:solidFill>
+                  <a:srgbClr val="FFC000"/>
+                </a:solidFill>
+              </a:rPr>
+              <a:t>Mauvaises estimations du temps sur certaines tâches</a:t>
+            </a:r>
+          </a:p>
+          <a:p>
+            <a:pPr lvl="1"/>
+            <a:endParaRPr lang="fr-FR" dirty="0" smtClean="0">
+              <a:solidFill>
+                <a:srgbClr val="FFC000"/>
+              </a:solidFill>
+            </a:endParaRPr>
+          </a:p>
+          <a:p>
+            <a:r>
+              <a:rPr lang="fr-FR" dirty="0" smtClean="0">
+                <a:solidFill>
+                  <a:srgbClr val="FFC000"/>
+                </a:solidFill>
+              </a:rPr>
+              <a:t>Acquis</a:t>
+            </a:r>
+          </a:p>
+          <a:p>
+            <a:pPr lvl="1"/>
+            <a:r>
+              <a:rPr lang="fr-FR" dirty="0" smtClean="0">
+                <a:solidFill>
+                  <a:srgbClr val="FFC000"/>
+                </a:solidFill>
+              </a:rPr>
+              <a:t>Nouvelles technologies</a:t>
+            </a:r>
+          </a:p>
+          <a:p>
+            <a:pPr lvl="1"/>
+            <a:r>
+              <a:rPr lang="fr-FR" dirty="0" smtClean="0">
+                <a:solidFill>
+                  <a:srgbClr val="FFC000"/>
+                </a:solidFill>
+              </a:rPr>
+              <a:t>Gestion d’un projet centré utilisateurs</a:t>
+            </a:r>
+          </a:p>
+          <a:p>
+            <a:pPr lvl="1"/>
+            <a:endParaRPr lang="fr-FR" dirty="0" smtClean="0">
+              <a:solidFill>
+                <a:srgbClr val="FFC000"/>
+              </a:solidFill>
+            </a:endParaRPr>
+          </a:p>
+          <a:p>
+            <a:endParaRPr lang="fr-FR" dirty="0" smtClean="0"/>
+          </a:p>
+          <a:p>
+            <a:endParaRPr lang="fr-FR" dirty="0"/>
+          </a:p>
+        </p:txBody>
+      </p:sp>
+      <p:sp>
+        <p:nvSpPr>
+          <p:cNvPr id="5" name="Espace réservé du numéro de diapositive 4"/>
+          <p:cNvSpPr>
+            <a:spLocks noGrp="1"/>
+          </p:cNvSpPr>
+          <p:nvPr>
+            <p:ph type="sldNum" sz="quarter" idx="12"/>
+          </p:nvPr>
+        </p:nvSpPr>
+        <p:spPr/>
+        <p:txBody>
+          <a:bodyPr/>
+          <a:lstStyle/>
+          <a:p>
+            <a:fld id="{B3C63893-BC38-4EBB-829D-DE1F1D825C70}" type="slidenum">
+              <a:rPr lang="fr-FR" b="1" smtClean="0">
+                <a:solidFill>
+                  <a:schemeClr val="bg1"/>
+                </a:solidFill>
+              </a:rPr>
+              <a:pPr/>
+              <a:t>25</a:t>
+            </a:fld>
+            <a:endParaRPr lang="fr-FR" b="1" dirty="0">
+              <a:solidFill>
+                <a:schemeClr val="bg1"/>
+              </a:solidFill>
+            </a:endParaRPr>
+          </a:p>
+        </p:txBody>
+      </p:sp>
+      <p:sp>
+        <p:nvSpPr>
+          <p:cNvPr id="6" name="Espace réservé du pied de page 5"/>
+          <p:cNvSpPr>
+            <a:spLocks noGrp="1"/>
+          </p:cNvSpPr>
+          <p:nvPr>
+            <p:ph type="ftr" sz="quarter" idx="11"/>
+          </p:nvPr>
+        </p:nvSpPr>
+        <p:spPr>
+          <a:xfrm>
+            <a:off x="1475656" y="6356350"/>
+            <a:ext cx="6264696" cy="501650"/>
+          </a:xfrm>
+        </p:spPr>
+        <p:txBody>
+          <a:bodyPr/>
+          <a:lstStyle/>
+          <a:p>
+            <a:r>
+              <a:rPr lang="fr-FR" b="1" dirty="0" smtClean="0">
+                <a:solidFill>
+                  <a:schemeClr val="bg1"/>
+                </a:solidFill>
+              </a:rPr>
+              <a:t>Gestion des emprunts de matériels - Alexis LAURENT, Suzy PAETA &amp; Romain ROUFAST</a:t>
+            </a:r>
+            <a:endParaRPr lang="fr-FR" b="1" dirty="0">
+              <a:solidFill>
+                <a:schemeClr val="bg1"/>
+              </a:solidFill>
+            </a:endParaRPr>
+          </a:p>
+        </p:txBody>
+      </p:sp>
+    </p:spTree>
+  </p:cSld>
+  <p:clrMapOvr>
+    <a:masterClrMapping/>
+  </p:clrMapOvr>
+  <p:timing>
+    <p:tnLst>
+      <p:par>
+        <p:cTn id="1" dur="indefinite" restart="never" nodeType="tmRoot"/>
+      </p:par>
+    </p:tnLst>
+  </p:timing>
+</p:sld>
+</file>
+
+<file path=ppt/slides/slide26.xml><?xml version="1.0" encoding="utf-8"?>
+<p:sld xmlns:a="http://schemas.openxmlformats.org/drawingml/2006/main" xmlns:r="http://schemas.openxmlformats.org/officeDocument/2006/relationships" xmlns:p="http://schemas.openxmlformats.org/presentationml/2006/main">
+  <p:cSld>
+    <p:spTree>
+      <p:nvGrpSpPr>
+        <p:cNvPr id="1" name=""/>
+        <p:cNvGrpSpPr/>
+        <p:nvPr/>
+      </p:nvGrpSpPr>
+      <p:grpSpPr>
+        <a:xfrm>
+          <a:off x="0" y="0"/>
+          <a:ext cx="0" cy="0"/>
+          <a:chOff x="0" y="0"/>
+          <a:chExt cx="0" cy="0"/>
+        </a:xfrm>
+      </p:grpSpPr>
+      <p:sp>
+        <p:nvSpPr>
+          <p:cNvPr id="7" name="Rectangle 6"/>
+          <p:cNvSpPr/>
+          <p:nvPr/>
+        </p:nvSpPr>
+        <p:spPr>
+          <a:xfrm>
+            <a:off x="0" y="6309320"/>
+            <a:ext cx="9144000" cy="548680"/>
+          </a:xfrm>
+          <a:prstGeom prst="rect">
+            <a:avLst/>
+          </a:prstGeom>
+          <a:solidFill>
+            <a:srgbClr val="FFC000"/>
+          </a:solidFill>
+          <a:ln>
+            <a:noFill/>
+          </a:ln>
+        </p:spPr>
+        <p:style>
+          <a:lnRef idx="2">
+            <a:schemeClr val="accent1">
+              <a:shade val="50000"/>
+            </a:schemeClr>
+          </a:lnRef>
+          <a:fillRef idx="1">
+            <a:schemeClr val="accent1"/>
+          </a:fillRef>
+          <a:effectRef idx="0">
+            <a:schemeClr val="accent1"/>
+          </a:effectRef>
+          <a:fontRef idx="minor">
+            <a:schemeClr val="lt1"/>
+          </a:fontRef>
+        </p:style>
+        <p:txBody>
+          <a:bodyPr rtlCol="0" anchor="ctr"/>
+          <a:lstStyle/>
+          <a:p>
+            <a:pPr algn="ctr"/>
+            <a:endParaRPr lang="fr-FR"/>
+          </a:p>
+        </p:txBody>
+      </p:sp>
+      <p:sp>
+        <p:nvSpPr>
+          <p:cNvPr id="4" name="Rectangle 3"/>
+          <p:cNvSpPr/>
+          <p:nvPr/>
+        </p:nvSpPr>
+        <p:spPr>
+          <a:xfrm>
+            <a:off x="0" y="0"/>
+            <a:ext cx="9144000" cy="1556792"/>
+          </a:xfrm>
+          <a:prstGeom prst="rect">
+            <a:avLst/>
+          </a:prstGeom>
+          <a:solidFill>
+            <a:srgbClr val="FFC000"/>
+          </a:solidFill>
+          <a:ln>
+            <a:noFill/>
+          </a:ln>
+        </p:spPr>
+        <p:style>
+          <a:lnRef idx="2">
+            <a:schemeClr val="accent1">
+              <a:shade val="50000"/>
+            </a:schemeClr>
+          </a:lnRef>
+          <a:fillRef idx="1">
+            <a:schemeClr val="accent1"/>
+          </a:fillRef>
+          <a:effectRef idx="0">
+            <a:schemeClr val="accent1"/>
+          </a:effectRef>
+          <a:fontRef idx="minor">
+            <a:schemeClr val="lt1"/>
+          </a:fontRef>
+        </p:style>
+        <p:txBody>
+          <a:bodyPr rtlCol="0" anchor="ctr"/>
+          <a:lstStyle/>
+          <a:p>
+            <a:pPr algn="ctr"/>
+            <a:endParaRPr lang="fr-FR"/>
+          </a:p>
+        </p:txBody>
+      </p:sp>
+      <p:sp>
+        <p:nvSpPr>
+          <p:cNvPr id="2" name="Titre 1"/>
+          <p:cNvSpPr>
+            <a:spLocks noGrp="1"/>
+          </p:cNvSpPr>
+          <p:nvPr>
+            <p:ph type="title"/>
+          </p:nvPr>
+        </p:nvSpPr>
+        <p:spPr/>
+        <p:txBody>
+          <a:bodyPr/>
+          <a:lstStyle/>
+          <a:p>
+            <a:r>
+              <a:rPr lang="fr-FR" dirty="0" smtClean="0">
+                <a:solidFill>
+                  <a:schemeClr val="bg1"/>
+                </a:solidFill>
+              </a:rPr>
+              <a:t>Fin/Améliorations</a:t>
+            </a:r>
+            <a:endParaRPr lang="fr-FR" dirty="0">
+              <a:solidFill>
+                <a:schemeClr val="bg1"/>
+              </a:solidFill>
+            </a:endParaRPr>
+          </a:p>
+        </p:txBody>
+      </p:sp>
+      <p:sp>
+        <p:nvSpPr>
+          <p:cNvPr id="3" name="Espace réservé du contenu 2"/>
+          <p:cNvSpPr>
+            <a:spLocks noGrp="1"/>
+          </p:cNvSpPr>
+          <p:nvPr>
+            <p:ph idx="1"/>
+          </p:nvPr>
+        </p:nvSpPr>
+        <p:spPr/>
+        <p:txBody>
+          <a:bodyPr/>
+          <a:lstStyle/>
+          <a:p>
+            <a:r>
+              <a:rPr lang="fr-FR" dirty="0" smtClean="0">
+                <a:solidFill>
+                  <a:srgbClr val="FFC000"/>
+                </a:solidFill>
+              </a:rPr>
+              <a:t>Faire des tests utilisateurs sur la 1</a:t>
+            </a:r>
+            <a:r>
+              <a:rPr lang="fr-FR" baseline="30000" dirty="0" smtClean="0">
+                <a:solidFill>
+                  <a:srgbClr val="FFC000"/>
+                </a:solidFill>
+              </a:rPr>
+              <a:t>ère</a:t>
+            </a:r>
+            <a:r>
+              <a:rPr lang="fr-FR" dirty="0" smtClean="0">
+                <a:solidFill>
+                  <a:srgbClr val="FFC000"/>
+                </a:solidFill>
+              </a:rPr>
+              <a:t> version fonctionnelle</a:t>
+            </a:r>
+          </a:p>
+          <a:p>
+            <a:r>
+              <a:rPr lang="fr-FR" dirty="0" smtClean="0">
+                <a:solidFill>
+                  <a:srgbClr val="FFC000"/>
+                </a:solidFill>
+              </a:rPr>
+              <a:t>Faire une deuxième itération intégrant les remarques des </a:t>
+            </a:r>
+            <a:r>
+              <a:rPr lang="fr-FR" dirty="0" smtClean="0">
+                <a:solidFill>
+                  <a:srgbClr val="FFC000"/>
+                </a:solidFill>
+              </a:rPr>
+              <a:t>utilisateurs</a:t>
+            </a:r>
+          </a:p>
+          <a:p>
+            <a:r>
+              <a:rPr lang="fr-FR" dirty="0" smtClean="0">
+                <a:solidFill>
+                  <a:srgbClr val="FFC000"/>
+                </a:solidFill>
+              </a:rPr>
+              <a:t>Responsive</a:t>
+            </a:r>
+            <a:endParaRPr lang="fr-FR" dirty="0" smtClean="0">
+              <a:solidFill>
+                <a:srgbClr val="FFC000"/>
+              </a:solidFill>
+            </a:endParaRPr>
+          </a:p>
+          <a:p>
+            <a:r>
+              <a:rPr lang="fr-FR" dirty="0" smtClean="0">
+                <a:solidFill>
+                  <a:srgbClr val="FFC000"/>
+                </a:solidFill>
+              </a:rPr>
+              <a:t>Améliorer la sécurité</a:t>
+            </a:r>
+          </a:p>
+          <a:p>
+            <a:r>
+              <a:rPr lang="fr-FR" dirty="0" smtClean="0">
+                <a:solidFill>
+                  <a:srgbClr val="FFC000"/>
+                </a:solidFill>
+              </a:rPr>
+              <a:t>Automatisation des tests fonctionnels</a:t>
+            </a:r>
+          </a:p>
+          <a:p>
+            <a:r>
+              <a:rPr lang="fr-FR" dirty="0" smtClean="0">
+                <a:solidFill>
+                  <a:srgbClr val="FFC000"/>
+                </a:solidFill>
+              </a:rPr>
+              <a:t>Authentification CAS</a:t>
+            </a:r>
+          </a:p>
+          <a:p>
+            <a:endParaRPr lang="fr-FR" dirty="0"/>
+          </a:p>
+        </p:txBody>
+      </p:sp>
+      <p:sp>
+        <p:nvSpPr>
+          <p:cNvPr id="5" name="Espace réservé du numéro de diapositive 4"/>
+          <p:cNvSpPr>
+            <a:spLocks noGrp="1"/>
+          </p:cNvSpPr>
+          <p:nvPr>
+            <p:ph type="sldNum" sz="quarter" idx="12"/>
+          </p:nvPr>
+        </p:nvSpPr>
+        <p:spPr/>
+        <p:txBody>
+          <a:bodyPr/>
+          <a:lstStyle/>
+          <a:p>
+            <a:fld id="{B3C63893-BC38-4EBB-829D-DE1F1D825C70}" type="slidenum">
+              <a:rPr lang="fr-FR" b="1" smtClean="0">
+                <a:solidFill>
+                  <a:schemeClr val="bg1"/>
+                </a:solidFill>
+              </a:rPr>
+              <a:pPr/>
+              <a:t>26</a:t>
+            </a:fld>
+            <a:endParaRPr lang="fr-FR" b="1" dirty="0">
+              <a:solidFill>
+                <a:schemeClr val="bg1"/>
+              </a:solidFill>
+            </a:endParaRPr>
+          </a:p>
+        </p:txBody>
+      </p:sp>
+      <p:sp>
+        <p:nvSpPr>
+          <p:cNvPr id="6" name="Espace réservé du pied de page 5"/>
+          <p:cNvSpPr>
+            <a:spLocks noGrp="1"/>
+          </p:cNvSpPr>
+          <p:nvPr>
+            <p:ph type="ftr" sz="quarter" idx="11"/>
+          </p:nvPr>
+        </p:nvSpPr>
+        <p:spPr>
+          <a:xfrm>
+            <a:off x="1475656" y="6356350"/>
+            <a:ext cx="6264696" cy="501650"/>
+          </a:xfrm>
+        </p:spPr>
+        <p:txBody>
+          <a:bodyPr/>
+          <a:lstStyle/>
+          <a:p>
+            <a:r>
+              <a:rPr lang="fr-FR" b="1" dirty="0" smtClean="0">
+                <a:solidFill>
+                  <a:schemeClr val="bg1"/>
+                </a:solidFill>
+              </a:rPr>
+              <a:t>Gestion des emprunts de matériels - Alexis LAURENT, Suzy PAETA &amp; Romain ROUFAST</a:t>
+            </a:r>
+            <a:endParaRPr lang="fr-FR" b="1" dirty="0">
+              <a:solidFill>
+                <a:schemeClr val="bg1"/>
+              </a:solidFill>
+            </a:endParaRPr>
+          </a:p>
+        </p:txBody>
+      </p:sp>
+    </p:spTree>
+  </p:cSld>
+  <p:clrMapOvr>
+    <a:masterClrMapping/>
+  </p:clrMapOvr>
+  <p:timing>
+    <p:tnLst>
+      <p:par>
+        <p:cTn id="1" dur="indefinite" restart="never" nodeType="tmRoot"/>
+      </p:par>
+    </p:tnLst>
+  </p:timing>
+</p:sld>
+</file>
+
+<file path=ppt/slides/slide27.xml><?xml version="1.0" encoding="utf-8"?>
+<p:sld xmlns:a="http://schemas.openxmlformats.org/drawingml/2006/main" xmlns:r="http://schemas.openxmlformats.org/officeDocument/2006/relationships" xmlns:p="http://schemas.openxmlformats.org/presentationml/2006/main">
+  <p:cSld>
+    <p:spTree>
+      <p:nvGrpSpPr>
+        <p:cNvPr id="1" name=""/>
+        <p:cNvGrpSpPr/>
+        <p:nvPr/>
+      </p:nvGrpSpPr>
+      <p:grpSpPr>
+        <a:xfrm>
+          <a:off x="0" y="0"/>
+          <a:ext cx="0" cy="0"/>
+          <a:chOff x="0" y="0"/>
+          <a:chExt cx="0" cy="0"/>
+        </a:xfrm>
+      </p:grpSpPr>
+      <p:sp>
+        <p:nvSpPr>
+          <p:cNvPr id="7" name="Rectangle 6"/>
+          <p:cNvSpPr/>
+          <p:nvPr/>
+        </p:nvSpPr>
+        <p:spPr>
+          <a:xfrm>
+            <a:off x="0" y="6309320"/>
+            <a:ext cx="9144000" cy="548680"/>
+          </a:xfrm>
+          <a:prstGeom prst="rect">
+            <a:avLst/>
+          </a:prstGeom>
+          <a:solidFill>
+            <a:srgbClr val="FFC000"/>
+          </a:solidFill>
+          <a:ln>
+            <a:noFill/>
+          </a:ln>
+        </p:spPr>
+        <p:style>
+          <a:lnRef idx="2">
+            <a:schemeClr val="accent1">
+              <a:shade val="50000"/>
+            </a:schemeClr>
+          </a:lnRef>
+          <a:fillRef idx="1">
+            <a:schemeClr val="accent1"/>
+          </a:fillRef>
+          <a:effectRef idx="0">
+            <a:schemeClr val="accent1"/>
+          </a:effectRef>
+          <a:fontRef idx="minor">
+            <a:schemeClr val="lt1"/>
+          </a:fontRef>
+        </p:style>
+        <p:txBody>
+          <a:bodyPr rtlCol="0" anchor="ctr"/>
+          <a:lstStyle/>
+          <a:p>
+            <a:pPr algn="ctr"/>
+            <a:endParaRPr lang="fr-FR"/>
+          </a:p>
+        </p:txBody>
+      </p:sp>
+      <p:sp>
+        <p:nvSpPr>
+          <p:cNvPr id="4" name="Rectangle 3"/>
+          <p:cNvSpPr/>
+          <p:nvPr/>
+        </p:nvSpPr>
+        <p:spPr>
+          <a:xfrm>
+            <a:off x="0" y="0"/>
+            <a:ext cx="9144000" cy="1556792"/>
+          </a:xfrm>
+          <a:prstGeom prst="rect">
+            <a:avLst/>
+          </a:prstGeom>
+          <a:solidFill>
+            <a:srgbClr val="FFC000"/>
+          </a:solidFill>
+          <a:ln>
+            <a:noFill/>
+          </a:ln>
+        </p:spPr>
+        <p:style>
+          <a:lnRef idx="2">
+            <a:schemeClr val="accent1">
+              <a:shade val="50000"/>
+            </a:schemeClr>
+          </a:lnRef>
+          <a:fillRef idx="1">
+            <a:schemeClr val="accent1"/>
+          </a:fillRef>
+          <a:effectRef idx="0">
+            <a:schemeClr val="accent1"/>
+          </a:effectRef>
+          <a:fontRef idx="minor">
+            <a:schemeClr val="lt1"/>
+          </a:fontRef>
+        </p:style>
+        <p:txBody>
+          <a:bodyPr rtlCol="0" anchor="ctr"/>
+          <a:lstStyle/>
+          <a:p>
+            <a:pPr algn="ctr"/>
+            <a:endParaRPr lang="fr-FR"/>
+          </a:p>
+        </p:txBody>
+      </p:sp>
+      <p:sp>
+        <p:nvSpPr>
+          <p:cNvPr id="2" name="Titre 1"/>
+          <p:cNvSpPr>
+            <a:spLocks noGrp="1"/>
+          </p:cNvSpPr>
+          <p:nvPr>
+            <p:ph type="title"/>
+          </p:nvPr>
+        </p:nvSpPr>
+        <p:spPr/>
+        <p:txBody>
+          <a:bodyPr/>
+          <a:lstStyle/>
+          <a:p>
+            <a:r>
+              <a:rPr lang="fr-FR" dirty="0" smtClean="0">
+                <a:solidFill>
+                  <a:schemeClr val="bg1"/>
+                </a:solidFill>
+              </a:rPr>
+              <a:t>Conclusion</a:t>
+            </a:r>
+            <a:endParaRPr lang="fr-FR" dirty="0">
+              <a:solidFill>
+                <a:schemeClr val="bg1"/>
+              </a:solidFill>
+            </a:endParaRPr>
+          </a:p>
+        </p:txBody>
+      </p:sp>
+      <p:sp>
+        <p:nvSpPr>
+          <p:cNvPr id="3" name="Espace réservé du contenu 2"/>
+          <p:cNvSpPr>
+            <a:spLocks noGrp="1"/>
+          </p:cNvSpPr>
+          <p:nvPr>
+            <p:ph idx="1"/>
+          </p:nvPr>
+        </p:nvSpPr>
+        <p:spPr/>
+        <p:txBody>
+          <a:bodyPr/>
+          <a:lstStyle/>
+          <a:p>
+            <a:endParaRPr lang="fr-FR"/>
+          </a:p>
+        </p:txBody>
+      </p:sp>
+      <p:sp>
+        <p:nvSpPr>
+          <p:cNvPr id="5" name="Espace réservé du numéro de diapositive 4"/>
+          <p:cNvSpPr>
+            <a:spLocks noGrp="1"/>
+          </p:cNvSpPr>
+          <p:nvPr>
+            <p:ph type="sldNum" sz="quarter" idx="12"/>
+          </p:nvPr>
+        </p:nvSpPr>
+        <p:spPr/>
+        <p:txBody>
+          <a:bodyPr/>
+          <a:lstStyle/>
+          <a:p>
+            <a:fld id="{B3C63893-BC38-4EBB-829D-DE1F1D825C70}" type="slidenum">
+              <a:rPr lang="fr-FR" b="1" smtClean="0">
+                <a:solidFill>
+                  <a:schemeClr val="bg1"/>
+                </a:solidFill>
+              </a:rPr>
+              <a:pPr/>
+              <a:t>27</a:t>
             </a:fld>
             <a:endParaRPr lang="fr-FR" b="1" dirty="0">
               <a:solidFill>
@@ -9946,11 +12604,6 @@
               </a:rPr>
               <a:t>4 Étudiants</a:t>
             </a:r>
-            <a:endParaRPr lang="fr-FR" sz="2000" dirty="0" smtClean="0">
-              <a:solidFill>
-                <a:srgbClr val="FFC000"/>
-              </a:solidFill>
-            </a:endParaRPr>
           </a:p>
           <a:p>
             <a:r>
@@ -10085,6 +12738,97 @@
               </a:rPr>
               <a:t>Déterminer les besoins</a:t>
             </a:r>
+          </a:p>
+        </p:txBody>
+      </p:sp>
+      <p:sp>
+        <p:nvSpPr>
+          <p:cNvPr id="10" name="Flèche droite 9"/>
+          <p:cNvSpPr/>
+          <p:nvPr/>
+        </p:nvSpPr>
+        <p:spPr>
+          <a:xfrm>
+            <a:off x="3059832" y="4725144"/>
+            <a:ext cx="576064" cy="360040"/>
+          </a:xfrm>
+          <a:prstGeom prst="rightArrow">
+            <a:avLst/>
+          </a:prstGeom>
+          <a:solidFill>
+            <a:srgbClr val="FFC000"/>
+          </a:solidFill>
+          <a:ln>
+            <a:solidFill>
+              <a:srgbClr val="FFC000"/>
+            </a:solidFill>
+          </a:ln>
+        </p:spPr>
+        <p:style>
+          <a:lnRef idx="2">
+            <a:schemeClr val="accent1">
+              <a:shade val="50000"/>
+            </a:schemeClr>
+          </a:lnRef>
+          <a:fillRef idx="1">
+            <a:schemeClr val="accent1"/>
+          </a:fillRef>
+          <a:effectRef idx="0">
+            <a:schemeClr val="accent1"/>
+          </a:effectRef>
+          <a:fontRef idx="minor">
+            <a:schemeClr val="lt1"/>
+          </a:fontRef>
+        </p:style>
+        <p:txBody>
+          <a:bodyPr rtlCol="0" anchor="ctr"/>
+          <a:lstStyle/>
+          <a:p>
+            <a:pPr algn="ctr"/>
+            <a:endParaRPr lang="fr-FR"/>
+          </a:p>
+        </p:txBody>
+      </p:sp>
+      <p:sp>
+        <p:nvSpPr>
+          <p:cNvPr id="11" name="ZoneTexte 10"/>
+          <p:cNvSpPr txBox="1"/>
+          <p:nvPr/>
+        </p:nvSpPr>
+        <p:spPr>
+          <a:xfrm>
+            <a:off x="3851920" y="5229200"/>
+            <a:ext cx="4320480" cy="584775"/>
+          </a:xfrm>
+          <a:prstGeom prst="rect">
+            <a:avLst/>
+          </a:prstGeom>
+          <a:noFill/>
+        </p:spPr>
+        <p:txBody>
+          <a:bodyPr wrap="square" rtlCol="0">
+            <a:spAutoFit/>
+          </a:bodyPr>
+          <a:lstStyle/>
+          <a:p>
+            <a:r>
+              <a:rPr lang="fr-FR" sz="3200" dirty="0" smtClean="0">
+                <a:solidFill>
+                  <a:srgbClr val="FFC000"/>
+                </a:solidFill>
+                <a:sym typeface="Wingdings" pitchFamily="2" charset="2"/>
+              </a:rPr>
+              <a:t>Définir les </a:t>
+            </a:r>
+            <a:r>
+              <a:rPr lang="fr-FR" sz="3200" dirty="0" err="1" smtClean="0">
+                <a:solidFill>
+                  <a:srgbClr val="FFC000"/>
+                </a:solidFill>
+                <a:sym typeface="Wingdings" pitchFamily="2" charset="2"/>
+              </a:rPr>
+              <a:t>personas</a:t>
+            </a:r>
             <a:endParaRPr lang="fr-FR" sz="3200" dirty="0" smtClean="0">
               <a:solidFill>
                 <a:srgbClr val="FFC000"/>
@@ -10096,13 +12840,13 @@
       </p:sp>
       <p:sp>
         <p:nvSpPr>
-          <p:cNvPr id="10" name="Flèche droite 9"/>
+          <p:cNvPr id="12" name="Flèche droite 11"/>
           <p:cNvSpPr/>
           <p:nvPr/>
         </p:nvSpPr>
         <p:spPr>
           <a:xfrm>
-            <a:off x="3059832" y="4725144"/>
+            <a:off x="3059832" y="5373216"/>
             <a:ext cx="576064" cy="360040"/>
           </a:xfrm>
           <a:prstGeom prst="rightArrow">
@@ -10287,7 +13031,15 @@
                   <a:schemeClr val="bg1"/>
                 </a:solidFill>
               </a:rPr>
-              <a:t>Besoins principaux (Responsables)</a:t>
+              <a:t>Besoins </a:t>
+            </a:r>
+            <a:r>
+              <a:rPr lang="fr-FR" dirty="0" smtClean="0">
+                <a:solidFill>
+                  <a:schemeClr val="bg1"/>
+                </a:solidFill>
+              </a:rPr>
+              <a:t>principaux (Responsables)</a:t>
             </a:r>
             <a:endParaRPr lang="fr-FR" dirty="0">
               <a:solidFill>
@@ -10309,11 +13061,13 @@
         </p:nvSpPr>
         <p:spPr/>
         <p:txBody>
-          <a:bodyPr/>
-          <a:lstStyle/>
-          <a:p>
-            <a:r>
-              <a:rPr lang="fr-FR" dirty="0" smtClean="0">
+          <a:bodyPr>
+            <a:normAutofit fontScale="92500" lnSpcReduction="20000"/>
+          </a:bodyPr>
+          <a:lstStyle/>
+          <a:p>
+            <a:r>
+              <a:rPr lang="fr-FR" sz="3000" dirty="0" smtClean="0">
                 <a:solidFill>
                   <a:srgbClr val="FFC000"/>
                 </a:solidFill>
@@ -10323,7 +13077,7 @@
           </a:p>
           <a:p>
             <a:r>
-              <a:rPr lang="fr-FR" dirty="0" smtClean="0">
+              <a:rPr lang="fr-FR" sz="3000" dirty="0" smtClean="0">
                 <a:solidFill>
                   <a:srgbClr val="FFC000"/>
                 </a:solidFill>
@@ -10366,23 +13120,77 @@
           </a:p>
           <a:p>
             <a:r>
-              <a:rPr lang="fr-FR" dirty="0" smtClean="0">
+              <a:rPr lang="fr-FR" sz="3000" dirty="0" smtClean="0">
                 <a:solidFill>
                   <a:srgbClr val="FFC000"/>
                 </a:solidFill>
               </a:rPr>
-              <a:t>Consulter/gérer l’état du stock</a:t>
-            </a:r>
-          </a:p>
-          <a:p>
-            <a:r>
-              <a:rPr lang="fr-FR" dirty="0" smtClean="0">
+              <a:t>Connaître l’état </a:t>
+            </a:r>
+            <a:r>
+              <a:rPr lang="fr-FR" sz="3000" dirty="0" smtClean="0">
                 <a:solidFill>
                   <a:srgbClr val="FFC000"/>
                 </a:solidFill>
               </a:rPr>
-              <a:t>Être notifier</a:t>
-            </a:r>
+              <a:t>du </a:t>
+            </a:r>
+            <a:r>
+              <a:rPr lang="fr-FR" sz="3000" dirty="0" smtClean="0">
+                <a:solidFill>
+                  <a:srgbClr val="FFC000"/>
+                </a:solidFill>
+              </a:rPr>
+              <a:t>stock</a:t>
+            </a:r>
+          </a:p>
+          <a:p>
+            <a:r>
+              <a:rPr lang="fr-FR" sz="3000" dirty="0" smtClean="0">
+                <a:solidFill>
+                  <a:srgbClr val="FFC000"/>
+                </a:solidFill>
+              </a:rPr>
+              <a:t>Connaître le motif d’emprunt</a:t>
+            </a:r>
+          </a:p>
+          <a:p>
+            <a:r>
+              <a:rPr lang="fr-FR" sz="3000" dirty="0" smtClean="0">
+                <a:solidFill>
+                  <a:srgbClr val="FFC000"/>
+                </a:solidFill>
+              </a:rPr>
+              <a:t>Connaître la date de rendu</a:t>
+            </a:r>
+            <a:endParaRPr lang="fr-FR" sz="3000" dirty="0" smtClean="0">
+              <a:solidFill>
+                <a:srgbClr val="FFC000"/>
+              </a:solidFill>
+            </a:endParaRPr>
+          </a:p>
+          <a:p>
+            <a:r>
+              <a:rPr lang="fr-FR" sz="3000" dirty="0" smtClean="0">
+                <a:solidFill>
+                  <a:srgbClr val="FFC000"/>
+                </a:solidFill>
+              </a:rPr>
+              <a:t>Être </a:t>
+            </a:r>
+            <a:r>
+              <a:rPr lang="fr-FR" sz="3000" dirty="0" smtClean="0">
+                <a:solidFill>
+                  <a:srgbClr val="FFC000"/>
+                </a:solidFill>
+              </a:rPr>
+              <a:t>averti</a:t>
+            </a:r>
+            <a:endParaRPr lang="fr-FR" sz="3000" dirty="0" smtClean="0">
+              <a:solidFill>
+                <a:srgbClr val="FFC000"/>
+              </a:solidFill>
+            </a:endParaRPr>
           </a:p>
           <a:p>
             <a:pPr lvl="1"/>
@@ -10403,8 +13211,29 @@
                   <a:srgbClr val="FFC000"/>
                 </a:solidFill>
               </a:rPr>
-              <a:t>Remise ou retour de matériel</a:t>
-            </a:r>
+              <a:t>Remise ou retour de </a:t>
+            </a:r>
+            <a:r>
+              <a:rPr lang="fr-FR" sz="1800" dirty="0" smtClean="0">
+                <a:solidFill>
+                  <a:srgbClr val="FFC000"/>
+                </a:solidFill>
+              </a:rPr>
+              <a:t>matériel</a:t>
+            </a:r>
+          </a:p>
+          <a:p>
+            <a:r>
+              <a:rPr lang="fr-FR" sz="3000" dirty="0" smtClean="0">
+                <a:solidFill>
+                  <a:srgbClr val="FFC000"/>
+                </a:solidFill>
+              </a:rPr>
+              <a:t>Consulter un historique des emprunts</a:t>
+            </a:r>
+          </a:p>
+          <a:p>
+            <a:pPr lvl="1"/>
             <a:endParaRPr lang="fr-FR" sz="1800" dirty="0"/>
           </a:p>
         </p:txBody>
@@ -10663,8 +13492,31 @@
                   <a:srgbClr val="FFC000"/>
                 </a:solidFill>
               </a:rPr>
-              <a:t>Connaître les caractéristiques du matériel</a:t>
-            </a:r>
+              <a:t>Connaître les caractéristiques du </a:t>
+            </a:r>
+            <a:r>
+              <a:rPr lang="fr-FR" dirty="0" smtClean="0">
+                <a:solidFill>
+                  <a:srgbClr val="FFC000"/>
+                </a:solidFill>
+              </a:rPr>
+              <a:t>matériel</a:t>
+            </a:r>
+          </a:p>
+          <a:p>
+            <a:r>
+              <a:rPr lang="fr-FR" dirty="0" smtClean="0">
+                <a:solidFill>
+                  <a:srgbClr val="FFC000"/>
+                </a:solidFill>
+              </a:rPr>
+              <a:t>Connaître l’état du stock</a:t>
+            </a:r>
+          </a:p>
+          <a:p>
+            <a:pPr>
+              <a:buNone/>
+            </a:pPr>
             <a:endParaRPr lang="fr-FR" dirty="0"/>
           </a:p>
         </p:txBody>
@@ -10882,7 +13734,7 @@
                   <a:schemeClr val="bg1"/>
                 </a:solidFill>
               </a:rPr>
-              <a:t>Maquettes</a:t>
+              <a:t>Tri des besoins</a:t>
             </a:r>
             <a:endParaRPr lang="fr-FR" dirty="0">
               <a:solidFill>
@@ -10913,7 +13765,7 @@
                   <a:srgbClr val="FFC000"/>
                 </a:solidFill>
               </a:rPr>
-              <a:t>Réalisation de maquettes</a:t>
+              <a:t>Tri en fonction des priorités</a:t>
             </a:r>
           </a:p>
           <a:p>
@@ -10923,7 +13775,7 @@
                   <a:srgbClr val="FFC000"/>
                 </a:solidFill>
               </a:rPr>
-              <a:t>Entretiens utilisateurs</a:t>
+              <a:t>Tri en fonction des privilèges</a:t>
             </a:r>
           </a:p>
           <a:p>
@@ -10933,13 +13785,8 @@
                   <a:srgbClr val="FFC000"/>
                 </a:solidFill>
               </a:rPr>
-              <a:t>Analyse des entretiens</a:t>
-            </a:r>
-          </a:p>
-          <a:p>
-            <a:pPr>
-              <a:buNone/>
-            </a:pPr>
+              <a:t>Transformation des besoins en fonctionnalités</a:t>
+            </a:r>
             <a:endParaRPr lang="fr-FR" dirty="0"/>
           </a:p>
         </p:txBody>
@@ -11157,13 +14004,65 @@
                   <a:schemeClr val="bg1"/>
                 </a:solidFill>
               </a:rPr>
-              <a:t>Notre démarche</a:t>
+              <a:t>Maquettes</a:t>
             </a:r>
             <a:endParaRPr lang="fr-FR" dirty="0">
               <a:solidFill>
                 <a:schemeClr val="bg1"/>
               </a:solidFill>
             </a:endParaRPr>
+          </a:p>
+        </p:txBody>
+      </p:sp>
+      <p:sp>
+        <p:nvSpPr>
+          <p:cNvPr id="3" name="Espace réservé du contenu 2"/>
+          <p:cNvSpPr>
+            <a:spLocks noGrp="1"/>
+          </p:cNvSpPr>
+          <p:nvPr>
+            <p:ph idx="1"/>
+          </p:nvPr>
+        </p:nvSpPr>
+        <p:spPr/>
+        <p:txBody>
+          <a:bodyPr/>
+          <a:lstStyle/>
+          <a:p>
+            <a:r>
+              <a:rPr lang="fr-FR" dirty="0" smtClean="0">
+                <a:solidFill>
+                  <a:srgbClr val="FFC000"/>
+                </a:solidFill>
+              </a:rPr>
+              <a:t>Réalisation de maquettes</a:t>
+            </a:r>
+          </a:p>
+          <a:p>
+            <a:r>
+              <a:rPr lang="fr-FR" dirty="0" smtClean="0">
+                <a:solidFill>
+                  <a:srgbClr val="FFC000"/>
+                </a:solidFill>
+              </a:rPr>
+              <a:t>Entretiens utilisateurs</a:t>
+            </a:r>
+          </a:p>
+          <a:p>
+            <a:r>
+              <a:rPr lang="fr-FR" dirty="0" smtClean="0">
+                <a:solidFill>
+                  <a:srgbClr val="FFC000"/>
+                </a:solidFill>
+              </a:rPr>
+              <a:t>Analyse des entretiens</a:t>
+            </a:r>
+          </a:p>
+          <a:p>
+            <a:pPr>
+              <a:buNone/>
+            </a:pPr>
+            <a:endParaRPr lang="fr-FR" dirty="0"/>
           </a:p>
         </p:txBody>
       </p:sp>
@@ -11235,306 +14134,6 @@
           </a:p>
         </p:txBody>
       </p:sp>
-      <p:sp>
-        <p:nvSpPr>
-          <p:cNvPr id="8" name="ZoneTexte 7"/>
-          <p:cNvSpPr txBox="1"/>
-          <p:nvPr/>
-        </p:nvSpPr>
-        <p:spPr>
-          <a:xfrm>
-            <a:off x="395536" y="3068960"/>
-            <a:ext cx="2088232" cy="954107"/>
-          </a:xfrm>
-          <a:prstGeom prst="rect">
-            <a:avLst/>
-          </a:prstGeom>
-          <a:noFill/>
-        </p:spPr>
-        <p:txBody>
-          <a:bodyPr wrap="square" rtlCol="0">
-            <a:spAutoFit/>
-          </a:bodyPr>
-          <a:lstStyle/>
-          <a:p>
-            <a:r>
-              <a:rPr lang="fr-FR" sz="2800" dirty="0" smtClean="0">
-                <a:solidFill>
-                  <a:srgbClr val="FFC000"/>
-                </a:solidFill>
-              </a:rPr>
-              <a:t>Analyse Utilisateurs</a:t>
-            </a:r>
-            <a:endParaRPr lang="fr-FR" dirty="0">
-              <a:solidFill>
-                <a:srgbClr val="FFC000"/>
-              </a:solidFill>
-            </a:endParaRPr>
-          </a:p>
-        </p:txBody>
-      </p:sp>
-      <p:sp>
-        <p:nvSpPr>
-          <p:cNvPr id="9" name="ZoneTexte 8"/>
-          <p:cNvSpPr txBox="1"/>
-          <p:nvPr/>
-        </p:nvSpPr>
-        <p:spPr>
-          <a:xfrm>
-            <a:off x="3203848" y="3212976"/>
-            <a:ext cx="2088232" cy="523220"/>
-          </a:xfrm>
-          <a:prstGeom prst="rect">
-            <a:avLst/>
-          </a:prstGeom>
-          <a:noFill/>
-        </p:spPr>
-        <p:txBody>
-          <a:bodyPr wrap="square" rtlCol="0">
-            <a:spAutoFit/>
-          </a:bodyPr>
-          <a:lstStyle/>
-          <a:p>
-            <a:r>
-              <a:rPr lang="fr-FR" sz="2800" b="1" dirty="0" smtClean="0">
-                <a:solidFill>
-                  <a:schemeClr val="accent6">
-                    <a:lumMod val="75000"/>
-                  </a:schemeClr>
-                </a:solidFill>
-              </a:rPr>
-              <a:t>Conception</a:t>
-            </a:r>
-            <a:endParaRPr lang="fr-FR" b="1" dirty="0">
-              <a:solidFill>
-                <a:schemeClr val="accent6">
-                  <a:lumMod val="75000"/>
-                </a:schemeClr>
-              </a:solidFill>
-            </a:endParaRPr>
-          </a:p>
-        </p:txBody>
-      </p:sp>
-      <p:sp>
-        <p:nvSpPr>
-          <p:cNvPr id="10" name="ZoneTexte 9"/>
-          <p:cNvSpPr txBox="1"/>
-          <p:nvPr/>
-        </p:nvSpPr>
-        <p:spPr>
-          <a:xfrm>
-            <a:off x="6335688" y="2276872"/>
-            <a:ext cx="2808312" cy="523220"/>
-          </a:xfrm>
-          <a:prstGeom prst="rect">
-            <a:avLst/>
-          </a:prstGeom>
-          <a:noFill/>
-        </p:spPr>
-        <p:txBody>
-          <a:bodyPr wrap="square" rtlCol="0">
-            <a:spAutoFit/>
-          </a:bodyPr>
-          <a:lstStyle/>
-          <a:p>
-            <a:r>
-              <a:rPr lang="fr-FR" sz="2800" dirty="0" smtClean="0">
-                <a:solidFill>
-                  <a:srgbClr val="FFC000"/>
-                </a:solidFill>
-              </a:rPr>
-              <a:t>Implémentation</a:t>
-            </a:r>
-            <a:endParaRPr lang="fr-FR" dirty="0">
-              <a:solidFill>
-                <a:srgbClr val="FFC000"/>
-              </a:solidFill>
-            </a:endParaRPr>
-          </a:p>
-        </p:txBody>
-      </p:sp>
-      <p:sp>
-        <p:nvSpPr>
-          <p:cNvPr id="11" name="ZoneTexte 10"/>
-          <p:cNvSpPr txBox="1"/>
-          <p:nvPr/>
-        </p:nvSpPr>
-        <p:spPr>
-          <a:xfrm>
-            <a:off x="6300192" y="4293096"/>
-            <a:ext cx="2808312" cy="523220"/>
-          </a:xfrm>
-          <a:prstGeom prst="rect">
-            <a:avLst/>
-          </a:prstGeom>
-          <a:noFill/>
-        </p:spPr>
-        <p:txBody>
-          <a:bodyPr wrap="square" rtlCol="0">
-            <a:spAutoFit/>
-          </a:bodyPr>
-          <a:lstStyle/>
-          <a:p>
-            <a:r>
-              <a:rPr lang="fr-FR" sz="2800" dirty="0" smtClean="0">
-                <a:solidFill>
-                  <a:srgbClr val="FFC000"/>
-                </a:solidFill>
-              </a:rPr>
-              <a:t>Tests utilisateurs</a:t>
-            </a:r>
-            <a:endParaRPr lang="fr-FR" dirty="0">
-              <a:solidFill>
-                <a:srgbClr val="FFC000"/>
-              </a:solidFill>
-            </a:endParaRPr>
-          </a:p>
-        </p:txBody>
-      </p:sp>
-      <p:cxnSp>
-        <p:nvCxnSpPr>
-          <p:cNvPr id="12" name="Connecteur droit avec flèche 11"/>
-          <p:cNvCxnSpPr/>
-          <p:nvPr/>
-        </p:nvCxnSpPr>
-        <p:spPr>
-          <a:xfrm>
-            <a:off x="2267744" y="3501008"/>
-            <a:ext cx="792088" cy="0"/>
-          </a:xfrm>
-          <a:prstGeom prst="straightConnector1">
-            <a:avLst/>
-          </a:prstGeom>
-          <a:ln w="38100">
-            <a:solidFill>
-              <a:srgbClr val="FFC000"/>
-            </a:solidFill>
-            <a:tailEnd type="arrow"/>
-          </a:ln>
-        </p:spPr>
-        <p:style>
-          <a:lnRef idx="1">
-            <a:schemeClr val="accent1"/>
-          </a:lnRef>
-          <a:fillRef idx="0">
-            <a:schemeClr val="accent1"/>
-          </a:fillRef>
-          <a:effectRef idx="0">
-            <a:schemeClr val="accent1"/>
-          </a:effectRef>
-          <a:fontRef idx="minor">
-            <a:schemeClr val="tx1"/>
-          </a:fontRef>
-        </p:style>
-      </p:cxnSp>
-      <p:cxnSp>
-        <p:nvCxnSpPr>
-          <p:cNvPr id="14" name="Connecteur droit avec flèche 13"/>
-          <p:cNvCxnSpPr/>
-          <p:nvPr/>
-        </p:nvCxnSpPr>
-        <p:spPr>
-          <a:xfrm flipV="1">
-            <a:off x="5076056" y="2564904"/>
-            <a:ext cx="1008112" cy="746502"/>
-          </a:xfrm>
-          <a:prstGeom prst="straightConnector1">
-            <a:avLst/>
-          </a:prstGeom>
-          <a:ln w="38100">
-            <a:solidFill>
-              <a:srgbClr val="FFC000"/>
-            </a:solidFill>
-            <a:tailEnd type="arrow"/>
-          </a:ln>
-        </p:spPr>
-        <p:style>
-          <a:lnRef idx="1">
-            <a:schemeClr val="accent1"/>
-          </a:lnRef>
-          <a:fillRef idx="0">
-            <a:schemeClr val="accent1"/>
-          </a:fillRef>
-          <a:effectRef idx="0">
-            <a:schemeClr val="accent1"/>
-          </a:effectRef>
-          <a:fontRef idx="minor">
-            <a:schemeClr val="tx1"/>
-          </a:fontRef>
-        </p:style>
-      </p:cxnSp>
-      <p:cxnSp>
-        <p:nvCxnSpPr>
-          <p:cNvPr id="17" name="Connecteur droit avec flèche 16"/>
-          <p:cNvCxnSpPr/>
-          <p:nvPr/>
-        </p:nvCxnSpPr>
-        <p:spPr>
-          <a:xfrm>
-            <a:off x="7452320" y="2852936"/>
-            <a:ext cx="0" cy="1152128"/>
-          </a:xfrm>
-          <a:prstGeom prst="straightConnector1">
-            <a:avLst/>
-          </a:prstGeom>
-          <a:ln w="38100">
-            <a:solidFill>
-              <a:srgbClr val="FFC000"/>
-            </a:solidFill>
-            <a:tailEnd type="arrow"/>
-          </a:ln>
-        </p:spPr>
-        <p:style>
-          <a:lnRef idx="1">
-            <a:schemeClr val="accent1"/>
-          </a:lnRef>
-          <a:fillRef idx="0">
-            <a:schemeClr val="accent1"/>
-          </a:fillRef>
-          <a:effectRef idx="0">
-            <a:schemeClr val="accent1"/>
-          </a:effectRef>
-          <a:fontRef idx="minor">
-            <a:schemeClr val="tx1"/>
-          </a:fontRef>
-        </p:style>
-      </p:cxnSp>
-      <p:cxnSp>
-        <p:nvCxnSpPr>
-          <p:cNvPr id="20" name="Connecteur droit avec flèche 19"/>
-          <p:cNvCxnSpPr/>
-          <p:nvPr/>
-        </p:nvCxnSpPr>
-        <p:spPr>
-          <a:xfrm flipH="1" flipV="1">
-            <a:off x="5004048" y="3789040"/>
-            <a:ext cx="1080120" cy="864096"/>
-          </a:xfrm>
-          <a:prstGeom prst="straightConnector1">
-            <a:avLst/>
-          </a:prstGeom>
-          <a:ln w="38100">
-            <a:solidFill>
-              <a:srgbClr val="FFC000"/>
-            </a:solidFill>
-            <a:tailEnd type="arrow"/>
-          </a:ln>
-        </p:spPr>
-        <p:style>
-          <a:lnRef idx="1">
-            <a:schemeClr val="accent1"/>
-          </a:lnRef>
-          <a:fillRef idx="0">
-            <a:schemeClr val="accent1"/>
-          </a:fillRef>
-          <a:effectRef idx="0">
-            <a:schemeClr val="accent1"/>
-          </a:effectRef>
-          <a:fontRef idx="minor">
-            <a:schemeClr val="tx1"/>
-          </a:fontRef>
-        </p:style>
-      </p:cxnSp>
     </p:spTree>
   </p:cSld>
   <p:clrMapOvr>

--- a/Livrables/D1.3 - DEF.pptx
+++ b/Livrables/D1.3 - DEF.pptx
@@ -5,7 +5,7 @@
     <p:sldMasterId id="2147483648" r:id="rId1"/>
   </p:sldMasterIdLst>
   <p:notesMasterIdLst>
-    <p:notesMasterId r:id="rId46"/>
+    <p:notesMasterId r:id="rId52"/>
   </p:notesMasterIdLst>
   <p:sldIdLst>
     <p:sldId id="259" r:id="rId2"/>
@@ -36,22 +36,28 @@
     <p:sldId id="273" r:id="rId27"/>
     <p:sldId id="304" r:id="rId28"/>
     <p:sldId id="298" r:id="rId29"/>
-    <p:sldId id="299" r:id="rId30"/>
-    <p:sldId id="300" r:id="rId31"/>
-    <p:sldId id="301" r:id="rId32"/>
-    <p:sldId id="302" r:id="rId33"/>
-    <p:sldId id="303" r:id="rId34"/>
-    <p:sldId id="297" r:id="rId35"/>
-    <p:sldId id="305" r:id="rId36"/>
-    <p:sldId id="306" r:id="rId37"/>
-    <p:sldId id="307" r:id="rId38"/>
-    <p:sldId id="308" r:id="rId39"/>
-    <p:sldId id="310" r:id="rId40"/>
-    <p:sldId id="309" r:id="rId41"/>
-    <p:sldId id="290" r:id="rId42"/>
-    <p:sldId id="277" r:id="rId43"/>
-    <p:sldId id="264" r:id="rId44"/>
-    <p:sldId id="278" r:id="rId45"/>
+    <p:sldId id="311" r:id="rId30"/>
+    <p:sldId id="313" r:id="rId31"/>
+    <p:sldId id="299" r:id="rId32"/>
+    <p:sldId id="300" r:id="rId33"/>
+    <p:sldId id="314" r:id="rId34"/>
+    <p:sldId id="301" r:id="rId35"/>
+    <p:sldId id="316" r:id="rId36"/>
+    <p:sldId id="302" r:id="rId37"/>
+    <p:sldId id="303" r:id="rId38"/>
+    <p:sldId id="315" r:id="rId39"/>
+    <p:sldId id="312" r:id="rId40"/>
+    <p:sldId id="297" r:id="rId41"/>
+    <p:sldId id="305" r:id="rId42"/>
+    <p:sldId id="306" r:id="rId43"/>
+    <p:sldId id="307" r:id="rId44"/>
+    <p:sldId id="308" r:id="rId45"/>
+    <p:sldId id="310" r:id="rId46"/>
+    <p:sldId id="309" r:id="rId47"/>
+    <p:sldId id="290" r:id="rId48"/>
+    <p:sldId id="277" r:id="rId49"/>
+    <p:sldId id="264" r:id="rId50"/>
+    <p:sldId id="278" r:id="rId51"/>
   </p:sldIdLst>
   <p:sldSz cx="9144000" cy="5143500" type="screen16x9"/>
   <p:notesSz cx="6858000" cy="9144000"/>
@@ -155,17 +161,8 @@
 
 <file path=ppt/charts/chart1.xml><?xml version="1.0" encoding="utf-8"?>
 <c:chartSpace xmlns:c="http://schemas.openxmlformats.org/drawingml/2006/chart" xmlns:a="http://schemas.openxmlformats.org/drawingml/2006/main" xmlns:r="http://schemas.openxmlformats.org/officeDocument/2006/relationships">
-  <c:date1904 val="0"/>
   <c:lang val="fr-FR"/>
-  <c:roundedCorners val="0"/>
-  <mc:AlternateContent xmlns:mc="http://schemas.openxmlformats.org/markup-compatibility/2006">
-    <mc:Choice xmlns:c14="http://schemas.microsoft.com/office/drawing/2007/8/2/chart" Requires="c14">
-      <c14:style val="118"/>
-    </mc:Choice>
-    <mc:Fallback>
-      <c:style val="18"/>
-    </mc:Fallback>
-  </mc:AlternateContent>
+  <c:style val="18"/>
   <c:chart>
     <c:title>
       <c:tx>
@@ -184,15 +181,12 @@
         </c:rich>
       </c:tx>
       <c:layout/>
-      <c:overlay val="0"/>
     </c:title>
-    <c:autoTitleDeleted val="0"/>
     <c:plotArea>
       <c:layout/>
       <c:barChart>
         <c:barDir val="col"/>
         <c:grouping val="clustered"/>
-        <c:varyColors val="0"/>
         <c:ser>
           <c:idx val="0"/>
           <c:order val="0"/>
@@ -207,7 +201,6 @@
               </c:strCache>
             </c:strRef>
           </c:tx>
-          <c:invertIfNegative val="0"/>
           <c:cat>
             <c:strRef>
               <c:f>Feuil1!$A$2:$A$4</c:f>
@@ -258,7 +251,6 @@
               </c:strCache>
             </c:strRef>
           </c:tx>
-          <c:invertIfNegative val="0"/>
           <c:cat>
             <c:strRef>
               <c:f>Feuil1!$A$2:$A$4</c:f>
@@ -295,43 +287,31 @@
             </c:numRef>
           </c:val>
         </c:ser>
-        <c:dLbls>
-          <c:showLegendKey val="0"/>
-          <c:showVal val="0"/>
-          <c:showCatName val="0"/>
-          <c:showSerName val="0"/>
-          <c:showPercent val="0"/>
-          <c:showBubbleSize val="0"/>
-        </c:dLbls>
         <c:gapWidth val="75"/>
         <c:overlap val="-25"/>
-        <c:axId val="206148736"/>
-        <c:axId val="206150272"/>
+        <c:axId val="110660608"/>
+        <c:axId val="110674688"/>
       </c:barChart>
       <c:catAx>
-        <c:axId val="206148736"/>
+        <c:axId val="110660608"/>
         <c:scaling>
           <c:orientation val="minMax"/>
         </c:scaling>
-        <c:delete val="0"/>
         <c:axPos val="b"/>
         <c:numFmt formatCode="General" sourceLinked="0"/>
         <c:majorTickMark val="none"/>
-        <c:minorTickMark val="none"/>
         <c:tickLblPos val="nextTo"/>
-        <c:crossAx val="206150272"/>
+        <c:crossAx val="110674688"/>
         <c:crosses val="autoZero"/>
         <c:auto val="1"/>
         <c:lblAlgn val="ctr"/>
         <c:lblOffset val="100"/>
-        <c:noMultiLvlLbl val="0"/>
       </c:catAx>
       <c:valAx>
-        <c:axId val="206150272"/>
+        <c:axId val="110674688"/>
         <c:scaling>
           <c:orientation val="minMax"/>
         </c:scaling>
-        <c:delete val="0"/>
         <c:axPos val="l"/>
         <c:majorGridlines/>
         <c:title>
@@ -351,18 +331,16 @@
             </c:rich>
           </c:tx>
           <c:layout/>
-          <c:overlay val="0"/>
         </c:title>
         <c:numFmt formatCode="General" sourceLinked="1"/>
         <c:majorTickMark val="none"/>
-        <c:minorTickMark val="none"/>
         <c:tickLblPos val="nextTo"/>
         <c:spPr>
           <a:ln w="9525">
             <a:noFill/>
           </a:ln>
         </c:spPr>
-        <c:crossAx val="206148736"/>
+        <c:crossAx val="110660608"/>
         <c:crosses val="autoZero"/>
         <c:crossBetween val="between"/>
       </c:valAx>
@@ -370,31 +348,18 @@
     <c:legend>
       <c:legendPos val="b"/>
       <c:layout/>
-      <c:overlay val="0"/>
     </c:legend>
     <c:plotVisOnly val="1"/>
     <c:dispBlanksAs val="gap"/>
-    <c:showDLblsOverMax val="0"/>
   </c:chart>
-  <c:externalData r:id="rId1">
-    <c:autoUpdate val="0"/>
-  </c:externalData>
+  <c:externalData r:id="rId1"/>
 </c:chartSpace>
 </file>
 
 <file path=ppt/charts/chart2.xml><?xml version="1.0" encoding="utf-8"?>
 <c:chartSpace xmlns:c="http://schemas.openxmlformats.org/drawingml/2006/chart" xmlns:a="http://schemas.openxmlformats.org/drawingml/2006/main" xmlns:r="http://schemas.openxmlformats.org/officeDocument/2006/relationships">
-  <c:date1904 val="0"/>
   <c:lang val="fr-FR"/>
-  <c:roundedCorners val="0"/>
-  <mc:AlternateContent xmlns:mc="http://schemas.openxmlformats.org/markup-compatibility/2006">
-    <mc:Choice xmlns:c14="http://schemas.microsoft.com/office/drawing/2007/8/2/chart" Requires="c14">
-      <c14:style val="118"/>
-    </mc:Choice>
-    <mc:Fallback>
-      <c:style val="18"/>
-    </mc:Fallback>
-  </mc:AlternateContent>
+  <c:style val="18"/>
   <c:chart>
     <c:title>
       <c:tx>
@@ -413,15 +378,12 @@
         </c:rich>
       </c:tx>
       <c:layout/>
-      <c:overlay val="0"/>
     </c:title>
-    <c:autoTitleDeleted val="0"/>
     <c:plotArea>
       <c:layout/>
       <c:barChart>
         <c:barDir val="col"/>
         <c:grouping val="clustered"/>
-        <c:varyColors val="0"/>
         <c:ser>
           <c:idx val="0"/>
           <c:order val="0"/>
@@ -436,7 +398,6 @@
               </c:strCache>
             </c:strRef>
           </c:tx>
-          <c:invertIfNegative val="0"/>
           <c:cat>
             <c:strRef>
               <c:f>Feuil1!$A$2:$A$4</c:f>
@@ -487,7 +448,6 @@
               </c:strCache>
             </c:strRef>
           </c:tx>
-          <c:invertIfNegative val="0"/>
           <c:cat>
             <c:strRef>
               <c:f>Feuil1!$A$2:$A$4</c:f>
@@ -524,43 +484,31 @@
             </c:numRef>
           </c:val>
         </c:ser>
-        <c:dLbls>
-          <c:showLegendKey val="0"/>
-          <c:showVal val="0"/>
-          <c:showCatName val="0"/>
-          <c:showSerName val="0"/>
-          <c:showPercent val="0"/>
-          <c:showBubbleSize val="0"/>
-        </c:dLbls>
         <c:gapWidth val="75"/>
         <c:overlap val="-25"/>
-        <c:axId val="36268288"/>
-        <c:axId val="36491648"/>
+        <c:axId val="112142976"/>
+        <c:axId val="112148864"/>
       </c:barChart>
       <c:catAx>
-        <c:axId val="36268288"/>
+        <c:axId val="112142976"/>
         <c:scaling>
           <c:orientation val="minMax"/>
         </c:scaling>
-        <c:delete val="0"/>
         <c:axPos val="b"/>
         <c:numFmt formatCode="General" sourceLinked="0"/>
         <c:majorTickMark val="none"/>
-        <c:minorTickMark val="none"/>
         <c:tickLblPos val="nextTo"/>
-        <c:crossAx val="36491648"/>
+        <c:crossAx val="112148864"/>
         <c:crosses val="autoZero"/>
         <c:auto val="1"/>
         <c:lblAlgn val="ctr"/>
         <c:lblOffset val="100"/>
-        <c:noMultiLvlLbl val="0"/>
       </c:catAx>
       <c:valAx>
-        <c:axId val="36491648"/>
+        <c:axId val="112148864"/>
         <c:scaling>
           <c:orientation val="minMax"/>
         </c:scaling>
-        <c:delete val="0"/>
         <c:axPos val="l"/>
         <c:majorGridlines/>
         <c:title>
@@ -580,18 +528,16 @@
             </c:rich>
           </c:tx>
           <c:layout/>
-          <c:overlay val="0"/>
         </c:title>
         <c:numFmt formatCode="General" sourceLinked="1"/>
         <c:majorTickMark val="none"/>
-        <c:minorTickMark val="none"/>
         <c:tickLblPos val="nextTo"/>
         <c:spPr>
           <a:ln w="9525">
             <a:noFill/>
           </a:ln>
         </c:spPr>
-        <c:crossAx val="36268288"/>
+        <c:crossAx val="112142976"/>
         <c:crosses val="autoZero"/>
         <c:crossBetween val="between"/>
       </c:valAx>
@@ -599,31 +545,18 @@
     <c:legend>
       <c:legendPos val="b"/>
       <c:layout/>
-      <c:overlay val="0"/>
     </c:legend>
     <c:plotVisOnly val="1"/>
     <c:dispBlanksAs val="gap"/>
-    <c:showDLblsOverMax val="0"/>
   </c:chart>
-  <c:externalData r:id="rId1">
-    <c:autoUpdate val="0"/>
-  </c:externalData>
+  <c:externalData r:id="rId1"/>
 </c:chartSpace>
 </file>
 
 <file path=ppt/charts/chart3.xml><?xml version="1.0" encoding="utf-8"?>
 <c:chartSpace xmlns:c="http://schemas.openxmlformats.org/drawingml/2006/chart" xmlns:a="http://schemas.openxmlformats.org/drawingml/2006/main" xmlns:r="http://schemas.openxmlformats.org/officeDocument/2006/relationships">
-  <c:date1904 val="0"/>
   <c:lang val="fr-FR"/>
-  <c:roundedCorners val="0"/>
-  <mc:AlternateContent xmlns:mc="http://schemas.openxmlformats.org/markup-compatibility/2006">
-    <mc:Choice xmlns:c14="http://schemas.microsoft.com/office/drawing/2007/8/2/chart" Requires="c14">
-      <c14:style val="118"/>
-    </mc:Choice>
-    <mc:Fallback>
-      <c:style val="18"/>
-    </mc:Fallback>
-  </mc:AlternateContent>
+  <c:style val="18"/>
   <c:chart>
     <c:title>
       <c:tx>
@@ -642,15 +575,12 @@
         </c:rich>
       </c:tx>
       <c:layout/>
-      <c:overlay val="0"/>
     </c:title>
-    <c:autoTitleDeleted val="0"/>
     <c:plotArea>
       <c:layout/>
       <c:barChart>
         <c:barDir val="col"/>
         <c:grouping val="clustered"/>
-        <c:varyColors val="0"/>
         <c:ser>
           <c:idx val="0"/>
           <c:order val="0"/>
@@ -665,7 +595,6 @@
               </c:strCache>
             </c:strRef>
           </c:tx>
-          <c:invertIfNegative val="0"/>
           <c:cat>
             <c:strRef>
               <c:f>Feuil1!$A$2:$A$3</c:f>
@@ -710,7 +639,6 @@
               </c:strCache>
             </c:strRef>
           </c:tx>
-          <c:invertIfNegative val="0"/>
           <c:cat>
             <c:strRef>
               <c:f>Feuil1!$A$2:$A$3</c:f>
@@ -741,43 +669,31 @@
             </c:numRef>
           </c:val>
         </c:ser>
-        <c:dLbls>
-          <c:showLegendKey val="0"/>
-          <c:showVal val="0"/>
-          <c:showCatName val="0"/>
-          <c:showSerName val="0"/>
-          <c:showPercent val="0"/>
-          <c:showBubbleSize val="0"/>
-        </c:dLbls>
         <c:gapWidth val="75"/>
         <c:overlap val="-25"/>
-        <c:axId val="116054656"/>
-        <c:axId val="122847616"/>
+        <c:axId val="69867776"/>
+        <c:axId val="69881856"/>
       </c:barChart>
       <c:catAx>
-        <c:axId val="116054656"/>
+        <c:axId val="69867776"/>
         <c:scaling>
           <c:orientation val="minMax"/>
         </c:scaling>
-        <c:delete val="0"/>
         <c:axPos val="b"/>
         <c:numFmt formatCode="General" sourceLinked="0"/>
         <c:majorTickMark val="none"/>
-        <c:minorTickMark val="none"/>
         <c:tickLblPos val="nextTo"/>
-        <c:crossAx val="122847616"/>
+        <c:crossAx val="69881856"/>
         <c:crosses val="autoZero"/>
         <c:auto val="1"/>
         <c:lblAlgn val="ctr"/>
         <c:lblOffset val="100"/>
-        <c:noMultiLvlLbl val="0"/>
       </c:catAx>
       <c:valAx>
-        <c:axId val="122847616"/>
+        <c:axId val="69881856"/>
         <c:scaling>
           <c:orientation val="minMax"/>
         </c:scaling>
-        <c:delete val="0"/>
         <c:axPos val="l"/>
         <c:majorGridlines/>
         <c:title>
@@ -797,18 +713,16 @@
             </c:rich>
           </c:tx>
           <c:layout/>
-          <c:overlay val="0"/>
         </c:title>
         <c:numFmt formatCode="General" sourceLinked="1"/>
         <c:majorTickMark val="none"/>
-        <c:minorTickMark val="none"/>
         <c:tickLblPos val="nextTo"/>
         <c:spPr>
           <a:ln w="9525">
             <a:noFill/>
           </a:ln>
         </c:spPr>
-        <c:crossAx val="116054656"/>
+        <c:crossAx val="69867776"/>
         <c:crosses val="autoZero"/>
         <c:crossBetween val="between"/>
       </c:valAx>
@@ -816,31 +730,18 @@
     <c:legend>
       <c:legendPos val="b"/>
       <c:layout/>
-      <c:overlay val="0"/>
     </c:legend>
     <c:plotVisOnly val="1"/>
     <c:dispBlanksAs val="gap"/>
-    <c:showDLblsOverMax val="0"/>
   </c:chart>
-  <c:externalData r:id="rId1">
-    <c:autoUpdate val="0"/>
-  </c:externalData>
+  <c:externalData r:id="rId1"/>
 </c:chartSpace>
 </file>
 
 <file path=ppt/charts/chart4.xml><?xml version="1.0" encoding="utf-8"?>
 <c:chartSpace xmlns:c="http://schemas.openxmlformats.org/drawingml/2006/chart" xmlns:a="http://schemas.openxmlformats.org/drawingml/2006/main" xmlns:r="http://schemas.openxmlformats.org/officeDocument/2006/relationships">
-  <c:date1904 val="0"/>
   <c:lang val="fr-FR"/>
-  <c:roundedCorners val="0"/>
-  <mc:AlternateContent xmlns:mc="http://schemas.openxmlformats.org/markup-compatibility/2006">
-    <mc:Choice xmlns:c14="http://schemas.microsoft.com/office/drawing/2007/8/2/chart" Requires="c14">
-      <c14:style val="118"/>
-    </mc:Choice>
-    <mc:Fallback>
-      <c:style val="18"/>
-    </mc:Fallback>
-  </mc:AlternateContent>
+  <c:style val="18"/>
   <c:chart>
     <c:title>
       <c:tx>
@@ -859,15 +760,12 @@
         </c:rich>
       </c:tx>
       <c:layout/>
-      <c:overlay val="0"/>
     </c:title>
-    <c:autoTitleDeleted val="0"/>
     <c:plotArea>
       <c:layout/>
       <c:barChart>
         <c:barDir val="col"/>
         <c:grouping val="clustered"/>
-        <c:varyColors val="0"/>
         <c:ser>
           <c:idx val="0"/>
           <c:order val="0"/>
@@ -882,7 +780,6 @@
               </c:strCache>
             </c:strRef>
           </c:tx>
-          <c:invertIfNegative val="0"/>
           <c:cat>
             <c:strRef>
               <c:f>Feuil1!$A$2:$A$4</c:f>
@@ -933,7 +830,6 @@
               </c:strCache>
             </c:strRef>
           </c:tx>
-          <c:invertIfNegative val="0"/>
           <c:cat>
             <c:strRef>
               <c:f>Feuil1!$A$2:$A$4</c:f>
@@ -970,43 +866,31 @@
             </c:numRef>
           </c:val>
         </c:ser>
-        <c:dLbls>
-          <c:showLegendKey val="0"/>
-          <c:showVal val="0"/>
-          <c:showCatName val="0"/>
-          <c:showSerName val="0"/>
-          <c:showPercent val="0"/>
-          <c:showBubbleSize val="0"/>
-        </c:dLbls>
         <c:gapWidth val="75"/>
         <c:overlap val="-25"/>
-        <c:axId val="68158208"/>
-        <c:axId val="68214784"/>
+        <c:axId val="112232320"/>
+        <c:axId val="112233856"/>
       </c:barChart>
       <c:catAx>
-        <c:axId val="68158208"/>
+        <c:axId val="112232320"/>
         <c:scaling>
           <c:orientation val="minMax"/>
         </c:scaling>
-        <c:delete val="0"/>
         <c:axPos val="b"/>
         <c:numFmt formatCode="General" sourceLinked="0"/>
         <c:majorTickMark val="none"/>
-        <c:minorTickMark val="none"/>
         <c:tickLblPos val="nextTo"/>
-        <c:crossAx val="68214784"/>
+        <c:crossAx val="112233856"/>
         <c:crosses val="autoZero"/>
         <c:auto val="1"/>
         <c:lblAlgn val="ctr"/>
         <c:lblOffset val="100"/>
-        <c:noMultiLvlLbl val="0"/>
       </c:catAx>
       <c:valAx>
-        <c:axId val="68214784"/>
+        <c:axId val="112233856"/>
         <c:scaling>
           <c:orientation val="minMax"/>
         </c:scaling>
-        <c:delete val="0"/>
         <c:axPos val="l"/>
         <c:majorGridlines/>
         <c:title>
@@ -1026,18 +910,16 @@
             </c:rich>
           </c:tx>
           <c:layout/>
-          <c:overlay val="0"/>
         </c:title>
         <c:numFmt formatCode="General" sourceLinked="1"/>
         <c:majorTickMark val="none"/>
-        <c:minorTickMark val="none"/>
         <c:tickLblPos val="nextTo"/>
         <c:spPr>
           <a:ln w="9525">
             <a:noFill/>
           </a:ln>
         </c:spPr>
-        <c:crossAx val="68158208"/>
+        <c:crossAx val="112232320"/>
         <c:crosses val="autoZero"/>
         <c:crossBetween val="between"/>
       </c:valAx>
@@ -1045,31 +927,18 @@
     <c:legend>
       <c:legendPos val="b"/>
       <c:layout/>
-      <c:overlay val="0"/>
     </c:legend>
     <c:plotVisOnly val="1"/>
     <c:dispBlanksAs val="gap"/>
-    <c:showDLblsOverMax val="0"/>
   </c:chart>
-  <c:externalData r:id="rId1">
-    <c:autoUpdate val="0"/>
-  </c:externalData>
+  <c:externalData r:id="rId1"/>
 </c:chartSpace>
 </file>
 
 <file path=ppt/charts/chart5.xml><?xml version="1.0" encoding="utf-8"?>
 <c:chartSpace xmlns:c="http://schemas.openxmlformats.org/drawingml/2006/chart" xmlns:a="http://schemas.openxmlformats.org/drawingml/2006/main" xmlns:r="http://schemas.openxmlformats.org/officeDocument/2006/relationships">
-  <c:date1904 val="0"/>
   <c:lang val="fr-FR"/>
-  <c:roundedCorners val="0"/>
-  <mc:AlternateContent xmlns:mc="http://schemas.openxmlformats.org/markup-compatibility/2006">
-    <mc:Choice xmlns:c14="http://schemas.microsoft.com/office/drawing/2007/8/2/chart" Requires="c14">
-      <c14:style val="118"/>
-    </mc:Choice>
-    <mc:Fallback>
-      <c:style val="18"/>
-    </mc:Fallback>
-  </mc:AlternateContent>
+  <c:style val="18"/>
   <c:chart>
     <c:title>
       <c:tx>
@@ -1088,15 +957,12 @@
         </c:rich>
       </c:tx>
       <c:layout/>
-      <c:overlay val="0"/>
     </c:title>
-    <c:autoTitleDeleted val="0"/>
     <c:plotArea>
       <c:layout/>
       <c:barChart>
         <c:barDir val="col"/>
         <c:grouping val="clustered"/>
-        <c:varyColors val="0"/>
         <c:ser>
           <c:idx val="0"/>
           <c:order val="0"/>
@@ -1111,7 +977,6 @@
               </c:strCache>
             </c:strRef>
           </c:tx>
-          <c:invertIfNegative val="0"/>
           <c:cat>
             <c:strRef>
               <c:f>Feuil1!$A$2:$A$3</c:f>
@@ -1156,7 +1021,6 @@
               </c:strCache>
             </c:strRef>
           </c:tx>
-          <c:invertIfNegative val="0"/>
           <c:cat>
             <c:strRef>
               <c:f>Feuil1!$A$2:$A$3</c:f>
@@ -1187,43 +1051,31 @@
             </c:numRef>
           </c:val>
         </c:ser>
-        <c:dLbls>
-          <c:showLegendKey val="0"/>
-          <c:showVal val="0"/>
-          <c:showCatName val="0"/>
-          <c:showSerName val="0"/>
-          <c:showPercent val="0"/>
-          <c:showBubbleSize val="0"/>
-        </c:dLbls>
         <c:gapWidth val="75"/>
         <c:overlap val="-25"/>
-        <c:axId val="79717888"/>
-        <c:axId val="79719424"/>
+        <c:axId val="112379392"/>
+        <c:axId val="112380928"/>
       </c:barChart>
       <c:catAx>
-        <c:axId val="79717888"/>
+        <c:axId val="112379392"/>
         <c:scaling>
           <c:orientation val="minMax"/>
         </c:scaling>
-        <c:delete val="0"/>
         <c:axPos val="b"/>
         <c:numFmt formatCode="General" sourceLinked="0"/>
         <c:majorTickMark val="none"/>
-        <c:minorTickMark val="none"/>
         <c:tickLblPos val="nextTo"/>
-        <c:crossAx val="79719424"/>
+        <c:crossAx val="112380928"/>
         <c:crosses val="autoZero"/>
         <c:auto val="1"/>
         <c:lblAlgn val="ctr"/>
         <c:lblOffset val="100"/>
-        <c:noMultiLvlLbl val="0"/>
       </c:catAx>
       <c:valAx>
-        <c:axId val="79719424"/>
+        <c:axId val="112380928"/>
         <c:scaling>
           <c:orientation val="minMax"/>
         </c:scaling>
-        <c:delete val="0"/>
         <c:axPos val="l"/>
         <c:majorGridlines/>
         <c:title>
@@ -1243,18 +1095,16 @@
             </c:rich>
           </c:tx>
           <c:layout/>
-          <c:overlay val="0"/>
         </c:title>
         <c:numFmt formatCode="General" sourceLinked="1"/>
         <c:majorTickMark val="none"/>
-        <c:minorTickMark val="none"/>
         <c:tickLblPos val="nextTo"/>
         <c:spPr>
           <a:ln w="9525">
             <a:noFill/>
           </a:ln>
         </c:spPr>
-        <c:crossAx val="79717888"/>
+        <c:crossAx val="112379392"/>
         <c:crosses val="autoZero"/>
         <c:crossBetween val="between"/>
       </c:valAx>
@@ -1262,31 +1112,18 @@
     <c:legend>
       <c:legendPos val="b"/>
       <c:layout/>
-      <c:overlay val="0"/>
     </c:legend>
     <c:plotVisOnly val="1"/>
     <c:dispBlanksAs val="gap"/>
-    <c:showDLblsOverMax val="0"/>
   </c:chart>
-  <c:externalData r:id="rId1">
-    <c:autoUpdate val="0"/>
-  </c:externalData>
+  <c:externalData r:id="rId1"/>
 </c:chartSpace>
 </file>
 
 <file path=ppt/charts/chart6.xml><?xml version="1.0" encoding="utf-8"?>
 <c:chartSpace xmlns:c="http://schemas.openxmlformats.org/drawingml/2006/chart" xmlns:a="http://schemas.openxmlformats.org/drawingml/2006/main" xmlns:r="http://schemas.openxmlformats.org/officeDocument/2006/relationships">
-  <c:date1904 val="0"/>
   <c:lang val="fr-FR"/>
-  <c:roundedCorners val="0"/>
-  <mc:AlternateContent xmlns:mc="http://schemas.openxmlformats.org/markup-compatibility/2006">
-    <mc:Choice xmlns:c14="http://schemas.microsoft.com/office/drawing/2007/8/2/chart" Requires="c14">
-      <c14:style val="118"/>
-    </mc:Choice>
-    <mc:Fallback>
-      <c:style val="18"/>
-    </mc:Fallback>
-  </mc:AlternateContent>
+  <c:style val="18"/>
   <c:chart>
     <c:title>
       <c:tx>
@@ -1309,15 +1146,11 @@
           </a:p>
         </c:rich>
       </c:tx>
-      <c:layout/>
-      <c:overlay val="0"/>
     </c:title>
-    <c:autoTitleDeleted val="0"/>
     <c:plotArea>
       <c:layout/>
       <c:lineChart>
         <c:grouping val="standard"/>
-        <c:varyColors val="0"/>
         <c:ser>
           <c:idx val="0"/>
           <c:order val="0"/>
@@ -1479,7 +1312,6 @@
               </c:numCache>
             </c:numRef>
           </c:val>
-          <c:smooth val="0"/>
         </c:ser>
         <c:ser>
           <c:idx val="1"/>
@@ -1642,28 +1474,17 @@
               </c:numCache>
             </c:numRef>
           </c:val>
-          <c:smooth val="0"/>
         </c:ser>
-        <c:dLbls>
-          <c:showLegendKey val="0"/>
-          <c:showVal val="0"/>
-          <c:showCatName val="0"/>
-          <c:showSerName val="0"/>
-          <c:showPercent val="0"/>
-          <c:showBubbleSize val="0"/>
-        </c:dLbls>
         <c:hiLowLines/>
         <c:marker val="1"/>
-        <c:smooth val="0"/>
-        <c:axId val="34837248"/>
-        <c:axId val="34839168"/>
+        <c:axId val="112311296"/>
+        <c:axId val="112317568"/>
       </c:lineChart>
       <c:catAx>
-        <c:axId val="34837248"/>
+        <c:axId val="112311296"/>
         <c:scaling>
           <c:orientation val="minMax"/>
         </c:scaling>
-        <c:delete val="0"/>
         <c:axPos val="b"/>
         <c:title>
           <c:tx>
@@ -1681,26 +1502,21 @@
               </a:p>
             </c:rich>
           </c:tx>
-          <c:layout/>
-          <c:overlay val="0"/>
         </c:title>
         <c:numFmt formatCode="General" sourceLinked="1"/>
         <c:majorTickMark val="none"/>
-        <c:minorTickMark val="none"/>
         <c:tickLblPos val="nextTo"/>
-        <c:crossAx val="34839168"/>
+        <c:crossAx val="112317568"/>
         <c:crosses val="autoZero"/>
         <c:auto val="1"/>
         <c:lblAlgn val="ctr"/>
         <c:lblOffset val="100"/>
-        <c:noMultiLvlLbl val="0"/>
       </c:catAx>
       <c:valAx>
-        <c:axId val="34839168"/>
+        <c:axId val="112317568"/>
         <c:scaling>
           <c:orientation val="minMax"/>
         </c:scaling>
-        <c:delete val="0"/>
         <c:axPos val="l"/>
         <c:majorGridlines/>
         <c:title>
@@ -1719,33 +1535,24 @@
               </a:p>
             </c:rich>
           </c:tx>
-          <c:layout/>
-          <c:overlay val="0"/>
         </c:title>
         <c:numFmt formatCode="General" sourceLinked="1"/>
-        <c:majorTickMark val="out"/>
-        <c:minorTickMark val="none"/>
         <c:tickLblPos val="nextTo"/>
-        <c:crossAx val="34837248"/>
+        <c:crossAx val="112311296"/>
         <c:crosses val="autoZero"/>
         <c:crossBetween val="between"/>
       </c:valAx>
     </c:plotArea>
     <c:legend>
       <c:legendPos val="r"/>
-      <c:layout/>
-      <c:overlay val="0"/>
     </c:legend>
     <c:plotVisOnly val="1"/>
     <c:dispBlanksAs val="gap"/>
-    <c:showDLblsOverMax val="0"/>
   </c:chart>
   <c:spPr>
     <a:ln w="15875" cmpd="sng"/>
   </c:spPr>
-  <c:externalData r:id="rId1">
-    <c:autoUpdate val="0"/>
-  </c:externalData>
+  <c:externalData r:id="rId1"/>
 </c:chartSpace>
 </file>
 
@@ -1832,7 +1639,7 @@
             <a:fld id="{1EC5F4F7-6CE4-4BB7-8110-8954959D3670}" type="datetimeFigureOut">
               <a:rPr lang="fr-FR" smtClean="0"/>
               <a:pPr/>
-              <a:t>05/03/2014</a:t>
+              <a:t>06/03/2014</a:t>
             </a:fld>
             <a:endParaRPr lang="fr-FR"/>
           </a:p>
@@ -2003,7 +1810,7 @@
     </p:spTree>
     <p:extLst>
       <p:ext uri="{BB962C8B-B14F-4D97-AF65-F5344CB8AC3E}">
-        <p14:creationId xmlns:p14="http://schemas.microsoft.com/office/powerpoint/2010/main" val="349763706"/>
+        <p14:creationId xmlns="" xmlns:p14="http://schemas.microsoft.com/office/powerpoint/2010/main" val="349763706"/>
       </p:ext>
     </p:extLst>
   </p:cSld>
@@ -2383,7 +2190,7 @@
             <a:fld id="{8140D90F-C6E8-4D2C-BA1B-D6C23459C063}" type="slidenum">
               <a:rPr lang="fr-FR" smtClean="0"/>
               <a:pPr/>
-              <a:t>34</a:t>
+              <a:t>40</a:t>
             </a:fld>
             <a:endParaRPr lang="fr-FR"/>
           </a:p>
@@ -2470,7 +2277,7 @@
             <a:fld id="{8140D90F-C6E8-4D2C-BA1B-D6C23459C063}" type="slidenum">
               <a:rPr lang="fr-FR" smtClean="0"/>
               <a:pPr/>
-              <a:t>43</a:t>
+              <a:t>49</a:t>
             </a:fld>
             <a:endParaRPr lang="fr-FR"/>
           </a:p>
@@ -3361,7 +3168,8 @@
           <a:p>
             <a:fld id="{5E7FC021-7E3C-4740-B891-65B997FE2A3E}" type="datetime1">
               <a:rPr lang="fr-FR" smtClean="0"/>
-              <a:t>05/03/2014</a:t>
+              <a:pPr/>
+              <a:t>06/03/2014</a:t>
             </a:fld>
             <a:endParaRPr lang="fr-FR"/>
           </a:p>
@@ -3531,7 +3339,8 @@
           <a:p>
             <a:fld id="{6B8F2FA2-14F9-40DB-BD9A-BE82B8BE62A7}" type="datetime1">
               <a:rPr lang="fr-FR" smtClean="0"/>
-              <a:t>05/03/2014</a:t>
+              <a:pPr/>
+              <a:t>06/03/2014</a:t>
             </a:fld>
             <a:endParaRPr lang="fr-FR"/>
           </a:p>
@@ -3711,7 +3520,8 @@
           <a:p>
             <a:fld id="{2CD2960B-A3E2-4CD3-98CC-8A95B9F6BF61}" type="datetime1">
               <a:rPr lang="fr-FR" smtClean="0"/>
-              <a:t>05/03/2014</a:t>
+              <a:pPr/>
+              <a:t>06/03/2014</a:t>
             </a:fld>
             <a:endParaRPr lang="fr-FR"/>
           </a:p>
@@ -3881,7 +3691,8 @@
           <a:p>
             <a:fld id="{CBA67A3B-80E3-4242-A998-3E436D0962C1}" type="datetime1">
               <a:rPr lang="fr-FR" smtClean="0"/>
-              <a:t>05/03/2014</a:t>
+              <a:pPr/>
+              <a:t>06/03/2014</a:t>
             </a:fld>
             <a:endParaRPr lang="fr-FR"/>
           </a:p>
@@ -4127,7 +3938,8 @@
           <a:p>
             <a:fld id="{876AEDCE-42D6-4CF2-8DEF-2B7962B9B38F}" type="datetime1">
               <a:rPr lang="fr-FR" smtClean="0"/>
-              <a:t>05/03/2014</a:t>
+              <a:pPr/>
+              <a:t>06/03/2014</a:t>
             </a:fld>
             <a:endParaRPr lang="fr-FR"/>
           </a:p>
@@ -4415,7 +4227,8 @@
           <a:p>
             <a:fld id="{2B47E115-9C52-4294-BA7B-13DBA9ECCEA7}" type="datetime1">
               <a:rPr lang="fr-FR" smtClean="0"/>
-              <a:t>05/03/2014</a:t>
+              <a:pPr/>
+              <a:t>06/03/2014</a:t>
             </a:fld>
             <a:endParaRPr lang="fr-FR"/>
           </a:p>
@@ -4837,7 +4650,8 @@
           <a:p>
             <a:fld id="{324B2CD5-EAFE-4D46-83B7-4BE1E6BD8D63}" type="datetime1">
               <a:rPr lang="fr-FR" smtClean="0"/>
-              <a:t>05/03/2014</a:t>
+              <a:pPr/>
+              <a:t>06/03/2014</a:t>
             </a:fld>
             <a:endParaRPr lang="fr-FR"/>
           </a:p>
@@ -4955,7 +4769,8 @@
           <a:p>
             <a:fld id="{40817CCC-4177-42A7-A16D-286E0E4BC82A}" type="datetime1">
               <a:rPr lang="fr-FR" smtClean="0"/>
-              <a:t>05/03/2014</a:t>
+              <a:pPr/>
+              <a:t>06/03/2014</a:t>
             </a:fld>
             <a:endParaRPr lang="fr-FR"/>
           </a:p>
@@ -5050,7 +4865,8 @@
           <a:p>
             <a:fld id="{B50EE23E-A847-42CF-A8CE-08E3C64FD4B6}" type="datetime1">
               <a:rPr lang="fr-FR" smtClean="0"/>
-              <a:t>05/03/2014</a:t>
+              <a:pPr/>
+              <a:t>06/03/2014</a:t>
             </a:fld>
             <a:endParaRPr lang="fr-FR"/>
           </a:p>
@@ -5327,7 +5143,8 @@
           <a:p>
             <a:fld id="{0A53F070-18D6-42CB-BFE7-4A888CBE8268}" type="datetime1">
               <a:rPr lang="fr-FR" smtClean="0"/>
-              <a:t>05/03/2014</a:t>
+              <a:pPr/>
+              <a:t>06/03/2014</a:t>
             </a:fld>
             <a:endParaRPr lang="fr-FR"/>
           </a:p>
@@ -5580,7 +5397,8 @@
           <a:p>
             <a:fld id="{F2E0EC37-E7D4-4E38-8D5D-6FB40901690E}" type="datetime1">
               <a:rPr lang="fr-FR" smtClean="0"/>
-              <a:t>05/03/2014</a:t>
+              <a:pPr/>
+              <a:t>06/03/2014</a:t>
             </a:fld>
             <a:endParaRPr lang="fr-FR"/>
           </a:p>
@@ -5793,7 +5611,8 @@
           <a:p>
             <a:fld id="{F634586C-4233-431B-B304-931AD1E3DE71}" type="datetime1">
               <a:rPr lang="fr-FR" smtClean="0"/>
-              <a:t>05/03/2014</a:t>
+              <a:pPr/>
+              <a:t>06/03/2014</a:t>
             </a:fld>
             <a:endParaRPr lang="fr-FR"/>
           </a:p>
@@ -6244,58 +6063,18 @@
                   <a:srgbClr val="FFC000"/>
                 </a:solidFill>
               </a:rPr>
-              <a:t>Étudiants : Alexis </a:t>
-            </a:r>
+              <a:t>Étudiants : Alexis LAURENT | Suzy PAETA | Romain ROUFAST</a:t>
+            </a:r>
+          </a:p>
+          <a:p>
+            <a:pPr algn="l"/>
             <a:r>
               <a:rPr lang="fr-FR" sz="2800" dirty="0" smtClean="0">
                 <a:solidFill>
                   <a:srgbClr val="FFC000"/>
                 </a:solidFill>
               </a:rPr>
-              <a:t>LAURENT | </a:t>
-            </a:r>
-            <a:r>
-              <a:rPr lang="fr-FR" sz="2800" dirty="0" smtClean="0">
-                <a:solidFill>
-                  <a:srgbClr val="FFC000"/>
-                </a:solidFill>
-              </a:rPr>
-              <a:t>Suzy </a:t>
-            </a:r>
-            <a:r>
-              <a:rPr lang="fr-FR" sz="2800" dirty="0" smtClean="0">
-                <a:solidFill>
-                  <a:srgbClr val="FFC000"/>
-                </a:solidFill>
-              </a:rPr>
-              <a:t>PAETA | </a:t>
-            </a:r>
-            <a:r>
-              <a:rPr lang="fr-FR" sz="2800" dirty="0" smtClean="0">
-                <a:solidFill>
-                  <a:srgbClr val="FFC000"/>
-                </a:solidFill>
-              </a:rPr>
-              <a:t>Romain ROUFAST</a:t>
-            </a:r>
-          </a:p>
-          <a:p>
-            <a:pPr algn="l"/>
-            <a:r>
-              <a:rPr lang="fr-FR" sz="2800" dirty="0" smtClean="0">
-                <a:solidFill>
-                  <a:srgbClr val="FFC000"/>
-                </a:solidFill>
-              </a:rPr>
-              <a:t>Tuteurs :    Christian BREL    | </a:t>
-            </a:r>
-            <a:r>
-              <a:rPr lang="fr-FR" sz="2800" dirty="0" smtClean="0">
-                <a:solidFill>
-                  <a:srgbClr val="FFC000"/>
-                </a:solidFill>
-              </a:rPr>
-              <a:t>Anne-Marie DERY PINNA</a:t>
+              <a:t>Tuteurs :    Christian BREL    | Anne-Marie DERY PINNA</a:t>
             </a:r>
             <a:endParaRPr lang="fr-FR" sz="2800" dirty="0">
               <a:solidFill>
@@ -6386,7 +6165,7 @@
           <a:blip r:embed="rId2" cstate="print">
             <a:extLst>
               <a:ext uri="{28A0092B-C50C-407E-A947-70E740481C1C}">
-                <a14:useLocalDpi xmlns:a14="http://schemas.microsoft.com/office/drawing/2010/main" val="0"/>
+                <a14:useLocalDpi xmlns="" xmlns:a14="http://schemas.microsoft.com/office/drawing/2010/main" val="0"/>
               </a:ext>
             </a:extLst>
           </a:blip>
@@ -6850,23 +6629,7 @@
                   <a:schemeClr val="bg1"/>
                 </a:solidFill>
               </a:rPr>
-              <a:t>Besoins </a:t>
-            </a:r>
-            <a:r>
-              <a:rPr lang="fr-FR" dirty="0" smtClean="0">
-                <a:solidFill>
-                  <a:schemeClr val="bg1"/>
-                </a:solidFill>
-              </a:rPr>
-              <a:t>secondaires (Emprunteurs</a:t>
-            </a:r>
-            <a:r>
-              <a:rPr lang="fr-FR" dirty="0" smtClean="0">
-                <a:solidFill>
-                  <a:schemeClr val="bg1"/>
-                </a:solidFill>
-              </a:rPr>
-              <a:t>)</a:t>
+              <a:t>Besoins secondaires (Emprunteurs)</a:t>
             </a:r>
             <a:endParaRPr lang="fr-FR" dirty="0">
               <a:solidFill>
@@ -6970,11 +6733,6 @@
               </a:rPr>
               <a:t> d’un matériel voulu</a:t>
             </a:r>
-            <a:endParaRPr lang="fr-FR" dirty="0" smtClean="0">
-              <a:solidFill>
-                <a:srgbClr val="FFC000"/>
-              </a:solidFill>
-            </a:endParaRPr>
           </a:p>
           <a:p>
             <a:r>
@@ -7077,7 +6835,7 @@
     </p:spTree>
     <p:extLst>
       <p:ext uri="{BB962C8B-B14F-4D97-AF65-F5344CB8AC3E}">
-        <p14:creationId xmlns:p14="http://schemas.microsoft.com/office/powerpoint/2010/main" val="1099141385"/>
+        <p14:creationId xmlns="" xmlns:p14="http://schemas.microsoft.com/office/powerpoint/2010/main" val="1099141385"/>
       </p:ext>
     </p:extLst>
   </p:cSld>
@@ -7357,7 +7115,7 @@
     </p:spTree>
     <p:extLst>
       <p:ext uri="{BB962C8B-B14F-4D97-AF65-F5344CB8AC3E}">
-        <p14:creationId xmlns:p14="http://schemas.microsoft.com/office/powerpoint/2010/main" val="3818697523"/>
+        <p14:creationId xmlns="" xmlns:p14="http://schemas.microsoft.com/office/powerpoint/2010/main" val="3818697523"/>
       </p:ext>
     </p:extLst>
   </p:cSld>
@@ -7627,7 +7385,7 @@
     </p:spTree>
     <p:extLst>
       <p:ext uri="{BB962C8B-B14F-4D97-AF65-F5344CB8AC3E}">
-        <p14:creationId xmlns:p14="http://schemas.microsoft.com/office/powerpoint/2010/main" val="451387521"/>
+        <p14:creationId xmlns="" xmlns:p14="http://schemas.microsoft.com/office/powerpoint/2010/main" val="451387521"/>
       </p:ext>
     </p:extLst>
   </p:cSld>
@@ -7805,15 +7563,17 @@
                   <a:srgbClr val="FFC000"/>
                 </a:solidFill>
               </a:rPr>
-              <a:t>Réalisation de </a:t>
-            </a:r>
+              <a:t>Réalisation de maquettes</a:t>
+            </a:r>
+          </a:p>
+          <a:p>
             <a:r>
               <a:rPr lang="fr-FR" dirty="0" smtClean="0">
                 <a:solidFill>
                   <a:srgbClr val="FFC000"/>
                 </a:solidFill>
               </a:rPr>
-              <a:t>maquettes</a:t>
+              <a:t>Ordinateur &amp; Smartphone</a:t>
             </a:r>
           </a:p>
           <a:p>
@@ -7823,13 +7583,8 @@
                   <a:srgbClr val="FFC000"/>
                 </a:solidFill>
               </a:rPr>
-              <a:t>Ordinateur &amp; Smartphone</a:t>
-            </a:r>
-            <a:endParaRPr lang="fr-FR" dirty="0" smtClean="0">
-              <a:solidFill>
-                <a:srgbClr val="FFC000"/>
-              </a:solidFill>
-            </a:endParaRPr>
+              <a:t>Focus group</a:t>
+            </a:r>
           </a:p>
           <a:p>
             <a:r>
@@ -7838,30 +7593,7 @@
                   <a:srgbClr val="FFC000"/>
                 </a:solidFill>
               </a:rPr>
-              <a:t>Focus group</a:t>
-            </a:r>
-            <a:endParaRPr lang="fr-FR" dirty="0" smtClean="0">
-              <a:solidFill>
-                <a:srgbClr val="FFC000"/>
-              </a:solidFill>
-            </a:endParaRPr>
-          </a:p>
-          <a:p>
-            <a:r>
-              <a:rPr lang="fr-FR" dirty="0" smtClean="0">
-                <a:solidFill>
-                  <a:srgbClr val="FFC000"/>
-                </a:solidFill>
-              </a:rPr>
-              <a:t>Analyse des </a:t>
-            </a:r>
-            <a:r>
-              <a:rPr lang="fr-FR" dirty="0" smtClean="0">
-                <a:solidFill>
-                  <a:srgbClr val="FFC000"/>
-                </a:solidFill>
-              </a:rPr>
-              <a:t>entretiens</a:t>
+              <a:t>Analyse des entretiens</a:t>
             </a:r>
           </a:p>
           <a:p>
@@ -9387,7 +9119,7 @@
                   <a:srgbClr val="FFC000"/>
                 </a:solidFill>
               </a:rPr>
-              <a:t>Grande variété de matériel</a:t>
+              <a:t>Grande variété de matériels</a:t>
             </a:r>
           </a:p>
           <a:p>
@@ -9402,11 +9134,6 @@
               </a:rPr>
               <a:t>Multi-modalité</a:t>
             </a:r>
-            <a:endParaRPr lang="fr-FR" dirty="0" smtClean="0">
-              <a:solidFill>
-                <a:srgbClr val="FFC000"/>
-              </a:solidFill>
-            </a:endParaRPr>
           </a:p>
           <a:p>
             <a:pPr marL="0" indent="0">
@@ -12073,21 +11800,8 @@
                   <a:srgbClr val="FFC000"/>
                 </a:solidFill>
               </a:rPr>
-              <a:t>Tests </a:t>
-            </a:r>
-            <a:r>
-              <a:rPr lang="fr-FR" dirty="0" smtClean="0">
-                <a:solidFill>
-                  <a:srgbClr val="FFC000"/>
-                </a:solidFill>
-              </a:rPr>
-              <a:t>fonctionnels</a:t>
-            </a:r>
-            <a:endParaRPr lang="fr-FR" dirty="0" smtClean="0">
-              <a:solidFill>
-                <a:srgbClr val="FFC000"/>
-              </a:solidFill>
-            </a:endParaRPr>
+              <a:t>Tests fonctionnels</a:t>
+            </a:r>
           </a:p>
         </p:txBody>
       </p:sp>
@@ -13215,7 +12929,7 @@
     </p:spTree>
     <p:extLst>
       <p:ext uri="{BB962C8B-B14F-4D97-AF65-F5344CB8AC3E}">
-        <p14:creationId xmlns:p14="http://schemas.microsoft.com/office/powerpoint/2010/main" val="3394766839"/>
+        <p14:creationId xmlns="" xmlns:p14="http://schemas.microsoft.com/office/powerpoint/2010/main" val="3394766839"/>
       </p:ext>
     </p:extLst>
   </p:cSld>
@@ -13365,61 +13079,40 @@
       </p:sp>
       <p:pic>
         <p:nvPicPr>
-          <p:cNvPr id="10" name="Picture 3"/>
+          <p:cNvPr id="1026" name="Picture 2"/>
           <p:cNvPicPr>
             <a:picLocks noChangeAspect="1" noChangeArrowheads="1"/>
           </p:cNvPicPr>
           <p:nvPr/>
         </p:nvPicPr>
-        <p:blipFill rotWithShape="1">
-          <a:blip r:embed="rId2">
-            <a:extLst>
-              <a:ext uri="{28A0092B-C50C-407E-A947-70E740481C1C}">
-                <a14:useLocalDpi xmlns:a14="http://schemas.microsoft.com/office/drawing/2010/main" val="0"/>
-              </a:ext>
-            </a:extLst>
-          </a:blip>
-          <a:srcRect t="9766" b="4467"/>
-          <a:stretch/>
+        <p:blipFill>
+          <a:blip r:embed="rId2" cstate="print"/>
+          <a:srcRect t="21600" r="8576" b="7001"/>
+          <a:stretch>
+            <a:fillRect/>
+          </a:stretch>
         </p:blipFill>
         <p:spPr bwMode="auto">
           <a:xfrm>
-            <a:off x="0" y="-1"/>
-            <a:ext cx="9144000" cy="4411615"/>
+            <a:off x="0" y="432048"/>
+            <a:ext cx="8476991" cy="3723878"/>
           </a:xfrm>
           <a:prstGeom prst="rect">
             <a:avLst/>
           </a:prstGeom>
           <a:noFill/>
-          <a:ln>
+          <a:ln w="9525">
             <a:noFill/>
+            <a:miter lim="800000"/>
+            <a:headEnd/>
+            <a:tailEnd/>
           </a:ln>
-          <a:effectLst/>
-          <a:extLst>
-            <a:ext uri="{909E8E84-426E-40DD-AFC4-6F175D3DCCD1}">
-              <a14:hiddenFill xmlns:a14="http://schemas.microsoft.com/office/drawing/2010/main">
-                <a:solidFill>
-                  <a:schemeClr val="accent1"/>
-                </a:solidFill>
-              </a14:hiddenFill>
-            </a:ext>
-            <a:ext uri="{91240B29-F687-4F45-9708-019B960494DF}">
-              <a14:hiddenLine xmlns:a14="http://schemas.microsoft.com/office/drawing/2010/main" w="9525">
-                <a:solidFill>
-                  <a:schemeClr val="tx1"/>
-                </a:solidFill>
-                <a:miter lim="800000"/>
-                <a:headEnd/>
-                <a:tailEnd/>
-              </a14:hiddenLine>
-            </a:ext>
-          </a:extLst>
         </p:spPr>
       </p:pic>
     </p:spTree>
     <p:extLst>
       <p:ext uri="{BB962C8B-B14F-4D97-AF65-F5344CB8AC3E}">
-        <p14:creationId xmlns:p14="http://schemas.microsoft.com/office/powerpoint/2010/main" val="431539745"/>
+        <p14:creationId xmlns="" xmlns:p14="http://schemas.microsoft.com/office/powerpoint/2010/main" val="431539745"/>
       </p:ext>
     </p:extLst>
   </p:cSld>
@@ -13569,27 +13262,27 @@
       </p:sp>
       <p:pic>
         <p:nvPicPr>
-          <p:cNvPr id="2051" name="Picture 3"/>
+          <p:cNvPr id="10" name="Picture 3"/>
           <p:cNvPicPr>
             <a:picLocks noChangeAspect="1" noChangeArrowheads="1"/>
           </p:cNvPicPr>
           <p:nvPr/>
         </p:nvPicPr>
         <p:blipFill rotWithShape="1">
-          <a:blip r:embed="rId2">
+          <a:blip r:embed="rId2" cstate="print">
             <a:extLst>
               <a:ext uri="{28A0092B-C50C-407E-A947-70E740481C1C}">
-                <a14:useLocalDpi xmlns:a14="http://schemas.microsoft.com/office/drawing/2010/main" val="0"/>
+                <a14:useLocalDpi xmlns="" xmlns:a14="http://schemas.microsoft.com/office/drawing/2010/main" val="0"/>
               </a:ext>
             </a:extLst>
           </a:blip>
-          <a:srcRect t="9624" b="4467"/>
+          <a:srcRect t="9766" b="6638"/>
           <a:stretch/>
         </p:blipFill>
         <p:spPr bwMode="auto">
           <a:xfrm>
-            <a:off x="0" y="0"/>
-            <a:ext cx="9144000" cy="4418894"/>
+            <a:off x="0" y="-1"/>
+            <a:ext cx="9144000" cy="4299943"/>
           </a:xfrm>
           <a:prstGeom prst="rect">
             <a:avLst/>
@@ -13598,16 +13291,17 @@
           <a:ln>
             <a:noFill/>
           </a:ln>
+          <a:effectLst/>
           <a:extLst>
             <a:ext uri="{909E8E84-426E-40DD-AFC4-6F175D3DCCD1}">
-              <a14:hiddenFill xmlns:a14="http://schemas.microsoft.com/office/drawing/2010/main">
+              <a14:hiddenFill xmlns="" xmlns:a14="http://schemas.microsoft.com/office/drawing/2010/main">
                 <a:solidFill>
                   <a:schemeClr val="accent1"/>
                 </a:solidFill>
               </a14:hiddenFill>
             </a:ext>
             <a:ext uri="{91240B29-F687-4F45-9708-019B960494DF}">
-              <a14:hiddenLine xmlns:a14="http://schemas.microsoft.com/office/drawing/2010/main" w="9525">
+              <a14:hiddenLine xmlns="" xmlns:a14="http://schemas.microsoft.com/office/drawing/2010/main" w="9525">
                 <a:solidFill>
                   <a:schemeClr val="tx1"/>
                 </a:solidFill>
@@ -13622,7 +13316,7 @@
     </p:spTree>
     <p:extLst>
       <p:ext uri="{BB962C8B-B14F-4D97-AF65-F5344CB8AC3E}">
-        <p14:creationId xmlns:p14="http://schemas.microsoft.com/office/powerpoint/2010/main" val="1263074859"/>
+        <p14:creationId xmlns="" xmlns:p14="http://schemas.microsoft.com/office/powerpoint/2010/main" val="431539745"/>
       </p:ext>
     </p:extLst>
   </p:cSld>
@@ -13695,7 +13389,7 @@
     </p:spTree>
     <p:extLst>
       <p:ext uri="{BB962C8B-B14F-4D97-AF65-F5344CB8AC3E}">
-        <p14:creationId xmlns:p14="http://schemas.microsoft.com/office/powerpoint/2010/main" val="944751982"/>
+        <p14:creationId xmlns="" xmlns:p14="http://schemas.microsoft.com/office/powerpoint/2010/main" val="944751982"/>
       </p:ext>
     </p:extLst>
   </p:cSld>
@@ -13845,60 +13539,60 @@
       </p:sp>
       <p:pic>
         <p:nvPicPr>
-          <p:cNvPr id="3075" name="Picture 3"/>
+          <p:cNvPr id="1026" name="Picture 2" descr="D:\Dropbox\PFE\Images\Captures\Photo 06-03-2014 09 13 01.png"/>
           <p:cNvPicPr>
             <a:picLocks noChangeAspect="1" noChangeArrowheads="1"/>
           </p:cNvPicPr>
           <p:nvPr/>
         </p:nvPicPr>
-        <p:blipFill rotWithShape="1">
-          <a:blip r:embed="rId2">
-            <a:extLst>
-              <a:ext uri="{28A0092B-C50C-407E-A947-70E740481C1C}">
-                <a14:useLocalDpi xmlns:a14="http://schemas.microsoft.com/office/drawing/2010/main" val="0"/>
-              </a:ext>
-            </a:extLst>
-          </a:blip>
-          <a:srcRect t="9481" b="7834"/>
-          <a:stretch/>
+        <p:blipFill>
+          <a:blip r:embed="rId2" cstate="print"/>
+          <a:srcRect/>
+          <a:stretch>
+            <a:fillRect/>
+          </a:stretch>
         </p:blipFill>
         <p:spPr bwMode="auto">
           <a:xfrm>
-            <a:off x="-1" y="0"/>
-            <a:ext cx="9144001" cy="4253023"/>
+            <a:off x="1547664" y="-1"/>
+            <a:ext cx="2664296" cy="4729125"/>
           </a:xfrm>
           <a:prstGeom prst="rect">
             <a:avLst/>
           </a:prstGeom>
           <a:noFill/>
-          <a:ln>
-            <a:noFill/>
-          </a:ln>
-          <a:extLst>
-            <a:ext uri="{909E8E84-426E-40DD-AFC4-6F175D3DCCD1}">
-              <a14:hiddenFill xmlns:a14="http://schemas.microsoft.com/office/drawing/2010/main">
-                <a:solidFill>
-                  <a:schemeClr val="accent1"/>
-                </a:solidFill>
-              </a14:hiddenFill>
-            </a:ext>
-            <a:ext uri="{91240B29-F687-4F45-9708-019B960494DF}">
-              <a14:hiddenLine xmlns:a14="http://schemas.microsoft.com/office/drawing/2010/main" w="9525">
-                <a:solidFill>
-                  <a:schemeClr val="tx1"/>
-                </a:solidFill>
-                <a:miter lim="800000"/>
-                <a:headEnd/>
-                <a:tailEnd/>
-              </a14:hiddenLine>
-            </a:ext>
-          </a:extLst>
+        </p:spPr>
+      </p:pic>
+      <p:pic>
+        <p:nvPicPr>
+          <p:cNvPr id="1027" name="Picture 3" descr="D:\Dropbox\PFE\Images\Captures\Photo 06-03-2014 09 13 16.png"/>
+          <p:cNvPicPr>
+            <a:picLocks noChangeAspect="1" noChangeArrowheads="1"/>
+          </p:cNvPicPr>
+          <p:nvPr/>
+        </p:nvPicPr>
+        <p:blipFill>
+          <a:blip r:embed="rId3" cstate="print"/>
+          <a:srcRect/>
+          <a:stretch>
+            <a:fillRect/>
+          </a:stretch>
+        </p:blipFill>
+        <p:spPr bwMode="auto">
+          <a:xfrm>
+            <a:off x="4716016" y="0"/>
+            <a:ext cx="2664295" cy="4729124"/>
+          </a:xfrm>
+          <a:prstGeom prst="rect">
+            <a:avLst/>
+          </a:prstGeom>
+          <a:noFill/>
         </p:spPr>
       </p:pic>
     </p:spTree>
     <p:extLst>
       <p:ext uri="{BB962C8B-B14F-4D97-AF65-F5344CB8AC3E}">
-        <p14:creationId xmlns:p14="http://schemas.microsoft.com/office/powerpoint/2010/main" val="2315512655"/>
+        <p14:creationId xmlns="" xmlns:p14="http://schemas.microsoft.com/office/powerpoint/2010/main" val="431539745"/>
       </p:ext>
     </p:extLst>
   </p:cSld>
@@ -14048,27 +13742,27 @@
       </p:sp>
       <p:pic>
         <p:nvPicPr>
-          <p:cNvPr id="4098" name="Picture 2"/>
+          <p:cNvPr id="2051" name="Picture 3"/>
           <p:cNvPicPr>
             <a:picLocks noChangeAspect="1" noChangeArrowheads="1"/>
           </p:cNvPicPr>
           <p:nvPr/>
         </p:nvPicPr>
         <p:blipFill rotWithShape="1">
-          <a:blip r:embed="rId2">
+          <a:blip r:embed="rId2" cstate="print">
             <a:extLst>
               <a:ext uri="{28A0092B-C50C-407E-A947-70E740481C1C}">
-                <a14:useLocalDpi xmlns:a14="http://schemas.microsoft.com/office/drawing/2010/main" val="0"/>
+                <a14:useLocalDpi xmlns="" xmlns:a14="http://schemas.microsoft.com/office/drawing/2010/main" val="0"/>
               </a:ext>
             </a:extLst>
           </a:blip>
-          <a:srcRect t="9624" b="4892"/>
+          <a:srcRect t="9624" b="4467"/>
           <a:stretch/>
         </p:blipFill>
         <p:spPr bwMode="auto">
           <a:xfrm>
-            <a:off x="-20284" y="0"/>
-            <a:ext cx="9164283" cy="4406808"/>
+            <a:off x="0" y="0"/>
+            <a:ext cx="9144000" cy="4418894"/>
           </a:xfrm>
           <a:prstGeom prst="rect">
             <a:avLst/>
@@ -14079,14 +13773,14 @@
           </a:ln>
           <a:extLst>
             <a:ext uri="{909E8E84-426E-40DD-AFC4-6F175D3DCCD1}">
-              <a14:hiddenFill xmlns:a14="http://schemas.microsoft.com/office/drawing/2010/main">
+              <a14:hiddenFill xmlns="" xmlns:a14="http://schemas.microsoft.com/office/drawing/2010/main">
                 <a:solidFill>
                   <a:schemeClr val="accent1"/>
                 </a:solidFill>
               </a14:hiddenFill>
             </a:ext>
             <a:ext uri="{91240B29-F687-4F45-9708-019B960494DF}">
-              <a14:hiddenLine xmlns:a14="http://schemas.microsoft.com/office/drawing/2010/main" w="9525">
+              <a14:hiddenLine xmlns="" xmlns:a14="http://schemas.microsoft.com/office/drawing/2010/main" w="9525">
                 <a:solidFill>
                   <a:schemeClr val="tx1"/>
                 </a:solidFill>
@@ -14101,7 +13795,7 @@
     </p:spTree>
     <p:extLst>
       <p:ext uri="{BB962C8B-B14F-4D97-AF65-F5344CB8AC3E}">
-        <p14:creationId xmlns:p14="http://schemas.microsoft.com/office/powerpoint/2010/main" val="1162374454"/>
+        <p14:creationId xmlns="" xmlns:p14="http://schemas.microsoft.com/office/powerpoint/2010/main" val="1263074859"/>
       </p:ext>
     </p:extLst>
   </p:cSld>
@@ -14251,27 +13945,27 @@
       </p:sp>
       <p:pic>
         <p:nvPicPr>
-          <p:cNvPr id="5122" name="Picture 2"/>
+          <p:cNvPr id="3075" name="Picture 3"/>
           <p:cNvPicPr>
             <a:picLocks noChangeAspect="1" noChangeArrowheads="1"/>
           </p:cNvPicPr>
           <p:nvPr/>
         </p:nvPicPr>
         <p:blipFill rotWithShape="1">
-          <a:blip r:embed="rId2">
+          <a:blip r:embed="rId2" cstate="print">
             <a:extLst>
               <a:ext uri="{28A0092B-C50C-407E-A947-70E740481C1C}">
-                <a14:useLocalDpi xmlns:a14="http://schemas.microsoft.com/office/drawing/2010/main" val="0"/>
+                <a14:useLocalDpi xmlns="" xmlns:a14="http://schemas.microsoft.com/office/drawing/2010/main" val="0"/>
               </a:ext>
             </a:extLst>
           </a:blip>
-          <a:srcRect t="9906" b="4468"/>
+          <a:srcRect t="9481" b="7834"/>
           <a:stretch/>
         </p:blipFill>
         <p:spPr bwMode="auto">
           <a:xfrm>
             <a:off x="-1" y="0"/>
-            <a:ext cx="9144001" cy="4404335"/>
+            <a:ext cx="9144001" cy="4253023"/>
           </a:xfrm>
           <a:prstGeom prst="rect">
             <a:avLst/>
@@ -14282,14 +13976,14 @@
           </a:ln>
           <a:extLst>
             <a:ext uri="{909E8E84-426E-40DD-AFC4-6F175D3DCCD1}">
-              <a14:hiddenFill xmlns:a14="http://schemas.microsoft.com/office/drawing/2010/main">
+              <a14:hiddenFill xmlns="" xmlns:a14="http://schemas.microsoft.com/office/drawing/2010/main">
                 <a:solidFill>
                   <a:schemeClr val="accent1"/>
                 </a:solidFill>
               </a14:hiddenFill>
             </a:ext>
             <a:ext uri="{91240B29-F687-4F45-9708-019B960494DF}">
-              <a14:hiddenLine xmlns:a14="http://schemas.microsoft.com/office/drawing/2010/main" w="9525">
+              <a14:hiddenLine xmlns="" xmlns:a14="http://schemas.microsoft.com/office/drawing/2010/main" w="9525">
                 <a:solidFill>
                   <a:schemeClr val="tx1"/>
                 </a:solidFill>
@@ -14304,7 +13998,7 @@
     </p:spTree>
     <p:extLst>
       <p:ext uri="{BB962C8B-B14F-4D97-AF65-F5344CB8AC3E}">
-        <p14:creationId xmlns:p14="http://schemas.microsoft.com/office/powerpoint/2010/main" val="1544350832"/>
+        <p14:creationId xmlns="" xmlns:p14="http://schemas.microsoft.com/office/powerpoint/2010/main" val="2315512655"/>
       </p:ext>
     </p:extLst>
   </p:cSld>
@@ -14454,60 +14148,34 @@
       </p:sp>
       <p:pic>
         <p:nvPicPr>
-          <p:cNvPr id="6146" name="Picture 2"/>
+          <p:cNvPr id="2050" name="Picture 2" descr="D:\Dropbox\PFE\Images\Captures\Photo 06-03-2014 09 13 27.png"/>
           <p:cNvPicPr>
             <a:picLocks noChangeAspect="1" noChangeArrowheads="1"/>
           </p:cNvPicPr>
           <p:nvPr/>
         </p:nvPicPr>
-        <p:blipFill rotWithShape="1">
-          <a:blip r:embed="rId2">
-            <a:extLst>
-              <a:ext uri="{28A0092B-C50C-407E-A947-70E740481C1C}">
-                <a14:useLocalDpi xmlns:a14="http://schemas.microsoft.com/office/drawing/2010/main" val="0"/>
-              </a:ext>
-            </a:extLst>
-          </a:blip>
-          <a:srcRect t="9624" b="4467"/>
-          <a:stretch/>
+        <p:blipFill>
+          <a:blip r:embed="rId2" cstate="print"/>
+          <a:srcRect/>
+          <a:stretch>
+            <a:fillRect/>
+          </a:stretch>
         </p:blipFill>
         <p:spPr bwMode="auto">
           <a:xfrm>
-            <a:off x="0" y="-1"/>
-            <a:ext cx="9144000" cy="4418895"/>
+            <a:off x="2843808" y="0"/>
+            <a:ext cx="2665910" cy="4731990"/>
           </a:xfrm>
           <a:prstGeom prst="rect">
             <a:avLst/>
           </a:prstGeom>
           <a:noFill/>
-          <a:ln>
-            <a:noFill/>
-          </a:ln>
-          <a:extLst>
-            <a:ext uri="{909E8E84-426E-40DD-AFC4-6F175D3DCCD1}">
-              <a14:hiddenFill xmlns:a14="http://schemas.microsoft.com/office/drawing/2010/main">
-                <a:solidFill>
-                  <a:schemeClr val="accent1"/>
-                </a:solidFill>
-              </a14:hiddenFill>
-            </a:ext>
-            <a:ext uri="{91240B29-F687-4F45-9708-019B960494DF}">
-              <a14:hiddenLine xmlns:a14="http://schemas.microsoft.com/office/drawing/2010/main" w="9525">
-                <a:solidFill>
-                  <a:schemeClr val="tx1"/>
-                </a:solidFill>
-                <a:miter lim="800000"/>
-                <a:headEnd/>
-                <a:tailEnd/>
-              </a14:hiddenLine>
-            </a:ext>
-          </a:extLst>
         </p:spPr>
       </p:pic>
     </p:spTree>
     <p:extLst>
       <p:ext uri="{BB962C8B-B14F-4D97-AF65-F5344CB8AC3E}">
-        <p14:creationId xmlns:p14="http://schemas.microsoft.com/office/powerpoint/2010/main" val="2200122927"/>
+        <p14:creationId xmlns="" xmlns:p14="http://schemas.microsoft.com/office/powerpoint/2010/main" val="2315512655"/>
       </p:ext>
     </p:extLst>
   </p:cSld>
@@ -14589,14 +14257,171 @@
       </p:sp>
       <p:sp>
         <p:nvSpPr>
-          <p:cNvPr id="4" name="Rectangle 3"/>
+          <p:cNvPr id="5" name="Espace réservé du numéro de diapositive 4"/>
+          <p:cNvSpPr>
+            <a:spLocks noGrp="1"/>
+          </p:cNvSpPr>
+          <p:nvPr>
+            <p:ph type="sldNum" sz="quarter" idx="12"/>
+          </p:nvPr>
+        </p:nvSpPr>
+        <p:spPr/>
+        <p:txBody>
+          <a:bodyPr/>
+          <a:lstStyle/>
+          <a:p>
+            <a:fld id="{B3C63893-BC38-4EBB-829D-DE1F1D825C70}" type="slidenum">
+              <a:rPr lang="fr-FR" b="1" smtClean="0">
+                <a:solidFill>
+                  <a:schemeClr val="bg1"/>
+                </a:solidFill>
+              </a:rPr>
+              <a:pPr/>
+              <a:t>34</a:t>
+            </a:fld>
+            <a:endParaRPr lang="fr-FR" b="1" dirty="0">
+              <a:solidFill>
+                <a:schemeClr val="bg1"/>
+              </a:solidFill>
+            </a:endParaRPr>
+          </a:p>
+        </p:txBody>
+      </p:sp>
+      <p:sp>
+        <p:nvSpPr>
+          <p:cNvPr id="6" name="Espace réservé du pied de page 5"/>
+          <p:cNvSpPr>
+            <a:spLocks noGrp="1"/>
+          </p:cNvSpPr>
+          <p:nvPr>
+            <p:ph type="ftr" sz="quarter" idx="11"/>
+          </p:nvPr>
+        </p:nvSpPr>
+        <p:spPr>
+          <a:xfrm>
+            <a:off x="1475656" y="4767262"/>
+            <a:ext cx="6264696" cy="376238"/>
+          </a:xfrm>
+        </p:spPr>
+        <p:txBody>
+          <a:bodyPr/>
+          <a:lstStyle/>
+          <a:p>
+            <a:r>
+              <a:rPr lang="fr-FR" b="1" smtClean="0">
+                <a:solidFill>
+                  <a:schemeClr val="bg1"/>
+                </a:solidFill>
+              </a:rPr>
+              <a:t>Gestion des emprunts de matériels - Alexis LAURENT | Suzy PAETA | Romain ROUFAST</a:t>
+            </a:r>
+            <a:endParaRPr lang="fr-FR" b="1" dirty="0">
+              <a:solidFill>
+                <a:schemeClr val="bg1"/>
+              </a:solidFill>
+            </a:endParaRPr>
+          </a:p>
+        </p:txBody>
+      </p:sp>
+      <p:pic>
+        <p:nvPicPr>
+          <p:cNvPr id="4098" name="Picture 2"/>
+          <p:cNvPicPr>
+            <a:picLocks noChangeAspect="1" noChangeArrowheads="1"/>
+          </p:cNvPicPr>
+          <p:nvPr/>
+        </p:nvPicPr>
+        <p:blipFill rotWithShape="1">
+          <a:blip r:embed="rId2" cstate="print">
+            <a:extLst>
+              <a:ext uri="{28A0092B-C50C-407E-A947-70E740481C1C}">
+                <a14:useLocalDpi xmlns="" xmlns:a14="http://schemas.microsoft.com/office/drawing/2010/main" val="0"/>
+              </a:ext>
+            </a:extLst>
+          </a:blip>
+          <a:srcRect t="9624" b="4892"/>
+          <a:stretch/>
+        </p:blipFill>
+        <p:spPr bwMode="auto">
+          <a:xfrm>
+            <a:off x="-20284" y="0"/>
+            <a:ext cx="9164283" cy="4406808"/>
+          </a:xfrm>
+          <a:prstGeom prst="rect">
+            <a:avLst/>
+          </a:prstGeom>
+          <a:noFill/>
+          <a:ln>
+            <a:noFill/>
+          </a:ln>
+          <a:extLst>
+            <a:ext uri="{909E8E84-426E-40DD-AFC4-6F175D3DCCD1}">
+              <a14:hiddenFill xmlns="" xmlns:a14="http://schemas.microsoft.com/office/drawing/2010/main">
+                <a:solidFill>
+                  <a:schemeClr val="accent1"/>
+                </a:solidFill>
+              </a14:hiddenFill>
+            </a:ext>
+            <a:ext uri="{91240B29-F687-4F45-9708-019B960494DF}">
+              <a14:hiddenLine xmlns="" xmlns:a14="http://schemas.microsoft.com/office/drawing/2010/main" w="9525">
+                <a:solidFill>
+                  <a:schemeClr val="tx1"/>
+                </a:solidFill>
+                <a:miter lim="800000"/>
+                <a:headEnd/>
+                <a:tailEnd/>
+              </a14:hiddenLine>
+            </a:ext>
+          </a:extLst>
+        </p:spPr>
+      </p:pic>
+    </p:spTree>
+    <p:extLst>
+      <p:ext uri="{BB962C8B-B14F-4D97-AF65-F5344CB8AC3E}">
+        <p14:creationId xmlns="" xmlns:p14="http://schemas.microsoft.com/office/powerpoint/2010/main" val="1162374454"/>
+      </p:ext>
+    </p:extLst>
+  </p:cSld>
+  <p:clrMapOvr>
+    <a:masterClrMapping/>
+  </p:clrMapOvr>
+  <p:timing>
+    <p:tnLst>
+      <p:par>
+        <p:cTn id="1" dur="indefinite" restart="never" nodeType="tmRoot"/>
+      </p:par>
+    </p:tnLst>
+  </p:timing>
+</p:sld>
+</file>
+
+<file path=ppt/slides/slide35.xml><?xml version="1.0" encoding="utf-8"?>
+<p:sld xmlns:a="http://schemas.openxmlformats.org/drawingml/2006/main" xmlns:r="http://schemas.openxmlformats.org/officeDocument/2006/relationships" xmlns:p="http://schemas.openxmlformats.org/presentationml/2006/main">
+  <p:cSld>
+    <p:spTree>
+      <p:nvGrpSpPr>
+        <p:cNvPr id="1" name=""/>
+        <p:cNvGrpSpPr/>
+        <p:nvPr/>
+      </p:nvGrpSpPr>
+      <p:grpSpPr>
+        <a:xfrm>
+          <a:off x="0" y="0"/>
+          <a:ext cx="0" cy="0"/>
+          <a:chOff x="0" y="0"/>
+          <a:chExt cx="0" cy="0"/>
+        </a:xfrm>
+      </p:grpSpPr>
+      <p:sp>
+        <p:nvSpPr>
+          <p:cNvPr id="7" name="Rectangle 6"/>
           <p:cNvSpPr/>
           <p:nvPr/>
         </p:nvSpPr>
         <p:spPr>
           <a:xfrm>
-            <a:off x="0" y="0"/>
-            <a:ext cx="9144000" cy="1167594"/>
+            <a:off x="0" y="4731990"/>
+            <a:ext cx="9144000" cy="411510"/>
           </a:xfrm>
           <a:prstGeom prst="rect">
             <a:avLst/>
@@ -14635,6 +14460,1021 @@
       </p:sp>
       <p:sp>
         <p:nvSpPr>
+          <p:cNvPr id="5" name="Espace réservé du numéro de diapositive 4"/>
+          <p:cNvSpPr>
+            <a:spLocks noGrp="1"/>
+          </p:cNvSpPr>
+          <p:nvPr>
+            <p:ph type="sldNum" sz="quarter" idx="12"/>
+          </p:nvPr>
+        </p:nvSpPr>
+        <p:spPr/>
+        <p:txBody>
+          <a:bodyPr/>
+          <a:lstStyle/>
+          <a:p>
+            <a:fld id="{B3C63893-BC38-4EBB-829D-DE1F1D825C70}" type="slidenum">
+              <a:rPr lang="fr-FR" b="1" smtClean="0">
+                <a:solidFill>
+                  <a:schemeClr val="bg1"/>
+                </a:solidFill>
+              </a:rPr>
+              <a:pPr/>
+              <a:t>35</a:t>
+            </a:fld>
+            <a:endParaRPr lang="fr-FR" b="1" dirty="0">
+              <a:solidFill>
+                <a:schemeClr val="bg1"/>
+              </a:solidFill>
+            </a:endParaRPr>
+          </a:p>
+        </p:txBody>
+      </p:sp>
+      <p:sp>
+        <p:nvSpPr>
+          <p:cNvPr id="6" name="Espace réservé du pied de page 5"/>
+          <p:cNvSpPr>
+            <a:spLocks noGrp="1"/>
+          </p:cNvSpPr>
+          <p:nvPr>
+            <p:ph type="ftr" sz="quarter" idx="11"/>
+          </p:nvPr>
+        </p:nvSpPr>
+        <p:spPr>
+          <a:xfrm>
+            <a:off x="1475656" y="4767262"/>
+            <a:ext cx="6264696" cy="376238"/>
+          </a:xfrm>
+        </p:spPr>
+        <p:txBody>
+          <a:bodyPr/>
+          <a:lstStyle/>
+          <a:p>
+            <a:r>
+              <a:rPr lang="fr-FR" b="1" smtClean="0">
+                <a:solidFill>
+                  <a:schemeClr val="bg1"/>
+                </a:solidFill>
+              </a:rPr>
+              <a:t>Gestion des emprunts de matériels - Alexis LAURENT | Suzy PAETA | Romain ROUFAST</a:t>
+            </a:r>
+            <a:endParaRPr lang="fr-FR" b="1" dirty="0">
+              <a:solidFill>
+                <a:schemeClr val="bg1"/>
+              </a:solidFill>
+            </a:endParaRPr>
+          </a:p>
+        </p:txBody>
+      </p:sp>
+      <p:pic>
+        <p:nvPicPr>
+          <p:cNvPr id="2" name="Picture 2" descr="D:\Dropbox\PFE\Images\Captures\Photo 06-03-2014 09 15 12.png"/>
+          <p:cNvPicPr>
+            <a:picLocks noChangeAspect="1" noChangeArrowheads="1"/>
+          </p:cNvPicPr>
+          <p:nvPr/>
+        </p:nvPicPr>
+        <p:blipFill>
+          <a:blip r:embed="rId2" cstate="print"/>
+          <a:srcRect/>
+          <a:stretch>
+            <a:fillRect/>
+          </a:stretch>
+        </p:blipFill>
+        <p:spPr bwMode="auto">
+          <a:xfrm>
+            <a:off x="1546049" y="0"/>
+            <a:ext cx="2665910" cy="4731990"/>
+          </a:xfrm>
+          <a:prstGeom prst="rect">
+            <a:avLst/>
+          </a:prstGeom>
+          <a:noFill/>
+        </p:spPr>
+      </p:pic>
+      <p:pic>
+        <p:nvPicPr>
+          <p:cNvPr id="4099" name="Picture 3" descr="D:\Dropbox\PFE\Images\Captures\Photo 06-03-2014 09 15 16.png"/>
+          <p:cNvPicPr>
+            <a:picLocks noChangeAspect="1" noChangeArrowheads="1"/>
+          </p:cNvPicPr>
+          <p:nvPr/>
+        </p:nvPicPr>
+        <p:blipFill>
+          <a:blip r:embed="rId3" cstate="print"/>
+          <a:srcRect/>
+          <a:stretch>
+            <a:fillRect/>
+          </a:stretch>
+        </p:blipFill>
+        <p:spPr bwMode="auto">
+          <a:xfrm>
+            <a:off x="4642394" y="0"/>
+            <a:ext cx="2665910" cy="4731990"/>
+          </a:xfrm>
+          <a:prstGeom prst="rect">
+            <a:avLst/>
+          </a:prstGeom>
+          <a:noFill/>
+        </p:spPr>
+      </p:pic>
+    </p:spTree>
+    <p:extLst>
+      <p:ext uri="{BB962C8B-B14F-4D97-AF65-F5344CB8AC3E}">
+        <p14:creationId xmlns="" xmlns:p14="http://schemas.microsoft.com/office/powerpoint/2010/main" val="1162374454"/>
+      </p:ext>
+    </p:extLst>
+  </p:cSld>
+  <p:clrMapOvr>
+    <a:masterClrMapping/>
+  </p:clrMapOvr>
+  <p:timing>
+    <p:tnLst>
+      <p:par>
+        <p:cTn id="1" dur="indefinite" restart="never" nodeType="tmRoot"/>
+      </p:par>
+    </p:tnLst>
+  </p:timing>
+</p:sld>
+</file>
+
+<file path=ppt/slides/slide36.xml><?xml version="1.0" encoding="utf-8"?>
+<p:sld xmlns:a="http://schemas.openxmlformats.org/drawingml/2006/main" xmlns:r="http://schemas.openxmlformats.org/officeDocument/2006/relationships" xmlns:p="http://schemas.openxmlformats.org/presentationml/2006/main">
+  <p:cSld>
+    <p:spTree>
+      <p:nvGrpSpPr>
+        <p:cNvPr id="1" name=""/>
+        <p:cNvGrpSpPr/>
+        <p:nvPr/>
+      </p:nvGrpSpPr>
+      <p:grpSpPr>
+        <a:xfrm>
+          <a:off x="0" y="0"/>
+          <a:ext cx="0" cy="0"/>
+          <a:chOff x="0" y="0"/>
+          <a:chExt cx="0" cy="0"/>
+        </a:xfrm>
+      </p:grpSpPr>
+      <p:sp>
+        <p:nvSpPr>
+          <p:cNvPr id="7" name="Rectangle 6"/>
+          <p:cNvSpPr/>
+          <p:nvPr/>
+        </p:nvSpPr>
+        <p:spPr>
+          <a:xfrm>
+            <a:off x="0" y="4731990"/>
+            <a:ext cx="9144000" cy="411510"/>
+          </a:xfrm>
+          <a:prstGeom prst="rect">
+            <a:avLst/>
+          </a:prstGeom>
+          <a:solidFill>
+            <a:srgbClr val="FFC000"/>
+          </a:solidFill>
+          <a:ln>
+            <a:noFill/>
+          </a:ln>
+        </p:spPr>
+        <p:style>
+          <a:lnRef idx="2">
+            <a:schemeClr val="accent1">
+              <a:shade val="50000"/>
+            </a:schemeClr>
+          </a:lnRef>
+          <a:fillRef idx="1">
+            <a:schemeClr val="accent1"/>
+          </a:fillRef>
+          <a:effectRef idx="0">
+            <a:schemeClr val="accent1"/>
+          </a:effectRef>
+          <a:fontRef idx="minor">
+            <a:schemeClr val="lt1"/>
+          </a:fontRef>
+        </p:style>
+        <p:txBody>
+          <a:bodyPr rtlCol="0" anchor="ctr"/>
+          <a:lstStyle/>
+          <a:p>
+            <a:pPr algn="ctr"/>
+            <a:endParaRPr lang="fr-FR"/>
+          </a:p>
+        </p:txBody>
+      </p:sp>
+      <p:sp>
+        <p:nvSpPr>
+          <p:cNvPr id="5" name="Espace réservé du numéro de diapositive 4"/>
+          <p:cNvSpPr>
+            <a:spLocks noGrp="1"/>
+          </p:cNvSpPr>
+          <p:nvPr>
+            <p:ph type="sldNum" sz="quarter" idx="12"/>
+          </p:nvPr>
+        </p:nvSpPr>
+        <p:spPr/>
+        <p:txBody>
+          <a:bodyPr/>
+          <a:lstStyle/>
+          <a:p>
+            <a:fld id="{B3C63893-BC38-4EBB-829D-DE1F1D825C70}" type="slidenum">
+              <a:rPr lang="fr-FR" b="1" smtClean="0">
+                <a:solidFill>
+                  <a:schemeClr val="bg1"/>
+                </a:solidFill>
+              </a:rPr>
+              <a:pPr/>
+              <a:t>36</a:t>
+            </a:fld>
+            <a:endParaRPr lang="fr-FR" b="1" dirty="0">
+              <a:solidFill>
+                <a:schemeClr val="bg1"/>
+              </a:solidFill>
+            </a:endParaRPr>
+          </a:p>
+        </p:txBody>
+      </p:sp>
+      <p:sp>
+        <p:nvSpPr>
+          <p:cNvPr id="6" name="Espace réservé du pied de page 5"/>
+          <p:cNvSpPr>
+            <a:spLocks noGrp="1"/>
+          </p:cNvSpPr>
+          <p:nvPr>
+            <p:ph type="ftr" sz="quarter" idx="11"/>
+          </p:nvPr>
+        </p:nvSpPr>
+        <p:spPr>
+          <a:xfrm>
+            <a:off x="1475656" y="4767262"/>
+            <a:ext cx="6264696" cy="376238"/>
+          </a:xfrm>
+        </p:spPr>
+        <p:txBody>
+          <a:bodyPr/>
+          <a:lstStyle/>
+          <a:p>
+            <a:r>
+              <a:rPr lang="fr-FR" b="1" smtClean="0">
+                <a:solidFill>
+                  <a:schemeClr val="bg1"/>
+                </a:solidFill>
+              </a:rPr>
+              <a:t>Gestion des emprunts de matériels - Alexis LAURENT | Suzy PAETA | Romain ROUFAST</a:t>
+            </a:r>
+            <a:endParaRPr lang="fr-FR" b="1" dirty="0">
+              <a:solidFill>
+                <a:schemeClr val="bg1"/>
+              </a:solidFill>
+            </a:endParaRPr>
+          </a:p>
+        </p:txBody>
+      </p:sp>
+      <p:pic>
+        <p:nvPicPr>
+          <p:cNvPr id="5122" name="Picture 2"/>
+          <p:cNvPicPr>
+            <a:picLocks noChangeAspect="1" noChangeArrowheads="1"/>
+          </p:cNvPicPr>
+          <p:nvPr/>
+        </p:nvPicPr>
+        <p:blipFill rotWithShape="1">
+          <a:blip r:embed="rId2" cstate="print">
+            <a:extLst>
+              <a:ext uri="{28A0092B-C50C-407E-A947-70E740481C1C}">
+                <a14:useLocalDpi xmlns="" xmlns:a14="http://schemas.microsoft.com/office/drawing/2010/main" val="0"/>
+              </a:ext>
+            </a:extLst>
+          </a:blip>
+          <a:srcRect t="9906" b="4468"/>
+          <a:stretch/>
+        </p:blipFill>
+        <p:spPr bwMode="auto">
+          <a:xfrm>
+            <a:off x="-1" y="0"/>
+            <a:ext cx="9144001" cy="4404335"/>
+          </a:xfrm>
+          <a:prstGeom prst="rect">
+            <a:avLst/>
+          </a:prstGeom>
+          <a:noFill/>
+          <a:ln>
+            <a:noFill/>
+          </a:ln>
+          <a:extLst>
+            <a:ext uri="{909E8E84-426E-40DD-AFC4-6F175D3DCCD1}">
+              <a14:hiddenFill xmlns="" xmlns:a14="http://schemas.microsoft.com/office/drawing/2010/main">
+                <a:solidFill>
+                  <a:schemeClr val="accent1"/>
+                </a:solidFill>
+              </a14:hiddenFill>
+            </a:ext>
+            <a:ext uri="{91240B29-F687-4F45-9708-019B960494DF}">
+              <a14:hiddenLine xmlns="" xmlns:a14="http://schemas.microsoft.com/office/drawing/2010/main" w="9525">
+                <a:solidFill>
+                  <a:schemeClr val="tx1"/>
+                </a:solidFill>
+                <a:miter lim="800000"/>
+                <a:headEnd/>
+                <a:tailEnd/>
+              </a14:hiddenLine>
+            </a:ext>
+          </a:extLst>
+        </p:spPr>
+      </p:pic>
+    </p:spTree>
+    <p:extLst>
+      <p:ext uri="{BB962C8B-B14F-4D97-AF65-F5344CB8AC3E}">
+        <p14:creationId xmlns="" xmlns:p14="http://schemas.microsoft.com/office/powerpoint/2010/main" val="1544350832"/>
+      </p:ext>
+    </p:extLst>
+  </p:cSld>
+  <p:clrMapOvr>
+    <a:masterClrMapping/>
+  </p:clrMapOvr>
+  <p:timing>
+    <p:tnLst>
+      <p:par>
+        <p:cTn id="1" dur="indefinite" restart="never" nodeType="tmRoot"/>
+      </p:par>
+    </p:tnLst>
+  </p:timing>
+</p:sld>
+</file>
+
+<file path=ppt/slides/slide37.xml><?xml version="1.0" encoding="utf-8"?>
+<p:sld xmlns:a="http://schemas.openxmlformats.org/drawingml/2006/main" xmlns:r="http://schemas.openxmlformats.org/officeDocument/2006/relationships" xmlns:p="http://schemas.openxmlformats.org/presentationml/2006/main">
+  <p:cSld>
+    <p:spTree>
+      <p:nvGrpSpPr>
+        <p:cNvPr id="1" name=""/>
+        <p:cNvGrpSpPr/>
+        <p:nvPr/>
+      </p:nvGrpSpPr>
+      <p:grpSpPr>
+        <a:xfrm>
+          <a:off x="0" y="0"/>
+          <a:ext cx="0" cy="0"/>
+          <a:chOff x="0" y="0"/>
+          <a:chExt cx="0" cy="0"/>
+        </a:xfrm>
+      </p:grpSpPr>
+      <p:sp>
+        <p:nvSpPr>
+          <p:cNvPr id="7" name="Rectangle 6"/>
+          <p:cNvSpPr/>
+          <p:nvPr/>
+        </p:nvSpPr>
+        <p:spPr>
+          <a:xfrm>
+            <a:off x="0" y="4731990"/>
+            <a:ext cx="9144000" cy="411510"/>
+          </a:xfrm>
+          <a:prstGeom prst="rect">
+            <a:avLst/>
+          </a:prstGeom>
+          <a:solidFill>
+            <a:srgbClr val="FFC000"/>
+          </a:solidFill>
+          <a:ln>
+            <a:noFill/>
+          </a:ln>
+        </p:spPr>
+        <p:style>
+          <a:lnRef idx="2">
+            <a:schemeClr val="accent1">
+              <a:shade val="50000"/>
+            </a:schemeClr>
+          </a:lnRef>
+          <a:fillRef idx="1">
+            <a:schemeClr val="accent1"/>
+          </a:fillRef>
+          <a:effectRef idx="0">
+            <a:schemeClr val="accent1"/>
+          </a:effectRef>
+          <a:fontRef idx="minor">
+            <a:schemeClr val="lt1"/>
+          </a:fontRef>
+        </p:style>
+        <p:txBody>
+          <a:bodyPr rtlCol="0" anchor="ctr"/>
+          <a:lstStyle/>
+          <a:p>
+            <a:pPr algn="ctr"/>
+            <a:endParaRPr lang="fr-FR"/>
+          </a:p>
+        </p:txBody>
+      </p:sp>
+      <p:sp>
+        <p:nvSpPr>
+          <p:cNvPr id="5" name="Espace réservé du numéro de diapositive 4"/>
+          <p:cNvSpPr>
+            <a:spLocks noGrp="1"/>
+          </p:cNvSpPr>
+          <p:nvPr>
+            <p:ph type="sldNum" sz="quarter" idx="12"/>
+          </p:nvPr>
+        </p:nvSpPr>
+        <p:spPr/>
+        <p:txBody>
+          <a:bodyPr/>
+          <a:lstStyle/>
+          <a:p>
+            <a:fld id="{B3C63893-BC38-4EBB-829D-DE1F1D825C70}" type="slidenum">
+              <a:rPr lang="fr-FR" b="1" smtClean="0">
+                <a:solidFill>
+                  <a:schemeClr val="bg1"/>
+                </a:solidFill>
+              </a:rPr>
+              <a:pPr/>
+              <a:t>37</a:t>
+            </a:fld>
+            <a:endParaRPr lang="fr-FR" b="1" dirty="0">
+              <a:solidFill>
+                <a:schemeClr val="bg1"/>
+              </a:solidFill>
+            </a:endParaRPr>
+          </a:p>
+        </p:txBody>
+      </p:sp>
+      <p:sp>
+        <p:nvSpPr>
+          <p:cNvPr id="6" name="Espace réservé du pied de page 5"/>
+          <p:cNvSpPr>
+            <a:spLocks noGrp="1"/>
+          </p:cNvSpPr>
+          <p:nvPr>
+            <p:ph type="ftr" sz="quarter" idx="11"/>
+          </p:nvPr>
+        </p:nvSpPr>
+        <p:spPr>
+          <a:xfrm>
+            <a:off x="1475656" y="4767262"/>
+            <a:ext cx="6264696" cy="376238"/>
+          </a:xfrm>
+        </p:spPr>
+        <p:txBody>
+          <a:bodyPr/>
+          <a:lstStyle/>
+          <a:p>
+            <a:r>
+              <a:rPr lang="fr-FR" b="1" smtClean="0">
+                <a:solidFill>
+                  <a:schemeClr val="bg1"/>
+                </a:solidFill>
+              </a:rPr>
+              <a:t>Gestion des emprunts de matériels - Alexis LAURENT | Suzy PAETA | Romain ROUFAST</a:t>
+            </a:r>
+            <a:endParaRPr lang="fr-FR" b="1" dirty="0">
+              <a:solidFill>
+                <a:schemeClr val="bg1"/>
+              </a:solidFill>
+            </a:endParaRPr>
+          </a:p>
+        </p:txBody>
+      </p:sp>
+      <p:pic>
+        <p:nvPicPr>
+          <p:cNvPr id="6146" name="Picture 2"/>
+          <p:cNvPicPr>
+            <a:picLocks noChangeAspect="1" noChangeArrowheads="1"/>
+          </p:cNvPicPr>
+          <p:nvPr/>
+        </p:nvPicPr>
+        <p:blipFill rotWithShape="1">
+          <a:blip r:embed="rId2" cstate="print">
+            <a:extLst>
+              <a:ext uri="{28A0092B-C50C-407E-A947-70E740481C1C}">
+                <a14:useLocalDpi xmlns="" xmlns:a14="http://schemas.microsoft.com/office/drawing/2010/main" val="0"/>
+              </a:ext>
+            </a:extLst>
+          </a:blip>
+          <a:srcRect t="9624" b="4467"/>
+          <a:stretch/>
+        </p:blipFill>
+        <p:spPr bwMode="auto">
+          <a:xfrm>
+            <a:off x="0" y="-1"/>
+            <a:ext cx="9144000" cy="4418895"/>
+          </a:xfrm>
+          <a:prstGeom prst="rect">
+            <a:avLst/>
+          </a:prstGeom>
+          <a:noFill/>
+          <a:ln>
+            <a:noFill/>
+          </a:ln>
+          <a:extLst>
+            <a:ext uri="{909E8E84-426E-40DD-AFC4-6F175D3DCCD1}">
+              <a14:hiddenFill xmlns="" xmlns:a14="http://schemas.microsoft.com/office/drawing/2010/main">
+                <a:solidFill>
+                  <a:schemeClr val="accent1"/>
+                </a:solidFill>
+              </a14:hiddenFill>
+            </a:ext>
+            <a:ext uri="{91240B29-F687-4F45-9708-019B960494DF}">
+              <a14:hiddenLine xmlns="" xmlns:a14="http://schemas.microsoft.com/office/drawing/2010/main" w="9525">
+                <a:solidFill>
+                  <a:schemeClr val="tx1"/>
+                </a:solidFill>
+                <a:miter lim="800000"/>
+                <a:headEnd/>
+                <a:tailEnd/>
+              </a14:hiddenLine>
+            </a:ext>
+          </a:extLst>
+        </p:spPr>
+      </p:pic>
+    </p:spTree>
+    <p:extLst>
+      <p:ext uri="{BB962C8B-B14F-4D97-AF65-F5344CB8AC3E}">
+        <p14:creationId xmlns="" xmlns:p14="http://schemas.microsoft.com/office/powerpoint/2010/main" val="2200122927"/>
+      </p:ext>
+    </p:extLst>
+  </p:cSld>
+  <p:clrMapOvr>
+    <a:masterClrMapping/>
+  </p:clrMapOvr>
+  <p:timing>
+    <p:tnLst>
+      <p:par>
+        <p:cTn id="1" dur="indefinite" restart="never" nodeType="tmRoot"/>
+      </p:par>
+    </p:tnLst>
+  </p:timing>
+</p:sld>
+</file>
+
+<file path=ppt/slides/slide38.xml><?xml version="1.0" encoding="utf-8"?>
+<p:sld xmlns:a="http://schemas.openxmlformats.org/drawingml/2006/main" xmlns:r="http://schemas.openxmlformats.org/officeDocument/2006/relationships" xmlns:p="http://schemas.openxmlformats.org/presentationml/2006/main">
+  <p:cSld>
+    <p:spTree>
+      <p:nvGrpSpPr>
+        <p:cNvPr id="1" name=""/>
+        <p:cNvGrpSpPr/>
+        <p:nvPr/>
+      </p:nvGrpSpPr>
+      <p:grpSpPr>
+        <a:xfrm>
+          <a:off x="0" y="0"/>
+          <a:ext cx="0" cy="0"/>
+          <a:chOff x="0" y="0"/>
+          <a:chExt cx="0" cy="0"/>
+        </a:xfrm>
+      </p:grpSpPr>
+      <p:sp>
+        <p:nvSpPr>
+          <p:cNvPr id="7" name="Rectangle 6"/>
+          <p:cNvSpPr/>
+          <p:nvPr/>
+        </p:nvSpPr>
+        <p:spPr>
+          <a:xfrm>
+            <a:off x="0" y="4731990"/>
+            <a:ext cx="9144000" cy="411510"/>
+          </a:xfrm>
+          <a:prstGeom prst="rect">
+            <a:avLst/>
+          </a:prstGeom>
+          <a:solidFill>
+            <a:srgbClr val="FFC000"/>
+          </a:solidFill>
+          <a:ln>
+            <a:noFill/>
+          </a:ln>
+        </p:spPr>
+        <p:style>
+          <a:lnRef idx="2">
+            <a:schemeClr val="accent1">
+              <a:shade val="50000"/>
+            </a:schemeClr>
+          </a:lnRef>
+          <a:fillRef idx="1">
+            <a:schemeClr val="accent1"/>
+          </a:fillRef>
+          <a:effectRef idx="0">
+            <a:schemeClr val="accent1"/>
+          </a:effectRef>
+          <a:fontRef idx="minor">
+            <a:schemeClr val="lt1"/>
+          </a:fontRef>
+        </p:style>
+        <p:txBody>
+          <a:bodyPr rtlCol="0" anchor="ctr"/>
+          <a:lstStyle/>
+          <a:p>
+            <a:pPr algn="ctr"/>
+            <a:endParaRPr lang="fr-FR"/>
+          </a:p>
+        </p:txBody>
+      </p:sp>
+      <p:sp>
+        <p:nvSpPr>
+          <p:cNvPr id="5" name="Espace réservé du numéro de diapositive 4"/>
+          <p:cNvSpPr>
+            <a:spLocks noGrp="1"/>
+          </p:cNvSpPr>
+          <p:nvPr>
+            <p:ph type="sldNum" sz="quarter" idx="12"/>
+          </p:nvPr>
+        </p:nvSpPr>
+        <p:spPr/>
+        <p:txBody>
+          <a:bodyPr/>
+          <a:lstStyle/>
+          <a:p>
+            <a:fld id="{B3C63893-BC38-4EBB-829D-DE1F1D825C70}" type="slidenum">
+              <a:rPr lang="fr-FR" b="1" smtClean="0">
+                <a:solidFill>
+                  <a:schemeClr val="bg1"/>
+                </a:solidFill>
+              </a:rPr>
+              <a:pPr/>
+              <a:t>38</a:t>
+            </a:fld>
+            <a:endParaRPr lang="fr-FR" b="1" dirty="0">
+              <a:solidFill>
+                <a:schemeClr val="bg1"/>
+              </a:solidFill>
+            </a:endParaRPr>
+          </a:p>
+        </p:txBody>
+      </p:sp>
+      <p:sp>
+        <p:nvSpPr>
+          <p:cNvPr id="6" name="Espace réservé du pied de page 5"/>
+          <p:cNvSpPr>
+            <a:spLocks noGrp="1"/>
+          </p:cNvSpPr>
+          <p:nvPr>
+            <p:ph type="ftr" sz="quarter" idx="11"/>
+          </p:nvPr>
+        </p:nvSpPr>
+        <p:spPr>
+          <a:xfrm>
+            <a:off x="1475656" y="4767262"/>
+            <a:ext cx="6264696" cy="376238"/>
+          </a:xfrm>
+        </p:spPr>
+        <p:txBody>
+          <a:bodyPr/>
+          <a:lstStyle/>
+          <a:p>
+            <a:r>
+              <a:rPr lang="fr-FR" b="1" smtClean="0">
+                <a:solidFill>
+                  <a:schemeClr val="bg1"/>
+                </a:solidFill>
+              </a:rPr>
+              <a:t>Gestion des emprunts de matériels - Alexis LAURENT | Suzy PAETA | Romain ROUFAST</a:t>
+            </a:r>
+            <a:endParaRPr lang="fr-FR" b="1" dirty="0">
+              <a:solidFill>
+                <a:schemeClr val="bg1"/>
+              </a:solidFill>
+            </a:endParaRPr>
+          </a:p>
+        </p:txBody>
+      </p:sp>
+      <p:pic>
+        <p:nvPicPr>
+          <p:cNvPr id="3074" name="Picture 2" descr="D:\Dropbox\PFE\Images\Captures\Photo 06-03-2014 09 14 37.png"/>
+          <p:cNvPicPr>
+            <a:picLocks noChangeAspect="1" noChangeArrowheads="1"/>
+          </p:cNvPicPr>
+          <p:nvPr/>
+        </p:nvPicPr>
+        <p:blipFill>
+          <a:blip r:embed="rId2" cstate="print"/>
+          <a:srcRect/>
+          <a:stretch>
+            <a:fillRect/>
+          </a:stretch>
+        </p:blipFill>
+        <p:spPr bwMode="auto">
+          <a:xfrm>
+            <a:off x="2699792" y="0"/>
+            <a:ext cx="2665909" cy="4731990"/>
+          </a:xfrm>
+          <a:prstGeom prst="rect">
+            <a:avLst/>
+          </a:prstGeom>
+          <a:noFill/>
+        </p:spPr>
+      </p:pic>
+    </p:spTree>
+    <p:extLst>
+      <p:ext uri="{BB962C8B-B14F-4D97-AF65-F5344CB8AC3E}">
+        <p14:creationId xmlns="" xmlns:p14="http://schemas.microsoft.com/office/powerpoint/2010/main" val="2200122927"/>
+      </p:ext>
+    </p:extLst>
+  </p:cSld>
+  <p:clrMapOvr>
+    <a:masterClrMapping/>
+  </p:clrMapOvr>
+  <p:timing>
+    <p:tnLst>
+      <p:par>
+        <p:cTn id="1" dur="indefinite" restart="never" nodeType="tmRoot"/>
+      </p:par>
+    </p:tnLst>
+  </p:timing>
+</p:sld>
+</file>
+
+<file path=ppt/slides/slide39.xml><?xml version="1.0" encoding="utf-8"?>
+<p:sld xmlns:a="http://schemas.openxmlformats.org/drawingml/2006/main" xmlns:r="http://schemas.openxmlformats.org/officeDocument/2006/relationships" xmlns:p="http://schemas.openxmlformats.org/presentationml/2006/main">
+  <p:cSld>
+    <p:spTree>
+      <p:nvGrpSpPr>
+        <p:cNvPr id="1" name=""/>
+        <p:cNvGrpSpPr/>
+        <p:nvPr/>
+      </p:nvGrpSpPr>
+      <p:grpSpPr>
+        <a:xfrm>
+          <a:off x="0" y="0"/>
+          <a:ext cx="0" cy="0"/>
+          <a:chOff x="0" y="0"/>
+          <a:chExt cx="0" cy="0"/>
+        </a:xfrm>
+      </p:grpSpPr>
+      <p:sp>
+        <p:nvSpPr>
+          <p:cNvPr id="7" name="Rectangle 6"/>
+          <p:cNvSpPr/>
+          <p:nvPr/>
+        </p:nvSpPr>
+        <p:spPr>
+          <a:xfrm>
+            <a:off x="0" y="4731990"/>
+            <a:ext cx="9144000" cy="411510"/>
+          </a:xfrm>
+          <a:prstGeom prst="rect">
+            <a:avLst/>
+          </a:prstGeom>
+          <a:solidFill>
+            <a:srgbClr val="FFC000"/>
+          </a:solidFill>
+          <a:ln>
+            <a:noFill/>
+          </a:ln>
+        </p:spPr>
+        <p:style>
+          <a:lnRef idx="2">
+            <a:schemeClr val="accent1">
+              <a:shade val="50000"/>
+            </a:schemeClr>
+          </a:lnRef>
+          <a:fillRef idx="1">
+            <a:schemeClr val="accent1"/>
+          </a:fillRef>
+          <a:effectRef idx="0">
+            <a:schemeClr val="accent1"/>
+          </a:effectRef>
+          <a:fontRef idx="minor">
+            <a:schemeClr val="lt1"/>
+          </a:fontRef>
+        </p:style>
+        <p:txBody>
+          <a:bodyPr rtlCol="0" anchor="ctr"/>
+          <a:lstStyle/>
+          <a:p>
+            <a:pPr algn="ctr"/>
+            <a:endParaRPr lang="fr-FR"/>
+          </a:p>
+        </p:txBody>
+      </p:sp>
+      <p:sp>
+        <p:nvSpPr>
+          <p:cNvPr id="5" name="Espace réservé du numéro de diapositive 4"/>
+          <p:cNvSpPr>
+            <a:spLocks noGrp="1"/>
+          </p:cNvSpPr>
+          <p:nvPr>
+            <p:ph type="sldNum" sz="quarter" idx="12"/>
+          </p:nvPr>
+        </p:nvSpPr>
+        <p:spPr/>
+        <p:txBody>
+          <a:bodyPr/>
+          <a:lstStyle/>
+          <a:p>
+            <a:fld id="{B3C63893-BC38-4EBB-829D-DE1F1D825C70}" type="slidenum">
+              <a:rPr lang="fr-FR" b="1" smtClean="0">
+                <a:solidFill>
+                  <a:schemeClr val="bg1"/>
+                </a:solidFill>
+              </a:rPr>
+              <a:pPr/>
+              <a:t>39</a:t>
+            </a:fld>
+            <a:endParaRPr lang="fr-FR" b="1" dirty="0">
+              <a:solidFill>
+                <a:schemeClr val="bg1"/>
+              </a:solidFill>
+            </a:endParaRPr>
+          </a:p>
+        </p:txBody>
+      </p:sp>
+      <p:sp>
+        <p:nvSpPr>
+          <p:cNvPr id="6" name="Espace réservé du pied de page 5"/>
+          <p:cNvSpPr>
+            <a:spLocks noGrp="1"/>
+          </p:cNvSpPr>
+          <p:nvPr>
+            <p:ph type="ftr" sz="quarter" idx="11"/>
+          </p:nvPr>
+        </p:nvSpPr>
+        <p:spPr>
+          <a:xfrm>
+            <a:off x="1475656" y="4767262"/>
+            <a:ext cx="6264696" cy="376238"/>
+          </a:xfrm>
+        </p:spPr>
+        <p:txBody>
+          <a:bodyPr/>
+          <a:lstStyle/>
+          <a:p>
+            <a:r>
+              <a:rPr lang="fr-FR" b="1" smtClean="0">
+                <a:solidFill>
+                  <a:schemeClr val="bg1"/>
+                </a:solidFill>
+              </a:rPr>
+              <a:t>Gestion des emprunts de matériels - Alexis LAURENT | Suzy PAETA | Romain ROUFAST</a:t>
+            </a:r>
+            <a:endParaRPr lang="fr-FR" b="1" dirty="0">
+              <a:solidFill>
+                <a:schemeClr val="bg1"/>
+              </a:solidFill>
+            </a:endParaRPr>
+          </a:p>
+        </p:txBody>
+      </p:sp>
+      <p:pic>
+        <p:nvPicPr>
+          <p:cNvPr id="2050" name="Picture 2"/>
+          <p:cNvPicPr>
+            <a:picLocks noChangeAspect="1" noChangeArrowheads="1"/>
+          </p:cNvPicPr>
+          <p:nvPr/>
+        </p:nvPicPr>
+        <p:blipFill>
+          <a:blip r:embed="rId2" cstate="print"/>
+          <a:srcRect t="9840" r="2278" b="11201"/>
+          <a:stretch>
+            <a:fillRect/>
+          </a:stretch>
+        </p:blipFill>
+        <p:spPr bwMode="auto">
+          <a:xfrm>
+            <a:off x="0" y="-20538"/>
+            <a:ext cx="9144000" cy="4155927"/>
+          </a:xfrm>
+          <a:prstGeom prst="rect">
+            <a:avLst/>
+          </a:prstGeom>
+          <a:noFill/>
+          <a:ln w="9525">
+            <a:noFill/>
+            <a:miter lim="800000"/>
+            <a:headEnd/>
+            <a:tailEnd/>
+          </a:ln>
+        </p:spPr>
+      </p:pic>
+    </p:spTree>
+    <p:extLst>
+      <p:ext uri="{BB962C8B-B14F-4D97-AF65-F5344CB8AC3E}">
+        <p14:creationId xmlns="" xmlns:p14="http://schemas.microsoft.com/office/powerpoint/2010/main" val="2200122927"/>
+      </p:ext>
+    </p:extLst>
+  </p:cSld>
+  <p:clrMapOvr>
+    <a:masterClrMapping/>
+  </p:clrMapOvr>
+  <p:timing>
+    <p:tnLst>
+      <p:par>
+        <p:cTn id="1" dur="indefinite" restart="never" nodeType="tmRoot"/>
+      </p:par>
+    </p:tnLst>
+  </p:timing>
+</p:sld>
+</file>
+
+<file path=ppt/slides/slide4.xml><?xml version="1.0" encoding="utf-8"?>
+<p:sld xmlns:a="http://schemas.openxmlformats.org/drawingml/2006/main" xmlns:r="http://schemas.openxmlformats.org/officeDocument/2006/relationships" xmlns:p="http://schemas.openxmlformats.org/presentationml/2006/main">
+  <p:cSld>
+    <p:spTree>
+      <p:nvGrpSpPr>
+        <p:cNvPr id="1" name=""/>
+        <p:cNvGrpSpPr/>
+        <p:nvPr/>
+      </p:nvGrpSpPr>
+      <p:grpSpPr>
+        <a:xfrm>
+          <a:off x="0" y="0"/>
+          <a:ext cx="0" cy="0"/>
+          <a:chOff x="0" y="0"/>
+          <a:chExt cx="0" cy="0"/>
+        </a:xfrm>
+      </p:grpSpPr>
+      <p:sp>
+        <p:nvSpPr>
+          <p:cNvPr id="7" name="Rectangle 6"/>
+          <p:cNvSpPr/>
+          <p:nvPr/>
+        </p:nvSpPr>
+        <p:spPr>
+          <a:xfrm>
+            <a:off x="0" y="4731990"/>
+            <a:ext cx="9144000" cy="411510"/>
+          </a:xfrm>
+          <a:prstGeom prst="rect">
+            <a:avLst/>
+          </a:prstGeom>
+          <a:solidFill>
+            <a:srgbClr val="FFC000"/>
+          </a:solidFill>
+          <a:ln>
+            <a:noFill/>
+          </a:ln>
+        </p:spPr>
+        <p:style>
+          <a:lnRef idx="2">
+            <a:schemeClr val="accent1">
+              <a:shade val="50000"/>
+            </a:schemeClr>
+          </a:lnRef>
+          <a:fillRef idx="1">
+            <a:schemeClr val="accent1"/>
+          </a:fillRef>
+          <a:effectRef idx="0">
+            <a:schemeClr val="accent1"/>
+          </a:effectRef>
+          <a:fontRef idx="minor">
+            <a:schemeClr val="lt1"/>
+          </a:fontRef>
+        </p:style>
+        <p:txBody>
+          <a:bodyPr rtlCol="0" anchor="ctr"/>
+          <a:lstStyle/>
+          <a:p>
+            <a:pPr algn="ctr"/>
+            <a:endParaRPr lang="fr-FR"/>
+          </a:p>
+        </p:txBody>
+      </p:sp>
+      <p:sp>
+        <p:nvSpPr>
+          <p:cNvPr id="4" name="Rectangle 3"/>
+          <p:cNvSpPr/>
+          <p:nvPr/>
+        </p:nvSpPr>
+        <p:spPr>
+          <a:xfrm>
+            <a:off x="0" y="0"/>
+            <a:ext cx="9144000" cy="1167594"/>
+          </a:xfrm>
+          <a:prstGeom prst="rect">
+            <a:avLst/>
+          </a:prstGeom>
+          <a:solidFill>
+            <a:srgbClr val="FFC000"/>
+          </a:solidFill>
+          <a:ln>
+            <a:noFill/>
+          </a:ln>
+        </p:spPr>
+        <p:style>
+          <a:lnRef idx="2">
+            <a:schemeClr val="accent1">
+              <a:shade val="50000"/>
+            </a:schemeClr>
+          </a:lnRef>
+          <a:fillRef idx="1">
+            <a:schemeClr val="accent1"/>
+          </a:fillRef>
+          <a:effectRef idx="0">
+            <a:schemeClr val="accent1"/>
+          </a:effectRef>
+          <a:fontRef idx="minor">
+            <a:schemeClr val="lt1"/>
+          </a:fontRef>
+        </p:style>
+        <p:txBody>
+          <a:bodyPr rtlCol="0" anchor="ctr"/>
+          <a:lstStyle/>
+          <a:p>
+            <a:pPr algn="ctr"/>
+            <a:endParaRPr lang="fr-FR"/>
+          </a:p>
+        </p:txBody>
+      </p:sp>
+      <p:sp>
+        <p:nvSpPr>
           <p:cNvPr id="2" name="Titre 1"/>
           <p:cNvSpPr>
             <a:spLocks noGrp="1"/>
@@ -14654,7 +15494,7 @@
                   <a:schemeClr val="bg1"/>
                 </a:solidFill>
               </a:rPr>
-              <a:t>Choix technologiques</a:t>
+              <a:t>Notre démarche</a:t>
             </a:r>
             <a:endParaRPr lang="fr-FR" dirty="0">
               <a:solidFill>
@@ -14686,7 +15526,526 @@
                 </a:solidFill>
               </a:rPr>
               <a:pPr/>
-              <a:t>34</a:t>
+              <a:t>4</a:t>
+            </a:fld>
+            <a:endParaRPr lang="fr-FR" b="1" dirty="0">
+              <a:solidFill>
+                <a:schemeClr val="bg1"/>
+              </a:solidFill>
+            </a:endParaRPr>
+          </a:p>
+        </p:txBody>
+      </p:sp>
+      <p:sp>
+        <p:nvSpPr>
+          <p:cNvPr id="6" name="Espace réservé du pied de page 5"/>
+          <p:cNvSpPr>
+            <a:spLocks noGrp="1"/>
+          </p:cNvSpPr>
+          <p:nvPr>
+            <p:ph type="ftr" sz="quarter" idx="11"/>
+          </p:nvPr>
+        </p:nvSpPr>
+        <p:spPr>
+          <a:xfrm>
+            <a:off x="1475656" y="4767262"/>
+            <a:ext cx="6264696" cy="376238"/>
+          </a:xfrm>
+        </p:spPr>
+        <p:txBody>
+          <a:bodyPr/>
+          <a:lstStyle/>
+          <a:p>
+            <a:r>
+              <a:rPr lang="fr-FR" b="1" smtClean="0">
+                <a:solidFill>
+                  <a:schemeClr val="bg1"/>
+                </a:solidFill>
+              </a:rPr>
+              <a:t>Gestion des emprunts de matériels - Alexis LAURENT | Suzy PAETA | Romain ROUFAST</a:t>
+            </a:r>
+            <a:endParaRPr lang="fr-FR" b="1" dirty="0">
+              <a:solidFill>
+                <a:schemeClr val="bg1"/>
+              </a:solidFill>
+            </a:endParaRPr>
+          </a:p>
+        </p:txBody>
+      </p:sp>
+      <p:sp>
+        <p:nvSpPr>
+          <p:cNvPr id="8" name="ZoneTexte 7"/>
+          <p:cNvSpPr txBox="1"/>
+          <p:nvPr/>
+        </p:nvSpPr>
+        <p:spPr>
+          <a:xfrm>
+            <a:off x="395536" y="2301721"/>
+            <a:ext cx="2088232" cy="954107"/>
+          </a:xfrm>
+          <a:prstGeom prst="rect">
+            <a:avLst/>
+          </a:prstGeom>
+          <a:noFill/>
+        </p:spPr>
+        <p:txBody>
+          <a:bodyPr wrap="square" rtlCol="0">
+            <a:spAutoFit/>
+          </a:bodyPr>
+          <a:lstStyle/>
+          <a:p>
+            <a:r>
+              <a:rPr lang="fr-FR" sz="2800" dirty="0" smtClean="0">
+                <a:solidFill>
+                  <a:srgbClr val="FFC000"/>
+                </a:solidFill>
+              </a:rPr>
+              <a:t>Analyse Utilisateurs</a:t>
+            </a:r>
+            <a:endParaRPr lang="fr-FR" dirty="0">
+              <a:solidFill>
+                <a:srgbClr val="FFC000"/>
+              </a:solidFill>
+            </a:endParaRPr>
+          </a:p>
+        </p:txBody>
+      </p:sp>
+      <p:sp>
+        <p:nvSpPr>
+          <p:cNvPr id="9" name="ZoneTexte 8"/>
+          <p:cNvSpPr txBox="1"/>
+          <p:nvPr/>
+        </p:nvSpPr>
+        <p:spPr>
+          <a:xfrm>
+            <a:off x="3203848" y="2409732"/>
+            <a:ext cx="2088232" cy="523220"/>
+          </a:xfrm>
+          <a:prstGeom prst="rect">
+            <a:avLst/>
+          </a:prstGeom>
+          <a:noFill/>
+        </p:spPr>
+        <p:txBody>
+          <a:bodyPr wrap="square" rtlCol="0">
+            <a:spAutoFit/>
+          </a:bodyPr>
+          <a:lstStyle/>
+          <a:p>
+            <a:r>
+              <a:rPr lang="fr-FR" sz="2800" dirty="0" smtClean="0">
+                <a:solidFill>
+                  <a:srgbClr val="FFC000"/>
+                </a:solidFill>
+              </a:rPr>
+              <a:t>Conception</a:t>
+            </a:r>
+            <a:endParaRPr lang="fr-FR" dirty="0">
+              <a:solidFill>
+                <a:srgbClr val="FFC000"/>
+              </a:solidFill>
+            </a:endParaRPr>
+          </a:p>
+        </p:txBody>
+      </p:sp>
+      <p:sp>
+        <p:nvSpPr>
+          <p:cNvPr id="10" name="ZoneTexte 9"/>
+          <p:cNvSpPr txBox="1"/>
+          <p:nvPr/>
+        </p:nvSpPr>
+        <p:spPr>
+          <a:xfrm>
+            <a:off x="6335688" y="1707654"/>
+            <a:ext cx="2808312" cy="523220"/>
+          </a:xfrm>
+          <a:prstGeom prst="rect">
+            <a:avLst/>
+          </a:prstGeom>
+          <a:noFill/>
+        </p:spPr>
+        <p:txBody>
+          <a:bodyPr wrap="square" rtlCol="0">
+            <a:spAutoFit/>
+          </a:bodyPr>
+          <a:lstStyle/>
+          <a:p>
+            <a:r>
+              <a:rPr lang="fr-FR" sz="2800" dirty="0" smtClean="0">
+                <a:solidFill>
+                  <a:srgbClr val="FFC000"/>
+                </a:solidFill>
+              </a:rPr>
+              <a:t>Implémentation</a:t>
+            </a:r>
+            <a:endParaRPr lang="fr-FR" dirty="0">
+              <a:solidFill>
+                <a:srgbClr val="FFC000"/>
+              </a:solidFill>
+            </a:endParaRPr>
+          </a:p>
+        </p:txBody>
+      </p:sp>
+      <p:sp>
+        <p:nvSpPr>
+          <p:cNvPr id="11" name="ZoneTexte 10"/>
+          <p:cNvSpPr txBox="1"/>
+          <p:nvPr/>
+        </p:nvSpPr>
+        <p:spPr>
+          <a:xfrm>
+            <a:off x="6300192" y="3219822"/>
+            <a:ext cx="2808312" cy="523220"/>
+          </a:xfrm>
+          <a:prstGeom prst="rect">
+            <a:avLst/>
+          </a:prstGeom>
+          <a:noFill/>
+        </p:spPr>
+        <p:txBody>
+          <a:bodyPr wrap="square" rtlCol="0">
+            <a:spAutoFit/>
+          </a:bodyPr>
+          <a:lstStyle/>
+          <a:p>
+            <a:r>
+              <a:rPr lang="fr-FR" sz="2800" dirty="0" smtClean="0">
+                <a:solidFill>
+                  <a:srgbClr val="FFC000"/>
+                </a:solidFill>
+              </a:rPr>
+              <a:t>Tests utilisateurs</a:t>
+            </a:r>
+            <a:endParaRPr lang="fr-FR" dirty="0">
+              <a:solidFill>
+                <a:srgbClr val="FFC000"/>
+              </a:solidFill>
+            </a:endParaRPr>
+          </a:p>
+        </p:txBody>
+      </p:sp>
+      <p:cxnSp>
+        <p:nvCxnSpPr>
+          <p:cNvPr id="12" name="Connecteur droit avec flèche 11"/>
+          <p:cNvCxnSpPr/>
+          <p:nvPr/>
+        </p:nvCxnSpPr>
+        <p:spPr>
+          <a:xfrm>
+            <a:off x="2267744" y="2625756"/>
+            <a:ext cx="792088" cy="0"/>
+          </a:xfrm>
+          <a:prstGeom prst="straightConnector1">
+            <a:avLst/>
+          </a:prstGeom>
+          <a:ln w="38100">
+            <a:solidFill>
+              <a:srgbClr val="FFC000"/>
+            </a:solidFill>
+            <a:tailEnd type="arrow"/>
+          </a:ln>
+        </p:spPr>
+        <p:style>
+          <a:lnRef idx="1">
+            <a:schemeClr val="accent1"/>
+          </a:lnRef>
+          <a:fillRef idx="0">
+            <a:schemeClr val="accent1"/>
+          </a:fillRef>
+          <a:effectRef idx="0">
+            <a:schemeClr val="accent1"/>
+          </a:effectRef>
+          <a:fontRef idx="minor">
+            <a:schemeClr val="tx1"/>
+          </a:fontRef>
+        </p:style>
+      </p:cxnSp>
+      <p:cxnSp>
+        <p:nvCxnSpPr>
+          <p:cNvPr id="14" name="Connecteur droit avec flèche 13"/>
+          <p:cNvCxnSpPr/>
+          <p:nvPr/>
+        </p:nvCxnSpPr>
+        <p:spPr>
+          <a:xfrm flipV="1">
+            <a:off x="5076056" y="1923678"/>
+            <a:ext cx="1008112" cy="559877"/>
+          </a:xfrm>
+          <a:prstGeom prst="straightConnector1">
+            <a:avLst/>
+          </a:prstGeom>
+          <a:ln w="38100">
+            <a:solidFill>
+              <a:srgbClr val="FFC000"/>
+            </a:solidFill>
+            <a:tailEnd type="arrow"/>
+          </a:ln>
+        </p:spPr>
+        <p:style>
+          <a:lnRef idx="1">
+            <a:schemeClr val="accent1"/>
+          </a:lnRef>
+          <a:fillRef idx="0">
+            <a:schemeClr val="accent1"/>
+          </a:fillRef>
+          <a:effectRef idx="0">
+            <a:schemeClr val="accent1"/>
+          </a:effectRef>
+          <a:fontRef idx="minor">
+            <a:schemeClr val="tx1"/>
+          </a:fontRef>
+        </p:style>
+      </p:cxnSp>
+      <p:cxnSp>
+        <p:nvCxnSpPr>
+          <p:cNvPr id="17" name="Connecteur droit avec flèche 16"/>
+          <p:cNvCxnSpPr/>
+          <p:nvPr/>
+        </p:nvCxnSpPr>
+        <p:spPr>
+          <a:xfrm>
+            <a:off x="7452320" y="2139702"/>
+            <a:ext cx="0" cy="864096"/>
+          </a:xfrm>
+          <a:prstGeom prst="straightConnector1">
+            <a:avLst/>
+          </a:prstGeom>
+          <a:ln w="38100">
+            <a:solidFill>
+              <a:srgbClr val="FFC000"/>
+            </a:solidFill>
+            <a:tailEnd type="arrow"/>
+          </a:ln>
+        </p:spPr>
+        <p:style>
+          <a:lnRef idx="1">
+            <a:schemeClr val="accent1"/>
+          </a:lnRef>
+          <a:fillRef idx="0">
+            <a:schemeClr val="accent1"/>
+          </a:fillRef>
+          <a:effectRef idx="0">
+            <a:schemeClr val="accent1"/>
+          </a:effectRef>
+          <a:fontRef idx="minor">
+            <a:schemeClr val="tx1"/>
+          </a:fontRef>
+        </p:style>
+      </p:cxnSp>
+      <p:cxnSp>
+        <p:nvCxnSpPr>
+          <p:cNvPr id="20" name="Connecteur droit avec flèche 19"/>
+          <p:cNvCxnSpPr/>
+          <p:nvPr/>
+        </p:nvCxnSpPr>
+        <p:spPr>
+          <a:xfrm flipH="1" flipV="1">
+            <a:off x="5004048" y="2841780"/>
+            <a:ext cx="1080120" cy="648072"/>
+          </a:xfrm>
+          <a:prstGeom prst="straightConnector1">
+            <a:avLst/>
+          </a:prstGeom>
+          <a:ln w="38100">
+            <a:solidFill>
+              <a:srgbClr val="FFC000"/>
+            </a:solidFill>
+            <a:tailEnd type="arrow"/>
+          </a:ln>
+        </p:spPr>
+        <p:style>
+          <a:lnRef idx="1">
+            <a:schemeClr val="accent1"/>
+          </a:lnRef>
+          <a:fillRef idx="0">
+            <a:schemeClr val="accent1"/>
+          </a:fillRef>
+          <a:effectRef idx="0">
+            <a:schemeClr val="accent1"/>
+          </a:effectRef>
+          <a:fontRef idx="minor">
+            <a:schemeClr val="tx1"/>
+          </a:fontRef>
+        </p:style>
+      </p:cxnSp>
+    </p:spTree>
+  </p:cSld>
+  <p:clrMapOvr>
+    <a:masterClrMapping/>
+  </p:clrMapOvr>
+  <p:timing>
+    <p:tnLst>
+      <p:par>
+        <p:cTn id="1" dur="indefinite" restart="never" nodeType="tmRoot"/>
+      </p:par>
+    </p:tnLst>
+  </p:timing>
+</p:sld>
+</file>
+
+<file path=ppt/slides/slide40.xml><?xml version="1.0" encoding="utf-8"?>
+<p:sld xmlns:a="http://schemas.openxmlformats.org/drawingml/2006/main" xmlns:r="http://schemas.openxmlformats.org/officeDocument/2006/relationships" xmlns:p="http://schemas.openxmlformats.org/presentationml/2006/main">
+  <p:cSld>
+    <p:spTree>
+      <p:nvGrpSpPr>
+        <p:cNvPr id="1" name=""/>
+        <p:cNvGrpSpPr/>
+        <p:nvPr/>
+      </p:nvGrpSpPr>
+      <p:grpSpPr>
+        <a:xfrm>
+          <a:off x="0" y="0"/>
+          <a:ext cx="0" cy="0"/>
+          <a:chOff x="0" y="0"/>
+          <a:chExt cx="0" cy="0"/>
+        </a:xfrm>
+      </p:grpSpPr>
+      <p:sp>
+        <p:nvSpPr>
+          <p:cNvPr id="7" name="Rectangle 6"/>
+          <p:cNvSpPr/>
+          <p:nvPr/>
+        </p:nvSpPr>
+        <p:spPr>
+          <a:xfrm>
+            <a:off x="0" y="4731990"/>
+            <a:ext cx="9144000" cy="411510"/>
+          </a:xfrm>
+          <a:prstGeom prst="rect">
+            <a:avLst/>
+          </a:prstGeom>
+          <a:solidFill>
+            <a:srgbClr val="FFC000"/>
+          </a:solidFill>
+          <a:ln>
+            <a:noFill/>
+          </a:ln>
+        </p:spPr>
+        <p:style>
+          <a:lnRef idx="2">
+            <a:schemeClr val="accent1">
+              <a:shade val="50000"/>
+            </a:schemeClr>
+          </a:lnRef>
+          <a:fillRef idx="1">
+            <a:schemeClr val="accent1"/>
+          </a:fillRef>
+          <a:effectRef idx="0">
+            <a:schemeClr val="accent1"/>
+          </a:effectRef>
+          <a:fontRef idx="minor">
+            <a:schemeClr val="lt1"/>
+          </a:fontRef>
+        </p:style>
+        <p:txBody>
+          <a:bodyPr rtlCol="0" anchor="ctr"/>
+          <a:lstStyle/>
+          <a:p>
+            <a:pPr algn="ctr"/>
+            <a:endParaRPr lang="fr-FR"/>
+          </a:p>
+        </p:txBody>
+      </p:sp>
+      <p:sp>
+        <p:nvSpPr>
+          <p:cNvPr id="4" name="Rectangle 3"/>
+          <p:cNvSpPr/>
+          <p:nvPr/>
+        </p:nvSpPr>
+        <p:spPr>
+          <a:xfrm>
+            <a:off x="0" y="0"/>
+            <a:ext cx="9144000" cy="1167594"/>
+          </a:xfrm>
+          <a:prstGeom prst="rect">
+            <a:avLst/>
+          </a:prstGeom>
+          <a:solidFill>
+            <a:srgbClr val="FFC000"/>
+          </a:solidFill>
+          <a:ln>
+            <a:noFill/>
+          </a:ln>
+        </p:spPr>
+        <p:style>
+          <a:lnRef idx="2">
+            <a:schemeClr val="accent1">
+              <a:shade val="50000"/>
+            </a:schemeClr>
+          </a:lnRef>
+          <a:fillRef idx="1">
+            <a:schemeClr val="accent1"/>
+          </a:fillRef>
+          <a:effectRef idx="0">
+            <a:schemeClr val="accent1"/>
+          </a:effectRef>
+          <a:fontRef idx="minor">
+            <a:schemeClr val="lt1"/>
+          </a:fontRef>
+        </p:style>
+        <p:txBody>
+          <a:bodyPr rtlCol="0" anchor="ctr"/>
+          <a:lstStyle/>
+          <a:p>
+            <a:pPr algn="ctr"/>
+            <a:endParaRPr lang="fr-FR"/>
+          </a:p>
+        </p:txBody>
+      </p:sp>
+      <p:sp>
+        <p:nvSpPr>
+          <p:cNvPr id="2" name="Titre 1"/>
+          <p:cNvSpPr>
+            <a:spLocks noGrp="1"/>
+          </p:cNvSpPr>
+          <p:nvPr>
+            <p:ph type="title"/>
+          </p:nvPr>
+        </p:nvSpPr>
+        <p:spPr/>
+        <p:txBody>
+          <a:bodyPr/>
+          <a:lstStyle/>
+          <a:p>
+            <a:r>
+              <a:rPr lang="fr-FR" dirty="0" smtClean="0">
+                <a:solidFill>
+                  <a:schemeClr val="bg1"/>
+                </a:solidFill>
+              </a:rPr>
+              <a:t>Choix technologiques</a:t>
+            </a:r>
+            <a:endParaRPr lang="fr-FR" dirty="0">
+              <a:solidFill>
+                <a:schemeClr val="bg1"/>
+              </a:solidFill>
+            </a:endParaRPr>
+          </a:p>
+        </p:txBody>
+      </p:sp>
+      <p:sp>
+        <p:nvSpPr>
+          <p:cNvPr id="5" name="Espace réservé du numéro de diapositive 4"/>
+          <p:cNvSpPr>
+            <a:spLocks noGrp="1"/>
+          </p:cNvSpPr>
+          <p:nvPr>
+            <p:ph type="sldNum" sz="quarter" idx="12"/>
+          </p:nvPr>
+        </p:nvSpPr>
+        <p:spPr/>
+        <p:txBody>
+          <a:bodyPr/>
+          <a:lstStyle/>
+          <a:p>
+            <a:fld id="{B3C63893-BC38-4EBB-829D-DE1F1D825C70}" type="slidenum">
+              <a:rPr lang="fr-FR" b="1" smtClean="0">
+                <a:solidFill>
+                  <a:schemeClr val="bg1"/>
+                </a:solidFill>
+              </a:rPr>
+              <a:pPr/>
+              <a:t>40</a:t>
             </a:fld>
             <a:endParaRPr lang="fr-FR" b="1" dirty="0">
               <a:solidFill>
@@ -15446,19 +16805,6 @@
               </a:rPr>
               <a:t>LOC</a:t>
             </a:r>
-            <a:endParaRPr lang="fr-FR" sz="4000" b="1" dirty="0">
-              <a:solidFill>
-                <a:srgbClr val="FFC000"/>
-              </a:solidFill>
-              <a:effectLst>
-                <a:outerShdw blurRad="38100" dist="38100" dir="2700000" algn="tl">
-                  <a:srgbClr val="000000">
-                    <a:alpha val="43137"/>
-                  </a:srgbClr>
-                </a:outerShdw>
-              </a:effectLst>
-              <a:latin typeface="Arial Black" panose="020B0A04020102020204" pitchFamily="34" charset="0"/>
-            </a:endParaRPr>
           </a:p>
         </p:txBody>
       </p:sp>
@@ -15504,2179 +16850,13 @@
               </a:rPr>
               <a:t>LOC</a:t>
             </a:r>
-            <a:endParaRPr lang="fr-FR" sz="4000" b="1" dirty="0">
-              <a:solidFill>
-                <a:srgbClr val="FFC000"/>
-              </a:solidFill>
-              <a:effectLst>
-                <a:outerShdw blurRad="38100" dist="38100" dir="2700000" algn="tl">
-                  <a:srgbClr val="000000">
-                    <a:alpha val="43137"/>
-                  </a:srgbClr>
-                </a:outerShdw>
-              </a:effectLst>
-              <a:latin typeface="Arial Black" panose="020B0A04020102020204" pitchFamily="34" charset="0"/>
-            </a:endParaRPr>
           </a:p>
         </p:txBody>
       </p:sp>
     </p:spTree>
     <p:extLst>
       <p:ext uri="{BB962C8B-B14F-4D97-AF65-F5344CB8AC3E}">
-        <p14:creationId xmlns:p14="http://schemas.microsoft.com/office/powerpoint/2010/main" val="787371127"/>
-      </p:ext>
-    </p:extLst>
-  </p:cSld>
-  <p:clrMapOvr>
-    <a:masterClrMapping/>
-  </p:clrMapOvr>
-  <p:timing>
-    <p:tnLst>
-      <p:par>
-        <p:cTn id="1" dur="indefinite" restart="never" nodeType="tmRoot"/>
-      </p:par>
-    </p:tnLst>
-  </p:timing>
-</p:sld>
-</file>
-
-<file path=ppt/slides/slide35.xml><?xml version="1.0" encoding="utf-8"?>
-<p:sld xmlns:a="http://schemas.openxmlformats.org/drawingml/2006/main" xmlns:r="http://schemas.openxmlformats.org/officeDocument/2006/relationships" xmlns:p="http://schemas.openxmlformats.org/presentationml/2006/main">
-  <p:cSld>
-    <p:spTree>
-      <p:nvGrpSpPr>
-        <p:cNvPr id="1" name=""/>
-        <p:cNvGrpSpPr/>
-        <p:nvPr/>
-      </p:nvGrpSpPr>
-      <p:grpSpPr>
-        <a:xfrm>
-          <a:off x="0" y="0"/>
-          <a:ext cx="0" cy="0"/>
-          <a:chOff x="0" y="0"/>
-          <a:chExt cx="0" cy="0"/>
-        </a:xfrm>
-      </p:grpSpPr>
-      <p:sp>
-        <p:nvSpPr>
-          <p:cNvPr id="2" name="Titre 1"/>
-          <p:cNvSpPr>
-            <a:spLocks noGrp="1"/>
-          </p:cNvSpPr>
-          <p:nvPr>
-            <p:ph type="title"/>
-          </p:nvPr>
-        </p:nvSpPr>
-        <p:spPr>
-          <a:xfrm>
-            <a:off x="2447764" y="2143125"/>
-            <a:ext cx="4248472" cy="857250"/>
-          </a:xfrm>
-        </p:spPr>
-        <p:txBody>
-          <a:bodyPr>
-            <a:normAutofit/>
-          </a:bodyPr>
-          <a:lstStyle/>
-          <a:p>
-            <a:r>
-              <a:rPr lang="fr-FR" dirty="0" smtClean="0">
-                <a:solidFill>
-                  <a:srgbClr val="FFC000"/>
-                </a:solidFill>
-              </a:rPr>
-              <a:t>Gestion du projet </a:t>
-            </a:r>
-            <a:endParaRPr lang="fr-FR" dirty="0">
-              <a:solidFill>
-                <a:srgbClr val="FFC000"/>
-              </a:solidFill>
-            </a:endParaRPr>
-          </a:p>
-        </p:txBody>
-      </p:sp>
-    </p:spTree>
-    <p:extLst>
-      <p:ext uri="{BB962C8B-B14F-4D97-AF65-F5344CB8AC3E}">
-        <p14:creationId xmlns:p14="http://schemas.microsoft.com/office/powerpoint/2010/main" val="2089119091"/>
-      </p:ext>
-    </p:extLst>
-  </p:cSld>
-  <p:clrMapOvr>
-    <a:masterClrMapping/>
-  </p:clrMapOvr>
-  <p:timing>
-    <p:tnLst>
-      <p:par>
-        <p:cTn id="1" dur="indefinite" restart="never" nodeType="tmRoot"/>
-      </p:par>
-    </p:tnLst>
-  </p:timing>
-</p:sld>
-</file>
-
-<file path=ppt/slides/slide36.xml><?xml version="1.0" encoding="utf-8"?>
-<p:sld xmlns:a="http://schemas.openxmlformats.org/drawingml/2006/main" xmlns:r="http://schemas.openxmlformats.org/officeDocument/2006/relationships" xmlns:p="http://schemas.openxmlformats.org/presentationml/2006/main">
-  <p:cSld>
-    <p:spTree>
-      <p:nvGrpSpPr>
-        <p:cNvPr id="1" name=""/>
-        <p:cNvGrpSpPr/>
-        <p:nvPr/>
-      </p:nvGrpSpPr>
-      <p:grpSpPr>
-        <a:xfrm>
-          <a:off x="0" y="0"/>
-          <a:ext cx="0" cy="0"/>
-          <a:chOff x="0" y="0"/>
-          <a:chExt cx="0" cy="0"/>
-        </a:xfrm>
-      </p:grpSpPr>
-      <p:sp>
-        <p:nvSpPr>
-          <p:cNvPr id="7" name="Rectangle 6"/>
-          <p:cNvSpPr/>
-          <p:nvPr/>
-        </p:nvSpPr>
-        <p:spPr>
-          <a:xfrm>
-            <a:off x="0" y="4731990"/>
-            <a:ext cx="9144000" cy="411510"/>
-          </a:xfrm>
-          <a:prstGeom prst="rect">
-            <a:avLst/>
-          </a:prstGeom>
-          <a:solidFill>
-            <a:srgbClr val="FFC000"/>
-          </a:solidFill>
-          <a:ln>
-            <a:noFill/>
-          </a:ln>
-        </p:spPr>
-        <p:style>
-          <a:lnRef idx="2">
-            <a:schemeClr val="accent1">
-              <a:shade val="50000"/>
-            </a:schemeClr>
-          </a:lnRef>
-          <a:fillRef idx="1">
-            <a:schemeClr val="accent1"/>
-          </a:fillRef>
-          <a:effectRef idx="0">
-            <a:schemeClr val="accent1"/>
-          </a:effectRef>
-          <a:fontRef idx="minor">
-            <a:schemeClr val="lt1"/>
-          </a:fontRef>
-        </p:style>
-        <p:txBody>
-          <a:bodyPr rtlCol="0" anchor="ctr"/>
-          <a:lstStyle/>
-          <a:p>
-            <a:pPr algn="ctr"/>
-            <a:endParaRPr lang="fr-FR"/>
-          </a:p>
-        </p:txBody>
-      </p:sp>
-      <p:sp>
-        <p:nvSpPr>
-          <p:cNvPr id="4" name="Rectangle 3"/>
-          <p:cNvSpPr/>
-          <p:nvPr/>
-        </p:nvSpPr>
-        <p:spPr>
-          <a:xfrm>
-            <a:off x="0" y="0"/>
-            <a:ext cx="9144000" cy="1167594"/>
-          </a:xfrm>
-          <a:prstGeom prst="rect">
-            <a:avLst/>
-          </a:prstGeom>
-          <a:solidFill>
-            <a:srgbClr val="FFC000"/>
-          </a:solidFill>
-          <a:ln>
-            <a:noFill/>
-          </a:ln>
-        </p:spPr>
-        <p:style>
-          <a:lnRef idx="2">
-            <a:schemeClr val="accent1">
-              <a:shade val="50000"/>
-            </a:schemeClr>
-          </a:lnRef>
-          <a:fillRef idx="1">
-            <a:schemeClr val="accent1"/>
-          </a:fillRef>
-          <a:effectRef idx="0">
-            <a:schemeClr val="accent1"/>
-          </a:effectRef>
-          <a:fontRef idx="minor">
-            <a:schemeClr val="lt1"/>
-          </a:fontRef>
-        </p:style>
-        <p:txBody>
-          <a:bodyPr rtlCol="0" anchor="ctr"/>
-          <a:lstStyle/>
-          <a:p>
-            <a:pPr algn="ctr"/>
-            <a:endParaRPr lang="fr-FR"/>
-          </a:p>
-        </p:txBody>
-      </p:sp>
-      <p:sp>
-        <p:nvSpPr>
-          <p:cNvPr id="2" name="Titre 1"/>
-          <p:cNvSpPr>
-            <a:spLocks noGrp="1"/>
-          </p:cNvSpPr>
-          <p:nvPr>
-            <p:ph type="title"/>
-          </p:nvPr>
-        </p:nvSpPr>
-        <p:spPr/>
-        <p:txBody>
-          <a:bodyPr/>
-          <a:lstStyle/>
-          <a:p>
-            <a:r>
-              <a:rPr lang="fr-FR" dirty="0" smtClean="0">
-                <a:solidFill>
-                  <a:schemeClr val="bg1"/>
-                </a:solidFill>
-              </a:rPr>
-              <a:t>Lot #1 - Management</a:t>
-            </a:r>
-            <a:endParaRPr lang="fr-FR" dirty="0">
-              <a:solidFill>
-                <a:schemeClr val="bg1"/>
-              </a:solidFill>
-            </a:endParaRPr>
-          </a:p>
-        </p:txBody>
-      </p:sp>
-      <p:sp>
-        <p:nvSpPr>
-          <p:cNvPr id="5" name="Espace réservé du numéro de diapositive 4"/>
-          <p:cNvSpPr>
-            <a:spLocks noGrp="1"/>
-          </p:cNvSpPr>
-          <p:nvPr>
-            <p:ph type="sldNum" sz="quarter" idx="12"/>
-          </p:nvPr>
-        </p:nvSpPr>
-        <p:spPr/>
-        <p:txBody>
-          <a:bodyPr/>
-          <a:lstStyle/>
-          <a:p>
-            <a:fld id="{B3C63893-BC38-4EBB-829D-DE1F1D825C70}" type="slidenum">
-              <a:rPr lang="fr-FR" b="1" smtClean="0">
-                <a:solidFill>
-                  <a:schemeClr val="bg1"/>
-                </a:solidFill>
-              </a:rPr>
-              <a:pPr/>
-              <a:t>36</a:t>
-            </a:fld>
-            <a:endParaRPr lang="fr-FR" b="1" dirty="0">
-              <a:solidFill>
-                <a:schemeClr val="bg1"/>
-              </a:solidFill>
-            </a:endParaRPr>
-          </a:p>
-        </p:txBody>
-      </p:sp>
-      <p:sp>
-        <p:nvSpPr>
-          <p:cNvPr id="6" name="Espace réservé du pied de page 5"/>
-          <p:cNvSpPr>
-            <a:spLocks noGrp="1"/>
-          </p:cNvSpPr>
-          <p:nvPr>
-            <p:ph type="ftr" sz="quarter" idx="11"/>
-          </p:nvPr>
-        </p:nvSpPr>
-        <p:spPr>
-          <a:xfrm>
-            <a:off x="1475656" y="4767262"/>
-            <a:ext cx="6264696" cy="376238"/>
-          </a:xfrm>
-        </p:spPr>
-        <p:txBody>
-          <a:bodyPr/>
-          <a:lstStyle/>
-          <a:p>
-            <a:r>
-              <a:rPr lang="fr-FR" b="1" smtClean="0">
-                <a:solidFill>
-                  <a:schemeClr val="bg1"/>
-                </a:solidFill>
-              </a:rPr>
-              <a:t>Gestion des emprunts de matériels - Alexis LAURENT | Suzy PAETA | Romain ROUFAST</a:t>
-            </a:r>
-            <a:endParaRPr lang="fr-FR" b="1" dirty="0">
-              <a:solidFill>
-                <a:schemeClr val="bg1"/>
-              </a:solidFill>
-            </a:endParaRPr>
-          </a:p>
-        </p:txBody>
-      </p:sp>
-      <p:graphicFrame>
-        <p:nvGraphicFramePr>
-          <p:cNvPr id="8" name="Graphique 7"/>
-          <p:cNvGraphicFramePr/>
-          <p:nvPr>
-            <p:extLst>
-              <p:ext uri="{D42A27DB-BD31-4B8C-83A1-F6EECF244321}">
-                <p14:modId xmlns:p14="http://schemas.microsoft.com/office/powerpoint/2010/main" val="3159957718"/>
-              </p:ext>
-            </p:extLst>
-          </p:nvPr>
-        </p:nvGraphicFramePr>
-        <p:xfrm>
-          <a:off x="360040" y="1851670"/>
-          <a:ext cx="3719303" cy="2232248"/>
-        </p:xfrm>
-        <a:graphic>
-          <a:graphicData uri="http://schemas.openxmlformats.org/drawingml/2006/chart">
-            <c:chart xmlns:c="http://schemas.openxmlformats.org/drawingml/2006/chart" xmlns:r="http://schemas.openxmlformats.org/officeDocument/2006/relationships" r:id="rId2"/>
-          </a:graphicData>
-        </a:graphic>
-      </p:graphicFrame>
-      <p:sp>
-        <p:nvSpPr>
-          <p:cNvPr id="10" name="Espace réservé du contenu 2"/>
-          <p:cNvSpPr>
-            <a:spLocks noGrp="1"/>
-          </p:cNvSpPr>
-          <p:nvPr>
-            <p:ph idx="1"/>
-          </p:nvPr>
-        </p:nvSpPr>
-        <p:spPr>
-          <a:xfrm>
-            <a:off x="4283968" y="2283718"/>
-            <a:ext cx="5112568" cy="1296144"/>
-          </a:xfrm>
-        </p:spPr>
-        <p:txBody>
-          <a:bodyPr/>
-          <a:lstStyle/>
-          <a:p>
-            <a:pPr marL="0" indent="0">
-              <a:buNone/>
-            </a:pPr>
-            <a:r>
-              <a:rPr lang="fr-FR" dirty="0" err="1" smtClean="0">
-                <a:solidFill>
-                  <a:srgbClr val="FFC000"/>
-                </a:solidFill>
-              </a:rPr>
-              <a:t>DoW</a:t>
-            </a:r>
-            <a:endParaRPr lang="fr-FR" dirty="0" smtClean="0">
-              <a:solidFill>
-                <a:srgbClr val="FFC000"/>
-              </a:solidFill>
-            </a:endParaRPr>
-          </a:p>
-          <a:p>
-            <a:pPr marL="0" indent="0">
-              <a:buNone/>
-            </a:pPr>
-            <a:r>
-              <a:rPr lang="fr-FR" dirty="0" smtClean="0">
-                <a:solidFill>
-                  <a:srgbClr val="FFC000"/>
-                </a:solidFill>
-              </a:rPr>
-              <a:t>Réunions avec nos tuteurs</a:t>
-            </a:r>
-            <a:endParaRPr lang="fr-FR" dirty="0" smtClean="0">
-              <a:solidFill>
-                <a:srgbClr val="FFC000"/>
-              </a:solidFill>
-            </a:endParaRPr>
-          </a:p>
-          <a:p>
-            <a:endParaRPr lang="fr-FR" dirty="0"/>
-          </a:p>
-        </p:txBody>
-      </p:sp>
-    </p:spTree>
-    <p:extLst>
-      <p:ext uri="{BB962C8B-B14F-4D97-AF65-F5344CB8AC3E}">
-        <p14:creationId xmlns:p14="http://schemas.microsoft.com/office/powerpoint/2010/main" val="3952209337"/>
-      </p:ext>
-    </p:extLst>
-  </p:cSld>
-  <p:clrMapOvr>
-    <a:masterClrMapping/>
-  </p:clrMapOvr>
-  <p:timing>
-    <p:tnLst>
-      <p:par>
-        <p:cTn id="1" dur="indefinite" restart="never" nodeType="tmRoot"/>
-      </p:par>
-    </p:tnLst>
-  </p:timing>
-</p:sld>
-</file>
-
-<file path=ppt/slides/slide37.xml><?xml version="1.0" encoding="utf-8"?>
-<p:sld xmlns:a="http://schemas.openxmlformats.org/drawingml/2006/main" xmlns:r="http://schemas.openxmlformats.org/officeDocument/2006/relationships" xmlns:p="http://schemas.openxmlformats.org/presentationml/2006/main">
-  <p:cSld>
-    <p:spTree>
-      <p:nvGrpSpPr>
-        <p:cNvPr id="1" name=""/>
-        <p:cNvGrpSpPr/>
-        <p:nvPr/>
-      </p:nvGrpSpPr>
-      <p:grpSpPr>
-        <a:xfrm>
-          <a:off x="0" y="0"/>
-          <a:ext cx="0" cy="0"/>
-          <a:chOff x="0" y="0"/>
-          <a:chExt cx="0" cy="0"/>
-        </a:xfrm>
-      </p:grpSpPr>
-      <p:sp>
-        <p:nvSpPr>
-          <p:cNvPr id="7" name="Rectangle 6"/>
-          <p:cNvSpPr/>
-          <p:nvPr/>
-        </p:nvSpPr>
-        <p:spPr>
-          <a:xfrm>
-            <a:off x="0" y="4731990"/>
-            <a:ext cx="9144000" cy="411510"/>
-          </a:xfrm>
-          <a:prstGeom prst="rect">
-            <a:avLst/>
-          </a:prstGeom>
-          <a:solidFill>
-            <a:srgbClr val="FFC000"/>
-          </a:solidFill>
-          <a:ln>
-            <a:noFill/>
-          </a:ln>
-        </p:spPr>
-        <p:style>
-          <a:lnRef idx="2">
-            <a:schemeClr val="accent1">
-              <a:shade val="50000"/>
-            </a:schemeClr>
-          </a:lnRef>
-          <a:fillRef idx="1">
-            <a:schemeClr val="accent1"/>
-          </a:fillRef>
-          <a:effectRef idx="0">
-            <a:schemeClr val="accent1"/>
-          </a:effectRef>
-          <a:fontRef idx="minor">
-            <a:schemeClr val="lt1"/>
-          </a:fontRef>
-        </p:style>
-        <p:txBody>
-          <a:bodyPr rtlCol="0" anchor="ctr"/>
-          <a:lstStyle/>
-          <a:p>
-            <a:pPr algn="ctr"/>
-            <a:endParaRPr lang="fr-FR"/>
-          </a:p>
-        </p:txBody>
-      </p:sp>
-      <p:sp>
-        <p:nvSpPr>
-          <p:cNvPr id="4" name="Rectangle 3"/>
-          <p:cNvSpPr/>
-          <p:nvPr/>
-        </p:nvSpPr>
-        <p:spPr>
-          <a:xfrm>
-            <a:off x="0" y="0"/>
-            <a:ext cx="9144000" cy="1167594"/>
-          </a:xfrm>
-          <a:prstGeom prst="rect">
-            <a:avLst/>
-          </a:prstGeom>
-          <a:solidFill>
-            <a:srgbClr val="FFC000"/>
-          </a:solidFill>
-          <a:ln>
-            <a:noFill/>
-          </a:ln>
-        </p:spPr>
-        <p:style>
-          <a:lnRef idx="2">
-            <a:schemeClr val="accent1">
-              <a:shade val="50000"/>
-            </a:schemeClr>
-          </a:lnRef>
-          <a:fillRef idx="1">
-            <a:schemeClr val="accent1"/>
-          </a:fillRef>
-          <a:effectRef idx="0">
-            <a:schemeClr val="accent1"/>
-          </a:effectRef>
-          <a:fontRef idx="minor">
-            <a:schemeClr val="lt1"/>
-          </a:fontRef>
-        </p:style>
-        <p:txBody>
-          <a:bodyPr rtlCol="0" anchor="ctr"/>
-          <a:lstStyle/>
-          <a:p>
-            <a:pPr algn="ctr"/>
-            <a:endParaRPr lang="fr-FR"/>
-          </a:p>
-        </p:txBody>
-      </p:sp>
-      <p:sp>
-        <p:nvSpPr>
-          <p:cNvPr id="2" name="Titre 1"/>
-          <p:cNvSpPr>
-            <a:spLocks noGrp="1"/>
-          </p:cNvSpPr>
-          <p:nvPr>
-            <p:ph type="title"/>
-          </p:nvPr>
-        </p:nvSpPr>
-        <p:spPr/>
-        <p:txBody>
-          <a:bodyPr/>
-          <a:lstStyle/>
-          <a:p>
-            <a:r>
-              <a:rPr lang="fr-FR" dirty="0" smtClean="0">
-                <a:solidFill>
-                  <a:schemeClr val="bg1"/>
-                </a:solidFill>
-              </a:rPr>
-              <a:t>Lot #2 – Analyse</a:t>
-            </a:r>
-            <a:endParaRPr lang="fr-FR" dirty="0">
-              <a:solidFill>
-                <a:schemeClr val="bg1"/>
-              </a:solidFill>
-            </a:endParaRPr>
-          </a:p>
-        </p:txBody>
-      </p:sp>
-      <p:sp>
-        <p:nvSpPr>
-          <p:cNvPr id="5" name="Espace réservé du numéro de diapositive 4"/>
-          <p:cNvSpPr>
-            <a:spLocks noGrp="1"/>
-          </p:cNvSpPr>
-          <p:nvPr>
-            <p:ph type="sldNum" sz="quarter" idx="12"/>
-          </p:nvPr>
-        </p:nvSpPr>
-        <p:spPr/>
-        <p:txBody>
-          <a:bodyPr/>
-          <a:lstStyle/>
-          <a:p>
-            <a:fld id="{B3C63893-BC38-4EBB-829D-DE1F1D825C70}" type="slidenum">
-              <a:rPr lang="fr-FR" b="1" smtClean="0">
-                <a:solidFill>
-                  <a:schemeClr val="bg1"/>
-                </a:solidFill>
-              </a:rPr>
-              <a:pPr/>
-              <a:t>37</a:t>
-            </a:fld>
-            <a:endParaRPr lang="fr-FR" b="1" dirty="0">
-              <a:solidFill>
-                <a:schemeClr val="bg1"/>
-              </a:solidFill>
-            </a:endParaRPr>
-          </a:p>
-        </p:txBody>
-      </p:sp>
-      <p:sp>
-        <p:nvSpPr>
-          <p:cNvPr id="6" name="Espace réservé du pied de page 5"/>
-          <p:cNvSpPr>
-            <a:spLocks noGrp="1"/>
-          </p:cNvSpPr>
-          <p:nvPr>
-            <p:ph type="ftr" sz="quarter" idx="11"/>
-          </p:nvPr>
-        </p:nvSpPr>
-        <p:spPr>
-          <a:xfrm>
-            <a:off x="1475656" y="4767262"/>
-            <a:ext cx="6264696" cy="376238"/>
-          </a:xfrm>
-        </p:spPr>
-        <p:txBody>
-          <a:bodyPr/>
-          <a:lstStyle/>
-          <a:p>
-            <a:r>
-              <a:rPr lang="fr-FR" b="1" smtClean="0">
-                <a:solidFill>
-                  <a:schemeClr val="bg1"/>
-                </a:solidFill>
-              </a:rPr>
-              <a:t>Gestion des emprunts de matériels - Alexis LAURENT | Suzy PAETA | Romain ROUFAST</a:t>
-            </a:r>
-            <a:endParaRPr lang="fr-FR" b="1" dirty="0">
-              <a:solidFill>
-                <a:schemeClr val="bg1"/>
-              </a:solidFill>
-            </a:endParaRPr>
-          </a:p>
-        </p:txBody>
-      </p:sp>
-      <p:sp>
-        <p:nvSpPr>
-          <p:cNvPr id="10" name="Espace réservé du contenu 2"/>
-          <p:cNvSpPr>
-            <a:spLocks noGrp="1"/>
-          </p:cNvSpPr>
-          <p:nvPr>
-            <p:ph idx="1"/>
-          </p:nvPr>
-        </p:nvSpPr>
-        <p:spPr>
-          <a:xfrm>
-            <a:off x="411531" y="1707654"/>
-            <a:ext cx="5112568" cy="2520280"/>
-          </a:xfrm>
-        </p:spPr>
-        <p:txBody>
-          <a:bodyPr>
-            <a:normAutofit/>
-          </a:bodyPr>
-          <a:lstStyle/>
-          <a:p>
-            <a:pPr marL="0" indent="0">
-              <a:buNone/>
-            </a:pPr>
-            <a:r>
-              <a:rPr lang="fr-FR" dirty="0" smtClean="0">
-                <a:solidFill>
-                  <a:srgbClr val="FFC000"/>
-                </a:solidFill>
-              </a:rPr>
-              <a:t>Entretiens</a:t>
-            </a:r>
-          </a:p>
-          <a:p>
-            <a:pPr marL="0" indent="0">
-              <a:buNone/>
-            </a:pPr>
-            <a:r>
-              <a:rPr lang="fr-FR" dirty="0" smtClean="0">
-                <a:solidFill>
-                  <a:srgbClr val="FFC000"/>
-                </a:solidFill>
-              </a:rPr>
-              <a:t>Rapports d’analyse</a:t>
-            </a:r>
-          </a:p>
-          <a:p>
-            <a:pPr marL="0" indent="0">
-              <a:buNone/>
-            </a:pPr>
-            <a:r>
-              <a:rPr lang="fr-FR" dirty="0" smtClean="0">
-                <a:solidFill>
-                  <a:srgbClr val="FFC000"/>
-                </a:solidFill>
-              </a:rPr>
-              <a:t>Maquette finale</a:t>
-            </a:r>
-          </a:p>
-          <a:p>
-            <a:pPr marL="0" indent="0">
-              <a:buNone/>
-            </a:pPr>
-            <a:r>
-              <a:rPr lang="fr-FR" spc="-150" dirty="0" smtClean="0">
-                <a:solidFill>
-                  <a:srgbClr val="FFC000"/>
-                </a:solidFill>
-              </a:rPr>
-              <a:t>Rails | JavaScript | CSS3 |HTML5</a:t>
-            </a:r>
-            <a:endParaRPr lang="fr-FR" spc="-150" dirty="0" smtClean="0">
-              <a:solidFill>
-                <a:srgbClr val="FFC000"/>
-              </a:solidFill>
-            </a:endParaRPr>
-          </a:p>
-          <a:p>
-            <a:endParaRPr lang="fr-FR" dirty="0"/>
-          </a:p>
-        </p:txBody>
-      </p:sp>
-      <p:graphicFrame>
-        <p:nvGraphicFramePr>
-          <p:cNvPr id="9" name="Graphique 8"/>
-          <p:cNvGraphicFramePr/>
-          <p:nvPr>
-            <p:extLst>
-              <p:ext uri="{D42A27DB-BD31-4B8C-83A1-F6EECF244321}">
-                <p14:modId xmlns:p14="http://schemas.microsoft.com/office/powerpoint/2010/main" val="3071604968"/>
-              </p:ext>
-            </p:extLst>
-          </p:nvPr>
-        </p:nvGraphicFramePr>
-        <p:xfrm>
-          <a:off x="5020043" y="1851670"/>
-          <a:ext cx="3728421" cy="2232248"/>
-        </p:xfrm>
-        <a:graphic>
-          <a:graphicData uri="http://schemas.openxmlformats.org/drawingml/2006/chart">
-            <c:chart xmlns:c="http://schemas.openxmlformats.org/drawingml/2006/chart" xmlns:r="http://schemas.openxmlformats.org/officeDocument/2006/relationships" r:id="rId2"/>
-          </a:graphicData>
-        </a:graphic>
-      </p:graphicFrame>
-    </p:spTree>
-    <p:extLst>
-      <p:ext uri="{BB962C8B-B14F-4D97-AF65-F5344CB8AC3E}">
-        <p14:creationId xmlns:p14="http://schemas.microsoft.com/office/powerpoint/2010/main" val="3787200968"/>
-      </p:ext>
-    </p:extLst>
-  </p:cSld>
-  <p:clrMapOvr>
-    <a:masterClrMapping/>
-  </p:clrMapOvr>
-  <p:timing>
-    <p:tnLst>
-      <p:par>
-        <p:cTn id="1" dur="indefinite" restart="never" nodeType="tmRoot"/>
-      </p:par>
-    </p:tnLst>
-  </p:timing>
-</p:sld>
-</file>
-
-<file path=ppt/slides/slide38.xml><?xml version="1.0" encoding="utf-8"?>
-<p:sld xmlns:a="http://schemas.openxmlformats.org/drawingml/2006/main" xmlns:r="http://schemas.openxmlformats.org/officeDocument/2006/relationships" xmlns:p="http://schemas.openxmlformats.org/presentationml/2006/main">
-  <p:cSld>
-    <p:spTree>
-      <p:nvGrpSpPr>
-        <p:cNvPr id="1" name=""/>
-        <p:cNvGrpSpPr/>
-        <p:nvPr/>
-      </p:nvGrpSpPr>
-      <p:grpSpPr>
-        <a:xfrm>
-          <a:off x="0" y="0"/>
-          <a:ext cx="0" cy="0"/>
-          <a:chOff x="0" y="0"/>
-          <a:chExt cx="0" cy="0"/>
-        </a:xfrm>
-      </p:grpSpPr>
-      <p:sp>
-        <p:nvSpPr>
-          <p:cNvPr id="7" name="Rectangle 6"/>
-          <p:cNvSpPr/>
-          <p:nvPr/>
-        </p:nvSpPr>
-        <p:spPr>
-          <a:xfrm>
-            <a:off x="0" y="4731990"/>
-            <a:ext cx="9144000" cy="411510"/>
-          </a:xfrm>
-          <a:prstGeom prst="rect">
-            <a:avLst/>
-          </a:prstGeom>
-          <a:solidFill>
-            <a:srgbClr val="FFC000"/>
-          </a:solidFill>
-          <a:ln>
-            <a:noFill/>
-          </a:ln>
-        </p:spPr>
-        <p:style>
-          <a:lnRef idx="2">
-            <a:schemeClr val="accent1">
-              <a:shade val="50000"/>
-            </a:schemeClr>
-          </a:lnRef>
-          <a:fillRef idx="1">
-            <a:schemeClr val="accent1"/>
-          </a:fillRef>
-          <a:effectRef idx="0">
-            <a:schemeClr val="accent1"/>
-          </a:effectRef>
-          <a:fontRef idx="minor">
-            <a:schemeClr val="lt1"/>
-          </a:fontRef>
-        </p:style>
-        <p:txBody>
-          <a:bodyPr rtlCol="0" anchor="ctr"/>
-          <a:lstStyle/>
-          <a:p>
-            <a:pPr algn="ctr"/>
-            <a:endParaRPr lang="fr-FR"/>
-          </a:p>
-        </p:txBody>
-      </p:sp>
-      <p:sp>
-        <p:nvSpPr>
-          <p:cNvPr id="4" name="Rectangle 3"/>
-          <p:cNvSpPr/>
-          <p:nvPr/>
-        </p:nvSpPr>
-        <p:spPr>
-          <a:xfrm>
-            <a:off x="0" y="0"/>
-            <a:ext cx="9144000" cy="1167594"/>
-          </a:xfrm>
-          <a:prstGeom prst="rect">
-            <a:avLst/>
-          </a:prstGeom>
-          <a:solidFill>
-            <a:srgbClr val="FFC000"/>
-          </a:solidFill>
-          <a:ln>
-            <a:noFill/>
-          </a:ln>
-        </p:spPr>
-        <p:style>
-          <a:lnRef idx="2">
-            <a:schemeClr val="accent1">
-              <a:shade val="50000"/>
-            </a:schemeClr>
-          </a:lnRef>
-          <a:fillRef idx="1">
-            <a:schemeClr val="accent1"/>
-          </a:fillRef>
-          <a:effectRef idx="0">
-            <a:schemeClr val="accent1"/>
-          </a:effectRef>
-          <a:fontRef idx="minor">
-            <a:schemeClr val="lt1"/>
-          </a:fontRef>
-        </p:style>
-        <p:txBody>
-          <a:bodyPr rtlCol="0" anchor="ctr"/>
-          <a:lstStyle/>
-          <a:p>
-            <a:pPr algn="ctr"/>
-            <a:endParaRPr lang="fr-FR"/>
-          </a:p>
-        </p:txBody>
-      </p:sp>
-      <p:sp>
-        <p:nvSpPr>
-          <p:cNvPr id="2" name="Titre 1"/>
-          <p:cNvSpPr>
-            <a:spLocks noGrp="1"/>
-          </p:cNvSpPr>
-          <p:nvPr>
-            <p:ph type="title"/>
-          </p:nvPr>
-        </p:nvSpPr>
-        <p:spPr/>
-        <p:txBody>
-          <a:bodyPr/>
-          <a:lstStyle/>
-          <a:p>
-            <a:r>
-              <a:rPr lang="fr-FR" dirty="0" smtClean="0">
-                <a:solidFill>
-                  <a:schemeClr val="bg1"/>
-                </a:solidFill>
-              </a:rPr>
-              <a:t>Lot #3 - Conception</a:t>
-            </a:r>
-            <a:endParaRPr lang="fr-FR" dirty="0">
-              <a:solidFill>
-                <a:schemeClr val="bg1"/>
-              </a:solidFill>
-            </a:endParaRPr>
-          </a:p>
-        </p:txBody>
-      </p:sp>
-      <p:sp>
-        <p:nvSpPr>
-          <p:cNvPr id="5" name="Espace réservé du numéro de diapositive 4"/>
-          <p:cNvSpPr>
-            <a:spLocks noGrp="1"/>
-          </p:cNvSpPr>
-          <p:nvPr>
-            <p:ph type="sldNum" sz="quarter" idx="12"/>
-          </p:nvPr>
-        </p:nvSpPr>
-        <p:spPr/>
-        <p:txBody>
-          <a:bodyPr/>
-          <a:lstStyle/>
-          <a:p>
-            <a:fld id="{B3C63893-BC38-4EBB-829D-DE1F1D825C70}" type="slidenum">
-              <a:rPr lang="fr-FR" b="1" smtClean="0">
-                <a:solidFill>
-                  <a:schemeClr val="bg1"/>
-                </a:solidFill>
-              </a:rPr>
-              <a:pPr/>
-              <a:t>38</a:t>
-            </a:fld>
-            <a:endParaRPr lang="fr-FR" b="1" dirty="0">
-              <a:solidFill>
-                <a:schemeClr val="bg1"/>
-              </a:solidFill>
-            </a:endParaRPr>
-          </a:p>
-        </p:txBody>
-      </p:sp>
-      <p:sp>
-        <p:nvSpPr>
-          <p:cNvPr id="6" name="Espace réservé du pied de page 5"/>
-          <p:cNvSpPr>
-            <a:spLocks noGrp="1"/>
-          </p:cNvSpPr>
-          <p:nvPr>
-            <p:ph type="ftr" sz="quarter" idx="11"/>
-          </p:nvPr>
-        </p:nvSpPr>
-        <p:spPr>
-          <a:xfrm>
-            <a:off x="1475656" y="4767262"/>
-            <a:ext cx="6264696" cy="376238"/>
-          </a:xfrm>
-        </p:spPr>
-        <p:txBody>
-          <a:bodyPr/>
-          <a:lstStyle/>
-          <a:p>
-            <a:r>
-              <a:rPr lang="fr-FR" b="1" smtClean="0">
-                <a:solidFill>
-                  <a:schemeClr val="bg1"/>
-                </a:solidFill>
-              </a:rPr>
-              <a:t>Gestion des emprunts de matériels - Alexis LAURENT | Suzy PAETA | Romain ROUFAST</a:t>
-            </a:r>
-            <a:endParaRPr lang="fr-FR" b="1" dirty="0">
-              <a:solidFill>
-                <a:schemeClr val="bg1"/>
-              </a:solidFill>
-            </a:endParaRPr>
-          </a:p>
-        </p:txBody>
-      </p:sp>
-      <p:sp>
-        <p:nvSpPr>
-          <p:cNvPr id="10" name="Espace réservé du contenu 2"/>
-          <p:cNvSpPr>
-            <a:spLocks noGrp="1"/>
-          </p:cNvSpPr>
-          <p:nvPr>
-            <p:ph idx="1"/>
-          </p:nvPr>
-        </p:nvSpPr>
-        <p:spPr>
-          <a:xfrm>
-            <a:off x="5004048" y="2283718"/>
-            <a:ext cx="5112568" cy="1224136"/>
-          </a:xfrm>
-        </p:spPr>
-        <p:txBody>
-          <a:bodyPr/>
-          <a:lstStyle/>
-          <a:p>
-            <a:pPr marL="0" indent="0">
-              <a:buNone/>
-            </a:pPr>
-            <a:r>
-              <a:rPr lang="fr-FR" dirty="0" smtClean="0">
-                <a:solidFill>
-                  <a:srgbClr val="FFC000"/>
-                </a:solidFill>
-              </a:rPr>
-              <a:t>Diagrammes</a:t>
-            </a:r>
-          </a:p>
-          <a:p>
-            <a:pPr marL="0" indent="0">
-              <a:buNone/>
-            </a:pPr>
-            <a:r>
-              <a:rPr lang="fr-FR" dirty="0" smtClean="0">
-                <a:solidFill>
-                  <a:srgbClr val="FFC000"/>
-                </a:solidFill>
-              </a:rPr>
-              <a:t>Fonctionnalités</a:t>
-            </a:r>
-            <a:endParaRPr lang="fr-FR" dirty="0" smtClean="0">
-              <a:solidFill>
-                <a:srgbClr val="FFC000"/>
-              </a:solidFill>
-            </a:endParaRPr>
-          </a:p>
-          <a:p>
-            <a:endParaRPr lang="fr-FR" dirty="0"/>
-          </a:p>
-        </p:txBody>
-      </p:sp>
-      <p:graphicFrame>
-        <p:nvGraphicFramePr>
-          <p:cNvPr id="9" name="Graphique 8"/>
-          <p:cNvGraphicFramePr/>
-          <p:nvPr>
-            <p:extLst>
-              <p:ext uri="{D42A27DB-BD31-4B8C-83A1-F6EECF244321}">
-                <p14:modId xmlns:p14="http://schemas.microsoft.com/office/powerpoint/2010/main" val="1107750943"/>
-              </p:ext>
-            </p:extLst>
-          </p:nvPr>
-        </p:nvGraphicFramePr>
-        <p:xfrm>
-          <a:off x="1152128" y="1923678"/>
-          <a:ext cx="3729089" cy="2232248"/>
-        </p:xfrm>
-        <a:graphic>
-          <a:graphicData uri="http://schemas.openxmlformats.org/drawingml/2006/chart">
-            <c:chart xmlns:c="http://schemas.openxmlformats.org/drawingml/2006/chart" xmlns:r="http://schemas.openxmlformats.org/officeDocument/2006/relationships" r:id="rId2"/>
-          </a:graphicData>
-        </a:graphic>
-      </p:graphicFrame>
-    </p:spTree>
-    <p:extLst>
-      <p:ext uri="{BB962C8B-B14F-4D97-AF65-F5344CB8AC3E}">
-        <p14:creationId xmlns:p14="http://schemas.microsoft.com/office/powerpoint/2010/main" val="2567563741"/>
-      </p:ext>
-    </p:extLst>
-  </p:cSld>
-  <p:clrMapOvr>
-    <a:masterClrMapping/>
-  </p:clrMapOvr>
-  <p:timing>
-    <p:tnLst>
-      <p:par>
-        <p:cTn id="1" dur="indefinite" restart="never" nodeType="tmRoot"/>
-      </p:par>
-    </p:tnLst>
-  </p:timing>
-</p:sld>
-</file>
-
-<file path=ppt/slides/slide39.xml><?xml version="1.0" encoding="utf-8"?>
-<p:sld xmlns:a="http://schemas.openxmlformats.org/drawingml/2006/main" xmlns:r="http://schemas.openxmlformats.org/officeDocument/2006/relationships" xmlns:p="http://schemas.openxmlformats.org/presentationml/2006/main">
-  <p:cSld>
-    <p:spTree>
-      <p:nvGrpSpPr>
-        <p:cNvPr id="1" name=""/>
-        <p:cNvGrpSpPr/>
-        <p:nvPr/>
-      </p:nvGrpSpPr>
-      <p:grpSpPr>
-        <a:xfrm>
-          <a:off x="0" y="0"/>
-          <a:ext cx="0" cy="0"/>
-          <a:chOff x="0" y="0"/>
-          <a:chExt cx="0" cy="0"/>
-        </a:xfrm>
-      </p:grpSpPr>
-      <p:sp>
-        <p:nvSpPr>
-          <p:cNvPr id="7" name="Rectangle 6"/>
-          <p:cNvSpPr/>
-          <p:nvPr/>
-        </p:nvSpPr>
-        <p:spPr>
-          <a:xfrm>
-            <a:off x="0" y="4731990"/>
-            <a:ext cx="9144000" cy="411510"/>
-          </a:xfrm>
-          <a:prstGeom prst="rect">
-            <a:avLst/>
-          </a:prstGeom>
-          <a:solidFill>
-            <a:srgbClr val="FFC000"/>
-          </a:solidFill>
-          <a:ln>
-            <a:noFill/>
-          </a:ln>
-        </p:spPr>
-        <p:style>
-          <a:lnRef idx="2">
-            <a:schemeClr val="accent1">
-              <a:shade val="50000"/>
-            </a:schemeClr>
-          </a:lnRef>
-          <a:fillRef idx="1">
-            <a:schemeClr val="accent1"/>
-          </a:fillRef>
-          <a:effectRef idx="0">
-            <a:schemeClr val="accent1"/>
-          </a:effectRef>
-          <a:fontRef idx="minor">
-            <a:schemeClr val="lt1"/>
-          </a:fontRef>
-        </p:style>
-        <p:txBody>
-          <a:bodyPr rtlCol="0" anchor="ctr"/>
-          <a:lstStyle/>
-          <a:p>
-            <a:pPr algn="ctr"/>
-            <a:endParaRPr lang="fr-FR"/>
-          </a:p>
-        </p:txBody>
-      </p:sp>
-      <p:sp>
-        <p:nvSpPr>
-          <p:cNvPr id="4" name="Rectangle 3"/>
-          <p:cNvSpPr/>
-          <p:nvPr/>
-        </p:nvSpPr>
-        <p:spPr>
-          <a:xfrm>
-            <a:off x="0" y="0"/>
-            <a:ext cx="9144000" cy="1167594"/>
-          </a:xfrm>
-          <a:prstGeom prst="rect">
-            <a:avLst/>
-          </a:prstGeom>
-          <a:solidFill>
-            <a:srgbClr val="FFC000"/>
-          </a:solidFill>
-          <a:ln>
-            <a:noFill/>
-          </a:ln>
-        </p:spPr>
-        <p:style>
-          <a:lnRef idx="2">
-            <a:schemeClr val="accent1">
-              <a:shade val="50000"/>
-            </a:schemeClr>
-          </a:lnRef>
-          <a:fillRef idx="1">
-            <a:schemeClr val="accent1"/>
-          </a:fillRef>
-          <a:effectRef idx="0">
-            <a:schemeClr val="accent1"/>
-          </a:effectRef>
-          <a:fontRef idx="minor">
-            <a:schemeClr val="lt1"/>
-          </a:fontRef>
-        </p:style>
-        <p:txBody>
-          <a:bodyPr rtlCol="0" anchor="ctr"/>
-          <a:lstStyle/>
-          <a:p>
-            <a:pPr algn="ctr"/>
-            <a:endParaRPr lang="fr-FR"/>
-          </a:p>
-        </p:txBody>
-      </p:sp>
-      <p:sp>
-        <p:nvSpPr>
-          <p:cNvPr id="2" name="Titre 1"/>
-          <p:cNvSpPr>
-            <a:spLocks noGrp="1"/>
-          </p:cNvSpPr>
-          <p:nvPr>
-            <p:ph type="title"/>
-          </p:nvPr>
-        </p:nvSpPr>
-        <p:spPr/>
-        <p:txBody>
-          <a:bodyPr/>
-          <a:lstStyle/>
-          <a:p>
-            <a:r>
-              <a:rPr lang="fr-FR" dirty="0" smtClean="0">
-                <a:solidFill>
-                  <a:schemeClr val="bg1"/>
-                </a:solidFill>
-              </a:rPr>
-              <a:t>Lot #4 – Implémentation</a:t>
-            </a:r>
-            <a:endParaRPr lang="fr-FR" dirty="0">
-              <a:solidFill>
-                <a:schemeClr val="bg1"/>
-              </a:solidFill>
-            </a:endParaRPr>
-          </a:p>
-        </p:txBody>
-      </p:sp>
-      <p:sp>
-        <p:nvSpPr>
-          <p:cNvPr id="5" name="Espace réservé du numéro de diapositive 4"/>
-          <p:cNvSpPr>
-            <a:spLocks noGrp="1"/>
-          </p:cNvSpPr>
-          <p:nvPr>
-            <p:ph type="sldNum" sz="quarter" idx="12"/>
-          </p:nvPr>
-        </p:nvSpPr>
-        <p:spPr/>
-        <p:txBody>
-          <a:bodyPr/>
-          <a:lstStyle/>
-          <a:p>
-            <a:fld id="{B3C63893-BC38-4EBB-829D-DE1F1D825C70}" type="slidenum">
-              <a:rPr lang="fr-FR" b="1" smtClean="0">
-                <a:solidFill>
-                  <a:schemeClr val="bg1"/>
-                </a:solidFill>
-              </a:rPr>
-              <a:pPr/>
-              <a:t>39</a:t>
-            </a:fld>
-            <a:endParaRPr lang="fr-FR" b="1" dirty="0">
-              <a:solidFill>
-                <a:schemeClr val="bg1"/>
-              </a:solidFill>
-            </a:endParaRPr>
-          </a:p>
-        </p:txBody>
-      </p:sp>
-      <p:sp>
-        <p:nvSpPr>
-          <p:cNvPr id="6" name="Espace réservé du pied de page 5"/>
-          <p:cNvSpPr>
-            <a:spLocks noGrp="1"/>
-          </p:cNvSpPr>
-          <p:nvPr>
-            <p:ph type="ftr" sz="quarter" idx="11"/>
-          </p:nvPr>
-        </p:nvSpPr>
-        <p:spPr>
-          <a:xfrm>
-            <a:off x="1475656" y="4767262"/>
-            <a:ext cx="6264696" cy="376238"/>
-          </a:xfrm>
-        </p:spPr>
-        <p:txBody>
-          <a:bodyPr/>
-          <a:lstStyle/>
-          <a:p>
-            <a:r>
-              <a:rPr lang="fr-FR" b="1" smtClean="0">
-                <a:solidFill>
-                  <a:schemeClr val="bg1"/>
-                </a:solidFill>
-              </a:rPr>
-              <a:t>Gestion des emprunts de matériels - Alexis LAURENT | Suzy PAETA | Romain ROUFAST</a:t>
-            </a:r>
-            <a:endParaRPr lang="fr-FR" b="1" dirty="0">
-              <a:solidFill>
-                <a:schemeClr val="bg1"/>
-              </a:solidFill>
-            </a:endParaRPr>
-          </a:p>
-        </p:txBody>
-      </p:sp>
-      <p:sp>
-        <p:nvSpPr>
-          <p:cNvPr id="10" name="Espace réservé du contenu 2"/>
-          <p:cNvSpPr>
-            <a:spLocks noGrp="1"/>
-          </p:cNvSpPr>
-          <p:nvPr>
-            <p:ph idx="1"/>
-          </p:nvPr>
-        </p:nvSpPr>
-        <p:spPr>
-          <a:xfrm>
-            <a:off x="1043608" y="1779662"/>
-            <a:ext cx="3816424" cy="2664296"/>
-          </a:xfrm>
-        </p:spPr>
-        <p:txBody>
-          <a:bodyPr>
-            <a:normAutofit/>
-          </a:bodyPr>
-          <a:lstStyle/>
-          <a:p>
-            <a:pPr marL="0" indent="0">
-              <a:buNone/>
-            </a:pPr>
-            <a:r>
-              <a:rPr lang="fr-FR" dirty="0" smtClean="0">
-                <a:solidFill>
-                  <a:srgbClr val="FFC000"/>
-                </a:solidFill>
-              </a:rPr>
-              <a:t>Gérer les demandes</a:t>
-            </a:r>
-          </a:p>
-          <a:p>
-            <a:pPr marL="0" indent="0">
-              <a:buNone/>
-            </a:pPr>
-            <a:r>
-              <a:rPr lang="fr-FR" dirty="0" smtClean="0">
-                <a:solidFill>
-                  <a:srgbClr val="FFC000"/>
-                </a:solidFill>
-              </a:rPr>
-              <a:t>Faire une demande</a:t>
-            </a:r>
-          </a:p>
-          <a:p>
-            <a:pPr marL="0" indent="0">
-              <a:buNone/>
-            </a:pPr>
-            <a:r>
-              <a:rPr lang="fr-FR" dirty="0" smtClean="0">
-                <a:solidFill>
-                  <a:srgbClr val="FFC000"/>
-                </a:solidFill>
-              </a:rPr>
-              <a:t>Gérer l’état du stock</a:t>
-            </a:r>
-          </a:p>
-          <a:p>
-            <a:pPr marL="0" indent="0">
-              <a:buNone/>
-            </a:pPr>
-            <a:r>
-              <a:rPr lang="fr-FR" b="1" dirty="0" smtClean="0">
-                <a:solidFill>
-                  <a:srgbClr val="FFC000"/>
-                </a:solidFill>
-              </a:rPr>
-              <a:t>21%-40% de risques</a:t>
-            </a:r>
-            <a:endParaRPr lang="fr-FR" b="1" dirty="0"/>
-          </a:p>
-        </p:txBody>
-      </p:sp>
-      <p:graphicFrame>
-        <p:nvGraphicFramePr>
-          <p:cNvPr id="11" name="Graphique 10"/>
-          <p:cNvGraphicFramePr/>
-          <p:nvPr>
-            <p:extLst>
-              <p:ext uri="{D42A27DB-BD31-4B8C-83A1-F6EECF244321}">
-                <p14:modId xmlns:p14="http://schemas.microsoft.com/office/powerpoint/2010/main" val="1587201293"/>
-              </p:ext>
-            </p:extLst>
-          </p:nvPr>
-        </p:nvGraphicFramePr>
-        <p:xfrm>
-          <a:off x="5004048" y="1851670"/>
-          <a:ext cx="3700204" cy="2214165"/>
-        </p:xfrm>
-        <a:graphic>
-          <a:graphicData uri="http://schemas.openxmlformats.org/drawingml/2006/chart">
-            <c:chart xmlns:c="http://schemas.openxmlformats.org/drawingml/2006/chart" xmlns:r="http://schemas.openxmlformats.org/officeDocument/2006/relationships" r:id="rId2"/>
-          </a:graphicData>
-        </a:graphic>
-      </p:graphicFrame>
-      <p:cxnSp>
-        <p:nvCxnSpPr>
-          <p:cNvPr id="8" name="Connecteur droit 7"/>
-          <p:cNvCxnSpPr/>
-          <p:nvPr/>
-        </p:nvCxnSpPr>
-        <p:spPr>
-          <a:xfrm>
-            <a:off x="827584" y="3538298"/>
-            <a:ext cx="3960440" cy="0"/>
-          </a:xfrm>
-          <a:prstGeom prst="line">
-            <a:avLst/>
-          </a:prstGeom>
-          <a:ln>
-            <a:solidFill>
-              <a:srgbClr val="FFC000"/>
-            </a:solidFill>
-          </a:ln>
-        </p:spPr>
-        <p:style>
-          <a:lnRef idx="1">
-            <a:schemeClr val="accent6"/>
-          </a:lnRef>
-          <a:fillRef idx="0">
-            <a:schemeClr val="accent6"/>
-          </a:fillRef>
-          <a:effectRef idx="0">
-            <a:schemeClr val="accent6"/>
-          </a:effectRef>
-          <a:fontRef idx="minor">
-            <a:schemeClr val="tx1"/>
-          </a:fontRef>
-        </p:style>
-      </p:cxnSp>
-    </p:spTree>
-    <p:extLst>
-      <p:ext uri="{BB962C8B-B14F-4D97-AF65-F5344CB8AC3E}">
-        <p14:creationId xmlns:p14="http://schemas.microsoft.com/office/powerpoint/2010/main" val="3775844611"/>
-      </p:ext>
-    </p:extLst>
-  </p:cSld>
-  <p:clrMapOvr>
-    <a:masterClrMapping/>
-  </p:clrMapOvr>
-  <p:timing>
-    <p:tnLst>
-      <p:par>
-        <p:cTn id="1" dur="indefinite" restart="never" nodeType="tmRoot"/>
-      </p:par>
-    </p:tnLst>
-  </p:timing>
-</p:sld>
-</file>
-
-<file path=ppt/slides/slide4.xml><?xml version="1.0" encoding="utf-8"?>
-<p:sld xmlns:a="http://schemas.openxmlformats.org/drawingml/2006/main" xmlns:r="http://schemas.openxmlformats.org/officeDocument/2006/relationships" xmlns:p="http://schemas.openxmlformats.org/presentationml/2006/main">
-  <p:cSld>
-    <p:spTree>
-      <p:nvGrpSpPr>
-        <p:cNvPr id="1" name=""/>
-        <p:cNvGrpSpPr/>
-        <p:nvPr/>
-      </p:nvGrpSpPr>
-      <p:grpSpPr>
-        <a:xfrm>
-          <a:off x="0" y="0"/>
-          <a:ext cx="0" cy="0"/>
-          <a:chOff x="0" y="0"/>
-          <a:chExt cx="0" cy="0"/>
-        </a:xfrm>
-      </p:grpSpPr>
-      <p:sp>
-        <p:nvSpPr>
-          <p:cNvPr id="7" name="Rectangle 6"/>
-          <p:cNvSpPr/>
-          <p:nvPr/>
-        </p:nvSpPr>
-        <p:spPr>
-          <a:xfrm>
-            <a:off x="0" y="4731990"/>
-            <a:ext cx="9144000" cy="411510"/>
-          </a:xfrm>
-          <a:prstGeom prst="rect">
-            <a:avLst/>
-          </a:prstGeom>
-          <a:solidFill>
-            <a:srgbClr val="FFC000"/>
-          </a:solidFill>
-          <a:ln>
-            <a:noFill/>
-          </a:ln>
-        </p:spPr>
-        <p:style>
-          <a:lnRef idx="2">
-            <a:schemeClr val="accent1">
-              <a:shade val="50000"/>
-            </a:schemeClr>
-          </a:lnRef>
-          <a:fillRef idx="1">
-            <a:schemeClr val="accent1"/>
-          </a:fillRef>
-          <a:effectRef idx="0">
-            <a:schemeClr val="accent1"/>
-          </a:effectRef>
-          <a:fontRef idx="minor">
-            <a:schemeClr val="lt1"/>
-          </a:fontRef>
-        </p:style>
-        <p:txBody>
-          <a:bodyPr rtlCol="0" anchor="ctr"/>
-          <a:lstStyle/>
-          <a:p>
-            <a:pPr algn="ctr"/>
-            <a:endParaRPr lang="fr-FR"/>
-          </a:p>
-        </p:txBody>
-      </p:sp>
-      <p:sp>
-        <p:nvSpPr>
-          <p:cNvPr id="4" name="Rectangle 3"/>
-          <p:cNvSpPr/>
-          <p:nvPr/>
-        </p:nvSpPr>
-        <p:spPr>
-          <a:xfrm>
-            <a:off x="0" y="0"/>
-            <a:ext cx="9144000" cy="1167594"/>
-          </a:xfrm>
-          <a:prstGeom prst="rect">
-            <a:avLst/>
-          </a:prstGeom>
-          <a:solidFill>
-            <a:srgbClr val="FFC000"/>
-          </a:solidFill>
-          <a:ln>
-            <a:noFill/>
-          </a:ln>
-        </p:spPr>
-        <p:style>
-          <a:lnRef idx="2">
-            <a:schemeClr val="accent1">
-              <a:shade val="50000"/>
-            </a:schemeClr>
-          </a:lnRef>
-          <a:fillRef idx="1">
-            <a:schemeClr val="accent1"/>
-          </a:fillRef>
-          <a:effectRef idx="0">
-            <a:schemeClr val="accent1"/>
-          </a:effectRef>
-          <a:fontRef idx="minor">
-            <a:schemeClr val="lt1"/>
-          </a:fontRef>
-        </p:style>
-        <p:txBody>
-          <a:bodyPr rtlCol="0" anchor="ctr"/>
-          <a:lstStyle/>
-          <a:p>
-            <a:pPr algn="ctr"/>
-            <a:endParaRPr lang="fr-FR"/>
-          </a:p>
-        </p:txBody>
-      </p:sp>
-      <p:sp>
-        <p:nvSpPr>
-          <p:cNvPr id="2" name="Titre 1"/>
-          <p:cNvSpPr>
-            <a:spLocks noGrp="1"/>
-          </p:cNvSpPr>
-          <p:nvPr>
-            <p:ph type="title"/>
-          </p:nvPr>
-        </p:nvSpPr>
-        <p:spPr/>
-        <p:txBody>
-          <a:bodyPr/>
-          <a:lstStyle/>
-          <a:p>
-            <a:r>
-              <a:rPr lang="fr-FR" dirty="0" smtClean="0">
-                <a:solidFill>
-                  <a:schemeClr val="bg1"/>
-                </a:solidFill>
-              </a:rPr>
-              <a:t>Notre démarche</a:t>
-            </a:r>
-            <a:endParaRPr lang="fr-FR" dirty="0">
-              <a:solidFill>
-                <a:schemeClr val="bg1"/>
-              </a:solidFill>
-            </a:endParaRPr>
-          </a:p>
-        </p:txBody>
-      </p:sp>
-      <p:sp>
-        <p:nvSpPr>
-          <p:cNvPr id="5" name="Espace réservé du numéro de diapositive 4"/>
-          <p:cNvSpPr>
-            <a:spLocks noGrp="1"/>
-          </p:cNvSpPr>
-          <p:nvPr>
-            <p:ph type="sldNum" sz="quarter" idx="12"/>
-          </p:nvPr>
-        </p:nvSpPr>
-        <p:spPr/>
-        <p:txBody>
-          <a:bodyPr/>
-          <a:lstStyle/>
-          <a:p>
-            <a:fld id="{B3C63893-BC38-4EBB-829D-DE1F1D825C70}" type="slidenum">
-              <a:rPr lang="fr-FR" b="1" smtClean="0">
-                <a:solidFill>
-                  <a:schemeClr val="bg1"/>
-                </a:solidFill>
-              </a:rPr>
-              <a:pPr/>
-              <a:t>4</a:t>
-            </a:fld>
-            <a:endParaRPr lang="fr-FR" b="1" dirty="0">
-              <a:solidFill>
-                <a:schemeClr val="bg1"/>
-              </a:solidFill>
-            </a:endParaRPr>
-          </a:p>
-        </p:txBody>
-      </p:sp>
-      <p:sp>
-        <p:nvSpPr>
-          <p:cNvPr id="6" name="Espace réservé du pied de page 5"/>
-          <p:cNvSpPr>
-            <a:spLocks noGrp="1"/>
-          </p:cNvSpPr>
-          <p:nvPr>
-            <p:ph type="ftr" sz="quarter" idx="11"/>
-          </p:nvPr>
-        </p:nvSpPr>
-        <p:spPr>
-          <a:xfrm>
-            <a:off x="1475656" y="4767262"/>
-            <a:ext cx="6264696" cy="376238"/>
-          </a:xfrm>
-        </p:spPr>
-        <p:txBody>
-          <a:bodyPr/>
-          <a:lstStyle/>
-          <a:p>
-            <a:r>
-              <a:rPr lang="fr-FR" b="1" smtClean="0">
-                <a:solidFill>
-                  <a:schemeClr val="bg1"/>
-                </a:solidFill>
-              </a:rPr>
-              <a:t>Gestion des emprunts de matériels - Alexis LAURENT | Suzy PAETA | Romain ROUFAST</a:t>
-            </a:r>
-            <a:endParaRPr lang="fr-FR" b="1" dirty="0">
-              <a:solidFill>
-                <a:schemeClr val="bg1"/>
-              </a:solidFill>
-            </a:endParaRPr>
-          </a:p>
-        </p:txBody>
-      </p:sp>
-      <p:sp>
-        <p:nvSpPr>
-          <p:cNvPr id="8" name="ZoneTexte 7"/>
-          <p:cNvSpPr txBox="1"/>
-          <p:nvPr/>
-        </p:nvSpPr>
-        <p:spPr>
-          <a:xfrm>
-            <a:off x="395536" y="2301721"/>
-            <a:ext cx="2088232" cy="954107"/>
-          </a:xfrm>
-          <a:prstGeom prst="rect">
-            <a:avLst/>
-          </a:prstGeom>
-          <a:noFill/>
-        </p:spPr>
-        <p:txBody>
-          <a:bodyPr wrap="square" rtlCol="0">
-            <a:spAutoFit/>
-          </a:bodyPr>
-          <a:lstStyle/>
-          <a:p>
-            <a:r>
-              <a:rPr lang="fr-FR" sz="2800" dirty="0" smtClean="0">
-                <a:solidFill>
-                  <a:srgbClr val="FFC000"/>
-                </a:solidFill>
-              </a:rPr>
-              <a:t>Analyse Utilisateurs</a:t>
-            </a:r>
-            <a:endParaRPr lang="fr-FR" dirty="0">
-              <a:solidFill>
-                <a:srgbClr val="FFC000"/>
-              </a:solidFill>
-            </a:endParaRPr>
-          </a:p>
-        </p:txBody>
-      </p:sp>
-      <p:sp>
-        <p:nvSpPr>
-          <p:cNvPr id="9" name="ZoneTexte 8"/>
-          <p:cNvSpPr txBox="1"/>
-          <p:nvPr/>
-        </p:nvSpPr>
-        <p:spPr>
-          <a:xfrm>
-            <a:off x="3203848" y="2409732"/>
-            <a:ext cx="2088232" cy="523220"/>
-          </a:xfrm>
-          <a:prstGeom prst="rect">
-            <a:avLst/>
-          </a:prstGeom>
-          <a:noFill/>
-        </p:spPr>
-        <p:txBody>
-          <a:bodyPr wrap="square" rtlCol="0">
-            <a:spAutoFit/>
-          </a:bodyPr>
-          <a:lstStyle/>
-          <a:p>
-            <a:r>
-              <a:rPr lang="fr-FR" sz="2800" dirty="0" smtClean="0">
-                <a:solidFill>
-                  <a:srgbClr val="FFC000"/>
-                </a:solidFill>
-              </a:rPr>
-              <a:t>Conception</a:t>
-            </a:r>
-            <a:endParaRPr lang="fr-FR" dirty="0">
-              <a:solidFill>
-                <a:srgbClr val="FFC000"/>
-              </a:solidFill>
-            </a:endParaRPr>
-          </a:p>
-        </p:txBody>
-      </p:sp>
-      <p:sp>
-        <p:nvSpPr>
-          <p:cNvPr id="10" name="ZoneTexte 9"/>
-          <p:cNvSpPr txBox="1"/>
-          <p:nvPr/>
-        </p:nvSpPr>
-        <p:spPr>
-          <a:xfrm>
-            <a:off x="6335688" y="1707654"/>
-            <a:ext cx="2808312" cy="523220"/>
-          </a:xfrm>
-          <a:prstGeom prst="rect">
-            <a:avLst/>
-          </a:prstGeom>
-          <a:noFill/>
-        </p:spPr>
-        <p:txBody>
-          <a:bodyPr wrap="square" rtlCol="0">
-            <a:spAutoFit/>
-          </a:bodyPr>
-          <a:lstStyle/>
-          <a:p>
-            <a:r>
-              <a:rPr lang="fr-FR" sz="2800" dirty="0" smtClean="0">
-                <a:solidFill>
-                  <a:srgbClr val="FFC000"/>
-                </a:solidFill>
-              </a:rPr>
-              <a:t>Implémentation</a:t>
-            </a:r>
-            <a:endParaRPr lang="fr-FR" dirty="0">
-              <a:solidFill>
-                <a:srgbClr val="FFC000"/>
-              </a:solidFill>
-            </a:endParaRPr>
-          </a:p>
-        </p:txBody>
-      </p:sp>
-      <p:sp>
-        <p:nvSpPr>
-          <p:cNvPr id="11" name="ZoneTexte 10"/>
-          <p:cNvSpPr txBox="1"/>
-          <p:nvPr/>
-        </p:nvSpPr>
-        <p:spPr>
-          <a:xfrm>
-            <a:off x="6300192" y="3219822"/>
-            <a:ext cx="2808312" cy="523220"/>
-          </a:xfrm>
-          <a:prstGeom prst="rect">
-            <a:avLst/>
-          </a:prstGeom>
-          <a:noFill/>
-        </p:spPr>
-        <p:txBody>
-          <a:bodyPr wrap="square" rtlCol="0">
-            <a:spAutoFit/>
-          </a:bodyPr>
-          <a:lstStyle/>
-          <a:p>
-            <a:r>
-              <a:rPr lang="fr-FR" sz="2800" dirty="0" smtClean="0">
-                <a:solidFill>
-                  <a:srgbClr val="FFC000"/>
-                </a:solidFill>
-              </a:rPr>
-              <a:t>Tests utilisateurs</a:t>
-            </a:r>
-            <a:endParaRPr lang="fr-FR" dirty="0">
-              <a:solidFill>
-                <a:srgbClr val="FFC000"/>
-              </a:solidFill>
-            </a:endParaRPr>
-          </a:p>
-        </p:txBody>
-      </p:sp>
-      <p:cxnSp>
-        <p:nvCxnSpPr>
-          <p:cNvPr id="12" name="Connecteur droit avec flèche 11"/>
-          <p:cNvCxnSpPr/>
-          <p:nvPr/>
-        </p:nvCxnSpPr>
-        <p:spPr>
-          <a:xfrm>
-            <a:off x="2267744" y="2625756"/>
-            <a:ext cx="792088" cy="0"/>
-          </a:xfrm>
-          <a:prstGeom prst="straightConnector1">
-            <a:avLst/>
-          </a:prstGeom>
-          <a:ln w="38100">
-            <a:solidFill>
-              <a:srgbClr val="FFC000"/>
-            </a:solidFill>
-            <a:tailEnd type="arrow"/>
-          </a:ln>
-        </p:spPr>
-        <p:style>
-          <a:lnRef idx="1">
-            <a:schemeClr val="accent1"/>
-          </a:lnRef>
-          <a:fillRef idx="0">
-            <a:schemeClr val="accent1"/>
-          </a:fillRef>
-          <a:effectRef idx="0">
-            <a:schemeClr val="accent1"/>
-          </a:effectRef>
-          <a:fontRef idx="minor">
-            <a:schemeClr val="tx1"/>
-          </a:fontRef>
-        </p:style>
-      </p:cxnSp>
-      <p:cxnSp>
-        <p:nvCxnSpPr>
-          <p:cNvPr id="14" name="Connecteur droit avec flèche 13"/>
-          <p:cNvCxnSpPr/>
-          <p:nvPr/>
-        </p:nvCxnSpPr>
-        <p:spPr>
-          <a:xfrm flipV="1">
-            <a:off x="5076056" y="1923678"/>
-            <a:ext cx="1008112" cy="559877"/>
-          </a:xfrm>
-          <a:prstGeom prst="straightConnector1">
-            <a:avLst/>
-          </a:prstGeom>
-          <a:ln w="38100">
-            <a:solidFill>
-              <a:srgbClr val="FFC000"/>
-            </a:solidFill>
-            <a:tailEnd type="arrow"/>
-          </a:ln>
-        </p:spPr>
-        <p:style>
-          <a:lnRef idx="1">
-            <a:schemeClr val="accent1"/>
-          </a:lnRef>
-          <a:fillRef idx="0">
-            <a:schemeClr val="accent1"/>
-          </a:fillRef>
-          <a:effectRef idx="0">
-            <a:schemeClr val="accent1"/>
-          </a:effectRef>
-          <a:fontRef idx="minor">
-            <a:schemeClr val="tx1"/>
-          </a:fontRef>
-        </p:style>
-      </p:cxnSp>
-      <p:cxnSp>
-        <p:nvCxnSpPr>
-          <p:cNvPr id="17" name="Connecteur droit avec flèche 16"/>
-          <p:cNvCxnSpPr/>
-          <p:nvPr/>
-        </p:nvCxnSpPr>
-        <p:spPr>
-          <a:xfrm>
-            <a:off x="7452320" y="2139702"/>
-            <a:ext cx="0" cy="864096"/>
-          </a:xfrm>
-          <a:prstGeom prst="straightConnector1">
-            <a:avLst/>
-          </a:prstGeom>
-          <a:ln w="38100">
-            <a:solidFill>
-              <a:srgbClr val="FFC000"/>
-            </a:solidFill>
-            <a:tailEnd type="arrow"/>
-          </a:ln>
-        </p:spPr>
-        <p:style>
-          <a:lnRef idx="1">
-            <a:schemeClr val="accent1"/>
-          </a:lnRef>
-          <a:fillRef idx="0">
-            <a:schemeClr val="accent1"/>
-          </a:fillRef>
-          <a:effectRef idx="0">
-            <a:schemeClr val="accent1"/>
-          </a:effectRef>
-          <a:fontRef idx="minor">
-            <a:schemeClr val="tx1"/>
-          </a:fontRef>
-        </p:style>
-      </p:cxnSp>
-      <p:cxnSp>
-        <p:nvCxnSpPr>
-          <p:cNvPr id="20" name="Connecteur droit avec flèche 19"/>
-          <p:cNvCxnSpPr/>
-          <p:nvPr/>
-        </p:nvCxnSpPr>
-        <p:spPr>
-          <a:xfrm flipH="1" flipV="1">
-            <a:off x="5004048" y="2841780"/>
-            <a:ext cx="1080120" cy="648072"/>
-          </a:xfrm>
-          <a:prstGeom prst="straightConnector1">
-            <a:avLst/>
-          </a:prstGeom>
-          <a:ln w="38100">
-            <a:solidFill>
-              <a:srgbClr val="FFC000"/>
-            </a:solidFill>
-            <a:tailEnd type="arrow"/>
-          </a:ln>
-        </p:spPr>
-        <p:style>
-          <a:lnRef idx="1">
-            <a:schemeClr val="accent1"/>
-          </a:lnRef>
-          <a:fillRef idx="0">
-            <a:schemeClr val="accent1"/>
-          </a:fillRef>
-          <a:effectRef idx="0">
-            <a:schemeClr val="accent1"/>
-          </a:effectRef>
-          <a:fontRef idx="minor">
-            <a:schemeClr val="tx1"/>
-          </a:fontRef>
-        </p:style>
-      </p:cxnSp>
-    </p:spTree>
-  </p:cSld>
-  <p:clrMapOvr>
-    <a:masterClrMapping/>
-  </p:clrMapOvr>
-  <p:timing>
-    <p:tnLst>
-      <p:par>
-        <p:cTn id="1" dur="indefinite" restart="never" nodeType="tmRoot"/>
-      </p:par>
-    </p:tnLst>
-  </p:timing>
-</p:sld>
-</file>
-
-<file path=ppt/slides/slide40.xml><?xml version="1.0" encoding="utf-8"?>
-<p:sld xmlns:a="http://schemas.openxmlformats.org/drawingml/2006/main" xmlns:r="http://schemas.openxmlformats.org/officeDocument/2006/relationships" xmlns:p="http://schemas.openxmlformats.org/presentationml/2006/main">
-  <p:cSld>
-    <p:spTree>
-      <p:nvGrpSpPr>
-        <p:cNvPr id="1" name=""/>
-        <p:cNvGrpSpPr/>
-        <p:nvPr/>
-      </p:nvGrpSpPr>
-      <p:grpSpPr>
-        <a:xfrm>
-          <a:off x="0" y="0"/>
-          <a:ext cx="0" cy="0"/>
-          <a:chOff x="0" y="0"/>
-          <a:chExt cx="0" cy="0"/>
-        </a:xfrm>
-      </p:grpSpPr>
-      <p:sp>
-        <p:nvSpPr>
-          <p:cNvPr id="7" name="Rectangle 6"/>
-          <p:cNvSpPr/>
-          <p:nvPr/>
-        </p:nvSpPr>
-        <p:spPr>
-          <a:xfrm>
-            <a:off x="0" y="4731990"/>
-            <a:ext cx="9144000" cy="411510"/>
-          </a:xfrm>
-          <a:prstGeom prst="rect">
-            <a:avLst/>
-          </a:prstGeom>
-          <a:solidFill>
-            <a:srgbClr val="FFC000"/>
-          </a:solidFill>
-          <a:ln>
-            <a:noFill/>
-          </a:ln>
-        </p:spPr>
-        <p:style>
-          <a:lnRef idx="2">
-            <a:schemeClr val="accent1">
-              <a:shade val="50000"/>
-            </a:schemeClr>
-          </a:lnRef>
-          <a:fillRef idx="1">
-            <a:schemeClr val="accent1"/>
-          </a:fillRef>
-          <a:effectRef idx="0">
-            <a:schemeClr val="accent1"/>
-          </a:effectRef>
-          <a:fontRef idx="minor">
-            <a:schemeClr val="lt1"/>
-          </a:fontRef>
-        </p:style>
-        <p:txBody>
-          <a:bodyPr rtlCol="0" anchor="ctr"/>
-          <a:lstStyle/>
-          <a:p>
-            <a:pPr algn="ctr"/>
-            <a:endParaRPr lang="fr-FR"/>
-          </a:p>
-        </p:txBody>
-      </p:sp>
-      <p:sp>
-        <p:nvSpPr>
-          <p:cNvPr id="4" name="Rectangle 3"/>
-          <p:cNvSpPr/>
-          <p:nvPr/>
-        </p:nvSpPr>
-        <p:spPr>
-          <a:xfrm>
-            <a:off x="0" y="0"/>
-            <a:ext cx="9144000" cy="1167594"/>
-          </a:xfrm>
-          <a:prstGeom prst="rect">
-            <a:avLst/>
-          </a:prstGeom>
-          <a:solidFill>
-            <a:srgbClr val="FFC000"/>
-          </a:solidFill>
-          <a:ln>
-            <a:noFill/>
-          </a:ln>
-        </p:spPr>
-        <p:style>
-          <a:lnRef idx="2">
-            <a:schemeClr val="accent1">
-              <a:shade val="50000"/>
-            </a:schemeClr>
-          </a:lnRef>
-          <a:fillRef idx="1">
-            <a:schemeClr val="accent1"/>
-          </a:fillRef>
-          <a:effectRef idx="0">
-            <a:schemeClr val="accent1"/>
-          </a:effectRef>
-          <a:fontRef idx="minor">
-            <a:schemeClr val="lt1"/>
-          </a:fontRef>
-        </p:style>
-        <p:txBody>
-          <a:bodyPr rtlCol="0" anchor="ctr"/>
-          <a:lstStyle/>
-          <a:p>
-            <a:pPr algn="ctr"/>
-            <a:endParaRPr lang="fr-FR"/>
-          </a:p>
-        </p:txBody>
-      </p:sp>
-      <p:sp>
-        <p:nvSpPr>
-          <p:cNvPr id="2" name="Titre 1"/>
-          <p:cNvSpPr>
-            <a:spLocks noGrp="1"/>
-          </p:cNvSpPr>
-          <p:nvPr>
-            <p:ph type="title"/>
-          </p:nvPr>
-        </p:nvSpPr>
-        <p:spPr/>
-        <p:txBody>
-          <a:bodyPr/>
-          <a:lstStyle/>
-          <a:p>
-            <a:r>
-              <a:rPr lang="fr-FR" dirty="0" smtClean="0">
-                <a:solidFill>
-                  <a:schemeClr val="bg1"/>
-                </a:solidFill>
-              </a:rPr>
-              <a:t>Lot #5 – Tests Utilisateurs</a:t>
-            </a:r>
-            <a:endParaRPr lang="fr-FR" dirty="0">
-              <a:solidFill>
-                <a:schemeClr val="bg1"/>
-              </a:solidFill>
-            </a:endParaRPr>
-          </a:p>
-        </p:txBody>
-      </p:sp>
-      <p:sp>
-        <p:nvSpPr>
-          <p:cNvPr id="5" name="Espace réservé du numéro de diapositive 4"/>
-          <p:cNvSpPr>
-            <a:spLocks noGrp="1"/>
-          </p:cNvSpPr>
-          <p:nvPr>
-            <p:ph type="sldNum" sz="quarter" idx="12"/>
-          </p:nvPr>
-        </p:nvSpPr>
-        <p:spPr/>
-        <p:txBody>
-          <a:bodyPr/>
-          <a:lstStyle/>
-          <a:p>
-            <a:fld id="{B3C63893-BC38-4EBB-829D-DE1F1D825C70}" type="slidenum">
-              <a:rPr lang="fr-FR" b="1" smtClean="0">
-                <a:solidFill>
-                  <a:schemeClr val="bg1"/>
-                </a:solidFill>
-              </a:rPr>
-              <a:pPr/>
-              <a:t>40</a:t>
-            </a:fld>
-            <a:endParaRPr lang="fr-FR" b="1" dirty="0">
-              <a:solidFill>
-                <a:schemeClr val="bg1"/>
-              </a:solidFill>
-            </a:endParaRPr>
-          </a:p>
-        </p:txBody>
-      </p:sp>
-      <p:sp>
-        <p:nvSpPr>
-          <p:cNvPr id="6" name="Espace réservé du pied de page 5"/>
-          <p:cNvSpPr>
-            <a:spLocks noGrp="1"/>
-          </p:cNvSpPr>
-          <p:nvPr>
-            <p:ph type="ftr" sz="quarter" idx="11"/>
-          </p:nvPr>
-        </p:nvSpPr>
-        <p:spPr>
-          <a:xfrm>
-            <a:off x="1475656" y="4767262"/>
-            <a:ext cx="6264696" cy="376238"/>
-          </a:xfrm>
-        </p:spPr>
-        <p:txBody>
-          <a:bodyPr/>
-          <a:lstStyle/>
-          <a:p>
-            <a:r>
-              <a:rPr lang="fr-FR" b="1" smtClean="0">
-                <a:solidFill>
-                  <a:schemeClr val="bg1"/>
-                </a:solidFill>
-              </a:rPr>
-              <a:t>Gestion des emprunts de matériels - Alexis LAURENT | Suzy PAETA | Romain ROUFAST</a:t>
-            </a:r>
-            <a:endParaRPr lang="fr-FR" b="1" dirty="0">
-              <a:solidFill>
-                <a:schemeClr val="bg1"/>
-              </a:solidFill>
-            </a:endParaRPr>
-          </a:p>
-        </p:txBody>
-      </p:sp>
-      <p:graphicFrame>
-        <p:nvGraphicFramePr>
-          <p:cNvPr id="11" name="Graphique 10"/>
-          <p:cNvGraphicFramePr/>
-          <p:nvPr>
-            <p:extLst>
-              <p:ext uri="{D42A27DB-BD31-4B8C-83A1-F6EECF244321}">
-                <p14:modId xmlns:p14="http://schemas.microsoft.com/office/powerpoint/2010/main" val="1252621448"/>
-              </p:ext>
-            </p:extLst>
-          </p:nvPr>
-        </p:nvGraphicFramePr>
-        <p:xfrm>
-          <a:off x="2712479" y="1851670"/>
-          <a:ext cx="3719041" cy="2225437"/>
-        </p:xfrm>
-        <a:graphic>
-          <a:graphicData uri="http://schemas.openxmlformats.org/drawingml/2006/chart">
-            <c:chart xmlns:c="http://schemas.openxmlformats.org/drawingml/2006/chart" xmlns:r="http://schemas.openxmlformats.org/officeDocument/2006/relationships" r:id="rId2"/>
-          </a:graphicData>
-        </a:graphic>
-      </p:graphicFrame>
-    </p:spTree>
-    <p:extLst>
-      <p:ext uri="{BB962C8B-B14F-4D97-AF65-F5344CB8AC3E}">
-        <p14:creationId xmlns:p14="http://schemas.microsoft.com/office/powerpoint/2010/main" val="562666307"/>
+        <p14:creationId xmlns="" xmlns:p14="http://schemas.microsoft.com/office/powerpoint/2010/main" val="787371127"/>
       </p:ext>
     </p:extLst>
   </p:cSld>
@@ -17712,6 +16892,81 @@
       </p:grpSpPr>
       <p:sp>
         <p:nvSpPr>
+          <p:cNvPr id="2" name="Titre 1"/>
+          <p:cNvSpPr>
+            <a:spLocks noGrp="1"/>
+          </p:cNvSpPr>
+          <p:nvPr>
+            <p:ph type="title"/>
+          </p:nvPr>
+        </p:nvSpPr>
+        <p:spPr>
+          <a:xfrm>
+            <a:off x="2447764" y="2143125"/>
+            <a:ext cx="4248472" cy="857250"/>
+          </a:xfrm>
+        </p:spPr>
+        <p:txBody>
+          <a:bodyPr>
+            <a:normAutofit/>
+          </a:bodyPr>
+          <a:lstStyle/>
+          <a:p>
+            <a:r>
+              <a:rPr lang="fr-FR" dirty="0" smtClean="0">
+                <a:solidFill>
+                  <a:srgbClr val="FFC000"/>
+                </a:solidFill>
+              </a:rPr>
+              <a:t>Gestion du projet </a:t>
+            </a:r>
+            <a:endParaRPr lang="fr-FR" dirty="0">
+              <a:solidFill>
+                <a:srgbClr val="FFC000"/>
+              </a:solidFill>
+            </a:endParaRPr>
+          </a:p>
+        </p:txBody>
+      </p:sp>
+    </p:spTree>
+    <p:extLst>
+      <p:ext uri="{BB962C8B-B14F-4D97-AF65-F5344CB8AC3E}">
+        <p14:creationId xmlns="" xmlns:p14="http://schemas.microsoft.com/office/powerpoint/2010/main" val="2089119091"/>
+      </p:ext>
+    </p:extLst>
+  </p:cSld>
+  <p:clrMapOvr>
+    <a:masterClrMapping/>
+  </p:clrMapOvr>
+  <p:timing>
+    <p:tnLst>
+      <p:par>
+        <p:cTn id="1" dur="indefinite" restart="never" nodeType="tmRoot"/>
+      </p:par>
+    </p:tnLst>
+  </p:timing>
+</p:sld>
+</file>
+
+<file path=ppt/slides/slide42.xml><?xml version="1.0" encoding="utf-8"?>
+<p:sld xmlns:a="http://schemas.openxmlformats.org/drawingml/2006/main" xmlns:r="http://schemas.openxmlformats.org/officeDocument/2006/relationships" xmlns:p="http://schemas.openxmlformats.org/presentationml/2006/main">
+  <p:cSld>
+    <p:spTree>
+      <p:nvGrpSpPr>
+        <p:cNvPr id="1" name=""/>
+        <p:cNvGrpSpPr/>
+        <p:nvPr/>
+      </p:nvGrpSpPr>
+      <p:grpSpPr>
+        <a:xfrm>
+          <a:off x="0" y="0"/>
+          <a:ext cx="0" cy="0"/>
+          <a:chOff x="0" y="0"/>
+          <a:chExt cx="0" cy="0"/>
+        </a:xfrm>
+      </p:grpSpPr>
+      <p:sp>
+        <p:nvSpPr>
           <p:cNvPr id="7" name="Rectangle 6"/>
           <p:cNvSpPr/>
           <p:nvPr/>
@@ -17823,7 +17078,7 @@
                   <a:schemeClr val="bg1"/>
                 </a:solidFill>
               </a:rPr>
-              <a:t>Gestion du projet</a:t>
+              <a:t>Lot #1 - Management</a:t>
             </a:r>
             <a:endParaRPr lang="fr-FR" dirty="0">
               <a:solidFill>
@@ -17855,7 +17110,1551 @@
                 </a:solidFill>
               </a:rPr>
               <a:pPr/>
-              <a:t>41</a:t>
+              <a:t>42</a:t>
+            </a:fld>
+            <a:endParaRPr lang="fr-FR" b="1" dirty="0">
+              <a:solidFill>
+                <a:schemeClr val="bg1"/>
+              </a:solidFill>
+            </a:endParaRPr>
+          </a:p>
+        </p:txBody>
+      </p:sp>
+      <p:sp>
+        <p:nvSpPr>
+          <p:cNvPr id="6" name="Espace réservé du pied de page 5"/>
+          <p:cNvSpPr>
+            <a:spLocks noGrp="1"/>
+          </p:cNvSpPr>
+          <p:nvPr>
+            <p:ph type="ftr" sz="quarter" idx="11"/>
+          </p:nvPr>
+        </p:nvSpPr>
+        <p:spPr>
+          <a:xfrm>
+            <a:off x="1475656" y="4767262"/>
+            <a:ext cx="6264696" cy="376238"/>
+          </a:xfrm>
+        </p:spPr>
+        <p:txBody>
+          <a:bodyPr/>
+          <a:lstStyle/>
+          <a:p>
+            <a:r>
+              <a:rPr lang="fr-FR" b="1" smtClean="0">
+                <a:solidFill>
+                  <a:schemeClr val="bg1"/>
+                </a:solidFill>
+              </a:rPr>
+              <a:t>Gestion des emprunts de matériels - Alexis LAURENT | Suzy PAETA | Romain ROUFAST</a:t>
+            </a:r>
+            <a:endParaRPr lang="fr-FR" b="1" dirty="0">
+              <a:solidFill>
+                <a:schemeClr val="bg1"/>
+              </a:solidFill>
+            </a:endParaRPr>
+          </a:p>
+        </p:txBody>
+      </p:sp>
+      <p:graphicFrame>
+        <p:nvGraphicFramePr>
+          <p:cNvPr id="8" name="Graphique 7"/>
+          <p:cNvGraphicFramePr/>
+          <p:nvPr>
+            <p:extLst>
+              <p:ext uri="{D42A27DB-BD31-4B8C-83A1-F6EECF244321}">
+                <p14:modId xmlns="" xmlns:p14="http://schemas.microsoft.com/office/powerpoint/2010/main" val="3159957718"/>
+              </p:ext>
+            </p:extLst>
+          </p:nvPr>
+        </p:nvGraphicFramePr>
+        <p:xfrm>
+          <a:off x="360040" y="1851670"/>
+          <a:ext cx="3719303" cy="2232248"/>
+        </p:xfrm>
+        <a:graphic>
+          <a:graphicData uri="http://schemas.openxmlformats.org/drawingml/2006/chart">
+            <c:chart xmlns:c="http://schemas.openxmlformats.org/drawingml/2006/chart" xmlns:r="http://schemas.openxmlformats.org/officeDocument/2006/relationships" r:id="rId2"/>
+          </a:graphicData>
+        </a:graphic>
+      </p:graphicFrame>
+      <p:sp>
+        <p:nvSpPr>
+          <p:cNvPr id="10" name="Espace réservé du contenu 2"/>
+          <p:cNvSpPr>
+            <a:spLocks noGrp="1"/>
+          </p:cNvSpPr>
+          <p:nvPr>
+            <p:ph idx="1"/>
+          </p:nvPr>
+        </p:nvSpPr>
+        <p:spPr>
+          <a:xfrm>
+            <a:off x="4283968" y="2283718"/>
+            <a:ext cx="5112568" cy="1296144"/>
+          </a:xfrm>
+        </p:spPr>
+        <p:txBody>
+          <a:bodyPr/>
+          <a:lstStyle/>
+          <a:p>
+            <a:pPr marL="0" indent="0">
+              <a:buNone/>
+            </a:pPr>
+            <a:r>
+              <a:rPr lang="fr-FR" dirty="0" err="1" smtClean="0">
+                <a:solidFill>
+                  <a:srgbClr val="FFC000"/>
+                </a:solidFill>
+              </a:rPr>
+              <a:t>DoW</a:t>
+            </a:r>
+            <a:endParaRPr lang="fr-FR" dirty="0" smtClean="0">
+              <a:solidFill>
+                <a:srgbClr val="FFC000"/>
+              </a:solidFill>
+            </a:endParaRPr>
+          </a:p>
+          <a:p>
+            <a:pPr marL="0" indent="0">
+              <a:buNone/>
+            </a:pPr>
+            <a:r>
+              <a:rPr lang="fr-FR" dirty="0" smtClean="0">
+                <a:solidFill>
+                  <a:srgbClr val="FFC000"/>
+                </a:solidFill>
+              </a:rPr>
+              <a:t>Réunions avec nos tuteurs</a:t>
+            </a:r>
+          </a:p>
+          <a:p>
+            <a:endParaRPr lang="fr-FR" dirty="0"/>
+          </a:p>
+        </p:txBody>
+      </p:sp>
+    </p:spTree>
+    <p:extLst>
+      <p:ext uri="{BB962C8B-B14F-4D97-AF65-F5344CB8AC3E}">
+        <p14:creationId xmlns="" xmlns:p14="http://schemas.microsoft.com/office/powerpoint/2010/main" val="3952209337"/>
+      </p:ext>
+    </p:extLst>
+  </p:cSld>
+  <p:clrMapOvr>
+    <a:masterClrMapping/>
+  </p:clrMapOvr>
+  <p:timing>
+    <p:tnLst>
+      <p:par>
+        <p:cTn id="1" dur="indefinite" restart="never" nodeType="tmRoot"/>
+      </p:par>
+    </p:tnLst>
+  </p:timing>
+</p:sld>
+</file>
+
+<file path=ppt/slides/slide43.xml><?xml version="1.0" encoding="utf-8"?>
+<p:sld xmlns:a="http://schemas.openxmlformats.org/drawingml/2006/main" xmlns:r="http://schemas.openxmlformats.org/officeDocument/2006/relationships" xmlns:p="http://schemas.openxmlformats.org/presentationml/2006/main">
+  <p:cSld>
+    <p:spTree>
+      <p:nvGrpSpPr>
+        <p:cNvPr id="1" name=""/>
+        <p:cNvGrpSpPr/>
+        <p:nvPr/>
+      </p:nvGrpSpPr>
+      <p:grpSpPr>
+        <a:xfrm>
+          <a:off x="0" y="0"/>
+          <a:ext cx="0" cy="0"/>
+          <a:chOff x="0" y="0"/>
+          <a:chExt cx="0" cy="0"/>
+        </a:xfrm>
+      </p:grpSpPr>
+      <p:sp>
+        <p:nvSpPr>
+          <p:cNvPr id="7" name="Rectangle 6"/>
+          <p:cNvSpPr/>
+          <p:nvPr/>
+        </p:nvSpPr>
+        <p:spPr>
+          <a:xfrm>
+            <a:off x="0" y="4731990"/>
+            <a:ext cx="9144000" cy="411510"/>
+          </a:xfrm>
+          <a:prstGeom prst="rect">
+            <a:avLst/>
+          </a:prstGeom>
+          <a:solidFill>
+            <a:srgbClr val="FFC000"/>
+          </a:solidFill>
+          <a:ln>
+            <a:noFill/>
+          </a:ln>
+        </p:spPr>
+        <p:style>
+          <a:lnRef idx="2">
+            <a:schemeClr val="accent1">
+              <a:shade val="50000"/>
+            </a:schemeClr>
+          </a:lnRef>
+          <a:fillRef idx="1">
+            <a:schemeClr val="accent1"/>
+          </a:fillRef>
+          <a:effectRef idx="0">
+            <a:schemeClr val="accent1"/>
+          </a:effectRef>
+          <a:fontRef idx="minor">
+            <a:schemeClr val="lt1"/>
+          </a:fontRef>
+        </p:style>
+        <p:txBody>
+          <a:bodyPr rtlCol="0" anchor="ctr"/>
+          <a:lstStyle/>
+          <a:p>
+            <a:pPr algn="ctr"/>
+            <a:endParaRPr lang="fr-FR"/>
+          </a:p>
+        </p:txBody>
+      </p:sp>
+      <p:sp>
+        <p:nvSpPr>
+          <p:cNvPr id="4" name="Rectangle 3"/>
+          <p:cNvSpPr/>
+          <p:nvPr/>
+        </p:nvSpPr>
+        <p:spPr>
+          <a:xfrm>
+            <a:off x="0" y="0"/>
+            <a:ext cx="9144000" cy="1167594"/>
+          </a:xfrm>
+          <a:prstGeom prst="rect">
+            <a:avLst/>
+          </a:prstGeom>
+          <a:solidFill>
+            <a:srgbClr val="FFC000"/>
+          </a:solidFill>
+          <a:ln>
+            <a:noFill/>
+          </a:ln>
+        </p:spPr>
+        <p:style>
+          <a:lnRef idx="2">
+            <a:schemeClr val="accent1">
+              <a:shade val="50000"/>
+            </a:schemeClr>
+          </a:lnRef>
+          <a:fillRef idx="1">
+            <a:schemeClr val="accent1"/>
+          </a:fillRef>
+          <a:effectRef idx="0">
+            <a:schemeClr val="accent1"/>
+          </a:effectRef>
+          <a:fontRef idx="minor">
+            <a:schemeClr val="lt1"/>
+          </a:fontRef>
+        </p:style>
+        <p:txBody>
+          <a:bodyPr rtlCol="0" anchor="ctr"/>
+          <a:lstStyle/>
+          <a:p>
+            <a:pPr algn="ctr"/>
+            <a:endParaRPr lang="fr-FR"/>
+          </a:p>
+        </p:txBody>
+      </p:sp>
+      <p:sp>
+        <p:nvSpPr>
+          <p:cNvPr id="2" name="Titre 1"/>
+          <p:cNvSpPr>
+            <a:spLocks noGrp="1"/>
+          </p:cNvSpPr>
+          <p:nvPr>
+            <p:ph type="title"/>
+          </p:nvPr>
+        </p:nvSpPr>
+        <p:spPr/>
+        <p:txBody>
+          <a:bodyPr/>
+          <a:lstStyle/>
+          <a:p>
+            <a:r>
+              <a:rPr lang="fr-FR" dirty="0" smtClean="0">
+                <a:solidFill>
+                  <a:schemeClr val="bg1"/>
+                </a:solidFill>
+              </a:rPr>
+              <a:t>Lot #2 – Analyse</a:t>
+            </a:r>
+            <a:endParaRPr lang="fr-FR" dirty="0">
+              <a:solidFill>
+                <a:schemeClr val="bg1"/>
+              </a:solidFill>
+            </a:endParaRPr>
+          </a:p>
+        </p:txBody>
+      </p:sp>
+      <p:sp>
+        <p:nvSpPr>
+          <p:cNvPr id="5" name="Espace réservé du numéro de diapositive 4"/>
+          <p:cNvSpPr>
+            <a:spLocks noGrp="1"/>
+          </p:cNvSpPr>
+          <p:nvPr>
+            <p:ph type="sldNum" sz="quarter" idx="12"/>
+          </p:nvPr>
+        </p:nvSpPr>
+        <p:spPr/>
+        <p:txBody>
+          <a:bodyPr/>
+          <a:lstStyle/>
+          <a:p>
+            <a:fld id="{B3C63893-BC38-4EBB-829D-DE1F1D825C70}" type="slidenum">
+              <a:rPr lang="fr-FR" b="1" smtClean="0">
+                <a:solidFill>
+                  <a:schemeClr val="bg1"/>
+                </a:solidFill>
+              </a:rPr>
+              <a:pPr/>
+              <a:t>43</a:t>
+            </a:fld>
+            <a:endParaRPr lang="fr-FR" b="1" dirty="0">
+              <a:solidFill>
+                <a:schemeClr val="bg1"/>
+              </a:solidFill>
+            </a:endParaRPr>
+          </a:p>
+        </p:txBody>
+      </p:sp>
+      <p:sp>
+        <p:nvSpPr>
+          <p:cNvPr id="6" name="Espace réservé du pied de page 5"/>
+          <p:cNvSpPr>
+            <a:spLocks noGrp="1"/>
+          </p:cNvSpPr>
+          <p:nvPr>
+            <p:ph type="ftr" sz="quarter" idx="11"/>
+          </p:nvPr>
+        </p:nvSpPr>
+        <p:spPr>
+          <a:xfrm>
+            <a:off x="1475656" y="4767262"/>
+            <a:ext cx="6264696" cy="376238"/>
+          </a:xfrm>
+        </p:spPr>
+        <p:txBody>
+          <a:bodyPr/>
+          <a:lstStyle/>
+          <a:p>
+            <a:r>
+              <a:rPr lang="fr-FR" b="1" smtClean="0">
+                <a:solidFill>
+                  <a:schemeClr val="bg1"/>
+                </a:solidFill>
+              </a:rPr>
+              <a:t>Gestion des emprunts de matériels - Alexis LAURENT | Suzy PAETA | Romain ROUFAST</a:t>
+            </a:r>
+            <a:endParaRPr lang="fr-FR" b="1" dirty="0">
+              <a:solidFill>
+                <a:schemeClr val="bg1"/>
+              </a:solidFill>
+            </a:endParaRPr>
+          </a:p>
+        </p:txBody>
+      </p:sp>
+      <p:sp>
+        <p:nvSpPr>
+          <p:cNvPr id="10" name="Espace réservé du contenu 2"/>
+          <p:cNvSpPr>
+            <a:spLocks noGrp="1"/>
+          </p:cNvSpPr>
+          <p:nvPr>
+            <p:ph idx="1"/>
+          </p:nvPr>
+        </p:nvSpPr>
+        <p:spPr>
+          <a:xfrm>
+            <a:off x="411531" y="1707654"/>
+            <a:ext cx="5112568" cy="2520280"/>
+          </a:xfrm>
+        </p:spPr>
+        <p:txBody>
+          <a:bodyPr>
+            <a:normAutofit/>
+          </a:bodyPr>
+          <a:lstStyle/>
+          <a:p>
+            <a:pPr marL="0" indent="0">
+              <a:buNone/>
+            </a:pPr>
+            <a:r>
+              <a:rPr lang="fr-FR" dirty="0" smtClean="0">
+                <a:solidFill>
+                  <a:srgbClr val="FFC000"/>
+                </a:solidFill>
+              </a:rPr>
+              <a:t>Entretiens</a:t>
+            </a:r>
+          </a:p>
+          <a:p>
+            <a:pPr marL="0" indent="0">
+              <a:buNone/>
+            </a:pPr>
+            <a:r>
+              <a:rPr lang="fr-FR" dirty="0" smtClean="0">
+                <a:solidFill>
+                  <a:srgbClr val="FFC000"/>
+                </a:solidFill>
+              </a:rPr>
+              <a:t>Rapports d’analyse</a:t>
+            </a:r>
+          </a:p>
+          <a:p>
+            <a:pPr marL="0" indent="0">
+              <a:buNone/>
+            </a:pPr>
+            <a:r>
+              <a:rPr lang="fr-FR" dirty="0" smtClean="0">
+                <a:solidFill>
+                  <a:srgbClr val="FFC000"/>
+                </a:solidFill>
+              </a:rPr>
+              <a:t>Maquette finale</a:t>
+            </a:r>
+          </a:p>
+          <a:p>
+            <a:pPr marL="0" indent="0">
+              <a:buNone/>
+            </a:pPr>
+            <a:r>
+              <a:rPr lang="fr-FR" spc="-150" dirty="0" smtClean="0">
+                <a:solidFill>
+                  <a:srgbClr val="FFC000"/>
+                </a:solidFill>
+              </a:rPr>
+              <a:t>Rails | JavaScript | CSS3 |HTML5</a:t>
+            </a:r>
+          </a:p>
+          <a:p>
+            <a:endParaRPr lang="fr-FR" dirty="0"/>
+          </a:p>
+        </p:txBody>
+      </p:sp>
+      <p:graphicFrame>
+        <p:nvGraphicFramePr>
+          <p:cNvPr id="9" name="Graphique 8"/>
+          <p:cNvGraphicFramePr/>
+          <p:nvPr>
+            <p:extLst>
+              <p:ext uri="{D42A27DB-BD31-4B8C-83A1-F6EECF244321}">
+                <p14:modId xmlns="" xmlns:p14="http://schemas.microsoft.com/office/powerpoint/2010/main" val="3071604968"/>
+              </p:ext>
+            </p:extLst>
+          </p:nvPr>
+        </p:nvGraphicFramePr>
+        <p:xfrm>
+          <a:off x="5020043" y="1851670"/>
+          <a:ext cx="3728421" cy="2232248"/>
+        </p:xfrm>
+        <a:graphic>
+          <a:graphicData uri="http://schemas.openxmlformats.org/drawingml/2006/chart">
+            <c:chart xmlns:c="http://schemas.openxmlformats.org/drawingml/2006/chart" xmlns:r="http://schemas.openxmlformats.org/officeDocument/2006/relationships" r:id="rId2"/>
+          </a:graphicData>
+        </a:graphic>
+      </p:graphicFrame>
+    </p:spTree>
+    <p:extLst>
+      <p:ext uri="{BB962C8B-B14F-4D97-AF65-F5344CB8AC3E}">
+        <p14:creationId xmlns="" xmlns:p14="http://schemas.microsoft.com/office/powerpoint/2010/main" val="3787200968"/>
+      </p:ext>
+    </p:extLst>
+  </p:cSld>
+  <p:clrMapOvr>
+    <a:masterClrMapping/>
+  </p:clrMapOvr>
+  <p:timing>
+    <p:tnLst>
+      <p:par>
+        <p:cTn id="1" dur="indefinite" restart="never" nodeType="tmRoot"/>
+      </p:par>
+    </p:tnLst>
+  </p:timing>
+</p:sld>
+</file>
+
+<file path=ppt/slides/slide44.xml><?xml version="1.0" encoding="utf-8"?>
+<p:sld xmlns:a="http://schemas.openxmlformats.org/drawingml/2006/main" xmlns:r="http://schemas.openxmlformats.org/officeDocument/2006/relationships" xmlns:p="http://schemas.openxmlformats.org/presentationml/2006/main">
+  <p:cSld>
+    <p:spTree>
+      <p:nvGrpSpPr>
+        <p:cNvPr id="1" name=""/>
+        <p:cNvGrpSpPr/>
+        <p:nvPr/>
+      </p:nvGrpSpPr>
+      <p:grpSpPr>
+        <a:xfrm>
+          <a:off x="0" y="0"/>
+          <a:ext cx="0" cy="0"/>
+          <a:chOff x="0" y="0"/>
+          <a:chExt cx="0" cy="0"/>
+        </a:xfrm>
+      </p:grpSpPr>
+      <p:sp>
+        <p:nvSpPr>
+          <p:cNvPr id="7" name="Rectangle 6"/>
+          <p:cNvSpPr/>
+          <p:nvPr/>
+        </p:nvSpPr>
+        <p:spPr>
+          <a:xfrm>
+            <a:off x="0" y="4731990"/>
+            <a:ext cx="9144000" cy="411510"/>
+          </a:xfrm>
+          <a:prstGeom prst="rect">
+            <a:avLst/>
+          </a:prstGeom>
+          <a:solidFill>
+            <a:srgbClr val="FFC000"/>
+          </a:solidFill>
+          <a:ln>
+            <a:noFill/>
+          </a:ln>
+        </p:spPr>
+        <p:style>
+          <a:lnRef idx="2">
+            <a:schemeClr val="accent1">
+              <a:shade val="50000"/>
+            </a:schemeClr>
+          </a:lnRef>
+          <a:fillRef idx="1">
+            <a:schemeClr val="accent1"/>
+          </a:fillRef>
+          <a:effectRef idx="0">
+            <a:schemeClr val="accent1"/>
+          </a:effectRef>
+          <a:fontRef idx="minor">
+            <a:schemeClr val="lt1"/>
+          </a:fontRef>
+        </p:style>
+        <p:txBody>
+          <a:bodyPr rtlCol="0" anchor="ctr"/>
+          <a:lstStyle/>
+          <a:p>
+            <a:pPr algn="ctr"/>
+            <a:endParaRPr lang="fr-FR"/>
+          </a:p>
+        </p:txBody>
+      </p:sp>
+      <p:sp>
+        <p:nvSpPr>
+          <p:cNvPr id="4" name="Rectangle 3"/>
+          <p:cNvSpPr/>
+          <p:nvPr/>
+        </p:nvSpPr>
+        <p:spPr>
+          <a:xfrm>
+            <a:off x="0" y="0"/>
+            <a:ext cx="9144000" cy="1167594"/>
+          </a:xfrm>
+          <a:prstGeom prst="rect">
+            <a:avLst/>
+          </a:prstGeom>
+          <a:solidFill>
+            <a:srgbClr val="FFC000"/>
+          </a:solidFill>
+          <a:ln>
+            <a:noFill/>
+          </a:ln>
+        </p:spPr>
+        <p:style>
+          <a:lnRef idx="2">
+            <a:schemeClr val="accent1">
+              <a:shade val="50000"/>
+            </a:schemeClr>
+          </a:lnRef>
+          <a:fillRef idx="1">
+            <a:schemeClr val="accent1"/>
+          </a:fillRef>
+          <a:effectRef idx="0">
+            <a:schemeClr val="accent1"/>
+          </a:effectRef>
+          <a:fontRef idx="minor">
+            <a:schemeClr val="lt1"/>
+          </a:fontRef>
+        </p:style>
+        <p:txBody>
+          <a:bodyPr rtlCol="0" anchor="ctr"/>
+          <a:lstStyle/>
+          <a:p>
+            <a:pPr algn="ctr"/>
+            <a:endParaRPr lang="fr-FR"/>
+          </a:p>
+        </p:txBody>
+      </p:sp>
+      <p:sp>
+        <p:nvSpPr>
+          <p:cNvPr id="2" name="Titre 1"/>
+          <p:cNvSpPr>
+            <a:spLocks noGrp="1"/>
+          </p:cNvSpPr>
+          <p:nvPr>
+            <p:ph type="title"/>
+          </p:nvPr>
+        </p:nvSpPr>
+        <p:spPr/>
+        <p:txBody>
+          <a:bodyPr/>
+          <a:lstStyle/>
+          <a:p>
+            <a:r>
+              <a:rPr lang="fr-FR" dirty="0" smtClean="0">
+                <a:solidFill>
+                  <a:schemeClr val="bg1"/>
+                </a:solidFill>
+              </a:rPr>
+              <a:t>Lot #3 - Conception</a:t>
+            </a:r>
+            <a:endParaRPr lang="fr-FR" dirty="0">
+              <a:solidFill>
+                <a:schemeClr val="bg1"/>
+              </a:solidFill>
+            </a:endParaRPr>
+          </a:p>
+        </p:txBody>
+      </p:sp>
+      <p:sp>
+        <p:nvSpPr>
+          <p:cNvPr id="5" name="Espace réservé du numéro de diapositive 4"/>
+          <p:cNvSpPr>
+            <a:spLocks noGrp="1"/>
+          </p:cNvSpPr>
+          <p:nvPr>
+            <p:ph type="sldNum" sz="quarter" idx="12"/>
+          </p:nvPr>
+        </p:nvSpPr>
+        <p:spPr/>
+        <p:txBody>
+          <a:bodyPr/>
+          <a:lstStyle/>
+          <a:p>
+            <a:fld id="{B3C63893-BC38-4EBB-829D-DE1F1D825C70}" type="slidenum">
+              <a:rPr lang="fr-FR" b="1" smtClean="0">
+                <a:solidFill>
+                  <a:schemeClr val="bg1"/>
+                </a:solidFill>
+              </a:rPr>
+              <a:pPr/>
+              <a:t>44</a:t>
+            </a:fld>
+            <a:endParaRPr lang="fr-FR" b="1" dirty="0">
+              <a:solidFill>
+                <a:schemeClr val="bg1"/>
+              </a:solidFill>
+            </a:endParaRPr>
+          </a:p>
+        </p:txBody>
+      </p:sp>
+      <p:sp>
+        <p:nvSpPr>
+          <p:cNvPr id="6" name="Espace réservé du pied de page 5"/>
+          <p:cNvSpPr>
+            <a:spLocks noGrp="1"/>
+          </p:cNvSpPr>
+          <p:nvPr>
+            <p:ph type="ftr" sz="quarter" idx="11"/>
+          </p:nvPr>
+        </p:nvSpPr>
+        <p:spPr>
+          <a:xfrm>
+            <a:off x="1475656" y="4767262"/>
+            <a:ext cx="6264696" cy="376238"/>
+          </a:xfrm>
+        </p:spPr>
+        <p:txBody>
+          <a:bodyPr/>
+          <a:lstStyle/>
+          <a:p>
+            <a:r>
+              <a:rPr lang="fr-FR" b="1" smtClean="0">
+                <a:solidFill>
+                  <a:schemeClr val="bg1"/>
+                </a:solidFill>
+              </a:rPr>
+              <a:t>Gestion des emprunts de matériels - Alexis LAURENT | Suzy PAETA | Romain ROUFAST</a:t>
+            </a:r>
+            <a:endParaRPr lang="fr-FR" b="1" dirty="0">
+              <a:solidFill>
+                <a:schemeClr val="bg1"/>
+              </a:solidFill>
+            </a:endParaRPr>
+          </a:p>
+        </p:txBody>
+      </p:sp>
+      <p:sp>
+        <p:nvSpPr>
+          <p:cNvPr id="10" name="Espace réservé du contenu 2"/>
+          <p:cNvSpPr>
+            <a:spLocks noGrp="1"/>
+          </p:cNvSpPr>
+          <p:nvPr>
+            <p:ph idx="1"/>
+          </p:nvPr>
+        </p:nvSpPr>
+        <p:spPr>
+          <a:xfrm>
+            <a:off x="5004048" y="2283718"/>
+            <a:ext cx="5112568" cy="1224136"/>
+          </a:xfrm>
+        </p:spPr>
+        <p:txBody>
+          <a:bodyPr/>
+          <a:lstStyle/>
+          <a:p>
+            <a:pPr marL="0" indent="0">
+              <a:buNone/>
+            </a:pPr>
+            <a:r>
+              <a:rPr lang="fr-FR" dirty="0" smtClean="0">
+                <a:solidFill>
+                  <a:srgbClr val="FFC000"/>
+                </a:solidFill>
+              </a:rPr>
+              <a:t>Diagrammes</a:t>
+            </a:r>
+          </a:p>
+          <a:p>
+            <a:pPr marL="0" indent="0">
+              <a:buNone/>
+            </a:pPr>
+            <a:r>
+              <a:rPr lang="fr-FR" dirty="0" smtClean="0">
+                <a:solidFill>
+                  <a:srgbClr val="FFC000"/>
+                </a:solidFill>
+              </a:rPr>
+              <a:t>Fonctionnalités</a:t>
+            </a:r>
+          </a:p>
+          <a:p>
+            <a:endParaRPr lang="fr-FR" dirty="0"/>
+          </a:p>
+        </p:txBody>
+      </p:sp>
+      <p:graphicFrame>
+        <p:nvGraphicFramePr>
+          <p:cNvPr id="9" name="Graphique 8"/>
+          <p:cNvGraphicFramePr/>
+          <p:nvPr>
+            <p:extLst>
+              <p:ext uri="{D42A27DB-BD31-4B8C-83A1-F6EECF244321}">
+                <p14:modId xmlns="" xmlns:p14="http://schemas.microsoft.com/office/powerpoint/2010/main" val="1107750943"/>
+              </p:ext>
+            </p:extLst>
+          </p:nvPr>
+        </p:nvGraphicFramePr>
+        <p:xfrm>
+          <a:off x="1152128" y="1923678"/>
+          <a:ext cx="3729089" cy="2232248"/>
+        </p:xfrm>
+        <a:graphic>
+          <a:graphicData uri="http://schemas.openxmlformats.org/drawingml/2006/chart">
+            <c:chart xmlns:c="http://schemas.openxmlformats.org/drawingml/2006/chart" xmlns:r="http://schemas.openxmlformats.org/officeDocument/2006/relationships" r:id="rId2"/>
+          </a:graphicData>
+        </a:graphic>
+      </p:graphicFrame>
+    </p:spTree>
+    <p:extLst>
+      <p:ext uri="{BB962C8B-B14F-4D97-AF65-F5344CB8AC3E}">
+        <p14:creationId xmlns="" xmlns:p14="http://schemas.microsoft.com/office/powerpoint/2010/main" val="2567563741"/>
+      </p:ext>
+    </p:extLst>
+  </p:cSld>
+  <p:clrMapOvr>
+    <a:masterClrMapping/>
+  </p:clrMapOvr>
+  <p:timing>
+    <p:tnLst>
+      <p:par>
+        <p:cTn id="1" dur="indefinite" restart="never" nodeType="tmRoot"/>
+      </p:par>
+    </p:tnLst>
+  </p:timing>
+</p:sld>
+</file>
+
+<file path=ppt/slides/slide45.xml><?xml version="1.0" encoding="utf-8"?>
+<p:sld xmlns:a="http://schemas.openxmlformats.org/drawingml/2006/main" xmlns:r="http://schemas.openxmlformats.org/officeDocument/2006/relationships" xmlns:p="http://schemas.openxmlformats.org/presentationml/2006/main">
+  <p:cSld>
+    <p:spTree>
+      <p:nvGrpSpPr>
+        <p:cNvPr id="1" name=""/>
+        <p:cNvGrpSpPr/>
+        <p:nvPr/>
+      </p:nvGrpSpPr>
+      <p:grpSpPr>
+        <a:xfrm>
+          <a:off x="0" y="0"/>
+          <a:ext cx="0" cy="0"/>
+          <a:chOff x="0" y="0"/>
+          <a:chExt cx="0" cy="0"/>
+        </a:xfrm>
+      </p:grpSpPr>
+      <p:sp>
+        <p:nvSpPr>
+          <p:cNvPr id="7" name="Rectangle 6"/>
+          <p:cNvSpPr/>
+          <p:nvPr/>
+        </p:nvSpPr>
+        <p:spPr>
+          <a:xfrm>
+            <a:off x="0" y="4731990"/>
+            <a:ext cx="9144000" cy="411510"/>
+          </a:xfrm>
+          <a:prstGeom prst="rect">
+            <a:avLst/>
+          </a:prstGeom>
+          <a:solidFill>
+            <a:srgbClr val="FFC000"/>
+          </a:solidFill>
+          <a:ln>
+            <a:noFill/>
+          </a:ln>
+        </p:spPr>
+        <p:style>
+          <a:lnRef idx="2">
+            <a:schemeClr val="accent1">
+              <a:shade val="50000"/>
+            </a:schemeClr>
+          </a:lnRef>
+          <a:fillRef idx="1">
+            <a:schemeClr val="accent1"/>
+          </a:fillRef>
+          <a:effectRef idx="0">
+            <a:schemeClr val="accent1"/>
+          </a:effectRef>
+          <a:fontRef idx="minor">
+            <a:schemeClr val="lt1"/>
+          </a:fontRef>
+        </p:style>
+        <p:txBody>
+          <a:bodyPr rtlCol="0" anchor="ctr"/>
+          <a:lstStyle/>
+          <a:p>
+            <a:pPr algn="ctr"/>
+            <a:endParaRPr lang="fr-FR"/>
+          </a:p>
+        </p:txBody>
+      </p:sp>
+      <p:sp>
+        <p:nvSpPr>
+          <p:cNvPr id="4" name="Rectangle 3"/>
+          <p:cNvSpPr/>
+          <p:nvPr/>
+        </p:nvSpPr>
+        <p:spPr>
+          <a:xfrm>
+            <a:off x="0" y="0"/>
+            <a:ext cx="9144000" cy="1167594"/>
+          </a:xfrm>
+          <a:prstGeom prst="rect">
+            <a:avLst/>
+          </a:prstGeom>
+          <a:solidFill>
+            <a:srgbClr val="FFC000"/>
+          </a:solidFill>
+          <a:ln>
+            <a:noFill/>
+          </a:ln>
+        </p:spPr>
+        <p:style>
+          <a:lnRef idx="2">
+            <a:schemeClr val="accent1">
+              <a:shade val="50000"/>
+            </a:schemeClr>
+          </a:lnRef>
+          <a:fillRef idx="1">
+            <a:schemeClr val="accent1"/>
+          </a:fillRef>
+          <a:effectRef idx="0">
+            <a:schemeClr val="accent1"/>
+          </a:effectRef>
+          <a:fontRef idx="minor">
+            <a:schemeClr val="lt1"/>
+          </a:fontRef>
+        </p:style>
+        <p:txBody>
+          <a:bodyPr rtlCol="0" anchor="ctr"/>
+          <a:lstStyle/>
+          <a:p>
+            <a:pPr algn="ctr"/>
+            <a:endParaRPr lang="fr-FR"/>
+          </a:p>
+        </p:txBody>
+      </p:sp>
+      <p:sp>
+        <p:nvSpPr>
+          <p:cNvPr id="2" name="Titre 1"/>
+          <p:cNvSpPr>
+            <a:spLocks noGrp="1"/>
+          </p:cNvSpPr>
+          <p:nvPr>
+            <p:ph type="title"/>
+          </p:nvPr>
+        </p:nvSpPr>
+        <p:spPr/>
+        <p:txBody>
+          <a:bodyPr/>
+          <a:lstStyle/>
+          <a:p>
+            <a:r>
+              <a:rPr lang="fr-FR" dirty="0" smtClean="0">
+                <a:solidFill>
+                  <a:schemeClr val="bg1"/>
+                </a:solidFill>
+              </a:rPr>
+              <a:t>Lot #4 – Implémentation</a:t>
+            </a:r>
+            <a:endParaRPr lang="fr-FR" dirty="0">
+              <a:solidFill>
+                <a:schemeClr val="bg1"/>
+              </a:solidFill>
+            </a:endParaRPr>
+          </a:p>
+        </p:txBody>
+      </p:sp>
+      <p:sp>
+        <p:nvSpPr>
+          <p:cNvPr id="5" name="Espace réservé du numéro de diapositive 4"/>
+          <p:cNvSpPr>
+            <a:spLocks noGrp="1"/>
+          </p:cNvSpPr>
+          <p:nvPr>
+            <p:ph type="sldNum" sz="quarter" idx="12"/>
+          </p:nvPr>
+        </p:nvSpPr>
+        <p:spPr/>
+        <p:txBody>
+          <a:bodyPr/>
+          <a:lstStyle/>
+          <a:p>
+            <a:fld id="{B3C63893-BC38-4EBB-829D-DE1F1D825C70}" type="slidenum">
+              <a:rPr lang="fr-FR" b="1" smtClean="0">
+                <a:solidFill>
+                  <a:schemeClr val="bg1"/>
+                </a:solidFill>
+              </a:rPr>
+              <a:pPr/>
+              <a:t>45</a:t>
+            </a:fld>
+            <a:endParaRPr lang="fr-FR" b="1" dirty="0">
+              <a:solidFill>
+                <a:schemeClr val="bg1"/>
+              </a:solidFill>
+            </a:endParaRPr>
+          </a:p>
+        </p:txBody>
+      </p:sp>
+      <p:sp>
+        <p:nvSpPr>
+          <p:cNvPr id="6" name="Espace réservé du pied de page 5"/>
+          <p:cNvSpPr>
+            <a:spLocks noGrp="1"/>
+          </p:cNvSpPr>
+          <p:nvPr>
+            <p:ph type="ftr" sz="quarter" idx="11"/>
+          </p:nvPr>
+        </p:nvSpPr>
+        <p:spPr>
+          <a:xfrm>
+            <a:off x="1475656" y="4767262"/>
+            <a:ext cx="6264696" cy="376238"/>
+          </a:xfrm>
+        </p:spPr>
+        <p:txBody>
+          <a:bodyPr/>
+          <a:lstStyle/>
+          <a:p>
+            <a:r>
+              <a:rPr lang="fr-FR" b="1" smtClean="0">
+                <a:solidFill>
+                  <a:schemeClr val="bg1"/>
+                </a:solidFill>
+              </a:rPr>
+              <a:t>Gestion des emprunts de matériels - Alexis LAURENT | Suzy PAETA | Romain ROUFAST</a:t>
+            </a:r>
+            <a:endParaRPr lang="fr-FR" b="1" dirty="0">
+              <a:solidFill>
+                <a:schemeClr val="bg1"/>
+              </a:solidFill>
+            </a:endParaRPr>
+          </a:p>
+        </p:txBody>
+      </p:sp>
+      <p:sp>
+        <p:nvSpPr>
+          <p:cNvPr id="10" name="Espace réservé du contenu 2"/>
+          <p:cNvSpPr>
+            <a:spLocks noGrp="1"/>
+          </p:cNvSpPr>
+          <p:nvPr>
+            <p:ph idx="1"/>
+          </p:nvPr>
+        </p:nvSpPr>
+        <p:spPr>
+          <a:xfrm>
+            <a:off x="1043608" y="1779662"/>
+            <a:ext cx="3816424" cy="2664296"/>
+          </a:xfrm>
+        </p:spPr>
+        <p:txBody>
+          <a:bodyPr>
+            <a:normAutofit/>
+          </a:bodyPr>
+          <a:lstStyle/>
+          <a:p>
+            <a:pPr marL="0" indent="0">
+              <a:buNone/>
+            </a:pPr>
+            <a:r>
+              <a:rPr lang="fr-FR" dirty="0" smtClean="0">
+                <a:solidFill>
+                  <a:srgbClr val="FFC000"/>
+                </a:solidFill>
+              </a:rPr>
+              <a:t>Gérer les demandes</a:t>
+            </a:r>
+          </a:p>
+          <a:p>
+            <a:pPr marL="0" indent="0">
+              <a:buNone/>
+            </a:pPr>
+            <a:r>
+              <a:rPr lang="fr-FR" dirty="0" smtClean="0">
+                <a:solidFill>
+                  <a:srgbClr val="FFC000"/>
+                </a:solidFill>
+              </a:rPr>
+              <a:t>Faire une demande</a:t>
+            </a:r>
+          </a:p>
+          <a:p>
+            <a:pPr marL="0" indent="0">
+              <a:buNone/>
+            </a:pPr>
+            <a:r>
+              <a:rPr lang="fr-FR" dirty="0" smtClean="0">
+                <a:solidFill>
+                  <a:srgbClr val="FFC000"/>
+                </a:solidFill>
+              </a:rPr>
+              <a:t>Gérer l’état du stock</a:t>
+            </a:r>
+          </a:p>
+          <a:p>
+            <a:pPr marL="0" indent="0">
+              <a:buNone/>
+            </a:pPr>
+            <a:r>
+              <a:rPr lang="fr-FR" b="1" dirty="0" smtClean="0">
+                <a:solidFill>
+                  <a:srgbClr val="FFC000"/>
+                </a:solidFill>
+              </a:rPr>
+              <a:t>21%-40% de risques</a:t>
+            </a:r>
+            <a:endParaRPr lang="fr-FR" b="1" dirty="0"/>
+          </a:p>
+        </p:txBody>
+      </p:sp>
+      <p:graphicFrame>
+        <p:nvGraphicFramePr>
+          <p:cNvPr id="11" name="Graphique 10"/>
+          <p:cNvGraphicFramePr/>
+          <p:nvPr>
+            <p:extLst>
+              <p:ext uri="{D42A27DB-BD31-4B8C-83A1-F6EECF244321}">
+                <p14:modId xmlns="" xmlns:p14="http://schemas.microsoft.com/office/powerpoint/2010/main" val="1587201293"/>
+              </p:ext>
+            </p:extLst>
+          </p:nvPr>
+        </p:nvGraphicFramePr>
+        <p:xfrm>
+          <a:off x="5004048" y="1851670"/>
+          <a:ext cx="3700204" cy="2214165"/>
+        </p:xfrm>
+        <a:graphic>
+          <a:graphicData uri="http://schemas.openxmlformats.org/drawingml/2006/chart">
+            <c:chart xmlns:c="http://schemas.openxmlformats.org/drawingml/2006/chart" xmlns:r="http://schemas.openxmlformats.org/officeDocument/2006/relationships" r:id="rId2"/>
+          </a:graphicData>
+        </a:graphic>
+      </p:graphicFrame>
+      <p:cxnSp>
+        <p:nvCxnSpPr>
+          <p:cNvPr id="8" name="Connecteur droit 7"/>
+          <p:cNvCxnSpPr/>
+          <p:nvPr/>
+        </p:nvCxnSpPr>
+        <p:spPr>
+          <a:xfrm>
+            <a:off x="827584" y="3538298"/>
+            <a:ext cx="3960440" cy="0"/>
+          </a:xfrm>
+          <a:prstGeom prst="line">
+            <a:avLst/>
+          </a:prstGeom>
+          <a:ln>
+            <a:solidFill>
+              <a:srgbClr val="FFC000"/>
+            </a:solidFill>
+          </a:ln>
+        </p:spPr>
+        <p:style>
+          <a:lnRef idx="1">
+            <a:schemeClr val="accent6"/>
+          </a:lnRef>
+          <a:fillRef idx="0">
+            <a:schemeClr val="accent6"/>
+          </a:fillRef>
+          <a:effectRef idx="0">
+            <a:schemeClr val="accent6"/>
+          </a:effectRef>
+          <a:fontRef idx="minor">
+            <a:schemeClr val="tx1"/>
+          </a:fontRef>
+        </p:style>
+      </p:cxnSp>
+    </p:spTree>
+    <p:extLst>
+      <p:ext uri="{BB962C8B-B14F-4D97-AF65-F5344CB8AC3E}">
+        <p14:creationId xmlns="" xmlns:p14="http://schemas.microsoft.com/office/powerpoint/2010/main" val="3775844611"/>
+      </p:ext>
+    </p:extLst>
+  </p:cSld>
+  <p:clrMapOvr>
+    <a:masterClrMapping/>
+  </p:clrMapOvr>
+  <p:timing>
+    <p:tnLst>
+      <p:par>
+        <p:cTn id="1" dur="indefinite" restart="never" nodeType="tmRoot"/>
+      </p:par>
+    </p:tnLst>
+  </p:timing>
+</p:sld>
+</file>
+
+<file path=ppt/slides/slide46.xml><?xml version="1.0" encoding="utf-8"?>
+<p:sld xmlns:a="http://schemas.openxmlformats.org/drawingml/2006/main" xmlns:r="http://schemas.openxmlformats.org/officeDocument/2006/relationships" xmlns:p="http://schemas.openxmlformats.org/presentationml/2006/main">
+  <p:cSld>
+    <p:spTree>
+      <p:nvGrpSpPr>
+        <p:cNvPr id="1" name=""/>
+        <p:cNvGrpSpPr/>
+        <p:nvPr/>
+      </p:nvGrpSpPr>
+      <p:grpSpPr>
+        <a:xfrm>
+          <a:off x="0" y="0"/>
+          <a:ext cx="0" cy="0"/>
+          <a:chOff x="0" y="0"/>
+          <a:chExt cx="0" cy="0"/>
+        </a:xfrm>
+      </p:grpSpPr>
+      <p:sp>
+        <p:nvSpPr>
+          <p:cNvPr id="7" name="Rectangle 6"/>
+          <p:cNvSpPr/>
+          <p:nvPr/>
+        </p:nvSpPr>
+        <p:spPr>
+          <a:xfrm>
+            <a:off x="0" y="4731990"/>
+            <a:ext cx="9144000" cy="411510"/>
+          </a:xfrm>
+          <a:prstGeom prst="rect">
+            <a:avLst/>
+          </a:prstGeom>
+          <a:solidFill>
+            <a:srgbClr val="FFC000"/>
+          </a:solidFill>
+          <a:ln>
+            <a:noFill/>
+          </a:ln>
+        </p:spPr>
+        <p:style>
+          <a:lnRef idx="2">
+            <a:schemeClr val="accent1">
+              <a:shade val="50000"/>
+            </a:schemeClr>
+          </a:lnRef>
+          <a:fillRef idx="1">
+            <a:schemeClr val="accent1"/>
+          </a:fillRef>
+          <a:effectRef idx="0">
+            <a:schemeClr val="accent1"/>
+          </a:effectRef>
+          <a:fontRef idx="minor">
+            <a:schemeClr val="lt1"/>
+          </a:fontRef>
+        </p:style>
+        <p:txBody>
+          <a:bodyPr rtlCol="0" anchor="ctr"/>
+          <a:lstStyle/>
+          <a:p>
+            <a:pPr algn="ctr"/>
+            <a:endParaRPr lang="fr-FR"/>
+          </a:p>
+        </p:txBody>
+      </p:sp>
+      <p:sp>
+        <p:nvSpPr>
+          <p:cNvPr id="4" name="Rectangle 3"/>
+          <p:cNvSpPr/>
+          <p:nvPr/>
+        </p:nvSpPr>
+        <p:spPr>
+          <a:xfrm>
+            <a:off x="0" y="0"/>
+            <a:ext cx="9144000" cy="1167594"/>
+          </a:xfrm>
+          <a:prstGeom prst="rect">
+            <a:avLst/>
+          </a:prstGeom>
+          <a:solidFill>
+            <a:srgbClr val="FFC000"/>
+          </a:solidFill>
+          <a:ln>
+            <a:noFill/>
+          </a:ln>
+        </p:spPr>
+        <p:style>
+          <a:lnRef idx="2">
+            <a:schemeClr val="accent1">
+              <a:shade val="50000"/>
+            </a:schemeClr>
+          </a:lnRef>
+          <a:fillRef idx="1">
+            <a:schemeClr val="accent1"/>
+          </a:fillRef>
+          <a:effectRef idx="0">
+            <a:schemeClr val="accent1"/>
+          </a:effectRef>
+          <a:fontRef idx="minor">
+            <a:schemeClr val="lt1"/>
+          </a:fontRef>
+        </p:style>
+        <p:txBody>
+          <a:bodyPr rtlCol="0" anchor="ctr"/>
+          <a:lstStyle/>
+          <a:p>
+            <a:pPr algn="ctr"/>
+            <a:endParaRPr lang="fr-FR"/>
+          </a:p>
+        </p:txBody>
+      </p:sp>
+      <p:sp>
+        <p:nvSpPr>
+          <p:cNvPr id="2" name="Titre 1"/>
+          <p:cNvSpPr>
+            <a:spLocks noGrp="1"/>
+          </p:cNvSpPr>
+          <p:nvPr>
+            <p:ph type="title"/>
+          </p:nvPr>
+        </p:nvSpPr>
+        <p:spPr/>
+        <p:txBody>
+          <a:bodyPr/>
+          <a:lstStyle/>
+          <a:p>
+            <a:r>
+              <a:rPr lang="fr-FR" dirty="0" smtClean="0">
+                <a:solidFill>
+                  <a:schemeClr val="bg1"/>
+                </a:solidFill>
+              </a:rPr>
+              <a:t>Lot #5 – Tests Utilisateurs</a:t>
+            </a:r>
+            <a:endParaRPr lang="fr-FR" dirty="0">
+              <a:solidFill>
+                <a:schemeClr val="bg1"/>
+              </a:solidFill>
+            </a:endParaRPr>
+          </a:p>
+        </p:txBody>
+      </p:sp>
+      <p:sp>
+        <p:nvSpPr>
+          <p:cNvPr id="5" name="Espace réservé du numéro de diapositive 4"/>
+          <p:cNvSpPr>
+            <a:spLocks noGrp="1"/>
+          </p:cNvSpPr>
+          <p:nvPr>
+            <p:ph type="sldNum" sz="quarter" idx="12"/>
+          </p:nvPr>
+        </p:nvSpPr>
+        <p:spPr/>
+        <p:txBody>
+          <a:bodyPr/>
+          <a:lstStyle/>
+          <a:p>
+            <a:fld id="{B3C63893-BC38-4EBB-829D-DE1F1D825C70}" type="slidenum">
+              <a:rPr lang="fr-FR" b="1" smtClean="0">
+                <a:solidFill>
+                  <a:schemeClr val="bg1"/>
+                </a:solidFill>
+              </a:rPr>
+              <a:pPr/>
+              <a:t>46</a:t>
+            </a:fld>
+            <a:endParaRPr lang="fr-FR" b="1" dirty="0">
+              <a:solidFill>
+                <a:schemeClr val="bg1"/>
+              </a:solidFill>
+            </a:endParaRPr>
+          </a:p>
+        </p:txBody>
+      </p:sp>
+      <p:sp>
+        <p:nvSpPr>
+          <p:cNvPr id="6" name="Espace réservé du pied de page 5"/>
+          <p:cNvSpPr>
+            <a:spLocks noGrp="1"/>
+          </p:cNvSpPr>
+          <p:nvPr>
+            <p:ph type="ftr" sz="quarter" idx="11"/>
+          </p:nvPr>
+        </p:nvSpPr>
+        <p:spPr>
+          <a:xfrm>
+            <a:off x="1475656" y="4767262"/>
+            <a:ext cx="6264696" cy="376238"/>
+          </a:xfrm>
+        </p:spPr>
+        <p:txBody>
+          <a:bodyPr/>
+          <a:lstStyle/>
+          <a:p>
+            <a:r>
+              <a:rPr lang="fr-FR" b="1" smtClean="0">
+                <a:solidFill>
+                  <a:schemeClr val="bg1"/>
+                </a:solidFill>
+              </a:rPr>
+              <a:t>Gestion des emprunts de matériels - Alexis LAURENT | Suzy PAETA | Romain ROUFAST</a:t>
+            </a:r>
+            <a:endParaRPr lang="fr-FR" b="1" dirty="0">
+              <a:solidFill>
+                <a:schemeClr val="bg1"/>
+              </a:solidFill>
+            </a:endParaRPr>
+          </a:p>
+        </p:txBody>
+      </p:sp>
+      <p:graphicFrame>
+        <p:nvGraphicFramePr>
+          <p:cNvPr id="11" name="Graphique 10"/>
+          <p:cNvGraphicFramePr/>
+          <p:nvPr>
+            <p:extLst>
+              <p:ext uri="{D42A27DB-BD31-4B8C-83A1-F6EECF244321}">
+                <p14:modId xmlns="" xmlns:p14="http://schemas.microsoft.com/office/powerpoint/2010/main" val="1252621448"/>
+              </p:ext>
+            </p:extLst>
+          </p:nvPr>
+        </p:nvGraphicFramePr>
+        <p:xfrm>
+          <a:off x="2712479" y="1851670"/>
+          <a:ext cx="3719041" cy="2225437"/>
+        </p:xfrm>
+        <a:graphic>
+          <a:graphicData uri="http://schemas.openxmlformats.org/drawingml/2006/chart">
+            <c:chart xmlns:c="http://schemas.openxmlformats.org/drawingml/2006/chart" xmlns:r="http://schemas.openxmlformats.org/officeDocument/2006/relationships" r:id="rId2"/>
+          </a:graphicData>
+        </a:graphic>
+      </p:graphicFrame>
+    </p:spTree>
+    <p:extLst>
+      <p:ext uri="{BB962C8B-B14F-4D97-AF65-F5344CB8AC3E}">
+        <p14:creationId xmlns="" xmlns:p14="http://schemas.microsoft.com/office/powerpoint/2010/main" val="562666307"/>
+      </p:ext>
+    </p:extLst>
+  </p:cSld>
+  <p:clrMapOvr>
+    <a:masterClrMapping/>
+  </p:clrMapOvr>
+  <p:timing>
+    <p:tnLst>
+      <p:par>
+        <p:cTn id="1" dur="indefinite" restart="never" nodeType="tmRoot"/>
+      </p:par>
+    </p:tnLst>
+  </p:timing>
+</p:sld>
+</file>
+
+<file path=ppt/slides/slide47.xml><?xml version="1.0" encoding="utf-8"?>
+<p:sld xmlns:a="http://schemas.openxmlformats.org/drawingml/2006/main" xmlns:r="http://schemas.openxmlformats.org/officeDocument/2006/relationships" xmlns:p="http://schemas.openxmlformats.org/presentationml/2006/main">
+  <p:cSld>
+    <p:spTree>
+      <p:nvGrpSpPr>
+        <p:cNvPr id="1" name=""/>
+        <p:cNvGrpSpPr/>
+        <p:nvPr/>
+      </p:nvGrpSpPr>
+      <p:grpSpPr>
+        <a:xfrm>
+          <a:off x="0" y="0"/>
+          <a:ext cx="0" cy="0"/>
+          <a:chOff x="0" y="0"/>
+          <a:chExt cx="0" cy="0"/>
+        </a:xfrm>
+      </p:grpSpPr>
+      <p:sp>
+        <p:nvSpPr>
+          <p:cNvPr id="7" name="Rectangle 6"/>
+          <p:cNvSpPr/>
+          <p:nvPr/>
+        </p:nvSpPr>
+        <p:spPr>
+          <a:xfrm>
+            <a:off x="0" y="4731990"/>
+            <a:ext cx="9144000" cy="411510"/>
+          </a:xfrm>
+          <a:prstGeom prst="rect">
+            <a:avLst/>
+          </a:prstGeom>
+          <a:solidFill>
+            <a:srgbClr val="FFC000"/>
+          </a:solidFill>
+          <a:ln>
+            <a:noFill/>
+          </a:ln>
+        </p:spPr>
+        <p:style>
+          <a:lnRef idx="2">
+            <a:schemeClr val="accent1">
+              <a:shade val="50000"/>
+            </a:schemeClr>
+          </a:lnRef>
+          <a:fillRef idx="1">
+            <a:schemeClr val="accent1"/>
+          </a:fillRef>
+          <a:effectRef idx="0">
+            <a:schemeClr val="accent1"/>
+          </a:effectRef>
+          <a:fontRef idx="minor">
+            <a:schemeClr val="lt1"/>
+          </a:fontRef>
+        </p:style>
+        <p:txBody>
+          <a:bodyPr rtlCol="0" anchor="ctr"/>
+          <a:lstStyle/>
+          <a:p>
+            <a:pPr algn="ctr"/>
+            <a:endParaRPr lang="fr-FR"/>
+          </a:p>
+        </p:txBody>
+      </p:sp>
+      <p:sp>
+        <p:nvSpPr>
+          <p:cNvPr id="4" name="Rectangle 3"/>
+          <p:cNvSpPr/>
+          <p:nvPr/>
+        </p:nvSpPr>
+        <p:spPr>
+          <a:xfrm>
+            <a:off x="0" y="0"/>
+            <a:ext cx="9144000" cy="1167594"/>
+          </a:xfrm>
+          <a:prstGeom prst="rect">
+            <a:avLst/>
+          </a:prstGeom>
+          <a:solidFill>
+            <a:srgbClr val="FFC000"/>
+          </a:solidFill>
+          <a:ln>
+            <a:noFill/>
+          </a:ln>
+        </p:spPr>
+        <p:style>
+          <a:lnRef idx="2">
+            <a:schemeClr val="accent1">
+              <a:shade val="50000"/>
+            </a:schemeClr>
+          </a:lnRef>
+          <a:fillRef idx="1">
+            <a:schemeClr val="accent1"/>
+          </a:fillRef>
+          <a:effectRef idx="0">
+            <a:schemeClr val="accent1"/>
+          </a:effectRef>
+          <a:fontRef idx="minor">
+            <a:schemeClr val="lt1"/>
+          </a:fontRef>
+        </p:style>
+        <p:txBody>
+          <a:bodyPr rtlCol="0" anchor="ctr"/>
+          <a:lstStyle/>
+          <a:p>
+            <a:pPr algn="ctr"/>
+            <a:endParaRPr lang="fr-FR"/>
+          </a:p>
+        </p:txBody>
+      </p:sp>
+      <p:sp>
+        <p:nvSpPr>
+          <p:cNvPr id="2" name="Titre 1"/>
+          <p:cNvSpPr>
+            <a:spLocks noGrp="1"/>
+          </p:cNvSpPr>
+          <p:nvPr>
+            <p:ph type="title"/>
+          </p:nvPr>
+        </p:nvSpPr>
+        <p:spPr/>
+        <p:txBody>
+          <a:bodyPr/>
+          <a:lstStyle/>
+          <a:p>
+            <a:r>
+              <a:rPr lang="fr-FR" dirty="0" smtClean="0">
+                <a:solidFill>
+                  <a:schemeClr val="bg1"/>
+                </a:solidFill>
+              </a:rPr>
+              <a:t>Gestion du projet</a:t>
+            </a:r>
+            <a:endParaRPr lang="fr-FR" dirty="0">
+              <a:solidFill>
+                <a:schemeClr val="bg1"/>
+              </a:solidFill>
+            </a:endParaRPr>
+          </a:p>
+        </p:txBody>
+      </p:sp>
+      <p:sp>
+        <p:nvSpPr>
+          <p:cNvPr id="5" name="Espace réservé du numéro de diapositive 4"/>
+          <p:cNvSpPr>
+            <a:spLocks noGrp="1"/>
+          </p:cNvSpPr>
+          <p:nvPr>
+            <p:ph type="sldNum" sz="quarter" idx="12"/>
+          </p:nvPr>
+        </p:nvSpPr>
+        <p:spPr/>
+        <p:txBody>
+          <a:bodyPr/>
+          <a:lstStyle/>
+          <a:p>
+            <a:fld id="{B3C63893-BC38-4EBB-829D-DE1F1D825C70}" type="slidenum">
+              <a:rPr lang="fr-FR" b="1" smtClean="0">
+                <a:solidFill>
+                  <a:schemeClr val="bg1"/>
+                </a:solidFill>
+              </a:rPr>
+              <a:pPr/>
+              <a:t>47</a:t>
             </a:fld>
             <a:endParaRPr lang="fr-FR" b="1" dirty="0">
               <a:solidFill>
@@ -17932,7 +18731,7 @@
 </p:sld>
 </file>
 
-<file path=ppt/slides/slide42.xml><?xml version="1.0" encoding="utf-8"?>
+<file path=ppt/slides/slide48.xml><?xml version="1.0" encoding="utf-8"?>
 <p:sld xmlns:a="http://schemas.openxmlformats.org/drawingml/2006/main" xmlns:r="http://schemas.openxmlformats.org/officeDocument/2006/relationships" xmlns:p="http://schemas.openxmlformats.org/presentationml/2006/main">
   <p:cSld>
     <p:spTree>
@@ -18101,21 +18900,8 @@
                   <a:srgbClr val="FFC000"/>
                 </a:solidFill>
               </a:rPr>
-              <a:t>Répartition des tâches </a:t>
-            </a:r>
-            <a:r>
-              <a:rPr lang="fr-FR" dirty="0" smtClean="0">
-                <a:solidFill>
-                  <a:srgbClr val="FFC000"/>
-                </a:solidFill>
-              </a:rPr>
-              <a:t>(JIRA)</a:t>
-            </a:r>
-            <a:endParaRPr lang="fr-FR" dirty="0" smtClean="0">
-              <a:solidFill>
-                <a:srgbClr val="FFC000"/>
-              </a:solidFill>
-            </a:endParaRPr>
+              <a:t>Répartition des tâches (JIRA)</a:t>
+            </a:r>
           </a:p>
           <a:p>
             <a:pPr marL="0" indent="0">
@@ -18127,15 +18913,7 @@
                   <a:srgbClr val="FFC000"/>
                 </a:solidFill>
               </a:rPr>
-              <a:t>Gestion de versions </a:t>
-            </a:r>
-            <a:r>
-              <a:rPr lang="fr-FR" dirty="0" smtClean="0">
-                <a:solidFill>
-                  <a:srgbClr val="FFC000"/>
-                </a:solidFill>
-              </a:rPr>
-              <a:t>: Git</a:t>
+              <a:t>Gestion de versions : Git</a:t>
             </a:r>
           </a:p>
           <a:p>
@@ -18179,7 +18957,7 @@
                 </a:solidFill>
               </a:rPr>
               <a:pPr/>
-              <a:t>42</a:t>
+              <a:t>48</a:t>
             </a:fld>
             <a:endParaRPr lang="fr-FR" b="1" dirty="0">
               <a:solidFill>
@@ -18240,7 +19018,7 @@
 </p:sld>
 </file>
 
-<file path=ppt/slides/slide43.xml><?xml version="1.0" encoding="utf-8"?>
+<file path=ppt/slides/slide49.xml><?xml version="1.0" encoding="utf-8"?>
 <p:sld xmlns:a="http://schemas.openxmlformats.org/drawingml/2006/main" xmlns:r="http://schemas.openxmlformats.org/officeDocument/2006/relationships" xmlns:p="http://schemas.openxmlformats.org/presentationml/2006/main">
   <p:cSld>
     <p:spTree>
@@ -18418,7 +19196,15 @@
                   <a:srgbClr val="FFC000"/>
                 </a:solidFill>
               </a:rPr>
-              <a:t>Faire </a:t>
+              <a:t>Faire des tests utilisateurs sur la 1</a:t>
+            </a:r>
+            <a:r>
+              <a:rPr lang="fr-FR" sz="4200" baseline="30000" dirty="0" smtClean="0">
+                <a:solidFill>
+                  <a:srgbClr val="FFC000"/>
+                </a:solidFill>
+              </a:rPr>
+              <a:t>ère</a:t>
             </a:r>
             <a:r>
               <a:rPr lang="fr-FR" sz="4200" dirty="0" smtClean="0">
@@ -18426,49 +19212,28 @@
                   <a:srgbClr val="FFC000"/>
                 </a:solidFill>
               </a:rPr>
-              <a:t>des tests utilisateurs sur la 1</a:t>
-            </a:r>
-            <a:r>
-              <a:rPr lang="fr-FR" sz="4200" baseline="30000" dirty="0" smtClean="0">
+              <a:t> version fonctionnelle</a:t>
+            </a:r>
+          </a:p>
+          <a:p>
+            <a:r>
+              <a:rPr lang="fr-FR" sz="4200" dirty="0" smtClean="0">
                 <a:solidFill>
                   <a:srgbClr val="FFC000"/>
                 </a:solidFill>
               </a:rPr>
-              <a:t>ère</a:t>
-            </a:r>
+              <a:t>Faire une deuxième itération intégrant les remarques des utilisateurs</a:t>
+            </a:r>
+          </a:p>
+          <a:p>
             <a:r>
               <a:rPr lang="fr-FR" sz="4200" dirty="0" smtClean="0">
                 <a:solidFill>
                   <a:srgbClr val="FFC000"/>
                 </a:solidFill>
               </a:rPr>
-              <a:t> version fonctionnelle</a:t>
-            </a:r>
-          </a:p>
-          <a:p>
-            <a:r>
-              <a:rPr lang="fr-FR" sz="4200" dirty="0" smtClean="0">
-                <a:solidFill>
-                  <a:srgbClr val="FFC000"/>
-                </a:solidFill>
-              </a:rPr>
-              <a:t>Faire une deuxième itération intégrant les remarques des utilisateurs</a:t>
-            </a:r>
-          </a:p>
-          <a:p>
-            <a:r>
-              <a:rPr lang="fr-FR" sz="4200" dirty="0" smtClean="0">
-                <a:solidFill>
-                  <a:srgbClr val="FFC000"/>
-                </a:solidFill>
-              </a:rPr>
               <a:t>Responsive design amélioré</a:t>
             </a:r>
-            <a:endParaRPr lang="fr-FR" sz="4200" dirty="0" smtClean="0">
-              <a:solidFill>
-                <a:srgbClr val="FFC000"/>
-              </a:solidFill>
-            </a:endParaRPr>
           </a:p>
           <a:p>
             <a:r>
@@ -18517,7 +19282,7 @@
                 </a:solidFill>
               </a:rPr>
               <a:pPr/>
-              <a:t>43</a:t>
+              <a:t>49</a:t>
             </a:fld>
             <a:endParaRPr lang="fr-FR" b="1" dirty="0">
               <a:solidFill>
@@ -18558,306 +19323,6 @@
             <a:endParaRPr lang="fr-FR" b="1" dirty="0">
               <a:solidFill>
                 <a:schemeClr val="bg1"/>
-              </a:solidFill>
-            </a:endParaRPr>
-          </a:p>
-        </p:txBody>
-      </p:sp>
-    </p:spTree>
-  </p:cSld>
-  <p:clrMapOvr>
-    <a:masterClrMapping/>
-  </p:clrMapOvr>
-  <p:timing>
-    <p:tnLst>
-      <p:par>
-        <p:cTn id="1" dur="indefinite" restart="never" nodeType="tmRoot"/>
-      </p:par>
-    </p:tnLst>
-  </p:timing>
-</p:sld>
-</file>
-
-<file path=ppt/slides/slide44.xml><?xml version="1.0" encoding="utf-8"?>
-<p:sld xmlns:a="http://schemas.openxmlformats.org/drawingml/2006/main" xmlns:r="http://schemas.openxmlformats.org/officeDocument/2006/relationships" xmlns:p="http://schemas.openxmlformats.org/presentationml/2006/main">
-  <p:cSld>
-    <p:spTree>
-      <p:nvGrpSpPr>
-        <p:cNvPr id="1" name=""/>
-        <p:cNvGrpSpPr/>
-        <p:nvPr/>
-      </p:nvGrpSpPr>
-      <p:grpSpPr>
-        <a:xfrm>
-          <a:off x="0" y="0"/>
-          <a:ext cx="0" cy="0"/>
-          <a:chOff x="0" y="0"/>
-          <a:chExt cx="0" cy="0"/>
-        </a:xfrm>
-      </p:grpSpPr>
-      <p:sp>
-        <p:nvSpPr>
-          <p:cNvPr id="2" name="Titre 1"/>
-          <p:cNvSpPr>
-            <a:spLocks noGrp="1"/>
-          </p:cNvSpPr>
-          <p:nvPr>
-            <p:ph type="title"/>
-          </p:nvPr>
-        </p:nvSpPr>
-        <p:spPr/>
-        <p:txBody>
-          <a:bodyPr/>
-          <a:lstStyle/>
-          <a:p>
-            <a:r>
-              <a:rPr lang="fr-FR" dirty="0" smtClean="0">
-                <a:solidFill>
-                  <a:schemeClr val="bg1"/>
-                </a:solidFill>
-              </a:rPr>
-              <a:t>Conclusion</a:t>
-            </a:r>
-            <a:endParaRPr lang="fr-FR" dirty="0">
-              <a:solidFill>
-                <a:schemeClr val="bg1"/>
-              </a:solidFill>
-            </a:endParaRPr>
-          </a:p>
-        </p:txBody>
-      </p:sp>
-      <p:sp>
-        <p:nvSpPr>
-          <p:cNvPr id="3" name="Espace réservé du contenu 2"/>
-          <p:cNvSpPr>
-            <a:spLocks noGrp="1"/>
-          </p:cNvSpPr>
-          <p:nvPr>
-            <p:ph idx="1"/>
-          </p:nvPr>
-        </p:nvSpPr>
-        <p:spPr>
-          <a:xfrm>
-            <a:off x="1870407" y="987574"/>
-            <a:ext cx="5403186" cy="3394472"/>
-          </a:xfrm>
-        </p:spPr>
-        <p:txBody>
-          <a:bodyPr>
-            <a:normAutofit lnSpcReduction="10000"/>
-          </a:bodyPr>
-          <a:lstStyle/>
-          <a:p>
-            <a:pPr lvl="1"/>
-            <a:endParaRPr lang="fr-FR" dirty="0" smtClean="0">
-              <a:solidFill>
-                <a:srgbClr val="FFC000"/>
-              </a:solidFill>
-            </a:endParaRPr>
-          </a:p>
-          <a:p>
-            <a:pPr marL="457200" lvl="1" indent="0" algn="ctr">
-              <a:buNone/>
-            </a:pPr>
-            <a:r>
-              <a:rPr lang="fr-FR" dirty="0" smtClean="0">
-                <a:solidFill>
-                  <a:srgbClr val="FFC000"/>
-                </a:solidFill>
-              </a:rPr>
-              <a:t>Nouvelle technologie</a:t>
-            </a:r>
-            <a:endParaRPr lang="fr-FR" dirty="0" smtClean="0">
-              <a:solidFill>
-                <a:srgbClr val="FFC000"/>
-              </a:solidFill>
-            </a:endParaRPr>
-          </a:p>
-          <a:p>
-            <a:pPr marL="457200" lvl="1" indent="0" algn="ctr">
-              <a:buNone/>
-            </a:pPr>
-            <a:r>
-              <a:rPr lang="fr-FR" dirty="0" smtClean="0">
-                <a:solidFill>
-                  <a:srgbClr val="FFC000"/>
-                </a:solidFill>
-              </a:rPr>
-              <a:t>Démarche centrée </a:t>
-            </a:r>
-            <a:r>
-              <a:rPr lang="fr-FR" dirty="0" smtClean="0">
-                <a:solidFill>
-                  <a:srgbClr val="FFC000"/>
-                </a:solidFill>
-              </a:rPr>
-              <a:t>utilisateurs</a:t>
-            </a:r>
-          </a:p>
-          <a:p>
-            <a:pPr marL="457200" lvl="1" indent="0" algn="ctr">
-              <a:buNone/>
-            </a:pPr>
-            <a:r>
-              <a:rPr lang="fr-FR" dirty="0" smtClean="0">
-                <a:solidFill>
-                  <a:srgbClr val="FFC000"/>
-                </a:solidFill>
-              </a:rPr>
-              <a:t>JIRA</a:t>
-            </a:r>
-            <a:endParaRPr lang="fr-FR" dirty="0">
-              <a:solidFill>
-                <a:srgbClr val="FFC000"/>
-              </a:solidFill>
-            </a:endParaRPr>
-          </a:p>
-          <a:p>
-            <a:pPr marL="457200" lvl="1" indent="0" algn="ctr">
-              <a:buNone/>
-            </a:pPr>
-            <a:r>
-              <a:rPr lang="fr-FR" dirty="0" smtClean="0">
-                <a:solidFill>
-                  <a:srgbClr val="FFC000"/>
-                </a:solidFill>
-              </a:rPr>
-              <a:t>Vision en entreprise avec le coach</a:t>
-            </a:r>
-          </a:p>
-          <a:p>
-            <a:pPr marL="457200" lvl="1" indent="0" algn="ctr">
-              <a:buNone/>
-            </a:pPr>
-            <a:r>
-              <a:rPr lang="fr-FR" dirty="0" smtClean="0">
-                <a:solidFill>
-                  <a:srgbClr val="FFC000"/>
-                </a:solidFill>
-              </a:rPr>
-              <a:t>Prise de recul</a:t>
-            </a:r>
-            <a:endParaRPr lang="fr-FR" dirty="0" smtClean="0"/>
-          </a:p>
-        </p:txBody>
-      </p:sp>
-      <p:sp>
-        <p:nvSpPr>
-          <p:cNvPr id="5" name="Espace réservé du numéro de diapositive 4"/>
-          <p:cNvSpPr>
-            <a:spLocks noGrp="1"/>
-          </p:cNvSpPr>
-          <p:nvPr>
-            <p:ph type="sldNum" sz="quarter" idx="12"/>
-          </p:nvPr>
-        </p:nvSpPr>
-        <p:spPr/>
-        <p:txBody>
-          <a:bodyPr/>
-          <a:lstStyle/>
-          <a:p>
-            <a:fld id="{B3C63893-BC38-4EBB-829D-DE1F1D825C70}" type="slidenum">
-              <a:rPr lang="fr-FR" b="1" smtClean="0">
-                <a:solidFill>
-                  <a:schemeClr val="bg1"/>
-                </a:solidFill>
-              </a:rPr>
-              <a:pPr/>
-              <a:t>44</a:t>
-            </a:fld>
-            <a:endParaRPr lang="fr-FR" b="1" dirty="0">
-              <a:solidFill>
-                <a:schemeClr val="bg1"/>
-              </a:solidFill>
-            </a:endParaRPr>
-          </a:p>
-        </p:txBody>
-      </p:sp>
-      <p:sp>
-        <p:nvSpPr>
-          <p:cNvPr id="6" name="Espace réservé du pied de page 5"/>
-          <p:cNvSpPr>
-            <a:spLocks noGrp="1"/>
-          </p:cNvSpPr>
-          <p:nvPr>
-            <p:ph type="ftr" sz="quarter" idx="11"/>
-          </p:nvPr>
-        </p:nvSpPr>
-        <p:spPr>
-          <a:xfrm>
-            <a:off x="1475656" y="4767262"/>
-            <a:ext cx="6264696" cy="376238"/>
-          </a:xfrm>
-        </p:spPr>
-        <p:txBody>
-          <a:bodyPr/>
-          <a:lstStyle/>
-          <a:p>
-            <a:r>
-              <a:rPr lang="fr-FR" b="1" smtClean="0">
-                <a:solidFill>
-                  <a:schemeClr val="bg1"/>
-                </a:solidFill>
-              </a:rPr>
-              <a:t>Gestion des emprunts de matériels - Alexis LAURENT | Suzy PAETA | Romain ROUFAST</a:t>
-            </a:r>
-            <a:endParaRPr lang="fr-FR" b="1" dirty="0">
-              <a:solidFill>
-                <a:schemeClr val="bg1"/>
-              </a:solidFill>
-            </a:endParaRPr>
-          </a:p>
-        </p:txBody>
-      </p:sp>
-      <p:sp>
-        <p:nvSpPr>
-          <p:cNvPr id="8" name="Titre 1"/>
-          <p:cNvSpPr txBox="1">
-            <a:spLocks/>
-          </p:cNvSpPr>
-          <p:nvPr/>
-        </p:nvSpPr>
-        <p:spPr>
-          <a:xfrm>
-            <a:off x="2717794" y="267494"/>
-            <a:ext cx="3708412" cy="857250"/>
-          </a:xfrm>
-          <a:prstGeom prst="rect">
-            <a:avLst/>
-          </a:prstGeom>
-        </p:spPr>
-        <p:txBody>
-          <a:bodyPr vert="horz" lIns="91440" tIns="45720" rIns="91440" bIns="45720" rtlCol="0" anchor="ctr">
-            <a:normAutofit/>
-          </a:bodyPr>
-          <a:lstStyle>
-            <a:lvl1pPr algn="ctr" defTabSz="914400" rtl="0" eaLnBrk="1" latinLnBrk="0" hangingPunct="1">
-              <a:spcBef>
-                <a:spcPct val="0"/>
-              </a:spcBef>
-              <a:buNone/>
-              <a:defRPr sz="4400" kern="1200">
-                <a:solidFill>
-                  <a:schemeClr val="tx1"/>
-                </a:solidFill>
-                <a:latin typeface="+mj-lt"/>
-                <a:ea typeface="+mj-ea"/>
-                <a:cs typeface="+mj-cs"/>
-              </a:defRPr>
-            </a:lvl1pPr>
-          </a:lstStyle>
-          <a:p>
-            <a:r>
-              <a:rPr lang="fr-FR" b="1" dirty="0" smtClean="0">
-                <a:solidFill>
-                  <a:srgbClr val="FFC000"/>
-                </a:solidFill>
-              </a:rPr>
-              <a:t>Conclusion</a:t>
-            </a:r>
-            <a:endParaRPr lang="fr-FR" b="1" dirty="0">
-              <a:solidFill>
-                <a:srgbClr val="FFC000"/>
               </a:solidFill>
             </a:endParaRPr>
           </a:p>
@@ -19401,6 +19866,293 @@
 </p:sld>
 </file>
 
+<file path=ppt/slides/slide50.xml><?xml version="1.0" encoding="utf-8"?>
+<p:sld xmlns:a="http://schemas.openxmlformats.org/drawingml/2006/main" xmlns:r="http://schemas.openxmlformats.org/officeDocument/2006/relationships" xmlns:p="http://schemas.openxmlformats.org/presentationml/2006/main">
+  <p:cSld>
+    <p:spTree>
+      <p:nvGrpSpPr>
+        <p:cNvPr id="1" name=""/>
+        <p:cNvGrpSpPr/>
+        <p:nvPr/>
+      </p:nvGrpSpPr>
+      <p:grpSpPr>
+        <a:xfrm>
+          <a:off x="0" y="0"/>
+          <a:ext cx="0" cy="0"/>
+          <a:chOff x="0" y="0"/>
+          <a:chExt cx="0" cy="0"/>
+        </a:xfrm>
+      </p:grpSpPr>
+      <p:sp>
+        <p:nvSpPr>
+          <p:cNvPr id="2" name="Titre 1"/>
+          <p:cNvSpPr>
+            <a:spLocks noGrp="1"/>
+          </p:cNvSpPr>
+          <p:nvPr>
+            <p:ph type="title"/>
+          </p:nvPr>
+        </p:nvSpPr>
+        <p:spPr/>
+        <p:txBody>
+          <a:bodyPr/>
+          <a:lstStyle/>
+          <a:p>
+            <a:r>
+              <a:rPr lang="fr-FR" dirty="0" smtClean="0">
+                <a:solidFill>
+                  <a:schemeClr val="bg1"/>
+                </a:solidFill>
+              </a:rPr>
+              <a:t>Conclusion</a:t>
+            </a:r>
+            <a:endParaRPr lang="fr-FR" dirty="0">
+              <a:solidFill>
+                <a:schemeClr val="bg1"/>
+              </a:solidFill>
+            </a:endParaRPr>
+          </a:p>
+        </p:txBody>
+      </p:sp>
+      <p:sp>
+        <p:nvSpPr>
+          <p:cNvPr id="3" name="Espace réservé du contenu 2"/>
+          <p:cNvSpPr>
+            <a:spLocks noGrp="1"/>
+          </p:cNvSpPr>
+          <p:nvPr>
+            <p:ph idx="1"/>
+          </p:nvPr>
+        </p:nvSpPr>
+        <p:spPr>
+          <a:xfrm>
+            <a:off x="1870407" y="987574"/>
+            <a:ext cx="5403186" cy="3394472"/>
+          </a:xfrm>
+        </p:spPr>
+        <p:txBody>
+          <a:bodyPr>
+            <a:normAutofit lnSpcReduction="10000"/>
+          </a:bodyPr>
+          <a:lstStyle/>
+          <a:p>
+            <a:pPr lvl="1"/>
+            <a:endParaRPr lang="fr-FR" dirty="0" smtClean="0">
+              <a:solidFill>
+                <a:srgbClr val="FFC000"/>
+              </a:solidFill>
+            </a:endParaRPr>
+          </a:p>
+          <a:p>
+            <a:pPr marL="457200" lvl="1" indent="0" algn="ctr">
+              <a:buNone/>
+            </a:pPr>
+            <a:r>
+              <a:rPr lang="fr-FR" dirty="0" smtClean="0">
+                <a:solidFill>
+                  <a:srgbClr val="FFC000"/>
+                </a:solidFill>
+              </a:rPr>
+              <a:t>Nouvelle technologie</a:t>
+            </a:r>
+          </a:p>
+          <a:p>
+            <a:pPr marL="457200" lvl="1" indent="0" algn="ctr">
+              <a:buNone/>
+            </a:pPr>
+            <a:r>
+              <a:rPr lang="fr-FR" dirty="0" smtClean="0">
+                <a:solidFill>
+                  <a:srgbClr val="FFC000"/>
+                </a:solidFill>
+              </a:rPr>
+              <a:t>Démarche centrée utilisateurs</a:t>
+            </a:r>
+          </a:p>
+          <a:p>
+            <a:pPr marL="457200" lvl="1" indent="0" algn="ctr">
+              <a:buNone/>
+            </a:pPr>
+            <a:r>
+              <a:rPr lang="fr-FR" dirty="0" smtClean="0">
+                <a:solidFill>
+                  <a:srgbClr val="FFC000"/>
+                </a:solidFill>
+              </a:rPr>
+              <a:t>JIRA</a:t>
+            </a:r>
+            <a:endParaRPr lang="fr-FR" dirty="0">
+              <a:solidFill>
+                <a:srgbClr val="FFC000"/>
+              </a:solidFill>
+            </a:endParaRPr>
+          </a:p>
+          <a:p>
+            <a:pPr marL="457200" lvl="1" indent="0" algn="ctr">
+              <a:buNone/>
+            </a:pPr>
+            <a:r>
+              <a:rPr lang="fr-FR" dirty="0" smtClean="0">
+                <a:solidFill>
+                  <a:srgbClr val="FFC000"/>
+                </a:solidFill>
+              </a:rPr>
+              <a:t>Vision en entreprise avec le coach</a:t>
+            </a:r>
+          </a:p>
+          <a:p>
+            <a:pPr marL="457200" lvl="1" indent="0" algn="ctr">
+              <a:buNone/>
+            </a:pPr>
+            <a:r>
+              <a:rPr lang="fr-FR" dirty="0" smtClean="0">
+                <a:solidFill>
+                  <a:srgbClr val="FFC000"/>
+                </a:solidFill>
+              </a:rPr>
+              <a:t>Prise de recul</a:t>
+            </a:r>
+            <a:endParaRPr lang="fr-FR" dirty="0" smtClean="0"/>
+          </a:p>
+        </p:txBody>
+      </p:sp>
+      <p:sp>
+        <p:nvSpPr>
+          <p:cNvPr id="5" name="Espace réservé du numéro de diapositive 4"/>
+          <p:cNvSpPr>
+            <a:spLocks noGrp="1"/>
+          </p:cNvSpPr>
+          <p:nvPr>
+            <p:ph type="sldNum" sz="quarter" idx="12"/>
+          </p:nvPr>
+        </p:nvSpPr>
+        <p:spPr/>
+        <p:txBody>
+          <a:bodyPr/>
+          <a:lstStyle/>
+          <a:p>
+            <a:fld id="{B3C63893-BC38-4EBB-829D-DE1F1D825C70}" type="slidenum">
+              <a:rPr lang="fr-FR" b="1" smtClean="0">
+                <a:solidFill>
+                  <a:schemeClr val="bg1"/>
+                </a:solidFill>
+              </a:rPr>
+              <a:pPr/>
+              <a:t>50</a:t>
+            </a:fld>
+            <a:endParaRPr lang="fr-FR" b="1" dirty="0">
+              <a:solidFill>
+                <a:schemeClr val="bg1"/>
+              </a:solidFill>
+            </a:endParaRPr>
+          </a:p>
+        </p:txBody>
+      </p:sp>
+      <p:sp>
+        <p:nvSpPr>
+          <p:cNvPr id="6" name="Espace réservé du pied de page 5"/>
+          <p:cNvSpPr>
+            <a:spLocks noGrp="1"/>
+          </p:cNvSpPr>
+          <p:nvPr>
+            <p:ph type="ftr" sz="quarter" idx="11"/>
+          </p:nvPr>
+        </p:nvSpPr>
+        <p:spPr>
+          <a:xfrm>
+            <a:off x="1475656" y="4767262"/>
+            <a:ext cx="6264696" cy="376238"/>
+          </a:xfrm>
+        </p:spPr>
+        <p:txBody>
+          <a:bodyPr/>
+          <a:lstStyle/>
+          <a:p>
+            <a:r>
+              <a:rPr lang="fr-FR" b="1" smtClean="0">
+                <a:solidFill>
+                  <a:schemeClr val="bg1"/>
+                </a:solidFill>
+              </a:rPr>
+              <a:t>Gestion des emprunts de matériels - Alexis LAURENT | Suzy PAETA | Romain ROUFAST</a:t>
+            </a:r>
+            <a:endParaRPr lang="fr-FR" b="1" dirty="0">
+              <a:solidFill>
+                <a:schemeClr val="bg1"/>
+              </a:solidFill>
+            </a:endParaRPr>
+          </a:p>
+        </p:txBody>
+      </p:sp>
+      <p:sp>
+        <p:nvSpPr>
+          <p:cNvPr id="8" name="Titre 1"/>
+          <p:cNvSpPr txBox="1">
+            <a:spLocks/>
+          </p:cNvSpPr>
+          <p:nvPr/>
+        </p:nvSpPr>
+        <p:spPr>
+          <a:xfrm>
+            <a:off x="2717794" y="267494"/>
+            <a:ext cx="3708412" cy="857250"/>
+          </a:xfrm>
+          <a:prstGeom prst="rect">
+            <a:avLst/>
+          </a:prstGeom>
+        </p:spPr>
+        <p:txBody>
+          <a:bodyPr vert="horz" lIns="91440" tIns="45720" rIns="91440" bIns="45720" rtlCol="0" anchor="ctr">
+            <a:normAutofit/>
+          </a:bodyPr>
+          <a:lstStyle>
+            <a:lvl1pPr algn="ctr" defTabSz="914400" rtl="0" eaLnBrk="1" latinLnBrk="0" hangingPunct="1">
+              <a:spcBef>
+                <a:spcPct val="0"/>
+              </a:spcBef>
+              <a:buNone/>
+              <a:defRPr sz="4400" kern="1200">
+                <a:solidFill>
+                  <a:schemeClr val="tx1"/>
+                </a:solidFill>
+                <a:latin typeface="+mj-lt"/>
+                <a:ea typeface="+mj-ea"/>
+                <a:cs typeface="+mj-cs"/>
+              </a:defRPr>
+            </a:lvl1pPr>
+          </a:lstStyle>
+          <a:p>
+            <a:r>
+              <a:rPr lang="fr-FR" b="1" dirty="0" smtClean="0">
+                <a:solidFill>
+                  <a:srgbClr val="FFC000"/>
+                </a:solidFill>
+              </a:rPr>
+              <a:t>Conclusion</a:t>
+            </a:r>
+            <a:endParaRPr lang="fr-FR" b="1" dirty="0">
+              <a:solidFill>
+                <a:srgbClr val="FFC000"/>
+              </a:solidFill>
+            </a:endParaRPr>
+          </a:p>
+        </p:txBody>
+      </p:sp>
+    </p:spTree>
+  </p:cSld>
+  <p:clrMapOvr>
+    <a:masterClrMapping/>
+  </p:clrMapOvr>
+  <p:timing>
+    <p:tnLst>
+      <p:par>
+        <p:cTn id="1" dur="indefinite" restart="never" nodeType="tmRoot"/>
+      </p:par>
+    </p:tnLst>
+  </p:timing>
+</p:sld>
+</file>
+
 <file path=ppt/slides/slide6.xml><?xml version="1.0" encoding="utf-8"?>
 <p:sld xmlns:a="http://schemas.openxmlformats.org/drawingml/2006/main" xmlns:r="http://schemas.openxmlformats.org/officeDocument/2006/relationships" xmlns:p="http://schemas.openxmlformats.org/presentationml/2006/main">
   <p:cSld>
@@ -20102,29 +20854,8 @@
                   <a:srgbClr val="FFC000"/>
                 </a:solidFill>
               </a:rPr>
-              <a:t>Tri </a:t>
-            </a:r>
-            <a:r>
-              <a:rPr lang="fr-FR" dirty="0" smtClean="0">
-                <a:solidFill>
-                  <a:srgbClr val="FFC000"/>
-                </a:solidFill>
-              </a:rPr>
-              <a:t>en fonction des </a:t>
-            </a:r>
-            <a:r>
-              <a:rPr lang="fr-FR" dirty="0" smtClean="0">
-                <a:solidFill>
-                  <a:srgbClr val="FFC000"/>
-                </a:solidFill>
-              </a:rPr>
-              <a:t>priorités</a:t>
-            </a:r>
-            <a:endParaRPr lang="fr-FR" dirty="0" smtClean="0">
-              <a:solidFill>
-                <a:srgbClr val="FFC000"/>
-              </a:solidFill>
-            </a:endParaRPr>
+              <a:t>Tri en fonction des priorités</a:t>
+            </a:r>
           </a:p>
         </p:txBody>
       </p:sp>
@@ -20713,23 +21444,7 @@
                   <a:schemeClr val="bg1"/>
                 </a:solidFill>
               </a:rPr>
-              <a:t>Besoins </a:t>
-            </a:r>
-            <a:r>
-              <a:rPr lang="fr-FR" dirty="0" smtClean="0">
-                <a:solidFill>
-                  <a:schemeClr val="bg1"/>
-                </a:solidFill>
-              </a:rPr>
-              <a:t>secondaires (Responsables</a:t>
-            </a:r>
-            <a:r>
-              <a:rPr lang="fr-FR" dirty="0" smtClean="0">
-                <a:solidFill>
-                  <a:schemeClr val="bg1"/>
-                </a:solidFill>
-              </a:rPr>
-              <a:t>)</a:t>
+              <a:t>Besoins secondaires (Responsables)</a:t>
             </a:r>
             <a:endParaRPr lang="fr-FR" dirty="0">
               <a:solidFill>
@@ -20879,11 +21594,6 @@
               </a:rPr>
               <a:t>Tracer les emprunts</a:t>
             </a:r>
-            <a:endParaRPr lang="fr-FR" sz="2800" dirty="0">
-              <a:solidFill>
-                <a:srgbClr val="FFC000"/>
-              </a:solidFill>
-            </a:endParaRPr>
           </a:p>
         </p:txBody>
       </p:sp>
@@ -20958,7 +21668,7 @@
     </p:spTree>
     <p:extLst>
       <p:ext uri="{BB962C8B-B14F-4D97-AF65-F5344CB8AC3E}">
-        <p14:creationId xmlns:p14="http://schemas.microsoft.com/office/powerpoint/2010/main" val="945138771"/>
+        <p14:creationId xmlns="" xmlns:p14="http://schemas.microsoft.com/office/powerpoint/2010/main" val="945138771"/>
       </p:ext>
     </p:extLst>
   </p:cSld>

--- a/Livrables/D1.3 - DEF.pptx
+++ b/Livrables/D1.3 - DEF.pptx
@@ -153,6 +153,22 @@
       </a:defRPr>
     </a:lvl9pPr>
   </p:defaultTextStyle>
+  <p:extLst>
+    <p:ext uri="{EFAFB233-063F-42B5-8137-9DF3F51BA10A}">
+      <p15:sldGuideLst xmlns:p15="http://schemas.microsoft.com/office/powerpoint/2012/main">
+        <p15:guide id="1" orient="horz" pos="1620">
+          <p15:clr>
+            <a:srgbClr val="A4A3A4"/>
+          </p15:clr>
+        </p15:guide>
+        <p15:guide id="2" pos="2880">
+          <p15:clr>
+            <a:srgbClr val="A4A3A4"/>
+          </p15:clr>
+        </p15:guide>
+      </p15:sldGuideLst>
+    </p:ext>
+  </p:extLst>
 </p:presentation>
 </file>
 
@@ -308,11 +324,11 @@
         </c:dLbls>
         <c:gapWidth val="75"/>
         <c:overlap val="-25"/>
-        <c:axId val="41758720"/>
-        <c:axId val="41760256"/>
+        <c:axId val="207394192"/>
+        <c:axId val="207394752"/>
       </c:barChart>
       <c:catAx>
-        <c:axId val="41758720"/>
+        <c:axId val="207394192"/>
         <c:scaling>
           <c:orientation val="minMax"/>
         </c:scaling>
@@ -322,7 +338,7 @@
         <c:majorTickMark val="none"/>
         <c:minorTickMark val="none"/>
         <c:tickLblPos val="nextTo"/>
-        <c:crossAx val="41760256"/>
+        <c:crossAx val="207394752"/>
         <c:crosses val="autoZero"/>
         <c:auto val="1"/>
         <c:lblAlgn val="ctr"/>
@@ -330,7 +346,7 @@
         <c:noMultiLvlLbl val="0"/>
       </c:catAx>
       <c:valAx>
-        <c:axId val="41760256"/>
+        <c:axId val="207394752"/>
         <c:scaling>
           <c:orientation val="minMax"/>
         </c:scaling>
@@ -365,7 +381,7 @@
             <a:noFill/>
           </a:ln>
         </c:spPr>
-        <c:crossAx val="41758720"/>
+        <c:crossAx val="207394192"/>
         <c:crosses val="autoZero"/>
         <c:crossBetween val="between"/>
       </c:valAx>
@@ -537,11 +553,11 @@
         </c:dLbls>
         <c:gapWidth val="75"/>
         <c:overlap val="-25"/>
-        <c:axId val="71116288"/>
-        <c:axId val="71117824"/>
+        <c:axId val="207607376"/>
+        <c:axId val="207391952"/>
       </c:barChart>
       <c:catAx>
-        <c:axId val="71116288"/>
+        <c:axId val="207607376"/>
         <c:scaling>
           <c:orientation val="minMax"/>
         </c:scaling>
@@ -551,7 +567,7 @@
         <c:majorTickMark val="none"/>
         <c:minorTickMark val="none"/>
         <c:tickLblPos val="nextTo"/>
-        <c:crossAx val="71117824"/>
+        <c:crossAx val="207391952"/>
         <c:crosses val="autoZero"/>
         <c:auto val="1"/>
         <c:lblAlgn val="ctr"/>
@@ -559,7 +575,7 @@
         <c:noMultiLvlLbl val="0"/>
       </c:catAx>
       <c:valAx>
-        <c:axId val="71117824"/>
+        <c:axId val="207391952"/>
         <c:scaling>
           <c:orientation val="minMax"/>
         </c:scaling>
@@ -594,7 +610,7 @@
             <a:noFill/>
           </a:ln>
         </c:spPr>
-        <c:crossAx val="71116288"/>
+        <c:crossAx val="207607376"/>
         <c:crosses val="autoZero"/>
         <c:crossBetween val="between"/>
       </c:valAx>
@@ -754,11 +770,11 @@
         </c:dLbls>
         <c:gapWidth val="75"/>
         <c:overlap val="-25"/>
-        <c:axId val="74800128"/>
-        <c:axId val="74814208"/>
+        <c:axId val="227490080"/>
+        <c:axId val="227490640"/>
       </c:barChart>
       <c:catAx>
-        <c:axId val="74800128"/>
+        <c:axId val="227490080"/>
         <c:scaling>
           <c:orientation val="minMax"/>
         </c:scaling>
@@ -768,7 +784,7 @@
         <c:majorTickMark val="none"/>
         <c:minorTickMark val="none"/>
         <c:tickLblPos val="nextTo"/>
-        <c:crossAx val="74814208"/>
+        <c:crossAx val="227490640"/>
         <c:crosses val="autoZero"/>
         <c:auto val="1"/>
         <c:lblAlgn val="ctr"/>
@@ -776,7 +792,7 @@
         <c:noMultiLvlLbl val="0"/>
       </c:catAx>
       <c:valAx>
-        <c:axId val="74814208"/>
+        <c:axId val="227490640"/>
         <c:scaling>
           <c:orientation val="minMax"/>
         </c:scaling>
@@ -811,7 +827,7 @@
             <a:noFill/>
           </a:ln>
         </c:spPr>
-        <c:crossAx val="74800128"/>
+        <c:crossAx val="227490080"/>
         <c:crosses val="autoZero"/>
         <c:crossBetween val="between"/>
       </c:valAx>
@@ -983,11 +999,11 @@
         </c:dLbls>
         <c:gapWidth val="75"/>
         <c:overlap val="-25"/>
-        <c:axId val="41594880"/>
-        <c:axId val="41596416"/>
+        <c:axId val="227493440"/>
+        <c:axId val="227494000"/>
       </c:barChart>
       <c:catAx>
-        <c:axId val="41594880"/>
+        <c:axId val="227493440"/>
         <c:scaling>
           <c:orientation val="minMax"/>
         </c:scaling>
@@ -997,7 +1013,7 @@
         <c:majorTickMark val="none"/>
         <c:minorTickMark val="none"/>
         <c:tickLblPos val="nextTo"/>
-        <c:crossAx val="41596416"/>
+        <c:crossAx val="227494000"/>
         <c:crosses val="autoZero"/>
         <c:auto val="1"/>
         <c:lblAlgn val="ctr"/>
@@ -1005,7 +1021,7 @@
         <c:noMultiLvlLbl val="0"/>
       </c:catAx>
       <c:valAx>
-        <c:axId val="41596416"/>
+        <c:axId val="227494000"/>
         <c:scaling>
           <c:orientation val="minMax"/>
         </c:scaling>
@@ -1040,7 +1056,7 @@
             <a:noFill/>
           </a:ln>
         </c:spPr>
-        <c:crossAx val="41594880"/>
+        <c:crossAx val="227493440"/>
         <c:crosses val="autoZero"/>
         <c:crossBetween val="between"/>
       </c:valAx>
@@ -1200,11 +1216,11 @@
         </c:dLbls>
         <c:gapWidth val="75"/>
         <c:overlap val="-25"/>
-        <c:axId val="41645952"/>
-        <c:axId val="41647488"/>
+        <c:axId val="227768000"/>
+        <c:axId val="227768560"/>
       </c:barChart>
       <c:catAx>
-        <c:axId val="41645952"/>
+        <c:axId val="227768000"/>
         <c:scaling>
           <c:orientation val="minMax"/>
         </c:scaling>
@@ -1214,7 +1230,7 @@
         <c:majorTickMark val="none"/>
         <c:minorTickMark val="none"/>
         <c:tickLblPos val="nextTo"/>
-        <c:crossAx val="41647488"/>
+        <c:crossAx val="227768560"/>
         <c:crosses val="autoZero"/>
         <c:auto val="1"/>
         <c:lblAlgn val="ctr"/>
@@ -1222,7 +1238,7 @@
         <c:noMultiLvlLbl val="0"/>
       </c:catAx>
       <c:valAx>
-        <c:axId val="41647488"/>
+        <c:axId val="227768560"/>
         <c:scaling>
           <c:orientation val="minMax"/>
         </c:scaling>
@@ -1257,7 +1273,7 @@
             <a:noFill/>
           </a:ln>
         </c:spPr>
-        <c:crossAx val="41645952"/>
+        <c:crossAx val="227768000"/>
         <c:crosses val="autoZero"/>
         <c:crossBetween val="between"/>
       </c:valAx>
@@ -1656,13 +1672,12 @@
           <c:showBubbleSize val="0"/>
         </c:dLbls>
         <c:hiLowLines/>
-        <c:marker val="1"/>
         <c:smooth val="0"/>
-        <c:axId val="41493632"/>
-        <c:axId val="41495552"/>
+        <c:axId val="227771360"/>
+        <c:axId val="227771920"/>
       </c:lineChart>
       <c:catAx>
-        <c:axId val="41493632"/>
+        <c:axId val="227771360"/>
         <c:scaling>
           <c:orientation val="minMax"/>
         </c:scaling>
@@ -1691,7 +1706,7 @@
         <c:majorTickMark val="none"/>
         <c:minorTickMark val="none"/>
         <c:tickLblPos val="nextTo"/>
-        <c:crossAx val="41495552"/>
+        <c:crossAx val="227771920"/>
         <c:crosses val="autoZero"/>
         <c:auto val="1"/>
         <c:lblAlgn val="ctr"/>
@@ -1699,7 +1714,7 @@
         <c:noMultiLvlLbl val="0"/>
       </c:catAx>
       <c:valAx>
-        <c:axId val="41495552"/>
+        <c:axId val="227771920"/>
         <c:scaling>
           <c:orientation val="minMax"/>
         </c:scaling>
@@ -1729,7 +1744,7 @@
         <c:majorTickMark val="out"/>
         <c:minorTickMark val="none"/>
         <c:tickLblPos val="nextTo"/>
-        <c:crossAx val="41493632"/>
+        <c:crossAx val="227771360"/>
         <c:crosses val="autoZero"/>
         <c:crossBetween val="between"/>
       </c:valAx>
@@ -2794,6 +2809,11 @@
         </p:txBody>
       </p:sp>
     </p:spTree>
+    <p:extLst>
+      <p:ext uri="{BB962C8B-B14F-4D97-AF65-F5344CB8AC3E}">
+        <p14:creationId xmlns:p14="http://schemas.microsoft.com/office/powerpoint/2010/main" val="135559195"/>
+      </p:ext>
+    </p:extLst>
   </p:cSld>
   <p:clrMapOvr>
     <a:masterClrMapping/>
@@ -2881,6 +2901,11 @@
         </p:txBody>
       </p:sp>
     </p:spTree>
+    <p:extLst>
+      <p:ext uri="{BB962C8B-B14F-4D97-AF65-F5344CB8AC3E}">
+        <p14:creationId xmlns:p14="http://schemas.microsoft.com/office/powerpoint/2010/main" val="940003575"/>
+      </p:ext>
+    </p:extLst>
   </p:cSld>
   <p:clrMapOvr>
     <a:masterClrMapping/>
@@ -3302,6 +3327,11 @@
         </p:txBody>
       </p:sp>
     </p:spTree>
+    <p:extLst>
+      <p:ext uri="{BB962C8B-B14F-4D97-AF65-F5344CB8AC3E}">
+        <p14:creationId xmlns:p14="http://schemas.microsoft.com/office/powerpoint/2010/main" val="3137177058"/>
+      </p:ext>
+    </p:extLst>
   </p:cSld>
   <p:clrMapOvr>
     <a:masterClrMapping/>
@@ -3389,6 +3419,11 @@
         </p:txBody>
       </p:sp>
     </p:spTree>
+    <p:extLst>
+      <p:ext uri="{BB962C8B-B14F-4D97-AF65-F5344CB8AC3E}">
+        <p14:creationId xmlns:p14="http://schemas.microsoft.com/office/powerpoint/2010/main" val="2143523963"/>
+      </p:ext>
+    </p:extLst>
   </p:cSld>
   <p:clrMapOvr>
     <a:masterClrMapping/>
@@ -3504,6 +3539,11 @@
         </p:txBody>
       </p:sp>
     </p:spTree>
+    <p:extLst>
+      <p:ext uri="{BB962C8B-B14F-4D97-AF65-F5344CB8AC3E}">
+        <p14:creationId xmlns:p14="http://schemas.microsoft.com/office/powerpoint/2010/main" val="2182583449"/>
+      </p:ext>
+    </p:extLst>
   </p:cSld>
   <p:clrMapOvr>
     <a:masterClrMapping/>
@@ -4714,6 +4754,11 @@
         </p:txBody>
       </p:sp>
     </p:spTree>
+    <p:extLst>
+      <p:ext uri="{BB962C8B-B14F-4D97-AF65-F5344CB8AC3E}">
+        <p14:creationId xmlns:p14="http://schemas.microsoft.com/office/powerpoint/2010/main" val="1793242086"/>
+      </p:ext>
+    </p:extLst>
   </p:cSld>
   <p:clrMapOvr>
     <a:masterClrMapping/>
@@ -4801,6 +4846,11 @@
         </p:txBody>
       </p:sp>
     </p:spTree>
+    <p:extLst>
+      <p:ext uri="{BB962C8B-B14F-4D97-AF65-F5344CB8AC3E}">
+        <p14:creationId xmlns:p14="http://schemas.microsoft.com/office/powerpoint/2010/main" val="700956103"/>
+      </p:ext>
+    </p:extLst>
   </p:cSld>
   <p:clrMapOvr>
     <a:masterClrMapping/>
@@ -4854,13 +4904,15 @@
           <a:p>
             <a:r>
               <a:rPr lang="fr-FR" dirty="0" smtClean="0"/>
-              <a:t>Nombre </a:t>
-            </a:r>
-            <a:r>
-              <a:rPr lang="fr-FR" smtClean="0"/>
-              <a:t>de lots</a:t>
-            </a:r>
-            <a:endParaRPr lang="fr-FR"/>
+              <a:t>Nombre de </a:t>
+            </a:r>
+            <a:r>
+              <a:rPr lang="fr-FR" dirty="0" smtClean="0"/>
+              <a:t>lots</a:t>
+            </a:r>
+          </a:p>
+          <a:p>
+            <a:endParaRPr lang="fr-FR" dirty="0"/>
           </a:p>
         </p:txBody>
       </p:sp>
@@ -4981,6 +5033,11 @@
         </p:txBody>
       </p:sp>
     </p:spTree>
+    <p:extLst>
+      <p:ext uri="{BB962C8B-B14F-4D97-AF65-F5344CB8AC3E}">
+        <p14:creationId xmlns:p14="http://schemas.microsoft.com/office/powerpoint/2010/main" val="588355747"/>
+      </p:ext>
+    </p:extLst>
   </p:cSld>
   <p:clrMapOvr>
     <a:masterClrMapping/>
@@ -5095,6 +5152,11 @@
         </p:txBody>
       </p:sp>
     </p:spTree>
+    <p:extLst>
+      <p:ext uri="{BB962C8B-B14F-4D97-AF65-F5344CB8AC3E}">
+        <p14:creationId xmlns:p14="http://schemas.microsoft.com/office/powerpoint/2010/main" val="1520206016"/>
+      </p:ext>
+    </p:extLst>
   </p:cSld>
   <p:clrMapOvr>
     <a:masterClrMapping/>
@@ -5301,6 +5363,11 @@
         </p:txBody>
       </p:sp>
     </p:spTree>
+    <p:extLst>
+      <p:ext uri="{BB962C8B-B14F-4D97-AF65-F5344CB8AC3E}">
+        <p14:creationId xmlns:p14="http://schemas.microsoft.com/office/powerpoint/2010/main" val="138416252"/>
+      </p:ext>
+    </p:extLst>
   </p:cSld>
   <p:clrMapOvr>
     <a:masterClrMapping/>
@@ -5408,6 +5475,11 @@
         </p:txBody>
       </p:sp>
     </p:spTree>
+    <p:extLst>
+      <p:ext uri="{BB962C8B-B14F-4D97-AF65-F5344CB8AC3E}">
+        <p14:creationId xmlns:p14="http://schemas.microsoft.com/office/powerpoint/2010/main" val="2096551515"/>
+      </p:ext>
+    </p:extLst>
   </p:cSld>
   <p:clrMapOvr>
     <a:masterClrMapping/>
@@ -9025,23 +9097,28 @@
                   <a:srgbClr val="FFC000"/>
                 </a:solidFill>
               </a:rPr>
-              <a:t>Gérer </a:t>
-            </a:r>
+              <a:t>Gérer les demandes</a:t>
+            </a:r>
+          </a:p>
+          <a:p>
+            <a:pPr lvl="1"/>
             <a:r>
               <a:rPr lang="fr-FR" dirty="0" smtClean="0">
                 <a:solidFill>
                   <a:srgbClr val="FFC000"/>
                 </a:solidFill>
               </a:rPr>
-              <a:t>les </a:t>
-            </a:r>
+              <a:t>Plusieurs états</a:t>
+            </a:r>
+          </a:p>
+          <a:p>
             <a:r>
               <a:rPr lang="fr-FR" dirty="0" smtClean="0">
                 <a:solidFill>
                   <a:srgbClr val="FFC000"/>
                 </a:solidFill>
               </a:rPr>
-              <a:t>demandes</a:t>
+              <a:t>Gérer l’état du stock</a:t>
             </a:r>
           </a:p>
           <a:p>
@@ -9052,58 +9129,19 @@
                   <a:srgbClr val="FFC000"/>
                 </a:solidFill>
               </a:rPr>
-              <a:t>Plusieurs états</a:t>
-            </a:r>
-            <a:endParaRPr lang="fr-FR" dirty="0" smtClean="0">
-              <a:solidFill>
-                <a:srgbClr val="FFC000"/>
-              </a:solidFill>
-            </a:endParaRPr>
-          </a:p>
-          <a:p>
+              <a:t>Visualiser le stock</a:t>
+            </a:r>
+          </a:p>
+          <a:p>
+            <a:pPr lvl="1"/>
             <a:r>
               <a:rPr lang="fr-FR" dirty="0" smtClean="0">
                 <a:solidFill>
                   <a:srgbClr val="FFC000"/>
                 </a:solidFill>
               </a:rPr>
-              <a:t>Gérer l’état du </a:t>
-            </a:r>
-            <a:r>
-              <a:rPr lang="fr-FR" dirty="0" smtClean="0">
-                <a:solidFill>
-                  <a:srgbClr val="FFC000"/>
-                </a:solidFill>
-              </a:rPr>
-              <a:t>stock</a:t>
-            </a:r>
-          </a:p>
-          <a:p>
-            <a:pPr lvl="1"/>
-            <a:r>
-              <a:rPr lang="fr-FR" dirty="0" smtClean="0">
-                <a:solidFill>
-                  <a:srgbClr val="FFC000"/>
-                </a:solidFill>
-              </a:rPr>
-              <a:t>Visualiser le stock</a:t>
-            </a:r>
-          </a:p>
-          <a:p>
-            <a:pPr lvl="1"/>
-            <a:r>
-              <a:rPr lang="fr-FR" dirty="0" smtClean="0">
-                <a:solidFill>
-                  <a:srgbClr val="FFC000"/>
-                </a:solidFill>
-              </a:rPr>
               <a:t>Editer le stock </a:t>
             </a:r>
-            <a:endParaRPr lang="fr-FR" dirty="0" smtClean="0">
-              <a:solidFill>
-                <a:srgbClr val="FFC000"/>
-              </a:solidFill>
-            </a:endParaRPr>
           </a:p>
           <a:p>
             <a:pPr>
@@ -9382,31 +9420,18 @@
                   <a:srgbClr val="FFC000"/>
                 </a:solidFill>
               </a:rPr>
-              <a:t>Connaître l’état du </a:t>
-            </a:r>
+              <a:t>Connaître l’état du stock</a:t>
+            </a:r>
+          </a:p>
+          <a:p>
             <a:r>
               <a:rPr lang="fr-FR" dirty="0" smtClean="0">
                 <a:solidFill>
                   <a:srgbClr val="FFC000"/>
                 </a:solidFill>
               </a:rPr>
-              <a:t>stock</a:t>
-            </a:r>
-          </a:p>
-          <a:p>
-            <a:r>
-              <a:rPr lang="fr-FR" dirty="0" smtClean="0">
-                <a:solidFill>
-                  <a:srgbClr val="FFC000"/>
-                </a:solidFill>
-              </a:rPr>
               <a:t>Connaître l’état des demandes</a:t>
             </a:r>
-            <a:endParaRPr lang="fr-FR" dirty="0" smtClean="0">
-              <a:solidFill>
-                <a:srgbClr val="FFC000"/>
-              </a:solidFill>
-            </a:endParaRPr>
           </a:p>
           <a:p>
             <a:pPr>
@@ -9886,7 +9911,27 @@
                   <a:srgbClr val="FFC000"/>
                 </a:solidFill>
               </a:rPr>
-              <a:t>Emprunter pour un usage </a:t>
+              <a:t>Emprunter pour un usage personnel</a:t>
+            </a:r>
+          </a:p>
+          <a:p>
+            <a:r>
+              <a:rPr lang="fr-FR" dirty="0">
+                <a:solidFill>
+                  <a:srgbClr val="FFC000"/>
+                </a:solidFill>
+              </a:rPr>
+              <a:t>Emprunter un matériel pour un cours</a:t>
+            </a:r>
+          </a:p>
+          <a:p>
+            <a:r>
+              <a:rPr lang="fr-FR" dirty="0">
+                <a:solidFill>
+                  <a:srgbClr val="FFC000"/>
+                </a:solidFill>
+              </a:rPr>
+              <a:t>Faire un emprunt </a:t>
             </a:r>
             <a:r>
               <a:rPr lang="fr-FR" dirty="0" smtClean="0">
@@ -9894,68 +9939,27 @@
                   <a:srgbClr val="FFC000"/>
                 </a:solidFill>
               </a:rPr>
-              <a:t>personnel</a:t>
-            </a:r>
-          </a:p>
-          <a:p>
-            <a:r>
-              <a:rPr lang="fr-FR" dirty="0">
+              <a:t>répété</a:t>
+            </a:r>
+          </a:p>
+          <a:p>
+            <a:r>
+              <a:rPr lang="fr-FR" dirty="0" smtClean="0">
                 <a:solidFill>
                   <a:srgbClr val="FFC000"/>
                 </a:solidFill>
               </a:rPr>
-              <a:t>Emprunter un matériel pour un cours</a:t>
-            </a:r>
-          </a:p>
-          <a:p>
-            <a:r>
-              <a:rPr lang="fr-FR" dirty="0">
+              <a:t>Connaître les différents responsables d’un matériel et leurs disponibilités</a:t>
+            </a:r>
+          </a:p>
+          <a:p>
+            <a:r>
+              <a:rPr lang="fr-FR" dirty="0" smtClean="0">
                 <a:solidFill>
                   <a:srgbClr val="FFC000"/>
                 </a:solidFill>
               </a:rPr>
-              <a:t>Faire un emprunt </a:t>
-            </a:r>
-            <a:r>
-              <a:rPr lang="fr-FR" dirty="0" smtClean="0">
-                <a:solidFill>
-                  <a:srgbClr val="FFC000"/>
-                </a:solidFill>
-              </a:rPr>
-              <a:t>répété</a:t>
-            </a:r>
-            <a:endParaRPr lang="fr-FR" dirty="0" smtClean="0">
-              <a:solidFill>
-                <a:srgbClr val="FFC000"/>
-              </a:solidFill>
-            </a:endParaRPr>
-          </a:p>
-          <a:p>
-            <a:r>
-              <a:rPr lang="fr-FR" dirty="0" smtClean="0">
-                <a:solidFill>
-                  <a:srgbClr val="FFC000"/>
-                </a:solidFill>
-              </a:rPr>
-              <a:t>Connaître les différents responsables d’un matériel et leurs disponibilités</a:t>
-            </a:r>
-          </a:p>
-          <a:p>
-            <a:r>
-              <a:rPr lang="fr-FR" dirty="0" smtClean="0">
-                <a:solidFill>
-                  <a:srgbClr val="FFC000"/>
-                </a:solidFill>
-              </a:rPr>
-              <a:t>Notifier </a:t>
-            </a:r>
-            <a:r>
-              <a:rPr lang="fr-FR" dirty="0" smtClean="0">
-                <a:solidFill>
-                  <a:srgbClr val="FFC000"/>
-                </a:solidFill>
-              </a:rPr>
-              <a:t>la </a:t>
+              <a:t>Notifier la </a:t>
             </a:r>
             <a:r>
               <a:rPr lang="fr-FR" dirty="0">
@@ -10498,15 +10502,18 @@
                   <a:srgbClr val="FFC000"/>
                 </a:solidFill>
               </a:rPr>
-              <a:t>Faire une demande </a:t>
-            </a:r>
+              <a:t>Faire une demande d’emprunt</a:t>
+            </a:r>
+          </a:p>
+          <a:p>
+            <a:pPr lvl="1"/>
             <a:r>
               <a:rPr lang="fr-FR" dirty="0" smtClean="0">
                 <a:solidFill>
                   <a:srgbClr val="FFC000"/>
                 </a:solidFill>
               </a:rPr>
-              <a:t>d’emprunt</a:t>
+              <a:t>Choix du matériel</a:t>
             </a:r>
           </a:p>
           <a:p>
@@ -10517,7 +10524,17 @@
                   <a:srgbClr val="FFC000"/>
                 </a:solidFill>
               </a:rPr>
-              <a:t>Choix du matériel</a:t>
+              <a:t>Choix de la période</a:t>
+            </a:r>
+          </a:p>
+          <a:p>
+            <a:r>
+              <a:rPr lang="fr-FR" dirty="0" smtClean="0">
+                <a:solidFill>
+                  <a:srgbClr val="FFC000"/>
+                </a:solidFill>
+              </a:rPr>
+              <a:t>Gérer les demandes</a:t>
             </a:r>
           </a:p>
           <a:p>
@@ -10528,58 +10545,19 @@
                   <a:srgbClr val="FFC000"/>
                 </a:solidFill>
               </a:rPr>
-              <a:t>Choix de la période</a:t>
-            </a:r>
-            <a:endParaRPr lang="fr-FR" dirty="0" smtClean="0">
-              <a:solidFill>
-                <a:srgbClr val="FFC000"/>
-              </a:solidFill>
-            </a:endParaRPr>
-          </a:p>
-          <a:p>
+              <a:t>Annuler</a:t>
+            </a:r>
+          </a:p>
+          <a:p>
+            <a:pPr lvl="1"/>
             <a:r>
               <a:rPr lang="fr-FR" dirty="0" smtClean="0">
                 <a:solidFill>
                   <a:srgbClr val="FFC000"/>
                 </a:solidFill>
               </a:rPr>
-              <a:t>Gérer les </a:t>
-            </a:r>
-            <a:r>
-              <a:rPr lang="fr-FR" dirty="0" smtClean="0">
-                <a:solidFill>
-                  <a:srgbClr val="FFC000"/>
-                </a:solidFill>
-              </a:rPr>
-              <a:t>demandes</a:t>
-            </a:r>
-          </a:p>
-          <a:p>
-            <a:pPr lvl="1"/>
-            <a:r>
-              <a:rPr lang="fr-FR" dirty="0" smtClean="0">
-                <a:solidFill>
-                  <a:srgbClr val="FFC000"/>
-                </a:solidFill>
-              </a:rPr>
-              <a:t>Annuler</a:t>
-            </a:r>
-          </a:p>
-          <a:p>
-            <a:pPr lvl="1"/>
-            <a:r>
-              <a:rPr lang="fr-FR" dirty="0" smtClean="0">
-                <a:solidFill>
-                  <a:srgbClr val="FFC000"/>
-                </a:solidFill>
-              </a:rPr>
               <a:t>Connaître son état</a:t>
             </a:r>
-            <a:endParaRPr lang="fr-FR" dirty="0" smtClean="0">
-              <a:solidFill>
-                <a:srgbClr val="FFC000"/>
-              </a:solidFill>
-            </a:endParaRPr>
           </a:p>
           <a:p>
             <a:pPr>
@@ -20599,15 +20577,7 @@
                   <a:srgbClr val="FFC000"/>
                 </a:solidFill>
               </a:rPr>
-              <a:t>Analyse </a:t>
-            </a:r>
-            <a:r>
-              <a:rPr lang="fr-FR" sz="2800" dirty="0" smtClean="0">
-                <a:solidFill>
-                  <a:srgbClr val="FFC000"/>
-                </a:solidFill>
-              </a:rPr>
-              <a:t>Utilisateurs</a:t>
+              <a:t>Analyse Utilisateurs</a:t>
             </a:r>
           </a:p>
           <a:p>
@@ -21749,7 +21719,7 @@
         <p:spPr>
           <a:xfrm>
             <a:off x="1043608" y="1779662"/>
-            <a:ext cx="3816424" cy="2664296"/>
+            <a:ext cx="3816424" cy="1872208"/>
           </a:xfrm>
         </p:spPr>
         <p:txBody>
@@ -21793,22 +21763,21 @@
                   <a:srgbClr val="FFC000"/>
                 </a:solidFill>
               </a:rPr>
-              <a:t>Gérer l’état du stock</a:t>
-            </a:r>
-          </a:p>
-          <a:p>
-            <a:pPr marL="0" indent="0">
-              <a:buNone/>
-            </a:pPr>
-            <a:r>
-              <a:rPr lang="fr-FR" b="1" dirty="0" smtClean="0">
+              <a:t>Gérer l’état du </a:t>
+            </a:r>
+            <a:r>
+              <a:rPr lang="fr-FR" dirty="0" smtClean="0">
                 <a:solidFill>
                   <a:srgbClr val="FFC000"/>
                 </a:solidFill>
               </a:rPr>
-              <a:t>21%-40% de risques</a:t>
-            </a:r>
-            <a:endParaRPr lang="fr-FR" b="1" dirty="0"/>
+              <a:t>stock</a:t>
+            </a:r>
+            <a:endParaRPr lang="fr-FR" dirty="0" smtClean="0">
+              <a:solidFill>
+                <a:srgbClr val="FFC000"/>
+              </a:solidFill>
+            </a:endParaRPr>
           </a:p>
         </p:txBody>
       </p:sp>
@@ -21834,41 +21803,88 @@
           </a:graphicData>
         </a:graphic>
       </p:graphicFrame>
-      <p:cxnSp>
-        <p:nvCxnSpPr>
-          <p:cNvPr id="8" name="Connecteur droit 7"/>
-          <p:cNvCxnSpPr/>
+      <p:sp>
+        <p:nvSpPr>
+          <p:cNvPr id="3" name="Rectangle 2"/>
+          <p:cNvSpPr/>
           <p:nvPr/>
-        </p:nvCxnSpPr>
+        </p:nvSpPr>
         <p:spPr>
           <a:xfrm>
-            <a:off x="827584" y="3538298"/>
-            <a:ext cx="3960440" cy="0"/>
-          </a:xfrm>
-          <a:prstGeom prst="line">
+            <a:off x="4366854" y="4011910"/>
+            <a:ext cx="2725426" cy="461665"/>
+          </a:xfrm>
+          <a:prstGeom prst="rect">
             <a:avLst/>
           </a:prstGeom>
-          <a:ln>
-            <a:solidFill>
-              <a:srgbClr val="FFC000"/>
-            </a:solidFill>
-          </a:ln>
-        </p:spPr>
-        <p:style>
-          <a:lnRef idx="1">
-            <a:schemeClr val="accent6"/>
-          </a:lnRef>
-          <a:fillRef idx="0">
-            <a:schemeClr val="accent6"/>
-          </a:fillRef>
-          <a:effectRef idx="0">
-            <a:schemeClr val="accent6"/>
-          </a:effectRef>
-          <a:fontRef idx="minor">
-            <a:schemeClr val="tx1"/>
-          </a:fontRef>
-        </p:style>
-      </p:cxnSp>
+        </p:spPr>
+        <p:txBody>
+          <a:bodyPr wrap="none">
+            <a:spAutoFit/>
+          </a:bodyPr>
+          <a:lstStyle/>
+          <a:p>
+            <a:r>
+              <a:rPr lang="fr-FR" sz="2400" b="1" dirty="0">
+                <a:solidFill>
+                  <a:srgbClr val="FFC000"/>
+                </a:solidFill>
+              </a:rPr>
+              <a:t>21%-40% de risques</a:t>
+            </a:r>
+            <a:endParaRPr lang="fr-FR" sz="2400" b="1" dirty="0"/>
+          </a:p>
+        </p:txBody>
+      </p:sp>
+      <p:sp>
+        <p:nvSpPr>
+          <p:cNvPr id="12" name="Rectangle 11"/>
+          <p:cNvSpPr/>
+          <p:nvPr/>
+        </p:nvSpPr>
+        <p:spPr>
+          <a:xfrm>
+            <a:off x="1043608" y="4083918"/>
+            <a:ext cx="3433440" cy="369332"/>
+          </a:xfrm>
+          <a:prstGeom prst="rect">
+            <a:avLst/>
+          </a:prstGeom>
+        </p:spPr>
+        <p:txBody>
+          <a:bodyPr wrap="none">
+            <a:spAutoFit/>
+          </a:bodyPr>
+          <a:lstStyle/>
+          <a:p>
+            <a:r>
+              <a:rPr lang="fr-FR" b="1" dirty="0" smtClean="0">
+                <a:solidFill>
+                  <a:srgbClr val="FFC000"/>
+                </a:solidFill>
+              </a:rPr>
+              <a:t>Retard sur implémentation (</a:t>
+            </a:r>
+            <a:r>
+              <a:rPr lang="fr-FR" b="1" dirty="0" err="1" smtClean="0">
+                <a:solidFill>
+                  <a:srgbClr val="FFC000"/>
+                </a:solidFill>
+              </a:rPr>
+              <a:t>DoW</a:t>
+            </a:r>
+            <a:r>
+              <a:rPr lang="fr-FR" b="1" dirty="0" smtClean="0">
+                <a:solidFill>
+                  <a:srgbClr val="FFC000"/>
+                </a:solidFill>
+              </a:rPr>
+              <a:t>)</a:t>
+            </a:r>
+            <a:endParaRPr lang="fr-FR" b="1" dirty="0"/>
+          </a:p>
+        </p:txBody>
+      </p:sp>
     </p:spTree>
     <p:extLst>
       <p:ext uri="{BB962C8B-B14F-4D97-AF65-F5344CB8AC3E}">
@@ -22817,8 +22833,8 @@
         </p:nvSpPr>
         <p:spPr>
           <a:xfrm>
-            <a:off x="457200" y="1563638"/>
-            <a:ext cx="8229600" cy="2822029"/>
+            <a:off x="683568" y="1400241"/>
+            <a:ext cx="8136904" cy="3210839"/>
           </a:xfrm>
         </p:spPr>
         <p:txBody>
@@ -22827,8 +22843,14 @@
           </a:bodyPr>
           <a:lstStyle/>
           <a:p>
-            <a:r>
-              <a:rPr lang="fr-FR" sz="4200" dirty="0" smtClean="0">
+            <a:pPr marL="0" indent="0">
+              <a:lnSpc>
+                <a:spcPct val="120000"/>
+              </a:lnSpc>
+              <a:buNone/>
+            </a:pPr>
+            <a:r>
+              <a:rPr lang="fr-FR" sz="4200" b="1" dirty="0" smtClean="0">
                 <a:solidFill>
                   <a:srgbClr val="FFC000"/>
                 </a:solidFill>
@@ -22837,8 +22859,14 @@
             </a:r>
           </a:p>
           <a:p>
-            <a:r>
-              <a:rPr lang="fr-FR" sz="4200" dirty="0" smtClean="0">
+            <a:pPr marL="0" indent="0">
+              <a:lnSpc>
+                <a:spcPct val="120000"/>
+              </a:lnSpc>
+              <a:buNone/>
+            </a:pPr>
+            <a:r>
+              <a:rPr lang="fr-FR" sz="4200" b="1" dirty="0" smtClean="0">
                 <a:solidFill>
                   <a:srgbClr val="FFC000"/>
                 </a:solidFill>
@@ -22846,7 +22874,7 @@
               <a:t>Faire des tests utilisateurs sur la 1</a:t>
             </a:r>
             <a:r>
-              <a:rPr lang="fr-FR" sz="4200" baseline="30000" dirty="0" smtClean="0">
+              <a:rPr lang="fr-FR" sz="4200" b="1" baseline="30000" dirty="0" smtClean="0">
                 <a:solidFill>
                   <a:srgbClr val="FFC000"/>
                 </a:solidFill>
@@ -22854,47 +22882,108 @@
               <a:t>ère</a:t>
             </a:r>
             <a:r>
-              <a:rPr lang="fr-FR" sz="4200" dirty="0" smtClean="0">
+              <a:rPr lang="fr-FR" sz="4200" b="1" dirty="0" smtClean="0">
                 <a:solidFill>
                   <a:srgbClr val="FFC000"/>
                 </a:solidFill>
               </a:rPr>
-              <a:t> version fonctionnelle</a:t>
-            </a:r>
-          </a:p>
-          <a:p>
-            <a:r>
-              <a:rPr lang="fr-FR" sz="4200" dirty="0" smtClean="0">
+              <a:t> version </a:t>
+            </a:r>
+            <a:r>
+              <a:rPr lang="fr-FR" sz="4200" b="1" dirty="0" smtClean="0">
                 <a:solidFill>
                   <a:srgbClr val="FFC000"/>
                 </a:solidFill>
               </a:rPr>
+              <a:t>fonctionnelle</a:t>
+            </a:r>
+          </a:p>
+          <a:p>
+            <a:pPr marL="0" indent="0">
+              <a:lnSpc>
+                <a:spcPct val="120000"/>
+              </a:lnSpc>
+              <a:buNone/>
+            </a:pPr>
+            <a:r>
+              <a:rPr lang="fr-FR" sz="4200" b="1" dirty="0">
+                <a:solidFill>
+                  <a:srgbClr val="FFC000"/>
+                </a:solidFill>
+              </a:rPr>
+              <a:t>Responsive design </a:t>
+            </a:r>
+            <a:r>
+              <a:rPr lang="fr-FR" sz="4200" b="1" dirty="0" smtClean="0">
+                <a:solidFill>
+                  <a:srgbClr val="FFC000"/>
+                </a:solidFill>
+              </a:rPr>
+              <a:t>amélioré</a:t>
+            </a:r>
+          </a:p>
+          <a:p>
+            <a:pPr marL="0" indent="0">
+              <a:lnSpc>
+                <a:spcPct val="120000"/>
+              </a:lnSpc>
+              <a:buNone/>
+            </a:pPr>
+            <a:endParaRPr lang="fr-FR" sz="4200" b="1" dirty="0" smtClean="0">
+              <a:solidFill>
+                <a:srgbClr val="FFC000"/>
+              </a:solidFill>
+            </a:endParaRPr>
+          </a:p>
+          <a:p>
+            <a:pPr marL="0" indent="0">
+              <a:lnSpc>
+                <a:spcPct val="120000"/>
+              </a:lnSpc>
+              <a:buNone/>
+            </a:pPr>
+            <a:r>
+              <a:rPr lang="fr-FR" dirty="0" smtClean="0">
+                <a:solidFill>
+                  <a:srgbClr val="FFC000"/>
+                </a:solidFill>
+              </a:rPr>
               <a:t>Faire une deuxième itération intégrant les remarques des utilisateurs</a:t>
             </a:r>
           </a:p>
           <a:p>
-            <a:r>
-              <a:rPr lang="fr-FR" sz="4200" dirty="0" smtClean="0">
+            <a:pPr marL="0" indent="0">
+              <a:lnSpc>
+                <a:spcPct val="120000"/>
+              </a:lnSpc>
+              <a:buNone/>
+            </a:pPr>
+            <a:r>
+              <a:rPr lang="fr-FR" dirty="0" smtClean="0">
                 <a:solidFill>
                   <a:srgbClr val="FFC000"/>
                 </a:solidFill>
               </a:rPr>
-              <a:t>Responsive design amélioré</a:t>
-            </a:r>
-          </a:p>
-          <a:p>
-            <a:r>
-              <a:rPr lang="fr-FR" sz="4200" dirty="0" smtClean="0">
+              <a:t>Automatisation </a:t>
+            </a:r>
+            <a:r>
+              <a:rPr lang="fr-FR" dirty="0" smtClean="0">
                 <a:solidFill>
                   <a:srgbClr val="FFC000"/>
                 </a:solidFill>
               </a:rPr>
-              <a:t>Automatisation des tests fonctionnels</a:t>
-            </a:r>
-          </a:p>
-          <a:p>
-            <a:r>
-              <a:rPr lang="fr-FR" sz="4200" dirty="0" smtClean="0">
+              <a:t>des tests fonctionnels</a:t>
+            </a:r>
+          </a:p>
+          <a:p>
+            <a:pPr marL="0" indent="0">
+              <a:lnSpc>
+                <a:spcPct val="120000"/>
+              </a:lnSpc>
+              <a:buNone/>
+            </a:pPr>
+            <a:r>
+              <a:rPr lang="fr-FR" dirty="0" smtClean="0">
                 <a:solidFill>
                   <a:srgbClr val="FFC000"/>
                 </a:solidFill>
@@ -23050,13 +23139,13 @@
         </p:nvSpPr>
         <p:spPr>
           <a:xfrm>
-            <a:off x="1870407" y="987574"/>
-            <a:ext cx="5403186" cy="3394472"/>
+            <a:off x="1565021" y="1265510"/>
+            <a:ext cx="5959308" cy="3394472"/>
           </a:xfrm>
         </p:spPr>
         <p:txBody>
           <a:bodyPr>
-            <a:normAutofit lnSpcReduction="10000"/>
+            <a:normAutofit/>
           </a:bodyPr>
           <a:lstStyle/>
           <a:p>
@@ -23090,20 +23179,15 @@
                   <a:srgbClr val="FFC000"/>
                 </a:solidFill>
               </a:rPr>
-              <a:t>Démarche centrée utilisateurs</a:t>
-            </a:r>
-          </a:p>
-          <a:p>
-            <a:pPr marL="457200" lvl="1" indent="0" algn="ctr">
-              <a:buNone/>
-            </a:pPr>
+              <a:t>Démarche centrée </a:t>
+            </a:r>
             <a:r>
               <a:rPr lang="fr-FR" dirty="0" smtClean="0">
                 <a:solidFill>
                   <a:srgbClr val="FFC000"/>
                 </a:solidFill>
               </a:rPr>
-              <a:t>JIRA</a:t>
+              <a:t>utilisateurs</a:t>
             </a:r>
             <a:endParaRPr lang="fr-FR" dirty="0">
               <a:solidFill>
@@ -23218,8 +23302,8 @@
         </p:nvSpPr>
         <p:spPr>
           <a:xfrm>
-            <a:off x="2717794" y="267494"/>
-            <a:ext cx="3708412" cy="857250"/>
+            <a:off x="3347864" y="644277"/>
+            <a:ext cx="2862318" cy="857250"/>
           </a:xfrm>
           <a:prstGeom prst="rect">
             <a:avLst/>
@@ -23515,17 +23599,7 @@
                   </a:schemeClr>
                 </a:solidFill>
               </a:rPr>
-              <a:t>Analyse </a:t>
-            </a:r>
-            <a:r>
-              <a:rPr lang="fr-FR" sz="2800" b="1" dirty="0" smtClean="0">
-                <a:solidFill>
-                  <a:schemeClr val="accent6">
-                    <a:lumMod val="75000"/>
-                  </a:schemeClr>
-                </a:solidFill>
-              </a:rPr>
-              <a:t>Utilisateurs</a:t>
+              <a:t>Analyse Utilisateurs</a:t>
             </a:r>
           </a:p>
           <a:p>
@@ -24537,11 +24611,6 @@
               </a:rPr>
               <a:t>Emprunteur</a:t>
             </a:r>
-            <a:endParaRPr lang="fr-FR" dirty="0" smtClean="0">
-              <a:solidFill>
-                <a:srgbClr val="FFC000"/>
-              </a:solidFill>
-            </a:endParaRPr>
           </a:p>
           <a:p>
             <a:r>
@@ -24550,15 +24619,18 @@
                   <a:srgbClr val="FFC000"/>
                 </a:solidFill>
               </a:rPr>
-              <a:t>Tri en fonction des </a:t>
-            </a:r>
+              <a:t>Tri en fonction des priorités</a:t>
+            </a:r>
+          </a:p>
+          <a:p>
+            <a:pPr lvl="1"/>
             <a:r>
               <a:rPr lang="fr-FR" dirty="0" smtClean="0">
                 <a:solidFill>
                   <a:srgbClr val="FFC000"/>
                 </a:solidFill>
               </a:rPr>
-              <a:t>priorités</a:t>
+              <a:t>Primaires</a:t>
             </a:r>
           </a:p>
           <a:p>
@@ -24569,24 +24641,8 @@
                   <a:srgbClr val="FFC000"/>
                 </a:solidFill>
               </a:rPr>
-              <a:t>Primaires</a:t>
-            </a:r>
-          </a:p>
-          <a:p>
-            <a:pPr lvl="1"/>
-            <a:r>
-              <a:rPr lang="fr-FR" dirty="0" smtClean="0">
-                <a:solidFill>
-                  <a:srgbClr val="FFC000"/>
-                </a:solidFill>
-              </a:rPr>
               <a:t>Secondaires</a:t>
             </a:r>
-            <a:endParaRPr lang="fr-FR" dirty="0" smtClean="0">
-              <a:solidFill>
-                <a:srgbClr val="FFC000"/>
-              </a:solidFill>
-            </a:endParaRPr>
           </a:p>
         </p:txBody>
       </p:sp>
@@ -24905,15 +24961,7 @@
                   <a:srgbClr val="FFC000"/>
                 </a:solidFill>
               </a:rPr>
-              <a:t>un historique des </a:t>
-            </a:r>
-            <a:r>
-              <a:rPr lang="fr-FR" sz="2600" dirty="0">
-                <a:solidFill>
-                  <a:srgbClr val="FFC000"/>
-                </a:solidFill>
-              </a:rPr>
-              <a:t>emprunts</a:t>
+              <a:t>un historique des emprunts</a:t>
             </a:r>
           </a:p>
           <a:p>

--- a/Livrables/D1.3 - DEF.pptx
+++ b/Livrables/D1.3 - DEF.pptx
@@ -5,7 +5,7 @@
     <p:sldMasterId id="2147483648" r:id="rId1"/>
   </p:sldMasterIdLst>
   <p:notesMasterIdLst>
-    <p:notesMasterId r:id="rId49"/>
+    <p:notesMasterId r:id="rId50"/>
   </p:notesMasterIdLst>
   <p:sldIdLst>
     <p:sldId id="259" r:id="rId2"/>
@@ -35,26 +35,27 @@
     <p:sldId id="268" r:id="rId26"/>
     <p:sldId id="269" r:id="rId27"/>
     <p:sldId id="273" r:id="rId28"/>
-    <p:sldId id="304" r:id="rId29"/>
-    <p:sldId id="298" r:id="rId30"/>
-    <p:sldId id="311" r:id="rId31"/>
-    <p:sldId id="313" r:id="rId32"/>
-    <p:sldId id="299" r:id="rId33"/>
-    <p:sldId id="300" r:id="rId34"/>
-    <p:sldId id="301" r:id="rId35"/>
-    <p:sldId id="302" r:id="rId36"/>
-    <p:sldId id="303" r:id="rId37"/>
-    <p:sldId id="297" r:id="rId38"/>
-    <p:sldId id="305" r:id="rId39"/>
-    <p:sldId id="306" r:id="rId40"/>
-    <p:sldId id="307" r:id="rId41"/>
-    <p:sldId id="308" r:id="rId42"/>
-    <p:sldId id="310" r:id="rId43"/>
-    <p:sldId id="309" r:id="rId44"/>
-    <p:sldId id="290" r:id="rId45"/>
-    <p:sldId id="277" r:id="rId46"/>
-    <p:sldId id="264" r:id="rId47"/>
-    <p:sldId id="278" r:id="rId48"/>
+    <p:sldId id="319" r:id="rId29"/>
+    <p:sldId id="304" r:id="rId30"/>
+    <p:sldId id="298" r:id="rId31"/>
+    <p:sldId id="311" r:id="rId32"/>
+    <p:sldId id="313" r:id="rId33"/>
+    <p:sldId id="299" r:id="rId34"/>
+    <p:sldId id="300" r:id="rId35"/>
+    <p:sldId id="301" r:id="rId36"/>
+    <p:sldId id="302" r:id="rId37"/>
+    <p:sldId id="303" r:id="rId38"/>
+    <p:sldId id="297" r:id="rId39"/>
+    <p:sldId id="305" r:id="rId40"/>
+    <p:sldId id="306" r:id="rId41"/>
+    <p:sldId id="307" r:id="rId42"/>
+    <p:sldId id="308" r:id="rId43"/>
+    <p:sldId id="310" r:id="rId44"/>
+    <p:sldId id="309" r:id="rId45"/>
+    <p:sldId id="290" r:id="rId46"/>
+    <p:sldId id="277" r:id="rId47"/>
+    <p:sldId id="264" r:id="rId48"/>
+    <p:sldId id="278" r:id="rId49"/>
   </p:sldIdLst>
   <p:sldSz cx="9144000" cy="5143500" type="screen16x9"/>
   <p:notesSz cx="6858000" cy="9144000"/>
@@ -155,7 +156,7 @@
   </p:defaultTextStyle>
   <p:extLst>
     <p:ext uri="{EFAFB233-063F-42B5-8137-9DF3F51BA10A}">
-      <p15:sldGuideLst xmlns:p15="http://schemas.microsoft.com/office/powerpoint/2012/main">
+      <p15:sldGuideLst xmlns:p15="http://schemas.microsoft.com/office/powerpoint/2012/main" xmlns="">
         <p15:guide id="1" orient="horz" pos="1620">
           <p15:clr>
             <a:srgbClr val="A4A3A4"/>
@@ -324,11 +325,11 @@
         </c:dLbls>
         <c:gapWidth val="75"/>
         <c:overlap val="-25"/>
-        <c:axId val="207394192"/>
-        <c:axId val="207394752"/>
+        <c:axId val="42700160"/>
+        <c:axId val="42710144"/>
       </c:barChart>
       <c:catAx>
-        <c:axId val="207394192"/>
+        <c:axId val="42700160"/>
         <c:scaling>
           <c:orientation val="minMax"/>
         </c:scaling>
@@ -338,7 +339,7 @@
         <c:majorTickMark val="none"/>
         <c:minorTickMark val="none"/>
         <c:tickLblPos val="nextTo"/>
-        <c:crossAx val="207394752"/>
+        <c:crossAx val="42710144"/>
         <c:crosses val="autoZero"/>
         <c:auto val="1"/>
         <c:lblAlgn val="ctr"/>
@@ -346,7 +347,7 @@
         <c:noMultiLvlLbl val="0"/>
       </c:catAx>
       <c:valAx>
-        <c:axId val="207394752"/>
+        <c:axId val="42710144"/>
         <c:scaling>
           <c:orientation val="minMax"/>
         </c:scaling>
@@ -381,7 +382,7 @@
             <a:noFill/>
           </a:ln>
         </c:spPr>
-        <c:crossAx val="207394192"/>
+        <c:crossAx val="42700160"/>
         <c:crosses val="autoZero"/>
         <c:crossBetween val="between"/>
       </c:valAx>
@@ -553,11 +554,11 @@
         </c:dLbls>
         <c:gapWidth val="75"/>
         <c:overlap val="-25"/>
-        <c:axId val="207607376"/>
-        <c:axId val="207391952"/>
+        <c:axId val="106357888"/>
+        <c:axId val="106359424"/>
       </c:barChart>
       <c:catAx>
-        <c:axId val="207607376"/>
+        <c:axId val="106357888"/>
         <c:scaling>
           <c:orientation val="minMax"/>
         </c:scaling>
@@ -567,7 +568,7 @@
         <c:majorTickMark val="none"/>
         <c:minorTickMark val="none"/>
         <c:tickLblPos val="nextTo"/>
-        <c:crossAx val="207391952"/>
+        <c:crossAx val="106359424"/>
         <c:crosses val="autoZero"/>
         <c:auto val="1"/>
         <c:lblAlgn val="ctr"/>
@@ -575,7 +576,7 @@
         <c:noMultiLvlLbl val="0"/>
       </c:catAx>
       <c:valAx>
-        <c:axId val="207391952"/>
+        <c:axId val="106359424"/>
         <c:scaling>
           <c:orientation val="minMax"/>
         </c:scaling>
@@ -610,7 +611,7 @@
             <a:noFill/>
           </a:ln>
         </c:spPr>
-        <c:crossAx val="207607376"/>
+        <c:crossAx val="106357888"/>
         <c:crosses val="autoZero"/>
         <c:crossBetween val="between"/>
       </c:valAx>
@@ -770,11 +771,11 @@
         </c:dLbls>
         <c:gapWidth val="75"/>
         <c:overlap val="-25"/>
-        <c:axId val="227490080"/>
-        <c:axId val="227490640"/>
+        <c:axId val="106842752"/>
+        <c:axId val="106844544"/>
       </c:barChart>
       <c:catAx>
-        <c:axId val="227490080"/>
+        <c:axId val="106842752"/>
         <c:scaling>
           <c:orientation val="minMax"/>
         </c:scaling>
@@ -784,7 +785,7 @@
         <c:majorTickMark val="none"/>
         <c:minorTickMark val="none"/>
         <c:tickLblPos val="nextTo"/>
-        <c:crossAx val="227490640"/>
+        <c:crossAx val="106844544"/>
         <c:crosses val="autoZero"/>
         <c:auto val="1"/>
         <c:lblAlgn val="ctr"/>
@@ -792,7 +793,7 @@
         <c:noMultiLvlLbl val="0"/>
       </c:catAx>
       <c:valAx>
-        <c:axId val="227490640"/>
+        <c:axId val="106844544"/>
         <c:scaling>
           <c:orientation val="minMax"/>
         </c:scaling>
@@ -827,7 +828,7 @@
             <a:noFill/>
           </a:ln>
         </c:spPr>
-        <c:crossAx val="227490080"/>
+        <c:crossAx val="106842752"/>
         <c:crosses val="autoZero"/>
         <c:crossBetween val="between"/>
       </c:valAx>
@@ -999,11 +1000,11 @@
         </c:dLbls>
         <c:gapWidth val="75"/>
         <c:overlap val="-25"/>
-        <c:axId val="227493440"/>
-        <c:axId val="227494000"/>
+        <c:axId val="119452032"/>
+        <c:axId val="119453568"/>
       </c:barChart>
       <c:catAx>
-        <c:axId val="227493440"/>
+        <c:axId val="119452032"/>
         <c:scaling>
           <c:orientation val="minMax"/>
         </c:scaling>
@@ -1013,7 +1014,7 @@
         <c:majorTickMark val="none"/>
         <c:minorTickMark val="none"/>
         <c:tickLblPos val="nextTo"/>
-        <c:crossAx val="227494000"/>
+        <c:crossAx val="119453568"/>
         <c:crosses val="autoZero"/>
         <c:auto val="1"/>
         <c:lblAlgn val="ctr"/>
@@ -1021,7 +1022,7 @@
         <c:noMultiLvlLbl val="0"/>
       </c:catAx>
       <c:valAx>
-        <c:axId val="227494000"/>
+        <c:axId val="119453568"/>
         <c:scaling>
           <c:orientation val="minMax"/>
         </c:scaling>
@@ -1056,7 +1057,7 @@
             <a:noFill/>
           </a:ln>
         </c:spPr>
-        <c:crossAx val="227493440"/>
+        <c:crossAx val="119452032"/>
         <c:crosses val="autoZero"/>
         <c:crossBetween val="between"/>
       </c:valAx>
@@ -1216,11 +1217,11 @@
         </c:dLbls>
         <c:gapWidth val="75"/>
         <c:overlap val="-25"/>
-        <c:axId val="227768000"/>
-        <c:axId val="227768560"/>
+        <c:axId val="108939904"/>
+        <c:axId val="108941696"/>
       </c:barChart>
       <c:catAx>
-        <c:axId val="227768000"/>
+        <c:axId val="108939904"/>
         <c:scaling>
           <c:orientation val="minMax"/>
         </c:scaling>
@@ -1230,7 +1231,7 @@
         <c:majorTickMark val="none"/>
         <c:minorTickMark val="none"/>
         <c:tickLblPos val="nextTo"/>
-        <c:crossAx val="227768560"/>
+        <c:crossAx val="108941696"/>
         <c:crosses val="autoZero"/>
         <c:auto val="1"/>
         <c:lblAlgn val="ctr"/>
@@ -1238,7 +1239,7 @@
         <c:noMultiLvlLbl val="0"/>
       </c:catAx>
       <c:valAx>
-        <c:axId val="227768560"/>
+        <c:axId val="108941696"/>
         <c:scaling>
           <c:orientation val="minMax"/>
         </c:scaling>
@@ -1273,7 +1274,7 @@
             <a:noFill/>
           </a:ln>
         </c:spPr>
-        <c:crossAx val="227768000"/>
+        <c:crossAx val="108939904"/>
         <c:crosses val="autoZero"/>
         <c:crossBetween val="between"/>
       </c:valAx>
@@ -1672,12 +1673,13 @@
           <c:showBubbleSize val="0"/>
         </c:dLbls>
         <c:hiLowLines/>
+        <c:marker val="1"/>
         <c:smooth val="0"/>
-        <c:axId val="227771360"/>
-        <c:axId val="227771920"/>
+        <c:axId val="119498624"/>
+        <c:axId val="119504896"/>
       </c:lineChart>
       <c:catAx>
-        <c:axId val="227771360"/>
+        <c:axId val="119498624"/>
         <c:scaling>
           <c:orientation val="minMax"/>
         </c:scaling>
@@ -1706,7 +1708,7 @@
         <c:majorTickMark val="none"/>
         <c:minorTickMark val="none"/>
         <c:tickLblPos val="nextTo"/>
-        <c:crossAx val="227771920"/>
+        <c:crossAx val="119504896"/>
         <c:crosses val="autoZero"/>
         <c:auto val="1"/>
         <c:lblAlgn val="ctr"/>
@@ -1714,7 +1716,7 @@
         <c:noMultiLvlLbl val="0"/>
       </c:catAx>
       <c:valAx>
-        <c:axId val="227771920"/>
+        <c:axId val="119504896"/>
         <c:scaling>
           <c:orientation val="minMax"/>
         </c:scaling>
@@ -1744,7 +1746,7 @@
         <c:majorTickMark val="out"/>
         <c:minorTickMark val="none"/>
         <c:tickLblPos val="nextTo"/>
-        <c:crossAx val="227771360"/>
+        <c:crossAx val="119498624"/>
         <c:crosses val="autoZero"/>
         <c:crossBetween val="between"/>
       </c:valAx>
@@ -2712,75 +2714,104 @@
           <a:p>
             <a:r>
               <a:rPr lang="fr-FR" dirty="0" smtClean="0"/>
-              <a:t>Stock </a:t>
-            </a:r>
-            <a:r>
-              <a:rPr lang="fr-FR" dirty="0" smtClean="0">
-                <a:sym typeface="Wingdings" panose="05000000000000000000" pitchFamily="2" charset="2"/>
-              </a:rPr>
-              <a:t> BD</a:t>
-            </a:r>
-          </a:p>
-          <a:p>
-            <a:r>
-              <a:rPr lang="fr-FR" dirty="0" smtClean="0">
-                <a:sym typeface="Wingdings" panose="05000000000000000000" pitchFamily="2" charset="2"/>
-              </a:rPr>
-              <a:t>Langage permettant une</a:t>
-            </a:r>
+              <a:t>On</a:t>
+            </a:r>
+            <a:r>
+              <a:rPr lang="fr-FR" baseline="0" dirty="0" smtClean="0"/>
+              <a:t> voulait : </a:t>
+            </a:r>
+          </a:p>
+          <a:p>
+            <a:r>
+              <a:rPr lang="fr-FR" baseline="0" dirty="0" smtClean="0"/>
+              <a:t>Une base de données</a:t>
+            </a:r>
+            <a:r>
+              <a:rPr lang="fr-FR" baseline="0" dirty="0"/>
+              <a:t> </a:t>
+            </a:r>
+            <a:r>
+              <a:rPr lang="fr-FR" baseline="0" dirty="0" smtClean="0"/>
+              <a:t>avec une gestion simple et efficace</a:t>
+            </a:r>
+          </a:p>
+          <a:p>
+            <a:r>
+              <a:rPr lang="fr-FR" baseline="0" dirty="0" smtClean="0"/>
+              <a:t>Un design responsive utilisable sur ordinateur et smartphone</a:t>
+            </a:r>
+          </a:p>
+          <a:p>
+            <a:r>
+              <a:rPr lang="fr-FR" baseline="0" dirty="0" smtClean="0"/>
+              <a:t>Une programmation asynchrone</a:t>
+            </a:r>
+          </a:p>
+          <a:p>
+            <a:endParaRPr lang="fr-FR" baseline="0" dirty="0" smtClean="0"/>
+          </a:p>
+          <a:p>
+            <a:pPr marL="171450" indent="-171450">
+              <a:buFont typeface="Wingdings"/>
+              <a:buChar char="è"/>
+            </a:pPr>
             <a:r>
               <a:rPr lang="fr-FR" baseline="0" dirty="0" smtClean="0">
                 <a:sym typeface="Wingdings" panose="05000000000000000000" pitchFamily="2" charset="2"/>
               </a:rPr>
-              <a:t> gestions simple de la BD</a:t>
-            </a:r>
-          </a:p>
-          <a:p>
+              <a:t>Rails – gestion de la BD, très puissant, vue partielle réutilisable, retourner simplement du html ou du </a:t>
+            </a:r>
+            <a:r>
+              <a:rPr lang="fr-FR" baseline="0" dirty="0" err="1" smtClean="0">
+                <a:sym typeface="Wingdings" panose="05000000000000000000" pitchFamily="2" charset="2"/>
+              </a:rPr>
+              <a:t>json</a:t>
+            </a:r>
+            <a:endParaRPr lang="fr-FR" baseline="0" dirty="0" smtClean="0">
+              <a:sym typeface="Wingdings" panose="05000000000000000000" pitchFamily="2" charset="2"/>
+            </a:endParaRPr>
+          </a:p>
+          <a:p>
+            <a:pPr marL="171450" indent="-171450">
+              <a:buFont typeface="Wingdings"/>
+              <a:buChar char="è"/>
+            </a:pPr>
             <a:r>
               <a:rPr lang="fr-FR" baseline="0" dirty="0" smtClean="0">
                 <a:sym typeface="Wingdings" panose="05000000000000000000" pitchFamily="2" charset="2"/>
               </a:rPr>
-              <a:t>Service web  Serveur</a:t>
-            </a:r>
-          </a:p>
-          <a:p>
+              <a:t>HTML CSS </a:t>
+            </a:r>
+            <a:r>
+              <a:rPr lang="fr-FR" baseline="0" dirty="0" err="1" smtClean="0">
+                <a:sym typeface="Wingdings" panose="05000000000000000000" pitchFamily="2" charset="2"/>
+              </a:rPr>
+              <a:t>BootStrap</a:t>
+            </a:r>
             <a:r>
               <a:rPr lang="fr-FR" baseline="0" dirty="0" smtClean="0">
                 <a:sym typeface="Wingdings" panose="05000000000000000000" pitchFamily="2" charset="2"/>
               </a:rPr>
-              <a:t>Service REST  </a:t>
-            </a:r>
-          </a:p>
-          <a:p>
+              <a:t> – Responsive Design</a:t>
+            </a:r>
+          </a:p>
+          <a:p>
+            <a:pPr marL="171450" indent="-171450">
+              <a:buFont typeface="Wingdings"/>
+              <a:buChar char="è"/>
+            </a:pPr>
+            <a:r>
+              <a:rPr lang="fr-FR" baseline="0" dirty="0" err="1" smtClean="0">
+                <a:sym typeface="Wingdings" panose="05000000000000000000" pitchFamily="2" charset="2"/>
+              </a:rPr>
+              <a:t>JQuery</a:t>
+            </a:r>
             <a:r>
               <a:rPr lang="fr-FR" baseline="0" dirty="0" smtClean="0">
                 <a:sym typeface="Wingdings" panose="05000000000000000000" pitchFamily="2" charset="2"/>
               </a:rPr>
-              <a:t>Responsive (</a:t>
-            </a:r>
-            <a:r>
-              <a:rPr lang="fr-FR" baseline="0" dirty="0" err="1" smtClean="0">
-                <a:sym typeface="Wingdings" panose="05000000000000000000" pitchFamily="2" charset="2"/>
-              </a:rPr>
-              <a:t>expliquation</a:t>
-            </a:r>
-            <a:r>
-              <a:rPr lang="fr-FR" baseline="0" dirty="0" smtClean="0">
-                <a:sym typeface="Wingdings" panose="05000000000000000000" pitchFamily="2" charset="2"/>
-              </a:rPr>
-              <a:t>)  HTML CSS</a:t>
-            </a:r>
-          </a:p>
-          <a:p>
-            <a:r>
-              <a:rPr lang="fr-FR" baseline="0" dirty="0" smtClean="0">
-                <a:sym typeface="Wingdings" panose="05000000000000000000" pitchFamily="2" charset="2"/>
-              </a:rPr>
-              <a:t>Asynchrone  AJAX</a:t>
-            </a:r>
-          </a:p>
-          <a:p>
-            <a:endParaRPr lang="fr-FR" dirty="0"/>
+              <a:t> AJAX – programmation asynchrone</a:t>
+            </a:r>
           </a:p>
         </p:txBody>
       </p:sp>
@@ -3671,44 +3702,57 @@
             <p:ph type="sldImg"/>
           </p:nvPr>
         </p:nvSpPr>
+        <p:spPr>
+          <a:xfrm>
+            <a:off x="381000" y="685800"/>
+            <a:ext cx="6096000" cy="3429000"/>
+          </a:xfrm>
+        </p:spPr>
+      </p:sp>
+      <p:sp>
+        <p:nvSpPr>
+          <p:cNvPr id="3" name="Espace réservé des commentaires 2"/>
+          <p:cNvSpPr>
+            <a:spLocks noGrp="1"/>
+          </p:cNvSpPr>
+          <p:nvPr>
+            <p:ph type="body" idx="1"/>
+          </p:nvPr>
+        </p:nvSpPr>
         <p:spPr/>
-      </p:sp>
-      <p:sp>
-        <p:nvSpPr>
-          <p:cNvPr id="3" name="Espace réservé des commentaires 2"/>
-          <p:cNvSpPr>
-            <a:spLocks noGrp="1"/>
-          </p:cNvSpPr>
-          <p:nvPr>
-            <p:ph type="body" idx="1"/>
-          </p:nvPr>
-        </p:nvSpPr>
-        <p:spPr/>
-        <p:txBody>
-          <a:bodyPr/>
+        <p:txBody>
+          <a:bodyPr>
+            <a:normAutofit/>
+          </a:bodyPr>
           <a:lstStyle/>
           <a:p>
             <a:r>
               <a:rPr lang="fr-FR" dirty="0" smtClean="0"/>
-              <a:t>Session -&gt; </a:t>
-            </a:r>
-            <a:r>
-              <a:rPr lang="fr-FR" dirty="0" err="1" smtClean="0"/>
-              <a:t>respo</a:t>
-            </a:r>
-            <a:r>
-              <a:rPr lang="fr-FR" dirty="0" smtClean="0"/>
-              <a:t> / emprunteur</a:t>
-            </a:r>
-          </a:p>
-          <a:p>
-            <a:r>
-              <a:rPr lang="fr-FR" dirty="0" smtClean="0"/>
-              <a:t>Correspond à nos </a:t>
-            </a:r>
-            <a:r>
-              <a:rPr lang="fr-FR" dirty="0" err="1" smtClean="0"/>
-              <a:t>personas</a:t>
+              <a:t>Pourquoi</a:t>
+            </a:r>
+            <a:r>
+              <a:rPr lang="fr-FR" baseline="0" dirty="0" smtClean="0"/>
+              <a:t> ?</a:t>
+            </a:r>
+          </a:p>
+          <a:p>
+            <a:r>
+              <a:rPr lang="fr-FR" baseline="0" dirty="0" smtClean="0"/>
+              <a:t>Démarche IHM </a:t>
+            </a:r>
+            <a:r>
+              <a:rPr lang="fr-FR" baseline="0" dirty="0" err="1" smtClean="0"/>
+              <a:t>parceque</a:t>
+            </a:r>
+            <a:r>
+              <a:rPr lang="fr-FR" baseline="0" dirty="0" smtClean="0"/>
+              <a:t> parcours IHM</a:t>
+            </a:r>
+          </a:p>
+          <a:p>
+            <a:r>
+              <a:rPr lang="fr-FR" baseline="0" dirty="0" smtClean="0"/>
+              <a:t>Nécessité de faire une analyse complète des besoins utilisateurs car système très demandé</a:t>
             </a:r>
             <a:endParaRPr lang="fr-FR" dirty="0"/>
           </a:p>
@@ -3732,7 +3776,7 @@
             <a:fld id="{8140D90F-C6E8-4D2C-BA1B-D6C23459C063}" type="slidenum">
               <a:rPr lang="fr-FR" smtClean="0"/>
               <a:pPr/>
-              <a:t>29</a:t>
+              <a:t>28</a:t>
             </a:fld>
             <a:endParaRPr lang="fr-FR"/>
           </a:p>
@@ -3741,7 +3785,7 @@
     </p:spTree>
     <p:extLst>
       <p:ext uri="{BB962C8B-B14F-4D97-AF65-F5344CB8AC3E}">
-        <p14:creationId xmlns:p14="http://schemas.microsoft.com/office/powerpoint/2010/main" val="2082070919"/>
+        <p14:creationId xmlns:p14="http://schemas.microsoft.com/office/powerpoint/2010/main" val="2182583449"/>
       </p:ext>
     </p:extLst>
   </p:cSld>
@@ -3797,45 +3841,26 @@
           <a:p>
             <a:r>
               <a:rPr lang="fr-FR" dirty="0" smtClean="0"/>
-              <a:t>Pas</a:t>
-            </a:r>
-            <a:r>
-              <a:rPr lang="fr-FR" baseline="0" dirty="0" smtClean="0"/>
-              <a:t> d’identification d’un matériel précis –&gt; </a:t>
-            </a:r>
-            <a:r>
-              <a:rPr lang="fr-FR" baseline="0" dirty="0" err="1" smtClean="0"/>
-              <a:t>technical</a:t>
-            </a:r>
-            <a:r>
-              <a:rPr lang="fr-FR" baseline="0" dirty="0" smtClean="0"/>
-              <a:t> </a:t>
-            </a:r>
-            <a:r>
-              <a:rPr lang="fr-FR" baseline="0" dirty="0" err="1" smtClean="0"/>
-              <a:t>feature</a:t>
-            </a:r>
-            <a:endParaRPr lang="fr-FR" baseline="0" dirty="0" smtClean="0"/>
-          </a:p>
-          <a:p>
-            <a:endParaRPr lang="fr-FR" baseline="0" dirty="0" smtClean="0"/>
-          </a:p>
-          <a:p>
-            <a:r>
-              <a:rPr lang="fr-FR" baseline="0" dirty="0" smtClean="0"/>
-              <a:t>Manque</a:t>
-            </a:r>
-          </a:p>
-          <a:p>
-            <a:r>
-              <a:rPr lang="fr-FR" baseline="0" dirty="0" smtClean="0"/>
-              <a:t>Afficher plus de caractéristique pour mieux distinguer le matériel</a:t>
-            </a:r>
-          </a:p>
-          <a:p>
-            <a:endParaRPr lang="fr-FR" baseline="0" dirty="0" smtClean="0"/>
-          </a:p>
-          <a:p>
+              <a:t>Session -&gt; </a:t>
+            </a:r>
+            <a:r>
+              <a:rPr lang="fr-FR" dirty="0" err="1" smtClean="0"/>
+              <a:t>respo</a:t>
+            </a:r>
+            <a:r>
+              <a:rPr lang="fr-FR" dirty="0" smtClean="0"/>
+              <a:t> / emprunteur</a:t>
+            </a:r>
+          </a:p>
+          <a:p>
+            <a:r>
+              <a:rPr lang="fr-FR" dirty="0" smtClean="0"/>
+              <a:t>Correspond à nos </a:t>
+            </a:r>
+            <a:r>
+              <a:rPr lang="fr-FR" dirty="0" err="1" smtClean="0"/>
+              <a:t>personas</a:t>
+            </a:r>
             <a:endParaRPr lang="fr-FR" dirty="0"/>
           </a:p>
         </p:txBody>
@@ -3867,7 +3892,7 @@
     </p:spTree>
     <p:extLst>
       <p:ext uri="{BB962C8B-B14F-4D97-AF65-F5344CB8AC3E}">
-        <p14:creationId xmlns:p14="http://schemas.microsoft.com/office/powerpoint/2010/main" val="1759396421"/>
+        <p14:creationId xmlns:p14="http://schemas.microsoft.com/office/powerpoint/2010/main" val="2082070919"/>
       </p:ext>
     </p:extLst>
   </p:cSld>
@@ -3921,6 +3946,47 @@
           <a:bodyPr/>
           <a:lstStyle/>
           <a:p>
+            <a:r>
+              <a:rPr lang="fr-FR" dirty="0" smtClean="0"/>
+              <a:t>Pas</a:t>
+            </a:r>
+            <a:r>
+              <a:rPr lang="fr-FR" baseline="0" dirty="0" smtClean="0"/>
+              <a:t> d’identification d’un matériel précis –&gt; </a:t>
+            </a:r>
+            <a:r>
+              <a:rPr lang="fr-FR" baseline="0" dirty="0" err="1" smtClean="0"/>
+              <a:t>technical</a:t>
+            </a:r>
+            <a:r>
+              <a:rPr lang="fr-FR" baseline="0" dirty="0" smtClean="0"/>
+              <a:t> </a:t>
+            </a:r>
+            <a:r>
+              <a:rPr lang="fr-FR" baseline="0" dirty="0" err="1" smtClean="0"/>
+              <a:t>feature</a:t>
+            </a:r>
+            <a:endParaRPr lang="fr-FR" baseline="0" dirty="0" smtClean="0"/>
+          </a:p>
+          <a:p>
+            <a:endParaRPr lang="fr-FR" baseline="0" dirty="0" smtClean="0"/>
+          </a:p>
+          <a:p>
+            <a:r>
+              <a:rPr lang="fr-FR" baseline="0" dirty="0" smtClean="0"/>
+              <a:t>Manque</a:t>
+            </a:r>
+          </a:p>
+          <a:p>
+            <a:r>
+              <a:rPr lang="fr-FR" baseline="0" dirty="0" smtClean="0"/>
+              <a:t>Afficher plus de caractéristique pour mieux distinguer le matériel</a:t>
+            </a:r>
+          </a:p>
+          <a:p>
+            <a:endParaRPr lang="fr-FR" baseline="0" dirty="0" smtClean="0"/>
+          </a:p>
+          <a:p>
             <a:endParaRPr lang="fr-FR" dirty="0"/>
           </a:p>
         </p:txBody>
@@ -3952,7 +4018,7 @@
     </p:spTree>
     <p:extLst>
       <p:ext uri="{BB962C8B-B14F-4D97-AF65-F5344CB8AC3E}">
-        <p14:creationId xmlns:p14="http://schemas.microsoft.com/office/powerpoint/2010/main" val="1881622162"/>
+        <p14:creationId xmlns:p14="http://schemas.microsoft.com/office/powerpoint/2010/main" val="1759396421"/>
       </p:ext>
     </p:extLst>
   </p:cSld>
@@ -4006,120 +4072,7 @@
           <a:bodyPr/>
           <a:lstStyle/>
           <a:p>
-            <a:r>
-              <a:rPr lang="fr-FR" dirty="0" smtClean="0"/>
-              <a:t>Lien entre les deux calendriers</a:t>
-            </a:r>
-          </a:p>
-          <a:p>
-            <a:r>
-              <a:rPr lang="fr-FR" dirty="0" smtClean="0"/>
-              <a:t>Calendrier personnel</a:t>
-            </a:r>
-            <a:r>
-              <a:rPr lang="fr-FR" baseline="0" dirty="0" smtClean="0"/>
-              <a:t> </a:t>
-            </a:r>
-          </a:p>
-          <a:p>
-            <a:r>
-              <a:rPr lang="fr-FR" baseline="0" dirty="0" smtClean="0"/>
-              <a:t>Affichage de l’indisponibilité -&gt; rouge</a:t>
-            </a:r>
-            <a:endParaRPr lang="fr-FR" dirty="0" smtClean="0"/>
-          </a:p>
-          <a:p>
-            <a:r>
-              <a:rPr lang="fr-FR" dirty="0" smtClean="0"/>
-              <a:t>Sélection des heures répercuté</a:t>
-            </a:r>
-            <a:r>
-              <a:rPr lang="fr-FR" baseline="0" dirty="0" smtClean="0"/>
-              <a:t> du bas vers le haut</a:t>
-            </a:r>
-          </a:p>
-          <a:p>
-            <a:endParaRPr lang="fr-FR" baseline="0" dirty="0" smtClean="0"/>
-          </a:p>
-          <a:p>
-            <a:r>
-              <a:rPr lang="fr-FR" baseline="0" dirty="0" smtClean="0"/>
-              <a:t>Manque</a:t>
-            </a:r>
-          </a:p>
-          <a:p>
-            <a:r>
-              <a:rPr lang="fr-FR" baseline="0" dirty="0" smtClean="0"/>
-              <a:t>-  Pas de mise à jour du calendrier quand on modifie le matériel du panier</a:t>
-            </a:r>
-          </a:p>
-          <a:p>
-            <a:pPr marL="171450" indent="-171450">
-              <a:buFontTx/>
-              <a:buChar char="-"/>
-            </a:pPr>
-            <a:r>
-              <a:rPr lang="fr-FR" baseline="0" dirty="0" smtClean="0"/>
-              <a:t>Indisponibilité que sur jour pas sur heure</a:t>
-            </a:r>
-          </a:p>
-          <a:p>
-            <a:pPr marL="171450" indent="-171450">
-              <a:buFontTx/>
-              <a:buChar char="-"/>
-            </a:pPr>
-            <a:r>
-              <a:rPr lang="fr-FR" baseline="0" dirty="0" smtClean="0"/>
-              <a:t>Voir le matériel qui est mis en cause lors d’une indisponibilité</a:t>
-            </a:r>
-          </a:p>
-          <a:p>
-            <a:pPr marL="171450" indent="-171450">
-              <a:buFontTx/>
-              <a:buChar char="-"/>
-            </a:pPr>
-            <a:r>
-              <a:rPr lang="fr-FR" baseline="0" dirty="0" smtClean="0"/>
-              <a:t>Vérifier les dates (matériel disponible durant cette période)</a:t>
-            </a:r>
-          </a:p>
-          <a:p>
-            <a:pPr marL="171450" indent="-171450">
-              <a:buFontTx/>
-              <a:buChar char="-"/>
-            </a:pPr>
-            <a:r>
-              <a:rPr lang="fr-FR" baseline="0" dirty="0" smtClean="0"/>
-              <a:t>Vérifier les disponibilités dans le back-end</a:t>
-            </a:r>
-          </a:p>
-          <a:p>
-            <a:pPr marL="171450" indent="-171450">
-              <a:buFontTx/>
-              <a:buChar char="-"/>
-            </a:pPr>
-            <a:r>
-              <a:rPr lang="fr-FR" baseline="0" dirty="0" smtClean="0"/>
-              <a:t>Email au </a:t>
-            </a:r>
-            <a:r>
-              <a:rPr lang="fr-FR" baseline="0" dirty="0" err="1" smtClean="0"/>
-              <a:t>respo</a:t>
-            </a:r>
-            <a:r>
-              <a:rPr lang="fr-FR" baseline="0" dirty="0" smtClean="0"/>
-              <a:t> pour les notifier de la demande</a:t>
-            </a:r>
-          </a:p>
-          <a:p>
-            <a:pPr marL="171450" indent="-171450">
-              <a:buFontTx/>
-              <a:buChar char="-"/>
-            </a:pPr>
-            <a:r>
-              <a:rPr lang="fr-FR" baseline="0" dirty="0" smtClean="0"/>
-              <a:t>Responsive</a:t>
-            </a:r>
+            <a:endParaRPr lang="fr-FR" dirty="0"/>
           </a:p>
         </p:txBody>
       </p:sp>
@@ -4150,7 +4103,7 @@
     </p:spTree>
     <p:extLst>
       <p:ext uri="{BB962C8B-B14F-4D97-AF65-F5344CB8AC3E}">
-        <p14:creationId xmlns:p14="http://schemas.microsoft.com/office/powerpoint/2010/main" val="489356053"/>
+        <p14:creationId xmlns:p14="http://schemas.microsoft.com/office/powerpoint/2010/main" val="1881622162"/>
       </p:ext>
     </p:extLst>
   </p:cSld>
@@ -4206,64 +4159,118 @@
           <a:p>
             <a:r>
               <a:rPr lang="fr-FR" dirty="0" smtClean="0"/>
-              <a:t>Etat</a:t>
+              <a:t>Lien entre les deux calendriers</a:t>
+            </a:r>
+          </a:p>
+          <a:p>
+            <a:r>
+              <a:rPr lang="fr-FR" dirty="0" smtClean="0"/>
+              <a:t>Calendrier personnel</a:t>
             </a:r>
             <a:r>
               <a:rPr lang="fr-FR" baseline="0" dirty="0" smtClean="0"/>
               <a:t> </a:t>
             </a:r>
+          </a:p>
+          <a:p>
+            <a:r>
+              <a:rPr lang="fr-FR" baseline="0" dirty="0" smtClean="0"/>
+              <a:t>Affichage de l’indisponibilité -&gt; rouge</a:t>
+            </a:r>
+            <a:endParaRPr lang="fr-FR" dirty="0" smtClean="0"/>
+          </a:p>
+          <a:p>
             <a:r>
               <a:rPr lang="fr-FR" dirty="0" smtClean="0"/>
-              <a:t>des demandes</a:t>
-            </a:r>
-          </a:p>
-          <a:p>
-            <a:endParaRPr lang="fr-FR" dirty="0" smtClean="0"/>
-          </a:p>
-          <a:p>
-            <a:r>
-              <a:rPr lang="fr-FR" dirty="0" smtClean="0"/>
-              <a:t>Différence entre 2 demandes en attentes et la dizaine</a:t>
+              <a:t>Sélection des heures répercuté</a:t>
             </a:r>
             <a:r>
               <a:rPr lang="fr-FR" baseline="0" dirty="0" smtClean="0"/>
-              <a:t> de demandes</a:t>
-            </a:r>
-            <a:endParaRPr lang="fr-FR" dirty="0" smtClean="0"/>
-          </a:p>
-          <a:p>
-            <a:endParaRPr lang="fr-FR" dirty="0" smtClean="0"/>
-          </a:p>
-          <a:p>
-            <a:r>
-              <a:rPr lang="fr-FR" dirty="0" smtClean="0"/>
+              <a:t> du bas vers le haut</a:t>
+            </a:r>
+          </a:p>
+          <a:p>
+            <a:endParaRPr lang="fr-FR" baseline="0" dirty="0" smtClean="0"/>
+          </a:p>
+          <a:p>
+            <a:r>
+              <a:rPr lang="fr-FR" baseline="0" dirty="0" smtClean="0"/>
               <a:t>Manque</a:t>
             </a:r>
           </a:p>
           <a:p>
             <a:r>
-              <a:rPr lang="fr-FR" dirty="0" smtClean="0"/>
-              <a:t>Possibilité de trier par nom d’emprunteur, responsable,</a:t>
-            </a:r>
-            <a:r>
               <a:rPr lang="fr-FR" baseline="0" dirty="0" smtClean="0"/>
-              <a:t> par date</a:t>
-            </a:r>
-          </a:p>
-          <a:p>
+              <a:t>-  Pas de mise à jour du calendrier quand on modifie le matériel du panier</a:t>
+            </a:r>
+          </a:p>
+          <a:p>
+            <a:pPr marL="171450" indent="-171450">
+              <a:buFontTx/>
+              <a:buChar char="-"/>
+            </a:pPr>
             <a:r>
               <a:rPr lang="fr-FR" baseline="0" dirty="0" smtClean="0"/>
-              <a:t>Pourvoir fixer un rdv dans le créneau proposé</a:t>
-            </a:r>
-          </a:p>
-          <a:p>
-            <a:r>
-              <a:rPr lang="fr-FR" dirty="0" smtClean="0"/>
+              <a:t>Indisponibilité que sur jour pas sur heure</a:t>
+            </a:r>
+          </a:p>
+          <a:p>
+            <a:pPr marL="171450" indent="-171450">
+              <a:buFontTx/>
+              <a:buChar char="-"/>
+            </a:pPr>
+            <a:r>
+              <a:rPr lang="fr-FR" baseline="0" dirty="0" smtClean="0"/>
+              <a:t>Voir le matériel qui est mis en cause lors d’une indisponibilité</a:t>
+            </a:r>
+          </a:p>
+          <a:p>
+            <a:pPr marL="171450" indent="-171450">
+              <a:buFontTx/>
+              <a:buChar char="-"/>
+            </a:pPr>
+            <a:r>
+              <a:rPr lang="fr-FR" baseline="0" dirty="0" smtClean="0"/>
+              <a:t>Vérifier les dates (matériel disponible durant cette période)</a:t>
+            </a:r>
+          </a:p>
+          <a:p>
+            <a:pPr marL="171450" indent="-171450">
+              <a:buFontTx/>
+              <a:buChar char="-"/>
+            </a:pPr>
+            <a:r>
+              <a:rPr lang="fr-FR" baseline="0" dirty="0" smtClean="0"/>
+              <a:t>Vérifier les disponibilités dans le back-end</a:t>
+            </a:r>
+          </a:p>
+          <a:p>
+            <a:pPr marL="171450" indent="-171450">
+              <a:buFontTx/>
+              <a:buChar char="-"/>
+            </a:pPr>
+            <a:r>
+              <a:rPr lang="fr-FR" baseline="0" dirty="0" smtClean="0"/>
+              <a:t>Email au </a:t>
+            </a:r>
+            <a:r>
+              <a:rPr lang="fr-FR" baseline="0" dirty="0" err="1" smtClean="0"/>
+              <a:t>respo</a:t>
+            </a:r>
+            <a:r>
+              <a:rPr lang="fr-FR" baseline="0" dirty="0" smtClean="0"/>
+              <a:t> pour les notifier de la demande</a:t>
+            </a:r>
+          </a:p>
+          <a:p>
+            <a:pPr marL="171450" indent="-171450">
+              <a:buFontTx/>
+              <a:buChar char="-"/>
+            </a:pPr>
+            <a:r>
+              <a:rPr lang="fr-FR" baseline="0" dirty="0" smtClean="0"/>
               <a:t>Responsive</a:t>
             </a:r>
-          </a:p>
-          <a:p>
-            <a:endParaRPr lang="fr-FR" dirty="0"/>
           </a:p>
         </p:txBody>
       </p:sp>
@@ -4294,7 +4301,7 @@
     </p:spTree>
     <p:extLst>
       <p:ext uri="{BB962C8B-B14F-4D97-AF65-F5344CB8AC3E}">
-        <p14:creationId xmlns:p14="http://schemas.microsoft.com/office/powerpoint/2010/main" val="4119016145"/>
+        <p14:creationId xmlns:p14="http://schemas.microsoft.com/office/powerpoint/2010/main" val="489356053"/>
       </p:ext>
     </p:extLst>
   </p:cSld>
@@ -4350,36 +4357,64 @@
           <a:p>
             <a:r>
               <a:rPr lang="fr-FR" dirty="0" smtClean="0"/>
-              <a:t>Scanne</a:t>
+              <a:t>Etat</a:t>
             </a:r>
             <a:r>
               <a:rPr lang="fr-FR" baseline="0" dirty="0" smtClean="0"/>
-              <a:t> matériel</a:t>
-            </a:r>
-          </a:p>
-          <a:p>
+              <a:t> </a:t>
+            </a:r>
+            <a:r>
+              <a:rPr lang="fr-FR" dirty="0" smtClean="0"/>
+              <a:t>des demandes</a:t>
+            </a:r>
+          </a:p>
+          <a:p>
+            <a:endParaRPr lang="fr-FR" dirty="0" smtClean="0"/>
+          </a:p>
+          <a:p>
+            <a:r>
+              <a:rPr lang="fr-FR" dirty="0" smtClean="0"/>
+              <a:t>Différence entre 2 demandes en attentes et la dizaine</a:t>
+            </a:r>
             <a:r>
               <a:rPr lang="fr-FR" baseline="0" dirty="0" smtClean="0"/>
-              <a:t>S’il existe -&gt; caractéristique du mat + historique -&gt; traçabilité -&gt; répond au besoins</a:t>
-            </a:r>
-          </a:p>
-          <a:p>
+              <a:t> de demandes</a:t>
+            </a:r>
+            <a:endParaRPr lang="fr-FR" dirty="0" smtClean="0"/>
+          </a:p>
+          <a:p>
+            <a:endParaRPr lang="fr-FR" dirty="0" smtClean="0"/>
+          </a:p>
+          <a:p>
+            <a:r>
+              <a:rPr lang="fr-FR" dirty="0" smtClean="0"/>
+              <a:t>Manque</a:t>
+            </a:r>
+          </a:p>
+          <a:p>
+            <a:r>
+              <a:rPr lang="fr-FR" dirty="0" smtClean="0"/>
+              <a:t>Possibilité de trier par nom d’emprunteur, responsable,</a:t>
+            </a:r>
             <a:r>
               <a:rPr lang="fr-FR" baseline="0" dirty="0" smtClean="0"/>
-              <a:t>Editer</a:t>
+              <a:t> par date</a:t>
             </a:r>
           </a:p>
           <a:p>
             <a:r>
               <a:rPr lang="fr-FR" baseline="0" dirty="0" smtClean="0"/>
-              <a:t>Supprimer</a:t>
-            </a:r>
-          </a:p>
-          <a:p>
-            <a:endParaRPr lang="fr-FR" baseline="0" dirty="0" smtClean="0"/>
-          </a:p>
-          <a:p>
-            <a:endParaRPr lang="fr-FR" baseline="0" dirty="0" smtClean="0"/>
+              <a:t>Pourvoir fixer un rdv dans le créneau proposé</a:t>
+            </a:r>
+          </a:p>
+          <a:p>
+            <a:r>
+              <a:rPr lang="fr-FR" dirty="0" smtClean="0"/>
+              <a:t>Responsive</a:t>
+            </a:r>
+          </a:p>
+          <a:p>
+            <a:endParaRPr lang="fr-FR" dirty="0"/>
           </a:p>
         </p:txBody>
       </p:sp>
@@ -4410,7 +4445,7 @@
     </p:spTree>
     <p:extLst>
       <p:ext uri="{BB962C8B-B14F-4D97-AF65-F5344CB8AC3E}">
-        <p14:creationId xmlns:p14="http://schemas.microsoft.com/office/powerpoint/2010/main" val="2309688965"/>
+        <p14:creationId xmlns:p14="http://schemas.microsoft.com/office/powerpoint/2010/main" val="4119016145"/>
       </p:ext>
     </p:extLst>
   </p:cSld>
@@ -4464,37 +4499,38 @@
           <a:bodyPr/>
           <a:lstStyle/>
           <a:p>
-            <a:endParaRPr lang="fr-FR" dirty="0" smtClean="0"/>
-          </a:p>
-          <a:p>
-            <a:endParaRPr lang="fr-FR" dirty="0" smtClean="0"/>
-          </a:p>
-          <a:p>
-            <a:r>
-              <a:rPr lang="fr-FR" dirty="0" err="1" smtClean="0"/>
-              <a:t>Autocomplétion</a:t>
-            </a:r>
             <a:r>
               <a:rPr lang="fr-FR" dirty="0" smtClean="0"/>
-              <a:t>  -&gt; </a:t>
-            </a:r>
-          </a:p>
-          <a:p>
-            <a:r>
-              <a:rPr lang="fr-FR" dirty="0" smtClean="0"/>
-              <a:t>Bien si on ajoute</a:t>
+              <a:t>Scanne</a:t>
             </a:r>
             <a:r>
               <a:rPr lang="fr-FR" baseline="0" dirty="0" smtClean="0"/>
-              <a:t> plusieurs fois un matériel qui a les mêmes caractéristiques</a:t>
+              <a:t> matériel</a:t>
             </a:r>
           </a:p>
           <a:p>
             <a:r>
               <a:rPr lang="fr-FR" baseline="0" dirty="0" smtClean="0"/>
-              <a:t>Bien pour garder une base de données cohérente</a:t>
-            </a:r>
-            <a:endParaRPr lang="fr-FR" dirty="0"/>
+              <a:t>S’il existe -&gt; caractéristique du mat + historique -&gt; traçabilité -&gt; répond au besoins</a:t>
+            </a:r>
+          </a:p>
+          <a:p>
+            <a:r>
+              <a:rPr lang="fr-FR" baseline="0" dirty="0" smtClean="0"/>
+              <a:t>Editer</a:t>
+            </a:r>
+          </a:p>
+          <a:p>
+            <a:r>
+              <a:rPr lang="fr-FR" baseline="0" dirty="0" smtClean="0"/>
+              <a:t>Supprimer</a:t>
+            </a:r>
+          </a:p>
+          <a:p>
+            <a:endParaRPr lang="fr-FR" baseline="0" dirty="0" smtClean="0"/>
+          </a:p>
+          <a:p>
+            <a:endParaRPr lang="fr-FR" baseline="0" dirty="0" smtClean="0"/>
           </a:p>
         </p:txBody>
       </p:sp>
@@ -4525,7 +4561,7 @@
     </p:spTree>
     <p:extLst>
       <p:ext uri="{BB962C8B-B14F-4D97-AF65-F5344CB8AC3E}">
-        <p14:creationId xmlns:p14="http://schemas.microsoft.com/office/powerpoint/2010/main" val="3739196220"/>
+        <p14:creationId xmlns:p14="http://schemas.microsoft.com/office/powerpoint/2010/main" val="2309688965"/>
       </p:ext>
     </p:extLst>
   </p:cSld>
@@ -4579,61 +4615,37 @@
           <a:bodyPr/>
           <a:lstStyle/>
           <a:p>
+            <a:endParaRPr lang="fr-FR" dirty="0" smtClean="0"/>
+          </a:p>
+          <a:p>
+            <a:endParaRPr lang="fr-FR" dirty="0" smtClean="0"/>
+          </a:p>
+          <a:p>
+            <a:r>
+              <a:rPr lang="fr-FR" dirty="0" err="1" smtClean="0"/>
+              <a:t>Autocomplétion</a:t>
+            </a:r>
             <a:r>
               <a:rPr lang="fr-FR" dirty="0" smtClean="0"/>
-              <a:t>Visualiser</a:t>
+              <a:t>  -&gt; </a:t>
+            </a:r>
+          </a:p>
+          <a:p>
+            <a:r>
+              <a:rPr lang="fr-FR" dirty="0" smtClean="0"/>
+              <a:t>Bien si on ajoute</a:t>
             </a:r>
             <a:r>
               <a:rPr lang="fr-FR" baseline="0" dirty="0" smtClean="0"/>
-              <a:t> tout le stock</a:t>
+              <a:t> plusieurs fois un matériel qui a les mêmes caractéristiques</a:t>
             </a:r>
           </a:p>
           <a:p>
             <a:r>
               <a:rPr lang="fr-FR" baseline="0" dirty="0" smtClean="0"/>
-              <a:t>Utilisation du composant accordéon pour trier par type puis par caractéristique</a:t>
-            </a:r>
-          </a:p>
-          <a:p>
-            <a:r>
-              <a:rPr lang="fr-FR" baseline="0" dirty="0" smtClean="0"/>
-              <a:t>Utilisation du code barre pour accéder directement au mat</a:t>
-            </a:r>
-          </a:p>
-          <a:p>
-            <a:r>
-              <a:rPr lang="fr-FR" baseline="0" dirty="0" smtClean="0"/>
-              <a:t>Peut changer la quantité empruntable d’un groupe de mat ayant les même </a:t>
-            </a:r>
-            <a:r>
-              <a:rPr lang="fr-FR" baseline="0" dirty="0" err="1" smtClean="0"/>
-              <a:t>caractérisiques</a:t>
-            </a:r>
-            <a:endParaRPr lang="fr-FR" baseline="0" dirty="0" smtClean="0"/>
-          </a:p>
-          <a:p>
-            <a:endParaRPr lang="fr-FR" baseline="0" dirty="0" smtClean="0"/>
-          </a:p>
-          <a:p>
-            <a:r>
-              <a:rPr lang="fr-FR" baseline="0" dirty="0" smtClean="0"/>
-              <a:t>Manque</a:t>
-            </a:r>
-          </a:p>
-          <a:p>
-            <a:endParaRPr lang="fr-FR" baseline="0" dirty="0" smtClean="0"/>
-          </a:p>
-          <a:p>
-            <a:r>
-              <a:rPr lang="fr-FR" baseline="0" dirty="0" smtClean="0"/>
-              <a:t>Mettre en réserve un matériel précis</a:t>
-            </a:r>
-          </a:p>
-          <a:p>
-            <a:r>
-              <a:rPr lang="fr-FR" baseline="0" dirty="0" smtClean="0"/>
-              <a:t>responsive</a:t>
-            </a:r>
+              <a:t>Bien pour garder une base de données cohérente</a:t>
+            </a:r>
+            <a:endParaRPr lang="fr-FR" dirty="0"/>
           </a:p>
         </p:txBody>
       </p:sp>
@@ -4664,7 +4676,7 @@
     </p:spTree>
     <p:extLst>
       <p:ext uri="{BB962C8B-B14F-4D97-AF65-F5344CB8AC3E}">
-        <p14:creationId xmlns:p14="http://schemas.microsoft.com/office/powerpoint/2010/main" val="3274056243"/>
+        <p14:creationId xmlns:p14="http://schemas.microsoft.com/office/powerpoint/2010/main" val="3739196220"/>
       </p:ext>
     </p:extLst>
   </p:cSld>
@@ -4701,12 +4713,7 @@
             <p:ph type="sldImg"/>
           </p:nvPr>
         </p:nvSpPr>
-        <p:spPr>
-          <a:xfrm>
-            <a:off x="381000" y="685800"/>
-            <a:ext cx="6096000" cy="3429000"/>
-          </a:xfrm>
-        </p:spPr>
+        <p:spPr/>
       </p:sp>
       <p:sp>
         <p:nvSpPr>
@@ -4720,12 +4727,64 @@
         </p:nvSpPr>
         <p:spPr/>
         <p:txBody>
-          <a:bodyPr>
-            <a:normAutofit/>
-          </a:bodyPr>
-          <a:lstStyle/>
-          <a:p>
-            <a:endParaRPr lang="fr-FR" dirty="0"/>
+          <a:bodyPr/>
+          <a:lstStyle/>
+          <a:p>
+            <a:r>
+              <a:rPr lang="fr-FR" dirty="0" smtClean="0"/>
+              <a:t>Visualiser</a:t>
+            </a:r>
+            <a:r>
+              <a:rPr lang="fr-FR" baseline="0" dirty="0" smtClean="0"/>
+              <a:t> tout le stock</a:t>
+            </a:r>
+          </a:p>
+          <a:p>
+            <a:r>
+              <a:rPr lang="fr-FR" baseline="0" dirty="0" smtClean="0"/>
+              <a:t>Utilisation du composant accordéon pour trier par type puis par caractéristique</a:t>
+            </a:r>
+          </a:p>
+          <a:p>
+            <a:r>
+              <a:rPr lang="fr-FR" baseline="0" dirty="0" smtClean="0"/>
+              <a:t>Utilisation du code barre pour accéder directement au mat</a:t>
+            </a:r>
+          </a:p>
+          <a:p>
+            <a:r>
+              <a:rPr lang="fr-FR" baseline="0" dirty="0" smtClean="0"/>
+              <a:t>Peut changer la quantité empruntable d’un groupe de mat ayant les même </a:t>
+            </a:r>
+            <a:r>
+              <a:rPr lang="fr-FR" baseline="0" dirty="0" err="1" smtClean="0"/>
+              <a:t>caractérisiques</a:t>
+            </a:r>
+            <a:endParaRPr lang="fr-FR" baseline="0" dirty="0" smtClean="0"/>
+          </a:p>
+          <a:p>
+            <a:endParaRPr lang="fr-FR" baseline="0" dirty="0" smtClean="0"/>
+          </a:p>
+          <a:p>
+            <a:r>
+              <a:rPr lang="fr-FR" baseline="0" dirty="0" smtClean="0"/>
+              <a:t>Manque</a:t>
+            </a:r>
+          </a:p>
+          <a:p>
+            <a:endParaRPr lang="fr-FR" baseline="0" dirty="0" smtClean="0"/>
+          </a:p>
+          <a:p>
+            <a:r>
+              <a:rPr lang="fr-FR" baseline="0" dirty="0" smtClean="0"/>
+              <a:t>Mettre en réserve un matériel précis</a:t>
+            </a:r>
+          </a:p>
+          <a:p>
+            <a:r>
+              <a:rPr lang="fr-FR" baseline="0" dirty="0" smtClean="0"/>
+              <a:t>responsive</a:t>
+            </a:r>
           </a:p>
         </p:txBody>
       </p:sp>
@@ -4756,7 +4815,7 @@
     </p:spTree>
     <p:extLst>
       <p:ext uri="{BB962C8B-B14F-4D97-AF65-F5344CB8AC3E}">
-        <p14:creationId xmlns:p14="http://schemas.microsoft.com/office/powerpoint/2010/main" val="1793242086"/>
+        <p14:creationId xmlns:p14="http://schemas.microsoft.com/office/powerpoint/2010/main" val="3274056243"/>
       </p:ext>
     </p:extLst>
   </p:cSld>
@@ -4885,32 +4944,29 @@
             <p:ph type="sldImg"/>
           </p:nvPr>
         </p:nvSpPr>
+        <p:spPr>
+          <a:xfrm>
+            <a:off x="381000" y="685800"/>
+            <a:ext cx="6096000" cy="3429000"/>
+          </a:xfrm>
+        </p:spPr>
+      </p:sp>
+      <p:sp>
+        <p:nvSpPr>
+          <p:cNvPr id="3" name="Espace réservé des commentaires 2"/>
+          <p:cNvSpPr>
+            <a:spLocks noGrp="1"/>
+          </p:cNvSpPr>
+          <p:nvPr>
+            <p:ph type="body" idx="1"/>
+          </p:nvPr>
+        </p:nvSpPr>
         <p:spPr/>
-      </p:sp>
-      <p:sp>
-        <p:nvSpPr>
-          <p:cNvPr id="3" name="Espace réservé des commentaires 2"/>
-          <p:cNvSpPr>
-            <a:spLocks noGrp="1"/>
-          </p:cNvSpPr>
-          <p:nvPr>
-            <p:ph type="body" idx="1"/>
-          </p:nvPr>
-        </p:nvSpPr>
-        <p:spPr/>
-        <p:txBody>
-          <a:bodyPr/>
-          <a:lstStyle/>
-          <a:p>
-            <a:r>
-              <a:rPr lang="fr-FR" dirty="0" smtClean="0"/>
-              <a:t>Nombre de </a:t>
-            </a:r>
-            <a:r>
-              <a:rPr lang="fr-FR" dirty="0" smtClean="0"/>
-              <a:t>lots</a:t>
-            </a:r>
-          </a:p>
+        <p:txBody>
+          <a:bodyPr>
+            <a:normAutofit/>
+          </a:bodyPr>
+          <a:lstStyle/>
           <a:p>
             <a:endParaRPr lang="fr-FR" dirty="0"/>
           </a:p>
@@ -4943,7 +4999,7 @@
     </p:spTree>
     <p:extLst>
       <p:ext uri="{BB962C8B-B14F-4D97-AF65-F5344CB8AC3E}">
-        <p14:creationId xmlns:p14="http://schemas.microsoft.com/office/powerpoint/2010/main" val="2762867708"/>
+        <p14:creationId xmlns:p14="http://schemas.microsoft.com/office/powerpoint/2010/main" val="1793242086"/>
       </p:ext>
     </p:extLst>
   </p:cSld>
@@ -4980,6 +5036,267 @@
             <p:ph type="sldImg"/>
           </p:nvPr>
         </p:nvSpPr>
+        <p:spPr/>
+      </p:sp>
+      <p:sp>
+        <p:nvSpPr>
+          <p:cNvPr id="3" name="Espace réservé des commentaires 2"/>
+          <p:cNvSpPr>
+            <a:spLocks noGrp="1"/>
+          </p:cNvSpPr>
+          <p:nvPr>
+            <p:ph type="body" idx="1"/>
+          </p:nvPr>
+        </p:nvSpPr>
+        <p:spPr/>
+        <p:txBody>
+          <a:bodyPr/>
+          <a:lstStyle/>
+          <a:p>
+            <a:r>
+              <a:rPr lang="fr-FR" dirty="0" smtClean="0"/>
+              <a:t>Nombre de lots</a:t>
+            </a:r>
+          </a:p>
+          <a:p>
+            <a:endParaRPr lang="fr-FR" dirty="0"/>
+          </a:p>
+        </p:txBody>
+      </p:sp>
+      <p:sp>
+        <p:nvSpPr>
+          <p:cNvPr id="4" name="Espace réservé du numéro de diapositive 3"/>
+          <p:cNvSpPr>
+            <a:spLocks noGrp="1"/>
+          </p:cNvSpPr>
+          <p:nvPr>
+            <p:ph type="sldNum" sz="quarter" idx="10"/>
+          </p:nvPr>
+        </p:nvSpPr>
+        <p:spPr/>
+        <p:txBody>
+          <a:bodyPr/>
+          <a:lstStyle/>
+          <a:p>
+            <a:fld id="{8140D90F-C6E8-4D2C-BA1B-D6C23459C063}" type="slidenum">
+              <a:rPr lang="fr-FR" smtClean="0"/>
+              <a:pPr/>
+              <a:t>39</a:t>
+            </a:fld>
+            <a:endParaRPr lang="fr-FR"/>
+          </a:p>
+        </p:txBody>
+      </p:sp>
+    </p:spTree>
+    <p:extLst>
+      <p:ext uri="{BB962C8B-B14F-4D97-AF65-F5344CB8AC3E}">
+        <p14:creationId xmlns:p14="http://schemas.microsoft.com/office/powerpoint/2010/main" val="2762867708"/>
+      </p:ext>
+    </p:extLst>
+  </p:cSld>
+  <p:clrMapOvr>
+    <a:masterClrMapping/>
+  </p:clrMapOvr>
+</p:notes>
+</file>
+
+<file path=ppt/notesSlides/notesSlide32.xml><?xml version="1.0" encoding="utf-8"?>
+<p:notes xmlns:a="http://schemas.openxmlformats.org/drawingml/2006/main" xmlns:r="http://schemas.openxmlformats.org/officeDocument/2006/relationships" xmlns:p="http://schemas.openxmlformats.org/presentationml/2006/main">
+  <p:cSld>
+    <p:spTree>
+      <p:nvGrpSpPr>
+        <p:cNvPr id="1" name=""/>
+        <p:cNvGrpSpPr/>
+        <p:nvPr/>
+      </p:nvGrpSpPr>
+      <p:grpSpPr>
+        <a:xfrm>
+          <a:off x="0" y="0"/>
+          <a:ext cx="0" cy="0"/>
+          <a:chOff x="0" y="0"/>
+          <a:chExt cx="0" cy="0"/>
+        </a:xfrm>
+      </p:grpSpPr>
+      <p:sp>
+        <p:nvSpPr>
+          <p:cNvPr id="2" name="Espace réservé de l'image des diapositives 1"/>
+          <p:cNvSpPr>
+            <a:spLocks noGrp="1" noRot="1" noChangeAspect="1"/>
+          </p:cNvSpPr>
+          <p:nvPr>
+            <p:ph type="sldImg"/>
+          </p:nvPr>
+        </p:nvSpPr>
+        <p:spPr/>
+      </p:sp>
+      <p:sp>
+        <p:nvSpPr>
+          <p:cNvPr id="3" name="Espace réservé des commentaires 2"/>
+          <p:cNvSpPr>
+            <a:spLocks noGrp="1"/>
+          </p:cNvSpPr>
+          <p:nvPr>
+            <p:ph type="body" idx="1"/>
+          </p:nvPr>
+        </p:nvSpPr>
+        <p:spPr/>
+        <p:txBody>
+          <a:bodyPr/>
+          <a:lstStyle/>
+          <a:p>
+            <a:endParaRPr lang="fr-FR" dirty="0"/>
+          </a:p>
+        </p:txBody>
+      </p:sp>
+      <p:sp>
+        <p:nvSpPr>
+          <p:cNvPr id="4" name="Espace réservé du numéro de diapositive 3"/>
+          <p:cNvSpPr>
+            <a:spLocks noGrp="1"/>
+          </p:cNvSpPr>
+          <p:nvPr>
+            <p:ph type="sldNum" sz="quarter" idx="10"/>
+          </p:nvPr>
+        </p:nvSpPr>
+        <p:spPr/>
+        <p:txBody>
+          <a:bodyPr/>
+          <a:lstStyle/>
+          <a:p>
+            <a:fld id="{8140D90F-C6E8-4D2C-BA1B-D6C23459C063}" type="slidenum">
+              <a:rPr lang="fr-FR" smtClean="0"/>
+              <a:pPr/>
+              <a:t>43</a:t>
+            </a:fld>
+            <a:endParaRPr lang="fr-FR"/>
+          </a:p>
+        </p:txBody>
+      </p:sp>
+    </p:spTree>
+    <p:extLst>
+      <p:ext uri="{BB962C8B-B14F-4D97-AF65-F5344CB8AC3E}">
+        <p14:creationId xmlns:p14="http://schemas.microsoft.com/office/powerpoint/2010/main" val="215727907"/>
+      </p:ext>
+    </p:extLst>
+  </p:cSld>
+  <p:clrMapOvr>
+    <a:masterClrMapping/>
+  </p:clrMapOvr>
+</p:notes>
+</file>
+
+<file path=ppt/notesSlides/notesSlide33.xml><?xml version="1.0" encoding="utf-8"?>
+<p:notes xmlns:a="http://schemas.openxmlformats.org/drawingml/2006/main" xmlns:r="http://schemas.openxmlformats.org/officeDocument/2006/relationships" xmlns:p="http://schemas.openxmlformats.org/presentationml/2006/main">
+  <p:cSld>
+    <p:spTree>
+      <p:nvGrpSpPr>
+        <p:cNvPr id="1" name=""/>
+        <p:cNvGrpSpPr/>
+        <p:nvPr/>
+      </p:nvGrpSpPr>
+      <p:grpSpPr>
+        <a:xfrm>
+          <a:off x="0" y="0"/>
+          <a:ext cx="0" cy="0"/>
+          <a:chOff x="0" y="0"/>
+          <a:chExt cx="0" cy="0"/>
+        </a:xfrm>
+      </p:grpSpPr>
+      <p:sp>
+        <p:nvSpPr>
+          <p:cNvPr id="2" name="Espace réservé de l'image des diapositives 1"/>
+          <p:cNvSpPr>
+            <a:spLocks noGrp="1" noRot="1" noChangeAspect="1"/>
+          </p:cNvSpPr>
+          <p:nvPr>
+            <p:ph type="sldImg"/>
+          </p:nvPr>
+        </p:nvSpPr>
+        <p:spPr/>
+      </p:sp>
+      <p:sp>
+        <p:nvSpPr>
+          <p:cNvPr id="3" name="Espace réservé des commentaires 2"/>
+          <p:cNvSpPr>
+            <a:spLocks noGrp="1"/>
+          </p:cNvSpPr>
+          <p:nvPr>
+            <p:ph type="body" idx="1"/>
+          </p:nvPr>
+        </p:nvSpPr>
+        <p:spPr/>
+        <p:txBody>
+          <a:bodyPr/>
+          <a:lstStyle/>
+          <a:p>
+            <a:endParaRPr lang="fr-FR" dirty="0"/>
+          </a:p>
+        </p:txBody>
+      </p:sp>
+      <p:sp>
+        <p:nvSpPr>
+          <p:cNvPr id="4" name="Espace réservé du numéro de diapositive 3"/>
+          <p:cNvSpPr>
+            <a:spLocks noGrp="1"/>
+          </p:cNvSpPr>
+          <p:nvPr>
+            <p:ph type="sldNum" sz="quarter" idx="10"/>
+          </p:nvPr>
+        </p:nvSpPr>
+        <p:spPr/>
+        <p:txBody>
+          <a:bodyPr/>
+          <a:lstStyle/>
+          <a:p>
+            <a:fld id="{8140D90F-C6E8-4D2C-BA1B-D6C23459C063}" type="slidenum">
+              <a:rPr lang="fr-FR" smtClean="0"/>
+              <a:pPr/>
+              <a:t>44</a:t>
+            </a:fld>
+            <a:endParaRPr lang="fr-FR"/>
+          </a:p>
+        </p:txBody>
+      </p:sp>
+    </p:spTree>
+    <p:extLst>
+      <p:ext uri="{BB962C8B-B14F-4D97-AF65-F5344CB8AC3E}">
+        <p14:creationId xmlns:p14="http://schemas.microsoft.com/office/powerpoint/2010/main" val="1300554457"/>
+      </p:ext>
+    </p:extLst>
+  </p:cSld>
+  <p:clrMapOvr>
+    <a:masterClrMapping/>
+  </p:clrMapOvr>
+</p:notes>
+</file>
+
+<file path=ppt/notesSlides/notesSlide34.xml><?xml version="1.0" encoding="utf-8"?>
+<p:notes xmlns:a="http://schemas.openxmlformats.org/drawingml/2006/main" xmlns:r="http://schemas.openxmlformats.org/officeDocument/2006/relationships" xmlns:p="http://schemas.openxmlformats.org/presentationml/2006/main">
+  <p:cSld>
+    <p:spTree>
+      <p:nvGrpSpPr>
+        <p:cNvPr id="1" name=""/>
+        <p:cNvGrpSpPr/>
+        <p:nvPr/>
+      </p:nvGrpSpPr>
+      <p:grpSpPr>
+        <a:xfrm>
+          <a:off x="0" y="0"/>
+          <a:ext cx="0" cy="0"/>
+          <a:chOff x="0" y="0"/>
+          <a:chExt cx="0" cy="0"/>
+        </a:xfrm>
+      </p:grpSpPr>
+      <p:sp>
+        <p:nvSpPr>
+          <p:cNvPr id="2" name="Espace réservé de l'image des diapositives 1"/>
+          <p:cNvSpPr>
+            <a:spLocks noGrp="1" noRot="1" noChangeAspect="1"/>
+          </p:cNvSpPr>
+          <p:nvPr>
+            <p:ph type="sldImg"/>
+          </p:nvPr>
+        </p:nvSpPr>
         <p:spPr>
           <a:xfrm>
             <a:off x="381000" y="685800"/>
@@ -5026,7 +5343,7 @@
             <a:fld id="{8140D90F-C6E8-4D2C-BA1B-D6C23459C063}" type="slidenum">
               <a:rPr lang="fr-FR" smtClean="0"/>
               <a:pPr/>
-              <a:t>46</a:t>
+              <a:t>47</a:t>
             </a:fld>
             <a:endParaRPr lang="fr-FR"/>
           </a:p>
@@ -9097,7 +9414,15 @@
                   <a:srgbClr val="FFC000"/>
                 </a:solidFill>
               </a:rPr>
-              <a:t>Gérer les demandes</a:t>
+              <a:t>Gérer les </a:t>
+            </a:r>
+            <a:r>
+              <a:rPr lang="fr-FR" b="1" dirty="0" smtClean="0">
+                <a:solidFill>
+                  <a:srgbClr val="FFC000"/>
+                </a:solidFill>
+              </a:rPr>
+              <a:t>demandes</a:t>
             </a:r>
           </a:p>
           <a:p>
@@ -9118,7 +9443,15 @@
                   <a:srgbClr val="FFC000"/>
                 </a:solidFill>
               </a:rPr>
-              <a:t>Gérer l’état du stock</a:t>
+              <a:t>Gérer l’état du </a:t>
+            </a:r>
+            <a:r>
+              <a:rPr lang="fr-FR" b="1" dirty="0" smtClean="0">
+                <a:solidFill>
+                  <a:srgbClr val="FFC000"/>
+                </a:solidFill>
+              </a:rPr>
+              <a:t>stock</a:t>
             </a:r>
           </a:p>
           <a:p>
@@ -9389,43 +9722,78 @@
             <p:ph idx="1"/>
           </p:nvPr>
         </p:nvSpPr>
-        <p:spPr/>
+        <p:spPr>
+          <a:xfrm>
+            <a:off x="323528" y="1378570"/>
+            <a:ext cx="8229600" cy="3394472"/>
+          </a:xfrm>
+        </p:spPr>
         <p:txBody>
           <a:bodyPr/>
           <a:lstStyle/>
           <a:p>
             <a:r>
-              <a:rPr lang="fr-FR" dirty="0" smtClean="0">
+              <a:rPr lang="fr-FR" sz="2400" dirty="0" smtClean="0">
                 <a:solidFill>
                   <a:srgbClr val="FFC000"/>
                 </a:solidFill>
               </a:rPr>
-              <a:t>Réserver du matériel à l’avance</a:t>
-            </a:r>
-          </a:p>
-          <a:p>
-            <a:r>
-              <a:rPr lang="fr-FR" dirty="0" smtClean="0">
+              <a:t>Réserver du matériel à </a:t>
+            </a:r>
+            <a:r>
+              <a:rPr lang="fr-FR" sz="2400" dirty="0" smtClean="0">
                 <a:solidFill>
                   <a:srgbClr val="FFC000"/>
                 </a:solidFill>
               </a:rPr>
+              <a:t>l’avance</a:t>
+            </a:r>
+          </a:p>
+          <a:p>
+            <a:endParaRPr lang="fr-FR" sz="2400" dirty="0" smtClean="0">
+              <a:solidFill>
+                <a:srgbClr val="FFC000"/>
+              </a:solidFill>
+            </a:endParaRPr>
+          </a:p>
+          <a:p>
+            <a:r>
+              <a:rPr lang="fr-FR" sz="2400" dirty="0" smtClean="0">
+                <a:solidFill>
+                  <a:srgbClr val="FFC000"/>
+                </a:solidFill>
+              </a:rPr>
               <a:t>Connaître les caractéristiques du matériel</a:t>
             </a:r>
           </a:p>
           <a:p>
             <a:r>
-              <a:rPr lang="fr-FR" dirty="0" smtClean="0">
+              <a:rPr lang="fr-FR" sz="2400" dirty="0" smtClean="0">
                 <a:solidFill>
                   <a:srgbClr val="FFC000"/>
                 </a:solidFill>
               </a:rPr>
-              <a:t>Connaître l’état du stock</a:t>
-            </a:r>
-          </a:p>
-          <a:p>
-            <a:r>
-              <a:rPr lang="fr-FR" dirty="0" smtClean="0">
+              <a:t>Connaître l’état du </a:t>
+            </a:r>
+            <a:r>
+              <a:rPr lang="fr-FR" sz="2400" dirty="0" smtClean="0">
+                <a:solidFill>
+                  <a:srgbClr val="FFC000"/>
+                </a:solidFill>
+              </a:rPr>
+              <a:t>stock</a:t>
+            </a:r>
+          </a:p>
+          <a:p>
+            <a:endParaRPr lang="fr-FR" sz="2400" dirty="0" smtClean="0">
+              <a:solidFill>
+                <a:srgbClr val="FFC000"/>
+              </a:solidFill>
+            </a:endParaRPr>
+          </a:p>
+          <a:p>
+            <a:r>
+              <a:rPr lang="fr-FR" sz="2400" dirty="0" smtClean="0">
                 <a:solidFill>
                   <a:srgbClr val="FFC000"/>
                 </a:solidFill>
@@ -9504,6 +9872,235 @@
             <a:endParaRPr lang="fr-FR" b="1" dirty="0">
               <a:solidFill>
                 <a:schemeClr val="bg1"/>
+              </a:solidFill>
+            </a:endParaRPr>
+          </a:p>
+        </p:txBody>
+      </p:sp>
+      <p:sp>
+        <p:nvSpPr>
+          <p:cNvPr id="8" name="Accolade fermante 7"/>
+          <p:cNvSpPr/>
+          <p:nvPr/>
+        </p:nvSpPr>
+        <p:spPr>
+          <a:xfrm>
+            <a:off x="6131829" y="2211710"/>
+            <a:ext cx="792088" cy="1008112"/>
+          </a:xfrm>
+          <a:prstGeom prst="rightBrace">
+            <a:avLst/>
+          </a:prstGeom>
+          <a:ln w="19050">
+            <a:solidFill>
+              <a:srgbClr val="FFC000"/>
+            </a:solidFill>
+          </a:ln>
+        </p:spPr>
+        <p:style>
+          <a:lnRef idx="1">
+            <a:schemeClr val="accent6"/>
+          </a:lnRef>
+          <a:fillRef idx="0">
+            <a:schemeClr val="accent6"/>
+          </a:fillRef>
+          <a:effectRef idx="0">
+            <a:schemeClr val="accent6"/>
+          </a:effectRef>
+          <a:fontRef idx="minor">
+            <a:schemeClr val="tx1"/>
+          </a:fontRef>
+        </p:style>
+        <p:txBody>
+          <a:bodyPr rtlCol="0" anchor="ctr"/>
+          <a:lstStyle/>
+          <a:p>
+            <a:pPr algn="ctr"/>
+            <a:endParaRPr lang="fr-FR"/>
+          </a:p>
+        </p:txBody>
+      </p:sp>
+      <p:cxnSp>
+        <p:nvCxnSpPr>
+          <p:cNvPr id="9" name="Connecteur droit avec flèche 8"/>
+          <p:cNvCxnSpPr/>
+          <p:nvPr/>
+        </p:nvCxnSpPr>
+        <p:spPr>
+          <a:xfrm>
+            <a:off x="6131829" y="3867894"/>
+            <a:ext cx="792088" cy="0"/>
+          </a:xfrm>
+          <a:prstGeom prst="straightConnector1">
+            <a:avLst/>
+          </a:prstGeom>
+          <a:ln w="19050">
+            <a:solidFill>
+              <a:srgbClr val="FFC000"/>
+            </a:solidFill>
+            <a:tailEnd type="arrow"/>
+          </a:ln>
+        </p:spPr>
+        <p:style>
+          <a:lnRef idx="1">
+            <a:schemeClr val="accent1"/>
+          </a:lnRef>
+          <a:fillRef idx="0">
+            <a:schemeClr val="accent1"/>
+          </a:fillRef>
+          <a:effectRef idx="0">
+            <a:schemeClr val="accent1"/>
+          </a:effectRef>
+          <a:fontRef idx="minor">
+            <a:schemeClr val="tx1"/>
+          </a:fontRef>
+        </p:style>
+      </p:cxnSp>
+      <p:cxnSp>
+        <p:nvCxnSpPr>
+          <p:cNvPr id="10" name="Connecteur droit avec flèche 9"/>
+          <p:cNvCxnSpPr/>
+          <p:nvPr/>
+        </p:nvCxnSpPr>
+        <p:spPr>
+          <a:xfrm>
+            <a:off x="6031001" y="1635646"/>
+            <a:ext cx="792088" cy="0"/>
+          </a:xfrm>
+          <a:prstGeom prst="straightConnector1">
+            <a:avLst/>
+          </a:prstGeom>
+          <a:ln w="19050">
+            <a:solidFill>
+              <a:srgbClr val="FFC000"/>
+            </a:solidFill>
+            <a:tailEnd type="arrow"/>
+          </a:ln>
+        </p:spPr>
+        <p:style>
+          <a:lnRef idx="1">
+            <a:schemeClr val="accent1"/>
+          </a:lnRef>
+          <a:fillRef idx="0">
+            <a:schemeClr val="accent1"/>
+          </a:fillRef>
+          <a:effectRef idx="0">
+            <a:schemeClr val="accent1"/>
+          </a:effectRef>
+          <a:fontRef idx="minor">
+            <a:schemeClr val="tx1"/>
+          </a:fontRef>
+        </p:style>
+      </p:cxnSp>
+      <p:sp>
+        <p:nvSpPr>
+          <p:cNvPr id="11" name="ZoneTexte 10"/>
+          <p:cNvSpPr txBox="1"/>
+          <p:nvPr/>
+        </p:nvSpPr>
+        <p:spPr>
+          <a:xfrm>
+            <a:off x="7164288" y="1404813"/>
+            <a:ext cx="1294265" cy="461665"/>
+          </a:xfrm>
+          <a:prstGeom prst="rect">
+            <a:avLst/>
+          </a:prstGeom>
+          <a:noFill/>
+        </p:spPr>
+        <p:txBody>
+          <a:bodyPr wrap="none" rtlCol="0">
+            <a:spAutoFit/>
+          </a:bodyPr>
+          <a:lstStyle/>
+          <a:p>
+            <a:r>
+              <a:rPr lang="fr-FR" sz="2400" b="1" dirty="0" smtClean="0">
+                <a:solidFill>
+                  <a:srgbClr val="FFC000"/>
+                </a:solidFill>
+              </a:rPr>
+              <a:t>Emprunt</a:t>
+            </a:r>
+            <a:endParaRPr lang="fr-FR" sz="2400" b="1" dirty="0">
+              <a:solidFill>
+                <a:srgbClr val="FFC000"/>
+              </a:solidFill>
+            </a:endParaRPr>
+          </a:p>
+        </p:txBody>
+      </p:sp>
+      <p:sp>
+        <p:nvSpPr>
+          <p:cNvPr id="12" name="ZoneTexte 11"/>
+          <p:cNvSpPr txBox="1"/>
+          <p:nvPr/>
+        </p:nvSpPr>
+        <p:spPr>
+          <a:xfrm>
+            <a:off x="7164288" y="2484933"/>
+            <a:ext cx="875753" cy="461665"/>
+          </a:xfrm>
+          <a:prstGeom prst="rect">
+            <a:avLst/>
+          </a:prstGeom>
+          <a:noFill/>
+        </p:spPr>
+        <p:txBody>
+          <a:bodyPr wrap="none" rtlCol="0">
+            <a:spAutoFit/>
+          </a:bodyPr>
+          <a:lstStyle/>
+          <a:p>
+            <a:r>
+              <a:rPr lang="fr-FR" sz="2400" b="1" dirty="0" smtClean="0">
+                <a:solidFill>
+                  <a:srgbClr val="FFC000"/>
+                </a:solidFill>
+              </a:rPr>
+              <a:t>Stock</a:t>
+            </a:r>
+            <a:endParaRPr lang="fr-FR" sz="2400" b="1" dirty="0">
+              <a:solidFill>
+                <a:srgbClr val="FFC000"/>
+              </a:solidFill>
+            </a:endParaRPr>
+          </a:p>
+        </p:txBody>
+      </p:sp>
+      <p:sp>
+        <p:nvSpPr>
+          <p:cNvPr id="13" name="ZoneTexte 12"/>
+          <p:cNvSpPr txBox="1"/>
+          <p:nvPr/>
+        </p:nvSpPr>
+        <p:spPr>
+          <a:xfrm>
+            <a:off x="7164288" y="3637061"/>
+            <a:ext cx="1422184" cy="461665"/>
+          </a:xfrm>
+          <a:prstGeom prst="rect">
+            <a:avLst/>
+          </a:prstGeom>
+          <a:noFill/>
+        </p:spPr>
+        <p:txBody>
+          <a:bodyPr wrap="none" rtlCol="0">
+            <a:spAutoFit/>
+          </a:bodyPr>
+          <a:lstStyle/>
+          <a:p>
+            <a:r>
+              <a:rPr lang="fr-FR" sz="2400" b="1" dirty="0" smtClean="0">
+                <a:solidFill>
+                  <a:srgbClr val="FFC000"/>
+                </a:solidFill>
+              </a:rPr>
+              <a:t>Demande</a:t>
+            </a:r>
+            <a:endParaRPr lang="fr-FR" sz="2400" b="1" dirty="0">
+              <a:solidFill>
+                <a:srgbClr val="FFC000"/>
               </a:solidFill>
             </a:endParaRPr>
           </a:p>
@@ -9548,11 +10145,34 @@
                                           </p:stCondLst>
                                         </p:cTn>
                                         <p:tgtEl>
-                                          <p:spTgt spid="3">
-                                            <p:txEl>
-                                              <p:pRg st="0" end="0"/>
-                                            </p:txEl>
-                                          </p:spTgt>
+                                          <p:spTgt spid="10"/>
+                                        </p:tgtEl>
+                                        <p:attrNameLst>
+                                          <p:attrName>style.visibility</p:attrName>
+                                        </p:attrNameLst>
+                                      </p:cBhvr>
+                                      <p:to>
+                                        <p:strVal val="visible"/>
+                                      </p:to>
+                                    </p:set>
+                                  </p:childTnLst>
+                                </p:cTn>
+                              </p:par>
+                              <p:par>
+                                <p:cTn id="7" presetID="1" presetClass="entr" presetSubtype="0" fill="hold" grpId="0" nodeType="withEffect">
+                                  <p:stCondLst>
+                                    <p:cond delay="0"/>
+                                  </p:stCondLst>
+                                  <p:childTnLst>
+                                    <p:set>
+                                      <p:cBhvr>
+                                        <p:cTn id="8" dur="1" fill="hold">
+                                          <p:stCondLst>
+                                            <p:cond delay="0"/>
+                                          </p:stCondLst>
+                                        </p:cTn>
+                                        <p:tgtEl>
+                                          <p:spTgt spid="11"/>
                                         </p:tgtEl>
                                         <p:attrNameLst>
                                           <p:attrName>style.visibility</p:attrName>
@@ -9572,50 +10192,19 @@
                     </p:cTn>
                   </p:par>
                   <p:par>
-                    <p:cTn id="7" fill="hold">
+                    <p:cTn id="9" fill="hold">
                       <p:stCondLst>
                         <p:cond delay="indefinite"/>
                       </p:stCondLst>
                       <p:childTnLst>
                         <p:par>
-                          <p:cTn id="8" fill="hold">
+                          <p:cTn id="10" fill="hold">
                             <p:stCondLst>
                               <p:cond delay="0"/>
                             </p:stCondLst>
                             <p:childTnLst>
                               <p:par>
-                                <p:cTn id="9" presetID="1" presetClass="entr" presetSubtype="0" fill="hold" nodeType="clickEffect">
-                                  <p:stCondLst>
-                                    <p:cond delay="0"/>
-                                  </p:stCondLst>
-                                  <p:childTnLst>
-                                    <p:set>
-                                      <p:cBhvr>
-                                        <p:cTn id="10" dur="1" fill="hold">
-                                          <p:stCondLst>
-                                            <p:cond delay="0"/>
-                                          </p:stCondLst>
-                                        </p:cTn>
-                                        <p:tgtEl>
-                                          <p:spTgt spid="3">
-                                            <p:txEl>
-                                              <p:pRg st="1" end="1"/>
-                                            </p:txEl>
-                                          </p:spTgt>
-                                        </p:tgtEl>
-                                        <p:attrNameLst>
-                                          <p:attrName>style.visibility</p:attrName>
-                                        </p:attrNameLst>
-                                      </p:cBhvr>
-                                      <p:to>
-                                        <p:strVal val="visible"/>
-                                      </p:to>
-                                    </p:set>
-                                  </p:childTnLst>
-                                </p:cTn>
-                              </p:par>
-                              <p:par>
-                                <p:cTn id="11" presetID="1" presetClass="entr" presetSubtype="0" fill="hold" nodeType="withEffect">
+                                <p:cTn id="11" presetID="1" presetClass="entr" presetSubtype="0" fill="hold" nodeType="clickEffect">
                                   <p:stCondLst>
                                     <p:cond delay="0"/>
                                   </p:stCondLst>
@@ -9645,33 +10234,15 @@
                                   </p:childTnLst>
                                 </p:cTn>
                               </p:par>
-                            </p:childTnLst>
-                          </p:cTn>
-                        </p:par>
-                      </p:childTnLst>
-                    </p:cTn>
-                  </p:par>
-                  <p:par>
-                    <p:cTn id="13" fill="hold">
-                      <p:stCondLst>
-                        <p:cond delay="indefinite"/>
-                      </p:stCondLst>
-                      <p:childTnLst>
-                        <p:par>
-                          <p:cTn id="14" fill="hold">
-                            <p:stCondLst>
-                              <p:cond delay="0"/>
-                            </p:stCondLst>
-                            <p:childTnLst>
                               <p:par>
-                                <p:cTn id="15" presetID="1" presetClass="entr" presetSubtype="0" fill="hold" nodeType="clickEffect">
+                                <p:cTn id="13" presetID="1" presetClass="entr" presetSubtype="0" fill="hold" nodeType="withEffect">
                                   <p:stCondLst>
                                     <p:cond delay="0"/>
                                   </p:stCondLst>
                                   <p:childTnLst>
                                     <p:set>
                                       <p:cBhvr>
-                                        <p:cTn id="16" dur="1" fill="hold">
+                                        <p:cTn id="14" dur="1" fill="hold">
                                           <p:stCondLst>
                                             <p:cond delay="0"/>
                                           </p:stCondLst>
@@ -9682,6 +10253,199 @@
                                               <p:pRg st="3" end="3"/>
                                             </p:txEl>
                                           </p:spTgt>
+                                        </p:tgtEl>
+                                        <p:attrNameLst>
+                                          <p:attrName>style.visibility</p:attrName>
+                                        </p:attrNameLst>
+                                      </p:cBhvr>
+                                      <p:to>
+                                        <p:strVal val="visible"/>
+                                      </p:to>
+                                    </p:set>
+                                  </p:childTnLst>
+                                </p:cTn>
+                              </p:par>
+                            </p:childTnLst>
+                          </p:cTn>
+                        </p:par>
+                      </p:childTnLst>
+                    </p:cTn>
+                  </p:par>
+                  <p:par>
+                    <p:cTn id="15" fill="hold">
+                      <p:stCondLst>
+                        <p:cond delay="indefinite"/>
+                      </p:stCondLst>
+                      <p:childTnLst>
+                        <p:par>
+                          <p:cTn id="16" fill="hold">
+                            <p:stCondLst>
+                              <p:cond delay="0"/>
+                            </p:stCondLst>
+                            <p:childTnLst>
+                              <p:par>
+                                <p:cTn id="17" presetID="1" presetClass="entr" presetSubtype="0" fill="hold" grpId="0" nodeType="clickEffect">
+                                  <p:stCondLst>
+                                    <p:cond delay="0"/>
+                                  </p:stCondLst>
+                                  <p:childTnLst>
+                                    <p:set>
+                                      <p:cBhvr>
+                                        <p:cTn id="18" dur="1" fill="hold">
+                                          <p:stCondLst>
+                                            <p:cond delay="0"/>
+                                          </p:stCondLst>
+                                        </p:cTn>
+                                        <p:tgtEl>
+                                          <p:spTgt spid="8"/>
+                                        </p:tgtEl>
+                                        <p:attrNameLst>
+                                          <p:attrName>style.visibility</p:attrName>
+                                        </p:attrNameLst>
+                                      </p:cBhvr>
+                                      <p:to>
+                                        <p:strVal val="visible"/>
+                                      </p:to>
+                                    </p:set>
+                                  </p:childTnLst>
+                                </p:cTn>
+                              </p:par>
+                              <p:par>
+                                <p:cTn id="19" presetID="1" presetClass="entr" presetSubtype="0" fill="hold" grpId="0" nodeType="withEffect">
+                                  <p:stCondLst>
+                                    <p:cond delay="0"/>
+                                  </p:stCondLst>
+                                  <p:childTnLst>
+                                    <p:set>
+                                      <p:cBhvr>
+                                        <p:cTn id="20" dur="1" fill="hold">
+                                          <p:stCondLst>
+                                            <p:cond delay="0"/>
+                                          </p:stCondLst>
+                                        </p:cTn>
+                                        <p:tgtEl>
+                                          <p:spTgt spid="12"/>
+                                        </p:tgtEl>
+                                        <p:attrNameLst>
+                                          <p:attrName>style.visibility</p:attrName>
+                                        </p:attrNameLst>
+                                      </p:cBhvr>
+                                      <p:to>
+                                        <p:strVal val="visible"/>
+                                      </p:to>
+                                    </p:set>
+                                  </p:childTnLst>
+                                </p:cTn>
+                              </p:par>
+                            </p:childTnLst>
+                          </p:cTn>
+                        </p:par>
+                      </p:childTnLst>
+                    </p:cTn>
+                  </p:par>
+                  <p:par>
+                    <p:cTn id="21" fill="hold">
+                      <p:stCondLst>
+                        <p:cond delay="indefinite"/>
+                      </p:stCondLst>
+                      <p:childTnLst>
+                        <p:par>
+                          <p:cTn id="22" fill="hold">
+                            <p:stCondLst>
+                              <p:cond delay="0"/>
+                            </p:stCondLst>
+                            <p:childTnLst>
+                              <p:par>
+                                <p:cTn id="23" presetID="1" presetClass="entr" presetSubtype="0" fill="hold" nodeType="clickEffect">
+                                  <p:stCondLst>
+                                    <p:cond delay="0"/>
+                                  </p:stCondLst>
+                                  <p:childTnLst>
+                                    <p:set>
+                                      <p:cBhvr>
+                                        <p:cTn id="24" dur="1" fill="hold">
+                                          <p:stCondLst>
+                                            <p:cond delay="0"/>
+                                          </p:stCondLst>
+                                        </p:cTn>
+                                        <p:tgtEl>
+                                          <p:spTgt spid="3">
+                                            <p:txEl>
+                                              <p:pRg st="5" end="5"/>
+                                            </p:txEl>
+                                          </p:spTgt>
+                                        </p:tgtEl>
+                                        <p:attrNameLst>
+                                          <p:attrName>style.visibility</p:attrName>
+                                        </p:attrNameLst>
+                                      </p:cBhvr>
+                                      <p:to>
+                                        <p:strVal val="visible"/>
+                                      </p:to>
+                                    </p:set>
+                                  </p:childTnLst>
+                                </p:cTn>
+                              </p:par>
+                            </p:childTnLst>
+                          </p:cTn>
+                        </p:par>
+                      </p:childTnLst>
+                    </p:cTn>
+                  </p:par>
+                  <p:par>
+                    <p:cTn id="25" fill="hold">
+                      <p:stCondLst>
+                        <p:cond delay="indefinite"/>
+                      </p:stCondLst>
+                      <p:childTnLst>
+                        <p:par>
+                          <p:cTn id="26" fill="hold">
+                            <p:stCondLst>
+                              <p:cond delay="0"/>
+                            </p:stCondLst>
+                            <p:childTnLst>
+                              <p:par>
+                                <p:cTn id="27" presetID="1" presetClass="entr" presetSubtype="0" fill="hold" nodeType="clickEffect">
+                                  <p:stCondLst>
+                                    <p:cond delay="0"/>
+                                  </p:stCondLst>
+                                  <p:childTnLst>
+                                    <p:set>
+                                      <p:cBhvr>
+                                        <p:cTn id="28" dur="1" fill="hold">
+                                          <p:stCondLst>
+                                            <p:cond delay="0"/>
+                                          </p:stCondLst>
+                                        </p:cTn>
+                                        <p:tgtEl>
+                                          <p:spTgt spid="9"/>
+                                        </p:tgtEl>
+                                        <p:attrNameLst>
+                                          <p:attrName>style.visibility</p:attrName>
+                                        </p:attrNameLst>
+                                      </p:cBhvr>
+                                      <p:to>
+                                        <p:strVal val="visible"/>
+                                      </p:to>
+                                    </p:set>
+                                  </p:childTnLst>
+                                </p:cTn>
+                              </p:par>
+                              <p:par>
+                                <p:cTn id="29" presetID="1" presetClass="entr" presetSubtype="0" fill="hold" grpId="0" nodeType="withEffect">
+                                  <p:stCondLst>
+                                    <p:cond delay="0"/>
+                                  </p:stCondLst>
+                                  <p:childTnLst>
+                                    <p:set>
+                                      <p:cBhvr>
+                                        <p:cTn id="30" dur="1" fill="hold">
+                                          <p:stCondLst>
+                                            <p:cond delay="0"/>
+                                          </p:stCondLst>
+                                        </p:cTn>
+                                        <p:tgtEl>
+                                          <p:spTgt spid="13"/>
                                         </p:tgtEl>
                                         <p:attrNameLst>
                                           <p:attrName>style.visibility</p:attrName>
@@ -9721,6 +10485,12 @@
         </p:cTn>
       </p:par>
     </p:tnLst>
+    <p:bldLst>
+      <p:bldP spid="8" grpId="0" animBg="1"/>
+      <p:bldP spid="11" grpId="0"/>
+      <p:bldP spid="12" grpId="0"/>
+      <p:bldP spid="13" grpId="0"/>
+    </p:bldLst>
   </p:timing>
 </p:sld>
 </file>
@@ -10104,148 +10874,6 @@
                                         <p:tgtEl>
                                           <p:spTgt spid="3">
                                             <p:txEl>
-                                              <p:pRg st="0" end="0"/>
-                                            </p:txEl>
-                                          </p:spTgt>
-                                        </p:tgtEl>
-                                        <p:attrNameLst>
-                                          <p:attrName>style.visibility</p:attrName>
-                                        </p:attrNameLst>
-                                      </p:cBhvr>
-                                      <p:to>
-                                        <p:strVal val="visible"/>
-                                      </p:to>
-                                    </p:set>
-                                  </p:childTnLst>
-                                </p:cTn>
-                              </p:par>
-                              <p:par>
-                                <p:cTn id="7" presetID="1" presetClass="entr" presetSubtype="0" fill="hold" nodeType="withEffect">
-                                  <p:stCondLst>
-                                    <p:cond delay="0"/>
-                                  </p:stCondLst>
-                                  <p:childTnLst>
-                                    <p:set>
-                                      <p:cBhvr>
-                                        <p:cTn id="8" dur="1" fill="hold">
-                                          <p:stCondLst>
-                                            <p:cond delay="0"/>
-                                          </p:stCondLst>
-                                        </p:cTn>
-                                        <p:tgtEl>
-                                          <p:spTgt spid="3">
-                                            <p:txEl>
-                                              <p:pRg st="1" end="1"/>
-                                            </p:txEl>
-                                          </p:spTgt>
-                                        </p:tgtEl>
-                                        <p:attrNameLst>
-                                          <p:attrName>style.visibility</p:attrName>
-                                        </p:attrNameLst>
-                                      </p:cBhvr>
-                                      <p:to>
-                                        <p:strVal val="visible"/>
-                                      </p:to>
-                                    </p:set>
-                                  </p:childTnLst>
-                                </p:cTn>
-                              </p:par>
-                              <p:par>
-                                <p:cTn id="9" presetID="1" presetClass="entr" presetSubtype="0" fill="hold" nodeType="withEffect">
-                                  <p:stCondLst>
-                                    <p:cond delay="0"/>
-                                  </p:stCondLst>
-                                  <p:childTnLst>
-                                    <p:set>
-                                      <p:cBhvr>
-                                        <p:cTn id="10" dur="1" fill="hold">
-                                          <p:stCondLst>
-                                            <p:cond delay="0"/>
-                                          </p:stCondLst>
-                                        </p:cTn>
-                                        <p:tgtEl>
-                                          <p:spTgt spid="3">
-                                            <p:txEl>
-                                              <p:pRg st="2" end="2"/>
-                                            </p:txEl>
-                                          </p:spTgt>
-                                        </p:tgtEl>
-                                        <p:attrNameLst>
-                                          <p:attrName>style.visibility</p:attrName>
-                                        </p:attrNameLst>
-                                      </p:cBhvr>
-                                      <p:to>
-                                        <p:strVal val="visible"/>
-                                      </p:to>
-                                    </p:set>
-                                  </p:childTnLst>
-                                </p:cTn>
-                              </p:par>
-                              <p:par>
-                                <p:cTn id="11" presetID="1" presetClass="entr" presetSubtype="0" fill="hold" nodeType="withEffect">
-                                  <p:stCondLst>
-                                    <p:cond delay="0"/>
-                                  </p:stCondLst>
-                                  <p:childTnLst>
-                                    <p:set>
-                                      <p:cBhvr>
-                                        <p:cTn id="12" dur="1" fill="hold">
-                                          <p:stCondLst>
-                                            <p:cond delay="0"/>
-                                          </p:stCondLst>
-                                        </p:cTn>
-                                        <p:tgtEl>
-                                          <p:spTgt spid="3">
-                                            <p:txEl>
-                                              <p:pRg st="3" end="3"/>
-                                            </p:txEl>
-                                          </p:spTgt>
-                                        </p:tgtEl>
-                                        <p:attrNameLst>
-                                          <p:attrName>style.visibility</p:attrName>
-                                        </p:attrNameLst>
-                                      </p:cBhvr>
-                                      <p:to>
-                                        <p:strVal val="visible"/>
-                                      </p:to>
-                                    </p:set>
-                                  </p:childTnLst>
-                                </p:cTn>
-                              </p:par>
-                            </p:childTnLst>
-                          </p:cTn>
-                        </p:par>
-                      </p:childTnLst>
-                    </p:cTn>
-                  </p:par>
-                  <p:par>
-                    <p:cTn id="13" fill="hold">
-                      <p:stCondLst>
-                        <p:cond delay="indefinite"/>
-                      </p:stCondLst>
-                      <p:childTnLst>
-                        <p:par>
-                          <p:cTn id="14" fill="hold">
-                            <p:stCondLst>
-                              <p:cond delay="0"/>
-                            </p:stCondLst>
-                            <p:childTnLst>
-                              <p:par>
-                                <p:cTn id="15" presetID="1" presetClass="entr" presetSubtype="0" fill="hold" nodeType="clickEffect">
-                                  <p:stCondLst>
-                                    <p:cond delay="0"/>
-                                  </p:stCondLst>
-                                  <p:childTnLst>
-                                    <p:set>
-                                      <p:cBhvr>
-                                        <p:cTn id="16" dur="1" fill="hold">
-                                          <p:stCondLst>
-                                            <p:cond delay="0"/>
-                                          </p:stCondLst>
-                                        </p:cTn>
-                                        <p:tgtEl>
-                                          <p:spTgt spid="3">
-                                            <p:txEl>
                                               <p:pRg st="4" end="4"/>
                                             </p:txEl>
                                           </p:spTgt>
@@ -10268,26 +10896,26 @@
                     </p:cTn>
                   </p:par>
                   <p:par>
-                    <p:cTn id="17" fill="hold">
+                    <p:cTn id="7" fill="hold">
                       <p:stCondLst>
                         <p:cond delay="indefinite"/>
                       </p:stCondLst>
                       <p:childTnLst>
                         <p:par>
-                          <p:cTn id="18" fill="hold">
+                          <p:cTn id="8" fill="hold">
                             <p:stCondLst>
                               <p:cond delay="0"/>
                             </p:stCondLst>
                             <p:childTnLst>
                               <p:par>
-                                <p:cTn id="19" presetID="1" presetClass="entr" presetSubtype="0" fill="hold" nodeType="clickEffect">
+                                <p:cTn id="9" presetID="1" presetClass="entr" presetSubtype="0" fill="hold" nodeType="clickEffect">
                                   <p:stCondLst>
                                     <p:cond delay="0"/>
                                   </p:stCondLst>
                                   <p:childTnLst>
                                     <p:set>
                                       <p:cBhvr>
-                                        <p:cTn id="20" dur="1" fill="hold">
+                                        <p:cTn id="10" dur="1" fill="hold">
                                           <p:stCondLst>
                                             <p:cond delay="0"/>
                                           </p:stCondLst>
@@ -10502,7 +11130,15 @@
                   <a:srgbClr val="FFC000"/>
                 </a:solidFill>
               </a:rPr>
-              <a:t>Faire une demande d’emprunt</a:t>
+              <a:t>Faire une demande </a:t>
+            </a:r>
+            <a:r>
+              <a:rPr lang="fr-FR" b="1" dirty="0" smtClean="0">
+                <a:solidFill>
+                  <a:srgbClr val="FFC000"/>
+                </a:solidFill>
+              </a:rPr>
+              <a:t>d’emprunt</a:t>
             </a:r>
           </a:p>
           <a:p>
@@ -10534,7 +11170,15 @@
                   <a:srgbClr val="FFC000"/>
                 </a:solidFill>
               </a:rPr>
-              <a:t>Gérer les demandes</a:t>
+              <a:t>Gérer les </a:t>
+            </a:r>
+            <a:r>
+              <a:rPr lang="fr-FR" b="1" dirty="0" smtClean="0">
+                <a:solidFill>
+                  <a:srgbClr val="FFC000"/>
+                </a:solidFill>
+              </a:rPr>
+              <a:t>demandes</a:t>
             </a:r>
           </a:p>
           <a:p>
@@ -17159,6 +17803,98 @@
       </p:grpSpPr>
       <p:sp>
         <p:nvSpPr>
+          <p:cNvPr id="7" name="Rectangle 6"/>
+          <p:cNvSpPr/>
+          <p:nvPr/>
+        </p:nvSpPr>
+        <p:spPr>
+          <a:xfrm>
+            <a:off x="0" y="4731990"/>
+            <a:ext cx="9144000" cy="411510"/>
+          </a:xfrm>
+          <a:prstGeom prst="rect">
+            <a:avLst/>
+          </a:prstGeom>
+          <a:solidFill>
+            <a:srgbClr val="FFC000"/>
+          </a:solidFill>
+          <a:ln>
+            <a:noFill/>
+          </a:ln>
+        </p:spPr>
+        <p:style>
+          <a:lnRef idx="2">
+            <a:schemeClr val="accent1">
+              <a:shade val="50000"/>
+            </a:schemeClr>
+          </a:lnRef>
+          <a:fillRef idx="1">
+            <a:schemeClr val="accent1"/>
+          </a:fillRef>
+          <a:effectRef idx="0">
+            <a:schemeClr val="accent1"/>
+          </a:effectRef>
+          <a:fontRef idx="minor">
+            <a:schemeClr val="lt1"/>
+          </a:fontRef>
+        </p:style>
+        <p:txBody>
+          <a:bodyPr rtlCol="0" anchor="ctr"/>
+          <a:lstStyle/>
+          <a:p>
+            <a:pPr algn="ctr"/>
+            <a:endParaRPr lang="fr-FR"/>
+          </a:p>
+        </p:txBody>
+      </p:sp>
+      <p:sp>
+        <p:nvSpPr>
+          <p:cNvPr id="4" name="Rectangle 3"/>
+          <p:cNvSpPr/>
+          <p:nvPr/>
+        </p:nvSpPr>
+        <p:spPr>
+          <a:xfrm>
+            <a:off x="0" y="0"/>
+            <a:ext cx="9144000" cy="1167594"/>
+          </a:xfrm>
+          <a:prstGeom prst="rect">
+            <a:avLst/>
+          </a:prstGeom>
+          <a:solidFill>
+            <a:srgbClr val="FFC000"/>
+          </a:solidFill>
+          <a:ln>
+            <a:noFill/>
+          </a:ln>
+        </p:spPr>
+        <p:style>
+          <a:lnRef idx="2">
+            <a:schemeClr val="accent1">
+              <a:shade val="50000"/>
+            </a:schemeClr>
+          </a:lnRef>
+          <a:fillRef idx="1">
+            <a:schemeClr val="accent1"/>
+          </a:fillRef>
+          <a:effectRef idx="0">
+            <a:schemeClr val="accent1"/>
+          </a:effectRef>
+          <a:fontRef idx="minor">
+            <a:schemeClr val="lt1"/>
+          </a:fontRef>
+        </p:style>
+        <p:txBody>
+          <a:bodyPr rtlCol="0" anchor="ctr"/>
+          <a:lstStyle/>
+          <a:p>
+            <a:pPr algn="ctr"/>
+            <a:endParaRPr lang="fr-FR"/>
+          </a:p>
+        </p:txBody>
+      </p:sp>
+      <p:sp>
+        <p:nvSpPr>
           <p:cNvPr id="2" name="Titre 1"/>
           <p:cNvSpPr>
             <a:spLocks noGrp="1"/>
@@ -17167,25 +17903,170 @@
             <p:ph type="title"/>
           </p:nvPr>
         </p:nvSpPr>
-        <p:spPr>
-          <a:xfrm>
-            <a:off x="3563888" y="2143125"/>
-            <a:ext cx="2016224" cy="857250"/>
-          </a:xfrm>
-        </p:spPr>
-        <p:txBody>
-          <a:bodyPr>
-            <a:normAutofit fontScale="90000"/>
+        <p:spPr/>
+        <p:txBody>
+          <a:bodyPr/>
+          <a:lstStyle/>
+          <a:p>
+            <a:r>
+              <a:rPr lang="fr-FR" dirty="0" smtClean="0">
+                <a:solidFill>
+                  <a:schemeClr val="bg1"/>
+                </a:solidFill>
+              </a:rPr>
+              <a:t>Notre démarche</a:t>
+            </a:r>
+            <a:endParaRPr lang="fr-FR" dirty="0">
+              <a:solidFill>
+                <a:schemeClr val="bg1"/>
+              </a:solidFill>
+            </a:endParaRPr>
+          </a:p>
+        </p:txBody>
+      </p:sp>
+      <p:sp>
+        <p:nvSpPr>
+          <p:cNvPr id="5" name="Espace réservé du numéro de diapositive 4"/>
+          <p:cNvSpPr>
+            <a:spLocks noGrp="1"/>
+          </p:cNvSpPr>
+          <p:nvPr>
+            <p:ph type="sldNum" sz="quarter" idx="12"/>
+          </p:nvPr>
+        </p:nvSpPr>
+        <p:spPr/>
+        <p:txBody>
+          <a:bodyPr/>
+          <a:lstStyle/>
+          <a:p>
+            <a:fld id="{B3C63893-BC38-4EBB-829D-DE1F1D825C70}" type="slidenum">
+              <a:rPr lang="fr-FR" b="1" smtClean="0">
+                <a:solidFill>
+                  <a:schemeClr val="bg1"/>
+                </a:solidFill>
+              </a:rPr>
+              <a:pPr/>
+              <a:t>28</a:t>
+            </a:fld>
+            <a:endParaRPr lang="fr-FR" b="1" dirty="0">
+              <a:solidFill>
+                <a:schemeClr val="bg1"/>
+              </a:solidFill>
+            </a:endParaRPr>
+          </a:p>
+        </p:txBody>
+      </p:sp>
+      <p:sp>
+        <p:nvSpPr>
+          <p:cNvPr id="6" name="Espace réservé du pied de page 5"/>
+          <p:cNvSpPr>
+            <a:spLocks noGrp="1"/>
+          </p:cNvSpPr>
+          <p:nvPr>
+            <p:ph type="ftr" sz="quarter" idx="11"/>
+          </p:nvPr>
+        </p:nvSpPr>
+        <p:spPr>
+          <a:xfrm>
+            <a:off x="1475656" y="4767262"/>
+            <a:ext cx="6264696" cy="376238"/>
+          </a:xfrm>
+        </p:spPr>
+        <p:txBody>
+          <a:bodyPr/>
+          <a:lstStyle/>
+          <a:p>
+            <a:r>
+              <a:rPr lang="fr-FR" b="1" smtClean="0">
+                <a:solidFill>
+                  <a:schemeClr val="bg1"/>
+                </a:solidFill>
+              </a:rPr>
+              <a:t>Gestion des emprunts de matériels - Alexis LAURENT | Suzy PAETA | Romain ROUFAST</a:t>
+            </a:r>
+            <a:endParaRPr lang="fr-FR" b="1" dirty="0">
+              <a:solidFill>
+                <a:schemeClr val="bg1"/>
+              </a:solidFill>
+            </a:endParaRPr>
+          </a:p>
+        </p:txBody>
+      </p:sp>
+      <p:sp>
+        <p:nvSpPr>
+          <p:cNvPr id="8" name="ZoneTexte 7"/>
+          <p:cNvSpPr txBox="1"/>
+          <p:nvPr/>
+        </p:nvSpPr>
+        <p:spPr>
+          <a:xfrm>
+            <a:off x="107504" y="2301721"/>
+            <a:ext cx="2808312" cy="954107"/>
+          </a:xfrm>
+          <a:prstGeom prst="rect">
+            <a:avLst/>
+          </a:prstGeom>
+          <a:noFill/>
+        </p:spPr>
+        <p:txBody>
+          <a:bodyPr wrap="square" rtlCol="0">
+            <a:spAutoFit/>
           </a:bodyPr>
           <a:lstStyle/>
           <a:p>
             <a:r>
-              <a:rPr lang="fr-FR" dirty="0" smtClean="0">
+              <a:rPr lang="fr-FR" sz="2800" dirty="0" smtClean="0">
                 <a:solidFill>
                   <a:srgbClr val="FFC000"/>
                 </a:solidFill>
               </a:rPr>
-              <a:t>Résultat</a:t>
+              <a:t>Analyse </a:t>
+            </a:r>
+            <a:r>
+              <a:rPr lang="fr-FR" sz="2800" dirty="0" smtClean="0">
+                <a:solidFill>
+                  <a:srgbClr val="FFC000"/>
+                </a:solidFill>
+              </a:rPr>
+              <a:t>Utilisateurs</a:t>
+            </a:r>
+            <a:endParaRPr lang="fr-FR" sz="2800" dirty="0" smtClean="0">
+              <a:solidFill>
+                <a:srgbClr val="FFC000"/>
+              </a:solidFill>
+            </a:endParaRPr>
+          </a:p>
+        </p:txBody>
+      </p:sp>
+      <p:sp>
+        <p:nvSpPr>
+          <p:cNvPr id="9" name="ZoneTexte 8"/>
+          <p:cNvSpPr txBox="1"/>
+          <p:nvPr/>
+        </p:nvSpPr>
+        <p:spPr>
+          <a:xfrm>
+            <a:off x="4611861" y="1293837"/>
+            <a:ext cx="2088232" cy="523220"/>
+          </a:xfrm>
+          <a:prstGeom prst="rect">
+            <a:avLst/>
+          </a:prstGeom>
+          <a:noFill/>
+        </p:spPr>
+        <p:txBody>
+          <a:bodyPr wrap="square" rtlCol="0">
+            <a:spAutoFit/>
+          </a:bodyPr>
+          <a:lstStyle/>
+          <a:p>
+            <a:r>
+              <a:rPr lang="fr-FR" sz="2800" dirty="0" smtClean="0">
+                <a:solidFill>
+                  <a:srgbClr val="FFC000"/>
+                </a:solidFill>
+              </a:rPr>
+              <a:t>Conception</a:t>
             </a:r>
             <a:endParaRPr lang="fr-FR" dirty="0">
               <a:solidFill>
@@ -17195,10 +18076,343 @@
           </a:p>
         </p:txBody>
       </p:sp>
+      <p:sp>
+        <p:nvSpPr>
+          <p:cNvPr id="10" name="ZoneTexte 9"/>
+          <p:cNvSpPr txBox="1"/>
+          <p:nvPr/>
+        </p:nvSpPr>
+        <p:spPr>
+          <a:xfrm>
+            <a:off x="6432421" y="2180685"/>
+            <a:ext cx="2808312" cy="954107"/>
+          </a:xfrm>
+          <a:prstGeom prst="rect">
+            <a:avLst/>
+          </a:prstGeom>
+          <a:noFill/>
+        </p:spPr>
+        <p:txBody>
+          <a:bodyPr wrap="square" rtlCol="0">
+            <a:spAutoFit/>
+          </a:bodyPr>
+          <a:lstStyle/>
+          <a:p>
+            <a:r>
+              <a:rPr lang="fr-FR" sz="2800" dirty="0" smtClean="0">
+                <a:solidFill>
+                  <a:srgbClr val="FFC000"/>
+                </a:solidFill>
+              </a:rPr>
+              <a:t>Implémentation</a:t>
+            </a:r>
+          </a:p>
+          <a:p>
+            <a:r>
+              <a:rPr lang="fr-FR" sz="2800" dirty="0" smtClean="0">
+                <a:solidFill>
+                  <a:srgbClr val="FFC000"/>
+                </a:solidFill>
+              </a:rPr>
+              <a:t>Back-end</a:t>
+            </a:r>
+            <a:r>
+              <a:rPr lang="fr-FR" sz="2800" dirty="0" smtClean="0">
+                <a:solidFill>
+                  <a:srgbClr val="FFC000"/>
+                </a:solidFill>
+              </a:rPr>
+              <a:t> </a:t>
+            </a:r>
+            <a:endParaRPr lang="fr-FR" dirty="0">
+              <a:solidFill>
+                <a:srgbClr val="FFC000"/>
+              </a:solidFill>
+            </a:endParaRPr>
+          </a:p>
+        </p:txBody>
+      </p:sp>
+      <p:sp>
+        <p:nvSpPr>
+          <p:cNvPr id="11" name="ZoneTexte 10"/>
+          <p:cNvSpPr txBox="1"/>
+          <p:nvPr/>
+        </p:nvSpPr>
+        <p:spPr>
+          <a:xfrm>
+            <a:off x="4349752" y="3878665"/>
+            <a:ext cx="2808312" cy="523220"/>
+          </a:xfrm>
+          <a:prstGeom prst="rect">
+            <a:avLst/>
+          </a:prstGeom>
+          <a:noFill/>
+        </p:spPr>
+        <p:txBody>
+          <a:bodyPr wrap="square" rtlCol="0">
+            <a:spAutoFit/>
+          </a:bodyPr>
+          <a:lstStyle/>
+          <a:p>
+            <a:r>
+              <a:rPr lang="fr-FR" sz="2800" dirty="0" smtClean="0">
+                <a:solidFill>
+                  <a:srgbClr val="FFC000"/>
+                </a:solidFill>
+              </a:rPr>
+              <a:t>Tests utilisateurs</a:t>
+            </a:r>
+            <a:endParaRPr lang="fr-FR" dirty="0">
+              <a:solidFill>
+                <a:srgbClr val="FFC000"/>
+              </a:solidFill>
+            </a:endParaRPr>
+          </a:p>
+        </p:txBody>
+      </p:sp>
+      <p:cxnSp>
+        <p:nvCxnSpPr>
+          <p:cNvPr id="12" name="Connecteur droit avec flèche 11"/>
+          <p:cNvCxnSpPr/>
+          <p:nvPr/>
+        </p:nvCxnSpPr>
+        <p:spPr>
+          <a:xfrm>
+            <a:off x="1672917" y="2625756"/>
+            <a:ext cx="792088" cy="0"/>
+          </a:xfrm>
+          <a:prstGeom prst="straightConnector1">
+            <a:avLst/>
+          </a:prstGeom>
+          <a:ln w="38100">
+            <a:solidFill>
+              <a:srgbClr val="FFC000"/>
+            </a:solidFill>
+            <a:tailEnd type="arrow"/>
+          </a:ln>
+        </p:spPr>
+        <p:style>
+          <a:lnRef idx="1">
+            <a:schemeClr val="accent1"/>
+          </a:lnRef>
+          <a:fillRef idx="0">
+            <a:schemeClr val="accent1"/>
+          </a:fillRef>
+          <a:effectRef idx="0">
+            <a:schemeClr val="accent1"/>
+          </a:effectRef>
+          <a:fontRef idx="minor">
+            <a:schemeClr val="tx1"/>
+          </a:fontRef>
+        </p:style>
+      </p:cxnSp>
+      <p:cxnSp>
+        <p:nvCxnSpPr>
+          <p:cNvPr id="14" name="Connecteur droit avec flèche 13"/>
+          <p:cNvCxnSpPr/>
+          <p:nvPr/>
+        </p:nvCxnSpPr>
+        <p:spPr>
+          <a:xfrm flipV="1">
+            <a:off x="3481855" y="1620808"/>
+            <a:ext cx="1008112" cy="559877"/>
+          </a:xfrm>
+          <a:prstGeom prst="straightConnector1">
+            <a:avLst/>
+          </a:prstGeom>
+          <a:ln w="38100">
+            <a:solidFill>
+              <a:srgbClr val="FFC000"/>
+            </a:solidFill>
+            <a:tailEnd type="arrow"/>
+          </a:ln>
+        </p:spPr>
+        <p:style>
+          <a:lnRef idx="1">
+            <a:schemeClr val="accent1"/>
+          </a:lnRef>
+          <a:fillRef idx="0">
+            <a:schemeClr val="accent1"/>
+          </a:fillRef>
+          <a:effectRef idx="0">
+            <a:schemeClr val="accent1"/>
+          </a:effectRef>
+          <a:fontRef idx="minor">
+            <a:schemeClr val="tx1"/>
+          </a:fontRef>
+        </p:style>
+      </p:cxnSp>
+      <p:cxnSp>
+        <p:nvCxnSpPr>
+          <p:cNvPr id="20" name="Connecteur droit avec flèche 19"/>
+          <p:cNvCxnSpPr/>
+          <p:nvPr/>
+        </p:nvCxnSpPr>
+        <p:spPr>
+          <a:xfrm flipH="1" flipV="1">
+            <a:off x="3481855" y="3258030"/>
+            <a:ext cx="1080120" cy="648072"/>
+          </a:xfrm>
+          <a:prstGeom prst="straightConnector1">
+            <a:avLst/>
+          </a:prstGeom>
+          <a:ln w="38100">
+            <a:solidFill>
+              <a:srgbClr val="FFC000"/>
+            </a:solidFill>
+            <a:tailEnd type="arrow"/>
+          </a:ln>
+        </p:spPr>
+        <p:style>
+          <a:lnRef idx="1">
+            <a:schemeClr val="accent1"/>
+          </a:lnRef>
+          <a:fillRef idx="0">
+            <a:schemeClr val="accent1"/>
+          </a:fillRef>
+          <a:effectRef idx="0">
+            <a:schemeClr val="accent1"/>
+          </a:effectRef>
+          <a:fontRef idx="minor">
+            <a:schemeClr val="tx1"/>
+          </a:fontRef>
+        </p:style>
+      </p:cxnSp>
+      <p:sp>
+        <p:nvSpPr>
+          <p:cNvPr id="3" name="ZoneTexte 2"/>
+          <p:cNvSpPr txBox="1"/>
+          <p:nvPr/>
+        </p:nvSpPr>
+        <p:spPr>
+          <a:xfrm>
+            <a:off x="2555776" y="2163220"/>
+            <a:ext cx="2606996" cy="1231106"/>
+          </a:xfrm>
+          <a:prstGeom prst="rect">
+            <a:avLst/>
+          </a:prstGeom>
+          <a:noFill/>
+        </p:spPr>
+        <p:txBody>
+          <a:bodyPr wrap="none" rtlCol="0">
+            <a:spAutoFit/>
+          </a:bodyPr>
+          <a:lstStyle/>
+          <a:p>
+            <a:r>
+              <a:rPr lang="fr-FR" sz="2800" dirty="0">
+                <a:solidFill>
+                  <a:srgbClr val="FFC000"/>
+                </a:solidFill>
+              </a:rPr>
+              <a:t>Implémentation </a:t>
+            </a:r>
+            <a:endParaRPr lang="fr-FR" sz="2800" dirty="0" smtClean="0">
+              <a:solidFill>
+                <a:srgbClr val="FFC000"/>
+              </a:solidFill>
+            </a:endParaRPr>
+          </a:p>
+          <a:p>
+            <a:r>
+              <a:rPr lang="fr-FR" sz="2800" dirty="0" smtClean="0">
+                <a:solidFill>
+                  <a:srgbClr val="FFC000"/>
+                </a:solidFill>
+              </a:rPr>
+              <a:t>Front </a:t>
+            </a:r>
+            <a:r>
+              <a:rPr lang="fr-FR" sz="2800" dirty="0">
+                <a:solidFill>
+                  <a:srgbClr val="FFC000"/>
+                </a:solidFill>
+              </a:rPr>
+              <a:t>end</a:t>
+            </a:r>
+          </a:p>
+          <a:p>
+            <a:endParaRPr lang="fr-FR" dirty="0"/>
+          </a:p>
+        </p:txBody>
+      </p:sp>
+      <p:cxnSp>
+        <p:nvCxnSpPr>
+          <p:cNvPr id="16" name="Connecteur droit avec flèche 15"/>
+          <p:cNvCxnSpPr/>
+          <p:nvPr/>
+        </p:nvCxnSpPr>
+        <p:spPr>
+          <a:xfrm>
+            <a:off x="6700093" y="1620808"/>
+            <a:ext cx="968251" cy="559877"/>
+          </a:xfrm>
+          <a:prstGeom prst="straightConnector1">
+            <a:avLst/>
+          </a:prstGeom>
+          <a:ln w="38100">
+            <a:solidFill>
+              <a:srgbClr val="FFC000"/>
+            </a:solidFill>
+            <a:tailEnd type="arrow"/>
+          </a:ln>
+        </p:spPr>
+        <p:style>
+          <a:lnRef idx="1">
+            <a:schemeClr val="accent1"/>
+          </a:lnRef>
+          <a:fillRef idx="0">
+            <a:schemeClr val="accent1"/>
+          </a:fillRef>
+          <a:effectRef idx="0">
+            <a:schemeClr val="accent1"/>
+          </a:effectRef>
+          <a:fontRef idx="minor">
+            <a:schemeClr val="tx1"/>
+          </a:fontRef>
+        </p:style>
+      </p:cxnSp>
+      <p:cxnSp>
+        <p:nvCxnSpPr>
+          <p:cNvPr id="19" name="Connecteur droit avec flèche 18"/>
+          <p:cNvCxnSpPr/>
+          <p:nvPr/>
+        </p:nvCxnSpPr>
+        <p:spPr>
+          <a:xfrm flipH="1">
+            <a:off x="6895978" y="3205126"/>
+            <a:ext cx="792088" cy="753880"/>
+          </a:xfrm>
+          <a:prstGeom prst="straightConnector1">
+            <a:avLst/>
+          </a:prstGeom>
+          <a:ln w="38100">
+            <a:solidFill>
+              <a:srgbClr val="FFC000"/>
+            </a:solidFill>
+            <a:tailEnd type="arrow"/>
+          </a:ln>
+        </p:spPr>
+        <p:style>
+          <a:lnRef idx="1">
+            <a:schemeClr val="accent1"/>
+          </a:lnRef>
+          <a:fillRef idx="0">
+            <a:schemeClr val="accent1"/>
+          </a:fillRef>
+          <a:effectRef idx="0">
+            <a:schemeClr val="accent1"/>
+          </a:effectRef>
+          <a:fontRef idx="minor">
+            <a:schemeClr val="tx1"/>
+          </a:fontRef>
+        </p:style>
+      </p:cxnSp>
     </p:spTree>
     <p:extLst>
       <p:ext uri="{BB962C8B-B14F-4D97-AF65-F5344CB8AC3E}">
-        <p14:creationId xmlns:p14="http://schemas.microsoft.com/office/powerpoint/2010/main" val="3394766839"/>
+        <p14:creationId xmlns:p14="http://schemas.microsoft.com/office/powerpoint/2010/main" val="709468261"/>
       </p:ext>
     </p:extLst>
   </p:cSld>
@@ -17234,154 +18448,46 @@
       </p:grpSpPr>
       <p:sp>
         <p:nvSpPr>
-          <p:cNvPr id="7" name="Rectangle 6"/>
-          <p:cNvSpPr/>
-          <p:nvPr/>
-        </p:nvSpPr>
-        <p:spPr>
-          <a:xfrm>
-            <a:off x="0" y="4731990"/>
-            <a:ext cx="9144000" cy="411510"/>
-          </a:xfrm>
-          <a:prstGeom prst="rect">
-            <a:avLst/>
-          </a:prstGeom>
-          <a:solidFill>
-            <a:srgbClr val="FFC000"/>
-          </a:solidFill>
-          <a:ln>
-            <a:noFill/>
-          </a:ln>
-        </p:spPr>
-        <p:style>
-          <a:lnRef idx="2">
-            <a:schemeClr val="accent1">
-              <a:shade val="50000"/>
-            </a:schemeClr>
-          </a:lnRef>
-          <a:fillRef idx="1">
-            <a:schemeClr val="accent1"/>
-          </a:fillRef>
-          <a:effectRef idx="0">
-            <a:schemeClr val="accent1"/>
-          </a:effectRef>
-          <a:fontRef idx="minor">
-            <a:schemeClr val="lt1"/>
-          </a:fontRef>
-        </p:style>
-        <p:txBody>
-          <a:bodyPr rtlCol="0" anchor="ctr"/>
-          <a:lstStyle/>
-          <a:p>
-            <a:pPr algn="ctr"/>
-            <a:endParaRPr lang="fr-FR"/>
-          </a:p>
-        </p:txBody>
-      </p:sp>
-      <p:sp>
-        <p:nvSpPr>
-          <p:cNvPr id="5" name="Espace réservé du numéro de diapositive 4"/>
+          <p:cNvPr id="2" name="Titre 1"/>
           <p:cNvSpPr>
             <a:spLocks noGrp="1"/>
           </p:cNvSpPr>
           <p:nvPr>
-            <p:ph type="sldNum" sz="quarter" idx="12"/>
-          </p:nvPr>
-        </p:nvSpPr>
-        <p:spPr/>
-        <p:txBody>
-          <a:bodyPr/>
-          <a:lstStyle/>
-          <a:p>
-            <a:fld id="{B3C63893-BC38-4EBB-829D-DE1F1D825C70}" type="slidenum">
-              <a:rPr lang="fr-FR" b="1" smtClean="0">
-                <a:solidFill>
-                  <a:schemeClr val="bg1"/>
-                </a:solidFill>
-              </a:rPr>
-              <a:pPr/>
-              <a:t>29</a:t>
-            </a:fld>
-            <a:endParaRPr lang="fr-FR" b="1" dirty="0">
+            <p:ph type="title"/>
+          </p:nvPr>
+        </p:nvSpPr>
+        <p:spPr>
+          <a:xfrm>
+            <a:off x="3563888" y="2143125"/>
+            <a:ext cx="2016224" cy="857250"/>
+          </a:xfrm>
+        </p:spPr>
+        <p:txBody>
+          <a:bodyPr>
+            <a:normAutofit fontScale="90000"/>
+          </a:bodyPr>
+          <a:lstStyle/>
+          <a:p>
+            <a:r>
+              <a:rPr lang="fr-FR" dirty="0" smtClean="0">
+                <a:solidFill>
+                  <a:srgbClr val="FFC000"/>
+                </a:solidFill>
+              </a:rPr>
+              <a:t>Résultat</a:t>
+            </a:r>
+            <a:endParaRPr lang="fr-FR" dirty="0">
               <a:solidFill>
-                <a:schemeClr val="bg1"/>
+                <a:srgbClr val="FFC000"/>
               </a:solidFill>
             </a:endParaRPr>
           </a:p>
         </p:txBody>
       </p:sp>
-      <p:sp>
-        <p:nvSpPr>
-          <p:cNvPr id="6" name="Espace réservé du pied de page 5"/>
-          <p:cNvSpPr>
-            <a:spLocks noGrp="1"/>
-          </p:cNvSpPr>
-          <p:nvPr>
-            <p:ph type="ftr" sz="quarter" idx="11"/>
-          </p:nvPr>
-        </p:nvSpPr>
-        <p:spPr>
-          <a:xfrm>
-            <a:off x="1475656" y="4767262"/>
-            <a:ext cx="6264696" cy="376238"/>
-          </a:xfrm>
-        </p:spPr>
-        <p:txBody>
-          <a:bodyPr/>
-          <a:lstStyle/>
-          <a:p>
-            <a:r>
-              <a:rPr lang="fr-FR" b="1" smtClean="0">
-                <a:solidFill>
-                  <a:schemeClr val="bg1"/>
-                </a:solidFill>
-              </a:rPr>
-              <a:t>Gestion des emprunts de matériels - Alexis LAURENT | Suzy PAETA | Romain ROUFAST</a:t>
-            </a:r>
-            <a:endParaRPr lang="fr-FR" b="1" dirty="0">
-              <a:solidFill>
-                <a:schemeClr val="bg1"/>
-              </a:solidFill>
-            </a:endParaRPr>
-          </a:p>
-        </p:txBody>
-      </p:sp>
-      <p:pic>
-        <p:nvPicPr>
-          <p:cNvPr id="1026" name="Picture 2"/>
-          <p:cNvPicPr>
-            <a:picLocks noChangeAspect="1" noChangeArrowheads="1"/>
-          </p:cNvPicPr>
-          <p:nvPr/>
-        </p:nvPicPr>
-        <p:blipFill>
-          <a:blip r:embed="rId3" cstate="print"/>
-          <a:srcRect t="21600" r="8576" b="7001"/>
-          <a:stretch>
-            <a:fillRect/>
-          </a:stretch>
-        </p:blipFill>
-        <p:spPr bwMode="auto">
-          <a:xfrm>
-            <a:off x="0" y="432048"/>
-            <a:ext cx="8476991" cy="3723878"/>
-          </a:xfrm>
-          <a:prstGeom prst="rect">
-            <a:avLst/>
-          </a:prstGeom>
-          <a:noFill/>
-          <a:ln w="9525">
-            <a:noFill/>
-            <a:miter lim="800000"/>
-            <a:headEnd/>
-            <a:tailEnd/>
-          </a:ln>
-        </p:spPr>
-      </p:pic>
     </p:spTree>
     <p:extLst>
       <p:ext uri="{BB962C8B-B14F-4D97-AF65-F5344CB8AC3E}">
-        <p14:creationId xmlns:p14="http://schemas.microsoft.com/office/powerpoint/2010/main" val="431539745"/>
+        <p14:creationId xmlns:p14="http://schemas.microsoft.com/office/powerpoint/2010/main" val="3394766839"/>
       </p:ext>
     </p:extLst>
   </p:cSld>
@@ -17604,55 +18710,34 @@
       </p:sp>
       <p:pic>
         <p:nvPicPr>
-          <p:cNvPr id="10" name="Picture 3"/>
+          <p:cNvPr id="1026" name="Picture 2"/>
           <p:cNvPicPr>
             <a:picLocks noChangeAspect="1" noChangeArrowheads="1"/>
           </p:cNvPicPr>
           <p:nvPr/>
         </p:nvPicPr>
-        <p:blipFill rotWithShape="1">
-          <a:blip r:embed="rId3" cstate="print">
-            <a:extLst>
-              <a:ext uri="{28A0092B-C50C-407E-A947-70E740481C1C}">
-                <a14:useLocalDpi xmlns:a14="http://schemas.microsoft.com/office/drawing/2010/main" val="0"/>
-              </a:ext>
-            </a:extLst>
-          </a:blip>
-          <a:srcRect t="9766" b="6638"/>
-          <a:stretch/>
+        <p:blipFill>
+          <a:blip r:embed="rId3" cstate="print"/>
+          <a:srcRect t="21600" r="8576" b="7001"/>
+          <a:stretch>
+            <a:fillRect/>
+          </a:stretch>
         </p:blipFill>
         <p:spPr bwMode="auto">
           <a:xfrm>
-            <a:off x="0" y="-1"/>
-            <a:ext cx="9144000" cy="4299943"/>
+            <a:off x="0" y="432048"/>
+            <a:ext cx="8476991" cy="3723878"/>
           </a:xfrm>
           <a:prstGeom prst="rect">
             <a:avLst/>
           </a:prstGeom>
           <a:noFill/>
-          <a:ln>
+          <a:ln w="9525">
             <a:noFill/>
+            <a:miter lim="800000"/>
+            <a:headEnd/>
+            <a:tailEnd/>
           </a:ln>
-          <a:effectLst/>
-          <a:extLst>
-            <a:ext uri="{909E8E84-426E-40DD-AFC4-6F175D3DCCD1}">
-              <a14:hiddenFill xmlns:a14="http://schemas.microsoft.com/office/drawing/2010/main">
-                <a:solidFill>
-                  <a:schemeClr val="accent1"/>
-                </a:solidFill>
-              </a14:hiddenFill>
-            </a:ext>
-            <a:ext uri="{91240B29-F687-4F45-9708-019B960494DF}">
-              <a14:hiddenLine xmlns:a14="http://schemas.microsoft.com/office/drawing/2010/main" w="9525">
-                <a:solidFill>
-                  <a:schemeClr val="tx1"/>
-                </a:solidFill>
-                <a:miter lim="800000"/>
-                <a:headEnd/>
-                <a:tailEnd/>
-              </a14:hiddenLine>
-            </a:ext>
-          </a:extLst>
         </p:spPr>
       </p:pic>
     </p:spTree>
@@ -17808,80 +18893,55 @@
       </p:sp>
       <p:pic>
         <p:nvPicPr>
-          <p:cNvPr id="1026" name="Picture 2" descr="D:\Dropbox\PFE\Images\Captures\Photo 06-03-2014 09 13 01.png"/>
+          <p:cNvPr id="10" name="Picture 3"/>
           <p:cNvPicPr>
             <a:picLocks noChangeAspect="1" noChangeArrowheads="1"/>
           </p:cNvPicPr>
           <p:nvPr/>
         </p:nvPicPr>
-        <p:blipFill>
-          <a:blip r:embed="rId3" cstate="print"/>
-          <a:srcRect/>
-          <a:stretch>
-            <a:fillRect/>
-          </a:stretch>
+        <p:blipFill rotWithShape="1">
+          <a:blip r:embed="rId3" cstate="print">
+            <a:extLst>
+              <a:ext uri="{28A0092B-C50C-407E-A947-70E740481C1C}">
+                <a14:useLocalDpi xmlns:a14="http://schemas.microsoft.com/office/drawing/2010/main" val="0"/>
+              </a:ext>
+            </a:extLst>
+          </a:blip>
+          <a:srcRect t="9766" b="6638"/>
+          <a:stretch/>
         </p:blipFill>
         <p:spPr bwMode="auto">
           <a:xfrm>
-            <a:off x="3239852" y="-23425"/>
-            <a:ext cx="2664296" cy="4729125"/>
+            <a:off x="0" y="-1"/>
+            <a:ext cx="9144000" cy="4299943"/>
           </a:xfrm>
           <a:prstGeom prst="rect">
             <a:avLst/>
           </a:prstGeom>
           <a:noFill/>
-        </p:spPr>
-      </p:pic>
-      <p:pic>
-        <p:nvPicPr>
-          <p:cNvPr id="1027" name="Picture 3" descr="D:\Dropbox\PFE\Images\Captures\Photo 06-03-2014 09 13 16.png"/>
-          <p:cNvPicPr>
-            <a:picLocks noChangeAspect="1" noChangeArrowheads="1"/>
-          </p:cNvPicPr>
-          <p:nvPr/>
-        </p:nvPicPr>
-        <p:blipFill>
-          <a:blip r:embed="rId4" cstate="print"/>
-          <a:srcRect/>
-          <a:stretch>
-            <a:fillRect/>
-          </a:stretch>
-        </p:blipFill>
-        <p:spPr bwMode="auto">
-          <a:xfrm>
-            <a:off x="6300192" y="0"/>
-            <a:ext cx="2664295" cy="4729124"/>
-          </a:xfrm>
-          <a:prstGeom prst="rect">
-            <a:avLst/>
-          </a:prstGeom>
-          <a:noFill/>
-        </p:spPr>
-      </p:pic>
-      <p:pic>
-        <p:nvPicPr>
-          <p:cNvPr id="8" name="Picture 2" descr="D:\Dropbox\PFE\Images\Captures\Photo 06-03-2014 09 13 27.png"/>
-          <p:cNvPicPr>
-            <a:picLocks noChangeAspect="1" noChangeArrowheads="1"/>
-          </p:cNvPicPr>
-          <p:nvPr/>
-        </p:nvPicPr>
-        <p:blipFill>
-          <a:blip r:embed="rId5" cstate="print"/>
-          <a:srcRect/>
-          <a:stretch>
-            <a:fillRect/>
-          </a:stretch>
-        </p:blipFill>
-        <p:spPr bwMode="auto">
-          <a:xfrm>
-            <a:off x="177898" y="0"/>
-            <a:ext cx="2665910" cy="4731990"/>
-          </a:xfrm>
-          <a:prstGeom prst="rect">
-            <a:avLst/>
-          </a:prstGeom>
-          <a:noFill/>
+          <a:ln>
+            <a:noFill/>
+          </a:ln>
+          <a:effectLst/>
+          <a:extLst>
+            <a:ext uri="{909E8E84-426E-40DD-AFC4-6F175D3DCCD1}">
+              <a14:hiddenFill xmlns:a14="http://schemas.microsoft.com/office/drawing/2010/main">
+                <a:solidFill>
+                  <a:schemeClr val="accent1"/>
+                </a:solidFill>
+              </a14:hiddenFill>
+            </a:ext>
+            <a:ext uri="{91240B29-F687-4F45-9708-019B960494DF}">
+              <a14:hiddenLine xmlns:a14="http://schemas.microsoft.com/office/drawing/2010/main" w="9525">
+                <a:solidFill>
+                  <a:schemeClr val="tx1"/>
+                </a:solidFill>
+                <a:miter lim="800000"/>
+                <a:headEnd/>
+                <a:tailEnd/>
+              </a14:hiddenLine>
+            </a:ext>
+          </a:extLst>
         </p:spPr>
       </p:pic>
     </p:spTree>
@@ -18037,60 +19097,86 @@
       </p:sp>
       <p:pic>
         <p:nvPicPr>
-          <p:cNvPr id="2051" name="Picture 3"/>
+          <p:cNvPr id="1026" name="Picture 2" descr="D:\Dropbox\PFE\Images\Captures\Photo 06-03-2014 09 13 01.png"/>
           <p:cNvPicPr>
             <a:picLocks noChangeAspect="1" noChangeArrowheads="1"/>
           </p:cNvPicPr>
           <p:nvPr/>
         </p:nvPicPr>
-        <p:blipFill rotWithShape="1">
-          <a:blip r:embed="rId3" cstate="print">
-            <a:extLst>
-              <a:ext uri="{28A0092B-C50C-407E-A947-70E740481C1C}">
-                <a14:useLocalDpi xmlns:a14="http://schemas.microsoft.com/office/drawing/2010/main" val="0"/>
-              </a:ext>
-            </a:extLst>
-          </a:blip>
-          <a:srcRect t="9624" b="4467"/>
-          <a:stretch/>
+        <p:blipFill>
+          <a:blip r:embed="rId3" cstate="print"/>
+          <a:srcRect/>
+          <a:stretch>
+            <a:fillRect/>
+          </a:stretch>
         </p:blipFill>
         <p:spPr bwMode="auto">
           <a:xfrm>
-            <a:off x="0" y="0"/>
-            <a:ext cx="9144000" cy="4418894"/>
+            <a:off x="3239852" y="-23425"/>
+            <a:ext cx="2664296" cy="4729125"/>
           </a:xfrm>
           <a:prstGeom prst="rect">
             <a:avLst/>
           </a:prstGeom>
           <a:noFill/>
-          <a:ln>
-            <a:noFill/>
-          </a:ln>
-          <a:extLst>
-            <a:ext uri="{909E8E84-426E-40DD-AFC4-6F175D3DCCD1}">
-              <a14:hiddenFill xmlns:a14="http://schemas.microsoft.com/office/drawing/2010/main">
-                <a:solidFill>
-                  <a:schemeClr val="accent1"/>
-                </a:solidFill>
-              </a14:hiddenFill>
-            </a:ext>
-            <a:ext uri="{91240B29-F687-4F45-9708-019B960494DF}">
-              <a14:hiddenLine xmlns:a14="http://schemas.microsoft.com/office/drawing/2010/main" w="9525">
-                <a:solidFill>
-                  <a:schemeClr val="tx1"/>
-                </a:solidFill>
-                <a:miter lim="800000"/>
-                <a:headEnd/>
-                <a:tailEnd/>
-              </a14:hiddenLine>
-            </a:ext>
-          </a:extLst>
+        </p:spPr>
+      </p:pic>
+      <p:pic>
+        <p:nvPicPr>
+          <p:cNvPr id="1027" name="Picture 3" descr="D:\Dropbox\PFE\Images\Captures\Photo 06-03-2014 09 13 16.png"/>
+          <p:cNvPicPr>
+            <a:picLocks noChangeAspect="1" noChangeArrowheads="1"/>
+          </p:cNvPicPr>
+          <p:nvPr/>
+        </p:nvPicPr>
+        <p:blipFill>
+          <a:blip r:embed="rId4" cstate="print"/>
+          <a:srcRect/>
+          <a:stretch>
+            <a:fillRect/>
+          </a:stretch>
+        </p:blipFill>
+        <p:spPr bwMode="auto">
+          <a:xfrm>
+            <a:off x="6300192" y="0"/>
+            <a:ext cx="2664295" cy="4729124"/>
+          </a:xfrm>
+          <a:prstGeom prst="rect">
+            <a:avLst/>
+          </a:prstGeom>
+          <a:noFill/>
+        </p:spPr>
+      </p:pic>
+      <p:pic>
+        <p:nvPicPr>
+          <p:cNvPr id="8" name="Picture 2" descr="D:\Dropbox\PFE\Images\Captures\Photo 06-03-2014 09 13 27.png"/>
+          <p:cNvPicPr>
+            <a:picLocks noChangeAspect="1" noChangeArrowheads="1"/>
+          </p:cNvPicPr>
+          <p:nvPr/>
+        </p:nvPicPr>
+        <p:blipFill>
+          <a:blip r:embed="rId5" cstate="print"/>
+          <a:srcRect/>
+          <a:stretch>
+            <a:fillRect/>
+          </a:stretch>
+        </p:blipFill>
+        <p:spPr bwMode="auto">
+          <a:xfrm>
+            <a:off x="177898" y="0"/>
+            <a:ext cx="2665910" cy="4731990"/>
+          </a:xfrm>
+          <a:prstGeom prst="rect">
+            <a:avLst/>
+          </a:prstGeom>
+          <a:noFill/>
         </p:spPr>
       </p:pic>
     </p:spTree>
     <p:extLst>
       <p:ext uri="{BB962C8B-B14F-4D97-AF65-F5344CB8AC3E}">
-        <p14:creationId xmlns:p14="http://schemas.microsoft.com/office/powerpoint/2010/main" val="1263074859"/>
+        <p14:creationId xmlns:p14="http://schemas.microsoft.com/office/powerpoint/2010/main" val="431539745"/>
       </p:ext>
     </p:extLst>
   </p:cSld>
@@ -18240,7 +19326,7 @@
       </p:sp>
       <p:pic>
         <p:nvPicPr>
-          <p:cNvPr id="3075" name="Picture 3"/>
+          <p:cNvPr id="2051" name="Picture 3"/>
           <p:cNvPicPr>
             <a:picLocks noChangeAspect="1" noChangeArrowheads="1"/>
           </p:cNvPicPr>
@@ -18254,13 +19340,13 @@
               </a:ext>
             </a:extLst>
           </a:blip>
-          <a:srcRect t="9481" b="7834"/>
+          <a:srcRect t="9624" b="4467"/>
           <a:stretch/>
         </p:blipFill>
         <p:spPr bwMode="auto">
           <a:xfrm>
-            <a:off x="-1" y="0"/>
-            <a:ext cx="9144001" cy="4253023"/>
+            <a:off x="0" y="0"/>
+            <a:ext cx="9144000" cy="4418894"/>
           </a:xfrm>
           <a:prstGeom prst="rect">
             <a:avLst/>
@@ -18293,7 +19379,7 @@
     </p:spTree>
     <p:extLst>
       <p:ext uri="{BB962C8B-B14F-4D97-AF65-F5344CB8AC3E}">
-        <p14:creationId xmlns:p14="http://schemas.microsoft.com/office/powerpoint/2010/main" val="2315512655"/>
+        <p14:creationId xmlns:p14="http://schemas.microsoft.com/office/powerpoint/2010/main" val="1263074859"/>
       </p:ext>
     </p:extLst>
   </p:cSld>
@@ -18443,7 +19529,7 @@
       </p:sp>
       <p:pic>
         <p:nvPicPr>
-          <p:cNvPr id="4098" name="Picture 2"/>
+          <p:cNvPr id="3075" name="Picture 3"/>
           <p:cNvPicPr>
             <a:picLocks noChangeAspect="1" noChangeArrowheads="1"/>
           </p:cNvPicPr>
@@ -18457,13 +19543,13 @@
               </a:ext>
             </a:extLst>
           </a:blip>
-          <a:srcRect t="9624" b="4892"/>
+          <a:srcRect t="9481" b="7834"/>
           <a:stretch/>
         </p:blipFill>
         <p:spPr bwMode="auto">
           <a:xfrm>
-            <a:off x="-20284" y="0"/>
-            <a:ext cx="9164283" cy="4406808"/>
+            <a:off x="-1" y="0"/>
+            <a:ext cx="9144001" cy="4253023"/>
           </a:xfrm>
           <a:prstGeom prst="rect">
             <a:avLst/>
@@ -18493,62 +19579,10 @@
           </a:extLst>
         </p:spPr>
       </p:pic>
-      <p:pic>
-        <p:nvPicPr>
-          <p:cNvPr id="2050" name="Picture 2"/>
-          <p:cNvPicPr>
-            <a:picLocks noChangeAspect="1" noChangeArrowheads="1"/>
-          </p:cNvPicPr>
-          <p:nvPr/>
-        </p:nvPicPr>
-        <p:blipFill rotWithShape="1">
-          <a:blip r:embed="rId4">
-            <a:extLst>
-              <a:ext uri="{28A0092B-C50C-407E-A947-70E740481C1C}">
-                <a14:useLocalDpi xmlns:a14="http://schemas.microsoft.com/office/drawing/2010/main" val="0"/>
-              </a:ext>
-            </a:extLst>
-          </a:blip>
-          <a:srcRect l="63556" t="85212" r="25658" b="9781"/>
-          <a:stretch/>
-        </p:blipFill>
-        <p:spPr bwMode="auto">
-          <a:xfrm>
-            <a:off x="5508104" y="4431209"/>
-            <a:ext cx="1152128" cy="300781"/>
-          </a:xfrm>
-          <a:prstGeom prst="rect">
-            <a:avLst/>
-          </a:prstGeom>
-          <a:noFill/>
-          <a:ln>
-            <a:noFill/>
-          </a:ln>
-          <a:extLst>
-            <a:ext uri="{909E8E84-426E-40DD-AFC4-6F175D3DCCD1}">
-              <a14:hiddenFill xmlns:a14="http://schemas.microsoft.com/office/drawing/2010/main">
-                <a:solidFill>
-                  <a:schemeClr val="accent1"/>
-                </a:solidFill>
-              </a14:hiddenFill>
-            </a:ext>
-            <a:ext uri="{91240B29-F687-4F45-9708-019B960494DF}">
-              <a14:hiddenLine xmlns:a14="http://schemas.microsoft.com/office/drawing/2010/main" w="9525">
-                <a:solidFill>
-                  <a:schemeClr val="tx1"/>
-                </a:solidFill>
-                <a:miter lim="800000"/>
-                <a:headEnd/>
-                <a:tailEnd/>
-              </a14:hiddenLine>
-            </a:ext>
-          </a:extLst>
-        </p:spPr>
-      </p:pic>
     </p:spTree>
     <p:extLst>
       <p:ext uri="{BB962C8B-B14F-4D97-AF65-F5344CB8AC3E}">
-        <p14:creationId xmlns:p14="http://schemas.microsoft.com/office/powerpoint/2010/main" val="1162374454"/>
+        <p14:creationId xmlns:p14="http://schemas.microsoft.com/office/powerpoint/2010/main" val="2315512655"/>
       </p:ext>
     </p:extLst>
   </p:cSld>
@@ -18698,7 +19732,7 @@
       </p:sp>
       <p:pic>
         <p:nvPicPr>
-          <p:cNvPr id="5122" name="Picture 2"/>
+          <p:cNvPr id="4098" name="Picture 2"/>
           <p:cNvPicPr>
             <a:picLocks noChangeAspect="1" noChangeArrowheads="1"/>
           </p:cNvPicPr>
@@ -18712,13 +19746,13 @@
               </a:ext>
             </a:extLst>
           </a:blip>
-          <a:srcRect t="9906" b="4468"/>
+          <a:srcRect t="9624" b="4892"/>
           <a:stretch/>
         </p:blipFill>
         <p:spPr bwMode="auto">
           <a:xfrm>
-            <a:off x="-1" y="0"/>
-            <a:ext cx="9144001" cy="4404335"/>
+            <a:off x="-20284" y="0"/>
+            <a:ext cx="9164283" cy="4406808"/>
           </a:xfrm>
           <a:prstGeom prst="rect">
             <a:avLst/>
@@ -18748,10 +19782,62 @@
           </a:extLst>
         </p:spPr>
       </p:pic>
+      <p:pic>
+        <p:nvPicPr>
+          <p:cNvPr id="2050" name="Picture 2"/>
+          <p:cNvPicPr>
+            <a:picLocks noChangeAspect="1" noChangeArrowheads="1"/>
+          </p:cNvPicPr>
+          <p:nvPr/>
+        </p:nvPicPr>
+        <p:blipFill rotWithShape="1">
+          <a:blip r:embed="rId4">
+            <a:extLst>
+              <a:ext uri="{28A0092B-C50C-407E-A947-70E740481C1C}">
+                <a14:useLocalDpi xmlns:a14="http://schemas.microsoft.com/office/drawing/2010/main" val="0"/>
+              </a:ext>
+            </a:extLst>
+          </a:blip>
+          <a:srcRect l="63556" t="85212" r="25658" b="9781"/>
+          <a:stretch/>
+        </p:blipFill>
+        <p:spPr bwMode="auto">
+          <a:xfrm>
+            <a:off x="5508104" y="4431209"/>
+            <a:ext cx="1152128" cy="300781"/>
+          </a:xfrm>
+          <a:prstGeom prst="rect">
+            <a:avLst/>
+          </a:prstGeom>
+          <a:noFill/>
+          <a:ln>
+            <a:noFill/>
+          </a:ln>
+          <a:extLst>
+            <a:ext uri="{909E8E84-426E-40DD-AFC4-6F175D3DCCD1}">
+              <a14:hiddenFill xmlns:a14="http://schemas.microsoft.com/office/drawing/2010/main">
+                <a:solidFill>
+                  <a:schemeClr val="accent1"/>
+                </a:solidFill>
+              </a14:hiddenFill>
+            </a:ext>
+            <a:ext uri="{91240B29-F687-4F45-9708-019B960494DF}">
+              <a14:hiddenLine xmlns:a14="http://schemas.microsoft.com/office/drawing/2010/main" w="9525">
+                <a:solidFill>
+                  <a:schemeClr val="tx1"/>
+                </a:solidFill>
+                <a:miter lim="800000"/>
+                <a:headEnd/>
+                <a:tailEnd/>
+              </a14:hiddenLine>
+            </a:ext>
+          </a:extLst>
+        </p:spPr>
+      </p:pic>
     </p:spTree>
     <p:extLst>
       <p:ext uri="{BB962C8B-B14F-4D97-AF65-F5344CB8AC3E}">
-        <p14:creationId xmlns:p14="http://schemas.microsoft.com/office/powerpoint/2010/main" val="1544350832"/>
+        <p14:creationId xmlns:p14="http://schemas.microsoft.com/office/powerpoint/2010/main" val="1162374454"/>
       </p:ext>
     </p:extLst>
   </p:cSld>
@@ -18901,7 +19987,7 @@
       </p:sp>
       <p:pic>
         <p:nvPicPr>
-          <p:cNvPr id="6146" name="Picture 2"/>
+          <p:cNvPr id="5122" name="Picture 2"/>
           <p:cNvPicPr>
             <a:picLocks noChangeAspect="1" noChangeArrowheads="1"/>
           </p:cNvPicPr>
@@ -18915,13 +20001,13 @@
               </a:ext>
             </a:extLst>
           </a:blip>
-          <a:srcRect t="9624" b="4467"/>
+          <a:srcRect t="9906" b="4468"/>
           <a:stretch/>
         </p:blipFill>
         <p:spPr bwMode="auto">
           <a:xfrm>
-            <a:off x="0" y="-1"/>
-            <a:ext cx="9144000" cy="4418895"/>
+            <a:off x="-1" y="0"/>
+            <a:ext cx="9144001" cy="4404335"/>
           </a:xfrm>
           <a:prstGeom prst="rect">
             <a:avLst/>
@@ -18954,7 +20040,7 @@
     </p:spTree>
     <p:extLst>
       <p:ext uri="{BB962C8B-B14F-4D97-AF65-F5344CB8AC3E}">
-        <p14:creationId xmlns:p14="http://schemas.microsoft.com/office/powerpoint/2010/main" val="2200122927"/>
+        <p14:creationId xmlns:p14="http://schemas.microsoft.com/office/powerpoint/2010/main" val="1544350832"/>
       </p:ext>
     </p:extLst>
   </p:cSld>
@@ -19036,14 +20122,171 @@
       </p:sp>
       <p:sp>
         <p:nvSpPr>
-          <p:cNvPr id="4" name="Rectangle 3"/>
+          <p:cNvPr id="5" name="Espace réservé du numéro de diapositive 4"/>
+          <p:cNvSpPr>
+            <a:spLocks noGrp="1"/>
+          </p:cNvSpPr>
+          <p:nvPr>
+            <p:ph type="sldNum" sz="quarter" idx="12"/>
+          </p:nvPr>
+        </p:nvSpPr>
+        <p:spPr/>
+        <p:txBody>
+          <a:bodyPr/>
+          <a:lstStyle/>
+          <a:p>
+            <a:fld id="{B3C63893-BC38-4EBB-829D-DE1F1D825C70}" type="slidenum">
+              <a:rPr lang="fr-FR" b="1" smtClean="0">
+                <a:solidFill>
+                  <a:schemeClr val="bg1"/>
+                </a:solidFill>
+              </a:rPr>
+              <a:pPr/>
+              <a:t>37</a:t>
+            </a:fld>
+            <a:endParaRPr lang="fr-FR" b="1" dirty="0">
+              <a:solidFill>
+                <a:schemeClr val="bg1"/>
+              </a:solidFill>
+            </a:endParaRPr>
+          </a:p>
+        </p:txBody>
+      </p:sp>
+      <p:sp>
+        <p:nvSpPr>
+          <p:cNvPr id="6" name="Espace réservé du pied de page 5"/>
+          <p:cNvSpPr>
+            <a:spLocks noGrp="1"/>
+          </p:cNvSpPr>
+          <p:nvPr>
+            <p:ph type="ftr" sz="quarter" idx="11"/>
+          </p:nvPr>
+        </p:nvSpPr>
+        <p:spPr>
+          <a:xfrm>
+            <a:off x="1475656" y="4767262"/>
+            <a:ext cx="6264696" cy="376238"/>
+          </a:xfrm>
+        </p:spPr>
+        <p:txBody>
+          <a:bodyPr/>
+          <a:lstStyle/>
+          <a:p>
+            <a:r>
+              <a:rPr lang="fr-FR" b="1" smtClean="0">
+                <a:solidFill>
+                  <a:schemeClr val="bg1"/>
+                </a:solidFill>
+              </a:rPr>
+              <a:t>Gestion des emprunts de matériels - Alexis LAURENT | Suzy PAETA | Romain ROUFAST</a:t>
+            </a:r>
+            <a:endParaRPr lang="fr-FR" b="1" dirty="0">
+              <a:solidFill>
+                <a:schemeClr val="bg1"/>
+              </a:solidFill>
+            </a:endParaRPr>
+          </a:p>
+        </p:txBody>
+      </p:sp>
+      <p:pic>
+        <p:nvPicPr>
+          <p:cNvPr id="6146" name="Picture 2"/>
+          <p:cNvPicPr>
+            <a:picLocks noChangeAspect="1" noChangeArrowheads="1"/>
+          </p:cNvPicPr>
+          <p:nvPr/>
+        </p:nvPicPr>
+        <p:blipFill rotWithShape="1">
+          <a:blip r:embed="rId3" cstate="print">
+            <a:extLst>
+              <a:ext uri="{28A0092B-C50C-407E-A947-70E740481C1C}">
+                <a14:useLocalDpi xmlns:a14="http://schemas.microsoft.com/office/drawing/2010/main" val="0"/>
+              </a:ext>
+            </a:extLst>
+          </a:blip>
+          <a:srcRect t="9624" b="4467"/>
+          <a:stretch/>
+        </p:blipFill>
+        <p:spPr bwMode="auto">
+          <a:xfrm>
+            <a:off x="0" y="-1"/>
+            <a:ext cx="9144000" cy="4418895"/>
+          </a:xfrm>
+          <a:prstGeom prst="rect">
+            <a:avLst/>
+          </a:prstGeom>
+          <a:noFill/>
+          <a:ln>
+            <a:noFill/>
+          </a:ln>
+          <a:extLst>
+            <a:ext uri="{909E8E84-426E-40DD-AFC4-6F175D3DCCD1}">
+              <a14:hiddenFill xmlns:a14="http://schemas.microsoft.com/office/drawing/2010/main">
+                <a:solidFill>
+                  <a:schemeClr val="accent1"/>
+                </a:solidFill>
+              </a14:hiddenFill>
+            </a:ext>
+            <a:ext uri="{91240B29-F687-4F45-9708-019B960494DF}">
+              <a14:hiddenLine xmlns:a14="http://schemas.microsoft.com/office/drawing/2010/main" w="9525">
+                <a:solidFill>
+                  <a:schemeClr val="tx1"/>
+                </a:solidFill>
+                <a:miter lim="800000"/>
+                <a:headEnd/>
+                <a:tailEnd/>
+              </a14:hiddenLine>
+            </a:ext>
+          </a:extLst>
+        </p:spPr>
+      </p:pic>
+    </p:spTree>
+    <p:extLst>
+      <p:ext uri="{BB962C8B-B14F-4D97-AF65-F5344CB8AC3E}">
+        <p14:creationId xmlns:p14="http://schemas.microsoft.com/office/powerpoint/2010/main" val="2200122927"/>
+      </p:ext>
+    </p:extLst>
+  </p:cSld>
+  <p:clrMapOvr>
+    <a:masterClrMapping/>
+  </p:clrMapOvr>
+  <p:timing>
+    <p:tnLst>
+      <p:par>
+        <p:cTn id="1" dur="indefinite" restart="never" nodeType="tmRoot"/>
+      </p:par>
+    </p:tnLst>
+  </p:timing>
+</p:sld>
+</file>
+
+<file path=ppt/slides/slide38.xml><?xml version="1.0" encoding="utf-8"?>
+<p:sld xmlns:a="http://schemas.openxmlformats.org/drawingml/2006/main" xmlns:r="http://schemas.openxmlformats.org/officeDocument/2006/relationships" xmlns:p="http://schemas.openxmlformats.org/presentationml/2006/main">
+  <p:cSld>
+    <p:spTree>
+      <p:nvGrpSpPr>
+        <p:cNvPr id="1" name=""/>
+        <p:cNvGrpSpPr/>
+        <p:nvPr/>
+      </p:nvGrpSpPr>
+      <p:grpSpPr>
+        <a:xfrm>
+          <a:off x="0" y="0"/>
+          <a:ext cx="0" cy="0"/>
+          <a:chOff x="0" y="0"/>
+          <a:chExt cx="0" cy="0"/>
+        </a:xfrm>
+      </p:grpSpPr>
+      <p:sp>
+        <p:nvSpPr>
+          <p:cNvPr id="7" name="Rectangle 6"/>
           <p:cNvSpPr/>
           <p:nvPr/>
         </p:nvSpPr>
         <p:spPr>
           <a:xfrm>
-            <a:off x="0" y="0"/>
-            <a:ext cx="9144000" cy="1167594"/>
+            <a:off x="0" y="4731990"/>
+            <a:ext cx="9144000" cy="411510"/>
           </a:xfrm>
           <a:prstGeom prst="rect">
             <a:avLst/>
@@ -19082,6 +20325,52 @@
       </p:sp>
       <p:sp>
         <p:nvSpPr>
+          <p:cNvPr id="4" name="Rectangle 3"/>
+          <p:cNvSpPr/>
+          <p:nvPr/>
+        </p:nvSpPr>
+        <p:spPr>
+          <a:xfrm>
+            <a:off x="0" y="0"/>
+            <a:ext cx="9144000" cy="1167594"/>
+          </a:xfrm>
+          <a:prstGeom prst="rect">
+            <a:avLst/>
+          </a:prstGeom>
+          <a:solidFill>
+            <a:srgbClr val="FFC000"/>
+          </a:solidFill>
+          <a:ln>
+            <a:noFill/>
+          </a:ln>
+        </p:spPr>
+        <p:style>
+          <a:lnRef idx="2">
+            <a:schemeClr val="accent1">
+              <a:shade val="50000"/>
+            </a:schemeClr>
+          </a:lnRef>
+          <a:fillRef idx="1">
+            <a:schemeClr val="accent1"/>
+          </a:fillRef>
+          <a:effectRef idx="0">
+            <a:schemeClr val="accent1"/>
+          </a:effectRef>
+          <a:fontRef idx="minor">
+            <a:schemeClr val="lt1"/>
+          </a:fontRef>
+        </p:style>
+        <p:txBody>
+          <a:bodyPr rtlCol="0" anchor="ctr"/>
+          <a:lstStyle/>
+          <a:p>
+            <a:pPr algn="ctr"/>
+            <a:endParaRPr lang="fr-FR"/>
+          </a:p>
+        </p:txBody>
+      </p:sp>
+      <p:sp>
+        <p:nvSpPr>
           <p:cNvPr id="2" name="Titre 1"/>
           <p:cNvSpPr>
             <a:spLocks noGrp="1"/>
@@ -19133,7 +20422,7 @@
                 </a:solidFill>
               </a:rPr>
               <a:pPr/>
-              <a:t>37</a:t>
+              <a:t>38</a:t>
             </a:fld>
             <a:endParaRPr lang="fr-FR" b="1" dirty="0">
               <a:solidFill>
@@ -19961,81 +21250,6 @@
 </p:sld>
 </file>
 
-<file path=ppt/slides/slide38.xml><?xml version="1.0" encoding="utf-8"?>
-<p:sld xmlns:a="http://schemas.openxmlformats.org/drawingml/2006/main" xmlns:r="http://schemas.openxmlformats.org/officeDocument/2006/relationships" xmlns:p="http://schemas.openxmlformats.org/presentationml/2006/main">
-  <p:cSld>
-    <p:spTree>
-      <p:nvGrpSpPr>
-        <p:cNvPr id="1" name=""/>
-        <p:cNvGrpSpPr/>
-        <p:nvPr/>
-      </p:nvGrpSpPr>
-      <p:grpSpPr>
-        <a:xfrm>
-          <a:off x="0" y="0"/>
-          <a:ext cx="0" cy="0"/>
-          <a:chOff x="0" y="0"/>
-          <a:chExt cx="0" cy="0"/>
-        </a:xfrm>
-      </p:grpSpPr>
-      <p:sp>
-        <p:nvSpPr>
-          <p:cNvPr id="2" name="Titre 1"/>
-          <p:cNvSpPr>
-            <a:spLocks noGrp="1"/>
-          </p:cNvSpPr>
-          <p:nvPr>
-            <p:ph type="title"/>
-          </p:nvPr>
-        </p:nvSpPr>
-        <p:spPr>
-          <a:xfrm>
-            <a:off x="2447764" y="2143125"/>
-            <a:ext cx="4248472" cy="857250"/>
-          </a:xfrm>
-        </p:spPr>
-        <p:txBody>
-          <a:bodyPr>
-            <a:normAutofit/>
-          </a:bodyPr>
-          <a:lstStyle/>
-          <a:p>
-            <a:r>
-              <a:rPr lang="fr-FR" dirty="0" smtClean="0">
-                <a:solidFill>
-                  <a:srgbClr val="FFC000"/>
-                </a:solidFill>
-              </a:rPr>
-              <a:t>Gestion du projet </a:t>
-            </a:r>
-            <a:endParaRPr lang="fr-FR" dirty="0">
-              <a:solidFill>
-                <a:srgbClr val="FFC000"/>
-              </a:solidFill>
-            </a:endParaRPr>
-          </a:p>
-        </p:txBody>
-      </p:sp>
-    </p:spTree>
-    <p:extLst>
-      <p:ext uri="{BB962C8B-B14F-4D97-AF65-F5344CB8AC3E}">
-        <p14:creationId xmlns:p14="http://schemas.microsoft.com/office/powerpoint/2010/main" val="2089119091"/>
-      </p:ext>
-    </p:extLst>
-  </p:cSld>
-  <p:clrMapOvr>
-    <a:masterClrMapping/>
-  </p:clrMapOvr>
-  <p:timing>
-    <p:tnLst>
-      <p:par>
-        <p:cTn id="1" dur="indefinite" restart="never" nodeType="tmRoot"/>
-      </p:par>
-    </p:tnLst>
-  </p:timing>
-</p:sld>
-</file>
-
 <file path=ppt/slides/slide39.xml><?xml version="1.0" encoding="utf-8"?>
 <p:sld xmlns:a="http://schemas.openxmlformats.org/drawingml/2006/main" xmlns:r="http://schemas.openxmlformats.org/officeDocument/2006/relationships" xmlns:p="http://schemas.openxmlformats.org/presentationml/2006/main">
   <p:cSld>
@@ -20055,98 +21269,6 @@
       </p:grpSpPr>
       <p:sp>
         <p:nvSpPr>
-          <p:cNvPr id="7" name="Rectangle 6"/>
-          <p:cNvSpPr/>
-          <p:nvPr/>
-        </p:nvSpPr>
-        <p:spPr>
-          <a:xfrm>
-            <a:off x="0" y="4731990"/>
-            <a:ext cx="9144000" cy="411510"/>
-          </a:xfrm>
-          <a:prstGeom prst="rect">
-            <a:avLst/>
-          </a:prstGeom>
-          <a:solidFill>
-            <a:srgbClr val="FFC000"/>
-          </a:solidFill>
-          <a:ln>
-            <a:noFill/>
-          </a:ln>
-        </p:spPr>
-        <p:style>
-          <a:lnRef idx="2">
-            <a:schemeClr val="accent1">
-              <a:shade val="50000"/>
-            </a:schemeClr>
-          </a:lnRef>
-          <a:fillRef idx="1">
-            <a:schemeClr val="accent1"/>
-          </a:fillRef>
-          <a:effectRef idx="0">
-            <a:schemeClr val="accent1"/>
-          </a:effectRef>
-          <a:fontRef idx="minor">
-            <a:schemeClr val="lt1"/>
-          </a:fontRef>
-        </p:style>
-        <p:txBody>
-          <a:bodyPr rtlCol="0" anchor="ctr"/>
-          <a:lstStyle/>
-          <a:p>
-            <a:pPr algn="ctr"/>
-            <a:endParaRPr lang="fr-FR"/>
-          </a:p>
-        </p:txBody>
-      </p:sp>
-      <p:sp>
-        <p:nvSpPr>
-          <p:cNvPr id="4" name="Rectangle 3"/>
-          <p:cNvSpPr/>
-          <p:nvPr/>
-        </p:nvSpPr>
-        <p:spPr>
-          <a:xfrm>
-            <a:off x="0" y="0"/>
-            <a:ext cx="9144000" cy="1167594"/>
-          </a:xfrm>
-          <a:prstGeom prst="rect">
-            <a:avLst/>
-          </a:prstGeom>
-          <a:solidFill>
-            <a:srgbClr val="FFC000"/>
-          </a:solidFill>
-          <a:ln>
-            <a:noFill/>
-          </a:ln>
-        </p:spPr>
-        <p:style>
-          <a:lnRef idx="2">
-            <a:schemeClr val="accent1">
-              <a:shade val="50000"/>
-            </a:schemeClr>
-          </a:lnRef>
-          <a:fillRef idx="1">
-            <a:schemeClr val="accent1"/>
-          </a:fillRef>
-          <a:effectRef idx="0">
-            <a:schemeClr val="accent1"/>
-          </a:effectRef>
-          <a:fontRef idx="minor">
-            <a:schemeClr val="lt1"/>
-          </a:fontRef>
-        </p:style>
-        <p:txBody>
-          <a:bodyPr rtlCol="0" anchor="ctr"/>
-          <a:lstStyle/>
-          <a:p>
-            <a:pPr algn="ctr"/>
-            <a:endParaRPr lang="fr-FR"/>
-          </a:p>
-        </p:txBody>
-      </p:sp>
-      <p:sp>
-        <p:nvSpPr>
           <p:cNvPr id="2" name="Titre 1"/>
           <p:cNvSpPr>
             <a:spLocks noGrp="1"/>
@@ -20155,176 +21277,38 @@
             <p:ph type="title"/>
           </p:nvPr>
         </p:nvSpPr>
-        <p:spPr/>
-        <p:txBody>
-          <a:bodyPr/>
+        <p:spPr>
+          <a:xfrm>
+            <a:off x="2447764" y="2143125"/>
+            <a:ext cx="4248472" cy="857250"/>
+          </a:xfrm>
+        </p:spPr>
+        <p:txBody>
+          <a:bodyPr>
+            <a:normAutofit/>
+          </a:bodyPr>
           <a:lstStyle/>
           <a:p>
             <a:r>
               <a:rPr lang="fr-FR" dirty="0" smtClean="0">
                 <a:solidFill>
-                  <a:schemeClr val="bg1"/>
-                </a:solidFill>
-              </a:rPr>
-              <a:t>Lot #1 - Management</a:t>
+                  <a:srgbClr val="FFC000"/>
+                </a:solidFill>
+              </a:rPr>
+              <a:t>Gestion du projet </a:t>
             </a:r>
             <a:endParaRPr lang="fr-FR" dirty="0">
-              <a:solidFill>
-                <a:schemeClr val="bg1"/>
-              </a:solidFill>
-            </a:endParaRPr>
-          </a:p>
-        </p:txBody>
-      </p:sp>
-      <p:sp>
-        <p:nvSpPr>
-          <p:cNvPr id="5" name="Espace réservé du numéro de diapositive 4"/>
-          <p:cNvSpPr>
-            <a:spLocks noGrp="1"/>
-          </p:cNvSpPr>
-          <p:nvPr>
-            <p:ph type="sldNum" sz="quarter" idx="12"/>
-          </p:nvPr>
-        </p:nvSpPr>
-        <p:spPr/>
-        <p:txBody>
-          <a:bodyPr/>
-          <a:lstStyle/>
-          <a:p>
-            <a:fld id="{B3C63893-BC38-4EBB-829D-DE1F1D825C70}" type="slidenum">
-              <a:rPr lang="fr-FR" b="1" smtClean="0">
-                <a:solidFill>
-                  <a:schemeClr val="bg1"/>
-                </a:solidFill>
-              </a:rPr>
-              <a:pPr/>
-              <a:t>39</a:t>
-            </a:fld>
-            <a:endParaRPr lang="fr-FR" b="1" dirty="0">
-              <a:solidFill>
-                <a:schemeClr val="bg1"/>
-              </a:solidFill>
-            </a:endParaRPr>
-          </a:p>
-        </p:txBody>
-      </p:sp>
-      <p:sp>
-        <p:nvSpPr>
-          <p:cNvPr id="6" name="Espace réservé du pied de page 5"/>
-          <p:cNvSpPr>
-            <a:spLocks noGrp="1"/>
-          </p:cNvSpPr>
-          <p:nvPr>
-            <p:ph type="ftr" sz="quarter" idx="11"/>
-          </p:nvPr>
-        </p:nvSpPr>
-        <p:spPr>
-          <a:xfrm>
-            <a:off x="1475656" y="4767262"/>
-            <a:ext cx="6264696" cy="376238"/>
-          </a:xfrm>
-        </p:spPr>
-        <p:txBody>
-          <a:bodyPr/>
-          <a:lstStyle/>
-          <a:p>
-            <a:r>
-              <a:rPr lang="fr-FR" b="1" smtClean="0">
-                <a:solidFill>
-                  <a:schemeClr val="bg1"/>
-                </a:solidFill>
-              </a:rPr>
-              <a:t>Gestion des emprunts de matériels - Alexis LAURENT | Suzy PAETA | Romain ROUFAST</a:t>
-            </a:r>
-            <a:endParaRPr lang="fr-FR" b="1" dirty="0">
-              <a:solidFill>
-                <a:schemeClr val="bg1"/>
-              </a:solidFill>
-            </a:endParaRPr>
-          </a:p>
-        </p:txBody>
-      </p:sp>
-      <p:graphicFrame>
-        <p:nvGraphicFramePr>
-          <p:cNvPr id="8" name="Graphique 7"/>
-          <p:cNvGraphicFramePr/>
-          <p:nvPr>
-            <p:extLst>
-              <p:ext uri="{D42A27DB-BD31-4B8C-83A1-F6EECF244321}">
-                <p14:modId xmlns:p14="http://schemas.microsoft.com/office/powerpoint/2010/main" val="3159957718"/>
-              </p:ext>
-            </p:extLst>
-          </p:nvPr>
-        </p:nvGraphicFramePr>
-        <p:xfrm>
-          <a:off x="360040" y="1851670"/>
-          <a:ext cx="3719303" cy="2232248"/>
-        </p:xfrm>
-        <a:graphic>
-          <a:graphicData uri="http://schemas.openxmlformats.org/drawingml/2006/chart">
-            <c:chart xmlns:c="http://schemas.openxmlformats.org/drawingml/2006/chart" xmlns:r="http://schemas.openxmlformats.org/officeDocument/2006/relationships" r:id="rId2"/>
-          </a:graphicData>
-        </a:graphic>
-      </p:graphicFrame>
-      <p:sp>
-        <p:nvSpPr>
-          <p:cNvPr id="10" name="Espace réservé du contenu 2"/>
-          <p:cNvSpPr>
-            <a:spLocks noGrp="1"/>
-          </p:cNvSpPr>
-          <p:nvPr>
-            <p:ph idx="1"/>
-          </p:nvPr>
-        </p:nvSpPr>
-        <p:spPr>
-          <a:xfrm>
-            <a:off x="4283968" y="2283718"/>
-            <a:ext cx="5112568" cy="1296144"/>
-          </a:xfrm>
-        </p:spPr>
-        <p:txBody>
-          <a:bodyPr/>
-          <a:lstStyle/>
-          <a:p>
-            <a:pPr marL="0" indent="0">
-              <a:buNone/>
-            </a:pPr>
-            <a:r>
-              <a:rPr lang="fr-FR" dirty="0" err="1" smtClean="0">
-                <a:solidFill>
-                  <a:srgbClr val="FFC000"/>
-                </a:solidFill>
-              </a:rPr>
-              <a:t>DoW</a:t>
-            </a:r>
-            <a:endParaRPr lang="fr-FR" dirty="0" smtClean="0">
               <a:solidFill>
                 <a:srgbClr val="FFC000"/>
               </a:solidFill>
             </a:endParaRPr>
           </a:p>
-          <a:p>
-            <a:pPr marL="0" indent="0">
-              <a:buNone/>
-            </a:pPr>
-            <a:r>
-              <a:rPr lang="fr-FR" dirty="0" smtClean="0">
-                <a:solidFill>
-                  <a:srgbClr val="FFC000"/>
-                </a:solidFill>
-              </a:rPr>
-              <a:t>Réunions avec nos tuteurs</a:t>
-            </a:r>
-          </a:p>
-          <a:p>
-            <a:endParaRPr lang="fr-FR" dirty="0"/>
-          </a:p>
         </p:txBody>
       </p:sp>
     </p:spTree>
     <p:extLst>
       <p:ext uri="{BB962C8B-B14F-4D97-AF65-F5344CB8AC3E}">
-        <p14:creationId xmlns:p14="http://schemas.microsoft.com/office/powerpoint/2010/main" val="3952209337"/>
+        <p14:creationId xmlns:p14="http://schemas.microsoft.com/office/powerpoint/2010/main" val="2089119091"/>
       </p:ext>
     </p:extLst>
   </p:cSld>
@@ -21000,7 +21984,7 @@
                   <a:schemeClr val="bg1"/>
                 </a:solidFill>
               </a:rPr>
-              <a:t>Lot #2 – Analyse</a:t>
+              <a:t>Lot #1 - Management</a:t>
             </a:r>
             <a:endParaRPr lang="fr-FR" dirty="0">
               <a:solidFill>
@@ -21078,99 +22062,21 @@
           </a:p>
         </p:txBody>
       </p:sp>
-      <p:sp>
-        <p:nvSpPr>
-          <p:cNvPr id="10" name="Espace réservé du contenu 2"/>
-          <p:cNvSpPr>
-            <a:spLocks noGrp="1"/>
-          </p:cNvSpPr>
-          <p:nvPr>
-            <p:ph idx="1"/>
-          </p:nvPr>
-        </p:nvSpPr>
-        <p:spPr>
-          <a:xfrm>
-            <a:off x="411531" y="1707654"/>
-            <a:ext cx="5112568" cy="2520280"/>
-          </a:xfrm>
-        </p:spPr>
-        <p:txBody>
-          <a:bodyPr>
-            <a:normAutofit/>
-          </a:bodyPr>
-          <a:lstStyle/>
-          <a:p>
-            <a:pPr marL="0" indent="0">
-              <a:buNone/>
-            </a:pPr>
-            <a:r>
-              <a:rPr lang="fr-FR" dirty="0" smtClean="0">
-                <a:solidFill>
-                  <a:srgbClr val="FFC000"/>
-                </a:solidFill>
-              </a:rPr>
-              <a:t>Entretiens</a:t>
-            </a:r>
-          </a:p>
-          <a:p>
-            <a:pPr marL="0" indent="0">
-              <a:buNone/>
-            </a:pPr>
-            <a:r>
-              <a:rPr lang="fr-FR" dirty="0" smtClean="0">
-                <a:solidFill>
-                  <a:srgbClr val="FFC000"/>
-                </a:solidFill>
-              </a:rPr>
-              <a:t>Rapports d’analyse</a:t>
-            </a:r>
-          </a:p>
-          <a:p>
-            <a:pPr marL="0" indent="0">
-              <a:buNone/>
-            </a:pPr>
-            <a:r>
-              <a:rPr lang="fr-FR" dirty="0" smtClean="0">
-                <a:solidFill>
-                  <a:srgbClr val="FFC000"/>
-                </a:solidFill>
-              </a:rPr>
-              <a:t>Maquette finale</a:t>
-            </a:r>
-          </a:p>
-          <a:p>
-            <a:pPr marL="0" indent="0">
-              <a:buNone/>
-            </a:pPr>
-            <a:r>
-              <a:rPr lang="fr-FR" spc="-150" dirty="0" smtClean="0">
-                <a:solidFill>
-                  <a:srgbClr val="FFC000"/>
-                </a:solidFill>
-              </a:rPr>
-              <a:t>Rails | JavaScript | CSS3 |HTML5</a:t>
-            </a:r>
-          </a:p>
-          <a:p>
-            <a:endParaRPr lang="fr-FR" dirty="0"/>
-          </a:p>
-        </p:txBody>
-      </p:sp>
       <p:graphicFrame>
         <p:nvGraphicFramePr>
-          <p:cNvPr id="9" name="Graphique 8"/>
+          <p:cNvPr id="8" name="Graphique 7"/>
           <p:cNvGraphicFramePr/>
           <p:nvPr>
             <p:extLst>
               <p:ext uri="{D42A27DB-BD31-4B8C-83A1-F6EECF244321}">
-                <p14:modId xmlns:p14="http://schemas.microsoft.com/office/powerpoint/2010/main" val="3071604968"/>
+                <p14:modId xmlns:p14="http://schemas.microsoft.com/office/powerpoint/2010/main" val="3159957718"/>
               </p:ext>
             </p:extLst>
           </p:nvPr>
         </p:nvGraphicFramePr>
         <p:xfrm>
-          <a:off x="5020043" y="1851670"/>
-          <a:ext cx="3728421" cy="2232248"/>
+          <a:off x="360040" y="1851670"/>
+          <a:ext cx="3719303" cy="2232248"/>
         </p:xfrm>
         <a:graphic>
           <a:graphicData uri="http://schemas.openxmlformats.org/drawingml/2006/chart">
@@ -21178,10 +22084,65 @@
           </a:graphicData>
         </a:graphic>
       </p:graphicFrame>
+      <p:sp>
+        <p:nvSpPr>
+          <p:cNvPr id="10" name="Espace réservé du contenu 2"/>
+          <p:cNvSpPr>
+            <a:spLocks noGrp="1"/>
+          </p:cNvSpPr>
+          <p:nvPr>
+            <p:ph idx="1"/>
+          </p:nvPr>
+        </p:nvSpPr>
+        <p:spPr>
+          <a:xfrm>
+            <a:off x="4283968" y="2283718"/>
+            <a:ext cx="5112568" cy="1296144"/>
+          </a:xfrm>
+        </p:spPr>
+        <p:txBody>
+          <a:bodyPr/>
+          <a:lstStyle/>
+          <a:p>
+            <a:pPr marL="0" indent="0">
+              <a:buNone/>
+            </a:pPr>
+            <a:r>
+              <a:rPr lang="fr-FR" dirty="0" err="1" smtClean="0">
+                <a:solidFill>
+                  <a:srgbClr val="FFC000"/>
+                </a:solidFill>
+              </a:rPr>
+              <a:t>DoW</a:t>
+            </a:r>
+            <a:endParaRPr lang="fr-FR" dirty="0" smtClean="0">
+              <a:solidFill>
+                <a:srgbClr val="FFC000"/>
+              </a:solidFill>
+            </a:endParaRPr>
+          </a:p>
+          <a:p>
+            <a:pPr marL="0" indent="0">
+              <a:buNone/>
+            </a:pPr>
+            <a:r>
+              <a:rPr lang="fr-FR" dirty="0" smtClean="0">
+                <a:solidFill>
+                  <a:srgbClr val="FFC000"/>
+                </a:solidFill>
+              </a:rPr>
+              <a:t>Réunions avec nos tuteurs</a:t>
+            </a:r>
+          </a:p>
+          <a:p>
+            <a:endParaRPr lang="fr-FR" dirty="0"/>
+          </a:p>
+        </p:txBody>
+      </p:sp>
     </p:spTree>
     <p:extLst>
       <p:ext uri="{BB962C8B-B14F-4D97-AF65-F5344CB8AC3E}">
-        <p14:creationId xmlns:p14="http://schemas.microsoft.com/office/powerpoint/2010/main" val="3787200968"/>
+        <p14:creationId xmlns:p14="http://schemas.microsoft.com/office/powerpoint/2010/main" val="3952209337"/>
       </p:ext>
     </p:extLst>
   </p:cSld>
@@ -21328,7 +22289,7 @@
                   <a:schemeClr val="bg1"/>
                 </a:solidFill>
               </a:rPr>
-              <a:t>Lot #3 - Conception</a:t>
+              <a:t>Lot #2 – Analyse</a:t>
             </a:r>
             <a:endParaRPr lang="fr-FR" dirty="0">
               <a:solidFill>
@@ -21418,12 +22379,14 @@
         </p:nvSpPr>
         <p:spPr>
           <a:xfrm>
-            <a:off x="5004048" y="2283718"/>
-            <a:ext cx="5112568" cy="1224136"/>
-          </a:xfrm>
-        </p:spPr>
-        <p:txBody>
-          <a:bodyPr/>
+            <a:off x="411531" y="1707654"/>
+            <a:ext cx="5112568" cy="2520280"/>
+          </a:xfrm>
+        </p:spPr>
+        <p:txBody>
+          <a:bodyPr>
+            <a:normAutofit/>
+          </a:bodyPr>
           <a:lstStyle/>
           <a:p>
             <a:pPr marL="0" indent="0">
@@ -21435,7 +22398,7 @@
                   <a:srgbClr val="FFC000"/>
                 </a:solidFill>
               </a:rPr>
-              <a:t>Diagrammes</a:t>
+              <a:t>Entretiens</a:t>
             </a:r>
           </a:p>
           <a:p>
@@ -21448,7 +22411,33 @@
                   <a:srgbClr val="FFC000"/>
                 </a:solidFill>
               </a:rPr>
-              <a:t>Fonctionnalités</a:t>
+              <a:t>Rapports d’analyse</a:t>
+            </a:r>
+          </a:p>
+          <a:p>
+            <a:pPr marL="0" indent="0">
+              <a:buNone/>
+            </a:pPr>
+            <a:r>
+              <a:rPr lang="fr-FR" dirty="0" smtClean="0">
+                <a:solidFill>
+                  <a:srgbClr val="FFC000"/>
+                </a:solidFill>
+              </a:rPr>
+              <a:t>Maquette finale</a:t>
+            </a:r>
+          </a:p>
+          <a:p>
+            <a:pPr marL="0" indent="0">
+              <a:buNone/>
+            </a:pPr>
+            <a:r>
+              <a:rPr lang="fr-FR" spc="-150" dirty="0" smtClean="0">
+                <a:solidFill>
+                  <a:srgbClr val="FFC000"/>
+                </a:solidFill>
+              </a:rPr>
+              <a:t>Rails | JavaScript | CSS3 |HTML5</a:t>
             </a:r>
           </a:p>
           <a:p>
@@ -21463,14 +22452,14 @@
           <p:nvPr>
             <p:extLst>
               <p:ext uri="{D42A27DB-BD31-4B8C-83A1-F6EECF244321}">
-                <p14:modId xmlns:p14="http://schemas.microsoft.com/office/powerpoint/2010/main" val="1107750943"/>
+                <p14:modId xmlns:p14="http://schemas.microsoft.com/office/powerpoint/2010/main" val="3071604968"/>
               </p:ext>
             </p:extLst>
           </p:nvPr>
         </p:nvGraphicFramePr>
         <p:xfrm>
-          <a:off x="1152128" y="1923678"/>
-          <a:ext cx="3729089" cy="2232248"/>
+          <a:off x="5020043" y="1851670"/>
+          <a:ext cx="3728421" cy="2232248"/>
         </p:xfrm>
         <a:graphic>
           <a:graphicData uri="http://schemas.openxmlformats.org/drawingml/2006/chart">
@@ -21481,7 +22470,7 @@
     </p:spTree>
     <p:extLst>
       <p:ext uri="{BB962C8B-B14F-4D97-AF65-F5344CB8AC3E}">
-        <p14:creationId xmlns:p14="http://schemas.microsoft.com/office/powerpoint/2010/main" val="2567563741"/>
+        <p14:creationId xmlns:p14="http://schemas.microsoft.com/office/powerpoint/2010/main" val="3787200968"/>
       </p:ext>
     </p:extLst>
   </p:cSld>
@@ -21628,7 +22617,7 @@
                   <a:schemeClr val="bg1"/>
                 </a:solidFill>
               </a:rPr>
-              <a:t>Lot #4 – Implémentation</a:t>
+              <a:t>Lot #3 - Conception</a:t>
             </a:r>
             <a:endParaRPr lang="fr-FR" dirty="0">
               <a:solidFill>
@@ -21718,14 +22707,12 @@
         </p:nvSpPr>
         <p:spPr>
           <a:xfrm>
-            <a:off x="1043608" y="1779662"/>
-            <a:ext cx="3816424" cy="1872208"/>
-          </a:xfrm>
-        </p:spPr>
-        <p:txBody>
-          <a:bodyPr>
-            <a:normAutofit/>
-          </a:bodyPr>
+            <a:off x="5004048" y="2283718"/>
+            <a:ext cx="5112568" cy="1224136"/>
+          </a:xfrm>
+        </p:spPr>
+        <p:txBody>
+          <a:bodyPr/>
           <a:lstStyle/>
           <a:p>
             <a:pPr marL="0" indent="0">
@@ -21737,7 +22724,7 @@
                   <a:srgbClr val="FFC000"/>
                 </a:solidFill>
               </a:rPr>
-              <a:t>Gérer les demandes</a:t>
+              <a:t>Diagrammes</a:t>
             </a:r>
           </a:p>
           <a:p>
@@ -21750,52 +22737,29 @@
                   <a:srgbClr val="FFC000"/>
                 </a:solidFill>
               </a:rPr>
-              <a:t>Faire une demande</a:t>
-            </a:r>
-          </a:p>
-          <a:p>
-            <a:pPr marL="0" indent="0">
-              <a:buNone/>
-            </a:pPr>
-            <a:r>
-              <a:rPr lang="fr-FR" dirty="0" smtClean="0">
-                <a:solidFill>
-                  <a:srgbClr val="FFC000"/>
-                </a:solidFill>
-              </a:rPr>
-              <a:t>Gérer l’état du </a:t>
-            </a:r>
-            <a:r>
-              <a:rPr lang="fr-FR" dirty="0" smtClean="0">
-                <a:solidFill>
-                  <a:srgbClr val="FFC000"/>
-                </a:solidFill>
-              </a:rPr>
-              <a:t>stock</a:t>
-            </a:r>
-            <a:endParaRPr lang="fr-FR" dirty="0" smtClean="0">
-              <a:solidFill>
-                <a:srgbClr val="FFC000"/>
-              </a:solidFill>
-            </a:endParaRPr>
+              <a:t>Fonctionnalités</a:t>
+            </a:r>
+          </a:p>
+          <a:p>
+            <a:endParaRPr lang="fr-FR" dirty="0"/>
           </a:p>
         </p:txBody>
       </p:sp>
       <p:graphicFrame>
         <p:nvGraphicFramePr>
-          <p:cNvPr id="11" name="Graphique 10"/>
+          <p:cNvPr id="9" name="Graphique 8"/>
           <p:cNvGraphicFramePr/>
           <p:nvPr>
             <p:extLst>
               <p:ext uri="{D42A27DB-BD31-4B8C-83A1-F6EECF244321}">
-                <p14:modId xmlns:p14="http://schemas.microsoft.com/office/powerpoint/2010/main" val="1587201293"/>
+                <p14:modId xmlns:p14="http://schemas.microsoft.com/office/powerpoint/2010/main" val="1107750943"/>
               </p:ext>
             </p:extLst>
           </p:nvPr>
         </p:nvGraphicFramePr>
         <p:xfrm>
-          <a:off x="5004048" y="1851670"/>
-          <a:ext cx="3700204" cy="2214165"/>
+          <a:off x="1152128" y="1923678"/>
+          <a:ext cx="3729089" cy="2232248"/>
         </p:xfrm>
         <a:graphic>
           <a:graphicData uri="http://schemas.openxmlformats.org/drawingml/2006/chart">
@@ -21803,92 +22767,10 @@
           </a:graphicData>
         </a:graphic>
       </p:graphicFrame>
-      <p:sp>
-        <p:nvSpPr>
-          <p:cNvPr id="3" name="Rectangle 2"/>
-          <p:cNvSpPr/>
-          <p:nvPr/>
-        </p:nvSpPr>
-        <p:spPr>
-          <a:xfrm>
-            <a:off x="4366854" y="4011910"/>
-            <a:ext cx="2725426" cy="461665"/>
-          </a:xfrm>
-          <a:prstGeom prst="rect">
-            <a:avLst/>
-          </a:prstGeom>
-        </p:spPr>
-        <p:txBody>
-          <a:bodyPr wrap="none">
-            <a:spAutoFit/>
-          </a:bodyPr>
-          <a:lstStyle/>
-          <a:p>
-            <a:r>
-              <a:rPr lang="fr-FR" sz="2400" b="1" dirty="0">
-                <a:solidFill>
-                  <a:srgbClr val="FFC000"/>
-                </a:solidFill>
-              </a:rPr>
-              <a:t>21%-40% de risques</a:t>
-            </a:r>
-            <a:endParaRPr lang="fr-FR" sz="2400" b="1" dirty="0"/>
-          </a:p>
-        </p:txBody>
-      </p:sp>
-      <p:sp>
-        <p:nvSpPr>
-          <p:cNvPr id="12" name="Rectangle 11"/>
-          <p:cNvSpPr/>
-          <p:nvPr/>
-        </p:nvSpPr>
-        <p:spPr>
-          <a:xfrm>
-            <a:off x="1043608" y="4083918"/>
-            <a:ext cx="3433440" cy="369332"/>
-          </a:xfrm>
-          <a:prstGeom prst="rect">
-            <a:avLst/>
-          </a:prstGeom>
-        </p:spPr>
-        <p:txBody>
-          <a:bodyPr wrap="none">
-            <a:spAutoFit/>
-          </a:bodyPr>
-          <a:lstStyle/>
-          <a:p>
-            <a:r>
-              <a:rPr lang="fr-FR" b="1" dirty="0" smtClean="0">
-                <a:solidFill>
-                  <a:srgbClr val="FFC000"/>
-                </a:solidFill>
-              </a:rPr>
-              <a:t>Retard sur implémentation (</a:t>
-            </a:r>
-            <a:r>
-              <a:rPr lang="fr-FR" b="1" dirty="0" err="1" smtClean="0">
-                <a:solidFill>
-                  <a:srgbClr val="FFC000"/>
-                </a:solidFill>
-              </a:rPr>
-              <a:t>DoW</a:t>
-            </a:r>
-            <a:r>
-              <a:rPr lang="fr-FR" b="1" dirty="0" smtClean="0">
-                <a:solidFill>
-                  <a:srgbClr val="FFC000"/>
-                </a:solidFill>
-              </a:rPr>
-              <a:t>)</a:t>
-            </a:r>
-            <a:endParaRPr lang="fr-FR" b="1" dirty="0"/>
-          </a:p>
-        </p:txBody>
-      </p:sp>
     </p:spTree>
     <p:extLst>
       <p:ext uri="{BB962C8B-B14F-4D97-AF65-F5344CB8AC3E}">
-        <p14:creationId xmlns:p14="http://schemas.microsoft.com/office/powerpoint/2010/main" val="3775844611"/>
+        <p14:creationId xmlns:p14="http://schemas.microsoft.com/office/powerpoint/2010/main" val="2567563741"/>
       </p:ext>
     </p:extLst>
   </p:cSld>
@@ -22035,7 +22917,7 @@
                   <a:schemeClr val="bg1"/>
                 </a:solidFill>
               </a:rPr>
-              <a:t>Lot #5 – Tests Utilisateurs</a:t>
+              <a:t>Lot #4 – Implémentation</a:t>
             </a:r>
             <a:endParaRPr lang="fr-FR" dirty="0">
               <a:solidFill>
@@ -22113,6 +22995,68 @@
           </a:p>
         </p:txBody>
       </p:sp>
+      <p:sp>
+        <p:nvSpPr>
+          <p:cNvPr id="10" name="Espace réservé du contenu 2"/>
+          <p:cNvSpPr>
+            <a:spLocks noGrp="1"/>
+          </p:cNvSpPr>
+          <p:nvPr>
+            <p:ph idx="1"/>
+          </p:nvPr>
+        </p:nvSpPr>
+        <p:spPr>
+          <a:xfrm>
+            <a:off x="1043608" y="1779662"/>
+            <a:ext cx="3816424" cy="1872208"/>
+          </a:xfrm>
+        </p:spPr>
+        <p:txBody>
+          <a:bodyPr>
+            <a:normAutofit/>
+          </a:bodyPr>
+          <a:lstStyle/>
+          <a:p>
+            <a:pPr marL="0" indent="0">
+              <a:buNone/>
+            </a:pPr>
+            <a:r>
+              <a:rPr lang="fr-FR" dirty="0" smtClean="0">
+                <a:solidFill>
+                  <a:srgbClr val="FFC000"/>
+                </a:solidFill>
+              </a:rPr>
+              <a:t>Gérer les demandes</a:t>
+            </a:r>
+          </a:p>
+          <a:p>
+            <a:pPr marL="0" indent="0">
+              <a:buNone/>
+            </a:pPr>
+            <a:r>
+              <a:rPr lang="fr-FR" dirty="0" smtClean="0">
+                <a:solidFill>
+                  <a:srgbClr val="FFC000"/>
+                </a:solidFill>
+              </a:rPr>
+              <a:t>Faire une demande</a:t>
+            </a:r>
+          </a:p>
+          <a:p>
+            <a:pPr marL="0" indent="0">
+              <a:buNone/>
+            </a:pPr>
+            <a:r>
+              <a:rPr lang="fr-FR" dirty="0" smtClean="0">
+                <a:solidFill>
+                  <a:srgbClr val="FFC000"/>
+                </a:solidFill>
+              </a:rPr>
+              <a:t>Gérer l’état du stock</a:t>
+            </a:r>
+          </a:p>
+        </p:txBody>
+      </p:sp>
       <p:graphicFrame>
         <p:nvGraphicFramePr>
           <p:cNvPr id="11" name="Graphique 10"/>
@@ -22120,25 +23064,107 @@
           <p:nvPr>
             <p:extLst>
               <p:ext uri="{D42A27DB-BD31-4B8C-83A1-F6EECF244321}">
-                <p14:modId xmlns:p14="http://schemas.microsoft.com/office/powerpoint/2010/main" val="1252621448"/>
+                <p14:modId xmlns:p14="http://schemas.microsoft.com/office/powerpoint/2010/main" val="1587201293"/>
               </p:ext>
             </p:extLst>
           </p:nvPr>
         </p:nvGraphicFramePr>
         <p:xfrm>
-          <a:off x="2712479" y="1851670"/>
-          <a:ext cx="3719041" cy="2225437"/>
+          <a:off x="5004048" y="1851670"/>
+          <a:ext cx="3700204" cy="2214165"/>
         </p:xfrm>
         <a:graphic>
           <a:graphicData uri="http://schemas.openxmlformats.org/drawingml/2006/chart">
-            <c:chart xmlns:c="http://schemas.openxmlformats.org/drawingml/2006/chart" xmlns:r="http://schemas.openxmlformats.org/officeDocument/2006/relationships" r:id="rId2"/>
+            <c:chart xmlns:c="http://schemas.openxmlformats.org/drawingml/2006/chart" xmlns:r="http://schemas.openxmlformats.org/officeDocument/2006/relationships" r:id="rId3"/>
           </a:graphicData>
         </a:graphic>
       </p:graphicFrame>
+      <p:sp>
+        <p:nvSpPr>
+          <p:cNvPr id="3" name="Rectangle 2"/>
+          <p:cNvSpPr/>
+          <p:nvPr/>
+        </p:nvSpPr>
+        <p:spPr>
+          <a:xfrm>
+            <a:off x="4366854" y="4011910"/>
+            <a:ext cx="2725426" cy="461665"/>
+          </a:xfrm>
+          <a:prstGeom prst="rect">
+            <a:avLst/>
+          </a:prstGeom>
+        </p:spPr>
+        <p:txBody>
+          <a:bodyPr wrap="none">
+            <a:spAutoFit/>
+          </a:bodyPr>
+          <a:lstStyle/>
+          <a:p>
+            <a:r>
+              <a:rPr lang="fr-FR" sz="2400" b="1" dirty="0">
+                <a:solidFill>
+                  <a:srgbClr val="FFC000"/>
+                </a:solidFill>
+              </a:rPr>
+              <a:t>21%-40% de risques</a:t>
+            </a:r>
+            <a:endParaRPr lang="fr-FR" sz="2400" b="1" dirty="0"/>
+          </a:p>
+        </p:txBody>
+      </p:sp>
+      <p:sp>
+        <p:nvSpPr>
+          <p:cNvPr id="12" name="Rectangle 11"/>
+          <p:cNvSpPr/>
+          <p:nvPr/>
+        </p:nvSpPr>
+        <p:spPr>
+          <a:xfrm>
+            <a:off x="1043608" y="4083918"/>
+            <a:ext cx="3433440" cy="369332"/>
+          </a:xfrm>
+          <a:prstGeom prst="rect">
+            <a:avLst/>
+          </a:prstGeom>
+        </p:spPr>
+        <p:txBody>
+          <a:bodyPr wrap="none">
+            <a:spAutoFit/>
+          </a:bodyPr>
+          <a:lstStyle/>
+          <a:p>
+            <a:r>
+              <a:rPr lang="fr-FR" b="1" dirty="0" smtClean="0">
+                <a:solidFill>
+                  <a:srgbClr val="FFC000"/>
+                </a:solidFill>
+              </a:rPr>
+              <a:t>Retard sur implémentation (</a:t>
+            </a:r>
+            <a:r>
+              <a:rPr lang="fr-FR" b="1" dirty="0" err="1" smtClean="0">
+                <a:solidFill>
+                  <a:srgbClr val="FFC000"/>
+                </a:solidFill>
+              </a:rPr>
+              <a:t>DoW</a:t>
+            </a:r>
+            <a:r>
+              <a:rPr lang="fr-FR" b="1" dirty="0" smtClean="0">
+                <a:solidFill>
+                  <a:srgbClr val="FFC000"/>
+                </a:solidFill>
+              </a:rPr>
+              <a:t>)</a:t>
+            </a:r>
+            <a:endParaRPr lang="fr-FR" b="1" dirty="0"/>
+          </a:p>
+        </p:txBody>
+      </p:sp>
     </p:spTree>
     <p:extLst>
       <p:ext uri="{BB962C8B-B14F-4D97-AF65-F5344CB8AC3E}">
-        <p14:creationId xmlns:p14="http://schemas.microsoft.com/office/powerpoint/2010/main" val="562666307"/>
+        <p14:creationId xmlns:p14="http://schemas.microsoft.com/office/powerpoint/2010/main" val="3775844611"/>
       </p:ext>
     </p:extLst>
   </p:cSld>
@@ -22285,7 +23311,7 @@
                   <a:schemeClr val="bg1"/>
                 </a:solidFill>
               </a:rPr>
-              <a:t>Gestion du projet</a:t>
+              <a:t>Lot #5 – Tests Utilisateurs</a:t>
             </a:r>
             <a:endParaRPr lang="fr-FR" dirty="0">
               <a:solidFill>
@@ -22365,21 +23391,32 @@
       </p:sp>
       <p:graphicFrame>
         <p:nvGraphicFramePr>
-          <p:cNvPr id="9" name="Graphique 8"/>
+          <p:cNvPr id="11" name="Graphique 10"/>
           <p:cNvGraphicFramePr/>
-          <p:nvPr/>
+          <p:nvPr>
+            <p:extLst>
+              <p:ext uri="{D42A27DB-BD31-4B8C-83A1-F6EECF244321}">
+                <p14:modId xmlns:p14="http://schemas.microsoft.com/office/powerpoint/2010/main" val="1252621448"/>
+              </p:ext>
+            </p:extLst>
+          </p:nvPr>
         </p:nvGraphicFramePr>
         <p:xfrm>
-          <a:off x="1619672" y="1221600"/>
-          <a:ext cx="6192688" cy="3510390"/>
+          <a:off x="2712479" y="1851670"/>
+          <a:ext cx="3719041" cy="2225437"/>
         </p:xfrm>
         <a:graphic>
           <a:graphicData uri="http://schemas.openxmlformats.org/drawingml/2006/chart">
-            <c:chart xmlns:c="http://schemas.openxmlformats.org/drawingml/2006/chart" xmlns:r="http://schemas.openxmlformats.org/officeDocument/2006/relationships" r:id="rId2"/>
+            <c:chart xmlns:c="http://schemas.openxmlformats.org/drawingml/2006/chart" xmlns:r="http://schemas.openxmlformats.org/officeDocument/2006/relationships" r:id="rId3"/>
           </a:graphicData>
         </a:graphic>
       </p:graphicFrame>
     </p:spTree>
+    <p:extLst>
+      <p:ext uri="{BB962C8B-B14F-4D97-AF65-F5344CB8AC3E}">
+        <p14:creationId xmlns:p14="http://schemas.microsoft.com/office/powerpoint/2010/main" val="562666307"/>
+      </p:ext>
+    </p:extLst>
   </p:cSld>
   <p:clrMapOvr>
     <a:masterClrMapping/>
@@ -22536,70 +23573,6 @@
       </p:sp>
       <p:sp>
         <p:nvSpPr>
-          <p:cNvPr id="3" name="Espace réservé du contenu 2"/>
-          <p:cNvSpPr>
-            <a:spLocks noGrp="1"/>
-          </p:cNvSpPr>
-          <p:nvPr>
-            <p:ph idx="1"/>
-          </p:nvPr>
-        </p:nvSpPr>
-        <p:spPr>
-          <a:xfrm>
-            <a:off x="1331640" y="2067694"/>
-            <a:ext cx="6995120" cy="1944216"/>
-          </a:xfrm>
-        </p:spPr>
-        <p:txBody>
-          <a:bodyPr/>
-          <a:lstStyle/>
-          <a:p>
-            <a:pPr marL="0" indent="0">
-              <a:buNone/>
-            </a:pPr>
-            <a:r>
-              <a:rPr lang="fr-FR" dirty="0" smtClean="0">
-                <a:solidFill>
-                  <a:srgbClr val="FFC000"/>
-                </a:solidFill>
-              </a:rPr>
-              <a:t>Répartition des tâches (JIRA)</a:t>
-            </a:r>
-          </a:p>
-          <a:p>
-            <a:pPr marL="0" indent="0">
-              <a:buNone/>
-            </a:pPr>
-            <a:r>
-              <a:rPr lang="fr-FR" dirty="0" smtClean="0">
-                <a:solidFill>
-                  <a:srgbClr val="FFC000"/>
-                </a:solidFill>
-              </a:rPr>
-              <a:t>Gestion de versions : Git</a:t>
-            </a:r>
-          </a:p>
-          <a:p>
-            <a:pPr marL="0" indent="0">
-              <a:buNone/>
-            </a:pPr>
-            <a:r>
-              <a:rPr lang="fr-FR" dirty="0" smtClean="0">
-                <a:solidFill>
-                  <a:srgbClr val="FFC000"/>
-                </a:solidFill>
-              </a:rPr>
-              <a:t>Méthode Agile</a:t>
-            </a:r>
-            <a:endParaRPr lang="fr-FR" dirty="0" smtClean="0"/>
-          </a:p>
-          <a:p>
-            <a:endParaRPr lang="fr-FR" dirty="0"/>
-          </a:p>
-        </p:txBody>
-      </p:sp>
-      <p:sp>
-        <p:nvSpPr>
           <p:cNvPr id="5" name="Espace réservé du numéro de diapositive 4"/>
           <p:cNvSpPr>
             <a:spLocks noGrp="1"/>
@@ -22666,6 +23639,22 @@
           </a:p>
         </p:txBody>
       </p:sp>
+      <p:graphicFrame>
+        <p:nvGraphicFramePr>
+          <p:cNvPr id="9" name="Graphique 8"/>
+          <p:cNvGraphicFramePr/>
+          <p:nvPr/>
+        </p:nvGraphicFramePr>
+        <p:xfrm>
+          <a:off x="1619672" y="1221600"/>
+          <a:ext cx="6192688" cy="3510390"/>
+        </p:xfrm>
+        <a:graphic>
+          <a:graphicData uri="http://schemas.openxmlformats.org/drawingml/2006/chart">
+            <c:chart xmlns:c="http://schemas.openxmlformats.org/drawingml/2006/chart" xmlns:r="http://schemas.openxmlformats.org/officeDocument/2006/relationships" r:id="rId2"/>
+          </a:graphicData>
+        </a:graphic>
+      </p:graphicFrame>
     </p:spTree>
   </p:cSld>
   <p:clrMapOvr>
@@ -22811,7 +23800,7 @@
                   <a:schemeClr val="bg1"/>
                 </a:solidFill>
               </a:rPr>
-              <a:t>Fin/Améliorations</a:t>
+              <a:t>Gestion du projet</a:t>
             </a:r>
             <a:endParaRPr lang="fr-FR" dirty="0">
               <a:solidFill>
@@ -22833,103 +23822,41 @@
         </p:nvSpPr>
         <p:spPr>
           <a:xfrm>
-            <a:off x="683568" y="1400241"/>
-            <a:ext cx="8136904" cy="3210839"/>
+            <a:off x="1180045" y="1809031"/>
+            <a:ext cx="6192688" cy="3096344"/>
           </a:xfrm>
         </p:spPr>
         <p:txBody>
           <a:bodyPr>
-            <a:normAutofit fontScale="62500" lnSpcReduction="20000"/>
+            <a:normAutofit/>
           </a:bodyPr>
           <a:lstStyle/>
           <a:p>
             <a:pPr marL="0" indent="0">
-              <a:lnSpc>
-                <a:spcPct val="120000"/>
-              </a:lnSpc>
               <a:buNone/>
             </a:pPr>
             <a:r>
-              <a:rPr lang="fr-FR" sz="4200" b="1" dirty="0" smtClean="0">
+              <a:rPr lang="fr-FR" dirty="0" smtClean="0">
                 <a:solidFill>
                   <a:srgbClr val="FFC000"/>
                 </a:solidFill>
               </a:rPr>
-              <a:t>Finir la première version</a:t>
+              <a:t>Répartition des tâches</a:t>
             </a:r>
           </a:p>
           <a:p>
             <a:pPr marL="0" indent="0">
-              <a:lnSpc>
-                <a:spcPct val="120000"/>
-              </a:lnSpc>
               <a:buNone/>
             </a:pPr>
             <a:r>
-              <a:rPr lang="fr-FR" sz="4200" b="1" dirty="0" smtClean="0">
+              <a:rPr lang="fr-FR" dirty="0" smtClean="0">
                 <a:solidFill>
                   <a:srgbClr val="FFC000"/>
                 </a:solidFill>
               </a:rPr>
-              <a:t>Faire des tests utilisateurs sur la 1</a:t>
-            </a:r>
-            <a:r>
-              <a:rPr lang="fr-FR" sz="4200" b="1" baseline="30000" dirty="0" smtClean="0">
-                <a:solidFill>
-                  <a:srgbClr val="FFC000"/>
-                </a:solidFill>
-              </a:rPr>
-              <a:t>ère</a:t>
-            </a:r>
-            <a:r>
-              <a:rPr lang="fr-FR" sz="4200" b="1" dirty="0" smtClean="0">
-                <a:solidFill>
-                  <a:srgbClr val="FFC000"/>
-                </a:solidFill>
-              </a:rPr>
-              <a:t> version </a:t>
-            </a:r>
-            <a:r>
-              <a:rPr lang="fr-FR" sz="4200" b="1" dirty="0" smtClean="0">
-                <a:solidFill>
-                  <a:srgbClr val="FFC000"/>
-                </a:solidFill>
-              </a:rPr>
-              <a:t>fonctionnelle</a:t>
-            </a:r>
-          </a:p>
-          <a:p>
-            <a:pPr marL="0" indent="0">
-              <a:lnSpc>
-                <a:spcPct val="120000"/>
-              </a:lnSpc>
-              <a:buNone/>
-            </a:pPr>
-            <a:r>
-              <a:rPr lang="fr-FR" sz="4200" b="1" dirty="0">
-                <a:solidFill>
-                  <a:srgbClr val="FFC000"/>
-                </a:solidFill>
-              </a:rPr>
-              <a:t>Responsive design </a:t>
-            </a:r>
-            <a:r>
-              <a:rPr lang="fr-FR" sz="4200" b="1" dirty="0" smtClean="0">
-                <a:solidFill>
-                  <a:srgbClr val="FFC000"/>
-                </a:solidFill>
-              </a:rPr>
-              <a:t>amélioré</a:t>
-            </a:r>
-          </a:p>
-          <a:p>
-            <a:pPr marL="0" indent="0">
-              <a:lnSpc>
-                <a:spcPct val="120000"/>
-              </a:lnSpc>
-              <a:buNone/>
-            </a:pPr>
-            <a:endParaRPr lang="fr-FR" sz="4200" b="1" dirty="0" smtClean="0">
+              <a:t>Suivi de la consommation du budget</a:t>
+            </a:r>
+            <a:endParaRPr lang="fr-FR" dirty="0" smtClean="0">
               <a:solidFill>
                 <a:srgbClr val="FFC000"/>
               </a:solidFill>
@@ -22937,9 +23864,6 @@
           </a:p>
           <a:p>
             <a:pPr marL="0" indent="0">
-              <a:lnSpc>
-                <a:spcPct val="120000"/>
-              </a:lnSpc>
               <a:buNone/>
             </a:pPr>
             <a:r>
@@ -22948,14 +23872,11 @@
                   <a:srgbClr val="FFC000"/>
                 </a:solidFill>
               </a:rPr>
-              <a:t>Faire une deuxième itération intégrant les remarques des utilisateurs</a:t>
+              <a:t>Gestion de versions : Git</a:t>
             </a:r>
           </a:p>
           <a:p>
             <a:pPr marL="0" indent="0">
-              <a:lnSpc>
-                <a:spcPct val="120000"/>
-              </a:lnSpc>
               <a:buNone/>
             </a:pPr>
             <a:r>
@@ -22964,32 +23885,9 @@
                   <a:srgbClr val="FFC000"/>
                 </a:solidFill>
               </a:rPr>
-              <a:t>Automatisation </a:t>
-            </a:r>
-            <a:r>
-              <a:rPr lang="fr-FR" dirty="0" smtClean="0">
-                <a:solidFill>
-                  <a:srgbClr val="FFC000"/>
-                </a:solidFill>
-              </a:rPr>
-              <a:t>des tests fonctionnels</a:t>
-            </a:r>
-          </a:p>
-          <a:p>
-            <a:pPr marL="0" indent="0">
-              <a:lnSpc>
-                <a:spcPct val="120000"/>
-              </a:lnSpc>
-              <a:buNone/>
-            </a:pPr>
-            <a:r>
-              <a:rPr lang="fr-FR" dirty="0" smtClean="0">
-                <a:solidFill>
-                  <a:srgbClr val="FFC000"/>
-                </a:solidFill>
-              </a:rPr>
-              <a:t>Authentification CAS</a:t>
-            </a:r>
+              <a:t>Méthode Agile</a:t>
+            </a:r>
+            <a:endParaRPr lang="fr-FR" dirty="0" smtClean="0"/>
           </a:p>
           <a:p>
             <a:endParaRPr lang="fr-FR" dirty="0"/>
@@ -23064,6 +23962,84 @@
           </a:p>
         </p:txBody>
       </p:sp>
+      <p:sp>
+        <p:nvSpPr>
+          <p:cNvPr id="8" name="Rectangle 7"/>
+          <p:cNvSpPr/>
+          <p:nvPr/>
+        </p:nvSpPr>
+        <p:spPr>
+          <a:xfrm>
+            <a:off x="7660765" y="2128711"/>
+            <a:ext cx="1008112" cy="584775"/>
+          </a:xfrm>
+          <a:prstGeom prst="rect">
+            <a:avLst/>
+          </a:prstGeom>
+        </p:spPr>
+        <p:txBody>
+          <a:bodyPr wrap="square">
+            <a:spAutoFit/>
+          </a:bodyPr>
+          <a:lstStyle/>
+          <a:p>
+            <a:r>
+              <a:rPr lang="fr-FR" sz="3200" dirty="0">
+                <a:solidFill>
+                  <a:srgbClr val="FFC000"/>
+                </a:solidFill>
+              </a:rPr>
+              <a:t>JIRA</a:t>
+            </a:r>
+          </a:p>
+        </p:txBody>
+      </p:sp>
+      <p:sp>
+        <p:nvSpPr>
+          <p:cNvPr id="13" name="Accolade fermante 12"/>
+          <p:cNvSpPr/>
+          <p:nvPr/>
+        </p:nvSpPr>
+        <p:spPr>
+          <a:xfrm>
+            <a:off x="7420394" y="2025055"/>
+            <a:ext cx="240371" cy="792088"/>
+          </a:xfrm>
+          <a:prstGeom prst="rightBrace">
+            <a:avLst>
+              <a:gd name="adj1" fmla="val 8333"/>
+              <a:gd name="adj2" fmla="val 51043"/>
+            </a:avLst>
+          </a:prstGeom>
+          <a:ln w="19050">
+            <a:solidFill>
+              <a:srgbClr val="FFC000"/>
+            </a:solidFill>
+          </a:ln>
+        </p:spPr>
+        <p:style>
+          <a:lnRef idx="1">
+            <a:schemeClr val="accent6"/>
+          </a:lnRef>
+          <a:fillRef idx="0">
+            <a:schemeClr val="accent6"/>
+          </a:fillRef>
+          <a:effectRef idx="0">
+            <a:schemeClr val="accent6"/>
+          </a:effectRef>
+          <a:fontRef idx="minor">
+            <a:schemeClr val="tx1"/>
+          </a:fontRef>
+        </p:style>
+        <p:txBody>
+          <a:bodyPr rtlCol="0" anchor="ctr"/>
+          <a:lstStyle/>
+          <a:p>
+            <a:pPr algn="ctr"/>
+            <a:endParaRPr lang="fr-FR"/>
+          </a:p>
+        </p:txBody>
+      </p:sp>
     </p:spTree>
   </p:cSld>
   <p:clrMapOvr>
@@ -23072,9 +24048,80 @@
   <p:timing>
     <p:tnLst>
       <p:par>
-        <p:cTn id="1" dur="indefinite" restart="never" nodeType="tmRoot"/>
+        <p:cTn id="1" dur="indefinite" restart="never" nodeType="tmRoot">
+          <p:childTnLst>
+            <p:seq concurrent="1" nextAc="seek">
+              <p:cTn id="2" dur="indefinite" nodeType="mainSeq">
+                <p:childTnLst>
+                  <p:par>
+                    <p:cTn id="3" fill="hold">
+                      <p:stCondLst>
+                        <p:cond delay="indefinite"/>
+                      </p:stCondLst>
+                      <p:childTnLst>
+                        <p:par>
+                          <p:cTn id="4" fill="hold">
+                            <p:stCondLst>
+                              <p:cond delay="0"/>
+                            </p:stCondLst>
+                            <p:childTnLst>
+                              <p:par>
+                                <p:cTn id="5" presetID="1" presetClass="entr" presetSubtype="0" fill="hold" grpId="0" nodeType="clickEffect">
+                                  <p:stCondLst>
+                                    <p:cond delay="0"/>
+                                  </p:stCondLst>
+                                  <p:childTnLst>
+                                    <p:set>
+                                      <p:cBhvr>
+                                        <p:cTn id="6" dur="1" fill="hold">
+                                          <p:stCondLst>
+                                            <p:cond delay="0"/>
+                                          </p:stCondLst>
+                                        </p:cTn>
+                                        <p:tgtEl>
+                                          <p:spTgt spid="13"/>
+                                        </p:tgtEl>
+                                        <p:attrNameLst>
+                                          <p:attrName>style.visibility</p:attrName>
+                                        </p:attrNameLst>
+                                      </p:cBhvr>
+                                      <p:to>
+                                        <p:strVal val="visible"/>
+                                      </p:to>
+                                    </p:set>
+                                  </p:childTnLst>
+                                </p:cTn>
+                              </p:par>
+                            </p:childTnLst>
+                          </p:cTn>
+                        </p:par>
+                      </p:childTnLst>
+                    </p:cTn>
+                  </p:par>
+                </p:childTnLst>
+              </p:cTn>
+              <p:prevCondLst>
+                <p:cond evt="onPrev" delay="0">
+                  <p:tgtEl>
+                    <p:sldTgt/>
+                  </p:tgtEl>
+                </p:cond>
+              </p:prevCondLst>
+              <p:nextCondLst>
+                <p:cond evt="onNext" delay="0">
+                  <p:tgtEl>
+                    <p:sldTgt/>
+                  </p:tgtEl>
+                </p:cond>
+              </p:nextCondLst>
+            </p:seq>
+          </p:childTnLst>
+        </p:cTn>
       </p:par>
     </p:tnLst>
+    <p:bldLst>
+      <p:bldP spid="13" grpId="0" animBg="1"/>
+    </p:bldLst>
   </p:timing>
 </p:sld>
 </file>
@@ -23098,6 +24145,388 @@
       </p:grpSpPr>
       <p:sp>
         <p:nvSpPr>
+          <p:cNvPr id="7" name="Rectangle 6"/>
+          <p:cNvSpPr/>
+          <p:nvPr/>
+        </p:nvSpPr>
+        <p:spPr>
+          <a:xfrm>
+            <a:off x="0" y="4731990"/>
+            <a:ext cx="9144000" cy="411510"/>
+          </a:xfrm>
+          <a:prstGeom prst="rect">
+            <a:avLst/>
+          </a:prstGeom>
+          <a:solidFill>
+            <a:srgbClr val="FFC000"/>
+          </a:solidFill>
+          <a:ln>
+            <a:noFill/>
+          </a:ln>
+        </p:spPr>
+        <p:style>
+          <a:lnRef idx="2">
+            <a:schemeClr val="accent1">
+              <a:shade val="50000"/>
+            </a:schemeClr>
+          </a:lnRef>
+          <a:fillRef idx="1">
+            <a:schemeClr val="accent1"/>
+          </a:fillRef>
+          <a:effectRef idx="0">
+            <a:schemeClr val="accent1"/>
+          </a:effectRef>
+          <a:fontRef idx="minor">
+            <a:schemeClr val="lt1"/>
+          </a:fontRef>
+        </p:style>
+        <p:txBody>
+          <a:bodyPr rtlCol="0" anchor="ctr"/>
+          <a:lstStyle/>
+          <a:p>
+            <a:pPr algn="ctr"/>
+            <a:endParaRPr lang="fr-FR"/>
+          </a:p>
+        </p:txBody>
+      </p:sp>
+      <p:sp>
+        <p:nvSpPr>
+          <p:cNvPr id="4" name="Rectangle 3"/>
+          <p:cNvSpPr/>
+          <p:nvPr/>
+        </p:nvSpPr>
+        <p:spPr>
+          <a:xfrm>
+            <a:off x="0" y="0"/>
+            <a:ext cx="9144000" cy="1167594"/>
+          </a:xfrm>
+          <a:prstGeom prst="rect">
+            <a:avLst/>
+          </a:prstGeom>
+          <a:solidFill>
+            <a:srgbClr val="FFC000"/>
+          </a:solidFill>
+          <a:ln>
+            <a:noFill/>
+          </a:ln>
+        </p:spPr>
+        <p:style>
+          <a:lnRef idx="2">
+            <a:schemeClr val="accent1">
+              <a:shade val="50000"/>
+            </a:schemeClr>
+          </a:lnRef>
+          <a:fillRef idx="1">
+            <a:schemeClr val="accent1"/>
+          </a:fillRef>
+          <a:effectRef idx="0">
+            <a:schemeClr val="accent1"/>
+          </a:effectRef>
+          <a:fontRef idx="minor">
+            <a:schemeClr val="lt1"/>
+          </a:fontRef>
+        </p:style>
+        <p:txBody>
+          <a:bodyPr rtlCol="0" anchor="ctr"/>
+          <a:lstStyle/>
+          <a:p>
+            <a:pPr algn="ctr"/>
+            <a:endParaRPr lang="fr-FR"/>
+          </a:p>
+        </p:txBody>
+      </p:sp>
+      <p:sp>
+        <p:nvSpPr>
+          <p:cNvPr id="2" name="Titre 1"/>
+          <p:cNvSpPr>
+            <a:spLocks noGrp="1"/>
+          </p:cNvSpPr>
+          <p:nvPr>
+            <p:ph type="title"/>
+          </p:nvPr>
+        </p:nvSpPr>
+        <p:spPr/>
+        <p:txBody>
+          <a:bodyPr/>
+          <a:lstStyle/>
+          <a:p>
+            <a:r>
+              <a:rPr lang="fr-FR" dirty="0" smtClean="0">
+                <a:solidFill>
+                  <a:schemeClr val="bg1"/>
+                </a:solidFill>
+              </a:rPr>
+              <a:t>Fin/Améliorations</a:t>
+            </a:r>
+            <a:endParaRPr lang="fr-FR" dirty="0">
+              <a:solidFill>
+                <a:schemeClr val="bg1"/>
+              </a:solidFill>
+            </a:endParaRPr>
+          </a:p>
+        </p:txBody>
+      </p:sp>
+      <p:sp>
+        <p:nvSpPr>
+          <p:cNvPr id="3" name="Espace réservé du contenu 2"/>
+          <p:cNvSpPr>
+            <a:spLocks noGrp="1"/>
+          </p:cNvSpPr>
+          <p:nvPr>
+            <p:ph idx="1"/>
+          </p:nvPr>
+        </p:nvSpPr>
+        <p:spPr>
+          <a:xfrm>
+            <a:off x="683568" y="1400241"/>
+            <a:ext cx="8136904" cy="3210839"/>
+          </a:xfrm>
+        </p:spPr>
+        <p:txBody>
+          <a:bodyPr>
+            <a:normAutofit fontScale="62500" lnSpcReduction="20000"/>
+          </a:bodyPr>
+          <a:lstStyle/>
+          <a:p>
+            <a:pPr marL="0" indent="0">
+              <a:lnSpc>
+                <a:spcPct val="120000"/>
+              </a:lnSpc>
+              <a:buNone/>
+            </a:pPr>
+            <a:r>
+              <a:rPr lang="fr-FR" sz="4200" b="1" dirty="0" smtClean="0">
+                <a:solidFill>
+                  <a:srgbClr val="FFC000"/>
+                </a:solidFill>
+              </a:rPr>
+              <a:t>Finir la première version</a:t>
+            </a:r>
+          </a:p>
+          <a:p>
+            <a:pPr marL="0" indent="0">
+              <a:lnSpc>
+                <a:spcPct val="120000"/>
+              </a:lnSpc>
+              <a:buNone/>
+            </a:pPr>
+            <a:r>
+              <a:rPr lang="fr-FR" sz="4200" b="1" dirty="0" smtClean="0">
+                <a:solidFill>
+                  <a:srgbClr val="FFC000"/>
+                </a:solidFill>
+              </a:rPr>
+              <a:t>Faire des tests utilisateurs sur la 1</a:t>
+            </a:r>
+            <a:r>
+              <a:rPr lang="fr-FR" sz="4200" b="1" baseline="30000" dirty="0" smtClean="0">
+                <a:solidFill>
+                  <a:srgbClr val="FFC000"/>
+                </a:solidFill>
+              </a:rPr>
+              <a:t>ère</a:t>
+            </a:r>
+            <a:r>
+              <a:rPr lang="fr-FR" sz="4200" b="1" dirty="0" smtClean="0">
+                <a:solidFill>
+                  <a:srgbClr val="FFC000"/>
+                </a:solidFill>
+              </a:rPr>
+              <a:t> version fonctionnelle</a:t>
+            </a:r>
+          </a:p>
+          <a:p>
+            <a:pPr marL="0" indent="0">
+              <a:lnSpc>
+                <a:spcPct val="120000"/>
+              </a:lnSpc>
+              <a:buNone/>
+            </a:pPr>
+            <a:r>
+              <a:rPr lang="fr-FR" sz="4200" b="1" dirty="0">
+                <a:solidFill>
+                  <a:srgbClr val="FFC000"/>
+                </a:solidFill>
+              </a:rPr>
+              <a:t>Responsive design </a:t>
+            </a:r>
+            <a:r>
+              <a:rPr lang="fr-FR" sz="4200" b="1" dirty="0" smtClean="0">
+                <a:solidFill>
+                  <a:srgbClr val="FFC000"/>
+                </a:solidFill>
+              </a:rPr>
+              <a:t>amélioré</a:t>
+            </a:r>
+          </a:p>
+          <a:p>
+            <a:pPr marL="0" indent="0">
+              <a:lnSpc>
+                <a:spcPct val="120000"/>
+              </a:lnSpc>
+              <a:buNone/>
+            </a:pPr>
+            <a:endParaRPr lang="fr-FR" sz="4200" b="1" dirty="0" smtClean="0">
+              <a:solidFill>
+                <a:srgbClr val="FFC000"/>
+              </a:solidFill>
+            </a:endParaRPr>
+          </a:p>
+          <a:p>
+            <a:pPr marL="0" indent="0">
+              <a:lnSpc>
+                <a:spcPct val="120000"/>
+              </a:lnSpc>
+              <a:buNone/>
+            </a:pPr>
+            <a:r>
+              <a:rPr lang="fr-FR" dirty="0" smtClean="0">
+                <a:solidFill>
+                  <a:srgbClr val="FFC000"/>
+                </a:solidFill>
+              </a:rPr>
+              <a:t>Faire une deuxième itération intégrant les remarques des utilisateurs</a:t>
+            </a:r>
+          </a:p>
+          <a:p>
+            <a:pPr marL="0" indent="0">
+              <a:lnSpc>
+                <a:spcPct val="120000"/>
+              </a:lnSpc>
+              <a:buNone/>
+            </a:pPr>
+            <a:r>
+              <a:rPr lang="fr-FR" dirty="0" smtClean="0">
+                <a:solidFill>
+                  <a:srgbClr val="FFC000"/>
+                </a:solidFill>
+              </a:rPr>
+              <a:t>Automatisation des tests fonctionnels</a:t>
+            </a:r>
+          </a:p>
+          <a:p>
+            <a:pPr marL="0" indent="0">
+              <a:lnSpc>
+                <a:spcPct val="120000"/>
+              </a:lnSpc>
+              <a:buNone/>
+            </a:pPr>
+            <a:r>
+              <a:rPr lang="fr-FR" dirty="0" smtClean="0">
+                <a:solidFill>
+                  <a:srgbClr val="FFC000"/>
+                </a:solidFill>
+              </a:rPr>
+              <a:t>Authentification CAS</a:t>
+            </a:r>
+          </a:p>
+          <a:p>
+            <a:endParaRPr lang="fr-FR" dirty="0"/>
+          </a:p>
+        </p:txBody>
+      </p:sp>
+      <p:sp>
+        <p:nvSpPr>
+          <p:cNvPr id="5" name="Espace réservé du numéro de diapositive 4"/>
+          <p:cNvSpPr>
+            <a:spLocks noGrp="1"/>
+          </p:cNvSpPr>
+          <p:nvPr>
+            <p:ph type="sldNum" sz="quarter" idx="12"/>
+          </p:nvPr>
+        </p:nvSpPr>
+        <p:spPr/>
+        <p:txBody>
+          <a:bodyPr/>
+          <a:lstStyle/>
+          <a:p>
+            <a:fld id="{B3C63893-BC38-4EBB-829D-DE1F1D825C70}" type="slidenum">
+              <a:rPr lang="fr-FR" b="1" smtClean="0">
+                <a:solidFill>
+                  <a:schemeClr val="bg1"/>
+                </a:solidFill>
+              </a:rPr>
+              <a:pPr/>
+              <a:t>47</a:t>
+            </a:fld>
+            <a:endParaRPr lang="fr-FR" b="1" dirty="0">
+              <a:solidFill>
+                <a:schemeClr val="bg1"/>
+              </a:solidFill>
+            </a:endParaRPr>
+          </a:p>
+        </p:txBody>
+      </p:sp>
+      <p:sp>
+        <p:nvSpPr>
+          <p:cNvPr id="6" name="Espace réservé du pied de page 5"/>
+          <p:cNvSpPr>
+            <a:spLocks noGrp="1"/>
+          </p:cNvSpPr>
+          <p:nvPr>
+            <p:ph type="ftr" sz="quarter" idx="11"/>
+          </p:nvPr>
+        </p:nvSpPr>
+        <p:spPr>
+          <a:xfrm>
+            <a:off x="1475656" y="4767262"/>
+            <a:ext cx="6264696" cy="376238"/>
+          </a:xfrm>
+        </p:spPr>
+        <p:txBody>
+          <a:bodyPr/>
+          <a:lstStyle/>
+          <a:p>
+            <a:r>
+              <a:rPr lang="fr-FR" b="1" smtClean="0">
+                <a:solidFill>
+                  <a:schemeClr val="bg1"/>
+                </a:solidFill>
+              </a:rPr>
+              <a:t>Gestion des emprunts de matériels - Alexis LAURENT | Suzy PAETA | Romain ROUFAST</a:t>
+            </a:r>
+            <a:endParaRPr lang="fr-FR" b="1" dirty="0">
+              <a:solidFill>
+                <a:schemeClr val="bg1"/>
+              </a:solidFill>
+            </a:endParaRPr>
+          </a:p>
+        </p:txBody>
+      </p:sp>
+    </p:spTree>
+  </p:cSld>
+  <p:clrMapOvr>
+    <a:masterClrMapping/>
+  </p:clrMapOvr>
+  <p:timing>
+    <p:tnLst>
+      <p:par>
+        <p:cTn id="1" dur="indefinite" restart="never" nodeType="tmRoot"/>
+      </p:par>
+    </p:tnLst>
+  </p:timing>
+</p:sld>
+</file>
+
+<file path=ppt/slides/slide48.xml><?xml version="1.0" encoding="utf-8"?>
+<p:sld xmlns:a="http://schemas.openxmlformats.org/drawingml/2006/main" xmlns:r="http://schemas.openxmlformats.org/officeDocument/2006/relationships" xmlns:p="http://schemas.openxmlformats.org/presentationml/2006/main">
+  <p:cSld>
+    <p:spTree>
+      <p:nvGrpSpPr>
+        <p:cNvPr id="1" name=""/>
+        <p:cNvGrpSpPr/>
+        <p:nvPr/>
+      </p:nvGrpSpPr>
+      <p:grpSpPr>
+        <a:xfrm>
+          <a:off x="0" y="0"/>
+          <a:ext cx="0" cy="0"/>
+          <a:chOff x="0" y="0"/>
+          <a:chExt cx="0" cy="0"/>
+        </a:xfrm>
+      </p:grpSpPr>
+      <p:sp>
+        <p:nvSpPr>
           <p:cNvPr id="2" name="Titre 1"/>
           <p:cNvSpPr>
             <a:spLocks noGrp="1"/>
@@ -23179,15 +24608,7 @@
                   <a:srgbClr val="FFC000"/>
                 </a:solidFill>
               </a:rPr>
-              <a:t>Démarche centrée </a:t>
-            </a:r>
-            <a:r>
-              <a:rPr lang="fr-FR" dirty="0" smtClean="0">
-                <a:solidFill>
-                  <a:srgbClr val="FFC000"/>
-                </a:solidFill>
-              </a:rPr>
-              <a:t>utilisateurs</a:t>
+              <a:t>Démarche centrée utilisateurs</a:t>
             </a:r>
             <a:endParaRPr lang="fr-FR" dirty="0">
               <a:solidFill>
@@ -23246,7 +24667,7 @@
                 </a:solidFill>
               </a:rPr>
               <a:pPr/>
-              <a:t>47</a:t>
+              <a:t>48</a:t>
             </a:fld>
             <a:endParaRPr lang="fr-FR" b="1" dirty="0">
               <a:solidFill>
@@ -24237,14 +25658,20 @@
               <a:t>Déterminer les </a:t>
             </a:r>
             <a:r>
-              <a:rPr lang="fr-FR" sz="2400" b="1" dirty="0" smtClean="0">
+              <a:rPr lang="fr-FR" sz="2400" b="1" dirty="0" err="1" smtClean="0">
                 <a:solidFill>
                   <a:srgbClr val="FFC000"/>
                 </a:solidFill>
                 <a:sym typeface="Wingdings" pitchFamily="2" charset="2"/>
               </a:rPr>
-              <a:t>besoins</a:t>
-            </a:r>
+              <a:t>personas</a:t>
+            </a:r>
+            <a:endParaRPr lang="fr-FR" sz="2400" b="1" dirty="0" smtClean="0">
+              <a:solidFill>
+                <a:srgbClr val="FFC000"/>
+              </a:solidFill>
+              <a:sym typeface="Wingdings" pitchFamily="2" charset="2"/>
+            </a:endParaRPr>
           </a:p>
         </p:txBody>
       </p:sp>
@@ -24305,7 +25732,7 @@
         <p:spPr>
           <a:xfrm>
             <a:off x="5508104" y="4011910"/>
-            <a:ext cx="4320480" cy="461665"/>
+            <a:ext cx="4320480" cy="830997"/>
           </a:xfrm>
           <a:prstGeom prst="rect">
             <a:avLst/>
@@ -24328,14 +25755,22 @@
               <a:t>Définir les </a:t>
             </a:r>
             <a:r>
-              <a:rPr lang="fr-FR" sz="2400" b="1" dirty="0" err="1" smtClean="0">
+              <a:rPr lang="fr-FR" sz="2400" b="1" dirty="0" smtClean="0">
                 <a:solidFill>
                   <a:srgbClr val="FFC000"/>
                 </a:solidFill>
                 <a:sym typeface="Wingdings" pitchFamily="2" charset="2"/>
               </a:rPr>
-              <a:t>personas</a:t>
-            </a:r>
+              <a:t>besoins</a:t>
+            </a:r>
+            <a:endParaRPr lang="fr-FR" sz="2400" b="1" dirty="0">
+              <a:solidFill>
+                <a:srgbClr val="FFC000"/>
+              </a:solidFill>
+              <a:sym typeface="Wingdings" pitchFamily="2" charset="2"/>
+            </a:endParaRPr>
+          </a:p>
+          <a:p>
             <a:endParaRPr lang="fr-FR" sz="2400" b="1" dirty="0" smtClean="0">
               <a:solidFill>
                 <a:srgbClr val="FFC000"/>
@@ -24881,7 +26316,7 @@
         </p:nvSpPr>
         <p:spPr>
           <a:xfrm>
-            <a:off x="467544" y="1174045"/>
+            <a:off x="431540" y="1170567"/>
             <a:ext cx="6336704" cy="3954942"/>
           </a:xfrm>
         </p:spPr>
@@ -25049,6 +26484,235 @@
             <a:endParaRPr lang="fr-FR" b="1" dirty="0">
               <a:solidFill>
                 <a:schemeClr val="bg1"/>
+              </a:solidFill>
+            </a:endParaRPr>
+          </a:p>
+        </p:txBody>
+      </p:sp>
+      <p:sp>
+        <p:nvSpPr>
+          <p:cNvPr id="8" name="Accolade fermante 7"/>
+          <p:cNvSpPr/>
+          <p:nvPr/>
+        </p:nvSpPr>
+        <p:spPr>
+          <a:xfrm>
+            <a:off x="6156176" y="1275606"/>
+            <a:ext cx="792088" cy="2232248"/>
+          </a:xfrm>
+          <a:prstGeom prst="rightBrace">
+            <a:avLst/>
+          </a:prstGeom>
+          <a:ln w="19050">
+            <a:solidFill>
+              <a:srgbClr val="FFC000"/>
+            </a:solidFill>
+          </a:ln>
+        </p:spPr>
+        <p:style>
+          <a:lnRef idx="1">
+            <a:schemeClr val="accent6"/>
+          </a:lnRef>
+          <a:fillRef idx="0">
+            <a:schemeClr val="accent6"/>
+          </a:fillRef>
+          <a:effectRef idx="0">
+            <a:schemeClr val="accent6"/>
+          </a:effectRef>
+          <a:fontRef idx="minor">
+            <a:schemeClr val="tx1"/>
+          </a:fontRef>
+        </p:style>
+        <p:txBody>
+          <a:bodyPr rtlCol="0" anchor="ctr"/>
+          <a:lstStyle/>
+          <a:p>
+            <a:pPr algn="ctr"/>
+            <a:endParaRPr lang="fr-FR"/>
+          </a:p>
+        </p:txBody>
+      </p:sp>
+      <p:cxnSp>
+        <p:nvCxnSpPr>
+          <p:cNvPr id="11" name="Connecteur droit avec flèche 10"/>
+          <p:cNvCxnSpPr/>
+          <p:nvPr/>
+        </p:nvCxnSpPr>
+        <p:spPr>
+          <a:xfrm>
+            <a:off x="6156176" y="3867894"/>
+            <a:ext cx="792088" cy="0"/>
+          </a:xfrm>
+          <a:prstGeom prst="straightConnector1">
+            <a:avLst/>
+          </a:prstGeom>
+          <a:ln w="19050">
+            <a:solidFill>
+              <a:srgbClr val="FFC000"/>
+            </a:solidFill>
+            <a:tailEnd type="arrow"/>
+          </a:ln>
+        </p:spPr>
+        <p:style>
+          <a:lnRef idx="1">
+            <a:schemeClr val="accent1"/>
+          </a:lnRef>
+          <a:fillRef idx="0">
+            <a:schemeClr val="accent1"/>
+          </a:fillRef>
+          <a:effectRef idx="0">
+            <a:schemeClr val="accent1"/>
+          </a:effectRef>
+          <a:fontRef idx="minor">
+            <a:schemeClr val="tx1"/>
+          </a:fontRef>
+        </p:style>
+      </p:cxnSp>
+      <p:cxnSp>
+        <p:nvCxnSpPr>
+          <p:cNvPr id="12" name="Connecteur droit avec flèche 11"/>
+          <p:cNvCxnSpPr/>
+          <p:nvPr/>
+        </p:nvCxnSpPr>
+        <p:spPr>
+          <a:xfrm>
+            <a:off x="6156176" y="4299942"/>
+            <a:ext cx="792088" cy="0"/>
+          </a:xfrm>
+          <a:prstGeom prst="straightConnector1">
+            <a:avLst/>
+          </a:prstGeom>
+          <a:ln w="19050">
+            <a:solidFill>
+              <a:srgbClr val="FFC000"/>
+            </a:solidFill>
+            <a:tailEnd type="arrow"/>
+          </a:ln>
+        </p:spPr>
+        <p:style>
+          <a:lnRef idx="1">
+            <a:schemeClr val="accent1"/>
+          </a:lnRef>
+          <a:fillRef idx="0">
+            <a:schemeClr val="accent1"/>
+          </a:fillRef>
+          <a:effectRef idx="0">
+            <a:schemeClr val="accent1"/>
+          </a:effectRef>
+          <a:fontRef idx="minor">
+            <a:schemeClr val="tx1"/>
+          </a:fontRef>
+        </p:style>
+      </p:cxnSp>
+      <p:sp>
+        <p:nvSpPr>
+          <p:cNvPr id="13" name="ZoneTexte 12"/>
+          <p:cNvSpPr txBox="1"/>
+          <p:nvPr/>
+        </p:nvSpPr>
+        <p:spPr>
+          <a:xfrm>
+            <a:off x="7164288" y="2160897"/>
+            <a:ext cx="1422184" cy="461665"/>
+          </a:xfrm>
+          <a:prstGeom prst="rect">
+            <a:avLst/>
+          </a:prstGeom>
+          <a:noFill/>
+        </p:spPr>
+        <p:txBody>
+          <a:bodyPr wrap="none" rtlCol="0">
+            <a:spAutoFit/>
+          </a:bodyPr>
+          <a:lstStyle/>
+          <a:p>
+            <a:r>
+              <a:rPr lang="fr-FR" sz="2400" b="1" dirty="0" smtClean="0">
+                <a:solidFill>
+                  <a:srgbClr val="FFC000"/>
+                </a:solidFill>
+              </a:rPr>
+              <a:t>Demande</a:t>
+            </a:r>
+            <a:endParaRPr lang="fr-FR" sz="2400" b="1" dirty="0">
+              <a:solidFill>
+                <a:srgbClr val="FFC000"/>
+              </a:solidFill>
+            </a:endParaRPr>
+          </a:p>
+        </p:txBody>
+      </p:sp>
+      <p:sp>
+        <p:nvSpPr>
+          <p:cNvPr id="14" name="ZoneTexte 13"/>
+          <p:cNvSpPr txBox="1"/>
+          <p:nvPr/>
+        </p:nvSpPr>
+        <p:spPr>
+          <a:xfrm>
+            <a:off x="7191611" y="3637061"/>
+            <a:ext cx="875753" cy="461665"/>
+          </a:xfrm>
+          <a:prstGeom prst="rect">
+            <a:avLst/>
+          </a:prstGeom>
+          <a:noFill/>
+        </p:spPr>
+        <p:txBody>
+          <a:bodyPr wrap="none" rtlCol="0">
+            <a:spAutoFit/>
+          </a:bodyPr>
+          <a:lstStyle/>
+          <a:p>
+            <a:r>
+              <a:rPr lang="fr-FR" sz="2400" b="1" dirty="0" smtClean="0">
+                <a:solidFill>
+                  <a:srgbClr val="FFC000"/>
+                </a:solidFill>
+              </a:rPr>
+              <a:t>Stock</a:t>
+            </a:r>
+            <a:endParaRPr lang="fr-FR" sz="2400" b="1" dirty="0">
+              <a:solidFill>
+                <a:srgbClr val="FFC000"/>
+              </a:solidFill>
+            </a:endParaRPr>
+          </a:p>
+        </p:txBody>
+      </p:sp>
+      <p:sp>
+        <p:nvSpPr>
+          <p:cNvPr id="15" name="ZoneTexte 14"/>
+          <p:cNvSpPr txBox="1"/>
+          <p:nvPr/>
+        </p:nvSpPr>
+        <p:spPr>
+          <a:xfrm>
+            <a:off x="7191611" y="4069109"/>
+            <a:ext cx="1696426" cy="461665"/>
+          </a:xfrm>
+          <a:prstGeom prst="rect">
+            <a:avLst/>
+          </a:prstGeom>
+          <a:noFill/>
+        </p:spPr>
+        <p:txBody>
+          <a:bodyPr wrap="none" rtlCol="0">
+            <a:spAutoFit/>
+          </a:bodyPr>
+          <a:lstStyle/>
+          <a:p>
+            <a:r>
+              <a:rPr lang="fr-FR" sz="2400" b="1" dirty="0" smtClean="0">
+                <a:solidFill>
+                  <a:srgbClr val="FFC000"/>
+                </a:solidFill>
+              </a:rPr>
+              <a:t>Notification</a:t>
+            </a:r>
+            <a:endParaRPr lang="fr-FR" sz="2400" b="1" dirty="0">
+              <a:solidFill>
+                <a:srgbClr val="FFC000"/>
               </a:solidFill>
             </a:endParaRPr>
           </a:p>
@@ -25080,7 +26744,7 @@
                             </p:stCondLst>
                             <p:childTnLst>
                               <p:par>
-                                <p:cTn id="5" presetID="1" presetClass="entr" presetSubtype="0" fill="hold" nodeType="clickEffect">
+                                <p:cTn id="5" presetID="1" presetClass="entr" presetSubtype="0" fill="hold" grpId="0" nodeType="clickEffect">
                                   <p:stCondLst>
                                     <p:cond delay="0"/>
                                   </p:stCondLst>
@@ -25093,11 +26757,7 @@
                                           </p:stCondLst>
                                         </p:cTn>
                                         <p:tgtEl>
-                                          <p:spTgt spid="3">
-                                            <p:txEl>
-                                              <p:pRg st="0" end="0"/>
-                                            </p:txEl>
-                                          </p:spTgt>
+                                          <p:spTgt spid="8"/>
                                         </p:tgtEl>
                                         <p:attrNameLst>
                                           <p:attrName>style.visibility</p:attrName>
@@ -25111,7 +26771,7 @@
                                 </p:cTn>
                               </p:par>
                               <p:par>
-                                <p:cTn id="7" presetID="1" presetClass="entr" presetSubtype="0" fill="hold" nodeType="withEffect">
+                                <p:cTn id="7" presetID="1" presetClass="entr" presetSubtype="0" fill="hold" grpId="0" nodeType="withEffect">
                                   <p:stCondLst>
                                     <p:cond delay="0"/>
                                   </p:stCondLst>
@@ -25124,11 +26784,7 @@
                                           </p:stCondLst>
                                         </p:cTn>
                                         <p:tgtEl>
-                                          <p:spTgt spid="3">
-                                            <p:txEl>
-                                              <p:pRg st="1" end="1"/>
-                                            </p:txEl>
-                                          </p:spTgt>
+                                          <p:spTgt spid="13"/>
                                         </p:tgtEl>
                                         <p:attrNameLst>
                                           <p:attrName>style.visibility</p:attrName>
@@ -25141,39 +26797,26 @@
                                   </p:childTnLst>
                                 </p:cTn>
                               </p:par>
+                            </p:childTnLst>
+                          </p:cTn>
+                        </p:par>
+                      </p:childTnLst>
+                    </p:cTn>
+                  </p:par>
+                  <p:par>
+                    <p:cTn id="9" fill="hold">
+                      <p:stCondLst>
+                        <p:cond delay="indefinite"/>
+                      </p:stCondLst>
+                      <p:childTnLst>
+                        <p:par>
+                          <p:cTn id="10" fill="hold">
+                            <p:stCondLst>
+                              <p:cond delay="0"/>
+                            </p:stCondLst>
+                            <p:childTnLst>
                               <p:par>
-                                <p:cTn id="9" presetID="1" presetClass="entr" presetSubtype="0" fill="hold" nodeType="withEffect">
-                                  <p:stCondLst>
-                                    <p:cond delay="0"/>
-                                  </p:stCondLst>
-                                  <p:childTnLst>
-                                    <p:set>
-                                      <p:cBhvr>
-                                        <p:cTn id="10" dur="1" fill="hold">
-                                          <p:stCondLst>
-                                            <p:cond delay="0"/>
-                                          </p:stCondLst>
-                                        </p:cTn>
-                                        <p:tgtEl>
-                                          <p:spTgt spid="3">
-                                            <p:txEl>
-                                              <p:pRg st="2" end="2"/>
-                                            </p:txEl>
-                                          </p:spTgt>
-                                        </p:tgtEl>
-                                        <p:attrNameLst>
-                                          <p:attrName>style.visibility</p:attrName>
-                                        </p:attrNameLst>
-                                      </p:cBhvr>
-                                      <p:to>
-                                        <p:strVal val="visible"/>
-                                      </p:to>
-                                    </p:set>
-                                  </p:childTnLst>
-                                </p:cTn>
-                              </p:par>
-                              <p:par>
-                                <p:cTn id="11" presetID="1" presetClass="entr" presetSubtype="0" fill="hold" nodeType="withEffect">
+                                <p:cTn id="11" presetID="1" presetClass="entr" presetSubtype="0" fill="hold" nodeType="clickEffect">
                                   <p:stCondLst>
                                     <p:cond delay="0"/>
                                   </p:stCondLst>
@@ -25188,38 +26831,7 @@
                                         <p:tgtEl>
                                           <p:spTgt spid="3">
                                             <p:txEl>
-                                              <p:pRg st="3" end="3"/>
-                                            </p:txEl>
-                                          </p:spTgt>
-                                        </p:tgtEl>
-                                        <p:attrNameLst>
-                                          <p:attrName>style.visibility</p:attrName>
-                                        </p:attrNameLst>
-                                      </p:cBhvr>
-                                      <p:to>
-                                        <p:strVal val="visible"/>
-                                      </p:to>
-                                    </p:set>
-                                  </p:childTnLst>
-                                </p:cTn>
-                              </p:par>
-                              <p:par>
-                                <p:cTn id="13" presetID="1" presetClass="entr" presetSubtype="0" fill="hold" nodeType="withEffect">
-                                  <p:stCondLst>
-                                    <p:cond delay="0"/>
-                                  </p:stCondLst>
-                                  <p:childTnLst>
-                                    <p:set>
-                                      <p:cBhvr>
-                                        <p:cTn id="14" dur="1" fill="hold">
-                                          <p:stCondLst>
-                                            <p:cond delay="0"/>
-                                          </p:stCondLst>
-                                        </p:cTn>
-                                        <p:tgtEl>
-                                          <p:spTgt spid="3">
-                                            <p:txEl>
-                                              <p:pRg st="4" end="4"/>
+                                              <p:pRg st="5" end="5"/>
                                             </p:txEl>
                                           </p:spTgt>
                                         </p:tgtEl>
@@ -25241,19 +26853,46 @@
                     </p:cTn>
                   </p:par>
                   <p:par>
-                    <p:cTn id="15" fill="hold">
+                    <p:cTn id="13" fill="hold">
                       <p:stCondLst>
                         <p:cond delay="indefinite"/>
                       </p:stCondLst>
                       <p:childTnLst>
                         <p:par>
-                          <p:cTn id="16" fill="hold">
+                          <p:cTn id="14" fill="hold">
                             <p:stCondLst>
                               <p:cond delay="0"/>
                             </p:stCondLst>
                             <p:childTnLst>
                               <p:par>
-                                <p:cTn id="17" presetID="1" presetClass="entr" presetSubtype="0" fill="hold" nodeType="clickEffect">
+                                <p:cTn id="15" presetID="1" presetClass="entr" presetSubtype="0" fill="hold" grpId="0" nodeType="clickEffect">
+                                  <p:stCondLst>
+                                    <p:cond delay="0"/>
+                                  </p:stCondLst>
+                                  <p:childTnLst>
+                                    <p:set>
+                                      <p:cBhvr>
+                                        <p:cTn id="16" dur="1" fill="hold">
+                                          <p:stCondLst>
+                                            <p:cond delay="0"/>
+                                          </p:stCondLst>
+                                        </p:cTn>
+                                        <p:tgtEl>
+                                          <p:spTgt spid="14"/>
+                                        </p:tgtEl>
+                                        <p:attrNameLst>
+                                          <p:attrName>style.visibility</p:attrName>
+                                        </p:attrNameLst>
+                                      </p:cBhvr>
+                                      <p:to>
+                                        <p:strVal val="visible"/>
+                                      </p:to>
+                                    </p:set>
+                                  </p:childTnLst>
+                                </p:cTn>
+                              </p:par>
+                              <p:par>
+                                <p:cTn id="17" presetID="1" presetClass="entr" presetSubtype="0" fill="hold" nodeType="withEffect">
                                   <p:stCondLst>
                                     <p:cond delay="0"/>
                                   </p:stCondLst>
@@ -25266,11 +26905,7 @@
                                           </p:stCondLst>
                                         </p:cTn>
                                         <p:tgtEl>
-                                          <p:spTgt spid="3">
-                                            <p:txEl>
-                                              <p:pRg st="5" end="5"/>
-                                            </p:txEl>
-                                          </p:spTgt>
+                                          <p:spTgt spid="11"/>
                                         </p:tgtEl>
                                         <p:attrNameLst>
                                           <p:attrName>style.visibility</p:attrName>
@@ -25338,6 +26973,78 @@
                       </p:childTnLst>
                     </p:cTn>
                   </p:par>
+                  <p:par>
+                    <p:cTn id="23" fill="hold">
+                      <p:stCondLst>
+                        <p:cond delay="indefinite"/>
+                      </p:stCondLst>
+                      <p:childTnLst>
+                        <p:par>
+                          <p:cTn id="24" fill="hold">
+                            <p:stCondLst>
+                              <p:cond delay="0"/>
+                            </p:stCondLst>
+                            <p:childTnLst>
+                              <p:par>
+                                <p:cTn id="25" presetID="1" presetClass="entr" presetSubtype="0" fill="hold" nodeType="clickEffect">
+                                  <p:stCondLst>
+                                    <p:cond delay="0"/>
+                                  </p:stCondLst>
+                                  <p:childTnLst>
+                                    <p:set>
+                                      <p:cBhvr>
+                                        <p:cTn id="26" dur="1" fill="hold">
+                                          <p:stCondLst>
+                                            <p:cond delay="0"/>
+                                          </p:stCondLst>
+                                        </p:cTn>
+                                        <p:tgtEl>
+                                          <p:spTgt spid="12"/>
+                                        </p:tgtEl>
+                                        <p:attrNameLst>
+                                          <p:attrName>style.visibility</p:attrName>
+                                        </p:attrNameLst>
+                                      </p:cBhvr>
+                                      <p:to>
+                                        <p:strVal val="visible"/>
+                                      </p:to>
+                                    </p:set>
+                                  </p:childTnLst>
+                                </p:cTn>
+                              </p:par>
+                              <p:par>
+                                <p:cTn id="27" presetID="1" presetClass="entr" presetSubtype="0" fill="hold" grpId="0" nodeType="withEffect">
+                                  <p:stCondLst>
+                                    <p:cond delay="0"/>
+                                  </p:stCondLst>
+                                  <p:childTnLst>
+                                    <p:set>
+                                      <p:cBhvr>
+                                        <p:cTn id="28" dur="1" fill="hold">
+                                          <p:stCondLst>
+                                            <p:cond delay="0"/>
+                                          </p:stCondLst>
+                                        </p:cTn>
+                                        <p:tgtEl>
+                                          <p:spTgt spid="15"/>
+                                        </p:tgtEl>
+                                        <p:attrNameLst>
+                                          <p:attrName>style.visibility</p:attrName>
+                                        </p:attrNameLst>
+                                      </p:cBhvr>
+                                      <p:to>
+                                        <p:strVal val="visible"/>
+                                      </p:to>
+                                    </p:set>
+                                  </p:childTnLst>
+                                </p:cTn>
+                              </p:par>
+                            </p:childTnLst>
+                          </p:cTn>
+                        </p:par>
+                      </p:childTnLst>
+                    </p:cTn>
+                  </p:par>
                 </p:childTnLst>
               </p:cTn>
               <p:prevCondLst>
@@ -25359,6 +27066,12 @@
         </p:cTn>
       </p:par>
     </p:tnLst>
+    <p:bldLst>
+      <p:bldP spid="8" grpId="0" animBg="1"/>
+      <p:bldP spid="13" grpId="0"/>
+      <p:bldP spid="14" grpId="0"/>
+      <p:bldP spid="15" grpId="0"/>
+    </p:bldLst>
   </p:timing>
 </p:sld>
 </file>
@@ -25782,7 +27495,7 @@
                                         <p:tgtEl>
                                           <p:spTgt spid="3">
                                             <p:txEl>
-                                              <p:pRg st="0" end="0"/>
+                                              <p:pRg st="2" end="2"/>
                                             </p:txEl>
                                           </p:spTgt>
                                         </p:tgtEl>
@@ -25813,7 +27526,7 @@
                                         <p:tgtEl>
                                           <p:spTgt spid="3">
                                             <p:txEl>
-                                              <p:pRg st="1" end="1"/>
+                                              <p:pRg st="3" end="3"/>
                                             </p:txEl>
                                           </p:spTgt>
                                         </p:tgtEl>
@@ -25862,7 +27575,7 @@
                                         <p:tgtEl>
                                           <p:spTgt spid="3">
                                             <p:txEl>
-                                              <p:pRg st="2" end="2"/>
+                                              <p:pRg st="4" end="4"/>
                                             </p:txEl>
                                           </p:spTgt>
                                         </p:tgtEl>
@@ -25886,86 +27599,6 @@
                                     <p:set>
                                       <p:cBhvr>
                                         <p:cTn id="14" dur="1" fill="hold">
-                                          <p:stCondLst>
-                                            <p:cond delay="0"/>
-                                          </p:stCondLst>
-                                        </p:cTn>
-                                        <p:tgtEl>
-                                          <p:spTgt spid="3">
-                                            <p:txEl>
-                                              <p:pRg st="3" end="3"/>
-                                            </p:txEl>
-                                          </p:spTgt>
-                                        </p:tgtEl>
-                                        <p:attrNameLst>
-                                          <p:attrName>style.visibility</p:attrName>
-                                        </p:attrNameLst>
-                                      </p:cBhvr>
-                                      <p:to>
-                                        <p:strVal val="visible"/>
-                                      </p:to>
-                                    </p:set>
-                                  </p:childTnLst>
-                                </p:cTn>
-                              </p:par>
-                            </p:childTnLst>
-                          </p:cTn>
-                        </p:par>
-                      </p:childTnLst>
-                    </p:cTn>
-                  </p:par>
-                  <p:par>
-                    <p:cTn id="15" fill="hold">
-                      <p:stCondLst>
-                        <p:cond delay="indefinite"/>
-                      </p:stCondLst>
-                      <p:childTnLst>
-                        <p:par>
-                          <p:cTn id="16" fill="hold">
-                            <p:stCondLst>
-                              <p:cond delay="0"/>
-                            </p:stCondLst>
-                            <p:childTnLst>
-                              <p:par>
-                                <p:cTn id="17" presetID="1" presetClass="entr" presetSubtype="0" fill="hold" nodeType="clickEffect">
-                                  <p:stCondLst>
-                                    <p:cond delay="0"/>
-                                  </p:stCondLst>
-                                  <p:childTnLst>
-                                    <p:set>
-                                      <p:cBhvr>
-                                        <p:cTn id="18" dur="1" fill="hold">
-                                          <p:stCondLst>
-                                            <p:cond delay="0"/>
-                                          </p:stCondLst>
-                                        </p:cTn>
-                                        <p:tgtEl>
-                                          <p:spTgt spid="3">
-                                            <p:txEl>
-                                              <p:pRg st="4" end="4"/>
-                                            </p:txEl>
-                                          </p:spTgt>
-                                        </p:tgtEl>
-                                        <p:attrNameLst>
-                                          <p:attrName>style.visibility</p:attrName>
-                                        </p:attrNameLst>
-                                      </p:cBhvr>
-                                      <p:to>
-                                        <p:strVal val="visible"/>
-                                      </p:to>
-                                    </p:set>
-                                  </p:childTnLst>
-                                </p:cTn>
-                              </p:par>
-                              <p:par>
-                                <p:cTn id="19" presetID="1" presetClass="entr" presetSubtype="0" fill="hold" nodeType="withEffect">
-                                  <p:stCondLst>
-                                    <p:cond delay="0"/>
-                                  </p:stCondLst>
-                                  <p:childTnLst>
-                                    <p:set>
-                                      <p:cBhvr>
-                                        <p:cTn id="20" dur="1" fill="hold">
                                           <p:stCondLst>
                                             <p:cond delay="0"/>
                                           </p:stCondLst>

--- a/Livrables/D1.3 - DEF.pptx
+++ b/Livrables/D1.3 - DEF.pptx
@@ -153,7 +153,7 @@
   </p:defaultTextStyle>
   <p:extLst>
     <p:ext uri="{EFAFB233-063F-42B5-8137-9DF3F51BA10A}">
-      <p15:sldGuideLst xmlns:p15="http://schemas.microsoft.com/office/powerpoint/2012/main" xmlns="">
+      <p15:sldGuideLst xmlns="" xmlns:p15="http://schemas.microsoft.com/office/powerpoint/2012/main">
         <p15:guide id="1" orient="horz" pos="1620">
           <p15:clr>
             <a:srgbClr val="A4A3A4"/>
@@ -322,11 +322,11 @@
         </c:dLbls>
         <c:gapWidth val="75"/>
         <c:overlap val="-25"/>
-        <c:axId val="42835968"/>
-        <c:axId val="42837504"/>
+        <c:axId val="42175488"/>
+        <c:axId val="42177280"/>
       </c:barChart>
       <c:catAx>
-        <c:axId val="42835968"/>
+        <c:axId val="42175488"/>
         <c:scaling>
           <c:orientation val="minMax"/>
         </c:scaling>
@@ -336,7 +336,7 @@
         <c:majorTickMark val="none"/>
         <c:minorTickMark val="none"/>
         <c:tickLblPos val="nextTo"/>
-        <c:crossAx val="42837504"/>
+        <c:crossAx val="42177280"/>
         <c:crosses val="autoZero"/>
         <c:auto val="1"/>
         <c:lblAlgn val="ctr"/>
@@ -344,7 +344,7 @@
         <c:noMultiLvlLbl val="0"/>
       </c:catAx>
       <c:valAx>
-        <c:axId val="42837504"/>
+        <c:axId val="42177280"/>
         <c:scaling>
           <c:orientation val="minMax"/>
         </c:scaling>
@@ -379,7 +379,7 @@
             <a:noFill/>
           </a:ln>
         </c:spPr>
-        <c:crossAx val="42835968"/>
+        <c:crossAx val="42175488"/>
         <c:crosses val="autoZero"/>
         <c:crossBetween val="between"/>
       </c:valAx>
@@ -551,11 +551,11 @@
         </c:dLbls>
         <c:gapWidth val="75"/>
         <c:overlap val="-25"/>
-        <c:axId val="43877888"/>
-        <c:axId val="43879424"/>
+        <c:axId val="63468288"/>
+        <c:axId val="63469824"/>
       </c:barChart>
       <c:catAx>
-        <c:axId val="43877888"/>
+        <c:axId val="63468288"/>
         <c:scaling>
           <c:orientation val="minMax"/>
         </c:scaling>
@@ -565,7 +565,7 @@
         <c:majorTickMark val="none"/>
         <c:minorTickMark val="none"/>
         <c:tickLblPos val="nextTo"/>
-        <c:crossAx val="43879424"/>
+        <c:crossAx val="63469824"/>
         <c:crosses val="autoZero"/>
         <c:auto val="1"/>
         <c:lblAlgn val="ctr"/>
@@ -573,7 +573,7 @@
         <c:noMultiLvlLbl val="0"/>
       </c:catAx>
       <c:valAx>
-        <c:axId val="43879424"/>
+        <c:axId val="63469824"/>
         <c:scaling>
           <c:orientation val="minMax"/>
         </c:scaling>
@@ -608,7 +608,7 @@
             <a:noFill/>
           </a:ln>
         </c:spPr>
-        <c:crossAx val="43877888"/>
+        <c:crossAx val="63468288"/>
         <c:crosses val="autoZero"/>
         <c:crossBetween val="between"/>
       </c:valAx>
@@ -768,11 +768,11 @@
         </c:dLbls>
         <c:gapWidth val="75"/>
         <c:overlap val="-25"/>
-        <c:axId val="43940864"/>
-        <c:axId val="43946752"/>
+        <c:axId val="81615104"/>
+        <c:axId val="81620992"/>
       </c:barChart>
       <c:catAx>
-        <c:axId val="43940864"/>
+        <c:axId val="81615104"/>
         <c:scaling>
           <c:orientation val="minMax"/>
         </c:scaling>
@@ -782,7 +782,7 @@
         <c:majorTickMark val="none"/>
         <c:minorTickMark val="none"/>
         <c:tickLblPos val="nextTo"/>
-        <c:crossAx val="43946752"/>
+        <c:crossAx val="81620992"/>
         <c:crosses val="autoZero"/>
         <c:auto val="1"/>
         <c:lblAlgn val="ctr"/>
@@ -790,7 +790,7 @@
         <c:noMultiLvlLbl val="0"/>
       </c:catAx>
       <c:valAx>
-        <c:axId val="43946752"/>
+        <c:axId val="81620992"/>
         <c:scaling>
           <c:orientation val="minMax"/>
         </c:scaling>
@@ -825,7 +825,7 @@
             <a:noFill/>
           </a:ln>
         </c:spPr>
-        <c:crossAx val="43940864"/>
+        <c:crossAx val="81615104"/>
         <c:crosses val="autoZero"/>
         <c:crossBetween val="between"/>
       </c:valAx>
@@ -997,11 +997,11 @@
         </c:dLbls>
         <c:gapWidth val="75"/>
         <c:overlap val="-25"/>
-        <c:axId val="80925440"/>
-        <c:axId val="80926976"/>
+        <c:axId val="116244480"/>
+        <c:axId val="116246016"/>
       </c:barChart>
       <c:catAx>
-        <c:axId val="80925440"/>
+        <c:axId val="116244480"/>
         <c:scaling>
           <c:orientation val="minMax"/>
         </c:scaling>
@@ -1011,7 +1011,7 @@
         <c:majorTickMark val="none"/>
         <c:minorTickMark val="none"/>
         <c:tickLblPos val="nextTo"/>
-        <c:crossAx val="80926976"/>
+        <c:crossAx val="116246016"/>
         <c:crosses val="autoZero"/>
         <c:auto val="1"/>
         <c:lblAlgn val="ctr"/>
@@ -1019,7 +1019,7 @@
         <c:noMultiLvlLbl val="0"/>
       </c:catAx>
       <c:valAx>
-        <c:axId val="80926976"/>
+        <c:axId val="116246016"/>
         <c:scaling>
           <c:orientation val="minMax"/>
         </c:scaling>
@@ -1054,7 +1054,7 @@
             <a:noFill/>
           </a:ln>
         </c:spPr>
-        <c:crossAx val="80925440"/>
+        <c:crossAx val="116244480"/>
         <c:crosses val="autoZero"/>
         <c:crossBetween val="between"/>
       </c:valAx>
@@ -1214,11 +1214,11 @@
         </c:dLbls>
         <c:gapWidth val="75"/>
         <c:overlap val="-25"/>
-        <c:axId val="80851328"/>
-        <c:axId val="80852864"/>
+        <c:axId val="81689984"/>
+        <c:axId val="81699968"/>
       </c:barChart>
       <c:catAx>
-        <c:axId val="80851328"/>
+        <c:axId val="81689984"/>
         <c:scaling>
           <c:orientation val="minMax"/>
         </c:scaling>
@@ -1228,7 +1228,7 @@
         <c:majorTickMark val="none"/>
         <c:minorTickMark val="none"/>
         <c:tickLblPos val="nextTo"/>
-        <c:crossAx val="80852864"/>
+        <c:crossAx val="81699968"/>
         <c:crosses val="autoZero"/>
         <c:auto val="1"/>
         <c:lblAlgn val="ctr"/>
@@ -1236,7 +1236,7 @@
         <c:noMultiLvlLbl val="0"/>
       </c:catAx>
       <c:valAx>
-        <c:axId val="80852864"/>
+        <c:axId val="81699968"/>
         <c:scaling>
           <c:orientation val="minMax"/>
         </c:scaling>
@@ -1271,7 +1271,7 @@
             <a:noFill/>
           </a:ln>
         </c:spPr>
-        <c:crossAx val="80851328"/>
+        <c:crossAx val="81689984"/>
         <c:crosses val="autoZero"/>
         <c:crossBetween val="between"/>
       </c:valAx>
@@ -1672,11 +1672,11 @@
         <c:hiLowLines/>
         <c:marker val="1"/>
         <c:smooth val="0"/>
-        <c:axId val="82027264"/>
-        <c:axId val="82029184"/>
+        <c:axId val="116301824"/>
+        <c:axId val="116303744"/>
       </c:lineChart>
       <c:catAx>
-        <c:axId val="82027264"/>
+        <c:axId val="116301824"/>
         <c:scaling>
           <c:orientation val="minMax"/>
         </c:scaling>
@@ -1705,7 +1705,7 @@
         <c:majorTickMark val="none"/>
         <c:minorTickMark val="none"/>
         <c:tickLblPos val="nextTo"/>
-        <c:crossAx val="82029184"/>
+        <c:crossAx val="116303744"/>
         <c:crosses val="autoZero"/>
         <c:auto val="1"/>
         <c:lblAlgn val="ctr"/>
@@ -1713,7 +1713,7 @@
         <c:noMultiLvlLbl val="0"/>
       </c:catAx>
       <c:valAx>
-        <c:axId val="82029184"/>
+        <c:axId val="116303744"/>
         <c:scaling>
           <c:orientation val="minMax"/>
         </c:scaling>
@@ -1743,7 +1743,7 @@
         <c:majorTickMark val="out"/>
         <c:minorTickMark val="none"/>
         <c:tickLblPos val="nextTo"/>
-        <c:crossAx val="82027264"/>
+        <c:crossAx val="116301824"/>
         <c:crosses val="autoZero"/>
         <c:crossBetween val="between"/>
       </c:valAx>
@@ -9298,6 +9298,9 @@
           <a:bodyPr/>
           <a:lstStyle/>
           <a:p>
+            <a:pPr marL="0" indent="0">
+              <a:buNone/>
+            </a:pPr>
             <a:r>
               <a:rPr lang="fr-FR" sz="2400" dirty="0" smtClean="0">
                 <a:solidFill>
@@ -9315,6 +9318,9 @@
             </a:endParaRPr>
           </a:p>
           <a:p>
+            <a:pPr marL="0" indent="0">
+              <a:buNone/>
+            </a:pPr>
             <a:r>
               <a:rPr lang="fr-FR" sz="2400" dirty="0" smtClean="0">
                 <a:solidFill>
@@ -9325,6 +9331,9 @@
             </a:r>
           </a:p>
           <a:p>
+            <a:pPr marL="0" indent="0">
+              <a:buNone/>
+            </a:pPr>
             <a:r>
               <a:rPr lang="fr-FR" sz="2400" dirty="0" smtClean="0">
                 <a:solidFill>
@@ -9335,6 +9344,9 @@
             </a:r>
           </a:p>
           <a:p>
+            <a:pPr marL="0" indent="0">
+              <a:buNone/>
+            </a:pPr>
             <a:endParaRPr lang="fr-FR" sz="2400" dirty="0" smtClean="0">
               <a:solidFill>
                 <a:srgbClr val="FFC000"/>
@@ -9342,6 +9354,9 @@
             </a:endParaRPr>
           </a:p>
           <a:p>
+            <a:pPr marL="0" indent="0">
+              <a:buNone/>
+            </a:pPr>
             <a:r>
               <a:rPr lang="fr-FR" sz="2400" dirty="0" smtClean="0">
                 <a:solidFill>
@@ -10200,6 +10215,9 @@
           <a:bodyPr/>
           <a:lstStyle/>
           <a:p>
+            <a:pPr marL="0" indent="0">
+              <a:buNone/>
+            </a:pPr>
             <a:r>
               <a:rPr lang="fr-FR" dirty="0" smtClean="0">
                 <a:solidFill>
@@ -10218,7 +10236,9 @@
             </a:r>
           </a:p>
           <a:p>
-            <a:pPr lvl="1"/>
+            <a:pPr marL="457200" lvl="1" indent="0">
+              <a:buNone/>
+            </a:pPr>
             <a:r>
               <a:rPr lang="fr-FR" dirty="0" smtClean="0">
                 <a:solidFill>
@@ -10229,7 +10249,9 @@
             </a:r>
           </a:p>
           <a:p>
-            <a:pPr lvl="1"/>
+            <a:pPr marL="457200" lvl="1" indent="0">
+              <a:buNone/>
+            </a:pPr>
             <a:r>
               <a:rPr lang="fr-FR" dirty="0" smtClean="0">
                 <a:solidFill>
@@ -10240,6 +10262,9 @@
             </a:r>
           </a:p>
           <a:p>
+            <a:pPr marL="0" indent="0">
+              <a:buNone/>
+            </a:pPr>
             <a:r>
               <a:rPr lang="fr-FR" dirty="0" smtClean="0">
                 <a:solidFill>
@@ -10258,7 +10283,9 @@
             </a:r>
           </a:p>
           <a:p>
-            <a:pPr lvl="1"/>
+            <a:pPr marL="457200" lvl="1" indent="0">
+              <a:buNone/>
+            </a:pPr>
             <a:r>
               <a:rPr lang="fr-FR" dirty="0" smtClean="0">
                 <a:solidFill>
@@ -10269,14 +10296,24 @@
             </a:r>
           </a:p>
           <a:p>
-            <a:pPr lvl="1"/>
+            <a:pPr marL="457200" lvl="1" indent="0">
+              <a:buNone/>
+            </a:pPr>
             <a:r>
               <a:rPr lang="fr-FR" dirty="0" smtClean="0">
                 <a:solidFill>
                   <a:srgbClr val="FFC000"/>
                 </a:solidFill>
               </a:rPr>
-              <a:t>Connaître son état</a:t>
+              <a:t>Connaître </a:t>
+            </a:r>
+            <a:r>
+              <a:rPr lang="fr-FR" dirty="0" smtClean="0">
+                <a:solidFill>
+                  <a:srgbClr val="FFC000"/>
+                </a:solidFill>
+              </a:rPr>
+              <a:t>son état</a:t>
             </a:r>
           </a:p>
           <a:p>
@@ -10530,6 +10567,9 @@
           <a:bodyPr/>
           <a:lstStyle/>
           <a:p>
+            <a:pPr marL="0" indent="0">
+              <a:buNone/>
+            </a:pPr>
             <a:r>
               <a:rPr lang="fr-FR" dirty="0" smtClean="0">
                 <a:solidFill>
@@ -10540,6 +10580,9 @@
             </a:r>
           </a:p>
           <a:p>
+            <a:pPr marL="0" indent="0">
+              <a:buNone/>
+            </a:pPr>
             <a:r>
               <a:rPr lang="fr-FR" dirty="0" smtClean="0">
                 <a:solidFill>
@@ -10550,6 +10593,9 @@
             </a:r>
           </a:p>
           <a:p>
+            <a:pPr marL="0" indent="0">
+              <a:buNone/>
+            </a:pPr>
             <a:r>
               <a:rPr lang="fr-FR" dirty="0" smtClean="0">
                 <a:solidFill>
@@ -10560,6 +10606,9 @@
             </a:r>
           </a:p>
           <a:p>
+            <a:pPr marL="0" indent="0">
+              <a:buNone/>
+            </a:pPr>
             <a:r>
               <a:rPr lang="fr-FR" dirty="0" smtClean="0">
                 <a:solidFill>
@@ -10570,6 +10619,9 @@
             </a:r>
           </a:p>
           <a:p>
+            <a:pPr marL="0" indent="0">
+              <a:buNone/>
+            </a:pPr>
             <a:r>
               <a:rPr lang="fr-FR" dirty="0" smtClean="0">
                 <a:solidFill>
@@ -14216,6 +14268,9 @@
             </a:lvl9pPr>
           </a:lstStyle>
           <a:p>
+            <a:pPr marL="0" indent="0">
+              <a:buNone/>
+            </a:pPr>
             <a:r>
               <a:rPr lang="fr-FR" dirty="0" smtClean="0">
                 <a:solidFill>
@@ -14226,7 +14281,9 @@
             </a:r>
           </a:p>
           <a:p>
-            <a:pPr lvl="1"/>
+            <a:pPr marL="457200" lvl="1" indent="0">
+              <a:buNone/>
+            </a:pPr>
             <a:r>
               <a:rPr lang="fr-FR" dirty="0">
                 <a:solidFill>
@@ -14245,7 +14302,9 @@
             </a:r>
           </a:p>
           <a:p>
-            <a:pPr lvl="1"/>
+            <a:pPr marL="457200" lvl="1" indent="0">
+              <a:buNone/>
+            </a:pPr>
             <a:r>
               <a:rPr lang="fr-FR" dirty="0" smtClean="0">
                 <a:solidFill>
@@ -14256,6 +14315,9 @@
             </a:r>
           </a:p>
           <a:p>
+            <a:pPr marL="0" indent="0">
+              <a:buNone/>
+            </a:pPr>
             <a:r>
               <a:rPr lang="fr-FR" dirty="0" smtClean="0">
                 <a:solidFill>
@@ -14266,6 +14328,9 @@
             </a:r>
           </a:p>
           <a:p>
+            <a:pPr marL="0" indent="0">
+              <a:buNone/>
+            </a:pPr>
             <a:r>
               <a:rPr lang="fr-FR" dirty="0" smtClean="0">
                 <a:solidFill>
@@ -14276,7 +14341,9 @@
             </a:r>
           </a:p>
           <a:p>
-            <a:pPr lvl="1"/>
+            <a:pPr marL="457200" lvl="1" indent="0">
+              <a:buNone/>
+            </a:pPr>
             <a:r>
               <a:rPr lang="fr-FR" dirty="0" smtClean="0">
                 <a:solidFill>
@@ -14287,7 +14354,9 @@
             </a:r>
           </a:p>
           <a:p>
-            <a:pPr lvl="1"/>
+            <a:pPr marL="457200" lvl="1" indent="0">
+              <a:buNone/>
+            </a:pPr>
             <a:r>
               <a:rPr lang="fr-FR" dirty="0" smtClean="0">
                 <a:solidFill>
@@ -14298,7 +14367,9 @@
             </a:r>
           </a:p>
           <a:p>
-            <a:pPr lvl="1"/>
+            <a:pPr marL="457200" lvl="1" indent="0">
+              <a:buNone/>
+            </a:pPr>
             <a:r>
               <a:rPr lang="fr-FR" dirty="0" smtClean="0">
                 <a:solidFill>
@@ -14309,7 +14380,9 @@
             </a:r>
           </a:p>
           <a:p>
-            <a:pPr lvl="1"/>
+            <a:pPr marL="457200" lvl="1" indent="0">
+              <a:buNone/>
+            </a:pPr>
             <a:r>
               <a:rPr lang="fr-FR" dirty="0" smtClean="0">
                 <a:solidFill>
@@ -16543,6 +16616,9 @@
             </a:lvl9pPr>
           </a:lstStyle>
           <a:p>
+            <a:pPr marL="0" indent="0">
+              <a:buNone/>
+            </a:pPr>
             <a:r>
               <a:rPr lang="fr-FR" dirty="0" smtClean="0">
                 <a:solidFill>
@@ -16553,6 +16629,9 @@
             </a:r>
           </a:p>
           <a:p>
+            <a:pPr marL="0" indent="0">
+              <a:buNone/>
+            </a:pPr>
             <a:r>
               <a:rPr lang="fr-FR" dirty="0" smtClean="0">
                 <a:solidFill>
@@ -16563,6 +16642,9 @@
             </a:r>
           </a:p>
           <a:p>
+            <a:pPr marL="0" indent="0">
+              <a:buNone/>
+            </a:pPr>
             <a:r>
               <a:rPr lang="fr-FR" dirty="0" smtClean="0">
                 <a:solidFill>
@@ -24202,6 +24284,9 @@
           <a:bodyPr/>
           <a:lstStyle/>
           <a:p>
+            <a:pPr marL="0" indent="0">
+              <a:buNone/>
+            </a:pPr>
             <a:r>
               <a:rPr lang="fr-FR" dirty="0" smtClean="0">
                 <a:solidFill>
@@ -24212,6 +24297,9 @@
             </a:r>
           </a:p>
           <a:p>
+            <a:pPr marL="0" indent="0">
+              <a:buNone/>
+            </a:pPr>
             <a:r>
               <a:rPr lang="fr-FR" dirty="0" smtClean="0">
                 <a:solidFill>
@@ -24222,7 +24310,9 @@
             </a:r>
           </a:p>
           <a:p>
-            <a:pPr lvl="1" indent="-108000"/>
+            <a:pPr marL="634950" lvl="1" indent="0">
+              <a:buNone/>
+            </a:pPr>
             <a:r>
               <a:rPr lang="fr-FR" sz="2000" dirty="0" smtClean="0">
                 <a:solidFill>
@@ -24233,7 +24323,9 @@
             </a:r>
           </a:p>
           <a:p>
-            <a:pPr lvl="1" indent="-108000"/>
+            <a:pPr marL="634950" lvl="1" indent="0">
+              <a:buNone/>
+            </a:pPr>
             <a:r>
               <a:rPr lang="fr-FR" sz="2000" dirty="0" smtClean="0">
                 <a:solidFill>
@@ -24244,7 +24336,9 @@
             </a:r>
           </a:p>
           <a:p>
-            <a:pPr lvl="1" indent="-108000"/>
+            <a:pPr marL="634950" lvl="1" indent="0">
+              <a:buNone/>
+            </a:pPr>
             <a:r>
               <a:rPr lang="fr-FR" sz="2000" dirty="0" smtClean="0">
                 <a:solidFill>
@@ -24255,6 +24349,9 @@
             </a:r>
           </a:p>
           <a:p>
+            <a:pPr marL="0" indent="0">
+              <a:buNone/>
+            </a:pPr>
             <a:r>
               <a:rPr lang="fr-FR" dirty="0" smtClean="0">
                 <a:solidFill>
@@ -24733,6 +24830,9 @@
           <a:bodyPr/>
           <a:lstStyle/>
           <a:p>
+            <a:pPr marL="0" indent="0">
+              <a:buNone/>
+            </a:pPr>
             <a:r>
               <a:rPr lang="fr-FR" dirty="0">
                 <a:solidFill>
@@ -24756,7 +24856,9 @@
             </a:endParaRPr>
           </a:p>
           <a:p>
-            <a:pPr lvl="1"/>
+            <a:pPr marL="457200" lvl="1" indent="0">
+              <a:buNone/>
+            </a:pPr>
             <a:r>
               <a:rPr lang="fr-FR" dirty="0" smtClean="0">
                 <a:solidFill>
@@ -24767,7 +24869,9 @@
             </a:r>
           </a:p>
           <a:p>
-            <a:pPr lvl="1"/>
+            <a:pPr marL="457200" lvl="1" indent="0">
+              <a:buNone/>
+            </a:pPr>
             <a:r>
               <a:rPr lang="fr-FR" dirty="0" smtClean="0">
                 <a:solidFill>
@@ -24778,6 +24882,9 @@
             </a:r>
           </a:p>
           <a:p>
+            <a:pPr marL="0" indent="0">
+              <a:buNone/>
+            </a:pPr>
             <a:r>
               <a:rPr lang="fr-FR" dirty="0" smtClean="0">
                 <a:solidFill>
@@ -24788,7 +24895,9 @@
             </a:r>
           </a:p>
           <a:p>
-            <a:pPr lvl="1"/>
+            <a:pPr marL="457200" lvl="1" indent="0">
+              <a:buNone/>
+            </a:pPr>
             <a:r>
               <a:rPr lang="fr-FR" dirty="0" smtClean="0">
                 <a:solidFill>
@@ -24799,7 +24908,9 @@
             </a:r>
           </a:p>
           <a:p>
-            <a:pPr lvl="1"/>
+            <a:pPr marL="457200" lvl="1" indent="0">
+              <a:buNone/>
+            </a:pPr>
             <a:r>
               <a:rPr lang="fr-FR" dirty="0" smtClean="0">
                 <a:solidFill>
@@ -25056,6 +25167,9 @@
           </a:bodyPr>
           <a:lstStyle/>
           <a:p>
+            <a:pPr marL="0" indent="0">
+              <a:buNone/>
+            </a:pPr>
             <a:r>
               <a:rPr lang="fr-FR" sz="2600" dirty="0" smtClean="0">
                 <a:solidFill>
@@ -25066,6 +25180,9 @@
             </a:r>
           </a:p>
           <a:p>
+            <a:pPr marL="0" indent="0">
+              <a:buNone/>
+            </a:pPr>
             <a:r>
               <a:rPr lang="fr-FR" sz="2600" dirty="0" smtClean="0">
                 <a:solidFill>
@@ -25076,6 +25193,9 @@
             </a:r>
           </a:p>
           <a:p>
+            <a:pPr marL="0" indent="0">
+              <a:buNone/>
+            </a:pPr>
             <a:r>
               <a:rPr lang="fr-FR" sz="2600" dirty="0" smtClean="0">
                 <a:solidFill>
@@ -25094,6 +25214,9 @@
             </a:r>
           </a:p>
           <a:p>
+            <a:pPr marL="0" indent="0">
+              <a:buNone/>
+            </a:pPr>
             <a:r>
               <a:rPr lang="fr-FR" sz="2600" dirty="0">
                 <a:solidFill>
@@ -25112,6 +25235,9 @@
             </a:r>
           </a:p>
           <a:p>
+            <a:pPr marL="0" indent="0">
+              <a:buNone/>
+            </a:pPr>
             <a:r>
               <a:rPr lang="fr-FR" sz="2600" dirty="0" smtClean="0">
                 <a:solidFill>
@@ -25130,6 +25256,9 @@
             </a:r>
           </a:p>
           <a:p>
+            <a:pPr marL="0" indent="0">
+              <a:buNone/>
+            </a:pPr>
             <a:r>
               <a:rPr lang="fr-FR" sz="2600" dirty="0" smtClean="0">
                 <a:solidFill>
@@ -25140,6 +25269,9 @@
             </a:r>
           </a:p>
           <a:p>
+            <a:pPr marL="0" indent="0">
+              <a:buNone/>
+            </a:pPr>
             <a:r>
               <a:rPr lang="fr-FR" sz="2600" dirty="0" smtClean="0">
                 <a:solidFill>
@@ -25961,6 +26093,9 @@
           <a:bodyPr/>
           <a:lstStyle/>
           <a:p>
+            <a:pPr marL="0" indent="0">
+              <a:buNone/>
+            </a:pPr>
             <a:r>
               <a:rPr lang="fr-FR" dirty="0" smtClean="0">
                 <a:solidFill>
@@ -25979,7 +26114,9 @@
             </a:r>
           </a:p>
           <a:p>
-            <a:pPr lvl="1"/>
+            <a:pPr marL="457200" lvl="1" indent="0">
+              <a:buNone/>
+            </a:pPr>
             <a:r>
               <a:rPr lang="fr-FR" dirty="0" smtClean="0">
                 <a:solidFill>
@@ -25990,6 +26127,9 @@
             </a:r>
           </a:p>
           <a:p>
+            <a:pPr marL="0" indent="0">
+              <a:buNone/>
+            </a:pPr>
             <a:r>
               <a:rPr lang="fr-FR" dirty="0" smtClean="0">
                 <a:solidFill>
@@ -26008,7 +26148,9 @@
             </a:r>
           </a:p>
           <a:p>
-            <a:pPr lvl="1"/>
+            <a:pPr marL="457200" lvl="1" indent="0">
+              <a:buNone/>
+            </a:pPr>
             <a:r>
               <a:rPr lang="fr-FR" dirty="0" smtClean="0">
                 <a:solidFill>
@@ -26019,7 +26161,9 @@
             </a:r>
           </a:p>
           <a:p>
-            <a:pPr lvl="1"/>
+            <a:pPr marL="457200" lvl="1" indent="0">
+              <a:buNone/>
+            </a:pPr>
             <a:r>
               <a:rPr lang="fr-FR" dirty="0" smtClean="0">
                 <a:solidFill>
